--- a/Apresentação.pptx
+++ b/Apresentação.pptx
@@ -20,6 +20,7 @@
     <p:sldId id="268" r:id="rId14"/>
     <p:sldId id="269" r:id="rId15"/>
     <p:sldId id="270" r:id="rId16"/>
+    <p:sldId id="271" r:id="rId17"/>
   </p:sldIdLst>
   <p:sldSz cx="12192000" cy="6858000"/>
   <p:notesSz cx="6858000" cy="9144000"/>
@@ -6774,6 +6775,36 @@
     <p:extLst>
       <p:ext uri="{BB962C8B-B14F-4D97-AF65-F5344CB8AC3E}">
         <p14:creationId xmlns:p14="http://schemas.microsoft.com/office/powerpoint/2010/main" val="889763196"/>
+      </p:ext>
+    </p:extLst>
+  </p:cSld>
+  <p:clrMapOvr>
+    <a:masterClrMapping/>
+  </p:clrMapOvr>
+</p:sld>
+</file>
+
+<file path=ppt/slides/slide16.xml><?xml version="1.0" encoding="utf-8"?>
+<p:sld xmlns:a="http://schemas.openxmlformats.org/drawingml/2006/main" xmlns:r="http://schemas.openxmlformats.org/officeDocument/2006/relationships" xmlns:p="http://schemas.openxmlformats.org/presentationml/2006/main">
+  <p:cSld>
+    <p:spTree>
+      <p:nvGrpSpPr>
+        <p:cNvPr id="1" name=""/>
+        <p:cNvGrpSpPr/>
+        <p:nvPr/>
+      </p:nvGrpSpPr>
+      <p:grpSpPr>
+        <a:xfrm>
+          <a:off x="0" y="0"/>
+          <a:ext cx="0" cy="0"/>
+          <a:chOff x="0" y="0"/>
+          <a:chExt cx="0" cy="0"/>
+        </a:xfrm>
+      </p:grpSpPr>
+    </p:spTree>
+    <p:extLst>
+      <p:ext uri="{BB962C8B-B14F-4D97-AF65-F5344CB8AC3E}">
+        <p14:creationId xmlns:p14="http://schemas.microsoft.com/office/powerpoint/2010/main" val="1920911503"/>
       </p:ext>
     </p:extLst>
   </p:cSld>

--- a/Apresentação.pptx
+++ b/Apresentação.pptx
@@ -1,26 +1,26 @@
 
 <file path=ppt/presentation.xml><?xml version="1.0" encoding="utf-8"?>
-<p:presentation xmlns:a="http://schemas.openxmlformats.org/drawingml/2006/main" xmlns:r="http://schemas.openxmlformats.org/officeDocument/2006/relationships" xmlns:p="http://schemas.openxmlformats.org/presentationml/2006/main" saveSubsetFonts="1">
+<p:presentation xmlns:a="http://schemas.openxmlformats.org/drawingml/2006/main" xmlns:r="http://schemas.openxmlformats.org/officeDocument/2006/relationships" xmlns:p="http://schemas.openxmlformats.org/presentationml/2006/main">
   <p:sldMasterIdLst>
     <p:sldMasterId id="2147483648" r:id="rId1"/>
   </p:sldMasterIdLst>
   <p:sldIdLst>
-    <p:sldId id="256" r:id="rId2"/>
-    <p:sldId id="257" r:id="rId3"/>
-    <p:sldId id="258" r:id="rId4"/>
-    <p:sldId id="259" r:id="rId5"/>
-    <p:sldId id="260" r:id="rId6"/>
-    <p:sldId id="261" r:id="rId7"/>
-    <p:sldId id="262" r:id="rId8"/>
-    <p:sldId id="263" r:id="rId9"/>
-    <p:sldId id="264" r:id="rId10"/>
-    <p:sldId id="265" r:id="rId11"/>
-    <p:sldId id="266" r:id="rId12"/>
-    <p:sldId id="267" r:id="rId13"/>
-    <p:sldId id="268" r:id="rId14"/>
-    <p:sldId id="269" r:id="rId15"/>
-    <p:sldId id="270" r:id="rId16"/>
-    <p:sldId id="271" r:id="rId17"/>
+    <p:sldId id="256" r:id="rId3"/>
+    <p:sldId id="257" r:id="rId4"/>
+    <p:sldId id="258" r:id="rId5"/>
+    <p:sldId id="259" r:id="rId6"/>
+    <p:sldId id="260" r:id="rId7"/>
+    <p:sldId id="261" r:id="rId8"/>
+    <p:sldId id="262" r:id="rId9"/>
+    <p:sldId id="263" r:id="rId10"/>
+    <p:sldId id="264" r:id="rId11"/>
+    <p:sldId id="265" r:id="rId12"/>
+    <p:sldId id="266" r:id="rId13"/>
+    <p:sldId id="267" r:id="rId14"/>
+    <p:sldId id="268" r:id="rId15"/>
+    <p:sldId id="269" r:id="rId16"/>
+    <p:sldId id="270" r:id="rId17"/>
+    <p:sldId id="271" r:id="rId18"/>
   </p:sldIdLst>
   <p:sldSz cx="12192000" cy="6858000"/>
   <p:notesSz cx="6858000" cy="9144000"/>
@@ -119,11 +119,6 @@
       </a:defRPr>
     </a:lvl9pPr>
   </p:defaultTextStyle>
-  <p:extLst>
-    <p:ext uri="{EFAFB233-063F-42B5-8137-9DF3F51BA10A}">
-      <p15:sldGuideLst xmlns:p15="http://schemas.microsoft.com/office/powerpoint/2012/main"/>
-    </p:ext>
-  </p:extLst>
 </p:presentation>
 </file>
 
@@ -146,18 +141,12 @@
       </p:grpSpPr>
       <p:sp>
         <p:nvSpPr>
-          <p:cNvPr id="2" name="Título 1">
-            <a:extLst>
-              <a:ext uri="{FF2B5EF4-FFF2-40B4-BE49-F238E27FC236}">
-                <a16:creationId xmlns:a16="http://schemas.microsoft.com/office/drawing/2014/main" id="{0A21800A-E0CE-4AAE-A20A-8A9D13BE300D}"/>
-              </a:ext>
-            </a:extLst>
-          </p:cNvPr>
+          <p:cNvPr id="2" name="Título 1"/>
           <p:cNvSpPr>
             <a:spLocks noGrp="1"/>
           </p:cNvSpPr>
           <p:nvPr>
-            <p:ph type="ctrTitle"/>
+            <p:ph type="ctrTitle" hasCustomPrompt="1"/>
           </p:nvPr>
         </p:nvSpPr>
         <p:spPr>
@@ -178,18 +167,13 @@
               <a:rPr lang="pt-BR"/>
               <a:t>Clique para editar o título Mestre</a:t>
             </a:r>
-          </a:p>
-        </p:txBody>
-      </p:sp>
-      <p:sp>
-        <p:nvSpPr>
-          <p:cNvPr id="3" name="Subtítulo 2">
-            <a:extLst>
-              <a:ext uri="{FF2B5EF4-FFF2-40B4-BE49-F238E27FC236}">
-                <a16:creationId xmlns:a16="http://schemas.microsoft.com/office/drawing/2014/main" id="{54F56218-5A4C-44D2-85ED-1A19EB1C62C1}"/>
-              </a:ext>
-            </a:extLst>
-          </p:cNvPr>
+            <a:endParaRPr lang="pt-BR"/>
+          </a:p>
+        </p:txBody>
+      </p:sp>
+      <p:sp>
+        <p:nvSpPr>
+          <p:cNvPr id="3" name="Subtítulo 2"/>
           <p:cNvSpPr>
             <a:spLocks noGrp="1"/>
           </p:cNvSpPr>
@@ -248,18 +232,13 @@
               <a:rPr lang="pt-BR"/>
               <a:t>Clique para editar o estilo do subtítulo Mestre</a:t>
             </a:r>
-          </a:p>
-        </p:txBody>
-      </p:sp>
-      <p:sp>
-        <p:nvSpPr>
-          <p:cNvPr id="4" name="Espaço Reservado para Data 3">
-            <a:extLst>
-              <a:ext uri="{FF2B5EF4-FFF2-40B4-BE49-F238E27FC236}">
-                <a16:creationId xmlns:a16="http://schemas.microsoft.com/office/drawing/2014/main" id="{4AB3E46D-E38D-4028-AAFD-ECC9D50BDB79}"/>
-              </a:ext>
-            </a:extLst>
-          </p:cNvPr>
+            <a:endParaRPr lang="pt-BR"/>
+          </a:p>
+        </p:txBody>
+      </p:sp>
+      <p:sp>
+        <p:nvSpPr>
+          <p:cNvPr id="4" name="Espaço Reservado para Data 3"/>
           <p:cNvSpPr>
             <a:spLocks noGrp="1"/>
           </p:cNvSpPr>
@@ -274,7 +253,6 @@
           <a:p>
             <a:fld id="{4C2BDBDF-3FC3-4882-B584-91431BAF618B}" type="datetimeFigureOut">
               <a:rPr lang="pt-BR" smtClean="0"/>
-              <a:t>10/09/2019</a:t>
             </a:fld>
             <a:endParaRPr lang="pt-BR"/>
           </a:p>
@@ -282,13 +260,7 @@
       </p:sp>
       <p:sp>
         <p:nvSpPr>
-          <p:cNvPr id="5" name="Espaço Reservado para Rodapé 4">
-            <a:extLst>
-              <a:ext uri="{FF2B5EF4-FFF2-40B4-BE49-F238E27FC236}">
-                <a16:creationId xmlns:a16="http://schemas.microsoft.com/office/drawing/2014/main" id="{0310B5E6-8D69-4D5C-83B5-6FDFB11440A7}"/>
-              </a:ext>
-            </a:extLst>
-          </p:cNvPr>
+          <p:cNvPr id="5" name="Espaço Reservado para Rodapé 4"/>
           <p:cNvSpPr>
             <a:spLocks noGrp="1"/>
           </p:cNvSpPr>
@@ -307,13 +279,7 @@
       </p:sp>
       <p:sp>
         <p:nvSpPr>
-          <p:cNvPr id="6" name="Espaço Reservado para Número de Slide 5">
-            <a:extLst>
-              <a:ext uri="{FF2B5EF4-FFF2-40B4-BE49-F238E27FC236}">
-                <a16:creationId xmlns:a16="http://schemas.microsoft.com/office/drawing/2014/main" id="{41008D46-9567-4A32-AF57-85980D307E12}"/>
-              </a:ext>
-            </a:extLst>
-          </p:cNvPr>
+          <p:cNvPr id="6" name="Espaço Reservado para Número de Slide 5"/>
           <p:cNvSpPr>
             <a:spLocks noGrp="1"/>
           </p:cNvSpPr>
@@ -328,18 +294,12 @@
           <a:p>
             <a:fld id="{D9E82853-9538-425E-A66F-04E4BCE18009}" type="slidenum">
               <a:rPr lang="pt-BR" smtClean="0"/>
-              <a:t>‹nº›</a:t>
             </a:fld>
             <a:endParaRPr lang="pt-BR"/>
           </a:p>
         </p:txBody>
       </p:sp>
     </p:spTree>
-    <p:extLst>
-      <p:ext uri="{BB962C8B-B14F-4D97-AF65-F5344CB8AC3E}">
-        <p14:creationId xmlns:p14="http://schemas.microsoft.com/office/powerpoint/2010/main" val="2449818657"/>
-      </p:ext>
-    </p:extLst>
   </p:cSld>
   <p:clrMapOvr>
     <a:masterClrMapping/>
@@ -366,18 +326,12 @@
       </p:grpSpPr>
       <p:sp>
         <p:nvSpPr>
-          <p:cNvPr id="2" name="Título 1">
-            <a:extLst>
-              <a:ext uri="{FF2B5EF4-FFF2-40B4-BE49-F238E27FC236}">
-                <a16:creationId xmlns:a16="http://schemas.microsoft.com/office/drawing/2014/main" id="{D15DA184-D660-4785-8A7D-54C4EB4EF671}"/>
-              </a:ext>
-            </a:extLst>
-          </p:cNvPr>
+          <p:cNvPr id="2" name="Título 1"/>
           <p:cNvSpPr>
             <a:spLocks noGrp="1"/>
           </p:cNvSpPr>
           <p:nvPr>
-            <p:ph type="title"/>
+            <p:ph type="title" hasCustomPrompt="1"/>
           </p:nvPr>
         </p:nvSpPr>
         <p:spPr/>
@@ -389,23 +343,18 @@
               <a:rPr lang="pt-BR"/>
               <a:t>Clique para editar o título Mestre</a:t>
             </a:r>
-          </a:p>
-        </p:txBody>
-      </p:sp>
-      <p:sp>
-        <p:nvSpPr>
-          <p:cNvPr id="3" name="Espaço Reservado para Texto Vertical 2">
-            <a:extLst>
-              <a:ext uri="{FF2B5EF4-FFF2-40B4-BE49-F238E27FC236}">
-                <a16:creationId xmlns:a16="http://schemas.microsoft.com/office/drawing/2014/main" id="{C7698910-C4DB-4AB4-A460-C73076E9A07D}"/>
-              </a:ext>
-            </a:extLst>
-          </p:cNvPr>
+            <a:endParaRPr lang="pt-BR"/>
+          </a:p>
+        </p:txBody>
+      </p:sp>
+      <p:sp>
+        <p:nvSpPr>
+          <p:cNvPr id="3" name="Espaço Reservado para Texto Vertical 2"/>
           <p:cNvSpPr>
             <a:spLocks noGrp="1"/>
           </p:cNvSpPr>
           <p:nvPr>
-            <p:ph type="body" orient="vert" idx="1"/>
+            <p:ph type="body" orient="vert" idx="1" hasCustomPrompt="1"/>
           </p:nvPr>
         </p:nvSpPr>
         <p:spPr/>
@@ -418,6 +367,7 @@
               <a:rPr lang="pt-BR"/>
               <a:t>Clique para editar os estilos de texto Mestres</a:t>
             </a:r>
+            <a:endParaRPr lang="pt-BR"/>
           </a:p>
           <a:p>
             <a:pPr lvl="1"/>
@@ -425,6 +375,7 @@
               <a:rPr lang="pt-BR"/>
               <a:t>Segundo nível</a:t>
             </a:r>
+            <a:endParaRPr lang="pt-BR"/>
           </a:p>
           <a:p>
             <a:pPr lvl="2"/>
@@ -432,6 +383,7 @@
               <a:rPr lang="pt-BR"/>
               <a:t>Terceiro nível</a:t>
             </a:r>
+            <a:endParaRPr lang="pt-BR"/>
           </a:p>
           <a:p>
             <a:pPr lvl="3"/>
@@ -439,6 +391,7 @@
               <a:rPr lang="pt-BR"/>
               <a:t>Quarto nível</a:t>
             </a:r>
+            <a:endParaRPr lang="pt-BR"/>
           </a:p>
           <a:p>
             <a:pPr lvl="4"/>
@@ -446,18 +399,13 @@
               <a:rPr lang="pt-BR"/>
               <a:t>Quinto nível</a:t>
             </a:r>
-          </a:p>
-        </p:txBody>
-      </p:sp>
-      <p:sp>
-        <p:nvSpPr>
-          <p:cNvPr id="4" name="Espaço Reservado para Data 3">
-            <a:extLst>
-              <a:ext uri="{FF2B5EF4-FFF2-40B4-BE49-F238E27FC236}">
-                <a16:creationId xmlns:a16="http://schemas.microsoft.com/office/drawing/2014/main" id="{185E3DF1-4215-4FDF-BFF2-738CC95DA8B6}"/>
-              </a:ext>
-            </a:extLst>
-          </p:cNvPr>
+            <a:endParaRPr lang="pt-BR"/>
+          </a:p>
+        </p:txBody>
+      </p:sp>
+      <p:sp>
+        <p:nvSpPr>
+          <p:cNvPr id="4" name="Espaço Reservado para Data 3"/>
           <p:cNvSpPr>
             <a:spLocks noGrp="1"/>
           </p:cNvSpPr>
@@ -472,7 +420,6 @@
           <a:p>
             <a:fld id="{4C2BDBDF-3FC3-4882-B584-91431BAF618B}" type="datetimeFigureOut">
               <a:rPr lang="pt-BR" smtClean="0"/>
-              <a:t>10/09/2019</a:t>
             </a:fld>
             <a:endParaRPr lang="pt-BR"/>
           </a:p>
@@ -480,13 +427,7 @@
       </p:sp>
       <p:sp>
         <p:nvSpPr>
-          <p:cNvPr id="5" name="Espaço Reservado para Rodapé 4">
-            <a:extLst>
-              <a:ext uri="{FF2B5EF4-FFF2-40B4-BE49-F238E27FC236}">
-                <a16:creationId xmlns:a16="http://schemas.microsoft.com/office/drawing/2014/main" id="{1906B85F-CBF5-41F4-84A5-5BA5EE2B6A29}"/>
-              </a:ext>
-            </a:extLst>
-          </p:cNvPr>
+          <p:cNvPr id="5" name="Espaço Reservado para Rodapé 4"/>
           <p:cNvSpPr>
             <a:spLocks noGrp="1"/>
           </p:cNvSpPr>
@@ -505,13 +446,7 @@
       </p:sp>
       <p:sp>
         <p:nvSpPr>
-          <p:cNvPr id="6" name="Espaço Reservado para Número de Slide 5">
-            <a:extLst>
-              <a:ext uri="{FF2B5EF4-FFF2-40B4-BE49-F238E27FC236}">
-                <a16:creationId xmlns:a16="http://schemas.microsoft.com/office/drawing/2014/main" id="{BBAC027F-F5CD-47A9-887B-03BD781774EE}"/>
-              </a:ext>
-            </a:extLst>
-          </p:cNvPr>
+          <p:cNvPr id="6" name="Espaço Reservado para Número de Slide 5"/>
           <p:cNvSpPr>
             <a:spLocks noGrp="1"/>
           </p:cNvSpPr>
@@ -526,18 +461,12 @@
           <a:p>
             <a:fld id="{D9E82853-9538-425E-A66F-04E4BCE18009}" type="slidenum">
               <a:rPr lang="pt-BR" smtClean="0"/>
-              <a:t>‹nº›</a:t>
             </a:fld>
             <a:endParaRPr lang="pt-BR"/>
           </a:p>
         </p:txBody>
       </p:sp>
     </p:spTree>
-    <p:extLst>
-      <p:ext uri="{BB962C8B-B14F-4D97-AF65-F5344CB8AC3E}">
-        <p14:creationId xmlns:p14="http://schemas.microsoft.com/office/powerpoint/2010/main" val="3637452489"/>
-      </p:ext>
-    </p:extLst>
   </p:cSld>
   <p:clrMapOvr>
     <a:masterClrMapping/>
@@ -564,18 +493,12 @@
       </p:grpSpPr>
       <p:sp>
         <p:nvSpPr>
-          <p:cNvPr id="2" name="Título Vertical 1">
-            <a:extLst>
-              <a:ext uri="{FF2B5EF4-FFF2-40B4-BE49-F238E27FC236}">
-                <a16:creationId xmlns:a16="http://schemas.microsoft.com/office/drawing/2014/main" id="{F2ABAE85-2C86-482A-B710-4E6011008E6A}"/>
-              </a:ext>
-            </a:extLst>
-          </p:cNvPr>
+          <p:cNvPr id="2" name="Título Vertical 1"/>
           <p:cNvSpPr>
             <a:spLocks noGrp="1"/>
           </p:cNvSpPr>
           <p:nvPr>
-            <p:ph type="title" orient="vert"/>
+            <p:ph type="title" orient="vert" hasCustomPrompt="1"/>
           </p:nvPr>
         </p:nvSpPr>
         <p:spPr>
@@ -592,23 +515,18 @@
               <a:rPr lang="pt-BR"/>
               <a:t>Clique para editar o título Mestre</a:t>
             </a:r>
-          </a:p>
-        </p:txBody>
-      </p:sp>
-      <p:sp>
-        <p:nvSpPr>
-          <p:cNvPr id="3" name="Espaço Reservado para Texto Vertical 2">
-            <a:extLst>
-              <a:ext uri="{FF2B5EF4-FFF2-40B4-BE49-F238E27FC236}">
-                <a16:creationId xmlns:a16="http://schemas.microsoft.com/office/drawing/2014/main" id="{E9090238-D40C-48AE-960C-13D5C20A2017}"/>
-              </a:ext>
-            </a:extLst>
-          </p:cNvPr>
+            <a:endParaRPr lang="pt-BR"/>
+          </a:p>
+        </p:txBody>
+      </p:sp>
+      <p:sp>
+        <p:nvSpPr>
+          <p:cNvPr id="3" name="Espaço Reservado para Texto Vertical 2"/>
           <p:cNvSpPr>
             <a:spLocks noGrp="1"/>
           </p:cNvSpPr>
           <p:nvPr>
-            <p:ph type="body" orient="vert" idx="1"/>
+            <p:ph type="body" orient="vert" idx="1" hasCustomPrompt="1"/>
           </p:nvPr>
         </p:nvSpPr>
         <p:spPr>
@@ -626,6 +544,7 @@
               <a:rPr lang="pt-BR"/>
               <a:t>Clique para editar os estilos de texto Mestres</a:t>
             </a:r>
+            <a:endParaRPr lang="pt-BR"/>
           </a:p>
           <a:p>
             <a:pPr lvl="1"/>
@@ -633,6 +552,7 @@
               <a:rPr lang="pt-BR"/>
               <a:t>Segundo nível</a:t>
             </a:r>
+            <a:endParaRPr lang="pt-BR"/>
           </a:p>
           <a:p>
             <a:pPr lvl="2"/>
@@ -640,6 +560,7 @@
               <a:rPr lang="pt-BR"/>
               <a:t>Terceiro nível</a:t>
             </a:r>
+            <a:endParaRPr lang="pt-BR"/>
           </a:p>
           <a:p>
             <a:pPr lvl="3"/>
@@ -647,6 +568,7 @@
               <a:rPr lang="pt-BR"/>
               <a:t>Quarto nível</a:t>
             </a:r>
+            <a:endParaRPr lang="pt-BR"/>
           </a:p>
           <a:p>
             <a:pPr lvl="4"/>
@@ -654,18 +576,13 @@
               <a:rPr lang="pt-BR"/>
               <a:t>Quinto nível</a:t>
             </a:r>
-          </a:p>
-        </p:txBody>
-      </p:sp>
-      <p:sp>
-        <p:nvSpPr>
-          <p:cNvPr id="4" name="Espaço Reservado para Data 3">
-            <a:extLst>
-              <a:ext uri="{FF2B5EF4-FFF2-40B4-BE49-F238E27FC236}">
-                <a16:creationId xmlns:a16="http://schemas.microsoft.com/office/drawing/2014/main" id="{D6A4F95B-3B24-4A77-8B9D-9AD2E3938669}"/>
-              </a:ext>
-            </a:extLst>
-          </p:cNvPr>
+            <a:endParaRPr lang="pt-BR"/>
+          </a:p>
+        </p:txBody>
+      </p:sp>
+      <p:sp>
+        <p:nvSpPr>
+          <p:cNvPr id="4" name="Espaço Reservado para Data 3"/>
           <p:cNvSpPr>
             <a:spLocks noGrp="1"/>
           </p:cNvSpPr>
@@ -680,7 +597,6 @@
           <a:p>
             <a:fld id="{4C2BDBDF-3FC3-4882-B584-91431BAF618B}" type="datetimeFigureOut">
               <a:rPr lang="pt-BR" smtClean="0"/>
-              <a:t>10/09/2019</a:t>
             </a:fld>
             <a:endParaRPr lang="pt-BR"/>
           </a:p>
@@ -688,13 +604,7 @@
       </p:sp>
       <p:sp>
         <p:nvSpPr>
-          <p:cNvPr id="5" name="Espaço Reservado para Rodapé 4">
-            <a:extLst>
-              <a:ext uri="{FF2B5EF4-FFF2-40B4-BE49-F238E27FC236}">
-                <a16:creationId xmlns:a16="http://schemas.microsoft.com/office/drawing/2014/main" id="{FA3104C4-E496-4CE1-BF58-918DB11B0875}"/>
-              </a:ext>
-            </a:extLst>
-          </p:cNvPr>
+          <p:cNvPr id="5" name="Espaço Reservado para Rodapé 4"/>
           <p:cNvSpPr>
             <a:spLocks noGrp="1"/>
           </p:cNvSpPr>
@@ -713,13 +623,7 @@
       </p:sp>
       <p:sp>
         <p:nvSpPr>
-          <p:cNvPr id="6" name="Espaço Reservado para Número de Slide 5">
-            <a:extLst>
-              <a:ext uri="{FF2B5EF4-FFF2-40B4-BE49-F238E27FC236}">
-                <a16:creationId xmlns:a16="http://schemas.microsoft.com/office/drawing/2014/main" id="{B376F3C3-BCEA-4441-89E9-2642097F43FF}"/>
-              </a:ext>
-            </a:extLst>
-          </p:cNvPr>
+          <p:cNvPr id="6" name="Espaço Reservado para Número de Slide 5"/>
           <p:cNvSpPr>
             <a:spLocks noGrp="1"/>
           </p:cNvSpPr>
@@ -734,18 +638,12 @@
           <a:p>
             <a:fld id="{D9E82853-9538-425E-A66F-04E4BCE18009}" type="slidenum">
               <a:rPr lang="pt-BR" smtClean="0"/>
-              <a:t>‹nº›</a:t>
             </a:fld>
             <a:endParaRPr lang="pt-BR"/>
           </a:p>
         </p:txBody>
       </p:sp>
     </p:spTree>
-    <p:extLst>
-      <p:ext uri="{BB962C8B-B14F-4D97-AF65-F5344CB8AC3E}">
-        <p14:creationId xmlns:p14="http://schemas.microsoft.com/office/powerpoint/2010/main" val="3334077772"/>
-      </p:ext>
-    </p:extLst>
   </p:cSld>
   <p:clrMapOvr>
     <a:masterClrMapping/>
@@ -772,18 +670,12 @@
       </p:grpSpPr>
       <p:sp>
         <p:nvSpPr>
-          <p:cNvPr id="2" name="Título 1">
-            <a:extLst>
-              <a:ext uri="{FF2B5EF4-FFF2-40B4-BE49-F238E27FC236}">
-                <a16:creationId xmlns:a16="http://schemas.microsoft.com/office/drawing/2014/main" id="{12BAFF70-093E-47DE-A2A6-9777C8B7DB24}"/>
-              </a:ext>
-            </a:extLst>
-          </p:cNvPr>
+          <p:cNvPr id="2" name="Título 1"/>
           <p:cNvSpPr>
             <a:spLocks noGrp="1"/>
           </p:cNvSpPr>
           <p:nvPr>
-            <p:ph type="title"/>
+            <p:ph type="title" hasCustomPrompt="1"/>
           </p:nvPr>
         </p:nvSpPr>
         <p:spPr/>
@@ -795,23 +687,18 @@
               <a:rPr lang="pt-BR"/>
               <a:t>Clique para editar o título Mestre</a:t>
             </a:r>
-          </a:p>
-        </p:txBody>
-      </p:sp>
-      <p:sp>
-        <p:nvSpPr>
-          <p:cNvPr id="3" name="Espaço Reservado para Conteúdo 2">
-            <a:extLst>
-              <a:ext uri="{FF2B5EF4-FFF2-40B4-BE49-F238E27FC236}">
-                <a16:creationId xmlns:a16="http://schemas.microsoft.com/office/drawing/2014/main" id="{F4E18482-2C0F-4E32-B8C3-367B30789BE9}"/>
-              </a:ext>
-            </a:extLst>
-          </p:cNvPr>
+            <a:endParaRPr lang="pt-BR"/>
+          </a:p>
+        </p:txBody>
+      </p:sp>
+      <p:sp>
+        <p:nvSpPr>
+          <p:cNvPr id="3" name="Espaço Reservado para Conteúdo 2"/>
           <p:cNvSpPr>
             <a:spLocks noGrp="1"/>
           </p:cNvSpPr>
           <p:nvPr>
-            <p:ph idx="1"/>
+            <p:ph idx="1" hasCustomPrompt="1"/>
           </p:nvPr>
         </p:nvSpPr>
         <p:spPr/>
@@ -824,6 +711,7 @@
               <a:rPr lang="pt-BR"/>
               <a:t>Clique para editar os estilos de texto Mestres</a:t>
             </a:r>
+            <a:endParaRPr lang="pt-BR"/>
           </a:p>
           <a:p>
             <a:pPr lvl="1"/>
@@ -831,6 +719,7 @@
               <a:rPr lang="pt-BR"/>
               <a:t>Segundo nível</a:t>
             </a:r>
+            <a:endParaRPr lang="pt-BR"/>
           </a:p>
           <a:p>
             <a:pPr lvl="2"/>
@@ -838,6 +727,7 @@
               <a:rPr lang="pt-BR"/>
               <a:t>Terceiro nível</a:t>
             </a:r>
+            <a:endParaRPr lang="pt-BR"/>
           </a:p>
           <a:p>
             <a:pPr lvl="3"/>
@@ -845,6 +735,7 @@
               <a:rPr lang="pt-BR"/>
               <a:t>Quarto nível</a:t>
             </a:r>
+            <a:endParaRPr lang="pt-BR"/>
           </a:p>
           <a:p>
             <a:pPr lvl="4"/>
@@ -852,18 +743,13 @@
               <a:rPr lang="pt-BR"/>
               <a:t>Quinto nível</a:t>
             </a:r>
-          </a:p>
-        </p:txBody>
-      </p:sp>
-      <p:sp>
-        <p:nvSpPr>
-          <p:cNvPr id="4" name="Espaço Reservado para Data 3">
-            <a:extLst>
-              <a:ext uri="{FF2B5EF4-FFF2-40B4-BE49-F238E27FC236}">
-                <a16:creationId xmlns:a16="http://schemas.microsoft.com/office/drawing/2014/main" id="{AE14D1DF-58E8-4B05-A09B-F6F001F4DBDD}"/>
-              </a:ext>
-            </a:extLst>
-          </p:cNvPr>
+            <a:endParaRPr lang="pt-BR"/>
+          </a:p>
+        </p:txBody>
+      </p:sp>
+      <p:sp>
+        <p:nvSpPr>
+          <p:cNvPr id="4" name="Espaço Reservado para Data 3"/>
           <p:cNvSpPr>
             <a:spLocks noGrp="1"/>
           </p:cNvSpPr>
@@ -878,7 +764,6 @@
           <a:p>
             <a:fld id="{4C2BDBDF-3FC3-4882-B584-91431BAF618B}" type="datetimeFigureOut">
               <a:rPr lang="pt-BR" smtClean="0"/>
-              <a:t>10/09/2019</a:t>
             </a:fld>
             <a:endParaRPr lang="pt-BR"/>
           </a:p>
@@ -886,13 +771,7 @@
       </p:sp>
       <p:sp>
         <p:nvSpPr>
-          <p:cNvPr id="5" name="Espaço Reservado para Rodapé 4">
-            <a:extLst>
-              <a:ext uri="{FF2B5EF4-FFF2-40B4-BE49-F238E27FC236}">
-                <a16:creationId xmlns:a16="http://schemas.microsoft.com/office/drawing/2014/main" id="{94745D0D-0EC0-4E6C-9655-11391BF1486D}"/>
-              </a:ext>
-            </a:extLst>
-          </p:cNvPr>
+          <p:cNvPr id="5" name="Espaço Reservado para Rodapé 4"/>
           <p:cNvSpPr>
             <a:spLocks noGrp="1"/>
           </p:cNvSpPr>
@@ -911,13 +790,7 @@
       </p:sp>
       <p:sp>
         <p:nvSpPr>
-          <p:cNvPr id="6" name="Espaço Reservado para Número de Slide 5">
-            <a:extLst>
-              <a:ext uri="{FF2B5EF4-FFF2-40B4-BE49-F238E27FC236}">
-                <a16:creationId xmlns:a16="http://schemas.microsoft.com/office/drawing/2014/main" id="{C15C8C6D-74F1-4634-9B8D-93C3443D25E7}"/>
-              </a:ext>
-            </a:extLst>
-          </p:cNvPr>
+          <p:cNvPr id="6" name="Espaço Reservado para Número de Slide 5"/>
           <p:cNvSpPr>
             <a:spLocks noGrp="1"/>
           </p:cNvSpPr>
@@ -932,18 +805,12 @@
           <a:p>
             <a:fld id="{D9E82853-9538-425E-A66F-04E4BCE18009}" type="slidenum">
               <a:rPr lang="pt-BR" smtClean="0"/>
-              <a:t>‹nº›</a:t>
             </a:fld>
             <a:endParaRPr lang="pt-BR"/>
           </a:p>
         </p:txBody>
       </p:sp>
     </p:spTree>
-    <p:extLst>
-      <p:ext uri="{BB962C8B-B14F-4D97-AF65-F5344CB8AC3E}">
-        <p14:creationId xmlns:p14="http://schemas.microsoft.com/office/powerpoint/2010/main" val="2126097312"/>
-      </p:ext>
-    </p:extLst>
   </p:cSld>
   <p:clrMapOvr>
     <a:masterClrMapping/>
@@ -970,18 +837,12 @@
       </p:grpSpPr>
       <p:sp>
         <p:nvSpPr>
-          <p:cNvPr id="2" name="Título 1">
-            <a:extLst>
-              <a:ext uri="{FF2B5EF4-FFF2-40B4-BE49-F238E27FC236}">
-                <a16:creationId xmlns:a16="http://schemas.microsoft.com/office/drawing/2014/main" id="{E1B95AC2-7216-45B2-A8D4-09D15B6831A0}"/>
-              </a:ext>
-            </a:extLst>
-          </p:cNvPr>
+          <p:cNvPr id="2" name="Título 1"/>
           <p:cNvSpPr>
             <a:spLocks noGrp="1"/>
           </p:cNvSpPr>
           <p:nvPr>
-            <p:ph type="title"/>
+            <p:ph type="title" hasCustomPrompt="1"/>
           </p:nvPr>
         </p:nvSpPr>
         <p:spPr>
@@ -1002,23 +863,18 @@
               <a:rPr lang="pt-BR"/>
               <a:t>Clique para editar o título Mestre</a:t>
             </a:r>
-          </a:p>
-        </p:txBody>
-      </p:sp>
-      <p:sp>
-        <p:nvSpPr>
-          <p:cNvPr id="3" name="Espaço Reservado para Texto 2">
-            <a:extLst>
-              <a:ext uri="{FF2B5EF4-FFF2-40B4-BE49-F238E27FC236}">
-                <a16:creationId xmlns:a16="http://schemas.microsoft.com/office/drawing/2014/main" id="{22050166-7BB0-49AB-B70D-C822E9221FBD}"/>
-              </a:ext>
-            </a:extLst>
-          </p:cNvPr>
+            <a:endParaRPr lang="pt-BR"/>
+          </a:p>
+        </p:txBody>
+      </p:sp>
+      <p:sp>
+        <p:nvSpPr>
+          <p:cNvPr id="3" name="Espaço Reservado para Texto 2"/>
           <p:cNvSpPr>
             <a:spLocks noGrp="1"/>
           </p:cNvSpPr>
           <p:nvPr>
-            <p:ph type="body" idx="1"/>
+            <p:ph type="body" idx="1" hasCustomPrompt="1"/>
           </p:nvPr>
         </p:nvSpPr>
         <p:spPr>
@@ -1127,18 +983,13 @@
               <a:rPr lang="pt-BR"/>
               <a:t>Clique para editar os estilos de texto Mestres</a:t>
             </a:r>
-          </a:p>
-        </p:txBody>
-      </p:sp>
-      <p:sp>
-        <p:nvSpPr>
-          <p:cNvPr id="4" name="Espaço Reservado para Data 3">
-            <a:extLst>
-              <a:ext uri="{FF2B5EF4-FFF2-40B4-BE49-F238E27FC236}">
-                <a16:creationId xmlns:a16="http://schemas.microsoft.com/office/drawing/2014/main" id="{83D01003-C205-4017-BE22-529E6FC08FBF}"/>
-              </a:ext>
-            </a:extLst>
-          </p:cNvPr>
+            <a:endParaRPr lang="pt-BR"/>
+          </a:p>
+        </p:txBody>
+      </p:sp>
+      <p:sp>
+        <p:nvSpPr>
+          <p:cNvPr id="4" name="Espaço Reservado para Data 3"/>
           <p:cNvSpPr>
             <a:spLocks noGrp="1"/>
           </p:cNvSpPr>
@@ -1153,7 +1004,6 @@
           <a:p>
             <a:fld id="{4C2BDBDF-3FC3-4882-B584-91431BAF618B}" type="datetimeFigureOut">
               <a:rPr lang="pt-BR" smtClean="0"/>
-              <a:t>10/09/2019</a:t>
             </a:fld>
             <a:endParaRPr lang="pt-BR"/>
           </a:p>
@@ -1161,13 +1011,7 @@
       </p:sp>
       <p:sp>
         <p:nvSpPr>
-          <p:cNvPr id="5" name="Espaço Reservado para Rodapé 4">
-            <a:extLst>
-              <a:ext uri="{FF2B5EF4-FFF2-40B4-BE49-F238E27FC236}">
-                <a16:creationId xmlns:a16="http://schemas.microsoft.com/office/drawing/2014/main" id="{25567967-B34E-4C84-863A-F789BE7A0305}"/>
-              </a:ext>
-            </a:extLst>
-          </p:cNvPr>
+          <p:cNvPr id="5" name="Espaço Reservado para Rodapé 4"/>
           <p:cNvSpPr>
             <a:spLocks noGrp="1"/>
           </p:cNvSpPr>
@@ -1186,13 +1030,7 @@
       </p:sp>
       <p:sp>
         <p:nvSpPr>
-          <p:cNvPr id="6" name="Espaço Reservado para Número de Slide 5">
-            <a:extLst>
-              <a:ext uri="{FF2B5EF4-FFF2-40B4-BE49-F238E27FC236}">
-                <a16:creationId xmlns:a16="http://schemas.microsoft.com/office/drawing/2014/main" id="{4CA36850-CC90-4840-BC38-A18D9BEDFBA7}"/>
-              </a:ext>
-            </a:extLst>
-          </p:cNvPr>
+          <p:cNvPr id="6" name="Espaço Reservado para Número de Slide 5"/>
           <p:cNvSpPr>
             <a:spLocks noGrp="1"/>
           </p:cNvSpPr>
@@ -1207,18 +1045,12 @@
           <a:p>
             <a:fld id="{D9E82853-9538-425E-A66F-04E4BCE18009}" type="slidenum">
               <a:rPr lang="pt-BR" smtClean="0"/>
-              <a:t>‹nº›</a:t>
             </a:fld>
             <a:endParaRPr lang="pt-BR"/>
           </a:p>
         </p:txBody>
       </p:sp>
     </p:spTree>
-    <p:extLst>
-      <p:ext uri="{BB962C8B-B14F-4D97-AF65-F5344CB8AC3E}">
-        <p14:creationId xmlns:p14="http://schemas.microsoft.com/office/powerpoint/2010/main" val="1442156969"/>
-      </p:ext>
-    </p:extLst>
   </p:cSld>
   <p:clrMapOvr>
     <a:masterClrMapping/>
@@ -1245,18 +1077,12 @@
       </p:grpSpPr>
       <p:sp>
         <p:nvSpPr>
-          <p:cNvPr id="2" name="Título 1">
-            <a:extLst>
-              <a:ext uri="{FF2B5EF4-FFF2-40B4-BE49-F238E27FC236}">
-                <a16:creationId xmlns:a16="http://schemas.microsoft.com/office/drawing/2014/main" id="{3B27CAC5-F378-46FF-AC8E-5C059CDB6317}"/>
-              </a:ext>
-            </a:extLst>
-          </p:cNvPr>
+          <p:cNvPr id="2" name="Título 1"/>
           <p:cNvSpPr>
             <a:spLocks noGrp="1"/>
           </p:cNvSpPr>
           <p:nvPr>
-            <p:ph type="title"/>
+            <p:ph type="title" hasCustomPrompt="1"/>
           </p:nvPr>
         </p:nvSpPr>
         <p:spPr/>
@@ -1268,23 +1094,18 @@
               <a:rPr lang="pt-BR"/>
               <a:t>Clique para editar o título Mestre</a:t>
             </a:r>
-          </a:p>
-        </p:txBody>
-      </p:sp>
-      <p:sp>
-        <p:nvSpPr>
-          <p:cNvPr id="3" name="Espaço Reservado para Conteúdo 2">
-            <a:extLst>
-              <a:ext uri="{FF2B5EF4-FFF2-40B4-BE49-F238E27FC236}">
-                <a16:creationId xmlns:a16="http://schemas.microsoft.com/office/drawing/2014/main" id="{6FF7467C-796A-4318-BC55-157852A4CAC2}"/>
-              </a:ext>
-            </a:extLst>
-          </p:cNvPr>
+            <a:endParaRPr lang="pt-BR"/>
+          </a:p>
+        </p:txBody>
+      </p:sp>
+      <p:sp>
+        <p:nvSpPr>
+          <p:cNvPr id="3" name="Espaço Reservado para Conteúdo 2"/>
           <p:cNvSpPr>
             <a:spLocks noGrp="1"/>
           </p:cNvSpPr>
           <p:nvPr>
-            <p:ph sz="half" idx="1"/>
+            <p:ph sz="half" idx="1" hasCustomPrompt="1"/>
           </p:nvPr>
         </p:nvSpPr>
         <p:spPr>
@@ -1302,6 +1123,7 @@
               <a:rPr lang="pt-BR"/>
               <a:t>Clique para editar os estilos de texto Mestres</a:t>
             </a:r>
+            <a:endParaRPr lang="pt-BR"/>
           </a:p>
           <a:p>
             <a:pPr lvl="1"/>
@@ -1309,6 +1131,7 @@
               <a:rPr lang="pt-BR"/>
               <a:t>Segundo nível</a:t>
             </a:r>
+            <a:endParaRPr lang="pt-BR"/>
           </a:p>
           <a:p>
             <a:pPr lvl="2"/>
@@ -1316,6 +1139,7 @@
               <a:rPr lang="pt-BR"/>
               <a:t>Terceiro nível</a:t>
             </a:r>
+            <a:endParaRPr lang="pt-BR"/>
           </a:p>
           <a:p>
             <a:pPr lvl="3"/>
@@ -1323,6 +1147,7 @@
               <a:rPr lang="pt-BR"/>
               <a:t>Quarto nível</a:t>
             </a:r>
+            <a:endParaRPr lang="pt-BR"/>
           </a:p>
           <a:p>
             <a:pPr lvl="4"/>
@@ -1330,23 +1155,18 @@
               <a:rPr lang="pt-BR"/>
               <a:t>Quinto nível</a:t>
             </a:r>
-          </a:p>
-        </p:txBody>
-      </p:sp>
-      <p:sp>
-        <p:nvSpPr>
-          <p:cNvPr id="4" name="Espaço Reservado para Conteúdo 3">
-            <a:extLst>
-              <a:ext uri="{FF2B5EF4-FFF2-40B4-BE49-F238E27FC236}">
-                <a16:creationId xmlns:a16="http://schemas.microsoft.com/office/drawing/2014/main" id="{73983AED-D44B-40E4-8793-5E299050A4B5}"/>
-              </a:ext>
-            </a:extLst>
-          </p:cNvPr>
+            <a:endParaRPr lang="pt-BR"/>
+          </a:p>
+        </p:txBody>
+      </p:sp>
+      <p:sp>
+        <p:nvSpPr>
+          <p:cNvPr id="4" name="Espaço Reservado para Conteúdo 3"/>
           <p:cNvSpPr>
             <a:spLocks noGrp="1"/>
           </p:cNvSpPr>
           <p:nvPr>
-            <p:ph sz="half" idx="2"/>
+            <p:ph sz="half" idx="2" hasCustomPrompt="1"/>
           </p:nvPr>
         </p:nvSpPr>
         <p:spPr>
@@ -1364,6 +1184,7 @@
               <a:rPr lang="pt-BR"/>
               <a:t>Clique para editar os estilos de texto Mestres</a:t>
             </a:r>
+            <a:endParaRPr lang="pt-BR"/>
           </a:p>
           <a:p>
             <a:pPr lvl="1"/>
@@ -1371,6 +1192,7 @@
               <a:rPr lang="pt-BR"/>
               <a:t>Segundo nível</a:t>
             </a:r>
+            <a:endParaRPr lang="pt-BR"/>
           </a:p>
           <a:p>
             <a:pPr lvl="2"/>
@@ -1378,6 +1200,7 @@
               <a:rPr lang="pt-BR"/>
               <a:t>Terceiro nível</a:t>
             </a:r>
+            <a:endParaRPr lang="pt-BR"/>
           </a:p>
           <a:p>
             <a:pPr lvl="3"/>
@@ -1385,6 +1208,7 @@
               <a:rPr lang="pt-BR"/>
               <a:t>Quarto nível</a:t>
             </a:r>
+            <a:endParaRPr lang="pt-BR"/>
           </a:p>
           <a:p>
             <a:pPr lvl="4"/>
@@ -1392,18 +1216,13 @@
               <a:rPr lang="pt-BR"/>
               <a:t>Quinto nível</a:t>
             </a:r>
-          </a:p>
-        </p:txBody>
-      </p:sp>
-      <p:sp>
-        <p:nvSpPr>
-          <p:cNvPr id="5" name="Espaço Reservado para Data 4">
-            <a:extLst>
-              <a:ext uri="{FF2B5EF4-FFF2-40B4-BE49-F238E27FC236}">
-                <a16:creationId xmlns:a16="http://schemas.microsoft.com/office/drawing/2014/main" id="{BCB47F0E-7389-43D8-830B-E4E261E94940}"/>
-              </a:ext>
-            </a:extLst>
-          </p:cNvPr>
+            <a:endParaRPr lang="pt-BR"/>
+          </a:p>
+        </p:txBody>
+      </p:sp>
+      <p:sp>
+        <p:nvSpPr>
+          <p:cNvPr id="5" name="Espaço Reservado para Data 4"/>
           <p:cNvSpPr>
             <a:spLocks noGrp="1"/>
           </p:cNvSpPr>
@@ -1418,7 +1237,6 @@
           <a:p>
             <a:fld id="{4C2BDBDF-3FC3-4882-B584-91431BAF618B}" type="datetimeFigureOut">
               <a:rPr lang="pt-BR" smtClean="0"/>
-              <a:t>10/09/2019</a:t>
             </a:fld>
             <a:endParaRPr lang="pt-BR"/>
           </a:p>
@@ -1426,13 +1244,7 @@
       </p:sp>
       <p:sp>
         <p:nvSpPr>
-          <p:cNvPr id="6" name="Espaço Reservado para Rodapé 5">
-            <a:extLst>
-              <a:ext uri="{FF2B5EF4-FFF2-40B4-BE49-F238E27FC236}">
-                <a16:creationId xmlns:a16="http://schemas.microsoft.com/office/drawing/2014/main" id="{94DA49A2-C058-4E08-9DB6-C27C55484B9C}"/>
-              </a:ext>
-            </a:extLst>
-          </p:cNvPr>
+          <p:cNvPr id="6" name="Espaço Reservado para Rodapé 5"/>
           <p:cNvSpPr>
             <a:spLocks noGrp="1"/>
           </p:cNvSpPr>
@@ -1451,13 +1263,7 @@
       </p:sp>
       <p:sp>
         <p:nvSpPr>
-          <p:cNvPr id="7" name="Espaço Reservado para Número de Slide 6">
-            <a:extLst>
-              <a:ext uri="{FF2B5EF4-FFF2-40B4-BE49-F238E27FC236}">
-                <a16:creationId xmlns:a16="http://schemas.microsoft.com/office/drawing/2014/main" id="{472723C7-E054-4215-9107-5706329DC6E6}"/>
-              </a:ext>
-            </a:extLst>
-          </p:cNvPr>
+          <p:cNvPr id="7" name="Espaço Reservado para Número de Slide 6"/>
           <p:cNvSpPr>
             <a:spLocks noGrp="1"/>
           </p:cNvSpPr>
@@ -1472,18 +1278,12 @@
           <a:p>
             <a:fld id="{D9E82853-9538-425E-A66F-04E4BCE18009}" type="slidenum">
               <a:rPr lang="pt-BR" smtClean="0"/>
-              <a:t>‹nº›</a:t>
             </a:fld>
             <a:endParaRPr lang="pt-BR"/>
           </a:p>
         </p:txBody>
       </p:sp>
     </p:spTree>
-    <p:extLst>
-      <p:ext uri="{BB962C8B-B14F-4D97-AF65-F5344CB8AC3E}">
-        <p14:creationId xmlns:p14="http://schemas.microsoft.com/office/powerpoint/2010/main" val="3063332733"/>
-      </p:ext>
-    </p:extLst>
   </p:cSld>
   <p:clrMapOvr>
     <a:masterClrMapping/>
@@ -1510,18 +1310,12 @@
       </p:grpSpPr>
       <p:sp>
         <p:nvSpPr>
-          <p:cNvPr id="2" name="Título 1">
-            <a:extLst>
-              <a:ext uri="{FF2B5EF4-FFF2-40B4-BE49-F238E27FC236}">
-                <a16:creationId xmlns:a16="http://schemas.microsoft.com/office/drawing/2014/main" id="{A21CF012-8F66-47C9-A7B7-F9C0FD185154}"/>
-              </a:ext>
-            </a:extLst>
-          </p:cNvPr>
+          <p:cNvPr id="2" name="Título 1"/>
           <p:cNvSpPr>
             <a:spLocks noGrp="1"/>
           </p:cNvSpPr>
           <p:nvPr>
-            <p:ph type="title"/>
+            <p:ph type="title" hasCustomPrompt="1"/>
           </p:nvPr>
         </p:nvSpPr>
         <p:spPr>
@@ -1538,23 +1332,18 @@
               <a:rPr lang="pt-BR"/>
               <a:t>Clique para editar o título Mestre</a:t>
             </a:r>
-          </a:p>
-        </p:txBody>
-      </p:sp>
-      <p:sp>
-        <p:nvSpPr>
-          <p:cNvPr id="3" name="Espaço Reservado para Texto 2">
-            <a:extLst>
-              <a:ext uri="{FF2B5EF4-FFF2-40B4-BE49-F238E27FC236}">
-                <a16:creationId xmlns:a16="http://schemas.microsoft.com/office/drawing/2014/main" id="{D2F88A94-669E-4AF5-AEF2-F33087217F45}"/>
-              </a:ext>
-            </a:extLst>
-          </p:cNvPr>
+            <a:endParaRPr lang="pt-BR"/>
+          </a:p>
+        </p:txBody>
+      </p:sp>
+      <p:sp>
+        <p:nvSpPr>
+          <p:cNvPr id="3" name="Espaço Reservado para Texto 2"/>
           <p:cNvSpPr>
             <a:spLocks noGrp="1"/>
           </p:cNvSpPr>
           <p:nvPr>
-            <p:ph type="body" idx="1"/>
+            <p:ph type="body" idx="1" hasCustomPrompt="1"/>
           </p:nvPr>
         </p:nvSpPr>
         <p:spPr>
@@ -1609,23 +1398,18 @@
               <a:rPr lang="pt-BR"/>
               <a:t>Clique para editar os estilos de texto Mestres</a:t>
             </a:r>
-          </a:p>
-        </p:txBody>
-      </p:sp>
-      <p:sp>
-        <p:nvSpPr>
-          <p:cNvPr id="4" name="Espaço Reservado para Conteúdo 3">
-            <a:extLst>
-              <a:ext uri="{FF2B5EF4-FFF2-40B4-BE49-F238E27FC236}">
-                <a16:creationId xmlns:a16="http://schemas.microsoft.com/office/drawing/2014/main" id="{A7C03A05-33C2-46F5-81A3-06CC219B2A5D}"/>
-              </a:ext>
-            </a:extLst>
-          </p:cNvPr>
+            <a:endParaRPr lang="pt-BR"/>
+          </a:p>
+        </p:txBody>
+      </p:sp>
+      <p:sp>
+        <p:nvSpPr>
+          <p:cNvPr id="4" name="Espaço Reservado para Conteúdo 3"/>
           <p:cNvSpPr>
             <a:spLocks noGrp="1"/>
           </p:cNvSpPr>
           <p:nvPr>
-            <p:ph sz="half" idx="2"/>
+            <p:ph sz="half" idx="2" hasCustomPrompt="1"/>
           </p:nvPr>
         </p:nvSpPr>
         <p:spPr>
@@ -1643,6 +1427,7 @@
               <a:rPr lang="pt-BR"/>
               <a:t>Clique para editar os estilos de texto Mestres</a:t>
             </a:r>
+            <a:endParaRPr lang="pt-BR"/>
           </a:p>
           <a:p>
             <a:pPr lvl="1"/>
@@ -1650,6 +1435,7 @@
               <a:rPr lang="pt-BR"/>
               <a:t>Segundo nível</a:t>
             </a:r>
+            <a:endParaRPr lang="pt-BR"/>
           </a:p>
           <a:p>
             <a:pPr lvl="2"/>
@@ -1657,6 +1443,7 @@
               <a:rPr lang="pt-BR"/>
               <a:t>Terceiro nível</a:t>
             </a:r>
+            <a:endParaRPr lang="pt-BR"/>
           </a:p>
           <a:p>
             <a:pPr lvl="3"/>
@@ -1664,6 +1451,7 @@
               <a:rPr lang="pt-BR"/>
               <a:t>Quarto nível</a:t>
             </a:r>
+            <a:endParaRPr lang="pt-BR"/>
           </a:p>
           <a:p>
             <a:pPr lvl="4"/>
@@ -1671,23 +1459,18 @@
               <a:rPr lang="pt-BR"/>
               <a:t>Quinto nível</a:t>
             </a:r>
-          </a:p>
-        </p:txBody>
-      </p:sp>
-      <p:sp>
-        <p:nvSpPr>
-          <p:cNvPr id="5" name="Espaço Reservado para Texto 4">
-            <a:extLst>
-              <a:ext uri="{FF2B5EF4-FFF2-40B4-BE49-F238E27FC236}">
-                <a16:creationId xmlns:a16="http://schemas.microsoft.com/office/drawing/2014/main" id="{32536D6E-CDBD-43B4-91CB-C8C7CA3D87C1}"/>
-              </a:ext>
-            </a:extLst>
-          </p:cNvPr>
+            <a:endParaRPr lang="pt-BR"/>
+          </a:p>
+        </p:txBody>
+      </p:sp>
+      <p:sp>
+        <p:nvSpPr>
+          <p:cNvPr id="5" name="Espaço Reservado para Texto 4"/>
           <p:cNvSpPr>
             <a:spLocks noGrp="1"/>
           </p:cNvSpPr>
           <p:nvPr>
-            <p:ph type="body" sz="quarter" idx="3"/>
+            <p:ph type="body" sz="quarter" idx="3" hasCustomPrompt="1"/>
           </p:nvPr>
         </p:nvSpPr>
         <p:spPr>
@@ -1742,23 +1525,18 @@
               <a:rPr lang="pt-BR"/>
               <a:t>Clique para editar os estilos de texto Mestres</a:t>
             </a:r>
-          </a:p>
-        </p:txBody>
-      </p:sp>
-      <p:sp>
-        <p:nvSpPr>
-          <p:cNvPr id="6" name="Espaço Reservado para Conteúdo 5">
-            <a:extLst>
-              <a:ext uri="{FF2B5EF4-FFF2-40B4-BE49-F238E27FC236}">
-                <a16:creationId xmlns:a16="http://schemas.microsoft.com/office/drawing/2014/main" id="{63CDF8B5-9B5C-4CFA-A077-B1B6B732A976}"/>
-              </a:ext>
-            </a:extLst>
-          </p:cNvPr>
+            <a:endParaRPr lang="pt-BR"/>
+          </a:p>
+        </p:txBody>
+      </p:sp>
+      <p:sp>
+        <p:nvSpPr>
+          <p:cNvPr id="6" name="Espaço Reservado para Conteúdo 5"/>
           <p:cNvSpPr>
             <a:spLocks noGrp="1"/>
           </p:cNvSpPr>
           <p:nvPr>
-            <p:ph sz="quarter" idx="4"/>
+            <p:ph sz="quarter" idx="4" hasCustomPrompt="1"/>
           </p:nvPr>
         </p:nvSpPr>
         <p:spPr>
@@ -1776,6 +1554,7 @@
               <a:rPr lang="pt-BR"/>
               <a:t>Clique para editar os estilos de texto Mestres</a:t>
             </a:r>
+            <a:endParaRPr lang="pt-BR"/>
           </a:p>
           <a:p>
             <a:pPr lvl="1"/>
@@ -1783,6 +1562,7 @@
               <a:rPr lang="pt-BR"/>
               <a:t>Segundo nível</a:t>
             </a:r>
+            <a:endParaRPr lang="pt-BR"/>
           </a:p>
           <a:p>
             <a:pPr lvl="2"/>
@@ -1790,6 +1570,7 @@
               <a:rPr lang="pt-BR"/>
               <a:t>Terceiro nível</a:t>
             </a:r>
+            <a:endParaRPr lang="pt-BR"/>
           </a:p>
           <a:p>
             <a:pPr lvl="3"/>
@@ -1797,6 +1578,7 @@
               <a:rPr lang="pt-BR"/>
               <a:t>Quarto nível</a:t>
             </a:r>
+            <a:endParaRPr lang="pt-BR"/>
           </a:p>
           <a:p>
             <a:pPr lvl="4"/>
@@ -1804,18 +1586,13 @@
               <a:rPr lang="pt-BR"/>
               <a:t>Quinto nível</a:t>
             </a:r>
-          </a:p>
-        </p:txBody>
-      </p:sp>
-      <p:sp>
-        <p:nvSpPr>
-          <p:cNvPr id="7" name="Espaço Reservado para Data 6">
-            <a:extLst>
-              <a:ext uri="{FF2B5EF4-FFF2-40B4-BE49-F238E27FC236}">
-                <a16:creationId xmlns:a16="http://schemas.microsoft.com/office/drawing/2014/main" id="{29C71AB3-C95F-4EAB-B976-433AA959634B}"/>
-              </a:ext>
-            </a:extLst>
-          </p:cNvPr>
+            <a:endParaRPr lang="pt-BR"/>
+          </a:p>
+        </p:txBody>
+      </p:sp>
+      <p:sp>
+        <p:nvSpPr>
+          <p:cNvPr id="7" name="Espaço Reservado para Data 6"/>
           <p:cNvSpPr>
             <a:spLocks noGrp="1"/>
           </p:cNvSpPr>
@@ -1830,7 +1607,6 @@
           <a:p>
             <a:fld id="{4C2BDBDF-3FC3-4882-B584-91431BAF618B}" type="datetimeFigureOut">
               <a:rPr lang="pt-BR" smtClean="0"/>
-              <a:t>10/09/2019</a:t>
             </a:fld>
             <a:endParaRPr lang="pt-BR"/>
           </a:p>
@@ -1838,13 +1614,7 @@
       </p:sp>
       <p:sp>
         <p:nvSpPr>
-          <p:cNvPr id="8" name="Espaço Reservado para Rodapé 7">
-            <a:extLst>
-              <a:ext uri="{FF2B5EF4-FFF2-40B4-BE49-F238E27FC236}">
-                <a16:creationId xmlns:a16="http://schemas.microsoft.com/office/drawing/2014/main" id="{8346C1DE-6CCB-4D51-A112-127DBE8BB9C3}"/>
-              </a:ext>
-            </a:extLst>
-          </p:cNvPr>
+          <p:cNvPr id="8" name="Espaço Reservado para Rodapé 7"/>
           <p:cNvSpPr>
             <a:spLocks noGrp="1"/>
           </p:cNvSpPr>
@@ -1863,13 +1633,7 @@
       </p:sp>
       <p:sp>
         <p:nvSpPr>
-          <p:cNvPr id="9" name="Espaço Reservado para Número de Slide 8">
-            <a:extLst>
-              <a:ext uri="{FF2B5EF4-FFF2-40B4-BE49-F238E27FC236}">
-                <a16:creationId xmlns:a16="http://schemas.microsoft.com/office/drawing/2014/main" id="{8074AC8B-796D-41A2-89C0-19E733CB3ED5}"/>
-              </a:ext>
-            </a:extLst>
-          </p:cNvPr>
+          <p:cNvPr id="9" name="Espaço Reservado para Número de Slide 8"/>
           <p:cNvSpPr>
             <a:spLocks noGrp="1"/>
           </p:cNvSpPr>
@@ -1884,18 +1648,12 @@
           <a:p>
             <a:fld id="{D9E82853-9538-425E-A66F-04E4BCE18009}" type="slidenum">
               <a:rPr lang="pt-BR" smtClean="0"/>
-              <a:t>‹nº›</a:t>
             </a:fld>
             <a:endParaRPr lang="pt-BR"/>
           </a:p>
         </p:txBody>
       </p:sp>
     </p:spTree>
-    <p:extLst>
-      <p:ext uri="{BB962C8B-B14F-4D97-AF65-F5344CB8AC3E}">
-        <p14:creationId xmlns:p14="http://schemas.microsoft.com/office/powerpoint/2010/main" val="1287439737"/>
-      </p:ext>
-    </p:extLst>
   </p:cSld>
   <p:clrMapOvr>
     <a:masterClrMapping/>
@@ -1922,18 +1680,12 @@
       </p:grpSpPr>
       <p:sp>
         <p:nvSpPr>
-          <p:cNvPr id="2" name="Título 1">
-            <a:extLst>
-              <a:ext uri="{FF2B5EF4-FFF2-40B4-BE49-F238E27FC236}">
-                <a16:creationId xmlns:a16="http://schemas.microsoft.com/office/drawing/2014/main" id="{24E0DFB3-0FB1-4AA1-AA96-3409D28157EA}"/>
-              </a:ext>
-            </a:extLst>
-          </p:cNvPr>
+          <p:cNvPr id="2" name="Título 1"/>
           <p:cNvSpPr>
             <a:spLocks noGrp="1"/>
           </p:cNvSpPr>
           <p:nvPr>
-            <p:ph type="title"/>
+            <p:ph type="title" hasCustomPrompt="1"/>
           </p:nvPr>
         </p:nvSpPr>
         <p:spPr/>
@@ -1945,18 +1697,13 @@
               <a:rPr lang="pt-BR"/>
               <a:t>Clique para editar o título Mestre</a:t>
             </a:r>
-          </a:p>
-        </p:txBody>
-      </p:sp>
-      <p:sp>
-        <p:nvSpPr>
-          <p:cNvPr id="3" name="Espaço Reservado para Data 2">
-            <a:extLst>
-              <a:ext uri="{FF2B5EF4-FFF2-40B4-BE49-F238E27FC236}">
-                <a16:creationId xmlns:a16="http://schemas.microsoft.com/office/drawing/2014/main" id="{8B25A515-C77B-4BB0-8239-D248E4B06763}"/>
-              </a:ext>
-            </a:extLst>
-          </p:cNvPr>
+            <a:endParaRPr lang="pt-BR"/>
+          </a:p>
+        </p:txBody>
+      </p:sp>
+      <p:sp>
+        <p:nvSpPr>
+          <p:cNvPr id="3" name="Espaço Reservado para Data 2"/>
           <p:cNvSpPr>
             <a:spLocks noGrp="1"/>
           </p:cNvSpPr>
@@ -1971,7 +1718,6 @@
           <a:p>
             <a:fld id="{4C2BDBDF-3FC3-4882-B584-91431BAF618B}" type="datetimeFigureOut">
               <a:rPr lang="pt-BR" smtClean="0"/>
-              <a:t>10/09/2019</a:t>
             </a:fld>
             <a:endParaRPr lang="pt-BR"/>
           </a:p>
@@ -1979,13 +1725,7 @@
       </p:sp>
       <p:sp>
         <p:nvSpPr>
-          <p:cNvPr id="4" name="Espaço Reservado para Rodapé 3">
-            <a:extLst>
-              <a:ext uri="{FF2B5EF4-FFF2-40B4-BE49-F238E27FC236}">
-                <a16:creationId xmlns:a16="http://schemas.microsoft.com/office/drawing/2014/main" id="{47428688-E667-49CC-A853-B2F0DE182521}"/>
-              </a:ext>
-            </a:extLst>
-          </p:cNvPr>
+          <p:cNvPr id="4" name="Espaço Reservado para Rodapé 3"/>
           <p:cNvSpPr>
             <a:spLocks noGrp="1"/>
           </p:cNvSpPr>
@@ -2004,13 +1744,7 @@
       </p:sp>
       <p:sp>
         <p:nvSpPr>
-          <p:cNvPr id="5" name="Espaço Reservado para Número de Slide 4">
-            <a:extLst>
-              <a:ext uri="{FF2B5EF4-FFF2-40B4-BE49-F238E27FC236}">
-                <a16:creationId xmlns:a16="http://schemas.microsoft.com/office/drawing/2014/main" id="{997DD8CC-3798-4117-B4DA-F4C1FF5E5243}"/>
-              </a:ext>
-            </a:extLst>
-          </p:cNvPr>
+          <p:cNvPr id="5" name="Espaço Reservado para Número de Slide 4"/>
           <p:cNvSpPr>
             <a:spLocks noGrp="1"/>
           </p:cNvSpPr>
@@ -2025,18 +1759,12 @@
           <a:p>
             <a:fld id="{D9E82853-9538-425E-A66F-04E4BCE18009}" type="slidenum">
               <a:rPr lang="pt-BR" smtClean="0"/>
-              <a:t>‹nº›</a:t>
             </a:fld>
             <a:endParaRPr lang="pt-BR"/>
           </a:p>
         </p:txBody>
       </p:sp>
     </p:spTree>
-    <p:extLst>
-      <p:ext uri="{BB962C8B-B14F-4D97-AF65-F5344CB8AC3E}">
-        <p14:creationId xmlns:p14="http://schemas.microsoft.com/office/powerpoint/2010/main" val="2736664249"/>
-      </p:ext>
-    </p:extLst>
   </p:cSld>
   <p:clrMapOvr>
     <a:masterClrMapping/>
@@ -2063,13 +1791,7 @@
       </p:grpSpPr>
       <p:sp>
         <p:nvSpPr>
-          <p:cNvPr id="2" name="Espaço Reservado para Data 1">
-            <a:extLst>
-              <a:ext uri="{FF2B5EF4-FFF2-40B4-BE49-F238E27FC236}">
-                <a16:creationId xmlns:a16="http://schemas.microsoft.com/office/drawing/2014/main" id="{BDE44053-13B9-4361-A6BE-4E71991ED4C2}"/>
-              </a:ext>
-            </a:extLst>
-          </p:cNvPr>
+          <p:cNvPr id="2" name="Espaço Reservado para Data 1"/>
           <p:cNvSpPr>
             <a:spLocks noGrp="1"/>
           </p:cNvSpPr>
@@ -2084,7 +1806,6 @@
           <a:p>
             <a:fld id="{4C2BDBDF-3FC3-4882-B584-91431BAF618B}" type="datetimeFigureOut">
               <a:rPr lang="pt-BR" smtClean="0"/>
-              <a:t>10/09/2019</a:t>
             </a:fld>
             <a:endParaRPr lang="pt-BR"/>
           </a:p>
@@ -2092,13 +1813,7 @@
       </p:sp>
       <p:sp>
         <p:nvSpPr>
-          <p:cNvPr id="3" name="Espaço Reservado para Rodapé 2">
-            <a:extLst>
-              <a:ext uri="{FF2B5EF4-FFF2-40B4-BE49-F238E27FC236}">
-                <a16:creationId xmlns:a16="http://schemas.microsoft.com/office/drawing/2014/main" id="{CA34F6E0-E78B-455D-89AA-63AC1093D29F}"/>
-              </a:ext>
-            </a:extLst>
-          </p:cNvPr>
+          <p:cNvPr id="3" name="Espaço Reservado para Rodapé 2"/>
           <p:cNvSpPr>
             <a:spLocks noGrp="1"/>
           </p:cNvSpPr>
@@ -2117,13 +1832,7 @@
       </p:sp>
       <p:sp>
         <p:nvSpPr>
-          <p:cNvPr id="4" name="Espaço Reservado para Número de Slide 3">
-            <a:extLst>
-              <a:ext uri="{FF2B5EF4-FFF2-40B4-BE49-F238E27FC236}">
-                <a16:creationId xmlns:a16="http://schemas.microsoft.com/office/drawing/2014/main" id="{02A2D6EE-18E4-4378-98E0-A591D567B06D}"/>
-              </a:ext>
-            </a:extLst>
-          </p:cNvPr>
+          <p:cNvPr id="4" name="Espaço Reservado para Número de Slide 3"/>
           <p:cNvSpPr>
             <a:spLocks noGrp="1"/>
           </p:cNvSpPr>
@@ -2138,18 +1847,12 @@
           <a:p>
             <a:fld id="{D9E82853-9538-425E-A66F-04E4BCE18009}" type="slidenum">
               <a:rPr lang="pt-BR" smtClean="0"/>
-              <a:t>‹nº›</a:t>
             </a:fld>
             <a:endParaRPr lang="pt-BR"/>
           </a:p>
         </p:txBody>
       </p:sp>
     </p:spTree>
-    <p:extLst>
-      <p:ext uri="{BB962C8B-B14F-4D97-AF65-F5344CB8AC3E}">
-        <p14:creationId xmlns:p14="http://schemas.microsoft.com/office/powerpoint/2010/main" val="746633772"/>
-      </p:ext>
-    </p:extLst>
   </p:cSld>
   <p:clrMapOvr>
     <a:masterClrMapping/>
@@ -2176,18 +1879,12 @@
       </p:grpSpPr>
       <p:sp>
         <p:nvSpPr>
-          <p:cNvPr id="2" name="Título 1">
-            <a:extLst>
-              <a:ext uri="{FF2B5EF4-FFF2-40B4-BE49-F238E27FC236}">
-                <a16:creationId xmlns:a16="http://schemas.microsoft.com/office/drawing/2014/main" id="{D406FD5F-5D31-4769-A2D9-82CC8B87B0A3}"/>
-              </a:ext>
-            </a:extLst>
-          </p:cNvPr>
+          <p:cNvPr id="2" name="Título 1"/>
           <p:cNvSpPr>
             <a:spLocks noGrp="1"/>
           </p:cNvSpPr>
           <p:nvPr>
-            <p:ph type="title"/>
+            <p:ph type="title" hasCustomPrompt="1"/>
           </p:nvPr>
         </p:nvSpPr>
         <p:spPr>
@@ -2208,23 +1905,18 @@
               <a:rPr lang="pt-BR"/>
               <a:t>Clique para editar o título Mestre</a:t>
             </a:r>
-          </a:p>
-        </p:txBody>
-      </p:sp>
-      <p:sp>
-        <p:nvSpPr>
-          <p:cNvPr id="3" name="Espaço Reservado para Conteúdo 2">
-            <a:extLst>
-              <a:ext uri="{FF2B5EF4-FFF2-40B4-BE49-F238E27FC236}">
-                <a16:creationId xmlns:a16="http://schemas.microsoft.com/office/drawing/2014/main" id="{ED6206BC-F4CD-4831-818E-04C41E9E630A}"/>
-              </a:ext>
-            </a:extLst>
-          </p:cNvPr>
+            <a:endParaRPr lang="pt-BR"/>
+          </a:p>
+        </p:txBody>
+      </p:sp>
+      <p:sp>
+        <p:nvSpPr>
+          <p:cNvPr id="3" name="Espaço Reservado para Conteúdo 2"/>
           <p:cNvSpPr>
             <a:spLocks noGrp="1"/>
           </p:cNvSpPr>
           <p:nvPr>
-            <p:ph idx="1"/>
+            <p:ph idx="1" hasCustomPrompt="1"/>
           </p:nvPr>
         </p:nvSpPr>
         <p:spPr>
@@ -2270,6 +1962,7 @@
               <a:rPr lang="pt-BR"/>
               <a:t>Clique para editar os estilos de texto Mestres</a:t>
             </a:r>
+            <a:endParaRPr lang="pt-BR"/>
           </a:p>
           <a:p>
             <a:pPr lvl="1"/>
@@ -2277,6 +1970,7 @@
               <a:rPr lang="pt-BR"/>
               <a:t>Segundo nível</a:t>
             </a:r>
+            <a:endParaRPr lang="pt-BR"/>
           </a:p>
           <a:p>
             <a:pPr lvl="2"/>
@@ -2284,6 +1978,7 @@
               <a:rPr lang="pt-BR"/>
               <a:t>Terceiro nível</a:t>
             </a:r>
+            <a:endParaRPr lang="pt-BR"/>
           </a:p>
           <a:p>
             <a:pPr lvl="3"/>
@@ -2291,6 +1986,7 @@
               <a:rPr lang="pt-BR"/>
               <a:t>Quarto nível</a:t>
             </a:r>
+            <a:endParaRPr lang="pt-BR"/>
           </a:p>
           <a:p>
             <a:pPr lvl="4"/>
@@ -2298,23 +1994,18 @@
               <a:rPr lang="pt-BR"/>
               <a:t>Quinto nível</a:t>
             </a:r>
-          </a:p>
-        </p:txBody>
-      </p:sp>
-      <p:sp>
-        <p:nvSpPr>
-          <p:cNvPr id="4" name="Espaço Reservado para Texto 3">
-            <a:extLst>
-              <a:ext uri="{FF2B5EF4-FFF2-40B4-BE49-F238E27FC236}">
-                <a16:creationId xmlns:a16="http://schemas.microsoft.com/office/drawing/2014/main" id="{E281C59A-8E64-4E56-A3BB-583E5E7C75DA}"/>
-              </a:ext>
-            </a:extLst>
-          </p:cNvPr>
+            <a:endParaRPr lang="pt-BR"/>
+          </a:p>
+        </p:txBody>
+      </p:sp>
+      <p:sp>
+        <p:nvSpPr>
+          <p:cNvPr id="4" name="Espaço Reservado para Texto 3"/>
           <p:cNvSpPr>
             <a:spLocks noGrp="1"/>
           </p:cNvSpPr>
           <p:nvPr>
-            <p:ph type="body" sz="half" idx="2"/>
+            <p:ph type="body" sz="half" idx="2" hasCustomPrompt="1"/>
           </p:nvPr>
         </p:nvSpPr>
         <p:spPr>
@@ -2369,18 +2060,13 @@
               <a:rPr lang="pt-BR"/>
               <a:t>Clique para editar os estilos de texto Mestres</a:t>
             </a:r>
-          </a:p>
-        </p:txBody>
-      </p:sp>
-      <p:sp>
-        <p:nvSpPr>
-          <p:cNvPr id="5" name="Espaço Reservado para Data 4">
-            <a:extLst>
-              <a:ext uri="{FF2B5EF4-FFF2-40B4-BE49-F238E27FC236}">
-                <a16:creationId xmlns:a16="http://schemas.microsoft.com/office/drawing/2014/main" id="{44796FC5-7672-4E81-AC14-263F024523A0}"/>
-              </a:ext>
-            </a:extLst>
-          </p:cNvPr>
+            <a:endParaRPr lang="pt-BR"/>
+          </a:p>
+        </p:txBody>
+      </p:sp>
+      <p:sp>
+        <p:nvSpPr>
+          <p:cNvPr id="5" name="Espaço Reservado para Data 4"/>
           <p:cNvSpPr>
             <a:spLocks noGrp="1"/>
           </p:cNvSpPr>
@@ -2395,7 +2081,6 @@
           <a:p>
             <a:fld id="{4C2BDBDF-3FC3-4882-B584-91431BAF618B}" type="datetimeFigureOut">
               <a:rPr lang="pt-BR" smtClean="0"/>
-              <a:t>10/09/2019</a:t>
             </a:fld>
             <a:endParaRPr lang="pt-BR"/>
           </a:p>
@@ -2403,13 +2088,7 @@
       </p:sp>
       <p:sp>
         <p:nvSpPr>
-          <p:cNvPr id="6" name="Espaço Reservado para Rodapé 5">
-            <a:extLst>
-              <a:ext uri="{FF2B5EF4-FFF2-40B4-BE49-F238E27FC236}">
-                <a16:creationId xmlns:a16="http://schemas.microsoft.com/office/drawing/2014/main" id="{97DE9A16-28D3-4011-A50B-41E841D8F739}"/>
-              </a:ext>
-            </a:extLst>
-          </p:cNvPr>
+          <p:cNvPr id="6" name="Espaço Reservado para Rodapé 5"/>
           <p:cNvSpPr>
             <a:spLocks noGrp="1"/>
           </p:cNvSpPr>
@@ -2428,13 +2107,7 @@
       </p:sp>
       <p:sp>
         <p:nvSpPr>
-          <p:cNvPr id="7" name="Espaço Reservado para Número de Slide 6">
-            <a:extLst>
-              <a:ext uri="{FF2B5EF4-FFF2-40B4-BE49-F238E27FC236}">
-                <a16:creationId xmlns:a16="http://schemas.microsoft.com/office/drawing/2014/main" id="{40F41062-C92D-406A-8447-75957925AF4C}"/>
-              </a:ext>
-            </a:extLst>
-          </p:cNvPr>
+          <p:cNvPr id="7" name="Espaço Reservado para Número de Slide 6"/>
           <p:cNvSpPr>
             <a:spLocks noGrp="1"/>
           </p:cNvSpPr>
@@ -2449,18 +2122,12 @@
           <a:p>
             <a:fld id="{D9E82853-9538-425E-A66F-04E4BCE18009}" type="slidenum">
               <a:rPr lang="pt-BR" smtClean="0"/>
-              <a:t>‹nº›</a:t>
             </a:fld>
             <a:endParaRPr lang="pt-BR"/>
           </a:p>
         </p:txBody>
       </p:sp>
     </p:spTree>
-    <p:extLst>
-      <p:ext uri="{BB962C8B-B14F-4D97-AF65-F5344CB8AC3E}">
-        <p14:creationId xmlns:p14="http://schemas.microsoft.com/office/powerpoint/2010/main" val="215910996"/>
-      </p:ext>
-    </p:extLst>
   </p:cSld>
   <p:clrMapOvr>
     <a:masterClrMapping/>
@@ -2487,18 +2154,12 @@
       </p:grpSpPr>
       <p:sp>
         <p:nvSpPr>
-          <p:cNvPr id="2" name="Título 1">
-            <a:extLst>
-              <a:ext uri="{FF2B5EF4-FFF2-40B4-BE49-F238E27FC236}">
-                <a16:creationId xmlns:a16="http://schemas.microsoft.com/office/drawing/2014/main" id="{B17995C8-11DC-462E-B085-137BF233BF93}"/>
-              </a:ext>
-            </a:extLst>
-          </p:cNvPr>
+          <p:cNvPr id="2" name="Título 1"/>
           <p:cNvSpPr>
             <a:spLocks noGrp="1"/>
           </p:cNvSpPr>
           <p:nvPr>
-            <p:ph type="title"/>
+            <p:ph type="title" hasCustomPrompt="1"/>
           </p:nvPr>
         </p:nvSpPr>
         <p:spPr>
@@ -2519,18 +2180,13 @@
               <a:rPr lang="pt-BR"/>
               <a:t>Clique para editar o título Mestre</a:t>
             </a:r>
-          </a:p>
-        </p:txBody>
-      </p:sp>
-      <p:sp>
-        <p:nvSpPr>
-          <p:cNvPr id="3" name="Espaço Reservado para Imagem 2">
-            <a:extLst>
-              <a:ext uri="{FF2B5EF4-FFF2-40B4-BE49-F238E27FC236}">
-                <a16:creationId xmlns:a16="http://schemas.microsoft.com/office/drawing/2014/main" id="{5B4D0B04-803A-420C-BCAE-16BFC0EC3F74}"/>
-              </a:ext>
-            </a:extLst>
-          </p:cNvPr>
+            <a:endParaRPr lang="pt-BR"/>
+          </a:p>
+        </p:txBody>
+      </p:sp>
+      <p:sp>
+        <p:nvSpPr>
+          <p:cNvPr id="3" name="Espaço Reservado para Imagem 2"/>
           <p:cNvSpPr>
             <a:spLocks noGrp="1"/>
           </p:cNvSpPr>
@@ -2591,18 +2247,12 @@
       </p:sp>
       <p:sp>
         <p:nvSpPr>
-          <p:cNvPr id="4" name="Espaço Reservado para Texto 3">
-            <a:extLst>
-              <a:ext uri="{FF2B5EF4-FFF2-40B4-BE49-F238E27FC236}">
-                <a16:creationId xmlns:a16="http://schemas.microsoft.com/office/drawing/2014/main" id="{0CF47CD8-E46E-4E10-AEB8-2F7D08C9ED8B}"/>
-              </a:ext>
-            </a:extLst>
-          </p:cNvPr>
+          <p:cNvPr id="4" name="Espaço Reservado para Texto 3"/>
           <p:cNvSpPr>
             <a:spLocks noGrp="1"/>
           </p:cNvSpPr>
           <p:nvPr>
-            <p:ph type="body" sz="half" idx="2"/>
+            <p:ph type="body" sz="half" idx="2" hasCustomPrompt="1"/>
           </p:nvPr>
         </p:nvSpPr>
         <p:spPr>
@@ -2657,18 +2307,13 @@
               <a:rPr lang="pt-BR"/>
               <a:t>Clique para editar os estilos de texto Mestres</a:t>
             </a:r>
-          </a:p>
-        </p:txBody>
-      </p:sp>
-      <p:sp>
-        <p:nvSpPr>
-          <p:cNvPr id="5" name="Espaço Reservado para Data 4">
-            <a:extLst>
-              <a:ext uri="{FF2B5EF4-FFF2-40B4-BE49-F238E27FC236}">
-                <a16:creationId xmlns:a16="http://schemas.microsoft.com/office/drawing/2014/main" id="{BB5C9E5C-CA6C-4942-AC06-34B316833C5E}"/>
-              </a:ext>
-            </a:extLst>
-          </p:cNvPr>
+            <a:endParaRPr lang="pt-BR"/>
+          </a:p>
+        </p:txBody>
+      </p:sp>
+      <p:sp>
+        <p:nvSpPr>
+          <p:cNvPr id="5" name="Espaço Reservado para Data 4"/>
           <p:cNvSpPr>
             <a:spLocks noGrp="1"/>
           </p:cNvSpPr>
@@ -2683,7 +2328,6 @@
           <a:p>
             <a:fld id="{4C2BDBDF-3FC3-4882-B584-91431BAF618B}" type="datetimeFigureOut">
               <a:rPr lang="pt-BR" smtClean="0"/>
-              <a:t>10/09/2019</a:t>
             </a:fld>
             <a:endParaRPr lang="pt-BR"/>
           </a:p>
@@ -2691,13 +2335,7 @@
       </p:sp>
       <p:sp>
         <p:nvSpPr>
-          <p:cNvPr id="6" name="Espaço Reservado para Rodapé 5">
-            <a:extLst>
-              <a:ext uri="{FF2B5EF4-FFF2-40B4-BE49-F238E27FC236}">
-                <a16:creationId xmlns:a16="http://schemas.microsoft.com/office/drawing/2014/main" id="{010CE5B5-4D15-46B0-9C48-288F9173544D}"/>
-              </a:ext>
-            </a:extLst>
-          </p:cNvPr>
+          <p:cNvPr id="6" name="Espaço Reservado para Rodapé 5"/>
           <p:cNvSpPr>
             <a:spLocks noGrp="1"/>
           </p:cNvSpPr>
@@ -2716,13 +2354,7 @@
       </p:sp>
       <p:sp>
         <p:nvSpPr>
-          <p:cNvPr id="7" name="Espaço Reservado para Número de Slide 6">
-            <a:extLst>
-              <a:ext uri="{FF2B5EF4-FFF2-40B4-BE49-F238E27FC236}">
-                <a16:creationId xmlns:a16="http://schemas.microsoft.com/office/drawing/2014/main" id="{7781ADA3-3947-4B9D-8ECB-E08F77C718F9}"/>
-              </a:ext>
-            </a:extLst>
-          </p:cNvPr>
+          <p:cNvPr id="7" name="Espaço Reservado para Número de Slide 6"/>
           <p:cNvSpPr>
             <a:spLocks noGrp="1"/>
           </p:cNvSpPr>
@@ -2737,18 +2369,12 @@
           <a:p>
             <a:fld id="{D9E82853-9538-425E-A66F-04E4BCE18009}" type="slidenum">
               <a:rPr lang="pt-BR" smtClean="0"/>
-              <a:t>‹nº›</a:t>
             </a:fld>
             <a:endParaRPr lang="pt-BR"/>
           </a:p>
         </p:txBody>
       </p:sp>
     </p:spTree>
-    <p:extLst>
-      <p:ext uri="{BB962C8B-B14F-4D97-AF65-F5344CB8AC3E}">
-        <p14:creationId xmlns:p14="http://schemas.microsoft.com/office/powerpoint/2010/main" val="3006301221"/>
-      </p:ext>
-    </p:extLst>
   </p:cSld>
   <p:clrMapOvr>
     <a:masterClrMapping/>
@@ -2780,13 +2406,7 @@
       </p:grpSpPr>
       <p:sp>
         <p:nvSpPr>
-          <p:cNvPr id="2" name="Espaço Reservado para Título 1">
-            <a:extLst>
-              <a:ext uri="{FF2B5EF4-FFF2-40B4-BE49-F238E27FC236}">
-                <a16:creationId xmlns:a16="http://schemas.microsoft.com/office/drawing/2014/main" id="{84EF112C-ACA1-4929-81B3-E9AA8AB31EB6}"/>
-              </a:ext>
-            </a:extLst>
-          </p:cNvPr>
+          <p:cNvPr id="2" name="Espaço Reservado para Título 1"/>
           <p:cNvSpPr>
             <a:spLocks noGrp="1"/>
           </p:cNvSpPr>
@@ -2813,18 +2433,13 @@
               <a:rPr lang="pt-BR"/>
               <a:t>Clique para editar o título Mestre</a:t>
             </a:r>
-          </a:p>
-        </p:txBody>
-      </p:sp>
-      <p:sp>
-        <p:nvSpPr>
-          <p:cNvPr id="3" name="Espaço Reservado para Texto 2">
-            <a:extLst>
-              <a:ext uri="{FF2B5EF4-FFF2-40B4-BE49-F238E27FC236}">
-                <a16:creationId xmlns:a16="http://schemas.microsoft.com/office/drawing/2014/main" id="{F934A543-17F9-451B-A036-5424D8CD93B9}"/>
-              </a:ext>
-            </a:extLst>
-          </p:cNvPr>
+            <a:endParaRPr lang="pt-BR"/>
+          </a:p>
+        </p:txBody>
+      </p:sp>
+      <p:sp>
+        <p:nvSpPr>
+          <p:cNvPr id="3" name="Espaço Reservado para Texto 2"/>
           <p:cNvSpPr>
             <a:spLocks noGrp="1"/>
           </p:cNvSpPr>
@@ -2852,6 +2467,7 @@
               <a:rPr lang="pt-BR"/>
               <a:t>Clique para editar os estilos de texto Mestres</a:t>
             </a:r>
+            <a:endParaRPr lang="pt-BR"/>
           </a:p>
           <a:p>
             <a:pPr lvl="1"/>
@@ -2859,6 +2475,7 @@
               <a:rPr lang="pt-BR"/>
               <a:t>Segundo nível</a:t>
             </a:r>
+            <a:endParaRPr lang="pt-BR"/>
           </a:p>
           <a:p>
             <a:pPr lvl="2"/>
@@ -2866,6 +2483,7 @@
               <a:rPr lang="pt-BR"/>
               <a:t>Terceiro nível</a:t>
             </a:r>
+            <a:endParaRPr lang="pt-BR"/>
           </a:p>
           <a:p>
             <a:pPr lvl="3"/>
@@ -2873,6 +2491,7 @@
               <a:rPr lang="pt-BR"/>
               <a:t>Quarto nível</a:t>
             </a:r>
+            <a:endParaRPr lang="pt-BR"/>
           </a:p>
           <a:p>
             <a:pPr lvl="4"/>
@@ -2880,18 +2499,13 @@
               <a:rPr lang="pt-BR"/>
               <a:t>Quinto nível</a:t>
             </a:r>
-          </a:p>
-        </p:txBody>
-      </p:sp>
-      <p:sp>
-        <p:nvSpPr>
-          <p:cNvPr id="4" name="Espaço Reservado para Data 3">
-            <a:extLst>
-              <a:ext uri="{FF2B5EF4-FFF2-40B4-BE49-F238E27FC236}">
-                <a16:creationId xmlns:a16="http://schemas.microsoft.com/office/drawing/2014/main" id="{AE9F91BC-9B6E-4DAB-94DC-91A7BA306E88}"/>
-              </a:ext>
-            </a:extLst>
-          </p:cNvPr>
+            <a:endParaRPr lang="pt-BR"/>
+          </a:p>
+        </p:txBody>
+      </p:sp>
+      <p:sp>
+        <p:nvSpPr>
+          <p:cNvPr id="4" name="Espaço Reservado para Data 3"/>
           <p:cNvSpPr>
             <a:spLocks noGrp="1"/>
           </p:cNvSpPr>
@@ -2924,7 +2538,6 @@
           <a:p>
             <a:fld id="{4C2BDBDF-3FC3-4882-B584-91431BAF618B}" type="datetimeFigureOut">
               <a:rPr lang="pt-BR" smtClean="0"/>
-              <a:t>10/09/2019</a:t>
             </a:fld>
             <a:endParaRPr lang="pt-BR"/>
           </a:p>
@@ -2932,13 +2545,7 @@
       </p:sp>
       <p:sp>
         <p:nvSpPr>
-          <p:cNvPr id="5" name="Espaço Reservado para Rodapé 4">
-            <a:extLst>
-              <a:ext uri="{FF2B5EF4-FFF2-40B4-BE49-F238E27FC236}">
-                <a16:creationId xmlns:a16="http://schemas.microsoft.com/office/drawing/2014/main" id="{D1D87DAB-D51A-4625-A0B5-E4FC5C193D42}"/>
-              </a:ext>
-            </a:extLst>
-          </p:cNvPr>
+          <p:cNvPr id="5" name="Espaço Reservado para Rodapé 4"/>
           <p:cNvSpPr>
             <a:spLocks noGrp="1"/>
           </p:cNvSpPr>
@@ -2975,13 +2582,7 @@
       </p:sp>
       <p:sp>
         <p:nvSpPr>
-          <p:cNvPr id="6" name="Espaço Reservado para Número de Slide 5">
-            <a:extLst>
-              <a:ext uri="{FF2B5EF4-FFF2-40B4-BE49-F238E27FC236}">
-                <a16:creationId xmlns:a16="http://schemas.microsoft.com/office/drawing/2014/main" id="{8982791A-6CA9-4032-8201-9BA505723A20}"/>
-              </a:ext>
-            </a:extLst>
-          </p:cNvPr>
+          <p:cNvPr id="6" name="Espaço Reservado para Número de Slide 5"/>
           <p:cNvSpPr>
             <a:spLocks noGrp="1"/>
           </p:cNvSpPr>
@@ -3014,18 +2615,12 @@
           <a:p>
             <a:fld id="{D9E82853-9538-425E-A66F-04E4BCE18009}" type="slidenum">
               <a:rPr lang="pt-BR" smtClean="0"/>
-              <a:t>‹nº›</a:t>
             </a:fld>
             <a:endParaRPr lang="pt-BR"/>
           </a:p>
         </p:txBody>
       </p:sp>
     </p:spTree>
-    <p:extLst>
-      <p:ext uri="{BB962C8B-B14F-4D97-AF65-F5344CB8AC3E}">
-        <p14:creationId xmlns:p14="http://schemas.microsoft.com/office/powerpoint/2010/main" val="679962188"/>
-      </p:ext>
-    </p:extLst>
   </p:cSld>
   <p:clrMap bg1="lt1" tx1="dk1" bg2="lt2" tx2="dk2" accent1="accent1" accent2="accent2" accent3="accent3" accent4="accent4" accent5="accent5" accent6="accent6" hlink="hlink" folHlink="folHlink"/>
   <p:sldLayoutIdLst>
@@ -3343,20 +2938,14 @@
       </p:grpSpPr>
       <p:pic>
         <p:nvPicPr>
-          <p:cNvPr id="8" name="Imagem 7">
-            <a:extLst>
-              <a:ext uri="{FF2B5EF4-FFF2-40B4-BE49-F238E27FC236}">
-                <a16:creationId xmlns:a16="http://schemas.microsoft.com/office/drawing/2014/main" id="{19BD71DA-C4F0-4FB9-BDE8-328CC41CE42A}"/>
-              </a:ext>
-            </a:extLst>
-          </p:cNvPr>
+          <p:cNvPr id="8" name="Imagem 7"/>
           <p:cNvPicPr>
             <a:picLocks noChangeAspect="1"/>
           </p:cNvPicPr>
           <p:nvPr/>
         </p:nvPicPr>
         <p:blipFill rotWithShape="1">
-          <a:blip r:embed="rId2">
+          <a:blip r:embed="rId1">
             <a:extLst>
               <a:ext uri="{28A0092B-C50C-407E-A947-70E740481C1C}">
                 <a14:useLocalDpi xmlns:a14="http://schemas.microsoft.com/office/drawing/2010/main" val="0"/>
@@ -3364,7 +2953,9 @@
             </a:extLst>
           </a:blip>
           <a:srcRect r="13231"/>
-          <a:stretch/>
+          <a:stretch>
+            <a:fillRect/>
+          </a:stretch>
         </p:blipFill>
         <p:spPr>
           <a:xfrm>
@@ -3378,20 +2969,14 @@
       </p:pic>
       <p:sp>
         <p:nvSpPr>
-          <p:cNvPr id="11" name="CaixaDeTexto 10">
-            <a:extLst>
-              <a:ext uri="{FF2B5EF4-FFF2-40B4-BE49-F238E27FC236}">
-                <a16:creationId xmlns:a16="http://schemas.microsoft.com/office/drawing/2014/main" id="{85D94EB7-9488-4C90-ACB0-9DAF8DC01960}"/>
-              </a:ext>
-            </a:extLst>
-          </p:cNvPr>
+          <p:cNvPr id="11" name="CaixaDeTexto 10"/>
           <p:cNvSpPr txBox="1"/>
           <p:nvPr/>
         </p:nvSpPr>
         <p:spPr>
           <a:xfrm>
             <a:off x="534571" y="3463004"/>
-            <a:ext cx="8018585" cy="3108543"/>
+            <a:ext cx="8018585" cy="3107690"/>
           </a:xfrm>
           <a:prstGeom prst="rect">
             <a:avLst/>
@@ -3416,8 +3001,6 @@
               </a:rPr>
               <a:t>Disciplina: Inteligência Artificial</a:t>
             </a:r>
-          </a:p>
-          <a:p>
             <a:endParaRPr lang="pt-BR" sz="2800" b="1" dirty="0">
               <a:solidFill>
                 <a:schemeClr val="tx1">
@@ -3429,20 +3012,6 @@
             </a:endParaRPr>
           </a:p>
           <a:p>
-            <a:r>
-              <a:rPr lang="pt-BR" sz="2800" b="1" dirty="0">
-                <a:solidFill>
-                  <a:schemeClr val="tx1">
-                    <a:lumMod val="75000"/>
-                    <a:lumOff val="25000"/>
-                  </a:schemeClr>
-                </a:solidFill>
-                <a:cs typeface="Times New Roman" panose="02020603050405020304" pitchFamily="18" charset="0"/>
-              </a:rPr>
-              <a:t>Docente:  André Luís Meneses Silva</a:t>
-            </a:r>
-          </a:p>
-          <a:p>
             <a:endParaRPr lang="pt-BR" sz="2800" b="1" dirty="0">
               <a:solidFill>
                 <a:schemeClr val="tx1">
@@ -3464,8 +3033,28 @@
                 </a:solidFill>
                 <a:cs typeface="Times New Roman" panose="02020603050405020304" pitchFamily="18" charset="0"/>
               </a:rPr>
-              <a:t>Discentes: Clovijan Bispo Rocha</a:t>
-            </a:r>
+              <a:t>Docente:  André Luís Meneses Silva</a:t>
+            </a:r>
+            <a:endParaRPr lang="pt-BR" sz="2800" b="1" dirty="0">
+              <a:solidFill>
+                <a:schemeClr val="tx1">
+                  <a:lumMod val="75000"/>
+                  <a:lumOff val="25000"/>
+                </a:schemeClr>
+              </a:solidFill>
+              <a:cs typeface="Times New Roman" panose="02020603050405020304" pitchFamily="18" charset="0"/>
+            </a:endParaRPr>
+          </a:p>
+          <a:p>
+            <a:endParaRPr lang="pt-BR" sz="2800" b="1" dirty="0">
+              <a:solidFill>
+                <a:schemeClr val="tx1">
+                  <a:lumMod val="75000"/>
+                  <a:lumOff val="25000"/>
+                </a:schemeClr>
+              </a:solidFill>
+              <a:cs typeface="Times New Roman" panose="02020603050405020304" pitchFamily="18" charset="0"/>
+            </a:endParaRPr>
           </a:p>
           <a:p>
             <a:r>
@@ -3478,10 +3067,21 @@
                 </a:solidFill>
                 <a:cs typeface="Times New Roman" panose="02020603050405020304" pitchFamily="18" charset="0"/>
               </a:rPr>
-              <a:t>		Igor </a:t>
-            </a:r>
-            <a:r>
-              <a:rPr lang="pt-BR" sz="2800" b="1" dirty="0" err="1">
+              <a:t>Discentes:    Clovijan Bispo Rocha</a:t>
+            </a:r>
+            <a:endParaRPr lang="pt-BR" sz="2800" b="1" dirty="0">
+              <a:solidFill>
+                <a:schemeClr val="tx1">
+                  <a:lumMod val="75000"/>
+                  <a:lumOff val="25000"/>
+                </a:schemeClr>
+              </a:solidFill>
+              <a:cs typeface="Times New Roman" panose="02020603050405020304" pitchFamily="18" charset="0"/>
+            </a:endParaRPr>
+          </a:p>
+          <a:p>
+            <a:r>
+              <a:rPr lang="pt-BR" sz="2800" b="1" dirty="0">
                 <a:solidFill>
                   <a:schemeClr val="tx1">
                     <a:lumMod val="75000"/>
@@ -3490,10 +3090,10 @@
                 </a:solidFill>
                 <a:cs typeface="Times New Roman" panose="02020603050405020304" pitchFamily="18" charset="0"/>
               </a:rPr>
-              <a:t>Terriaga</a:t>
-            </a:r>
-            <a:r>
-              <a:rPr lang="pt-BR" sz="2800" b="1" dirty="0">
+              <a:t>		Igor </a:t>
+            </a:r>
+            <a:r>
+              <a:rPr lang="pt-BR" sz="2800" b="1" dirty="0" err="1">
                 <a:solidFill>
                   <a:schemeClr val="tx1">
                     <a:lumMod val="75000"/>
@@ -3502,8 +3102,29 @@
                 </a:solidFill>
                 <a:cs typeface="Times New Roman" panose="02020603050405020304" pitchFamily="18" charset="0"/>
               </a:rPr>
+              <a:t>Terriaga</a:t>
+            </a:r>
+            <a:r>
+              <a:rPr lang="pt-BR" sz="2800" b="1" dirty="0">
+                <a:solidFill>
+                  <a:schemeClr val="tx1">
+                    <a:lumMod val="75000"/>
+                    <a:lumOff val="25000"/>
+                  </a:schemeClr>
+                </a:solidFill>
+                <a:cs typeface="Times New Roman" panose="02020603050405020304" pitchFamily="18" charset="0"/>
+              </a:rPr>
               <a:t> Santos</a:t>
             </a:r>
+            <a:endParaRPr lang="pt-BR" sz="2800" b="1" dirty="0">
+              <a:solidFill>
+                <a:schemeClr val="tx1">
+                  <a:lumMod val="75000"/>
+                  <a:lumOff val="25000"/>
+                </a:schemeClr>
+              </a:solidFill>
+              <a:cs typeface="Times New Roman" panose="02020603050405020304" pitchFamily="18" charset="0"/>
+            </a:endParaRPr>
           </a:p>
           <a:p>
             <a:r>
@@ -3532,13 +3153,7 @@
       </p:sp>
       <p:grpSp>
         <p:nvGrpSpPr>
-          <p:cNvPr id="16" name="Agrupar 15">
-            <a:extLst>
-              <a:ext uri="{FF2B5EF4-FFF2-40B4-BE49-F238E27FC236}">
-                <a16:creationId xmlns:a16="http://schemas.microsoft.com/office/drawing/2014/main" id="{0F1D9A1C-4E67-4968-8936-32A5196B7EA6}"/>
-              </a:ext>
-            </a:extLst>
-          </p:cNvPr>
+          <p:cNvPr id="16" name="Agrupar 15"/>
           <p:cNvGrpSpPr/>
           <p:nvPr/>
         </p:nvGrpSpPr>
@@ -3552,13 +3167,7 @@
         </p:grpSpPr>
         <p:sp>
           <p:nvSpPr>
-            <p:cNvPr id="10" name="CaixaDeTexto 9">
-              <a:extLst>
-                <a:ext uri="{FF2B5EF4-FFF2-40B4-BE49-F238E27FC236}">
-                  <a16:creationId xmlns:a16="http://schemas.microsoft.com/office/drawing/2014/main" id="{461FBB0B-CF91-49A5-BF3D-721DF4B662D5}"/>
-                </a:ext>
-              </a:extLst>
-            </p:cNvPr>
+            <p:cNvPr id="10" name="CaixaDeTexto 9"/>
             <p:cNvSpPr txBox="1"/>
             <p:nvPr/>
           </p:nvSpPr>
@@ -3591,6 +3200,15 @@
                 </a:rPr>
                 <a:t>Universidade Federal de Sergipe</a:t>
               </a:r>
+              <a:endParaRPr lang="pt-BR" sz="4000" b="1" dirty="0">
+                <a:solidFill>
+                  <a:schemeClr val="tx1">
+                    <a:lumMod val="75000"/>
+                    <a:lumOff val="25000"/>
+                  </a:schemeClr>
+                </a:solidFill>
+                <a:cs typeface="Times New Roman" panose="02020603050405020304" pitchFamily="18" charset="0"/>
+              </a:endParaRPr>
             </a:p>
             <a:p>
               <a:pPr algn="ctr"/>
@@ -3606,6 +3224,15 @@
                 </a:rPr>
                 <a:t>Campus Alberto </a:t>
               </a:r>
+              <a:endParaRPr lang="pt-BR" sz="4000" b="1" dirty="0">
+                <a:solidFill>
+                  <a:schemeClr val="tx1">
+                    <a:lumMod val="75000"/>
+                    <a:lumOff val="25000"/>
+                  </a:schemeClr>
+                </a:solidFill>
+                <a:cs typeface="Times New Roman" panose="02020603050405020304" pitchFamily="18" charset="0"/>
+              </a:endParaRPr>
             </a:p>
             <a:p>
               <a:pPr algn="ctr"/>
@@ -3621,25 +3248,28 @@
                 </a:rPr>
                 <a:t>Departamento de Sistemas de Informação</a:t>
               </a:r>
+              <a:endParaRPr lang="pt-BR" sz="4000" b="1" dirty="0">
+                <a:solidFill>
+                  <a:schemeClr val="tx1">
+                    <a:lumMod val="75000"/>
+                    <a:lumOff val="25000"/>
+                  </a:schemeClr>
+                </a:solidFill>
+                <a:cs typeface="Times New Roman" panose="02020603050405020304" pitchFamily="18" charset="0"/>
+              </a:endParaRPr>
             </a:p>
           </p:txBody>
         </p:sp>
         <p:pic>
           <p:nvPicPr>
-            <p:cNvPr id="15" name="Imagem 14">
-              <a:extLst>
-                <a:ext uri="{FF2B5EF4-FFF2-40B4-BE49-F238E27FC236}">
-                  <a16:creationId xmlns:a16="http://schemas.microsoft.com/office/drawing/2014/main" id="{699450A4-CD1E-4A0E-8012-AE3B6D4E35C1}"/>
-                </a:ext>
-              </a:extLst>
-            </p:cNvPr>
+            <p:cNvPr id="15" name="Imagem 14"/>
             <p:cNvPicPr>
               <a:picLocks noChangeAspect="1"/>
             </p:cNvPicPr>
             <p:nvPr/>
           </p:nvPicPr>
           <p:blipFill rotWithShape="1">
-            <a:blip r:embed="rId3">
+            <a:blip r:embed="rId2">
               <a:extLst>
                 <a:ext uri="{28A0092B-C50C-407E-A947-70E740481C1C}">
                   <a14:useLocalDpi xmlns:a14="http://schemas.microsoft.com/office/drawing/2010/main" val="0"/>
@@ -3647,7 +3277,9 @@
               </a:extLst>
             </a:blip>
             <a:srcRect b="20525"/>
-            <a:stretch/>
+            <a:stretch>
+              <a:fillRect/>
+            </a:stretch>
           </p:blipFill>
           <p:spPr>
             <a:xfrm>
@@ -3662,20 +3294,14 @@
       </p:grpSp>
       <p:pic>
         <p:nvPicPr>
-          <p:cNvPr id="18" name="Imagem 17">
-            <a:extLst>
-              <a:ext uri="{FF2B5EF4-FFF2-40B4-BE49-F238E27FC236}">
-                <a16:creationId xmlns:a16="http://schemas.microsoft.com/office/drawing/2014/main" id="{7596648E-AAA7-460D-9369-2A71689CBA72}"/>
-              </a:ext>
-            </a:extLst>
-          </p:cNvPr>
+          <p:cNvPr id="18" name="Imagem 17"/>
           <p:cNvPicPr>
             <a:picLocks noChangeAspect="1"/>
           </p:cNvPicPr>
           <p:nvPr/>
         </p:nvPicPr>
         <p:blipFill>
-          <a:blip r:embed="rId4">
+          <a:blip r:embed="rId3">
             <a:extLst>
               <a:ext uri="{28A0092B-C50C-407E-A947-70E740481C1C}">
                 <a14:useLocalDpi xmlns:a14="http://schemas.microsoft.com/office/drawing/2010/main" val="0"/>
@@ -3700,11 +3326,6 @@
         </p:spPr>
       </p:pic>
     </p:spTree>
-    <p:extLst>
-      <p:ext uri="{BB962C8B-B14F-4D97-AF65-F5344CB8AC3E}">
-        <p14:creationId xmlns:p14="http://schemas.microsoft.com/office/powerpoint/2010/main" val="3949080835"/>
-      </p:ext>
-    </p:extLst>
   </p:cSld>
   <p:clrMapOvr>
     <a:masterClrMapping/>
@@ -3731,16 +3352,8 @@
       </p:grpSpPr>
       <p:sp>
         <p:nvSpPr>
-          <p:cNvPr id="2" name="Título 1">
-            <a:extLst>
-              <a:ext uri="{FF2B5EF4-FFF2-40B4-BE49-F238E27FC236}">
-                <a16:creationId xmlns:a16="http://schemas.microsoft.com/office/drawing/2014/main" id="{38BB6ACB-1858-4D72-9F81-BD950A0EC798}"/>
-              </a:ext>
-            </a:extLst>
-          </p:cNvPr>
-          <p:cNvSpPr txBox="1">
-            <a:spLocks/>
-          </p:cNvSpPr>
+          <p:cNvPr id="2" name="Título 1"/>
+          <p:cNvSpPr txBox="1"/>
           <p:nvPr/>
         </p:nvSpPr>
         <p:spPr>
@@ -3786,21 +3399,19 @@
               </a:rPr>
               <a:t>Gerar o indivíduo e inicialização da população</a:t>
             </a:r>
-          </a:p>
-        </p:txBody>
-      </p:sp>
-      <p:sp>
-        <p:nvSpPr>
-          <p:cNvPr id="3" name="Espaço Reservado para Conteúdo 2">
-            <a:extLst>
-              <a:ext uri="{FF2B5EF4-FFF2-40B4-BE49-F238E27FC236}">
-                <a16:creationId xmlns:a16="http://schemas.microsoft.com/office/drawing/2014/main" id="{1029F9D0-FA96-4FA4-85C0-EBAF83FF308A}"/>
-              </a:ext>
-            </a:extLst>
-          </p:cNvPr>
-          <p:cNvSpPr txBox="1">
-            <a:spLocks/>
-          </p:cNvSpPr>
+            <a:endParaRPr lang="pt-BR" sz="4800" b="1" dirty="0">
+              <a:solidFill>
+                <a:srgbClr val="049BE6"/>
+              </a:solidFill>
+              <a:latin typeface="+mn-lt"/>
+            </a:endParaRPr>
+          </a:p>
+        </p:txBody>
+      </p:sp>
+      <p:sp>
+        <p:nvSpPr>
+          <p:cNvPr id="3" name="Espaço Reservado para Conteúdo 2"/>
+          <p:cNvSpPr txBox="1"/>
           <p:nvPr/>
         </p:nvSpPr>
         <p:spPr>
@@ -3988,6 +3599,7 @@
               <a:rPr lang="pt-BR" sz="4800" dirty="0"/>
               <a:t>	 </a:t>
             </a:r>
+            <a:endParaRPr lang="pt-BR" sz="4800" dirty="0"/>
           </a:p>
           <a:p>
             <a:pPr marL="742950" indent="-742950">
@@ -4007,16 +3619,8 @@
       </p:sp>
       <p:sp>
         <p:nvSpPr>
-          <p:cNvPr id="4" name="Espaço Reservado para Conteúdo 2">
-            <a:extLst>
-              <a:ext uri="{FF2B5EF4-FFF2-40B4-BE49-F238E27FC236}">
-                <a16:creationId xmlns:a16="http://schemas.microsoft.com/office/drawing/2014/main" id="{489CA1A1-5A93-4746-BDCB-534FE6699C67}"/>
-              </a:ext>
-            </a:extLst>
-          </p:cNvPr>
-          <p:cNvSpPr txBox="1">
-            <a:spLocks/>
-          </p:cNvSpPr>
+          <p:cNvPr id="4" name="Espaço Reservado para Conteúdo 2"/>
+          <p:cNvSpPr txBox="1"/>
           <p:nvPr/>
         </p:nvSpPr>
         <p:spPr>
@@ -4204,6 +3808,7 @@
               <a:rPr lang="pt-BR" sz="4400" dirty="0"/>
               <a:t>	</a:t>
             </a:r>
+            <a:endParaRPr lang="pt-BR" sz="4400" dirty="0"/>
           </a:p>
           <a:p>
             <a:pPr marL="742950" indent="-742950">
@@ -4215,11 +3820,6 @@
         </p:txBody>
       </p:sp>
     </p:spTree>
-    <p:extLst>
-      <p:ext uri="{BB962C8B-B14F-4D97-AF65-F5344CB8AC3E}">
-        <p14:creationId xmlns:p14="http://schemas.microsoft.com/office/powerpoint/2010/main" val="3280820763"/>
-      </p:ext>
-    </p:extLst>
   </p:cSld>
   <p:clrMapOvr>
     <a:masterClrMapping/>
@@ -4325,16 +3925,8 @@
       </p:grpSpPr>
       <p:sp>
         <p:nvSpPr>
-          <p:cNvPr id="2" name="Título 1">
-            <a:extLst>
-              <a:ext uri="{FF2B5EF4-FFF2-40B4-BE49-F238E27FC236}">
-                <a16:creationId xmlns:a16="http://schemas.microsoft.com/office/drawing/2014/main" id="{38BB6ACB-1858-4D72-9F81-BD950A0EC798}"/>
-              </a:ext>
-            </a:extLst>
-          </p:cNvPr>
-          <p:cNvSpPr txBox="1">
-            <a:spLocks/>
-          </p:cNvSpPr>
+          <p:cNvPr id="2" name="Título 1"/>
+          <p:cNvSpPr txBox="1"/>
           <p:nvPr/>
         </p:nvSpPr>
         <p:spPr>
@@ -4380,21 +3972,19 @@
               </a:rPr>
               <a:t>Modelagem da função fitness</a:t>
             </a:r>
-          </a:p>
-        </p:txBody>
-      </p:sp>
-      <p:sp>
-        <p:nvSpPr>
-          <p:cNvPr id="3" name="Espaço Reservado para Conteúdo 2">
-            <a:extLst>
-              <a:ext uri="{FF2B5EF4-FFF2-40B4-BE49-F238E27FC236}">
-                <a16:creationId xmlns:a16="http://schemas.microsoft.com/office/drawing/2014/main" id="{1029F9D0-FA96-4FA4-85C0-EBAF83FF308A}"/>
-              </a:ext>
-            </a:extLst>
-          </p:cNvPr>
-          <p:cNvSpPr txBox="1">
-            <a:spLocks/>
-          </p:cNvSpPr>
+            <a:endParaRPr lang="pt-BR" sz="4800" b="1" dirty="0">
+              <a:solidFill>
+                <a:srgbClr val="049BE6"/>
+              </a:solidFill>
+              <a:latin typeface="+mn-lt"/>
+            </a:endParaRPr>
+          </a:p>
+        </p:txBody>
+      </p:sp>
+      <p:sp>
+        <p:nvSpPr>
+          <p:cNvPr id="3" name="Espaço Reservado para Conteúdo 2"/>
+          <p:cNvSpPr txBox="1"/>
           <p:nvPr/>
         </p:nvSpPr>
         <p:spPr>
@@ -4582,6 +4172,7 @@
               <a:rPr lang="pt-BR" sz="4800" dirty="0"/>
               <a:t>	 </a:t>
             </a:r>
+            <a:endParaRPr lang="pt-BR" sz="4800" dirty="0"/>
           </a:p>
           <a:p>
             <a:pPr marL="742950" indent="-742950">
@@ -4601,16 +4192,8 @@
       </p:sp>
       <p:sp>
         <p:nvSpPr>
-          <p:cNvPr id="4" name="Espaço Reservado para Conteúdo 2">
-            <a:extLst>
-              <a:ext uri="{FF2B5EF4-FFF2-40B4-BE49-F238E27FC236}">
-                <a16:creationId xmlns:a16="http://schemas.microsoft.com/office/drawing/2014/main" id="{489CA1A1-5A93-4746-BDCB-534FE6699C67}"/>
-              </a:ext>
-            </a:extLst>
-          </p:cNvPr>
-          <p:cNvSpPr txBox="1">
-            <a:spLocks/>
-          </p:cNvSpPr>
+          <p:cNvPr id="4" name="Espaço Reservado para Conteúdo 2"/>
+          <p:cNvSpPr txBox="1"/>
           <p:nvPr/>
         </p:nvSpPr>
         <p:spPr>
@@ -4798,6 +4381,7 @@
               <a:rPr lang="pt-BR" sz="4400" dirty="0"/>
               <a:t>	</a:t>
             </a:r>
+            <a:endParaRPr lang="pt-BR" sz="4400" dirty="0"/>
           </a:p>
           <a:p>
             <a:pPr marL="742950" indent="-742950">
@@ -4809,11 +4393,6 @@
         </p:txBody>
       </p:sp>
     </p:spTree>
-    <p:extLst>
-      <p:ext uri="{BB962C8B-B14F-4D97-AF65-F5344CB8AC3E}">
-        <p14:creationId xmlns:p14="http://schemas.microsoft.com/office/powerpoint/2010/main" val="1357310930"/>
-      </p:ext>
-    </p:extLst>
   </p:cSld>
   <p:clrMapOvr>
     <a:masterClrMapping/>
@@ -4919,16 +4498,8 @@
       </p:grpSpPr>
       <p:sp>
         <p:nvSpPr>
-          <p:cNvPr id="2" name="Título 1">
-            <a:extLst>
-              <a:ext uri="{FF2B5EF4-FFF2-40B4-BE49-F238E27FC236}">
-                <a16:creationId xmlns:a16="http://schemas.microsoft.com/office/drawing/2014/main" id="{38BB6ACB-1858-4D72-9F81-BD950A0EC798}"/>
-              </a:ext>
-            </a:extLst>
-          </p:cNvPr>
-          <p:cNvSpPr txBox="1">
-            <a:spLocks/>
-          </p:cNvSpPr>
+          <p:cNvPr id="2" name="Título 1"/>
+          <p:cNvSpPr txBox="1"/>
           <p:nvPr/>
         </p:nvSpPr>
         <p:spPr>
@@ -4974,21 +4545,19 @@
               </a:rPr>
               <a:t>Avaliar os indivíduos</a:t>
             </a:r>
-          </a:p>
-        </p:txBody>
-      </p:sp>
-      <p:sp>
-        <p:nvSpPr>
-          <p:cNvPr id="3" name="Espaço Reservado para Conteúdo 2">
-            <a:extLst>
-              <a:ext uri="{FF2B5EF4-FFF2-40B4-BE49-F238E27FC236}">
-                <a16:creationId xmlns:a16="http://schemas.microsoft.com/office/drawing/2014/main" id="{1029F9D0-FA96-4FA4-85C0-EBAF83FF308A}"/>
-              </a:ext>
-            </a:extLst>
-          </p:cNvPr>
-          <p:cNvSpPr txBox="1">
-            <a:spLocks/>
-          </p:cNvSpPr>
+            <a:endParaRPr lang="pt-BR" sz="5400" b="1" dirty="0">
+              <a:solidFill>
+                <a:srgbClr val="049BE6"/>
+              </a:solidFill>
+              <a:latin typeface="+mn-lt"/>
+            </a:endParaRPr>
+          </a:p>
+        </p:txBody>
+      </p:sp>
+      <p:sp>
+        <p:nvSpPr>
+          <p:cNvPr id="3" name="Espaço Reservado para Conteúdo 2"/>
+          <p:cNvSpPr txBox="1"/>
           <p:nvPr/>
         </p:nvSpPr>
         <p:spPr>
@@ -5176,6 +4745,7 @@
               <a:rPr lang="pt-BR" sz="4800" dirty="0"/>
               <a:t>	 </a:t>
             </a:r>
+            <a:endParaRPr lang="pt-BR" sz="4800" dirty="0"/>
           </a:p>
           <a:p>
             <a:pPr marL="742950" indent="-742950">
@@ -5195,16 +4765,8 @@
       </p:sp>
       <p:sp>
         <p:nvSpPr>
-          <p:cNvPr id="4" name="Espaço Reservado para Conteúdo 2">
-            <a:extLst>
-              <a:ext uri="{FF2B5EF4-FFF2-40B4-BE49-F238E27FC236}">
-                <a16:creationId xmlns:a16="http://schemas.microsoft.com/office/drawing/2014/main" id="{489CA1A1-5A93-4746-BDCB-534FE6699C67}"/>
-              </a:ext>
-            </a:extLst>
-          </p:cNvPr>
-          <p:cNvSpPr txBox="1">
-            <a:spLocks/>
-          </p:cNvSpPr>
+          <p:cNvPr id="4" name="Espaço Reservado para Conteúdo 2"/>
+          <p:cNvSpPr txBox="1"/>
           <p:nvPr/>
         </p:nvSpPr>
         <p:spPr>
@@ -5392,6 +4954,7 @@
               <a:rPr lang="pt-BR" sz="4400" dirty="0"/>
               <a:t>	</a:t>
             </a:r>
+            <a:endParaRPr lang="pt-BR" sz="4400" dirty="0"/>
           </a:p>
           <a:p>
             <a:pPr marL="742950" indent="-742950">
@@ -5403,11 +4966,6 @@
         </p:txBody>
       </p:sp>
     </p:spTree>
-    <p:extLst>
-      <p:ext uri="{BB962C8B-B14F-4D97-AF65-F5344CB8AC3E}">
-        <p14:creationId xmlns:p14="http://schemas.microsoft.com/office/powerpoint/2010/main" val="3562715103"/>
-      </p:ext>
-    </p:extLst>
   </p:cSld>
   <p:clrMapOvr>
     <a:masterClrMapping/>
@@ -5513,16 +5071,8 @@
       </p:grpSpPr>
       <p:sp>
         <p:nvSpPr>
-          <p:cNvPr id="2" name="Título 1">
-            <a:extLst>
-              <a:ext uri="{FF2B5EF4-FFF2-40B4-BE49-F238E27FC236}">
-                <a16:creationId xmlns:a16="http://schemas.microsoft.com/office/drawing/2014/main" id="{38BB6ACB-1858-4D72-9F81-BD950A0EC798}"/>
-              </a:ext>
-            </a:extLst>
-          </p:cNvPr>
-          <p:cNvSpPr txBox="1">
-            <a:spLocks/>
-          </p:cNvSpPr>
+          <p:cNvPr id="2" name="Título 1"/>
+          <p:cNvSpPr txBox="1"/>
           <p:nvPr/>
         </p:nvSpPr>
         <p:spPr>
@@ -5568,21 +5118,19 @@
               </a:rPr>
               <a:t>Seleção dos Indivíduos para o Cross-Over</a:t>
             </a:r>
-          </a:p>
-        </p:txBody>
-      </p:sp>
-      <p:sp>
-        <p:nvSpPr>
-          <p:cNvPr id="3" name="Espaço Reservado para Conteúdo 2">
-            <a:extLst>
-              <a:ext uri="{FF2B5EF4-FFF2-40B4-BE49-F238E27FC236}">
-                <a16:creationId xmlns:a16="http://schemas.microsoft.com/office/drawing/2014/main" id="{1029F9D0-FA96-4FA4-85C0-EBAF83FF308A}"/>
-              </a:ext>
-            </a:extLst>
-          </p:cNvPr>
-          <p:cNvSpPr txBox="1">
-            <a:spLocks/>
-          </p:cNvSpPr>
+            <a:endParaRPr lang="pt-BR" sz="4800" b="1" dirty="0">
+              <a:solidFill>
+                <a:srgbClr val="049BE6"/>
+              </a:solidFill>
+              <a:latin typeface="+mn-lt"/>
+            </a:endParaRPr>
+          </a:p>
+        </p:txBody>
+      </p:sp>
+      <p:sp>
+        <p:nvSpPr>
+          <p:cNvPr id="3" name="Espaço Reservado para Conteúdo 2"/>
+          <p:cNvSpPr txBox="1"/>
           <p:nvPr/>
         </p:nvSpPr>
         <p:spPr>
@@ -5770,6 +5318,7 @@
               <a:rPr lang="pt-BR" sz="4800" dirty="0"/>
               <a:t>	 </a:t>
             </a:r>
+            <a:endParaRPr lang="pt-BR" sz="4800" dirty="0"/>
           </a:p>
           <a:p>
             <a:pPr marL="742950" indent="-742950">
@@ -5789,16 +5338,8 @@
       </p:sp>
       <p:sp>
         <p:nvSpPr>
-          <p:cNvPr id="4" name="Espaço Reservado para Conteúdo 2">
-            <a:extLst>
-              <a:ext uri="{FF2B5EF4-FFF2-40B4-BE49-F238E27FC236}">
-                <a16:creationId xmlns:a16="http://schemas.microsoft.com/office/drawing/2014/main" id="{489CA1A1-5A93-4746-BDCB-534FE6699C67}"/>
-              </a:ext>
-            </a:extLst>
-          </p:cNvPr>
-          <p:cNvSpPr txBox="1">
-            <a:spLocks/>
-          </p:cNvSpPr>
+          <p:cNvPr id="4" name="Espaço Reservado para Conteúdo 2"/>
+          <p:cNvSpPr txBox="1"/>
           <p:nvPr/>
         </p:nvSpPr>
         <p:spPr>
@@ -5986,6 +5527,7 @@
               <a:rPr lang="pt-BR" sz="4400" dirty="0"/>
               <a:t>	</a:t>
             </a:r>
+            <a:endParaRPr lang="pt-BR" sz="4400" dirty="0"/>
           </a:p>
           <a:p>
             <a:pPr marL="742950" indent="-742950">
@@ -5997,11 +5539,6 @@
         </p:txBody>
       </p:sp>
     </p:spTree>
-    <p:extLst>
-      <p:ext uri="{BB962C8B-B14F-4D97-AF65-F5344CB8AC3E}">
-        <p14:creationId xmlns:p14="http://schemas.microsoft.com/office/powerpoint/2010/main" val="317159370"/>
-      </p:ext>
-    </p:extLst>
   </p:cSld>
   <p:clrMapOvr>
     <a:masterClrMapping/>
@@ -6107,16 +5644,8 @@
       </p:grpSpPr>
       <p:sp>
         <p:nvSpPr>
-          <p:cNvPr id="2" name="Título 1">
-            <a:extLst>
-              <a:ext uri="{FF2B5EF4-FFF2-40B4-BE49-F238E27FC236}">
-                <a16:creationId xmlns:a16="http://schemas.microsoft.com/office/drawing/2014/main" id="{38BB6ACB-1858-4D72-9F81-BD950A0EC798}"/>
-              </a:ext>
-            </a:extLst>
-          </p:cNvPr>
-          <p:cNvSpPr txBox="1">
-            <a:spLocks/>
-          </p:cNvSpPr>
+          <p:cNvPr id="2" name="Título 1"/>
+          <p:cNvSpPr txBox="1"/>
           <p:nvPr/>
         </p:nvSpPr>
         <p:spPr>
@@ -6162,21 +5691,19 @@
               </a:rPr>
               <a:t>Demonstração!</a:t>
             </a:r>
-          </a:p>
-        </p:txBody>
-      </p:sp>
-      <p:sp>
-        <p:nvSpPr>
-          <p:cNvPr id="3" name="Espaço Reservado para Conteúdo 2">
-            <a:extLst>
-              <a:ext uri="{FF2B5EF4-FFF2-40B4-BE49-F238E27FC236}">
-                <a16:creationId xmlns:a16="http://schemas.microsoft.com/office/drawing/2014/main" id="{1029F9D0-FA96-4FA4-85C0-EBAF83FF308A}"/>
-              </a:ext>
-            </a:extLst>
-          </p:cNvPr>
-          <p:cNvSpPr txBox="1">
-            <a:spLocks/>
-          </p:cNvSpPr>
+            <a:endParaRPr lang="pt-BR" sz="8800" b="1" dirty="0">
+              <a:solidFill>
+                <a:srgbClr val="049BE6"/>
+              </a:solidFill>
+              <a:latin typeface="+mn-lt"/>
+            </a:endParaRPr>
+          </a:p>
+        </p:txBody>
+      </p:sp>
+      <p:sp>
+        <p:nvSpPr>
+          <p:cNvPr id="3" name="Espaço Reservado para Conteúdo 2"/>
+          <p:cNvSpPr txBox="1"/>
           <p:nvPr/>
         </p:nvSpPr>
         <p:spPr>
@@ -6364,6 +5891,7 @@
               <a:rPr lang="pt-BR" sz="4800" dirty="0"/>
               <a:t>	 </a:t>
             </a:r>
+            <a:endParaRPr lang="pt-BR" sz="4800" dirty="0"/>
           </a:p>
           <a:p>
             <a:pPr marL="742950" indent="-742950">
@@ -6383,16 +5911,8 @@
       </p:sp>
       <p:sp>
         <p:nvSpPr>
-          <p:cNvPr id="4" name="Espaço Reservado para Conteúdo 2">
-            <a:extLst>
-              <a:ext uri="{FF2B5EF4-FFF2-40B4-BE49-F238E27FC236}">
-                <a16:creationId xmlns:a16="http://schemas.microsoft.com/office/drawing/2014/main" id="{489CA1A1-5A93-4746-BDCB-534FE6699C67}"/>
-              </a:ext>
-            </a:extLst>
-          </p:cNvPr>
-          <p:cNvSpPr txBox="1">
-            <a:spLocks/>
-          </p:cNvSpPr>
+          <p:cNvPr id="4" name="Espaço Reservado para Conteúdo 2"/>
+          <p:cNvSpPr txBox="1"/>
           <p:nvPr/>
         </p:nvSpPr>
         <p:spPr>
@@ -6580,6 +6100,7 @@
               <a:rPr lang="pt-BR" sz="4400" dirty="0"/>
               <a:t>	</a:t>
             </a:r>
+            <a:endParaRPr lang="pt-BR" sz="4400" dirty="0"/>
           </a:p>
           <a:p>
             <a:pPr marL="742950" indent="-742950">
@@ -6592,20 +6113,14 @@
       </p:sp>
       <p:pic>
         <p:nvPicPr>
-          <p:cNvPr id="6" name="Imagem 5">
-            <a:extLst>
-              <a:ext uri="{FF2B5EF4-FFF2-40B4-BE49-F238E27FC236}">
-                <a16:creationId xmlns:a16="http://schemas.microsoft.com/office/drawing/2014/main" id="{3CA64BE5-1649-4C7C-8F69-D7C8BA8A3BD8}"/>
-              </a:ext>
-            </a:extLst>
-          </p:cNvPr>
+          <p:cNvPr id="6" name="Imagem 5"/>
           <p:cNvPicPr>
             <a:picLocks noChangeAspect="1"/>
           </p:cNvPicPr>
           <p:nvPr/>
         </p:nvPicPr>
         <p:blipFill>
-          <a:blip r:embed="rId2">
+          <a:blip r:embed="rId1">
             <a:extLst>
               <a:ext uri="{28A0092B-C50C-407E-A947-70E740481C1C}">
                 <a14:useLocalDpi xmlns:a14="http://schemas.microsoft.com/office/drawing/2010/main" val="0"/>
@@ -6627,11 +6142,6 @@
         </p:spPr>
       </p:pic>
     </p:spTree>
-    <p:extLst>
-      <p:ext uri="{BB962C8B-B14F-4D97-AF65-F5344CB8AC3E}">
-        <p14:creationId xmlns:p14="http://schemas.microsoft.com/office/powerpoint/2010/main" val="2483219888"/>
-      </p:ext>
-    </p:extLst>
   </p:cSld>
   <p:clrMapOvr>
     <a:masterClrMapping/>
@@ -6737,20 +6247,14 @@
       </p:grpSpPr>
       <p:pic>
         <p:nvPicPr>
-          <p:cNvPr id="4" name="Imagem 3">
-            <a:extLst>
-              <a:ext uri="{FF2B5EF4-FFF2-40B4-BE49-F238E27FC236}">
-                <a16:creationId xmlns:a16="http://schemas.microsoft.com/office/drawing/2014/main" id="{BF557FE4-5DA7-486F-86BB-13A17125AB95}"/>
-              </a:ext>
-            </a:extLst>
-          </p:cNvPr>
+          <p:cNvPr id="4" name="Imagem 3"/>
           <p:cNvPicPr>
             <a:picLocks noChangeAspect="1"/>
           </p:cNvPicPr>
           <p:nvPr/>
         </p:nvPicPr>
         <p:blipFill>
-          <a:blip r:embed="rId2">
+          <a:blip r:embed="rId1">
             <a:extLst>
               <a:ext uri="{28A0092B-C50C-407E-A947-70E740481C1C}">
                 <a14:useLocalDpi xmlns:a14="http://schemas.microsoft.com/office/drawing/2010/main" val="0"/>
@@ -6772,11 +6276,6 @@
         </p:spPr>
       </p:pic>
     </p:spTree>
-    <p:extLst>
-      <p:ext uri="{BB962C8B-B14F-4D97-AF65-F5344CB8AC3E}">
-        <p14:creationId xmlns:p14="http://schemas.microsoft.com/office/powerpoint/2010/main" val="889763196"/>
-      </p:ext>
-    </p:extLst>
   </p:cSld>
   <p:clrMapOvr>
     <a:masterClrMapping/>
@@ -6802,11 +6301,6 @@
         </a:xfrm>
       </p:grpSpPr>
     </p:spTree>
-    <p:extLst>
-      <p:ext uri="{BB962C8B-B14F-4D97-AF65-F5344CB8AC3E}">
-        <p14:creationId xmlns:p14="http://schemas.microsoft.com/office/powerpoint/2010/main" val="1920911503"/>
-      </p:ext>
-    </p:extLst>
   </p:cSld>
   <p:clrMapOvr>
     <a:masterClrMapping/>
@@ -6833,20 +6327,14 @@
       </p:grpSpPr>
       <p:pic>
         <p:nvPicPr>
-          <p:cNvPr id="5" name="Imagem 4">
-            <a:extLst>
-              <a:ext uri="{FF2B5EF4-FFF2-40B4-BE49-F238E27FC236}">
-                <a16:creationId xmlns:a16="http://schemas.microsoft.com/office/drawing/2014/main" id="{A68ED2E4-368B-4C3C-B7AA-67CCE307C237}"/>
-              </a:ext>
-            </a:extLst>
-          </p:cNvPr>
+          <p:cNvPr id="5" name="Imagem 4"/>
           <p:cNvPicPr>
             <a:picLocks noChangeAspect="1"/>
           </p:cNvPicPr>
           <p:nvPr/>
         </p:nvPicPr>
         <p:blipFill>
-          <a:blip r:embed="rId2">
+          <a:blip r:embed="rId1">
             <a:extLst>
               <a:ext uri="{28A0092B-C50C-407E-A947-70E740481C1C}">
                 <a14:useLocalDpi xmlns:a14="http://schemas.microsoft.com/office/drawing/2010/main" val="0"/>
@@ -6869,13 +6357,7 @@
       </p:pic>
       <p:sp>
         <p:nvSpPr>
-          <p:cNvPr id="2" name="Título 1">
-            <a:extLst>
-              <a:ext uri="{FF2B5EF4-FFF2-40B4-BE49-F238E27FC236}">
-                <a16:creationId xmlns:a16="http://schemas.microsoft.com/office/drawing/2014/main" id="{2E0154EA-7B30-4CE7-AE58-6C7C86CE6A2D}"/>
-              </a:ext>
-            </a:extLst>
-          </p:cNvPr>
+          <p:cNvPr id="2" name="Título 1"/>
           <p:cNvSpPr>
             <a:spLocks noGrp="1"/>
           </p:cNvSpPr>
@@ -6922,11 +6404,6 @@
         </p:txBody>
       </p:sp>
     </p:spTree>
-    <p:extLst>
-      <p:ext uri="{BB962C8B-B14F-4D97-AF65-F5344CB8AC3E}">
-        <p14:creationId xmlns:p14="http://schemas.microsoft.com/office/powerpoint/2010/main" val="3146676048"/>
-      </p:ext>
-    </p:extLst>
   </p:cSld>
   <p:clrMapOvr>
     <a:masterClrMapping/>
@@ -6953,13 +6430,7 @@
       </p:grpSpPr>
       <p:sp>
         <p:nvSpPr>
-          <p:cNvPr id="2" name="Título 1">
-            <a:extLst>
-              <a:ext uri="{FF2B5EF4-FFF2-40B4-BE49-F238E27FC236}">
-                <a16:creationId xmlns:a16="http://schemas.microsoft.com/office/drawing/2014/main" id="{E256670E-49CE-4C60-9794-30842DB06C5A}"/>
-              </a:ext>
-            </a:extLst>
-          </p:cNvPr>
+          <p:cNvPr id="2" name="Título 1"/>
           <p:cNvSpPr>
             <a:spLocks noGrp="1"/>
           </p:cNvSpPr>
@@ -6984,18 +6455,18 @@
               </a:rPr>
               <a:t>Agenda</a:t>
             </a:r>
-          </a:p>
-        </p:txBody>
-      </p:sp>
-      <p:sp>
-        <p:nvSpPr>
-          <p:cNvPr id="3" name="Espaço Reservado para Conteúdo 2">
-            <a:extLst>
-              <a:ext uri="{FF2B5EF4-FFF2-40B4-BE49-F238E27FC236}">
-                <a16:creationId xmlns:a16="http://schemas.microsoft.com/office/drawing/2014/main" id="{35CBB2A9-1404-4E1C-8C8D-E7CAFA6FA712}"/>
-              </a:ext>
-            </a:extLst>
-          </p:cNvPr>
+            <a:endParaRPr lang="pt-BR" sz="8000" b="1" dirty="0">
+              <a:solidFill>
+                <a:srgbClr val="049BE6"/>
+              </a:solidFill>
+              <a:latin typeface="+mn-lt"/>
+            </a:endParaRPr>
+          </a:p>
+        </p:txBody>
+      </p:sp>
+      <p:sp>
+        <p:nvSpPr>
+          <p:cNvPr id="3" name="Espaço Reservado para Conteúdo 2"/>
           <p:cNvSpPr>
             <a:spLocks noGrp="1"/>
           </p:cNvSpPr>
@@ -7015,9 +6486,16 @@
               <a:buAutoNum type="arabicPeriod"/>
             </a:pPr>
             <a:r>
-              <a:rPr lang="pt-BR" sz="4000" b="1" dirty="0"/>
+              <a:rPr lang="pt-BR" sz="4000" b="1" dirty="0">
+                <a:latin typeface="Times New Roman" panose="02020603050405020304" pitchFamily="18" charset="0"/>
+                <a:cs typeface="Times New Roman" panose="02020603050405020304" pitchFamily="18" charset="0"/>
+              </a:rPr>
               <a:t>O que é Algoritmo Genético?</a:t>
             </a:r>
+            <a:endParaRPr lang="pt-BR" sz="4000" b="1" dirty="0">
+              <a:latin typeface="Times New Roman" panose="02020603050405020304" pitchFamily="18" charset="0"/>
+              <a:cs typeface="Times New Roman" panose="02020603050405020304" pitchFamily="18" charset="0"/>
+            </a:endParaRPr>
           </a:p>
           <a:p>
             <a:pPr marL="514350" indent="-514350">
@@ -7025,9 +6503,16 @@
               <a:buAutoNum type="arabicPeriod"/>
             </a:pPr>
             <a:r>
-              <a:rPr lang="pt-BR" sz="4000" b="1" dirty="0"/>
-              <a:t>O Problema </a:t>
-            </a:r>
+              <a:rPr lang="pt-BR" sz="4000" b="1" dirty="0">
+                <a:latin typeface="Times New Roman" panose="02020603050405020304" pitchFamily="18" charset="0"/>
+                <a:cs typeface="Times New Roman" panose="02020603050405020304" pitchFamily="18" charset="0"/>
+              </a:rPr>
+              <a:t>Motivação</a:t>
+            </a:r>
+            <a:endParaRPr lang="pt-BR" sz="4000" b="1" dirty="0">
+              <a:latin typeface="Times New Roman" panose="02020603050405020304" pitchFamily="18" charset="0"/>
+              <a:cs typeface="Times New Roman" panose="02020603050405020304" pitchFamily="18" charset="0"/>
+            </a:endParaRPr>
           </a:p>
           <a:p>
             <a:pPr marL="514350" indent="-514350">
@@ -7035,9 +6520,16 @@
               <a:buAutoNum type="arabicPeriod"/>
             </a:pPr>
             <a:r>
-              <a:rPr lang="pt-BR" sz="4000" b="1" dirty="0"/>
+              <a:rPr lang="pt-BR" sz="4000" b="1" dirty="0">
+                <a:latin typeface="Times New Roman" panose="02020603050405020304" pitchFamily="18" charset="0"/>
+                <a:cs typeface="Times New Roman" panose="02020603050405020304" pitchFamily="18" charset="0"/>
+              </a:rPr>
               <a:t>Resolução do Problema utilizando Algoritmo Genético</a:t>
             </a:r>
+            <a:endParaRPr lang="pt-BR" sz="4000" b="1" dirty="0">
+              <a:latin typeface="Times New Roman" panose="02020603050405020304" pitchFamily="18" charset="0"/>
+              <a:cs typeface="Times New Roman" panose="02020603050405020304" pitchFamily="18" charset="0"/>
+            </a:endParaRPr>
           </a:p>
           <a:p>
             <a:pPr marL="514350" indent="-514350">
@@ -7045,18 +6537,37 @@
               <a:buAutoNum type="arabicPeriod"/>
             </a:pPr>
             <a:r>
-              <a:rPr lang="pt-BR" sz="4000" b="1" dirty="0"/>
+              <a:rPr lang="pt-BR" sz="4000" b="1" dirty="0">
+                <a:latin typeface="Times New Roman" panose="02020603050405020304" pitchFamily="18" charset="0"/>
+                <a:cs typeface="Times New Roman" panose="02020603050405020304" pitchFamily="18" charset="0"/>
+              </a:rPr>
               <a:t>Apresentação do software</a:t>
             </a:r>
+            <a:endParaRPr lang="pt-BR" sz="4000" b="1" dirty="0">
+              <a:latin typeface="Times New Roman" panose="02020603050405020304" pitchFamily="18" charset="0"/>
+              <a:cs typeface="Times New Roman" panose="02020603050405020304" pitchFamily="18" charset="0"/>
+            </a:endParaRPr>
+          </a:p>
+          <a:p>
+            <a:pPr marL="514350" indent="-514350">
+              <a:buFont typeface="+mj-lt"/>
+              <a:buAutoNum type="arabicPeriod"/>
+            </a:pPr>
+            <a:r>
+              <a:rPr lang="pt-BR" sz="4000" b="1" dirty="0">
+                <a:latin typeface="Times New Roman" panose="02020603050405020304" pitchFamily="18" charset="0"/>
+                <a:cs typeface="Times New Roman" panose="02020603050405020304" pitchFamily="18" charset="0"/>
+              </a:rPr>
+              <a:t>Tecnologias Usadas</a:t>
+            </a:r>
+            <a:endParaRPr lang="pt-BR" sz="4000" b="1" dirty="0">
+              <a:latin typeface="Times New Roman" panose="02020603050405020304" pitchFamily="18" charset="0"/>
+              <a:cs typeface="Times New Roman" panose="02020603050405020304" pitchFamily="18" charset="0"/>
+            </a:endParaRPr>
           </a:p>
         </p:txBody>
       </p:sp>
     </p:spTree>
-    <p:extLst>
-      <p:ext uri="{BB962C8B-B14F-4D97-AF65-F5344CB8AC3E}">
-        <p14:creationId xmlns:p14="http://schemas.microsoft.com/office/powerpoint/2010/main" val="1955109937"/>
-      </p:ext>
-    </p:extLst>
   </p:cSld>
   <p:clrMapOvr>
     <a:masterClrMapping/>
@@ -7083,13 +6594,7 @@
       </p:grpSpPr>
       <p:sp>
         <p:nvSpPr>
-          <p:cNvPr id="4" name="Título 1">
-            <a:extLst>
-              <a:ext uri="{FF2B5EF4-FFF2-40B4-BE49-F238E27FC236}">
-                <a16:creationId xmlns:a16="http://schemas.microsoft.com/office/drawing/2014/main" id="{510CAE7A-A57D-4016-8390-4162AD8F444B}"/>
-              </a:ext>
-            </a:extLst>
-          </p:cNvPr>
+          <p:cNvPr id="4" name="Título 1"/>
           <p:cNvSpPr>
             <a:spLocks noGrp="1"/>
           </p:cNvSpPr>
@@ -7119,18 +6624,18 @@
               </a:rPr>
               <a:t>O que é Algoritmo Genético (AG)?</a:t>
             </a:r>
-          </a:p>
-        </p:txBody>
-      </p:sp>
-      <p:sp>
-        <p:nvSpPr>
-          <p:cNvPr id="5" name="Espaço Reservado para Conteúdo 2">
-            <a:extLst>
-              <a:ext uri="{FF2B5EF4-FFF2-40B4-BE49-F238E27FC236}">
-                <a16:creationId xmlns:a16="http://schemas.microsoft.com/office/drawing/2014/main" id="{A18FBC41-9F21-42C1-AF75-0901FAE88F79}"/>
-              </a:ext>
-            </a:extLst>
-          </p:cNvPr>
+            <a:endParaRPr lang="pt-BR" sz="5400" b="1" dirty="0">
+              <a:solidFill>
+                <a:srgbClr val="049BE6"/>
+              </a:solidFill>
+              <a:latin typeface="+mn-lt"/>
+            </a:endParaRPr>
+          </a:p>
+        </p:txBody>
+      </p:sp>
+      <p:sp>
+        <p:nvSpPr>
+          <p:cNvPr id="5" name="Espaço Reservado para Conteúdo 2"/>
           <p:cNvSpPr>
             <a:spLocks noGrp="1"/>
           </p:cNvSpPr>
@@ -7154,30 +6659,41 @@
               <a:buNone/>
             </a:pPr>
             <a:r>
-              <a:rPr lang="pt-BR" sz="4000" dirty="0"/>
+              <a:rPr lang="pt-BR" sz="4000" dirty="0">
+                <a:latin typeface="Times New Roman" panose="02020603050405020304" pitchFamily="18" charset="0"/>
+                <a:cs typeface="Times New Roman" panose="02020603050405020304" pitchFamily="18" charset="0"/>
+              </a:rPr>
               <a:t>	</a:t>
             </a:r>
             <a:r>
-              <a:rPr lang="pt-BR" sz="4000" b="1" dirty="0"/>
+              <a:rPr lang="pt-BR" sz="4000" b="1" dirty="0">
+                <a:latin typeface="Times New Roman" panose="02020603050405020304" pitchFamily="18" charset="0"/>
+                <a:cs typeface="Times New Roman" panose="02020603050405020304" pitchFamily="18" charset="0"/>
+              </a:rPr>
               <a:t>É uma técnica de busca utilizada para achar soluções aproximadas em problemas de otimização e busca, usando técnicas inspiradas pela biologia evolutiva como hereditariedade, mutação, seleção natural e recombinação (ou </a:t>
             </a:r>
             <a:r>
-              <a:rPr lang="pt-BR" sz="4000" b="1" i="1" dirty="0"/>
+              <a:rPr lang="pt-BR" sz="4000" b="1" i="1" dirty="0">
+                <a:latin typeface="Times New Roman" panose="02020603050405020304" pitchFamily="18" charset="0"/>
+                <a:cs typeface="Times New Roman" panose="02020603050405020304" pitchFamily="18" charset="0"/>
+              </a:rPr>
               <a:t>crossing over</a:t>
             </a:r>
             <a:r>
-              <a:rPr lang="pt-BR" sz="4000" b="1" dirty="0"/>
+              <a:rPr lang="pt-BR" sz="4000" b="1" dirty="0">
+                <a:latin typeface="Times New Roman" panose="02020603050405020304" pitchFamily="18" charset="0"/>
+                <a:cs typeface="Times New Roman" panose="02020603050405020304" pitchFamily="18" charset="0"/>
+              </a:rPr>
               <a:t>). </a:t>
             </a:r>
+            <a:endParaRPr lang="pt-BR" sz="4000" b="1" dirty="0">
+              <a:latin typeface="Times New Roman" panose="02020603050405020304" pitchFamily="18" charset="0"/>
+              <a:cs typeface="Times New Roman" panose="02020603050405020304" pitchFamily="18" charset="0"/>
+            </a:endParaRPr>
           </a:p>
         </p:txBody>
       </p:sp>
     </p:spTree>
-    <p:extLst>
-      <p:ext uri="{BB962C8B-B14F-4D97-AF65-F5344CB8AC3E}">
-        <p14:creationId xmlns:p14="http://schemas.microsoft.com/office/powerpoint/2010/main" val="1484199346"/>
-      </p:ext>
-    </p:extLst>
   </p:cSld>
   <p:clrMapOvr>
     <a:masterClrMapping/>
@@ -7204,13 +6720,7 @@
       </p:grpSpPr>
       <p:sp>
         <p:nvSpPr>
-          <p:cNvPr id="4" name="Título 1">
-            <a:extLst>
-              <a:ext uri="{FF2B5EF4-FFF2-40B4-BE49-F238E27FC236}">
-                <a16:creationId xmlns:a16="http://schemas.microsoft.com/office/drawing/2014/main" id="{35855E0A-3A97-41D5-AA1C-8E29F40495A5}"/>
-              </a:ext>
-            </a:extLst>
-          </p:cNvPr>
+          <p:cNvPr id="4" name="Título 1"/>
           <p:cNvSpPr>
             <a:spLocks noGrp="1"/>
           </p:cNvSpPr>
@@ -7240,31 +6750,25 @@
               </a:rPr>
               <a:t>O problema!</a:t>
             </a:r>
+            <a:endParaRPr lang="pt-BR" sz="9600" b="1" dirty="0">
+              <a:solidFill>
+                <a:srgbClr val="049BE6"/>
+              </a:solidFill>
+              <a:latin typeface="+mn-lt"/>
+            </a:endParaRPr>
           </a:p>
         </p:txBody>
       </p:sp>
       <p:pic>
         <p:nvPicPr>
-          <p:cNvPr id="8" name="Imagem 7">
-            <a:extLst>
-              <a:ext uri="{FF2B5EF4-FFF2-40B4-BE49-F238E27FC236}">
-                <a16:creationId xmlns:a16="http://schemas.microsoft.com/office/drawing/2014/main" id="{4AF0705B-6483-45B2-AA72-FA1C8886F848}"/>
-              </a:ext>
-            </a:extLst>
-          </p:cNvPr>
+          <p:cNvPr id="8" name="Imagem 7"/>
           <p:cNvPicPr>
             <a:picLocks noChangeAspect="1"/>
           </p:cNvPicPr>
           <p:nvPr/>
         </p:nvPicPr>
         <p:blipFill>
-          <a:blip r:embed="rId2">
-            <a:extLst>
-              <a:ext uri="{28A0092B-C50C-407E-A947-70E740481C1C}">
-                <a14:useLocalDpi xmlns:a14="http://schemas.microsoft.com/office/drawing/2010/main" val="0"/>
-              </a:ext>
-            </a:extLst>
-          </a:blip>
+          <a:blip r:embed="rId1"/>
           <a:stretch>
             <a:fillRect/>
           </a:stretch>
@@ -7281,13 +6785,7 @@
       </p:pic>
       <p:sp>
         <p:nvSpPr>
-          <p:cNvPr id="9" name="CaixaDeTexto 8">
-            <a:extLst>
-              <a:ext uri="{FF2B5EF4-FFF2-40B4-BE49-F238E27FC236}">
-                <a16:creationId xmlns:a16="http://schemas.microsoft.com/office/drawing/2014/main" id="{A9A1B429-9570-4554-ADF4-801AF6529FF4}"/>
-              </a:ext>
-            </a:extLst>
-          </p:cNvPr>
+          <p:cNvPr id="9" name="CaixaDeTexto 8"/>
           <p:cNvSpPr txBox="1"/>
           <p:nvPr/>
         </p:nvSpPr>
@@ -7316,15 +6814,15 @@
               </a:rPr>
               <a:t>Chefe do Departamento</a:t>
             </a:r>
+            <a:endParaRPr lang="pt-BR" sz="3200" b="1" dirty="0">
+              <a:solidFill>
+                <a:schemeClr val="bg1"/>
+              </a:solidFill>
+            </a:endParaRPr>
           </a:p>
         </p:txBody>
       </p:sp>
     </p:spTree>
-    <p:extLst>
-      <p:ext uri="{BB962C8B-B14F-4D97-AF65-F5344CB8AC3E}">
-        <p14:creationId xmlns:p14="http://schemas.microsoft.com/office/powerpoint/2010/main" val="2962857944"/>
-      </p:ext>
-    </p:extLst>
   </p:cSld>
   <p:clrMapOvr>
     <a:masterClrMapping/>
@@ -7351,13 +6849,7 @@
       </p:grpSpPr>
       <p:sp>
         <p:nvSpPr>
-          <p:cNvPr id="7" name="Espaço Reservado para Conteúdo 2">
-            <a:extLst>
-              <a:ext uri="{FF2B5EF4-FFF2-40B4-BE49-F238E27FC236}">
-                <a16:creationId xmlns:a16="http://schemas.microsoft.com/office/drawing/2014/main" id="{03CAEADE-D9A5-4FDF-AF57-E75D75540B7D}"/>
-              </a:ext>
-            </a:extLst>
-          </p:cNvPr>
+          <p:cNvPr id="7" name="Espaço Reservado para Conteúdo 2"/>
           <p:cNvSpPr>
             <a:spLocks noGrp="1"/>
           </p:cNvSpPr>
@@ -7382,9 +6874,16 @@
               <a:buChar char="v"/>
             </a:pPr>
             <a:r>
-              <a:rPr lang="pt-BR" sz="4400" dirty="0"/>
+              <a:rPr lang="pt-BR" sz="4400" dirty="0">
+                <a:latin typeface="Times New Roman" panose="02020603050405020304" pitchFamily="18" charset="0"/>
+                <a:cs typeface="Times New Roman" panose="02020603050405020304" pitchFamily="18" charset="0"/>
+              </a:rPr>
               <a:t> 	Criação de horários dos 	professores;</a:t>
             </a:r>
+            <a:endParaRPr lang="pt-BR" sz="4400" dirty="0">
+              <a:latin typeface="Times New Roman" panose="02020603050405020304" pitchFamily="18" charset="0"/>
+              <a:cs typeface="Times New Roman" panose="02020603050405020304" pitchFamily="18" charset="0"/>
+            </a:endParaRPr>
           </a:p>
           <a:p>
             <a:pPr>
@@ -7392,9 +6891,16 @@
               <a:buChar char="v"/>
             </a:pPr>
             <a:r>
-              <a:rPr lang="pt-BR" sz="4400" dirty="0"/>
-              <a:t> 	Seguindo as recomendações/restrições de 	cada 	professor;</a:t>
-            </a:r>
+              <a:rPr lang="pt-BR" sz="4400" dirty="0">
+                <a:latin typeface="Times New Roman" panose="02020603050405020304" pitchFamily="18" charset="0"/>
+                <a:cs typeface="Times New Roman" panose="02020603050405020304" pitchFamily="18" charset="0"/>
+              </a:rPr>
+              <a:t> 	Seguindo as recomendações/restrições de 	cada professor;</a:t>
+            </a:r>
+            <a:endParaRPr lang="pt-BR" sz="4400" dirty="0">
+              <a:latin typeface="Times New Roman" panose="02020603050405020304" pitchFamily="18" charset="0"/>
+              <a:cs typeface="Times New Roman" panose="02020603050405020304" pitchFamily="18" charset="0"/>
+            </a:endParaRPr>
           </a:p>
           <a:p>
             <a:pPr>
@@ -7402,13 +6908,23 @@
               <a:buChar char="v"/>
             </a:pPr>
             <a:r>
-              <a:rPr lang="pt-BR" sz="4400" b="1" dirty="0"/>
+              <a:rPr lang="pt-BR" sz="4400" b="1" dirty="0">
+                <a:latin typeface="Times New Roman" panose="02020603050405020304" pitchFamily="18" charset="0"/>
+                <a:cs typeface="Times New Roman" panose="02020603050405020304" pitchFamily="18" charset="0"/>
+              </a:rPr>
               <a:t> 	</a:t>
             </a:r>
             <a:r>
-              <a:rPr lang="pt-BR" sz="4400" dirty="0"/>
+              <a:rPr lang="pt-BR" sz="4400" dirty="0">
+                <a:latin typeface="Times New Roman" panose="02020603050405020304" pitchFamily="18" charset="0"/>
+                <a:cs typeface="Times New Roman" panose="02020603050405020304" pitchFamily="18" charset="0"/>
+              </a:rPr>
               <a:t>Sem haver choque;</a:t>
             </a:r>
+            <a:endParaRPr lang="pt-BR" sz="4400" dirty="0">
+              <a:latin typeface="Times New Roman" panose="02020603050405020304" pitchFamily="18" charset="0"/>
+              <a:cs typeface="Times New Roman" panose="02020603050405020304" pitchFamily="18" charset="0"/>
+            </a:endParaRPr>
           </a:p>
           <a:p>
             <a:pPr>
@@ -7416,21 +6932,22 @@
               <a:buChar char="v"/>
             </a:pPr>
             <a:r>
-              <a:rPr lang="pt-BR" sz="4400" dirty="0"/>
+              <a:rPr lang="pt-BR" sz="4400" dirty="0">
+                <a:latin typeface="Times New Roman" panose="02020603050405020304" pitchFamily="18" charset="0"/>
+                <a:cs typeface="Times New Roman" panose="02020603050405020304" pitchFamily="18" charset="0"/>
+              </a:rPr>
               <a:t> 	Inserir disciplinas de outros cursos dentro 	do horário;</a:t>
             </a:r>
-          </a:p>
-        </p:txBody>
-      </p:sp>
-      <p:sp>
-        <p:nvSpPr>
-          <p:cNvPr id="8" name="Título 1">
-            <a:extLst>
-              <a:ext uri="{FF2B5EF4-FFF2-40B4-BE49-F238E27FC236}">
-                <a16:creationId xmlns:a16="http://schemas.microsoft.com/office/drawing/2014/main" id="{9B09CA7E-7AC9-4AE9-A16C-E4C5889CC1F3}"/>
-              </a:ext>
-            </a:extLst>
-          </p:cNvPr>
+            <a:endParaRPr lang="pt-BR" sz="4400" dirty="0">
+              <a:latin typeface="Times New Roman" panose="02020603050405020304" pitchFamily="18" charset="0"/>
+              <a:cs typeface="Times New Roman" panose="02020603050405020304" pitchFamily="18" charset="0"/>
+            </a:endParaRPr>
+          </a:p>
+        </p:txBody>
+      </p:sp>
+      <p:sp>
+        <p:nvSpPr>
+          <p:cNvPr id="8" name="Título 1"/>
           <p:cNvSpPr>
             <a:spLocks noGrp="1"/>
           </p:cNvSpPr>
@@ -7460,15 +6977,16 @@
               </a:rPr>
               <a:t>O problema!</a:t>
             </a:r>
+            <a:endParaRPr lang="pt-BR" sz="7200" b="1" dirty="0">
+              <a:solidFill>
+                <a:srgbClr val="049BE6"/>
+              </a:solidFill>
+              <a:latin typeface="+mn-lt"/>
+            </a:endParaRPr>
           </a:p>
         </p:txBody>
       </p:sp>
     </p:spTree>
-    <p:extLst>
-      <p:ext uri="{BB962C8B-B14F-4D97-AF65-F5344CB8AC3E}">
-        <p14:creationId xmlns:p14="http://schemas.microsoft.com/office/powerpoint/2010/main" val="2783244122"/>
-      </p:ext>
-    </p:extLst>
   </p:cSld>
   <p:clrMapOvr>
     <a:masterClrMapping/>
@@ -7721,13 +7239,7 @@
       </p:grpSpPr>
       <p:sp>
         <p:nvSpPr>
-          <p:cNvPr id="4" name="Título 1">
-            <a:extLst>
-              <a:ext uri="{FF2B5EF4-FFF2-40B4-BE49-F238E27FC236}">
-                <a16:creationId xmlns:a16="http://schemas.microsoft.com/office/drawing/2014/main" id="{F116F02D-1528-4907-9BEF-D839FEF88A7C}"/>
-              </a:ext>
-            </a:extLst>
-          </p:cNvPr>
+          <p:cNvPr id="4" name="Título 1"/>
           <p:cNvSpPr>
             <a:spLocks noGrp="1"/>
           </p:cNvSpPr>
@@ -7757,25 +7269,25 @@
               </a:rPr>
               <a:t>Resolução do problema utilizando Algoritmo Genético</a:t>
             </a:r>
+            <a:endParaRPr lang="pt-BR" sz="4800" b="1" dirty="0">
+              <a:solidFill>
+                <a:srgbClr val="049BE6"/>
+              </a:solidFill>
+              <a:latin typeface="+mn-lt"/>
+            </a:endParaRPr>
           </a:p>
         </p:txBody>
       </p:sp>
       <p:pic>
         <p:nvPicPr>
-          <p:cNvPr id="10" name="Imagem 9">
-            <a:extLst>
-              <a:ext uri="{FF2B5EF4-FFF2-40B4-BE49-F238E27FC236}">
-                <a16:creationId xmlns:a16="http://schemas.microsoft.com/office/drawing/2014/main" id="{78134356-F78B-42D2-94F9-8F4DA853D506}"/>
-              </a:ext>
-            </a:extLst>
-          </p:cNvPr>
+          <p:cNvPr id="10" name="Imagem 9"/>
           <p:cNvPicPr>
             <a:picLocks noChangeAspect="1"/>
           </p:cNvPicPr>
           <p:nvPr/>
         </p:nvPicPr>
         <p:blipFill>
-          <a:blip r:embed="rId2">
+          <a:blip r:embed="rId1">
             <a:extLst>
               <a:ext uri="{28A0092B-C50C-407E-A947-70E740481C1C}">
                 <a14:useLocalDpi xmlns:a14="http://schemas.microsoft.com/office/drawing/2010/main" val="0"/>
@@ -7797,11 +7309,6 @@
         </p:spPr>
       </p:pic>
     </p:spTree>
-    <p:extLst>
-      <p:ext uri="{BB962C8B-B14F-4D97-AF65-F5344CB8AC3E}">
-        <p14:creationId xmlns:p14="http://schemas.microsoft.com/office/powerpoint/2010/main" val="4140211551"/>
-      </p:ext>
-    </p:extLst>
   </p:cSld>
   <p:clrMapOvr>
     <a:masterClrMapping/>
@@ -7957,16 +7464,8 @@
       </p:grpSpPr>
       <p:sp>
         <p:nvSpPr>
-          <p:cNvPr id="2" name="Título 1">
-            <a:extLst>
-              <a:ext uri="{FF2B5EF4-FFF2-40B4-BE49-F238E27FC236}">
-                <a16:creationId xmlns:a16="http://schemas.microsoft.com/office/drawing/2014/main" id="{68360C99-7F24-4BE0-BD85-71832843BD24}"/>
-              </a:ext>
-            </a:extLst>
-          </p:cNvPr>
-          <p:cNvSpPr txBox="1">
-            <a:spLocks/>
-          </p:cNvSpPr>
+          <p:cNvPr id="2" name="Título 1"/>
+          <p:cNvSpPr txBox="1"/>
           <p:nvPr/>
         </p:nvSpPr>
         <p:spPr>
@@ -8012,21 +7511,19 @@
               </a:rPr>
               <a:t>Passos Seguidos</a:t>
             </a:r>
-          </a:p>
-        </p:txBody>
-      </p:sp>
-      <p:sp>
-        <p:nvSpPr>
-          <p:cNvPr id="3" name="Espaço Reservado para Conteúdo 2">
-            <a:extLst>
-              <a:ext uri="{FF2B5EF4-FFF2-40B4-BE49-F238E27FC236}">
-                <a16:creationId xmlns:a16="http://schemas.microsoft.com/office/drawing/2014/main" id="{0144BAB7-AE8C-444B-8F10-42C3853DC80F}"/>
-              </a:ext>
-            </a:extLst>
-          </p:cNvPr>
-          <p:cNvSpPr txBox="1">
-            <a:spLocks/>
-          </p:cNvSpPr>
+            <a:endParaRPr lang="pt-BR" sz="6000" b="1" dirty="0">
+              <a:solidFill>
+                <a:srgbClr val="049BE6"/>
+              </a:solidFill>
+              <a:latin typeface="+mn-lt"/>
+            </a:endParaRPr>
+          </a:p>
+        </p:txBody>
+      </p:sp>
+      <p:sp>
+        <p:nvSpPr>
+          <p:cNvPr id="3" name="Espaço Reservado para Conteúdo 2"/>
+          <p:cNvSpPr txBox="1"/>
           <p:nvPr/>
         </p:nvSpPr>
         <p:spPr>
@@ -8212,9 +7709,16 @@
               <a:buAutoNum type="arabicPeriod"/>
             </a:pPr>
             <a:r>
-              <a:rPr lang="pt-BR" sz="4800" dirty="0"/>
-              <a:t>Modelar o indivíduo</a:t>
-            </a:r>
+              <a:rPr lang="pt-BR" sz="4800" dirty="0">
+                <a:latin typeface="Times New Roman" panose="02020603050405020304" pitchFamily="18" charset="0"/>
+                <a:cs typeface="Times New Roman" panose="02020603050405020304" pitchFamily="18" charset="0"/>
+              </a:rPr>
+              <a:t>Inicializar Individuo</a:t>
+            </a:r>
+            <a:endParaRPr lang="pt-BR" sz="4800" dirty="0">
+              <a:latin typeface="Times New Roman" panose="02020603050405020304" pitchFamily="18" charset="0"/>
+              <a:cs typeface="Times New Roman" panose="02020603050405020304" pitchFamily="18" charset="0"/>
+            </a:endParaRPr>
           </a:p>
           <a:p>
             <a:pPr marL="742950" indent="-742950">
@@ -8222,9 +7726,16 @@
               <a:buAutoNum type="arabicPeriod"/>
             </a:pPr>
             <a:r>
-              <a:rPr lang="pt-BR" sz="4800" dirty="0"/>
-              <a:t>Gerar o indivíduo e inicializar a população</a:t>
-            </a:r>
+              <a:rPr lang="pt-BR" sz="4800" dirty="0">
+                <a:latin typeface="Times New Roman" panose="02020603050405020304" pitchFamily="18" charset="0"/>
+                <a:cs typeface="Times New Roman" panose="02020603050405020304" pitchFamily="18" charset="0"/>
+              </a:rPr>
+              <a:t>Avaliação de cada Individuo</a:t>
+            </a:r>
+            <a:endParaRPr lang="pt-BR" sz="4800" dirty="0">
+              <a:latin typeface="Times New Roman" panose="02020603050405020304" pitchFamily="18" charset="0"/>
+              <a:cs typeface="Times New Roman" panose="02020603050405020304" pitchFamily="18" charset="0"/>
+            </a:endParaRPr>
           </a:p>
           <a:p>
             <a:pPr marL="742950" indent="-742950">
@@ -8232,9 +7743,16 @@
               <a:buAutoNum type="arabicPeriod"/>
             </a:pPr>
             <a:r>
-              <a:rPr lang="pt-BR" sz="4800" dirty="0"/>
-              <a:t>Modelagem da função fitness </a:t>
-            </a:r>
+              <a:rPr lang="pt-BR" sz="4800" dirty="0">
+                <a:latin typeface="Times New Roman" panose="02020603050405020304" pitchFamily="18" charset="0"/>
+                <a:cs typeface="Times New Roman" panose="02020603050405020304" pitchFamily="18" charset="0"/>
+              </a:rPr>
+              <a:t>Seleção de alguns Individuos </a:t>
+            </a:r>
+            <a:endParaRPr lang="pt-BR" sz="4800" dirty="0">
+              <a:latin typeface="Times New Roman" panose="02020603050405020304" pitchFamily="18" charset="0"/>
+              <a:cs typeface="Times New Roman" panose="02020603050405020304" pitchFamily="18" charset="0"/>
+            </a:endParaRPr>
           </a:p>
           <a:p>
             <a:pPr marL="742950" indent="-742950">
@@ -8242,9 +7760,16 @@
               <a:buAutoNum type="arabicPeriod"/>
             </a:pPr>
             <a:r>
-              <a:rPr lang="pt-BR" sz="4800" dirty="0"/>
-              <a:t>Avaliar os indivíduos</a:t>
-            </a:r>
+              <a:rPr lang="pt-BR" sz="4800" dirty="0">
+                <a:latin typeface="Times New Roman" panose="02020603050405020304" pitchFamily="18" charset="0"/>
+                <a:cs typeface="Times New Roman" panose="02020603050405020304" pitchFamily="18" charset="0"/>
+              </a:rPr>
+              <a:t>Cross-over</a:t>
+            </a:r>
+            <a:endParaRPr lang="pt-BR" sz="4800" dirty="0">
+              <a:latin typeface="Times New Roman" panose="02020603050405020304" pitchFamily="18" charset="0"/>
+              <a:cs typeface="Times New Roman" panose="02020603050405020304" pitchFamily="18" charset="0"/>
+            </a:endParaRPr>
           </a:p>
           <a:p>
             <a:pPr marL="742950" indent="-742950">
@@ -8252,32 +7777,50 @@
               <a:buAutoNum type="arabicPeriod"/>
             </a:pPr>
             <a:r>
-              <a:rPr lang="pt-BR" sz="4800" dirty="0"/>
-              <a:t>Seleção dos indivíduos para o Cross-over </a:t>
-            </a:r>
+              <a:rPr lang="pt-BR" sz="4800" dirty="0">
+                <a:latin typeface="Times New Roman" panose="02020603050405020304" pitchFamily="18" charset="0"/>
+                <a:cs typeface="Times New Roman" panose="02020603050405020304" pitchFamily="18" charset="0"/>
+              </a:rPr>
+              <a:t>Concepção da nova geração</a:t>
+            </a:r>
+            <a:endParaRPr lang="pt-BR" sz="4800" dirty="0">
+              <a:latin typeface="Times New Roman" panose="02020603050405020304" pitchFamily="18" charset="0"/>
+              <a:cs typeface="Times New Roman" panose="02020603050405020304" pitchFamily="18" charset="0"/>
+            </a:endParaRPr>
           </a:p>
           <a:p>
             <a:pPr marL="742950" indent="-742950">
               <a:buFont typeface="+mj-lt"/>
               <a:buAutoNum type="arabicPeriod"/>
             </a:pPr>
-            <a:endParaRPr lang="pt-BR" sz="4400" dirty="0"/>
+            <a:endParaRPr lang="pt-BR" sz="4800" dirty="0">
+              <a:latin typeface="Times New Roman" panose="02020603050405020304" pitchFamily="18" charset="0"/>
+              <a:cs typeface="Times New Roman" panose="02020603050405020304" pitchFamily="18" charset="0"/>
+            </a:endParaRPr>
           </a:p>
           <a:p>
             <a:pPr marL="742950" indent="-742950">
               <a:buFont typeface="+mj-lt"/>
               <a:buAutoNum type="arabicPeriod"/>
             </a:pPr>
-            <a:endParaRPr lang="pt-BR" sz="4400" dirty="0"/>
+            <a:endParaRPr lang="pt-BR" sz="4400" dirty="0">
+              <a:latin typeface="Times New Roman" panose="02020603050405020304" pitchFamily="18" charset="0"/>
+              <a:cs typeface="Times New Roman" panose="02020603050405020304" pitchFamily="18" charset="0"/>
+            </a:endParaRPr>
+          </a:p>
+          <a:p>
+            <a:pPr marL="742950" indent="-742950">
+              <a:buFont typeface="+mj-lt"/>
+              <a:buAutoNum type="arabicPeriod"/>
+            </a:pPr>
+            <a:endParaRPr lang="pt-BR" sz="4400" dirty="0">
+              <a:latin typeface="Times New Roman" panose="02020603050405020304" pitchFamily="18" charset="0"/>
+              <a:cs typeface="Times New Roman" panose="02020603050405020304" pitchFamily="18" charset="0"/>
+            </a:endParaRPr>
           </a:p>
         </p:txBody>
       </p:sp>
     </p:spTree>
-    <p:extLst>
-      <p:ext uri="{BB962C8B-B14F-4D97-AF65-F5344CB8AC3E}">
-        <p14:creationId xmlns:p14="http://schemas.microsoft.com/office/powerpoint/2010/main" val="2667520067"/>
-      </p:ext>
-    </p:extLst>
   </p:cSld>
   <p:clrMapOvr>
     <a:masterClrMapping/>
@@ -8579,16 +8122,8 @@
       </p:grpSpPr>
       <p:sp>
         <p:nvSpPr>
-          <p:cNvPr id="2" name="Título 1">
-            <a:extLst>
-              <a:ext uri="{FF2B5EF4-FFF2-40B4-BE49-F238E27FC236}">
-                <a16:creationId xmlns:a16="http://schemas.microsoft.com/office/drawing/2014/main" id="{38BB6ACB-1858-4D72-9F81-BD950A0EC798}"/>
-              </a:ext>
-            </a:extLst>
-          </p:cNvPr>
-          <p:cNvSpPr txBox="1">
-            <a:spLocks/>
-          </p:cNvSpPr>
+          <p:cNvPr id="2" name="Título 1"/>
+          <p:cNvSpPr txBox="1"/>
           <p:nvPr/>
         </p:nvSpPr>
         <p:spPr>
@@ -8634,21 +8169,19 @@
               </a:rPr>
               <a:t>Modelagem do indivíduo</a:t>
             </a:r>
-          </a:p>
-        </p:txBody>
-      </p:sp>
-      <p:sp>
-        <p:nvSpPr>
-          <p:cNvPr id="3" name="Espaço Reservado para Conteúdo 2">
-            <a:extLst>
-              <a:ext uri="{FF2B5EF4-FFF2-40B4-BE49-F238E27FC236}">
-                <a16:creationId xmlns:a16="http://schemas.microsoft.com/office/drawing/2014/main" id="{1029F9D0-FA96-4FA4-85C0-EBAF83FF308A}"/>
-              </a:ext>
-            </a:extLst>
-          </p:cNvPr>
-          <p:cNvSpPr txBox="1">
-            <a:spLocks/>
-          </p:cNvSpPr>
+            <a:endParaRPr lang="pt-BR" sz="4800" b="1" dirty="0">
+              <a:solidFill>
+                <a:srgbClr val="049BE6"/>
+              </a:solidFill>
+              <a:latin typeface="+mn-lt"/>
+            </a:endParaRPr>
+          </a:p>
+        </p:txBody>
+      </p:sp>
+      <p:sp>
+        <p:nvSpPr>
+          <p:cNvPr id="3" name="Espaço Reservado para Conteúdo 2"/>
+          <p:cNvSpPr txBox="1"/>
           <p:nvPr/>
         </p:nvSpPr>
         <p:spPr>
@@ -8836,6 +8369,7 @@
               <a:rPr lang="pt-BR" sz="4800" dirty="0"/>
               <a:t>	 </a:t>
             </a:r>
+            <a:endParaRPr lang="pt-BR" sz="4800" dirty="0"/>
           </a:p>
           <a:p>
             <a:pPr marL="742950" indent="-742950">
@@ -8855,16 +8389,8 @@
       </p:sp>
       <p:sp>
         <p:nvSpPr>
-          <p:cNvPr id="4" name="Espaço Reservado para Conteúdo 2">
-            <a:extLst>
-              <a:ext uri="{FF2B5EF4-FFF2-40B4-BE49-F238E27FC236}">
-                <a16:creationId xmlns:a16="http://schemas.microsoft.com/office/drawing/2014/main" id="{489CA1A1-5A93-4746-BDCB-534FE6699C67}"/>
-              </a:ext>
-            </a:extLst>
-          </p:cNvPr>
-          <p:cNvSpPr txBox="1">
-            <a:spLocks/>
-          </p:cNvSpPr>
+          <p:cNvPr id="4" name="Espaço Reservado para Conteúdo 2"/>
+          <p:cNvSpPr txBox="1"/>
           <p:nvPr/>
         </p:nvSpPr>
         <p:spPr>
@@ -9052,6 +8578,7 @@
               <a:rPr lang="pt-BR" sz="4400" dirty="0"/>
               <a:t>	</a:t>
             </a:r>
+            <a:endParaRPr lang="pt-BR" sz="4400" dirty="0"/>
           </a:p>
           <a:p>
             <a:pPr marL="742950" indent="-742950">
@@ -9063,11 +8590,6 @@
         </p:txBody>
       </p:sp>
     </p:spTree>
-    <p:extLst>
-      <p:ext uri="{BB962C8B-B14F-4D97-AF65-F5344CB8AC3E}">
-        <p14:creationId xmlns:p14="http://schemas.microsoft.com/office/powerpoint/2010/main" val="3972378432"/>
-      </p:ext>
-    </p:extLst>
   </p:cSld>
   <p:clrMapOvr>
     <a:masterClrMapping/>
@@ -9197,7 +8719,7 @@
     </a:clrScheme>
     <a:fontScheme name="Office">
       <a:majorFont>
-        <a:latin typeface="Calibri Light" panose="020F0302020204030204"/>
+        <a:latin typeface="Calibri Light"/>
         <a:ea typeface=""/>
         <a:cs typeface=""/>
         <a:font script="Jpan" typeface="游ゴシック Light"/>
@@ -9230,26 +8752,9 @@
         <a:font script="Viet" typeface="Times New Roman"/>
         <a:font script="Uigh" typeface="Microsoft Uighur"/>
         <a:font script="Geor" typeface="Sylfaen"/>
-        <a:font script="Armn" typeface="Arial"/>
-        <a:font script="Bugi" typeface="Leelawadee UI"/>
-        <a:font script="Bopo" typeface="Microsoft JhengHei"/>
-        <a:font script="Java" typeface="Javanese Text"/>
-        <a:font script="Lisu" typeface="Segoe UI"/>
-        <a:font script="Mymr" typeface="Myanmar Text"/>
-        <a:font script="Nkoo" typeface="Ebrima"/>
-        <a:font script="Olck" typeface="Nirmala UI"/>
-        <a:font script="Osma" typeface="Ebrima"/>
-        <a:font script="Phag" typeface="Phagspa"/>
-        <a:font script="Syrn" typeface="Estrangelo Edessa"/>
-        <a:font script="Syrj" typeface="Estrangelo Edessa"/>
-        <a:font script="Syre" typeface="Estrangelo Edessa"/>
-        <a:font script="Sora" typeface="Nirmala UI"/>
-        <a:font script="Tale" typeface="Microsoft Tai Le"/>
-        <a:font script="Talu" typeface="Microsoft New Tai Lue"/>
-        <a:font script="Tfng" typeface="Ebrima"/>
       </a:majorFont>
       <a:minorFont>
-        <a:latin typeface="Calibri" panose="020F0502020204030204"/>
+        <a:latin typeface="Calibri"/>
         <a:ea typeface=""/>
         <a:cs typeface=""/>
         <a:font script="Jpan" typeface="游ゴシック"/>
@@ -9282,23 +8787,6 @@
         <a:font script="Viet" typeface="Arial"/>
         <a:font script="Uigh" typeface="Microsoft Uighur"/>
         <a:font script="Geor" typeface="Sylfaen"/>
-        <a:font script="Armn" typeface="Arial"/>
-        <a:font script="Bugi" typeface="Leelawadee UI"/>
-        <a:font script="Bopo" typeface="Microsoft JhengHei"/>
-        <a:font script="Java" typeface="Javanese Text"/>
-        <a:font script="Lisu" typeface="Segoe UI"/>
-        <a:font script="Mymr" typeface="Myanmar Text"/>
-        <a:font script="Nkoo" typeface="Ebrima"/>
-        <a:font script="Olck" typeface="Nirmala UI"/>
-        <a:font script="Osma" typeface="Ebrima"/>
-        <a:font script="Phag" typeface="Phagspa"/>
-        <a:font script="Syrn" typeface="Estrangelo Edessa"/>
-        <a:font script="Syrj" typeface="Estrangelo Edessa"/>
-        <a:font script="Syre" typeface="Estrangelo Edessa"/>
-        <a:font script="Sora" typeface="Nirmala UI"/>
-        <a:font script="Tale" typeface="Microsoft Tai Le"/>
-        <a:font script="Talu" typeface="Microsoft New Tai Lue"/>
-        <a:font script="Tfng" typeface="Ebrima"/>
       </a:minorFont>
     </a:fontScheme>
     <a:fmtScheme name="Office">
@@ -9439,8 +8927,6 @@
       </a:bgFillStyleLst>
     </a:fmtScheme>
   </a:themeElements>
-  <a:objectDefaults/>
-  <a:extraClrSchemeLst/>
   <a:extLst>
     <a:ext uri="{05A4C25C-085E-4340-85A3-A5531E510DB2}">
       <thm15:themeFamily xmlns:thm15="http://schemas.microsoft.com/office/thememl/2012/main" name="Office Theme" id="{62F939B6-93AF-4DB8-9C6B-D6C7DFDC589F}" vid="{4A3C46E8-61CC-4603-A589-7422A47A8E4A}"/>

--- a/Apresentação.pptx
+++ b/Apresentação.pptx
@@ -5,22 +5,26 @@
     <p:sldMasterId id="2147483648" r:id="rId1"/>
   </p:sldMasterIdLst>
   <p:sldIdLst>
-    <p:sldId id="256" r:id="rId3"/>
-    <p:sldId id="257" r:id="rId4"/>
-    <p:sldId id="258" r:id="rId5"/>
-    <p:sldId id="259" r:id="rId6"/>
-    <p:sldId id="260" r:id="rId7"/>
-    <p:sldId id="261" r:id="rId8"/>
-    <p:sldId id="262" r:id="rId9"/>
-    <p:sldId id="263" r:id="rId10"/>
-    <p:sldId id="264" r:id="rId11"/>
-    <p:sldId id="265" r:id="rId12"/>
-    <p:sldId id="266" r:id="rId13"/>
-    <p:sldId id="267" r:id="rId14"/>
-    <p:sldId id="268" r:id="rId15"/>
-    <p:sldId id="269" r:id="rId16"/>
-    <p:sldId id="270" r:id="rId17"/>
-    <p:sldId id="271" r:id="rId18"/>
+    <p:sldId id="256" r:id="rId2"/>
+    <p:sldId id="257" r:id="rId3"/>
+    <p:sldId id="258" r:id="rId4"/>
+    <p:sldId id="259" r:id="rId5"/>
+    <p:sldId id="260" r:id="rId6"/>
+    <p:sldId id="261" r:id="rId7"/>
+    <p:sldId id="262" r:id="rId8"/>
+    <p:sldId id="263" r:id="rId9"/>
+    <p:sldId id="264" r:id="rId10"/>
+    <p:sldId id="265" r:id="rId11"/>
+    <p:sldId id="266" r:id="rId12"/>
+    <p:sldId id="273" r:id="rId13"/>
+    <p:sldId id="272" r:id="rId14"/>
+    <p:sldId id="267" r:id="rId15"/>
+    <p:sldId id="268" r:id="rId16"/>
+    <p:sldId id="274" r:id="rId17"/>
+    <p:sldId id="275" r:id="rId18"/>
+    <p:sldId id="276" r:id="rId19"/>
+    <p:sldId id="269" r:id="rId20"/>
+    <p:sldId id="270" r:id="rId21"/>
   </p:sldIdLst>
   <p:sldSz cx="12192000" cy="6858000"/>
   <p:notesSz cx="6858000" cy="9144000"/>
@@ -119,6 +123,11 @@
       </a:defRPr>
     </a:lvl9pPr>
   </p:defaultTextStyle>
+  <p:extLst>
+    <p:ext uri="{EFAFB233-063F-42B5-8137-9DF3F51BA10A}">
+      <p15:sldGuideLst xmlns:p15="http://schemas.microsoft.com/office/powerpoint/2012/main"/>
+    </p:ext>
+  </p:extLst>
 </p:presentation>
 </file>
 
@@ -167,7 +176,6 @@
               <a:rPr lang="pt-BR"/>
               <a:t>Clique para editar o título Mestre</a:t>
             </a:r>
-            <a:endParaRPr lang="pt-BR"/>
           </a:p>
         </p:txBody>
       </p:sp>
@@ -232,7 +240,6 @@
               <a:rPr lang="pt-BR"/>
               <a:t>Clique para editar o estilo do subtítulo Mestre</a:t>
             </a:r>
-            <a:endParaRPr lang="pt-BR"/>
           </a:p>
         </p:txBody>
       </p:sp>
@@ -253,6 +260,7 @@
           <a:p>
             <a:fld id="{4C2BDBDF-3FC3-4882-B584-91431BAF618B}" type="datetimeFigureOut">
               <a:rPr lang="pt-BR" smtClean="0"/>
+              <a:t>11/09/2019</a:t>
             </a:fld>
             <a:endParaRPr lang="pt-BR"/>
           </a:p>
@@ -294,6 +302,7 @@
           <a:p>
             <a:fld id="{D9E82853-9538-425E-A66F-04E4BCE18009}" type="slidenum">
               <a:rPr lang="pt-BR" smtClean="0"/>
+              <a:t>‹nº›</a:t>
             </a:fld>
             <a:endParaRPr lang="pt-BR"/>
           </a:p>
@@ -343,7 +352,6 @@
               <a:rPr lang="pt-BR"/>
               <a:t>Clique para editar o título Mestre</a:t>
             </a:r>
-            <a:endParaRPr lang="pt-BR"/>
           </a:p>
         </p:txBody>
       </p:sp>
@@ -367,7 +375,6 @@
               <a:rPr lang="pt-BR"/>
               <a:t>Clique para editar os estilos de texto Mestres</a:t>
             </a:r>
-            <a:endParaRPr lang="pt-BR"/>
           </a:p>
           <a:p>
             <a:pPr lvl="1"/>
@@ -375,7 +382,6 @@
               <a:rPr lang="pt-BR"/>
               <a:t>Segundo nível</a:t>
             </a:r>
-            <a:endParaRPr lang="pt-BR"/>
           </a:p>
           <a:p>
             <a:pPr lvl="2"/>
@@ -383,7 +389,6 @@
               <a:rPr lang="pt-BR"/>
               <a:t>Terceiro nível</a:t>
             </a:r>
-            <a:endParaRPr lang="pt-BR"/>
           </a:p>
           <a:p>
             <a:pPr lvl="3"/>
@@ -391,7 +396,6 @@
               <a:rPr lang="pt-BR"/>
               <a:t>Quarto nível</a:t>
             </a:r>
-            <a:endParaRPr lang="pt-BR"/>
           </a:p>
           <a:p>
             <a:pPr lvl="4"/>
@@ -399,7 +403,6 @@
               <a:rPr lang="pt-BR"/>
               <a:t>Quinto nível</a:t>
             </a:r>
-            <a:endParaRPr lang="pt-BR"/>
           </a:p>
         </p:txBody>
       </p:sp>
@@ -420,6 +423,7 @@
           <a:p>
             <a:fld id="{4C2BDBDF-3FC3-4882-B584-91431BAF618B}" type="datetimeFigureOut">
               <a:rPr lang="pt-BR" smtClean="0"/>
+              <a:t>11/09/2019</a:t>
             </a:fld>
             <a:endParaRPr lang="pt-BR"/>
           </a:p>
@@ -461,6 +465,7 @@
           <a:p>
             <a:fld id="{D9E82853-9538-425E-A66F-04E4BCE18009}" type="slidenum">
               <a:rPr lang="pt-BR" smtClean="0"/>
+              <a:t>‹nº›</a:t>
             </a:fld>
             <a:endParaRPr lang="pt-BR"/>
           </a:p>
@@ -515,7 +520,6 @@
               <a:rPr lang="pt-BR"/>
               <a:t>Clique para editar o título Mestre</a:t>
             </a:r>
-            <a:endParaRPr lang="pt-BR"/>
           </a:p>
         </p:txBody>
       </p:sp>
@@ -544,7 +548,6 @@
               <a:rPr lang="pt-BR"/>
               <a:t>Clique para editar os estilos de texto Mestres</a:t>
             </a:r>
-            <a:endParaRPr lang="pt-BR"/>
           </a:p>
           <a:p>
             <a:pPr lvl="1"/>
@@ -552,7 +555,6 @@
               <a:rPr lang="pt-BR"/>
               <a:t>Segundo nível</a:t>
             </a:r>
-            <a:endParaRPr lang="pt-BR"/>
           </a:p>
           <a:p>
             <a:pPr lvl="2"/>
@@ -560,7 +562,6 @@
               <a:rPr lang="pt-BR"/>
               <a:t>Terceiro nível</a:t>
             </a:r>
-            <a:endParaRPr lang="pt-BR"/>
           </a:p>
           <a:p>
             <a:pPr lvl="3"/>
@@ -568,7 +569,6 @@
               <a:rPr lang="pt-BR"/>
               <a:t>Quarto nível</a:t>
             </a:r>
-            <a:endParaRPr lang="pt-BR"/>
           </a:p>
           <a:p>
             <a:pPr lvl="4"/>
@@ -576,7 +576,6 @@
               <a:rPr lang="pt-BR"/>
               <a:t>Quinto nível</a:t>
             </a:r>
-            <a:endParaRPr lang="pt-BR"/>
           </a:p>
         </p:txBody>
       </p:sp>
@@ -597,6 +596,7 @@
           <a:p>
             <a:fld id="{4C2BDBDF-3FC3-4882-B584-91431BAF618B}" type="datetimeFigureOut">
               <a:rPr lang="pt-BR" smtClean="0"/>
+              <a:t>11/09/2019</a:t>
             </a:fld>
             <a:endParaRPr lang="pt-BR"/>
           </a:p>
@@ -638,6 +638,7 @@
           <a:p>
             <a:fld id="{D9E82853-9538-425E-A66F-04E4BCE18009}" type="slidenum">
               <a:rPr lang="pt-BR" smtClean="0"/>
+              <a:t>‹nº›</a:t>
             </a:fld>
             <a:endParaRPr lang="pt-BR"/>
           </a:p>
@@ -687,7 +688,6 @@
               <a:rPr lang="pt-BR"/>
               <a:t>Clique para editar o título Mestre</a:t>
             </a:r>
-            <a:endParaRPr lang="pt-BR"/>
           </a:p>
         </p:txBody>
       </p:sp>
@@ -711,7 +711,6 @@
               <a:rPr lang="pt-BR"/>
               <a:t>Clique para editar os estilos de texto Mestres</a:t>
             </a:r>
-            <a:endParaRPr lang="pt-BR"/>
           </a:p>
           <a:p>
             <a:pPr lvl="1"/>
@@ -719,7 +718,6 @@
               <a:rPr lang="pt-BR"/>
               <a:t>Segundo nível</a:t>
             </a:r>
-            <a:endParaRPr lang="pt-BR"/>
           </a:p>
           <a:p>
             <a:pPr lvl="2"/>
@@ -727,7 +725,6 @@
               <a:rPr lang="pt-BR"/>
               <a:t>Terceiro nível</a:t>
             </a:r>
-            <a:endParaRPr lang="pt-BR"/>
           </a:p>
           <a:p>
             <a:pPr lvl="3"/>
@@ -735,7 +732,6 @@
               <a:rPr lang="pt-BR"/>
               <a:t>Quarto nível</a:t>
             </a:r>
-            <a:endParaRPr lang="pt-BR"/>
           </a:p>
           <a:p>
             <a:pPr lvl="4"/>
@@ -743,7 +739,6 @@
               <a:rPr lang="pt-BR"/>
               <a:t>Quinto nível</a:t>
             </a:r>
-            <a:endParaRPr lang="pt-BR"/>
           </a:p>
         </p:txBody>
       </p:sp>
@@ -764,6 +759,7 @@
           <a:p>
             <a:fld id="{4C2BDBDF-3FC3-4882-B584-91431BAF618B}" type="datetimeFigureOut">
               <a:rPr lang="pt-BR" smtClean="0"/>
+              <a:t>11/09/2019</a:t>
             </a:fld>
             <a:endParaRPr lang="pt-BR"/>
           </a:p>
@@ -805,6 +801,7 @@
           <a:p>
             <a:fld id="{D9E82853-9538-425E-A66F-04E4BCE18009}" type="slidenum">
               <a:rPr lang="pt-BR" smtClean="0"/>
+              <a:t>‹nº›</a:t>
             </a:fld>
             <a:endParaRPr lang="pt-BR"/>
           </a:p>
@@ -863,7 +860,6 @@
               <a:rPr lang="pt-BR"/>
               <a:t>Clique para editar o título Mestre</a:t>
             </a:r>
-            <a:endParaRPr lang="pt-BR"/>
           </a:p>
         </p:txBody>
       </p:sp>
@@ -983,7 +979,6 @@
               <a:rPr lang="pt-BR"/>
               <a:t>Clique para editar os estilos de texto Mestres</a:t>
             </a:r>
-            <a:endParaRPr lang="pt-BR"/>
           </a:p>
         </p:txBody>
       </p:sp>
@@ -1004,6 +999,7 @@
           <a:p>
             <a:fld id="{4C2BDBDF-3FC3-4882-B584-91431BAF618B}" type="datetimeFigureOut">
               <a:rPr lang="pt-BR" smtClean="0"/>
+              <a:t>11/09/2019</a:t>
             </a:fld>
             <a:endParaRPr lang="pt-BR"/>
           </a:p>
@@ -1045,6 +1041,7 @@
           <a:p>
             <a:fld id="{D9E82853-9538-425E-A66F-04E4BCE18009}" type="slidenum">
               <a:rPr lang="pt-BR" smtClean="0"/>
+              <a:t>‹nº›</a:t>
             </a:fld>
             <a:endParaRPr lang="pt-BR"/>
           </a:p>
@@ -1094,7 +1091,6 @@
               <a:rPr lang="pt-BR"/>
               <a:t>Clique para editar o título Mestre</a:t>
             </a:r>
-            <a:endParaRPr lang="pt-BR"/>
           </a:p>
         </p:txBody>
       </p:sp>
@@ -1123,7 +1119,6 @@
               <a:rPr lang="pt-BR"/>
               <a:t>Clique para editar os estilos de texto Mestres</a:t>
             </a:r>
-            <a:endParaRPr lang="pt-BR"/>
           </a:p>
           <a:p>
             <a:pPr lvl="1"/>
@@ -1131,7 +1126,6 @@
               <a:rPr lang="pt-BR"/>
               <a:t>Segundo nível</a:t>
             </a:r>
-            <a:endParaRPr lang="pt-BR"/>
           </a:p>
           <a:p>
             <a:pPr lvl="2"/>
@@ -1139,7 +1133,6 @@
               <a:rPr lang="pt-BR"/>
               <a:t>Terceiro nível</a:t>
             </a:r>
-            <a:endParaRPr lang="pt-BR"/>
           </a:p>
           <a:p>
             <a:pPr lvl="3"/>
@@ -1147,7 +1140,6 @@
               <a:rPr lang="pt-BR"/>
               <a:t>Quarto nível</a:t>
             </a:r>
-            <a:endParaRPr lang="pt-BR"/>
           </a:p>
           <a:p>
             <a:pPr lvl="4"/>
@@ -1155,7 +1147,6 @@
               <a:rPr lang="pt-BR"/>
               <a:t>Quinto nível</a:t>
             </a:r>
-            <a:endParaRPr lang="pt-BR"/>
           </a:p>
         </p:txBody>
       </p:sp>
@@ -1184,7 +1175,6 @@
               <a:rPr lang="pt-BR"/>
               <a:t>Clique para editar os estilos de texto Mestres</a:t>
             </a:r>
-            <a:endParaRPr lang="pt-BR"/>
           </a:p>
           <a:p>
             <a:pPr lvl="1"/>
@@ -1192,7 +1182,6 @@
               <a:rPr lang="pt-BR"/>
               <a:t>Segundo nível</a:t>
             </a:r>
-            <a:endParaRPr lang="pt-BR"/>
           </a:p>
           <a:p>
             <a:pPr lvl="2"/>
@@ -1200,7 +1189,6 @@
               <a:rPr lang="pt-BR"/>
               <a:t>Terceiro nível</a:t>
             </a:r>
-            <a:endParaRPr lang="pt-BR"/>
           </a:p>
           <a:p>
             <a:pPr lvl="3"/>
@@ -1208,7 +1196,6 @@
               <a:rPr lang="pt-BR"/>
               <a:t>Quarto nível</a:t>
             </a:r>
-            <a:endParaRPr lang="pt-BR"/>
           </a:p>
           <a:p>
             <a:pPr lvl="4"/>
@@ -1216,7 +1203,6 @@
               <a:rPr lang="pt-BR"/>
               <a:t>Quinto nível</a:t>
             </a:r>
-            <a:endParaRPr lang="pt-BR"/>
           </a:p>
         </p:txBody>
       </p:sp>
@@ -1237,6 +1223,7 @@
           <a:p>
             <a:fld id="{4C2BDBDF-3FC3-4882-B584-91431BAF618B}" type="datetimeFigureOut">
               <a:rPr lang="pt-BR" smtClean="0"/>
+              <a:t>11/09/2019</a:t>
             </a:fld>
             <a:endParaRPr lang="pt-BR"/>
           </a:p>
@@ -1278,6 +1265,7 @@
           <a:p>
             <a:fld id="{D9E82853-9538-425E-A66F-04E4BCE18009}" type="slidenum">
               <a:rPr lang="pt-BR" smtClean="0"/>
+              <a:t>‹nº›</a:t>
             </a:fld>
             <a:endParaRPr lang="pt-BR"/>
           </a:p>
@@ -1332,7 +1320,6 @@
               <a:rPr lang="pt-BR"/>
               <a:t>Clique para editar o título Mestre</a:t>
             </a:r>
-            <a:endParaRPr lang="pt-BR"/>
           </a:p>
         </p:txBody>
       </p:sp>
@@ -1398,7 +1385,6 @@
               <a:rPr lang="pt-BR"/>
               <a:t>Clique para editar os estilos de texto Mestres</a:t>
             </a:r>
-            <a:endParaRPr lang="pt-BR"/>
           </a:p>
         </p:txBody>
       </p:sp>
@@ -1427,7 +1413,6 @@
               <a:rPr lang="pt-BR"/>
               <a:t>Clique para editar os estilos de texto Mestres</a:t>
             </a:r>
-            <a:endParaRPr lang="pt-BR"/>
           </a:p>
           <a:p>
             <a:pPr lvl="1"/>
@@ -1435,7 +1420,6 @@
               <a:rPr lang="pt-BR"/>
               <a:t>Segundo nível</a:t>
             </a:r>
-            <a:endParaRPr lang="pt-BR"/>
           </a:p>
           <a:p>
             <a:pPr lvl="2"/>
@@ -1443,7 +1427,6 @@
               <a:rPr lang="pt-BR"/>
               <a:t>Terceiro nível</a:t>
             </a:r>
-            <a:endParaRPr lang="pt-BR"/>
           </a:p>
           <a:p>
             <a:pPr lvl="3"/>
@@ -1451,7 +1434,6 @@
               <a:rPr lang="pt-BR"/>
               <a:t>Quarto nível</a:t>
             </a:r>
-            <a:endParaRPr lang="pt-BR"/>
           </a:p>
           <a:p>
             <a:pPr lvl="4"/>
@@ -1459,7 +1441,6 @@
               <a:rPr lang="pt-BR"/>
               <a:t>Quinto nível</a:t>
             </a:r>
-            <a:endParaRPr lang="pt-BR"/>
           </a:p>
         </p:txBody>
       </p:sp>
@@ -1525,7 +1506,6 @@
               <a:rPr lang="pt-BR"/>
               <a:t>Clique para editar os estilos de texto Mestres</a:t>
             </a:r>
-            <a:endParaRPr lang="pt-BR"/>
           </a:p>
         </p:txBody>
       </p:sp>
@@ -1554,7 +1534,6 @@
               <a:rPr lang="pt-BR"/>
               <a:t>Clique para editar os estilos de texto Mestres</a:t>
             </a:r>
-            <a:endParaRPr lang="pt-BR"/>
           </a:p>
           <a:p>
             <a:pPr lvl="1"/>
@@ -1562,7 +1541,6 @@
               <a:rPr lang="pt-BR"/>
               <a:t>Segundo nível</a:t>
             </a:r>
-            <a:endParaRPr lang="pt-BR"/>
           </a:p>
           <a:p>
             <a:pPr lvl="2"/>
@@ -1570,7 +1548,6 @@
               <a:rPr lang="pt-BR"/>
               <a:t>Terceiro nível</a:t>
             </a:r>
-            <a:endParaRPr lang="pt-BR"/>
           </a:p>
           <a:p>
             <a:pPr lvl="3"/>
@@ -1578,7 +1555,6 @@
               <a:rPr lang="pt-BR"/>
               <a:t>Quarto nível</a:t>
             </a:r>
-            <a:endParaRPr lang="pt-BR"/>
           </a:p>
           <a:p>
             <a:pPr lvl="4"/>
@@ -1586,7 +1562,6 @@
               <a:rPr lang="pt-BR"/>
               <a:t>Quinto nível</a:t>
             </a:r>
-            <a:endParaRPr lang="pt-BR"/>
           </a:p>
         </p:txBody>
       </p:sp>
@@ -1607,6 +1582,7 @@
           <a:p>
             <a:fld id="{4C2BDBDF-3FC3-4882-B584-91431BAF618B}" type="datetimeFigureOut">
               <a:rPr lang="pt-BR" smtClean="0"/>
+              <a:t>11/09/2019</a:t>
             </a:fld>
             <a:endParaRPr lang="pt-BR"/>
           </a:p>
@@ -1648,6 +1624,7 @@
           <a:p>
             <a:fld id="{D9E82853-9538-425E-A66F-04E4BCE18009}" type="slidenum">
               <a:rPr lang="pt-BR" smtClean="0"/>
+              <a:t>‹nº›</a:t>
             </a:fld>
             <a:endParaRPr lang="pt-BR"/>
           </a:p>
@@ -1697,7 +1674,6 @@
               <a:rPr lang="pt-BR"/>
               <a:t>Clique para editar o título Mestre</a:t>
             </a:r>
-            <a:endParaRPr lang="pt-BR"/>
           </a:p>
         </p:txBody>
       </p:sp>
@@ -1718,6 +1694,7 @@
           <a:p>
             <a:fld id="{4C2BDBDF-3FC3-4882-B584-91431BAF618B}" type="datetimeFigureOut">
               <a:rPr lang="pt-BR" smtClean="0"/>
+              <a:t>11/09/2019</a:t>
             </a:fld>
             <a:endParaRPr lang="pt-BR"/>
           </a:p>
@@ -1759,6 +1736,7 @@
           <a:p>
             <a:fld id="{D9E82853-9538-425E-A66F-04E4BCE18009}" type="slidenum">
               <a:rPr lang="pt-BR" smtClean="0"/>
+              <a:t>‹nº›</a:t>
             </a:fld>
             <a:endParaRPr lang="pt-BR"/>
           </a:p>
@@ -1806,6 +1784,7 @@
           <a:p>
             <a:fld id="{4C2BDBDF-3FC3-4882-B584-91431BAF618B}" type="datetimeFigureOut">
               <a:rPr lang="pt-BR" smtClean="0"/>
+              <a:t>11/09/2019</a:t>
             </a:fld>
             <a:endParaRPr lang="pt-BR"/>
           </a:p>
@@ -1847,6 +1826,7 @@
           <a:p>
             <a:fld id="{D9E82853-9538-425E-A66F-04E4BCE18009}" type="slidenum">
               <a:rPr lang="pt-BR" smtClean="0"/>
+              <a:t>‹nº›</a:t>
             </a:fld>
             <a:endParaRPr lang="pt-BR"/>
           </a:p>
@@ -1905,7 +1885,6 @@
               <a:rPr lang="pt-BR"/>
               <a:t>Clique para editar o título Mestre</a:t>
             </a:r>
-            <a:endParaRPr lang="pt-BR"/>
           </a:p>
         </p:txBody>
       </p:sp>
@@ -1962,7 +1941,6 @@
               <a:rPr lang="pt-BR"/>
               <a:t>Clique para editar os estilos de texto Mestres</a:t>
             </a:r>
-            <a:endParaRPr lang="pt-BR"/>
           </a:p>
           <a:p>
             <a:pPr lvl="1"/>
@@ -1970,7 +1948,6 @@
               <a:rPr lang="pt-BR"/>
               <a:t>Segundo nível</a:t>
             </a:r>
-            <a:endParaRPr lang="pt-BR"/>
           </a:p>
           <a:p>
             <a:pPr lvl="2"/>
@@ -1978,7 +1955,6 @@
               <a:rPr lang="pt-BR"/>
               <a:t>Terceiro nível</a:t>
             </a:r>
-            <a:endParaRPr lang="pt-BR"/>
           </a:p>
           <a:p>
             <a:pPr lvl="3"/>
@@ -1986,7 +1962,6 @@
               <a:rPr lang="pt-BR"/>
               <a:t>Quarto nível</a:t>
             </a:r>
-            <a:endParaRPr lang="pt-BR"/>
           </a:p>
           <a:p>
             <a:pPr lvl="4"/>
@@ -1994,7 +1969,6 @@
               <a:rPr lang="pt-BR"/>
               <a:t>Quinto nível</a:t>
             </a:r>
-            <a:endParaRPr lang="pt-BR"/>
           </a:p>
         </p:txBody>
       </p:sp>
@@ -2060,7 +2034,6 @@
               <a:rPr lang="pt-BR"/>
               <a:t>Clique para editar os estilos de texto Mestres</a:t>
             </a:r>
-            <a:endParaRPr lang="pt-BR"/>
           </a:p>
         </p:txBody>
       </p:sp>
@@ -2081,6 +2054,7 @@
           <a:p>
             <a:fld id="{4C2BDBDF-3FC3-4882-B584-91431BAF618B}" type="datetimeFigureOut">
               <a:rPr lang="pt-BR" smtClean="0"/>
+              <a:t>11/09/2019</a:t>
             </a:fld>
             <a:endParaRPr lang="pt-BR"/>
           </a:p>
@@ -2122,6 +2096,7 @@
           <a:p>
             <a:fld id="{D9E82853-9538-425E-A66F-04E4BCE18009}" type="slidenum">
               <a:rPr lang="pt-BR" smtClean="0"/>
+              <a:t>‹nº›</a:t>
             </a:fld>
             <a:endParaRPr lang="pt-BR"/>
           </a:p>
@@ -2180,7 +2155,6 @@
               <a:rPr lang="pt-BR"/>
               <a:t>Clique para editar o título Mestre</a:t>
             </a:r>
-            <a:endParaRPr lang="pt-BR"/>
           </a:p>
         </p:txBody>
       </p:sp>
@@ -2307,7 +2281,6 @@
               <a:rPr lang="pt-BR"/>
               <a:t>Clique para editar os estilos de texto Mestres</a:t>
             </a:r>
-            <a:endParaRPr lang="pt-BR"/>
           </a:p>
         </p:txBody>
       </p:sp>
@@ -2328,6 +2301,7 @@
           <a:p>
             <a:fld id="{4C2BDBDF-3FC3-4882-B584-91431BAF618B}" type="datetimeFigureOut">
               <a:rPr lang="pt-BR" smtClean="0"/>
+              <a:t>11/09/2019</a:t>
             </a:fld>
             <a:endParaRPr lang="pt-BR"/>
           </a:p>
@@ -2369,6 +2343,7 @@
           <a:p>
             <a:fld id="{D9E82853-9538-425E-A66F-04E4BCE18009}" type="slidenum">
               <a:rPr lang="pt-BR" smtClean="0"/>
+              <a:t>‹nº›</a:t>
             </a:fld>
             <a:endParaRPr lang="pt-BR"/>
           </a:p>
@@ -2433,7 +2408,6 @@
               <a:rPr lang="pt-BR"/>
               <a:t>Clique para editar o título Mestre</a:t>
             </a:r>
-            <a:endParaRPr lang="pt-BR"/>
           </a:p>
         </p:txBody>
       </p:sp>
@@ -2467,7 +2441,6 @@
               <a:rPr lang="pt-BR"/>
               <a:t>Clique para editar os estilos de texto Mestres</a:t>
             </a:r>
-            <a:endParaRPr lang="pt-BR"/>
           </a:p>
           <a:p>
             <a:pPr lvl="1"/>
@@ -2475,7 +2448,6 @@
               <a:rPr lang="pt-BR"/>
               <a:t>Segundo nível</a:t>
             </a:r>
-            <a:endParaRPr lang="pt-BR"/>
           </a:p>
           <a:p>
             <a:pPr lvl="2"/>
@@ -2483,7 +2455,6 @@
               <a:rPr lang="pt-BR"/>
               <a:t>Terceiro nível</a:t>
             </a:r>
-            <a:endParaRPr lang="pt-BR"/>
           </a:p>
           <a:p>
             <a:pPr lvl="3"/>
@@ -2491,7 +2462,6 @@
               <a:rPr lang="pt-BR"/>
               <a:t>Quarto nível</a:t>
             </a:r>
-            <a:endParaRPr lang="pt-BR"/>
           </a:p>
           <a:p>
             <a:pPr lvl="4"/>
@@ -2499,7 +2469,6 @@
               <a:rPr lang="pt-BR"/>
               <a:t>Quinto nível</a:t>
             </a:r>
-            <a:endParaRPr lang="pt-BR"/>
           </a:p>
         </p:txBody>
       </p:sp>
@@ -2538,6 +2507,7 @@
           <a:p>
             <a:fld id="{4C2BDBDF-3FC3-4882-B584-91431BAF618B}" type="datetimeFigureOut">
               <a:rPr lang="pt-BR" smtClean="0"/>
+              <a:t>11/09/2019</a:t>
             </a:fld>
             <a:endParaRPr lang="pt-BR"/>
           </a:p>
@@ -2615,6 +2585,7 @@
           <a:p>
             <a:fld id="{D9E82853-9538-425E-A66F-04E4BCE18009}" type="slidenum">
               <a:rPr lang="pt-BR" smtClean="0"/>
+              <a:t>‹nº›</a:t>
             </a:fld>
             <a:endParaRPr lang="pt-BR"/>
           </a:p>
@@ -2945,7 +2916,7 @@
           <p:nvPr/>
         </p:nvPicPr>
         <p:blipFill rotWithShape="1">
-          <a:blip r:embed="rId1">
+          <a:blip r:embed="rId2">
             <a:extLst>
               <a:ext uri="{28A0092B-C50C-407E-A947-70E740481C1C}">
                 <a14:useLocalDpi xmlns:a14="http://schemas.microsoft.com/office/drawing/2010/main" val="0"/>
@@ -3001,6 +2972,8 @@
               </a:rPr>
               <a:t>Disciplina: Inteligência Artificial</a:t>
             </a:r>
+          </a:p>
+          <a:p>
             <a:endParaRPr lang="pt-BR" sz="2800" b="1" dirty="0">
               <a:solidFill>
                 <a:schemeClr val="tx1">
@@ -3012,6 +2985,20 @@
             </a:endParaRPr>
           </a:p>
           <a:p>
+            <a:r>
+              <a:rPr lang="pt-BR" sz="2800" b="1" dirty="0">
+                <a:solidFill>
+                  <a:schemeClr val="tx1">
+                    <a:lumMod val="75000"/>
+                    <a:lumOff val="25000"/>
+                  </a:schemeClr>
+                </a:solidFill>
+                <a:cs typeface="Times New Roman" panose="02020603050405020304" pitchFamily="18" charset="0"/>
+              </a:rPr>
+              <a:t>Docente:  André Luís Meneses Silva</a:t>
+            </a:r>
+          </a:p>
+          <a:p>
             <a:endParaRPr lang="pt-BR" sz="2800" b="1" dirty="0">
               <a:solidFill>
                 <a:schemeClr val="tx1">
@@ -3033,28 +3020,8 @@
                 </a:solidFill>
                 <a:cs typeface="Times New Roman" panose="02020603050405020304" pitchFamily="18" charset="0"/>
               </a:rPr>
-              <a:t>Docente:  André Luís Meneses Silva</a:t>
-            </a:r>
-            <a:endParaRPr lang="pt-BR" sz="2800" b="1" dirty="0">
-              <a:solidFill>
-                <a:schemeClr val="tx1">
-                  <a:lumMod val="75000"/>
-                  <a:lumOff val="25000"/>
-                </a:schemeClr>
-              </a:solidFill>
-              <a:cs typeface="Times New Roman" panose="02020603050405020304" pitchFamily="18" charset="0"/>
-            </a:endParaRPr>
-          </a:p>
-          <a:p>
-            <a:endParaRPr lang="pt-BR" sz="2800" b="1" dirty="0">
-              <a:solidFill>
-                <a:schemeClr val="tx1">
-                  <a:lumMod val="75000"/>
-                  <a:lumOff val="25000"/>
-                </a:schemeClr>
-              </a:solidFill>
-              <a:cs typeface="Times New Roman" panose="02020603050405020304" pitchFamily="18" charset="0"/>
-            </a:endParaRPr>
+              <a:t>Discentes:    Clovijan Bispo Rocha</a:t>
+            </a:r>
           </a:p>
           <a:p>
             <a:r>
@@ -3067,21 +3034,10 @@
                 </a:solidFill>
                 <a:cs typeface="Times New Roman" panose="02020603050405020304" pitchFamily="18" charset="0"/>
               </a:rPr>
-              <a:t>Discentes:    Clovijan Bispo Rocha</a:t>
-            </a:r>
-            <a:endParaRPr lang="pt-BR" sz="2800" b="1" dirty="0">
-              <a:solidFill>
-                <a:schemeClr val="tx1">
-                  <a:lumMod val="75000"/>
-                  <a:lumOff val="25000"/>
-                </a:schemeClr>
-              </a:solidFill>
-              <a:cs typeface="Times New Roman" panose="02020603050405020304" pitchFamily="18" charset="0"/>
-            </a:endParaRPr>
-          </a:p>
-          <a:p>
-            <a:r>
-              <a:rPr lang="pt-BR" sz="2800" b="1" dirty="0">
+              <a:t>		Igor </a:t>
+            </a:r>
+            <a:r>
+              <a:rPr lang="pt-BR" sz="2800" b="1" dirty="0" err="1">
                 <a:solidFill>
                   <a:schemeClr val="tx1">
                     <a:lumMod val="75000"/>
@@ -3090,10 +3046,10 @@
                 </a:solidFill>
                 <a:cs typeface="Times New Roman" panose="02020603050405020304" pitchFamily="18" charset="0"/>
               </a:rPr>
-              <a:t>		Igor </a:t>
-            </a:r>
-            <a:r>
-              <a:rPr lang="pt-BR" sz="2800" b="1" dirty="0" err="1">
+              <a:t>Terriaga</a:t>
+            </a:r>
+            <a:r>
+              <a:rPr lang="pt-BR" sz="2800" b="1" dirty="0">
                 <a:solidFill>
                   <a:schemeClr val="tx1">
                     <a:lumMod val="75000"/>
@@ -3102,8 +3058,10 @@
                 </a:solidFill>
                 <a:cs typeface="Times New Roman" panose="02020603050405020304" pitchFamily="18" charset="0"/>
               </a:rPr>
-              <a:t>Terriaga</a:t>
-            </a:r>
+              <a:t> Santos</a:t>
+            </a:r>
+          </a:p>
+          <a:p>
             <a:r>
               <a:rPr lang="pt-BR" sz="2800" b="1" dirty="0">
                 <a:solidFill>
@@ -3114,30 +3072,7 @@
                 </a:solidFill>
                 <a:cs typeface="Times New Roman" panose="02020603050405020304" pitchFamily="18" charset="0"/>
               </a:rPr>
-              <a:t> Santos</a:t>
-            </a:r>
-            <a:endParaRPr lang="pt-BR" sz="2800" b="1" dirty="0">
-              <a:solidFill>
-                <a:schemeClr val="tx1">
-                  <a:lumMod val="75000"/>
-                  <a:lumOff val="25000"/>
-                </a:schemeClr>
-              </a:solidFill>
-              <a:cs typeface="Times New Roman" panose="02020603050405020304" pitchFamily="18" charset="0"/>
-            </a:endParaRPr>
-          </a:p>
-          <a:p>
-            <a:r>
-              <a:rPr lang="pt-BR" sz="2800" b="1" dirty="0">
-                <a:solidFill>
-                  <a:schemeClr val="tx1">
-                    <a:lumMod val="75000"/>
-                    <a:lumOff val="25000"/>
-                  </a:schemeClr>
-                </a:solidFill>
-                <a:cs typeface="Times New Roman" panose="02020603050405020304" pitchFamily="18" charset="0"/>
-              </a:rPr>
-              <a:t>		Joan Victor M. de Jesus</a:t>
+              <a:t>		Joan Vitor Mendonça de Jesus</a:t>
             </a:r>
             <a:endParaRPr lang="pt-BR" sz="3200" b="1" dirty="0">
               <a:solidFill>
@@ -3200,15 +3135,6 @@
                 </a:rPr>
                 <a:t>Universidade Federal de Sergipe</a:t>
               </a:r>
-              <a:endParaRPr lang="pt-BR" sz="4000" b="1" dirty="0">
-                <a:solidFill>
-                  <a:schemeClr val="tx1">
-                    <a:lumMod val="75000"/>
-                    <a:lumOff val="25000"/>
-                  </a:schemeClr>
-                </a:solidFill>
-                <a:cs typeface="Times New Roman" panose="02020603050405020304" pitchFamily="18" charset="0"/>
-              </a:endParaRPr>
             </a:p>
             <a:p>
               <a:pPr algn="ctr"/>
@@ -3222,17 +3148,8 @@
                   </a:solidFill>
                   <a:cs typeface="Times New Roman" panose="02020603050405020304" pitchFamily="18" charset="0"/>
                 </a:rPr>
-                <a:t>Campus Alberto </a:t>
+                <a:t>Campus Alberto Carvalho</a:t>
               </a:r>
-              <a:endParaRPr lang="pt-BR" sz="4000" b="1" dirty="0">
-                <a:solidFill>
-                  <a:schemeClr val="tx1">
-                    <a:lumMod val="75000"/>
-                    <a:lumOff val="25000"/>
-                  </a:schemeClr>
-                </a:solidFill>
-                <a:cs typeface="Times New Roman" panose="02020603050405020304" pitchFamily="18" charset="0"/>
-              </a:endParaRPr>
             </a:p>
             <a:p>
               <a:pPr algn="ctr"/>
@@ -3248,15 +3165,6 @@
                 </a:rPr>
                 <a:t>Departamento de Sistemas de Informação</a:t>
               </a:r>
-              <a:endParaRPr lang="pt-BR" sz="4000" b="1" dirty="0">
-                <a:solidFill>
-                  <a:schemeClr val="tx1">
-                    <a:lumMod val="75000"/>
-                    <a:lumOff val="25000"/>
-                  </a:schemeClr>
-                </a:solidFill>
-                <a:cs typeface="Times New Roman" panose="02020603050405020304" pitchFamily="18" charset="0"/>
-              </a:endParaRPr>
             </a:p>
           </p:txBody>
         </p:sp>
@@ -3269,7 +3177,7 @@
             <p:nvPr/>
           </p:nvPicPr>
           <p:blipFill rotWithShape="1">
-            <a:blip r:embed="rId2">
+            <a:blip r:embed="rId3" cstate="print">
               <a:extLst>
                 <a:ext uri="{28A0092B-C50C-407E-A947-70E740481C1C}">
                   <a14:useLocalDpi xmlns:a14="http://schemas.microsoft.com/office/drawing/2010/main" val="0"/>
@@ -3301,7 +3209,7 @@
           <p:nvPr/>
         </p:nvPicPr>
         <p:blipFill>
-          <a:blip r:embed="rId3">
+          <a:blip r:embed="rId4">
             <a:extLst>
               <a:ext uri="{28A0092B-C50C-407E-A947-70E740481C1C}">
                 <a14:useLocalDpi xmlns:a14="http://schemas.microsoft.com/office/drawing/2010/main" val="0"/>
@@ -3358,8 +3266,8 @@
         </p:nvSpPr>
         <p:spPr>
           <a:xfrm>
-            <a:off x="838200" y="506437"/>
-            <a:ext cx="10515600" cy="1644335"/>
+            <a:off x="838199" y="162192"/>
+            <a:ext cx="10515600" cy="1087060"/>
           </a:xfrm>
           <a:prstGeom prst="rect">
             <a:avLst/>
@@ -3397,14 +3305,8 @@
                 </a:solidFill>
                 <a:latin typeface="+mn-lt"/>
               </a:rPr>
-              <a:t>Gerar o indivíduo e inicialização da população</a:t>
-            </a:r>
-            <a:endParaRPr lang="pt-BR" sz="4800" b="1" dirty="0">
-              <a:solidFill>
-                <a:srgbClr val="049BE6"/>
-              </a:solidFill>
-              <a:latin typeface="+mn-lt"/>
-            </a:endParaRPr>
+              <a:t>Inicializar a população</a:t>
+            </a:r>
           </a:p>
         </p:txBody>
       </p:sp>
@@ -3599,7 +3501,6 @@
               <a:rPr lang="pt-BR" sz="4800" dirty="0"/>
               <a:t>	 </a:t>
             </a:r>
-            <a:endParaRPr lang="pt-BR" sz="4800" dirty="0"/>
           </a:p>
           <a:p>
             <a:pPr marL="742950" indent="-742950">
@@ -3625,8 +3526,8 @@
         </p:nvSpPr>
         <p:spPr>
           <a:xfrm>
-            <a:off x="473612" y="1882726"/>
-            <a:ext cx="11549575" cy="4712677"/>
+            <a:off x="473612" y="1481070"/>
+            <a:ext cx="11549575" cy="5114333"/>
           </a:xfrm>
           <a:prstGeom prst="rect">
             <a:avLst/>
@@ -3808,7 +3709,6 @@
               <a:rPr lang="pt-BR" sz="4400" dirty="0"/>
               <a:t>	</a:t>
             </a:r>
-            <a:endParaRPr lang="pt-BR" sz="4400" dirty="0"/>
           </a:p>
           <a:p>
             <a:pPr marL="742950" indent="-742950">
@@ -3816,6 +3716,238 @@
               <a:buAutoNum type="arabicPeriod"/>
             </a:pPr>
             <a:endParaRPr lang="pt-BR" sz="4400" dirty="0"/>
+          </a:p>
+        </p:txBody>
+      </p:sp>
+      <p:sp>
+        <p:nvSpPr>
+          <p:cNvPr id="5" name="Espaço Reservado para Conteúdo 2">
+            <a:extLst>
+              <a:ext uri="{FF2B5EF4-FFF2-40B4-BE49-F238E27FC236}">
+                <a16:creationId xmlns:a16="http://schemas.microsoft.com/office/drawing/2014/main" id="{28F437DC-D630-45B8-A7C1-BC93B70CBD4D}"/>
+              </a:ext>
+            </a:extLst>
+          </p:cNvPr>
+          <p:cNvSpPr txBox="1"/>
+          <p:nvPr/>
+        </p:nvSpPr>
+        <p:spPr>
+          <a:xfrm>
+            <a:off x="626012" y="1577926"/>
+            <a:ext cx="11244775" cy="4712677"/>
+          </a:xfrm>
+          <a:prstGeom prst="rect">
+            <a:avLst/>
+          </a:prstGeom>
+        </p:spPr>
+        <p:txBody>
+          <a:bodyPr>
+            <a:normAutofit/>
+          </a:bodyPr>
+          <a:lstStyle>
+            <a:lvl1pPr marL="228600" indent="-228600" algn="l" defTabSz="914400" rtl="0" eaLnBrk="1" latinLnBrk="0" hangingPunct="1">
+              <a:lnSpc>
+                <a:spcPct val="90000"/>
+              </a:lnSpc>
+              <a:spcBef>
+                <a:spcPts val="1000"/>
+              </a:spcBef>
+              <a:buFont typeface="Arial" panose="020B0604020202020204" pitchFamily="34" charset="0"/>
+              <a:buChar char="•"/>
+              <a:defRPr sz="2800" kern="1200">
+                <a:solidFill>
+                  <a:schemeClr val="tx1"/>
+                </a:solidFill>
+                <a:latin typeface="+mn-lt"/>
+                <a:ea typeface="+mn-ea"/>
+                <a:cs typeface="+mn-cs"/>
+              </a:defRPr>
+            </a:lvl1pPr>
+            <a:lvl2pPr marL="685800" indent="-228600" algn="l" defTabSz="914400" rtl="0" eaLnBrk="1" latinLnBrk="0" hangingPunct="1">
+              <a:lnSpc>
+                <a:spcPct val="90000"/>
+              </a:lnSpc>
+              <a:spcBef>
+                <a:spcPts val="500"/>
+              </a:spcBef>
+              <a:buFont typeface="Arial" panose="020B0604020202020204" pitchFamily="34" charset="0"/>
+              <a:buChar char="•"/>
+              <a:defRPr sz="2400" kern="1200">
+                <a:solidFill>
+                  <a:schemeClr val="tx1"/>
+                </a:solidFill>
+                <a:latin typeface="+mn-lt"/>
+                <a:ea typeface="+mn-ea"/>
+                <a:cs typeface="+mn-cs"/>
+              </a:defRPr>
+            </a:lvl2pPr>
+            <a:lvl3pPr marL="1143000" indent="-228600" algn="l" defTabSz="914400" rtl="0" eaLnBrk="1" latinLnBrk="0" hangingPunct="1">
+              <a:lnSpc>
+                <a:spcPct val="90000"/>
+              </a:lnSpc>
+              <a:spcBef>
+                <a:spcPts val="500"/>
+              </a:spcBef>
+              <a:buFont typeface="Arial" panose="020B0604020202020204" pitchFamily="34" charset="0"/>
+              <a:buChar char="•"/>
+              <a:defRPr sz="2000" kern="1200">
+                <a:solidFill>
+                  <a:schemeClr val="tx1"/>
+                </a:solidFill>
+                <a:latin typeface="+mn-lt"/>
+                <a:ea typeface="+mn-ea"/>
+                <a:cs typeface="+mn-cs"/>
+              </a:defRPr>
+            </a:lvl3pPr>
+            <a:lvl4pPr marL="1600200" indent="-228600" algn="l" defTabSz="914400" rtl="0" eaLnBrk="1" latinLnBrk="0" hangingPunct="1">
+              <a:lnSpc>
+                <a:spcPct val="90000"/>
+              </a:lnSpc>
+              <a:spcBef>
+                <a:spcPts val="500"/>
+              </a:spcBef>
+              <a:buFont typeface="Arial" panose="020B0604020202020204" pitchFamily="34" charset="0"/>
+              <a:buChar char="•"/>
+              <a:defRPr sz="1800" kern="1200">
+                <a:solidFill>
+                  <a:schemeClr val="tx1"/>
+                </a:solidFill>
+                <a:latin typeface="+mn-lt"/>
+                <a:ea typeface="+mn-ea"/>
+                <a:cs typeface="+mn-cs"/>
+              </a:defRPr>
+            </a:lvl4pPr>
+            <a:lvl5pPr marL="2057400" indent="-228600" algn="l" defTabSz="914400" rtl="0" eaLnBrk="1" latinLnBrk="0" hangingPunct="1">
+              <a:lnSpc>
+                <a:spcPct val="90000"/>
+              </a:lnSpc>
+              <a:spcBef>
+                <a:spcPts val="500"/>
+              </a:spcBef>
+              <a:buFont typeface="Arial" panose="020B0604020202020204" pitchFamily="34" charset="0"/>
+              <a:buChar char="•"/>
+              <a:defRPr sz="1800" kern="1200">
+                <a:solidFill>
+                  <a:schemeClr val="tx1"/>
+                </a:solidFill>
+                <a:latin typeface="+mn-lt"/>
+                <a:ea typeface="+mn-ea"/>
+                <a:cs typeface="+mn-cs"/>
+              </a:defRPr>
+            </a:lvl5pPr>
+            <a:lvl6pPr marL="2514600" indent="-228600" algn="l" defTabSz="914400" rtl="0" eaLnBrk="1" latinLnBrk="0" hangingPunct="1">
+              <a:lnSpc>
+                <a:spcPct val="90000"/>
+              </a:lnSpc>
+              <a:spcBef>
+                <a:spcPts val="500"/>
+              </a:spcBef>
+              <a:buFont typeface="Arial" panose="020B0604020202020204" pitchFamily="34" charset="0"/>
+              <a:buChar char="•"/>
+              <a:defRPr sz="1800" kern="1200">
+                <a:solidFill>
+                  <a:schemeClr val="tx1"/>
+                </a:solidFill>
+                <a:latin typeface="+mn-lt"/>
+                <a:ea typeface="+mn-ea"/>
+                <a:cs typeface="+mn-cs"/>
+              </a:defRPr>
+            </a:lvl6pPr>
+            <a:lvl7pPr marL="2971800" indent="-228600" algn="l" defTabSz="914400" rtl="0" eaLnBrk="1" latinLnBrk="0" hangingPunct="1">
+              <a:lnSpc>
+                <a:spcPct val="90000"/>
+              </a:lnSpc>
+              <a:spcBef>
+                <a:spcPts val="500"/>
+              </a:spcBef>
+              <a:buFont typeface="Arial" panose="020B0604020202020204" pitchFamily="34" charset="0"/>
+              <a:buChar char="•"/>
+              <a:defRPr sz="1800" kern="1200">
+                <a:solidFill>
+                  <a:schemeClr val="tx1"/>
+                </a:solidFill>
+                <a:latin typeface="+mn-lt"/>
+                <a:ea typeface="+mn-ea"/>
+                <a:cs typeface="+mn-cs"/>
+              </a:defRPr>
+            </a:lvl7pPr>
+            <a:lvl8pPr marL="3429000" indent="-228600" algn="l" defTabSz="914400" rtl="0" eaLnBrk="1" latinLnBrk="0" hangingPunct="1">
+              <a:lnSpc>
+                <a:spcPct val="90000"/>
+              </a:lnSpc>
+              <a:spcBef>
+                <a:spcPts val="500"/>
+              </a:spcBef>
+              <a:buFont typeface="Arial" panose="020B0604020202020204" pitchFamily="34" charset="0"/>
+              <a:buChar char="•"/>
+              <a:defRPr sz="1800" kern="1200">
+                <a:solidFill>
+                  <a:schemeClr val="tx1"/>
+                </a:solidFill>
+                <a:latin typeface="+mn-lt"/>
+                <a:ea typeface="+mn-ea"/>
+                <a:cs typeface="+mn-cs"/>
+              </a:defRPr>
+            </a:lvl8pPr>
+            <a:lvl9pPr marL="3886200" indent="-228600" algn="l" defTabSz="914400" rtl="0" eaLnBrk="1" latinLnBrk="0" hangingPunct="1">
+              <a:lnSpc>
+                <a:spcPct val="90000"/>
+              </a:lnSpc>
+              <a:spcBef>
+                <a:spcPts val="500"/>
+              </a:spcBef>
+              <a:buFont typeface="Arial" panose="020B0604020202020204" pitchFamily="34" charset="0"/>
+              <a:buChar char="•"/>
+              <a:defRPr sz="1800" kern="1200">
+                <a:solidFill>
+                  <a:schemeClr val="tx1"/>
+                </a:solidFill>
+                <a:latin typeface="+mn-lt"/>
+                <a:ea typeface="+mn-ea"/>
+                <a:cs typeface="+mn-cs"/>
+              </a:defRPr>
+            </a:lvl9pPr>
+          </a:lstStyle>
+          <a:p>
+            <a:pPr algn="just"/>
+            <a:r>
+              <a:rPr lang="pt-BR" sz="4400" dirty="0">
+                <a:latin typeface="Times New Roman" panose="02020603050405020304" pitchFamily="18" charset="0"/>
+                <a:cs typeface="Times New Roman" panose="02020603050405020304" pitchFamily="18" charset="0"/>
+              </a:rPr>
+              <a:t> Com as disciplinas fixas, é criada uma lista apenas com os horários vazios.</a:t>
+            </a:r>
+          </a:p>
+          <a:p>
+            <a:pPr algn="just"/>
+            <a:endParaRPr lang="pt-BR" sz="4400" dirty="0">
+              <a:latin typeface="Times New Roman" panose="02020603050405020304" pitchFamily="18" charset="0"/>
+              <a:cs typeface="Times New Roman" panose="02020603050405020304" pitchFamily="18" charset="0"/>
+            </a:endParaRPr>
+          </a:p>
+          <a:p>
+            <a:pPr algn="just"/>
+            <a:r>
+              <a:rPr lang="pt-BR" sz="4400" dirty="0">
+                <a:latin typeface="Times New Roman" panose="02020603050405020304" pitchFamily="18" charset="0"/>
+                <a:cs typeface="Times New Roman" panose="02020603050405020304" pitchFamily="18" charset="0"/>
+              </a:rPr>
+              <a:t> Logo após é feito um sorteio desses horários, para determinar onde será inserido cada disciplina.</a:t>
+            </a:r>
+            <a:endParaRPr lang="pt-BR" sz="4000" dirty="0">
+              <a:latin typeface="Times New Roman" panose="02020603050405020304" pitchFamily="18" charset="0"/>
+              <a:cs typeface="Times New Roman" panose="02020603050405020304" pitchFamily="18" charset="0"/>
+            </a:endParaRPr>
+          </a:p>
+          <a:p>
+            <a:pPr marL="742950" indent="-742950">
+              <a:buFont typeface="+mj-lt"/>
+              <a:buAutoNum type="arabicPeriod"/>
+            </a:pPr>
+            <a:endParaRPr lang="pt-BR" sz="4400" dirty="0">
+              <a:latin typeface="Times New Roman" panose="02020603050405020304" pitchFamily="18" charset="0"/>
+              <a:cs typeface="Times New Roman" panose="02020603050405020304" pitchFamily="18" charset="0"/>
+            </a:endParaRPr>
           </a:p>
         </p:txBody>
       </p:sp>
@@ -3972,12 +4104,6 @@
               </a:rPr>
               <a:t>Modelagem da função fitness</a:t>
             </a:r>
-            <a:endParaRPr lang="pt-BR" sz="4800" b="1" dirty="0">
-              <a:solidFill>
-                <a:srgbClr val="049BE6"/>
-              </a:solidFill>
-              <a:latin typeface="+mn-lt"/>
-            </a:endParaRPr>
           </a:p>
         </p:txBody>
       </p:sp>
@@ -4172,7 +4298,6 @@
               <a:rPr lang="pt-BR" sz="4800" dirty="0"/>
               <a:t>	 </a:t>
             </a:r>
-            <a:endParaRPr lang="pt-BR" sz="4800" dirty="0"/>
           </a:p>
           <a:p>
             <a:pPr marL="742950" indent="-742950">
@@ -4381,7 +4506,6 @@
               <a:rPr lang="pt-BR" sz="4400" dirty="0"/>
               <a:t>	</a:t>
             </a:r>
-            <a:endParaRPr lang="pt-BR" sz="4400" dirty="0"/>
           </a:p>
           <a:p>
             <a:pPr marL="742950" indent="-742950">
@@ -4389,6 +4513,251 @@
               <a:buAutoNum type="arabicPeriod"/>
             </a:pPr>
             <a:endParaRPr lang="pt-BR" sz="4400" dirty="0"/>
+          </a:p>
+        </p:txBody>
+      </p:sp>
+      <p:sp>
+        <p:nvSpPr>
+          <p:cNvPr id="5" name="Espaço Reservado para Conteúdo 2">
+            <a:extLst>
+              <a:ext uri="{FF2B5EF4-FFF2-40B4-BE49-F238E27FC236}">
+                <a16:creationId xmlns:a16="http://schemas.microsoft.com/office/drawing/2014/main" id="{2E922D43-064A-44FD-B52C-AC28F6D7AE5E}"/>
+              </a:ext>
+            </a:extLst>
+          </p:cNvPr>
+          <p:cNvSpPr txBox="1"/>
+          <p:nvPr/>
+        </p:nvSpPr>
+        <p:spPr>
+          <a:xfrm>
+            <a:off x="626012" y="1577926"/>
+            <a:ext cx="11244775" cy="4712677"/>
+          </a:xfrm>
+          <a:prstGeom prst="rect">
+            <a:avLst/>
+          </a:prstGeom>
+        </p:spPr>
+        <p:txBody>
+          <a:bodyPr>
+            <a:normAutofit fontScale="92500"/>
+          </a:bodyPr>
+          <a:lstStyle>
+            <a:lvl1pPr marL="228600" indent="-228600" algn="l" defTabSz="914400" rtl="0" eaLnBrk="1" latinLnBrk="0" hangingPunct="1">
+              <a:lnSpc>
+                <a:spcPct val="90000"/>
+              </a:lnSpc>
+              <a:spcBef>
+                <a:spcPts val="1000"/>
+              </a:spcBef>
+              <a:buFont typeface="Arial" panose="020B0604020202020204" pitchFamily="34" charset="0"/>
+              <a:buChar char="•"/>
+              <a:defRPr sz="2800" kern="1200">
+                <a:solidFill>
+                  <a:schemeClr val="tx1"/>
+                </a:solidFill>
+                <a:latin typeface="+mn-lt"/>
+                <a:ea typeface="+mn-ea"/>
+                <a:cs typeface="+mn-cs"/>
+              </a:defRPr>
+            </a:lvl1pPr>
+            <a:lvl2pPr marL="685800" indent="-228600" algn="l" defTabSz="914400" rtl="0" eaLnBrk="1" latinLnBrk="0" hangingPunct="1">
+              <a:lnSpc>
+                <a:spcPct val="90000"/>
+              </a:lnSpc>
+              <a:spcBef>
+                <a:spcPts val="500"/>
+              </a:spcBef>
+              <a:buFont typeface="Arial" panose="020B0604020202020204" pitchFamily="34" charset="0"/>
+              <a:buChar char="•"/>
+              <a:defRPr sz="2400" kern="1200">
+                <a:solidFill>
+                  <a:schemeClr val="tx1"/>
+                </a:solidFill>
+                <a:latin typeface="+mn-lt"/>
+                <a:ea typeface="+mn-ea"/>
+                <a:cs typeface="+mn-cs"/>
+              </a:defRPr>
+            </a:lvl2pPr>
+            <a:lvl3pPr marL="1143000" indent="-228600" algn="l" defTabSz="914400" rtl="0" eaLnBrk="1" latinLnBrk="0" hangingPunct="1">
+              <a:lnSpc>
+                <a:spcPct val="90000"/>
+              </a:lnSpc>
+              <a:spcBef>
+                <a:spcPts val="500"/>
+              </a:spcBef>
+              <a:buFont typeface="Arial" panose="020B0604020202020204" pitchFamily="34" charset="0"/>
+              <a:buChar char="•"/>
+              <a:defRPr sz="2000" kern="1200">
+                <a:solidFill>
+                  <a:schemeClr val="tx1"/>
+                </a:solidFill>
+                <a:latin typeface="+mn-lt"/>
+                <a:ea typeface="+mn-ea"/>
+                <a:cs typeface="+mn-cs"/>
+              </a:defRPr>
+            </a:lvl3pPr>
+            <a:lvl4pPr marL="1600200" indent="-228600" algn="l" defTabSz="914400" rtl="0" eaLnBrk="1" latinLnBrk="0" hangingPunct="1">
+              <a:lnSpc>
+                <a:spcPct val="90000"/>
+              </a:lnSpc>
+              <a:spcBef>
+                <a:spcPts val="500"/>
+              </a:spcBef>
+              <a:buFont typeface="Arial" panose="020B0604020202020204" pitchFamily="34" charset="0"/>
+              <a:buChar char="•"/>
+              <a:defRPr sz="1800" kern="1200">
+                <a:solidFill>
+                  <a:schemeClr val="tx1"/>
+                </a:solidFill>
+                <a:latin typeface="+mn-lt"/>
+                <a:ea typeface="+mn-ea"/>
+                <a:cs typeface="+mn-cs"/>
+              </a:defRPr>
+            </a:lvl4pPr>
+            <a:lvl5pPr marL="2057400" indent="-228600" algn="l" defTabSz="914400" rtl="0" eaLnBrk="1" latinLnBrk="0" hangingPunct="1">
+              <a:lnSpc>
+                <a:spcPct val="90000"/>
+              </a:lnSpc>
+              <a:spcBef>
+                <a:spcPts val="500"/>
+              </a:spcBef>
+              <a:buFont typeface="Arial" panose="020B0604020202020204" pitchFamily="34" charset="0"/>
+              <a:buChar char="•"/>
+              <a:defRPr sz="1800" kern="1200">
+                <a:solidFill>
+                  <a:schemeClr val="tx1"/>
+                </a:solidFill>
+                <a:latin typeface="+mn-lt"/>
+                <a:ea typeface="+mn-ea"/>
+                <a:cs typeface="+mn-cs"/>
+              </a:defRPr>
+            </a:lvl5pPr>
+            <a:lvl6pPr marL="2514600" indent="-228600" algn="l" defTabSz="914400" rtl="0" eaLnBrk="1" latinLnBrk="0" hangingPunct="1">
+              <a:lnSpc>
+                <a:spcPct val="90000"/>
+              </a:lnSpc>
+              <a:spcBef>
+                <a:spcPts val="500"/>
+              </a:spcBef>
+              <a:buFont typeface="Arial" panose="020B0604020202020204" pitchFamily="34" charset="0"/>
+              <a:buChar char="•"/>
+              <a:defRPr sz="1800" kern="1200">
+                <a:solidFill>
+                  <a:schemeClr val="tx1"/>
+                </a:solidFill>
+                <a:latin typeface="+mn-lt"/>
+                <a:ea typeface="+mn-ea"/>
+                <a:cs typeface="+mn-cs"/>
+              </a:defRPr>
+            </a:lvl6pPr>
+            <a:lvl7pPr marL="2971800" indent="-228600" algn="l" defTabSz="914400" rtl="0" eaLnBrk="1" latinLnBrk="0" hangingPunct="1">
+              <a:lnSpc>
+                <a:spcPct val="90000"/>
+              </a:lnSpc>
+              <a:spcBef>
+                <a:spcPts val="500"/>
+              </a:spcBef>
+              <a:buFont typeface="Arial" panose="020B0604020202020204" pitchFamily="34" charset="0"/>
+              <a:buChar char="•"/>
+              <a:defRPr sz="1800" kern="1200">
+                <a:solidFill>
+                  <a:schemeClr val="tx1"/>
+                </a:solidFill>
+                <a:latin typeface="+mn-lt"/>
+                <a:ea typeface="+mn-ea"/>
+                <a:cs typeface="+mn-cs"/>
+              </a:defRPr>
+            </a:lvl7pPr>
+            <a:lvl8pPr marL="3429000" indent="-228600" algn="l" defTabSz="914400" rtl="0" eaLnBrk="1" latinLnBrk="0" hangingPunct="1">
+              <a:lnSpc>
+                <a:spcPct val="90000"/>
+              </a:lnSpc>
+              <a:spcBef>
+                <a:spcPts val="500"/>
+              </a:spcBef>
+              <a:buFont typeface="Arial" panose="020B0604020202020204" pitchFamily="34" charset="0"/>
+              <a:buChar char="•"/>
+              <a:defRPr sz="1800" kern="1200">
+                <a:solidFill>
+                  <a:schemeClr val="tx1"/>
+                </a:solidFill>
+                <a:latin typeface="+mn-lt"/>
+                <a:ea typeface="+mn-ea"/>
+                <a:cs typeface="+mn-cs"/>
+              </a:defRPr>
+            </a:lvl8pPr>
+            <a:lvl9pPr marL="3886200" indent="-228600" algn="l" defTabSz="914400" rtl="0" eaLnBrk="1" latinLnBrk="0" hangingPunct="1">
+              <a:lnSpc>
+                <a:spcPct val="90000"/>
+              </a:lnSpc>
+              <a:spcBef>
+                <a:spcPts val="500"/>
+              </a:spcBef>
+              <a:buFont typeface="Arial" panose="020B0604020202020204" pitchFamily="34" charset="0"/>
+              <a:buChar char="•"/>
+              <a:defRPr sz="1800" kern="1200">
+                <a:solidFill>
+                  <a:schemeClr val="tx1"/>
+                </a:solidFill>
+                <a:latin typeface="+mn-lt"/>
+                <a:ea typeface="+mn-ea"/>
+                <a:cs typeface="+mn-cs"/>
+              </a:defRPr>
+            </a:lvl9pPr>
+          </a:lstStyle>
+          <a:p>
+            <a:pPr algn="just"/>
+            <a:r>
+              <a:rPr lang="pt-BR" sz="4400" dirty="0">
+                <a:latin typeface="Times New Roman" panose="02020603050405020304" pitchFamily="18" charset="0"/>
+                <a:cs typeface="Times New Roman" panose="02020603050405020304" pitchFamily="18" charset="0"/>
+              </a:rPr>
+              <a:t> </a:t>
+            </a:r>
+            <a:r>
+              <a:rPr lang="pt-BR" sz="4000" dirty="0">
+                <a:latin typeface="Times New Roman" panose="02020603050405020304" pitchFamily="18" charset="0"/>
+                <a:cs typeface="Times New Roman" panose="02020603050405020304" pitchFamily="18" charset="0"/>
+              </a:rPr>
+              <a:t>Alguns professores possuem restrições de horários, ou seja, alguns deles preferem ministrar aulas com horários seguidos, já outros preferem que estas aulas sejam intercaladas. </a:t>
+            </a:r>
+          </a:p>
+          <a:p>
+            <a:pPr algn="just"/>
+            <a:endParaRPr lang="pt-BR" sz="4000" dirty="0">
+              <a:latin typeface="Times New Roman" panose="02020603050405020304" pitchFamily="18" charset="0"/>
+              <a:cs typeface="Times New Roman" panose="02020603050405020304" pitchFamily="18" charset="0"/>
+            </a:endParaRPr>
+          </a:p>
+          <a:p>
+            <a:pPr algn="just"/>
+            <a:r>
+              <a:rPr lang="pt-BR" sz="4000" dirty="0">
+                <a:latin typeface="Times New Roman" panose="02020603050405020304" pitchFamily="18" charset="0"/>
+                <a:cs typeface="Times New Roman" panose="02020603050405020304" pitchFamily="18" charset="0"/>
+              </a:rPr>
+              <a:t> Sabendo disso, a função responsável por avaliar todos os indivíduos, os penaliza com um valor negativo de acordo com as restrições cadastradas  por cada professor.</a:t>
+            </a:r>
+          </a:p>
+          <a:p>
+            <a:pPr marL="742950" indent="-742950">
+              <a:buFont typeface="+mj-lt"/>
+              <a:buAutoNum type="arabicPeriod"/>
+            </a:pPr>
+            <a:endParaRPr lang="pt-BR" sz="4000" dirty="0">
+              <a:latin typeface="Times New Roman" panose="02020603050405020304" pitchFamily="18" charset="0"/>
+              <a:cs typeface="Times New Roman" panose="02020603050405020304" pitchFamily="18" charset="0"/>
+            </a:endParaRPr>
+          </a:p>
+          <a:p>
+            <a:pPr marL="742950" indent="-742950">
+              <a:buFont typeface="+mj-lt"/>
+              <a:buAutoNum type="arabicPeriod"/>
+            </a:pPr>
+            <a:endParaRPr lang="pt-BR" sz="4400" dirty="0">
+              <a:latin typeface="Times New Roman" panose="02020603050405020304" pitchFamily="18" charset="0"/>
+              <a:cs typeface="Times New Roman" panose="02020603050405020304" pitchFamily="18" charset="0"/>
+            </a:endParaRPr>
           </a:p>
         </p:txBody>
       </p:sp>
@@ -4537,20 +4906,14 @@
           <a:p>
             <a:pPr algn="ctr"/>
             <a:r>
-              <a:rPr lang="pt-BR" sz="5400" b="1" dirty="0">
+              <a:rPr lang="pt-BR" sz="4800" b="1" dirty="0">
                 <a:solidFill>
                   <a:srgbClr val="049BE6"/>
                 </a:solidFill>
                 <a:latin typeface="+mn-lt"/>
               </a:rPr>
-              <a:t>Avaliar os indivíduos</a:t>
-            </a:r>
-            <a:endParaRPr lang="pt-BR" sz="5400" b="1" dirty="0">
-              <a:solidFill>
-                <a:srgbClr val="049BE6"/>
-              </a:solidFill>
-              <a:latin typeface="+mn-lt"/>
-            </a:endParaRPr>
+              <a:t>Modelagem da função fitness</a:t>
+            </a:r>
           </a:p>
         </p:txBody>
       </p:sp>
@@ -4745,7 +5108,6 @@
               <a:rPr lang="pt-BR" sz="4800" dirty="0"/>
               <a:t>	 </a:t>
             </a:r>
-            <a:endParaRPr lang="pt-BR" sz="4800" dirty="0"/>
           </a:p>
           <a:p>
             <a:pPr marL="742950" indent="-742950">
@@ -4765,14 +5127,20 @@
       </p:sp>
       <p:sp>
         <p:nvSpPr>
-          <p:cNvPr id="4" name="Espaço Reservado para Conteúdo 2"/>
+          <p:cNvPr id="5" name="Espaço Reservado para Conteúdo 2">
+            <a:extLst>
+              <a:ext uri="{FF2B5EF4-FFF2-40B4-BE49-F238E27FC236}">
+                <a16:creationId xmlns:a16="http://schemas.microsoft.com/office/drawing/2014/main" id="{2E922D43-064A-44FD-B52C-AC28F6D7AE5E}"/>
+              </a:ext>
+            </a:extLst>
+          </p:cNvPr>
           <p:cNvSpPr txBox="1"/>
           <p:nvPr/>
         </p:nvSpPr>
         <p:spPr>
           <a:xfrm>
-            <a:off x="473612" y="1882726"/>
-            <a:ext cx="11549575" cy="4712677"/>
+            <a:off x="626012" y="1577926"/>
+            <a:ext cx="11244775" cy="4712677"/>
           </a:xfrm>
           <a:prstGeom prst="rect">
             <a:avLst/>
@@ -4780,7 +5148,7 @@
         </p:spPr>
         <p:txBody>
           <a:bodyPr>
-            <a:normAutofit/>
+            <a:normAutofit lnSpcReduction="10000"/>
           </a:bodyPr>
           <a:lstStyle>
             <a:lvl1pPr marL="228600" indent="-228600" algn="l" defTabSz="914400" rtl="0" eaLnBrk="1" latinLnBrk="0" hangingPunct="1">
@@ -4947,25 +5315,68 @@
             </a:lvl9pPr>
           </a:lstStyle>
           <a:p>
-            <a:pPr marL="0" indent="0">
+            <a:pPr algn="just"/>
+            <a:r>
+              <a:rPr lang="pt-BR" sz="4400" dirty="0">
+                <a:latin typeface="Times New Roman" panose="02020603050405020304" pitchFamily="18" charset="0"/>
+                <a:cs typeface="Times New Roman" panose="02020603050405020304" pitchFamily="18" charset="0"/>
+              </a:rPr>
+              <a:t> Exemplo de restrições usadas:</a:t>
+            </a:r>
+          </a:p>
+          <a:p>
+            <a:pPr marL="0" indent="0" algn="just">
               <a:buNone/>
             </a:pPr>
-            <a:r>
-              <a:rPr lang="pt-BR" sz="4400" dirty="0"/>
-              <a:t>	</a:t>
-            </a:r>
-            <a:endParaRPr lang="pt-BR" sz="4400" dirty="0"/>
-          </a:p>
-          <a:p>
-            <a:pPr marL="742950" indent="-742950">
-              <a:buFont typeface="+mj-lt"/>
-              <a:buAutoNum type="arabicPeriod"/>
+            <a:endParaRPr lang="pt-BR" sz="4400" dirty="0">
+              <a:latin typeface="Times New Roman" panose="02020603050405020304" pitchFamily="18" charset="0"/>
+              <a:cs typeface="Times New Roman" panose="02020603050405020304" pitchFamily="18" charset="0"/>
+            </a:endParaRPr>
+          </a:p>
+          <a:p>
+            <a:pPr algn="just">
+              <a:buFont typeface="Wingdings" panose="05000000000000000000" pitchFamily="2" charset="2"/>
+              <a:buChar char="v"/>
             </a:pPr>
-            <a:endParaRPr lang="pt-BR" sz="4400" dirty="0"/>
+            <a:r>
+              <a:rPr lang="pt-BR" sz="4400" dirty="0">
+                <a:latin typeface="Times New Roman" panose="02020603050405020304" pitchFamily="18" charset="0"/>
+                <a:cs typeface="Times New Roman" panose="02020603050405020304" pitchFamily="18" charset="0"/>
+              </a:rPr>
+              <a:t> Disciplinas do Professor “X” não podem ser  em dias seguidos;</a:t>
+            </a:r>
+          </a:p>
+          <a:p>
+            <a:pPr algn="just">
+              <a:buFont typeface="Wingdings" panose="05000000000000000000" pitchFamily="2" charset="2"/>
+              <a:buChar char="v"/>
+            </a:pPr>
+            <a:endParaRPr lang="pt-BR" sz="4400" dirty="0">
+              <a:latin typeface="Times New Roman" panose="02020603050405020304" pitchFamily="18" charset="0"/>
+              <a:cs typeface="Times New Roman" panose="02020603050405020304" pitchFamily="18" charset="0"/>
+            </a:endParaRPr>
+          </a:p>
+          <a:p>
+            <a:pPr algn="just">
+              <a:buFont typeface="Wingdings" panose="05000000000000000000" pitchFamily="2" charset="2"/>
+              <a:buChar char="v"/>
+            </a:pPr>
+            <a:r>
+              <a:rPr lang="pt-BR" sz="4400" dirty="0">
+                <a:latin typeface="Times New Roman" panose="02020603050405020304" pitchFamily="18" charset="0"/>
+                <a:cs typeface="Times New Roman" panose="02020603050405020304" pitchFamily="18" charset="0"/>
+              </a:rPr>
+              <a:t> Não é viável disciplinas de 6 créditos com todas aulas no mesmo dia;</a:t>
+            </a:r>
           </a:p>
         </p:txBody>
       </p:sp>
     </p:spTree>
+    <p:extLst>
+      <p:ext uri="{BB962C8B-B14F-4D97-AF65-F5344CB8AC3E}">
+        <p14:creationId xmlns:p14="http://schemas.microsoft.com/office/powerpoint/2010/main" val="1014980716"/>
+      </p:ext>
+    </p:extLst>
   </p:cSld>
   <p:clrMapOvr>
     <a:masterClrMapping/>
@@ -5077,8 +5488,8 @@
         </p:nvSpPr>
         <p:spPr>
           <a:xfrm>
-            <a:off x="473612" y="506437"/>
-            <a:ext cx="10880188" cy="970671"/>
+            <a:off x="838200" y="506437"/>
+            <a:ext cx="10515600" cy="970671"/>
           </a:xfrm>
           <a:prstGeom prst="rect">
             <a:avLst/>
@@ -5116,14 +5527,8 @@
                 </a:solidFill>
                 <a:latin typeface="+mn-lt"/>
               </a:rPr>
-              <a:t>Seleção dos Indivíduos para o Cross-Over</a:t>
-            </a:r>
-            <a:endParaRPr lang="pt-BR" sz="4800" b="1" dirty="0">
-              <a:solidFill>
-                <a:srgbClr val="049BE6"/>
-              </a:solidFill>
-              <a:latin typeface="+mn-lt"/>
-            </a:endParaRPr>
+              <a:t>Modelagem da função fitness</a:t>
+            </a:r>
           </a:p>
         </p:txBody>
       </p:sp>
@@ -5318,7 +5723,6 @@
               <a:rPr lang="pt-BR" sz="4800" dirty="0"/>
               <a:t>	 </a:t>
             </a:r>
-            <a:endParaRPr lang="pt-BR" sz="4800" dirty="0"/>
           </a:p>
           <a:p>
             <a:pPr marL="742950" indent="-742950">
@@ -5338,14 +5742,20 @@
       </p:sp>
       <p:sp>
         <p:nvSpPr>
-          <p:cNvPr id="4" name="Espaço Reservado para Conteúdo 2"/>
+          <p:cNvPr id="5" name="Espaço Reservado para Conteúdo 2">
+            <a:extLst>
+              <a:ext uri="{FF2B5EF4-FFF2-40B4-BE49-F238E27FC236}">
+                <a16:creationId xmlns:a16="http://schemas.microsoft.com/office/drawing/2014/main" id="{2E922D43-064A-44FD-B52C-AC28F6D7AE5E}"/>
+              </a:ext>
+            </a:extLst>
+          </p:cNvPr>
           <p:cNvSpPr txBox="1"/>
           <p:nvPr/>
         </p:nvSpPr>
         <p:spPr>
           <a:xfrm>
-            <a:off x="473612" y="1882726"/>
-            <a:ext cx="11549575" cy="4712677"/>
+            <a:off x="626012" y="1577926"/>
+            <a:ext cx="11244775" cy="4712677"/>
           </a:xfrm>
           <a:prstGeom prst="rect">
             <a:avLst/>
@@ -5520,25 +5930,82 @@
             </a:lvl9pPr>
           </a:lstStyle>
           <a:p>
-            <a:pPr marL="0" indent="0">
+            <a:pPr algn="just"/>
+            <a:r>
+              <a:rPr lang="pt-BR" sz="4000" dirty="0">
+                <a:latin typeface="Times New Roman" panose="02020603050405020304" pitchFamily="18" charset="0"/>
+                <a:cs typeface="Times New Roman" panose="02020603050405020304" pitchFamily="18" charset="0"/>
+              </a:rPr>
+              <a:t> A função fitness leva em consideração também:</a:t>
+            </a:r>
+          </a:p>
+          <a:p>
+            <a:pPr marL="0" indent="0" algn="just">
               <a:buNone/>
             </a:pPr>
-            <a:r>
-              <a:rPr lang="pt-BR" sz="4400" dirty="0"/>
-              <a:t>	</a:t>
-            </a:r>
-            <a:endParaRPr lang="pt-BR" sz="4400" dirty="0"/>
-          </a:p>
-          <a:p>
-            <a:pPr marL="742950" indent="-742950">
-              <a:buFont typeface="+mj-lt"/>
-              <a:buAutoNum type="arabicPeriod"/>
+            <a:endParaRPr lang="pt-BR" sz="4000" dirty="0">
+              <a:latin typeface="Times New Roman" panose="02020603050405020304" pitchFamily="18" charset="0"/>
+              <a:cs typeface="Times New Roman" panose="02020603050405020304" pitchFamily="18" charset="0"/>
+            </a:endParaRPr>
+          </a:p>
+          <a:p>
+            <a:pPr algn="just">
+              <a:buFont typeface="Wingdings" panose="05000000000000000000" pitchFamily="2" charset="2"/>
+              <a:buChar char="v"/>
             </a:pPr>
-            <a:endParaRPr lang="pt-BR" sz="4400" dirty="0"/>
+            <a:r>
+              <a:rPr lang="pt-BR" sz="4000" dirty="0">
+                <a:latin typeface="Times New Roman" panose="02020603050405020304" pitchFamily="18" charset="0"/>
+                <a:cs typeface="Times New Roman" panose="02020603050405020304" pitchFamily="18" charset="0"/>
+              </a:rPr>
+              <a:t> Preferência de dias de cada professor;</a:t>
+            </a:r>
+          </a:p>
+          <a:p>
+            <a:pPr algn="just">
+              <a:buFont typeface="Wingdings" panose="05000000000000000000" pitchFamily="2" charset="2"/>
+              <a:buChar char="v"/>
+            </a:pPr>
+            <a:endParaRPr lang="pt-BR" sz="4000" dirty="0">
+              <a:latin typeface="Times New Roman" panose="02020603050405020304" pitchFamily="18" charset="0"/>
+              <a:cs typeface="Times New Roman" panose="02020603050405020304" pitchFamily="18" charset="0"/>
+            </a:endParaRPr>
+          </a:p>
+          <a:p>
+            <a:pPr algn="just">
+              <a:buFont typeface="Wingdings" panose="05000000000000000000" pitchFamily="2" charset="2"/>
+              <a:buChar char="v"/>
+            </a:pPr>
+            <a:r>
+              <a:rPr lang="pt-BR" sz="4000" dirty="0">
+                <a:latin typeface="Times New Roman" panose="02020603050405020304" pitchFamily="18" charset="0"/>
+                <a:cs typeface="Times New Roman" panose="02020603050405020304" pitchFamily="18" charset="0"/>
+              </a:rPr>
+              <a:t> Disciplina com 4 créditos no mesmo dia, mas com horário quebrado.</a:t>
+            </a:r>
+            <a:endParaRPr lang="pt-BR" sz="3600" dirty="0">
+              <a:latin typeface="Times New Roman" panose="02020603050405020304" pitchFamily="18" charset="0"/>
+              <a:cs typeface="Times New Roman" panose="02020603050405020304" pitchFamily="18" charset="0"/>
+            </a:endParaRPr>
+          </a:p>
+          <a:p>
+            <a:pPr algn="just">
+              <a:buFont typeface="Wingdings" panose="05000000000000000000" pitchFamily="2" charset="2"/>
+              <a:buChar char="v"/>
+            </a:pPr>
+            <a:endParaRPr lang="pt-BR" sz="4000" dirty="0">
+              <a:latin typeface="Times New Roman" panose="02020603050405020304" pitchFamily="18" charset="0"/>
+              <a:cs typeface="Times New Roman" panose="02020603050405020304" pitchFamily="18" charset="0"/>
+            </a:endParaRPr>
           </a:p>
         </p:txBody>
       </p:sp>
     </p:spTree>
+    <p:extLst>
+      <p:ext uri="{BB962C8B-B14F-4D97-AF65-F5344CB8AC3E}">
+        <p14:creationId xmlns:p14="http://schemas.microsoft.com/office/powerpoint/2010/main" val="3982769836"/>
+      </p:ext>
+    </p:extLst>
   </p:cSld>
   <p:clrMapOvr>
     <a:masterClrMapping/>
@@ -5650,8 +6117,8 @@
         </p:nvSpPr>
         <p:spPr>
           <a:xfrm>
-            <a:off x="473612" y="550541"/>
-            <a:ext cx="10880188" cy="2073697"/>
+            <a:off x="838200" y="506437"/>
+            <a:ext cx="10515600" cy="970671"/>
           </a:xfrm>
           <a:prstGeom prst="rect">
             <a:avLst/>
@@ -5683,20 +6150,14 @@
           <a:p>
             <a:pPr algn="ctr"/>
             <a:r>
-              <a:rPr lang="pt-BR" sz="8800" b="1" dirty="0">
+              <a:rPr lang="pt-BR" sz="5400" b="1" dirty="0">
                 <a:solidFill>
                   <a:srgbClr val="049BE6"/>
                 </a:solidFill>
                 <a:latin typeface="+mn-lt"/>
               </a:rPr>
-              <a:t>Demonstração!</a:t>
-            </a:r>
-            <a:endParaRPr lang="pt-BR" sz="8800" b="1" dirty="0">
-              <a:solidFill>
-                <a:srgbClr val="049BE6"/>
-              </a:solidFill>
-              <a:latin typeface="+mn-lt"/>
-            </a:endParaRPr>
+              <a:t>Avaliar os indivíduos</a:t>
+            </a:r>
           </a:p>
         </p:txBody>
       </p:sp>
@@ -5891,7 +6352,6 @@
               <a:rPr lang="pt-BR" sz="4800" dirty="0"/>
               <a:t>	 </a:t>
             </a:r>
-            <a:endParaRPr lang="pt-BR" sz="4800" dirty="0"/>
           </a:p>
           <a:p>
             <a:pPr marL="742950" indent="-742950">
@@ -6093,14 +6553,2954 @@
             </a:lvl9pPr>
           </a:lstStyle>
           <a:p>
+            <a:r>
+              <a:rPr lang="pt-BR" sz="4400" dirty="0"/>
+              <a:t> Na criação dos indivíduos, todos eles vêm com uma aptidão de 100, e quando eles estão sendo avaliados, há uma penalização.</a:t>
+            </a:r>
+          </a:p>
+        </p:txBody>
+      </p:sp>
+    </p:spTree>
+  </p:cSld>
+  <p:clrMapOvr>
+    <a:masterClrMapping/>
+  </p:clrMapOvr>
+  <p:timing>
+    <p:tnLst>
+      <p:par>
+        <p:cTn id="1" dur="indefinite" restart="never" nodeType="tmRoot">
+          <p:childTnLst>
+            <p:seq concurrent="1" nextAc="seek">
+              <p:cTn id="2" dur="indefinite" nodeType="mainSeq">
+                <p:childTnLst>
+                  <p:par>
+                    <p:cTn id="3" fill="hold">
+                      <p:stCondLst>
+                        <p:cond delay="indefinite"/>
+                      </p:stCondLst>
+                      <p:childTnLst>
+                        <p:par>
+                          <p:cTn id="4" fill="hold">
+                            <p:stCondLst>
+                              <p:cond delay="0"/>
+                            </p:stCondLst>
+                            <p:childTnLst>
+                              <p:par>
+                                <p:cTn id="5" presetID="1" presetClass="entr" presetSubtype="0" fill="hold" nodeType="clickEffect">
+                                  <p:stCondLst>
+                                    <p:cond delay="0"/>
+                                  </p:stCondLst>
+                                  <p:childTnLst>
+                                    <p:set>
+                                      <p:cBhvr>
+                                        <p:cTn id="6" dur="1" fill="hold">
+                                          <p:stCondLst>
+                                            <p:cond delay="0"/>
+                                          </p:stCondLst>
+                                        </p:cTn>
+                                        <p:tgtEl>
+                                          <p:spTgt spid="3">
+                                            <p:txEl>
+                                              <p:pRg st="0" end="0"/>
+                                            </p:txEl>
+                                          </p:spTgt>
+                                        </p:tgtEl>
+                                        <p:attrNameLst>
+                                          <p:attrName>style.visibility</p:attrName>
+                                        </p:attrNameLst>
+                                      </p:cBhvr>
+                                      <p:to>
+                                        <p:strVal val="visible"/>
+                                      </p:to>
+                                    </p:set>
+                                  </p:childTnLst>
+                                </p:cTn>
+                              </p:par>
+                            </p:childTnLst>
+                          </p:cTn>
+                        </p:par>
+                      </p:childTnLst>
+                    </p:cTn>
+                  </p:par>
+                </p:childTnLst>
+              </p:cTn>
+              <p:prevCondLst>
+                <p:cond evt="onPrev" delay="0">
+                  <p:tgtEl>
+                    <p:sldTgt/>
+                  </p:tgtEl>
+                </p:cond>
+              </p:prevCondLst>
+              <p:nextCondLst>
+                <p:cond evt="onNext" delay="0">
+                  <p:tgtEl>
+                    <p:sldTgt/>
+                  </p:tgtEl>
+                </p:cond>
+              </p:nextCondLst>
+            </p:seq>
+          </p:childTnLst>
+        </p:cTn>
+      </p:par>
+    </p:tnLst>
+  </p:timing>
+</p:sld>
+</file>
+
+<file path=ppt/slides/slide15.xml><?xml version="1.0" encoding="utf-8"?>
+<p:sld xmlns:a="http://schemas.openxmlformats.org/drawingml/2006/main" xmlns:r="http://schemas.openxmlformats.org/officeDocument/2006/relationships" xmlns:p="http://schemas.openxmlformats.org/presentationml/2006/main">
+  <p:cSld>
+    <p:spTree>
+      <p:nvGrpSpPr>
+        <p:cNvPr id="1" name=""/>
+        <p:cNvGrpSpPr/>
+        <p:nvPr/>
+      </p:nvGrpSpPr>
+      <p:grpSpPr>
+        <a:xfrm>
+          <a:off x="0" y="0"/>
+          <a:ext cx="0" cy="0"/>
+          <a:chOff x="0" y="0"/>
+          <a:chExt cx="0" cy="0"/>
+        </a:xfrm>
+      </p:grpSpPr>
+      <p:sp>
+        <p:nvSpPr>
+          <p:cNvPr id="2" name="Título 1"/>
+          <p:cNvSpPr txBox="1"/>
+          <p:nvPr/>
+        </p:nvSpPr>
+        <p:spPr>
+          <a:xfrm>
+            <a:off x="473612" y="506437"/>
+            <a:ext cx="10880188" cy="970671"/>
+          </a:xfrm>
+          <a:prstGeom prst="rect">
+            <a:avLst/>
+          </a:prstGeom>
+        </p:spPr>
+        <p:txBody>
+          <a:bodyPr>
+            <a:noAutofit/>
+          </a:bodyPr>
+          <a:lstStyle>
+            <a:lvl1pPr algn="l" defTabSz="914400" rtl="0" eaLnBrk="1" latinLnBrk="0" hangingPunct="1">
+              <a:lnSpc>
+                <a:spcPct val="90000"/>
+              </a:lnSpc>
+              <a:spcBef>
+                <a:spcPct val="0"/>
+              </a:spcBef>
+              <a:buNone/>
+              <a:defRPr sz="4400" kern="1200">
+                <a:solidFill>
+                  <a:schemeClr val="tx1"/>
+                </a:solidFill>
+                <a:latin typeface="+mj-lt"/>
+                <a:ea typeface="+mj-ea"/>
+                <a:cs typeface="+mj-cs"/>
+              </a:defRPr>
+            </a:lvl1pPr>
+          </a:lstStyle>
+          <a:p>
+            <a:pPr algn="ctr"/>
+            <a:r>
+              <a:rPr lang="pt-BR" sz="4800" b="1" dirty="0">
+                <a:solidFill>
+                  <a:srgbClr val="049BE6"/>
+                </a:solidFill>
+                <a:latin typeface="+mn-lt"/>
+              </a:rPr>
+              <a:t>Seleção dos Indivíduos para o Cross-Over</a:t>
+            </a:r>
+          </a:p>
+        </p:txBody>
+      </p:sp>
+      <p:sp>
+        <p:nvSpPr>
+          <p:cNvPr id="3" name="Espaço Reservado para Conteúdo 2"/>
+          <p:cNvSpPr txBox="1"/>
+          <p:nvPr/>
+        </p:nvSpPr>
+        <p:spPr>
+          <a:xfrm>
+            <a:off x="321212" y="1730326"/>
+            <a:ext cx="11549575" cy="4712677"/>
+          </a:xfrm>
+          <a:prstGeom prst="rect">
+            <a:avLst/>
+          </a:prstGeom>
+        </p:spPr>
+        <p:txBody>
+          <a:bodyPr>
+            <a:normAutofit/>
+          </a:bodyPr>
+          <a:lstStyle>
+            <a:lvl1pPr marL="228600" indent="-228600" algn="l" defTabSz="914400" rtl="0" eaLnBrk="1" latinLnBrk="0" hangingPunct="1">
+              <a:lnSpc>
+                <a:spcPct val="90000"/>
+              </a:lnSpc>
+              <a:spcBef>
+                <a:spcPts val="1000"/>
+              </a:spcBef>
+              <a:buFont typeface="Arial" panose="020B0604020202020204" pitchFamily="34" charset="0"/>
+              <a:buChar char="•"/>
+              <a:defRPr sz="2800" kern="1200">
+                <a:solidFill>
+                  <a:schemeClr val="tx1"/>
+                </a:solidFill>
+                <a:latin typeface="+mn-lt"/>
+                <a:ea typeface="+mn-ea"/>
+                <a:cs typeface="+mn-cs"/>
+              </a:defRPr>
+            </a:lvl1pPr>
+            <a:lvl2pPr marL="685800" indent="-228600" algn="l" defTabSz="914400" rtl="0" eaLnBrk="1" latinLnBrk="0" hangingPunct="1">
+              <a:lnSpc>
+                <a:spcPct val="90000"/>
+              </a:lnSpc>
+              <a:spcBef>
+                <a:spcPts val="500"/>
+              </a:spcBef>
+              <a:buFont typeface="Arial" panose="020B0604020202020204" pitchFamily="34" charset="0"/>
+              <a:buChar char="•"/>
+              <a:defRPr sz="2400" kern="1200">
+                <a:solidFill>
+                  <a:schemeClr val="tx1"/>
+                </a:solidFill>
+                <a:latin typeface="+mn-lt"/>
+                <a:ea typeface="+mn-ea"/>
+                <a:cs typeface="+mn-cs"/>
+              </a:defRPr>
+            </a:lvl2pPr>
+            <a:lvl3pPr marL="1143000" indent="-228600" algn="l" defTabSz="914400" rtl="0" eaLnBrk="1" latinLnBrk="0" hangingPunct="1">
+              <a:lnSpc>
+                <a:spcPct val="90000"/>
+              </a:lnSpc>
+              <a:spcBef>
+                <a:spcPts val="500"/>
+              </a:spcBef>
+              <a:buFont typeface="Arial" panose="020B0604020202020204" pitchFamily="34" charset="0"/>
+              <a:buChar char="•"/>
+              <a:defRPr sz="2000" kern="1200">
+                <a:solidFill>
+                  <a:schemeClr val="tx1"/>
+                </a:solidFill>
+                <a:latin typeface="+mn-lt"/>
+                <a:ea typeface="+mn-ea"/>
+                <a:cs typeface="+mn-cs"/>
+              </a:defRPr>
+            </a:lvl3pPr>
+            <a:lvl4pPr marL="1600200" indent="-228600" algn="l" defTabSz="914400" rtl="0" eaLnBrk="1" latinLnBrk="0" hangingPunct="1">
+              <a:lnSpc>
+                <a:spcPct val="90000"/>
+              </a:lnSpc>
+              <a:spcBef>
+                <a:spcPts val="500"/>
+              </a:spcBef>
+              <a:buFont typeface="Arial" panose="020B0604020202020204" pitchFamily="34" charset="0"/>
+              <a:buChar char="•"/>
+              <a:defRPr sz="1800" kern="1200">
+                <a:solidFill>
+                  <a:schemeClr val="tx1"/>
+                </a:solidFill>
+                <a:latin typeface="+mn-lt"/>
+                <a:ea typeface="+mn-ea"/>
+                <a:cs typeface="+mn-cs"/>
+              </a:defRPr>
+            </a:lvl4pPr>
+            <a:lvl5pPr marL="2057400" indent="-228600" algn="l" defTabSz="914400" rtl="0" eaLnBrk="1" latinLnBrk="0" hangingPunct="1">
+              <a:lnSpc>
+                <a:spcPct val="90000"/>
+              </a:lnSpc>
+              <a:spcBef>
+                <a:spcPts val="500"/>
+              </a:spcBef>
+              <a:buFont typeface="Arial" panose="020B0604020202020204" pitchFamily="34" charset="0"/>
+              <a:buChar char="•"/>
+              <a:defRPr sz="1800" kern="1200">
+                <a:solidFill>
+                  <a:schemeClr val="tx1"/>
+                </a:solidFill>
+                <a:latin typeface="+mn-lt"/>
+                <a:ea typeface="+mn-ea"/>
+                <a:cs typeface="+mn-cs"/>
+              </a:defRPr>
+            </a:lvl5pPr>
+            <a:lvl6pPr marL="2514600" indent="-228600" algn="l" defTabSz="914400" rtl="0" eaLnBrk="1" latinLnBrk="0" hangingPunct="1">
+              <a:lnSpc>
+                <a:spcPct val="90000"/>
+              </a:lnSpc>
+              <a:spcBef>
+                <a:spcPts val="500"/>
+              </a:spcBef>
+              <a:buFont typeface="Arial" panose="020B0604020202020204" pitchFamily="34" charset="0"/>
+              <a:buChar char="•"/>
+              <a:defRPr sz="1800" kern="1200">
+                <a:solidFill>
+                  <a:schemeClr val="tx1"/>
+                </a:solidFill>
+                <a:latin typeface="+mn-lt"/>
+                <a:ea typeface="+mn-ea"/>
+                <a:cs typeface="+mn-cs"/>
+              </a:defRPr>
+            </a:lvl6pPr>
+            <a:lvl7pPr marL="2971800" indent="-228600" algn="l" defTabSz="914400" rtl="0" eaLnBrk="1" latinLnBrk="0" hangingPunct="1">
+              <a:lnSpc>
+                <a:spcPct val="90000"/>
+              </a:lnSpc>
+              <a:spcBef>
+                <a:spcPts val="500"/>
+              </a:spcBef>
+              <a:buFont typeface="Arial" panose="020B0604020202020204" pitchFamily="34" charset="0"/>
+              <a:buChar char="•"/>
+              <a:defRPr sz="1800" kern="1200">
+                <a:solidFill>
+                  <a:schemeClr val="tx1"/>
+                </a:solidFill>
+                <a:latin typeface="+mn-lt"/>
+                <a:ea typeface="+mn-ea"/>
+                <a:cs typeface="+mn-cs"/>
+              </a:defRPr>
+            </a:lvl7pPr>
+            <a:lvl8pPr marL="3429000" indent="-228600" algn="l" defTabSz="914400" rtl="0" eaLnBrk="1" latinLnBrk="0" hangingPunct="1">
+              <a:lnSpc>
+                <a:spcPct val="90000"/>
+              </a:lnSpc>
+              <a:spcBef>
+                <a:spcPts val="500"/>
+              </a:spcBef>
+              <a:buFont typeface="Arial" panose="020B0604020202020204" pitchFamily="34" charset="0"/>
+              <a:buChar char="•"/>
+              <a:defRPr sz="1800" kern="1200">
+                <a:solidFill>
+                  <a:schemeClr val="tx1"/>
+                </a:solidFill>
+                <a:latin typeface="+mn-lt"/>
+                <a:ea typeface="+mn-ea"/>
+                <a:cs typeface="+mn-cs"/>
+              </a:defRPr>
+            </a:lvl8pPr>
+            <a:lvl9pPr marL="3886200" indent="-228600" algn="l" defTabSz="914400" rtl="0" eaLnBrk="1" latinLnBrk="0" hangingPunct="1">
+              <a:lnSpc>
+                <a:spcPct val="90000"/>
+              </a:lnSpc>
+              <a:spcBef>
+                <a:spcPts val="500"/>
+              </a:spcBef>
+              <a:buFont typeface="Arial" panose="020B0604020202020204" pitchFamily="34" charset="0"/>
+              <a:buChar char="•"/>
+              <a:defRPr sz="1800" kern="1200">
+                <a:solidFill>
+                  <a:schemeClr val="tx1"/>
+                </a:solidFill>
+                <a:latin typeface="+mn-lt"/>
+                <a:ea typeface="+mn-ea"/>
+                <a:cs typeface="+mn-cs"/>
+              </a:defRPr>
+            </a:lvl9pPr>
+          </a:lstStyle>
+          <a:p>
+            <a:pPr marL="742950" indent="-742950">
+              <a:buFont typeface="+mj-lt"/>
+              <a:buAutoNum type="arabicPeriod"/>
+            </a:pPr>
+            <a:endParaRPr lang="pt-BR" sz="4400" dirty="0"/>
+          </a:p>
+        </p:txBody>
+      </p:sp>
+      <p:sp>
+        <p:nvSpPr>
+          <p:cNvPr id="4" name="Espaço Reservado para Conteúdo 2"/>
+          <p:cNvSpPr txBox="1"/>
+          <p:nvPr/>
+        </p:nvSpPr>
+        <p:spPr>
+          <a:xfrm>
+            <a:off x="473612" y="1882726"/>
+            <a:ext cx="11549575" cy="4712677"/>
+          </a:xfrm>
+          <a:prstGeom prst="rect">
+            <a:avLst/>
+          </a:prstGeom>
+        </p:spPr>
+        <p:txBody>
+          <a:bodyPr>
+            <a:normAutofit/>
+          </a:bodyPr>
+          <a:lstStyle>
+            <a:lvl1pPr marL="228600" indent="-228600" algn="l" defTabSz="914400" rtl="0" eaLnBrk="1" latinLnBrk="0" hangingPunct="1">
+              <a:lnSpc>
+                <a:spcPct val="90000"/>
+              </a:lnSpc>
+              <a:spcBef>
+                <a:spcPts val="1000"/>
+              </a:spcBef>
+              <a:buFont typeface="Arial" panose="020B0604020202020204" pitchFamily="34" charset="0"/>
+              <a:buChar char="•"/>
+              <a:defRPr sz="2800" kern="1200">
+                <a:solidFill>
+                  <a:schemeClr val="tx1"/>
+                </a:solidFill>
+                <a:latin typeface="+mn-lt"/>
+                <a:ea typeface="+mn-ea"/>
+                <a:cs typeface="+mn-cs"/>
+              </a:defRPr>
+            </a:lvl1pPr>
+            <a:lvl2pPr marL="685800" indent="-228600" algn="l" defTabSz="914400" rtl="0" eaLnBrk="1" latinLnBrk="0" hangingPunct="1">
+              <a:lnSpc>
+                <a:spcPct val="90000"/>
+              </a:lnSpc>
+              <a:spcBef>
+                <a:spcPts val="500"/>
+              </a:spcBef>
+              <a:buFont typeface="Arial" panose="020B0604020202020204" pitchFamily="34" charset="0"/>
+              <a:buChar char="•"/>
+              <a:defRPr sz="2400" kern="1200">
+                <a:solidFill>
+                  <a:schemeClr val="tx1"/>
+                </a:solidFill>
+                <a:latin typeface="+mn-lt"/>
+                <a:ea typeface="+mn-ea"/>
+                <a:cs typeface="+mn-cs"/>
+              </a:defRPr>
+            </a:lvl2pPr>
+            <a:lvl3pPr marL="1143000" indent="-228600" algn="l" defTabSz="914400" rtl="0" eaLnBrk="1" latinLnBrk="0" hangingPunct="1">
+              <a:lnSpc>
+                <a:spcPct val="90000"/>
+              </a:lnSpc>
+              <a:spcBef>
+                <a:spcPts val="500"/>
+              </a:spcBef>
+              <a:buFont typeface="Arial" panose="020B0604020202020204" pitchFamily="34" charset="0"/>
+              <a:buChar char="•"/>
+              <a:defRPr sz="2000" kern="1200">
+                <a:solidFill>
+                  <a:schemeClr val="tx1"/>
+                </a:solidFill>
+                <a:latin typeface="+mn-lt"/>
+                <a:ea typeface="+mn-ea"/>
+                <a:cs typeface="+mn-cs"/>
+              </a:defRPr>
+            </a:lvl3pPr>
+            <a:lvl4pPr marL="1600200" indent="-228600" algn="l" defTabSz="914400" rtl="0" eaLnBrk="1" latinLnBrk="0" hangingPunct="1">
+              <a:lnSpc>
+                <a:spcPct val="90000"/>
+              </a:lnSpc>
+              <a:spcBef>
+                <a:spcPts val="500"/>
+              </a:spcBef>
+              <a:buFont typeface="Arial" panose="020B0604020202020204" pitchFamily="34" charset="0"/>
+              <a:buChar char="•"/>
+              <a:defRPr sz="1800" kern="1200">
+                <a:solidFill>
+                  <a:schemeClr val="tx1"/>
+                </a:solidFill>
+                <a:latin typeface="+mn-lt"/>
+                <a:ea typeface="+mn-ea"/>
+                <a:cs typeface="+mn-cs"/>
+              </a:defRPr>
+            </a:lvl4pPr>
+            <a:lvl5pPr marL="2057400" indent="-228600" algn="l" defTabSz="914400" rtl="0" eaLnBrk="1" latinLnBrk="0" hangingPunct="1">
+              <a:lnSpc>
+                <a:spcPct val="90000"/>
+              </a:lnSpc>
+              <a:spcBef>
+                <a:spcPts val="500"/>
+              </a:spcBef>
+              <a:buFont typeface="Arial" panose="020B0604020202020204" pitchFamily="34" charset="0"/>
+              <a:buChar char="•"/>
+              <a:defRPr sz="1800" kern="1200">
+                <a:solidFill>
+                  <a:schemeClr val="tx1"/>
+                </a:solidFill>
+                <a:latin typeface="+mn-lt"/>
+                <a:ea typeface="+mn-ea"/>
+                <a:cs typeface="+mn-cs"/>
+              </a:defRPr>
+            </a:lvl5pPr>
+            <a:lvl6pPr marL="2514600" indent="-228600" algn="l" defTabSz="914400" rtl="0" eaLnBrk="1" latinLnBrk="0" hangingPunct="1">
+              <a:lnSpc>
+                <a:spcPct val="90000"/>
+              </a:lnSpc>
+              <a:spcBef>
+                <a:spcPts val="500"/>
+              </a:spcBef>
+              <a:buFont typeface="Arial" panose="020B0604020202020204" pitchFamily="34" charset="0"/>
+              <a:buChar char="•"/>
+              <a:defRPr sz="1800" kern="1200">
+                <a:solidFill>
+                  <a:schemeClr val="tx1"/>
+                </a:solidFill>
+                <a:latin typeface="+mn-lt"/>
+                <a:ea typeface="+mn-ea"/>
+                <a:cs typeface="+mn-cs"/>
+              </a:defRPr>
+            </a:lvl6pPr>
+            <a:lvl7pPr marL="2971800" indent="-228600" algn="l" defTabSz="914400" rtl="0" eaLnBrk="1" latinLnBrk="0" hangingPunct="1">
+              <a:lnSpc>
+                <a:spcPct val="90000"/>
+              </a:lnSpc>
+              <a:spcBef>
+                <a:spcPts val="500"/>
+              </a:spcBef>
+              <a:buFont typeface="Arial" panose="020B0604020202020204" pitchFamily="34" charset="0"/>
+              <a:buChar char="•"/>
+              <a:defRPr sz="1800" kern="1200">
+                <a:solidFill>
+                  <a:schemeClr val="tx1"/>
+                </a:solidFill>
+                <a:latin typeface="+mn-lt"/>
+                <a:ea typeface="+mn-ea"/>
+                <a:cs typeface="+mn-cs"/>
+              </a:defRPr>
+            </a:lvl7pPr>
+            <a:lvl8pPr marL="3429000" indent="-228600" algn="l" defTabSz="914400" rtl="0" eaLnBrk="1" latinLnBrk="0" hangingPunct="1">
+              <a:lnSpc>
+                <a:spcPct val="90000"/>
+              </a:lnSpc>
+              <a:spcBef>
+                <a:spcPts val="500"/>
+              </a:spcBef>
+              <a:buFont typeface="Arial" panose="020B0604020202020204" pitchFamily="34" charset="0"/>
+              <a:buChar char="•"/>
+              <a:defRPr sz="1800" kern="1200">
+                <a:solidFill>
+                  <a:schemeClr val="tx1"/>
+                </a:solidFill>
+                <a:latin typeface="+mn-lt"/>
+                <a:ea typeface="+mn-ea"/>
+                <a:cs typeface="+mn-cs"/>
+              </a:defRPr>
+            </a:lvl8pPr>
+            <a:lvl9pPr marL="3886200" indent="-228600" algn="l" defTabSz="914400" rtl="0" eaLnBrk="1" latinLnBrk="0" hangingPunct="1">
+              <a:lnSpc>
+                <a:spcPct val="90000"/>
+              </a:lnSpc>
+              <a:spcBef>
+                <a:spcPts val="500"/>
+              </a:spcBef>
+              <a:buFont typeface="Arial" panose="020B0604020202020204" pitchFamily="34" charset="0"/>
+              <a:buChar char="•"/>
+              <a:defRPr sz="1800" kern="1200">
+                <a:solidFill>
+                  <a:schemeClr val="tx1"/>
+                </a:solidFill>
+                <a:latin typeface="+mn-lt"/>
+                <a:ea typeface="+mn-ea"/>
+                <a:cs typeface="+mn-cs"/>
+              </a:defRPr>
+            </a:lvl9pPr>
+          </a:lstStyle>
+          <a:p>
+            <a:pPr algn="just"/>
+            <a:r>
+              <a:rPr lang="pt-BR" sz="4400" dirty="0"/>
+              <a:t> Para gerar uma nova população, se fez necessário ter um elitismo de </a:t>
+            </a:r>
+            <a:r>
+              <a:rPr lang="pt-BR" sz="4400" b="1" dirty="0"/>
+              <a:t>dois </a:t>
+            </a:r>
+            <a:r>
+              <a:rPr lang="pt-BR" sz="4400" dirty="0"/>
+              <a:t>indivíduos, pois esses indivíduos mais aptos que outros, estavam sendo perdidos.</a:t>
+            </a:r>
+          </a:p>
+          <a:p>
+            <a:pPr algn="just"/>
+            <a:endParaRPr lang="pt-BR" sz="4400" b="1" dirty="0"/>
+          </a:p>
+          <a:p>
+            <a:pPr algn="just"/>
+            <a:r>
+              <a:rPr lang="pt-BR" sz="4400" b="1" dirty="0"/>
+              <a:t> </a:t>
+            </a:r>
+            <a:r>
+              <a:rPr lang="pt-BR" sz="4400" dirty="0"/>
+              <a:t>Após o elitismo, fazemos a seleção de forma aleatória para o Cross-Over.</a:t>
+            </a:r>
+            <a:endParaRPr lang="pt-BR" sz="4400" b="1" dirty="0"/>
+          </a:p>
+        </p:txBody>
+      </p:sp>
+    </p:spTree>
+  </p:cSld>
+  <p:clrMapOvr>
+    <a:masterClrMapping/>
+  </p:clrMapOvr>
+</p:sld>
+</file>
+
+<file path=ppt/slides/slide16.xml><?xml version="1.0" encoding="utf-8"?>
+<p:sld xmlns:a="http://schemas.openxmlformats.org/drawingml/2006/main" xmlns:r="http://schemas.openxmlformats.org/officeDocument/2006/relationships" xmlns:p="http://schemas.openxmlformats.org/presentationml/2006/main">
+  <p:cSld>
+    <p:spTree>
+      <p:nvGrpSpPr>
+        <p:cNvPr id="1" name=""/>
+        <p:cNvGrpSpPr/>
+        <p:nvPr/>
+      </p:nvGrpSpPr>
+      <p:grpSpPr>
+        <a:xfrm>
+          <a:off x="0" y="0"/>
+          <a:ext cx="0" cy="0"/>
+          <a:chOff x="0" y="0"/>
+          <a:chExt cx="0" cy="0"/>
+        </a:xfrm>
+      </p:grpSpPr>
+      <p:sp>
+        <p:nvSpPr>
+          <p:cNvPr id="2" name="Título 1"/>
+          <p:cNvSpPr txBox="1"/>
+          <p:nvPr/>
+        </p:nvSpPr>
+        <p:spPr>
+          <a:xfrm>
+            <a:off x="473612" y="506437"/>
+            <a:ext cx="10880188" cy="970671"/>
+          </a:xfrm>
+          <a:prstGeom prst="rect">
+            <a:avLst/>
+          </a:prstGeom>
+        </p:spPr>
+        <p:txBody>
+          <a:bodyPr>
+            <a:noAutofit/>
+          </a:bodyPr>
+          <a:lstStyle>
+            <a:lvl1pPr algn="l" defTabSz="914400" rtl="0" eaLnBrk="1" latinLnBrk="0" hangingPunct="1">
+              <a:lnSpc>
+                <a:spcPct val="90000"/>
+              </a:lnSpc>
+              <a:spcBef>
+                <a:spcPct val="0"/>
+              </a:spcBef>
+              <a:buNone/>
+              <a:defRPr sz="4400" kern="1200">
+                <a:solidFill>
+                  <a:schemeClr val="tx1"/>
+                </a:solidFill>
+                <a:latin typeface="+mj-lt"/>
+                <a:ea typeface="+mj-ea"/>
+                <a:cs typeface="+mj-cs"/>
+              </a:defRPr>
+            </a:lvl1pPr>
+          </a:lstStyle>
+          <a:p>
+            <a:pPr algn="ctr"/>
+            <a:r>
+              <a:rPr lang="pt-BR" sz="4800" b="1" dirty="0">
+                <a:solidFill>
+                  <a:srgbClr val="049BE6"/>
+                </a:solidFill>
+                <a:latin typeface="+mn-lt"/>
+              </a:rPr>
+              <a:t>Seleção dos Indivíduos para o Cross-Over</a:t>
+            </a:r>
+          </a:p>
+        </p:txBody>
+      </p:sp>
+      <p:sp>
+        <p:nvSpPr>
+          <p:cNvPr id="3" name="Espaço Reservado para Conteúdo 2"/>
+          <p:cNvSpPr txBox="1"/>
+          <p:nvPr/>
+        </p:nvSpPr>
+        <p:spPr>
+          <a:xfrm>
+            <a:off x="321212" y="1730326"/>
+            <a:ext cx="11549575" cy="4712677"/>
+          </a:xfrm>
+          <a:prstGeom prst="rect">
+            <a:avLst/>
+          </a:prstGeom>
+        </p:spPr>
+        <p:txBody>
+          <a:bodyPr>
+            <a:normAutofit/>
+          </a:bodyPr>
+          <a:lstStyle>
+            <a:lvl1pPr marL="228600" indent="-228600" algn="l" defTabSz="914400" rtl="0" eaLnBrk="1" latinLnBrk="0" hangingPunct="1">
+              <a:lnSpc>
+                <a:spcPct val="90000"/>
+              </a:lnSpc>
+              <a:spcBef>
+                <a:spcPts val="1000"/>
+              </a:spcBef>
+              <a:buFont typeface="Arial" panose="020B0604020202020204" pitchFamily="34" charset="0"/>
+              <a:buChar char="•"/>
+              <a:defRPr sz="2800" kern="1200">
+                <a:solidFill>
+                  <a:schemeClr val="tx1"/>
+                </a:solidFill>
+                <a:latin typeface="+mn-lt"/>
+                <a:ea typeface="+mn-ea"/>
+                <a:cs typeface="+mn-cs"/>
+              </a:defRPr>
+            </a:lvl1pPr>
+            <a:lvl2pPr marL="685800" indent="-228600" algn="l" defTabSz="914400" rtl="0" eaLnBrk="1" latinLnBrk="0" hangingPunct="1">
+              <a:lnSpc>
+                <a:spcPct val="90000"/>
+              </a:lnSpc>
+              <a:spcBef>
+                <a:spcPts val="500"/>
+              </a:spcBef>
+              <a:buFont typeface="Arial" panose="020B0604020202020204" pitchFamily="34" charset="0"/>
+              <a:buChar char="•"/>
+              <a:defRPr sz="2400" kern="1200">
+                <a:solidFill>
+                  <a:schemeClr val="tx1"/>
+                </a:solidFill>
+                <a:latin typeface="+mn-lt"/>
+                <a:ea typeface="+mn-ea"/>
+                <a:cs typeface="+mn-cs"/>
+              </a:defRPr>
+            </a:lvl2pPr>
+            <a:lvl3pPr marL="1143000" indent="-228600" algn="l" defTabSz="914400" rtl="0" eaLnBrk="1" latinLnBrk="0" hangingPunct="1">
+              <a:lnSpc>
+                <a:spcPct val="90000"/>
+              </a:lnSpc>
+              <a:spcBef>
+                <a:spcPts val="500"/>
+              </a:spcBef>
+              <a:buFont typeface="Arial" panose="020B0604020202020204" pitchFamily="34" charset="0"/>
+              <a:buChar char="•"/>
+              <a:defRPr sz="2000" kern="1200">
+                <a:solidFill>
+                  <a:schemeClr val="tx1"/>
+                </a:solidFill>
+                <a:latin typeface="+mn-lt"/>
+                <a:ea typeface="+mn-ea"/>
+                <a:cs typeface="+mn-cs"/>
+              </a:defRPr>
+            </a:lvl3pPr>
+            <a:lvl4pPr marL="1600200" indent="-228600" algn="l" defTabSz="914400" rtl="0" eaLnBrk="1" latinLnBrk="0" hangingPunct="1">
+              <a:lnSpc>
+                <a:spcPct val="90000"/>
+              </a:lnSpc>
+              <a:spcBef>
+                <a:spcPts val="500"/>
+              </a:spcBef>
+              <a:buFont typeface="Arial" panose="020B0604020202020204" pitchFamily="34" charset="0"/>
+              <a:buChar char="•"/>
+              <a:defRPr sz="1800" kern="1200">
+                <a:solidFill>
+                  <a:schemeClr val="tx1"/>
+                </a:solidFill>
+                <a:latin typeface="+mn-lt"/>
+                <a:ea typeface="+mn-ea"/>
+                <a:cs typeface="+mn-cs"/>
+              </a:defRPr>
+            </a:lvl4pPr>
+            <a:lvl5pPr marL="2057400" indent="-228600" algn="l" defTabSz="914400" rtl="0" eaLnBrk="1" latinLnBrk="0" hangingPunct="1">
+              <a:lnSpc>
+                <a:spcPct val="90000"/>
+              </a:lnSpc>
+              <a:spcBef>
+                <a:spcPts val="500"/>
+              </a:spcBef>
+              <a:buFont typeface="Arial" panose="020B0604020202020204" pitchFamily="34" charset="0"/>
+              <a:buChar char="•"/>
+              <a:defRPr sz="1800" kern="1200">
+                <a:solidFill>
+                  <a:schemeClr val="tx1"/>
+                </a:solidFill>
+                <a:latin typeface="+mn-lt"/>
+                <a:ea typeface="+mn-ea"/>
+                <a:cs typeface="+mn-cs"/>
+              </a:defRPr>
+            </a:lvl5pPr>
+            <a:lvl6pPr marL="2514600" indent="-228600" algn="l" defTabSz="914400" rtl="0" eaLnBrk="1" latinLnBrk="0" hangingPunct="1">
+              <a:lnSpc>
+                <a:spcPct val="90000"/>
+              </a:lnSpc>
+              <a:spcBef>
+                <a:spcPts val="500"/>
+              </a:spcBef>
+              <a:buFont typeface="Arial" panose="020B0604020202020204" pitchFamily="34" charset="0"/>
+              <a:buChar char="•"/>
+              <a:defRPr sz="1800" kern="1200">
+                <a:solidFill>
+                  <a:schemeClr val="tx1"/>
+                </a:solidFill>
+                <a:latin typeface="+mn-lt"/>
+                <a:ea typeface="+mn-ea"/>
+                <a:cs typeface="+mn-cs"/>
+              </a:defRPr>
+            </a:lvl6pPr>
+            <a:lvl7pPr marL="2971800" indent="-228600" algn="l" defTabSz="914400" rtl="0" eaLnBrk="1" latinLnBrk="0" hangingPunct="1">
+              <a:lnSpc>
+                <a:spcPct val="90000"/>
+              </a:lnSpc>
+              <a:spcBef>
+                <a:spcPts val="500"/>
+              </a:spcBef>
+              <a:buFont typeface="Arial" panose="020B0604020202020204" pitchFamily="34" charset="0"/>
+              <a:buChar char="•"/>
+              <a:defRPr sz="1800" kern="1200">
+                <a:solidFill>
+                  <a:schemeClr val="tx1"/>
+                </a:solidFill>
+                <a:latin typeface="+mn-lt"/>
+                <a:ea typeface="+mn-ea"/>
+                <a:cs typeface="+mn-cs"/>
+              </a:defRPr>
+            </a:lvl7pPr>
+            <a:lvl8pPr marL="3429000" indent="-228600" algn="l" defTabSz="914400" rtl="0" eaLnBrk="1" latinLnBrk="0" hangingPunct="1">
+              <a:lnSpc>
+                <a:spcPct val="90000"/>
+              </a:lnSpc>
+              <a:spcBef>
+                <a:spcPts val="500"/>
+              </a:spcBef>
+              <a:buFont typeface="Arial" panose="020B0604020202020204" pitchFamily="34" charset="0"/>
+              <a:buChar char="•"/>
+              <a:defRPr sz="1800" kern="1200">
+                <a:solidFill>
+                  <a:schemeClr val="tx1"/>
+                </a:solidFill>
+                <a:latin typeface="+mn-lt"/>
+                <a:ea typeface="+mn-ea"/>
+                <a:cs typeface="+mn-cs"/>
+              </a:defRPr>
+            </a:lvl8pPr>
+            <a:lvl9pPr marL="3886200" indent="-228600" algn="l" defTabSz="914400" rtl="0" eaLnBrk="1" latinLnBrk="0" hangingPunct="1">
+              <a:lnSpc>
+                <a:spcPct val="90000"/>
+              </a:lnSpc>
+              <a:spcBef>
+                <a:spcPts val="500"/>
+              </a:spcBef>
+              <a:buFont typeface="Arial" panose="020B0604020202020204" pitchFamily="34" charset="0"/>
+              <a:buChar char="•"/>
+              <a:defRPr sz="1800" kern="1200">
+                <a:solidFill>
+                  <a:schemeClr val="tx1"/>
+                </a:solidFill>
+                <a:latin typeface="+mn-lt"/>
+                <a:ea typeface="+mn-ea"/>
+                <a:cs typeface="+mn-cs"/>
+              </a:defRPr>
+            </a:lvl9pPr>
+          </a:lstStyle>
+          <a:p>
+            <a:pPr marL="742950" indent="-742950">
+              <a:buFont typeface="+mj-lt"/>
+              <a:buAutoNum type="arabicPeriod"/>
+            </a:pPr>
+            <a:endParaRPr lang="pt-BR" sz="4400" dirty="0"/>
+          </a:p>
+        </p:txBody>
+      </p:sp>
+      <p:sp>
+        <p:nvSpPr>
+          <p:cNvPr id="4" name="Espaço Reservado para Conteúdo 2"/>
+          <p:cNvSpPr txBox="1"/>
+          <p:nvPr/>
+        </p:nvSpPr>
+        <p:spPr>
+          <a:xfrm>
+            <a:off x="473612" y="1882726"/>
+            <a:ext cx="11549575" cy="4712677"/>
+          </a:xfrm>
+          <a:prstGeom prst="rect">
+            <a:avLst/>
+          </a:prstGeom>
+        </p:spPr>
+        <p:txBody>
+          <a:bodyPr>
+            <a:normAutofit lnSpcReduction="10000"/>
+          </a:bodyPr>
+          <a:lstStyle>
+            <a:lvl1pPr marL="228600" indent="-228600" algn="l" defTabSz="914400" rtl="0" eaLnBrk="1" latinLnBrk="0" hangingPunct="1">
+              <a:lnSpc>
+                <a:spcPct val="90000"/>
+              </a:lnSpc>
+              <a:spcBef>
+                <a:spcPts val="1000"/>
+              </a:spcBef>
+              <a:buFont typeface="Arial" panose="020B0604020202020204" pitchFamily="34" charset="0"/>
+              <a:buChar char="•"/>
+              <a:defRPr sz="2800" kern="1200">
+                <a:solidFill>
+                  <a:schemeClr val="tx1"/>
+                </a:solidFill>
+                <a:latin typeface="+mn-lt"/>
+                <a:ea typeface="+mn-ea"/>
+                <a:cs typeface="+mn-cs"/>
+              </a:defRPr>
+            </a:lvl1pPr>
+            <a:lvl2pPr marL="685800" indent="-228600" algn="l" defTabSz="914400" rtl="0" eaLnBrk="1" latinLnBrk="0" hangingPunct="1">
+              <a:lnSpc>
+                <a:spcPct val="90000"/>
+              </a:lnSpc>
+              <a:spcBef>
+                <a:spcPts val="500"/>
+              </a:spcBef>
+              <a:buFont typeface="Arial" panose="020B0604020202020204" pitchFamily="34" charset="0"/>
+              <a:buChar char="•"/>
+              <a:defRPr sz="2400" kern="1200">
+                <a:solidFill>
+                  <a:schemeClr val="tx1"/>
+                </a:solidFill>
+                <a:latin typeface="+mn-lt"/>
+                <a:ea typeface="+mn-ea"/>
+                <a:cs typeface="+mn-cs"/>
+              </a:defRPr>
+            </a:lvl2pPr>
+            <a:lvl3pPr marL="1143000" indent="-228600" algn="l" defTabSz="914400" rtl="0" eaLnBrk="1" latinLnBrk="0" hangingPunct="1">
+              <a:lnSpc>
+                <a:spcPct val="90000"/>
+              </a:lnSpc>
+              <a:spcBef>
+                <a:spcPts val="500"/>
+              </a:spcBef>
+              <a:buFont typeface="Arial" panose="020B0604020202020204" pitchFamily="34" charset="0"/>
+              <a:buChar char="•"/>
+              <a:defRPr sz="2000" kern="1200">
+                <a:solidFill>
+                  <a:schemeClr val="tx1"/>
+                </a:solidFill>
+                <a:latin typeface="+mn-lt"/>
+                <a:ea typeface="+mn-ea"/>
+                <a:cs typeface="+mn-cs"/>
+              </a:defRPr>
+            </a:lvl3pPr>
+            <a:lvl4pPr marL="1600200" indent="-228600" algn="l" defTabSz="914400" rtl="0" eaLnBrk="1" latinLnBrk="0" hangingPunct="1">
+              <a:lnSpc>
+                <a:spcPct val="90000"/>
+              </a:lnSpc>
+              <a:spcBef>
+                <a:spcPts val="500"/>
+              </a:spcBef>
+              <a:buFont typeface="Arial" panose="020B0604020202020204" pitchFamily="34" charset="0"/>
+              <a:buChar char="•"/>
+              <a:defRPr sz="1800" kern="1200">
+                <a:solidFill>
+                  <a:schemeClr val="tx1"/>
+                </a:solidFill>
+                <a:latin typeface="+mn-lt"/>
+                <a:ea typeface="+mn-ea"/>
+                <a:cs typeface="+mn-cs"/>
+              </a:defRPr>
+            </a:lvl4pPr>
+            <a:lvl5pPr marL="2057400" indent="-228600" algn="l" defTabSz="914400" rtl="0" eaLnBrk="1" latinLnBrk="0" hangingPunct="1">
+              <a:lnSpc>
+                <a:spcPct val="90000"/>
+              </a:lnSpc>
+              <a:spcBef>
+                <a:spcPts val="500"/>
+              </a:spcBef>
+              <a:buFont typeface="Arial" panose="020B0604020202020204" pitchFamily="34" charset="0"/>
+              <a:buChar char="•"/>
+              <a:defRPr sz="1800" kern="1200">
+                <a:solidFill>
+                  <a:schemeClr val="tx1"/>
+                </a:solidFill>
+                <a:latin typeface="+mn-lt"/>
+                <a:ea typeface="+mn-ea"/>
+                <a:cs typeface="+mn-cs"/>
+              </a:defRPr>
+            </a:lvl5pPr>
+            <a:lvl6pPr marL="2514600" indent="-228600" algn="l" defTabSz="914400" rtl="0" eaLnBrk="1" latinLnBrk="0" hangingPunct="1">
+              <a:lnSpc>
+                <a:spcPct val="90000"/>
+              </a:lnSpc>
+              <a:spcBef>
+                <a:spcPts val="500"/>
+              </a:spcBef>
+              <a:buFont typeface="Arial" panose="020B0604020202020204" pitchFamily="34" charset="0"/>
+              <a:buChar char="•"/>
+              <a:defRPr sz="1800" kern="1200">
+                <a:solidFill>
+                  <a:schemeClr val="tx1"/>
+                </a:solidFill>
+                <a:latin typeface="+mn-lt"/>
+                <a:ea typeface="+mn-ea"/>
+                <a:cs typeface="+mn-cs"/>
+              </a:defRPr>
+            </a:lvl6pPr>
+            <a:lvl7pPr marL="2971800" indent="-228600" algn="l" defTabSz="914400" rtl="0" eaLnBrk="1" latinLnBrk="0" hangingPunct="1">
+              <a:lnSpc>
+                <a:spcPct val="90000"/>
+              </a:lnSpc>
+              <a:spcBef>
+                <a:spcPts val="500"/>
+              </a:spcBef>
+              <a:buFont typeface="Arial" panose="020B0604020202020204" pitchFamily="34" charset="0"/>
+              <a:buChar char="•"/>
+              <a:defRPr sz="1800" kern="1200">
+                <a:solidFill>
+                  <a:schemeClr val="tx1"/>
+                </a:solidFill>
+                <a:latin typeface="+mn-lt"/>
+                <a:ea typeface="+mn-ea"/>
+                <a:cs typeface="+mn-cs"/>
+              </a:defRPr>
+            </a:lvl7pPr>
+            <a:lvl8pPr marL="3429000" indent="-228600" algn="l" defTabSz="914400" rtl="0" eaLnBrk="1" latinLnBrk="0" hangingPunct="1">
+              <a:lnSpc>
+                <a:spcPct val="90000"/>
+              </a:lnSpc>
+              <a:spcBef>
+                <a:spcPts val="500"/>
+              </a:spcBef>
+              <a:buFont typeface="Arial" panose="020B0604020202020204" pitchFamily="34" charset="0"/>
+              <a:buChar char="•"/>
+              <a:defRPr sz="1800" kern="1200">
+                <a:solidFill>
+                  <a:schemeClr val="tx1"/>
+                </a:solidFill>
+                <a:latin typeface="+mn-lt"/>
+                <a:ea typeface="+mn-ea"/>
+                <a:cs typeface="+mn-cs"/>
+              </a:defRPr>
+            </a:lvl8pPr>
+            <a:lvl9pPr marL="3886200" indent="-228600" algn="l" defTabSz="914400" rtl="0" eaLnBrk="1" latinLnBrk="0" hangingPunct="1">
+              <a:lnSpc>
+                <a:spcPct val="90000"/>
+              </a:lnSpc>
+              <a:spcBef>
+                <a:spcPts val="500"/>
+              </a:spcBef>
+              <a:buFont typeface="Arial" panose="020B0604020202020204" pitchFamily="34" charset="0"/>
+              <a:buChar char="•"/>
+              <a:defRPr sz="1800" kern="1200">
+                <a:solidFill>
+                  <a:schemeClr val="tx1"/>
+                </a:solidFill>
+                <a:latin typeface="+mn-lt"/>
+                <a:ea typeface="+mn-ea"/>
+                <a:cs typeface="+mn-cs"/>
+              </a:defRPr>
+            </a:lvl9pPr>
+          </a:lstStyle>
+          <a:p>
+            <a:pPr algn="just"/>
+            <a:r>
+              <a:rPr lang="pt-BR" sz="4400" dirty="0"/>
+              <a:t> A forma de seleção que foi utiliza foi, a roleta:</a:t>
+            </a:r>
+          </a:p>
+          <a:p>
+            <a:pPr lvl="1" algn="just"/>
+            <a:r>
+              <a:rPr lang="pt-BR" sz="4000" b="1" dirty="0"/>
+              <a:t> </a:t>
+            </a:r>
+            <a:r>
+              <a:rPr lang="pt-BR" sz="4000" dirty="0"/>
+              <a:t>1 passo: somamos o total da aptidão daquela geração.</a:t>
+            </a:r>
+          </a:p>
+          <a:p>
+            <a:pPr lvl="1" algn="just"/>
+            <a:r>
+              <a:rPr lang="pt-BR" sz="4000" b="1" dirty="0"/>
+              <a:t> </a:t>
+            </a:r>
+            <a:r>
+              <a:rPr lang="pt-BR" sz="4000" dirty="0"/>
+              <a:t>2 passo: obter um número aleatório entre 0 e o total do item anterior.</a:t>
+            </a:r>
+          </a:p>
+          <a:p>
+            <a:pPr lvl="1" algn="just"/>
+            <a:r>
+              <a:rPr lang="pt-BR" sz="4000" b="1" dirty="0"/>
+              <a:t> </a:t>
+            </a:r>
+            <a:r>
+              <a:rPr lang="pt-BR" sz="4000" dirty="0"/>
+              <a:t>3 passo: testar se a aptidão do individuo atual, somado com as dos anteriores, é maior ou igual que o valor aleatório obtido no item anterior.</a:t>
+            </a:r>
+            <a:endParaRPr lang="pt-BR" sz="4000" b="1" dirty="0"/>
+          </a:p>
+        </p:txBody>
+      </p:sp>
+    </p:spTree>
+    <p:extLst>
+      <p:ext uri="{BB962C8B-B14F-4D97-AF65-F5344CB8AC3E}">
+        <p14:creationId xmlns:p14="http://schemas.microsoft.com/office/powerpoint/2010/main" val="1722853732"/>
+      </p:ext>
+    </p:extLst>
+  </p:cSld>
+  <p:clrMapOvr>
+    <a:masterClrMapping/>
+  </p:clrMapOvr>
+</p:sld>
+</file>
+
+<file path=ppt/slides/slide17.xml><?xml version="1.0" encoding="utf-8"?>
+<p:sld xmlns:a="http://schemas.openxmlformats.org/drawingml/2006/main" xmlns:r="http://schemas.openxmlformats.org/officeDocument/2006/relationships" xmlns:p="http://schemas.openxmlformats.org/presentationml/2006/main">
+  <p:cSld>
+    <p:spTree>
+      <p:nvGrpSpPr>
+        <p:cNvPr id="1" name=""/>
+        <p:cNvGrpSpPr/>
+        <p:nvPr/>
+      </p:nvGrpSpPr>
+      <p:grpSpPr>
+        <a:xfrm>
+          <a:off x="0" y="0"/>
+          <a:ext cx="0" cy="0"/>
+          <a:chOff x="0" y="0"/>
+          <a:chExt cx="0" cy="0"/>
+        </a:xfrm>
+      </p:grpSpPr>
+      <p:sp>
+        <p:nvSpPr>
+          <p:cNvPr id="2" name="Título 1"/>
+          <p:cNvSpPr txBox="1"/>
+          <p:nvPr/>
+        </p:nvSpPr>
+        <p:spPr>
+          <a:xfrm>
+            <a:off x="473612" y="506437"/>
+            <a:ext cx="10880188" cy="970671"/>
+          </a:xfrm>
+          <a:prstGeom prst="rect">
+            <a:avLst/>
+          </a:prstGeom>
+        </p:spPr>
+        <p:txBody>
+          <a:bodyPr>
+            <a:noAutofit/>
+          </a:bodyPr>
+          <a:lstStyle>
+            <a:lvl1pPr algn="l" defTabSz="914400" rtl="0" eaLnBrk="1" latinLnBrk="0" hangingPunct="1">
+              <a:lnSpc>
+                <a:spcPct val="90000"/>
+              </a:lnSpc>
+              <a:spcBef>
+                <a:spcPct val="0"/>
+              </a:spcBef>
+              <a:buNone/>
+              <a:defRPr sz="4400" kern="1200">
+                <a:solidFill>
+                  <a:schemeClr val="tx1"/>
+                </a:solidFill>
+                <a:latin typeface="+mj-lt"/>
+                <a:ea typeface="+mj-ea"/>
+                <a:cs typeface="+mj-cs"/>
+              </a:defRPr>
+            </a:lvl1pPr>
+          </a:lstStyle>
+          <a:p>
+            <a:pPr algn="ctr"/>
+            <a:r>
+              <a:rPr lang="pt-BR" sz="4800" b="1" dirty="0">
+                <a:solidFill>
+                  <a:srgbClr val="049BE6"/>
+                </a:solidFill>
+                <a:latin typeface="+mn-lt"/>
+              </a:rPr>
+              <a:t>Seleção dos Indivíduos para o Cross-Over</a:t>
+            </a:r>
+          </a:p>
+        </p:txBody>
+      </p:sp>
+      <p:sp>
+        <p:nvSpPr>
+          <p:cNvPr id="3" name="Espaço Reservado para Conteúdo 2"/>
+          <p:cNvSpPr txBox="1"/>
+          <p:nvPr/>
+        </p:nvSpPr>
+        <p:spPr>
+          <a:xfrm>
+            <a:off x="321212" y="1730326"/>
+            <a:ext cx="11549575" cy="4712677"/>
+          </a:xfrm>
+          <a:prstGeom prst="rect">
+            <a:avLst/>
+          </a:prstGeom>
+        </p:spPr>
+        <p:txBody>
+          <a:bodyPr>
+            <a:normAutofit/>
+          </a:bodyPr>
+          <a:lstStyle>
+            <a:lvl1pPr marL="228600" indent="-228600" algn="l" defTabSz="914400" rtl="0" eaLnBrk="1" latinLnBrk="0" hangingPunct="1">
+              <a:lnSpc>
+                <a:spcPct val="90000"/>
+              </a:lnSpc>
+              <a:spcBef>
+                <a:spcPts val="1000"/>
+              </a:spcBef>
+              <a:buFont typeface="Arial" panose="020B0604020202020204" pitchFamily="34" charset="0"/>
+              <a:buChar char="•"/>
+              <a:defRPr sz="2800" kern="1200">
+                <a:solidFill>
+                  <a:schemeClr val="tx1"/>
+                </a:solidFill>
+                <a:latin typeface="+mn-lt"/>
+                <a:ea typeface="+mn-ea"/>
+                <a:cs typeface="+mn-cs"/>
+              </a:defRPr>
+            </a:lvl1pPr>
+            <a:lvl2pPr marL="685800" indent="-228600" algn="l" defTabSz="914400" rtl="0" eaLnBrk="1" latinLnBrk="0" hangingPunct="1">
+              <a:lnSpc>
+                <a:spcPct val="90000"/>
+              </a:lnSpc>
+              <a:spcBef>
+                <a:spcPts val="500"/>
+              </a:spcBef>
+              <a:buFont typeface="Arial" panose="020B0604020202020204" pitchFamily="34" charset="0"/>
+              <a:buChar char="•"/>
+              <a:defRPr sz="2400" kern="1200">
+                <a:solidFill>
+                  <a:schemeClr val="tx1"/>
+                </a:solidFill>
+                <a:latin typeface="+mn-lt"/>
+                <a:ea typeface="+mn-ea"/>
+                <a:cs typeface="+mn-cs"/>
+              </a:defRPr>
+            </a:lvl2pPr>
+            <a:lvl3pPr marL="1143000" indent="-228600" algn="l" defTabSz="914400" rtl="0" eaLnBrk="1" latinLnBrk="0" hangingPunct="1">
+              <a:lnSpc>
+                <a:spcPct val="90000"/>
+              </a:lnSpc>
+              <a:spcBef>
+                <a:spcPts val="500"/>
+              </a:spcBef>
+              <a:buFont typeface="Arial" panose="020B0604020202020204" pitchFamily="34" charset="0"/>
+              <a:buChar char="•"/>
+              <a:defRPr sz="2000" kern="1200">
+                <a:solidFill>
+                  <a:schemeClr val="tx1"/>
+                </a:solidFill>
+                <a:latin typeface="+mn-lt"/>
+                <a:ea typeface="+mn-ea"/>
+                <a:cs typeface="+mn-cs"/>
+              </a:defRPr>
+            </a:lvl3pPr>
+            <a:lvl4pPr marL="1600200" indent="-228600" algn="l" defTabSz="914400" rtl="0" eaLnBrk="1" latinLnBrk="0" hangingPunct="1">
+              <a:lnSpc>
+                <a:spcPct val="90000"/>
+              </a:lnSpc>
+              <a:spcBef>
+                <a:spcPts val="500"/>
+              </a:spcBef>
+              <a:buFont typeface="Arial" panose="020B0604020202020204" pitchFamily="34" charset="0"/>
+              <a:buChar char="•"/>
+              <a:defRPr sz="1800" kern="1200">
+                <a:solidFill>
+                  <a:schemeClr val="tx1"/>
+                </a:solidFill>
+                <a:latin typeface="+mn-lt"/>
+                <a:ea typeface="+mn-ea"/>
+                <a:cs typeface="+mn-cs"/>
+              </a:defRPr>
+            </a:lvl4pPr>
+            <a:lvl5pPr marL="2057400" indent="-228600" algn="l" defTabSz="914400" rtl="0" eaLnBrk="1" latinLnBrk="0" hangingPunct="1">
+              <a:lnSpc>
+                <a:spcPct val="90000"/>
+              </a:lnSpc>
+              <a:spcBef>
+                <a:spcPts val="500"/>
+              </a:spcBef>
+              <a:buFont typeface="Arial" panose="020B0604020202020204" pitchFamily="34" charset="0"/>
+              <a:buChar char="•"/>
+              <a:defRPr sz="1800" kern="1200">
+                <a:solidFill>
+                  <a:schemeClr val="tx1"/>
+                </a:solidFill>
+                <a:latin typeface="+mn-lt"/>
+                <a:ea typeface="+mn-ea"/>
+                <a:cs typeface="+mn-cs"/>
+              </a:defRPr>
+            </a:lvl5pPr>
+            <a:lvl6pPr marL="2514600" indent="-228600" algn="l" defTabSz="914400" rtl="0" eaLnBrk="1" latinLnBrk="0" hangingPunct="1">
+              <a:lnSpc>
+                <a:spcPct val="90000"/>
+              </a:lnSpc>
+              <a:spcBef>
+                <a:spcPts val="500"/>
+              </a:spcBef>
+              <a:buFont typeface="Arial" panose="020B0604020202020204" pitchFamily="34" charset="0"/>
+              <a:buChar char="•"/>
+              <a:defRPr sz="1800" kern="1200">
+                <a:solidFill>
+                  <a:schemeClr val="tx1"/>
+                </a:solidFill>
+                <a:latin typeface="+mn-lt"/>
+                <a:ea typeface="+mn-ea"/>
+                <a:cs typeface="+mn-cs"/>
+              </a:defRPr>
+            </a:lvl6pPr>
+            <a:lvl7pPr marL="2971800" indent="-228600" algn="l" defTabSz="914400" rtl="0" eaLnBrk="1" latinLnBrk="0" hangingPunct="1">
+              <a:lnSpc>
+                <a:spcPct val="90000"/>
+              </a:lnSpc>
+              <a:spcBef>
+                <a:spcPts val="500"/>
+              </a:spcBef>
+              <a:buFont typeface="Arial" panose="020B0604020202020204" pitchFamily="34" charset="0"/>
+              <a:buChar char="•"/>
+              <a:defRPr sz="1800" kern="1200">
+                <a:solidFill>
+                  <a:schemeClr val="tx1"/>
+                </a:solidFill>
+                <a:latin typeface="+mn-lt"/>
+                <a:ea typeface="+mn-ea"/>
+                <a:cs typeface="+mn-cs"/>
+              </a:defRPr>
+            </a:lvl7pPr>
+            <a:lvl8pPr marL="3429000" indent="-228600" algn="l" defTabSz="914400" rtl="0" eaLnBrk="1" latinLnBrk="0" hangingPunct="1">
+              <a:lnSpc>
+                <a:spcPct val="90000"/>
+              </a:lnSpc>
+              <a:spcBef>
+                <a:spcPts val="500"/>
+              </a:spcBef>
+              <a:buFont typeface="Arial" panose="020B0604020202020204" pitchFamily="34" charset="0"/>
+              <a:buChar char="•"/>
+              <a:defRPr sz="1800" kern="1200">
+                <a:solidFill>
+                  <a:schemeClr val="tx1"/>
+                </a:solidFill>
+                <a:latin typeface="+mn-lt"/>
+                <a:ea typeface="+mn-ea"/>
+                <a:cs typeface="+mn-cs"/>
+              </a:defRPr>
+            </a:lvl8pPr>
+            <a:lvl9pPr marL="3886200" indent="-228600" algn="l" defTabSz="914400" rtl="0" eaLnBrk="1" latinLnBrk="0" hangingPunct="1">
+              <a:lnSpc>
+                <a:spcPct val="90000"/>
+              </a:lnSpc>
+              <a:spcBef>
+                <a:spcPts val="500"/>
+              </a:spcBef>
+              <a:buFont typeface="Arial" panose="020B0604020202020204" pitchFamily="34" charset="0"/>
+              <a:buChar char="•"/>
+              <a:defRPr sz="1800" kern="1200">
+                <a:solidFill>
+                  <a:schemeClr val="tx1"/>
+                </a:solidFill>
+                <a:latin typeface="+mn-lt"/>
+                <a:ea typeface="+mn-ea"/>
+                <a:cs typeface="+mn-cs"/>
+              </a:defRPr>
+            </a:lvl9pPr>
+          </a:lstStyle>
+          <a:p>
+            <a:pPr marL="742950" indent="-742950">
+              <a:buFont typeface="+mj-lt"/>
+              <a:buAutoNum type="arabicPeriod"/>
+            </a:pPr>
+            <a:endParaRPr lang="pt-BR" sz="4400" dirty="0"/>
+          </a:p>
+        </p:txBody>
+      </p:sp>
+      <p:sp>
+        <p:nvSpPr>
+          <p:cNvPr id="4" name="Espaço Reservado para Conteúdo 2"/>
+          <p:cNvSpPr txBox="1"/>
+          <p:nvPr/>
+        </p:nvSpPr>
+        <p:spPr>
+          <a:xfrm>
+            <a:off x="473612" y="1882726"/>
+            <a:ext cx="11549575" cy="4712677"/>
+          </a:xfrm>
+          <a:prstGeom prst="rect">
+            <a:avLst/>
+          </a:prstGeom>
+        </p:spPr>
+        <p:txBody>
+          <a:bodyPr>
+            <a:normAutofit/>
+          </a:bodyPr>
+          <a:lstStyle>
+            <a:lvl1pPr marL="228600" indent="-228600" algn="l" defTabSz="914400" rtl="0" eaLnBrk="1" latinLnBrk="0" hangingPunct="1">
+              <a:lnSpc>
+                <a:spcPct val="90000"/>
+              </a:lnSpc>
+              <a:spcBef>
+                <a:spcPts val="1000"/>
+              </a:spcBef>
+              <a:buFont typeface="Arial" panose="020B0604020202020204" pitchFamily="34" charset="0"/>
+              <a:buChar char="•"/>
+              <a:defRPr sz="2800" kern="1200">
+                <a:solidFill>
+                  <a:schemeClr val="tx1"/>
+                </a:solidFill>
+                <a:latin typeface="+mn-lt"/>
+                <a:ea typeface="+mn-ea"/>
+                <a:cs typeface="+mn-cs"/>
+              </a:defRPr>
+            </a:lvl1pPr>
+            <a:lvl2pPr marL="685800" indent="-228600" algn="l" defTabSz="914400" rtl="0" eaLnBrk="1" latinLnBrk="0" hangingPunct="1">
+              <a:lnSpc>
+                <a:spcPct val="90000"/>
+              </a:lnSpc>
+              <a:spcBef>
+                <a:spcPts val="500"/>
+              </a:spcBef>
+              <a:buFont typeface="Arial" panose="020B0604020202020204" pitchFamily="34" charset="0"/>
+              <a:buChar char="•"/>
+              <a:defRPr sz="2400" kern="1200">
+                <a:solidFill>
+                  <a:schemeClr val="tx1"/>
+                </a:solidFill>
+                <a:latin typeface="+mn-lt"/>
+                <a:ea typeface="+mn-ea"/>
+                <a:cs typeface="+mn-cs"/>
+              </a:defRPr>
+            </a:lvl2pPr>
+            <a:lvl3pPr marL="1143000" indent="-228600" algn="l" defTabSz="914400" rtl="0" eaLnBrk="1" latinLnBrk="0" hangingPunct="1">
+              <a:lnSpc>
+                <a:spcPct val="90000"/>
+              </a:lnSpc>
+              <a:spcBef>
+                <a:spcPts val="500"/>
+              </a:spcBef>
+              <a:buFont typeface="Arial" panose="020B0604020202020204" pitchFamily="34" charset="0"/>
+              <a:buChar char="•"/>
+              <a:defRPr sz="2000" kern="1200">
+                <a:solidFill>
+                  <a:schemeClr val="tx1"/>
+                </a:solidFill>
+                <a:latin typeface="+mn-lt"/>
+                <a:ea typeface="+mn-ea"/>
+                <a:cs typeface="+mn-cs"/>
+              </a:defRPr>
+            </a:lvl3pPr>
+            <a:lvl4pPr marL="1600200" indent="-228600" algn="l" defTabSz="914400" rtl="0" eaLnBrk="1" latinLnBrk="0" hangingPunct="1">
+              <a:lnSpc>
+                <a:spcPct val="90000"/>
+              </a:lnSpc>
+              <a:spcBef>
+                <a:spcPts val="500"/>
+              </a:spcBef>
+              <a:buFont typeface="Arial" panose="020B0604020202020204" pitchFamily="34" charset="0"/>
+              <a:buChar char="•"/>
+              <a:defRPr sz="1800" kern="1200">
+                <a:solidFill>
+                  <a:schemeClr val="tx1"/>
+                </a:solidFill>
+                <a:latin typeface="+mn-lt"/>
+                <a:ea typeface="+mn-ea"/>
+                <a:cs typeface="+mn-cs"/>
+              </a:defRPr>
+            </a:lvl4pPr>
+            <a:lvl5pPr marL="2057400" indent="-228600" algn="l" defTabSz="914400" rtl="0" eaLnBrk="1" latinLnBrk="0" hangingPunct="1">
+              <a:lnSpc>
+                <a:spcPct val="90000"/>
+              </a:lnSpc>
+              <a:spcBef>
+                <a:spcPts val="500"/>
+              </a:spcBef>
+              <a:buFont typeface="Arial" panose="020B0604020202020204" pitchFamily="34" charset="0"/>
+              <a:buChar char="•"/>
+              <a:defRPr sz="1800" kern="1200">
+                <a:solidFill>
+                  <a:schemeClr val="tx1"/>
+                </a:solidFill>
+                <a:latin typeface="+mn-lt"/>
+                <a:ea typeface="+mn-ea"/>
+                <a:cs typeface="+mn-cs"/>
+              </a:defRPr>
+            </a:lvl5pPr>
+            <a:lvl6pPr marL="2514600" indent="-228600" algn="l" defTabSz="914400" rtl="0" eaLnBrk="1" latinLnBrk="0" hangingPunct="1">
+              <a:lnSpc>
+                <a:spcPct val="90000"/>
+              </a:lnSpc>
+              <a:spcBef>
+                <a:spcPts val="500"/>
+              </a:spcBef>
+              <a:buFont typeface="Arial" panose="020B0604020202020204" pitchFamily="34" charset="0"/>
+              <a:buChar char="•"/>
+              <a:defRPr sz="1800" kern="1200">
+                <a:solidFill>
+                  <a:schemeClr val="tx1"/>
+                </a:solidFill>
+                <a:latin typeface="+mn-lt"/>
+                <a:ea typeface="+mn-ea"/>
+                <a:cs typeface="+mn-cs"/>
+              </a:defRPr>
+            </a:lvl6pPr>
+            <a:lvl7pPr marL="2971800" indent="-228600" algn="l" defTabSz="914400" rtl="0" eaLnBrk="1" latinLnBrk="0" hangingPunct="1">
+              <a:lnSpc>
+                <a:spcPct val="90000"/>
+              </a:lnSpc>
+              <a:spcBef>
+                <a:spcPts val="500"/>
+              </a:spcBef>
+              <a:buFont typeface="Arial" panose="020B0604020202020204" pitchFamily="34" charset="0"/>
+              <a:buChar char="•"/>
+              <a:defRPr sz="1800" kern="1200">
+                <a:solidFill>
+                  <a:schemeClr val="tx1"/>
+                </a:solidFill>
+                <a:latin typeface="+mn-lt"/>
+                <a:ea typeface="+mn-ea"/>
+                <a:cs typeface="+mn-cs"/>
+              </a:defRPr>
+            </a:lvl7pPr>
+            <a:lvl8pPr marL="3429000" indent="-228600" algn="l" defTabSz="914400" rtl="0" eaLnBrk="1" latinLnBrk="0" hangingPunct="1">
+              <a:lnSpc>
+                <a:spcPct val="90000"/>
+              </a:lnSpc>
+              <a:spcBef>
+                <a:spcPts val="500"/>
+              </a:spcBef>
+              <a:buFont typeface="Arial" panose="020B0604020202020204" pitchFamily="34" charset="0"/>
+              <a:buChar char="•"/>
+              <a:defRPr sz="1800" kern="1200">
+                <a:solidFill>
+                  <a:schemeClr val="tx1"/>
+                </a:solidFill>
+                <a:latin typeface="+mn-lt"/>
+                <a:ea typeface="+mn-ea"/>
+                <a:cs typeface="+mn-cs"/>
+              </a:defRPr>
+            </a:lvl8pPr>
+            <a:lvl9pPr marL="3886200" indent="-228600" algn="l" defTabSz="914400" rtl="0" eaLnBrk="1" latinLnBrk="0" hangingPunct="1">
+              <a:lnSpc>
+                <a:spcPct val="90000"/>
+              </a:lnSpc>
+              <a:spcBef>
+                <a:spcPts val="500"/>
+              </a:spcBef>
+              <a:buFont typeface="Arial" panose="020B0604020202020204" pitchFamily="34" charset="0"/>
+              <a:buChar char="•"/>
+              <a:defRPr sz="1800" kern="1200">
+                <a:solidFill>
+                  <a:schemeClr val="tx1"/>
+                </a:solidFill>
+                <a:latin typeface="+mn-lt"/>
+                <a:ea typeface="+mn-ea"/>
+                <a:cs typeface="+mn-cs"/>
+              </a:defRPr>
+            </a:lvl9pPr>
+          </a:lstStyle>
+          <a:p>
+            <a:pPr algn="just"/>
+            <a:r>
+              <a:rPr lang="pt-BR" sz="4400" dirty="0"/>
+              <a:t> Por fim, o Cross-Over é feito da seguinte forma:</a:t>
+            </a:r>
+          </a:p>
+          <a:p>
+            <a:pPr lvl="1" algn="just"/>
+            <a:r>
+              <a:rPr lang="pt-BR" sz="4000" dirty="0"/>
+              <a:t> Exemplo: </a:t>
+            </a:r>
+            <a:endParaRPr lang="pt-BR" sz="4000" b="1" dirty="0"/>
+          </a:p>
+        </p:txBody>
+      </p:sp>
+      <p:pic>
+        <p:nvPicPr>
+          <p:cNvPr id="6" name="Imagem 5">
+            <a:extLst>
+              <a:ext uri="{FF2B5EF4-FFF2-40B4-BE49-F238E27FC236}">
+                <a16:creationId xmlns:a16="http://schemas.microsoft.com/office/drawing/2014/main" id="{DCD5A38B-4E83-4CED-9F59-9A2ED0955598}"/>
+              </a:ext>
+            </a:extLst>
+          </p:cNvPr>
+          <p:cNvPicPr>
+            <a:picLocks noChangeAspect="1"/>
+          </p:cNvPicPr>
+          <p:nvPr/>
+        </p:nvPicPr>
+        <p:blipFill>
+          <a:blip r:embed="rId2">
+            <a:extLst>
+              <a:ext uri="{28A0092B-C50C-407E-A947-70E740481C1C}">
+                <a14:useLocalDpi xmlns:a14="http://schemas.microsoft.com/office/drawing/2010/main" val="0"/>
+              </a:ext>
+            </a:extLst>
+          </a:blip>
+          <a:stretch>
+            <a:fillRect/>
+          </a:stretch>
+        </p:blipFill>
+        <p:spPr>
+          <a:xfrm>
+            <a:off x="6248399" y="2810885"/>
+            <a:ext cx="3230452" cy="1760039"/>
+          </a:xfrm>
+          <a:prstGeom prst="rect">
+            <a:avLst/>
+          </a:prstGeom>
+        </p:spPr>
+      </p:pic>
+      <p:pic>
+        <p:nvPicPr>
+          <p:cNvPr id="8" name="Imagem 7">
+            <a:extLst>
+              <a:ext uri="{FF2B5EF4-FFF2-40B4-BE49-F238E27FC236}">
+                <a16:creationId xmlns:a16="http://schemas.microsoft.com/office/drawing/2014/main" id="{11BD8856-CF52-4D10-B920-B284D23969F4}"/>
+              </a:ext>
+            </a:extLst>
+          </p:cNvPr>
+          <p:cNvPicPr>
+            <a:picLocks noChangeAspect="1"/>
+          </p:cNvPicPr>
+          <p:nvPr/>
+        </p:nvPicPr>
+        <p:blipFill>
+          <a:blip r:embed="rId3">
+            <a:extLst>
+              <a:ext uri="{28A0092B-C50C-407E-A947-70E740481C1C}">
+                <a14:useLocalDpi xmlns:a14="http://schemas.microsoft.com/office/drawing/2010/main" val="0"/>
+              </a:ext>
+            </a:extLst>
+          </a:blip>
+          <a:stretch>
+            <a:fillRect/>
+          </a:stretch>
+        </p:blipFill>
+        <p:spPr>
+          <a:xfrm>
+            <a:off x="6248399" y="4841599"/>
+            <a:ext cx="3230452" cy="1760039"/>
+          </a:xfrm>
+          <a:prstGeom prst="rect">
+            <a:avLst/>
+          </a:prstGeom>
+        </p:spPr>
+      </p:pic>
+      <p:pic>
+        <p:nvPicPr>
+          <p:cNvPr id="10" name="Imagem 9">
+            <a:extLst>
+              <a:ext uri="{FF2B5EF4-FFF2-40B4-BE49-F238E27FC236}">
+                <a16:creationId xmlns:a16="http://schemas.microsoft.com/office/drawing/2014/main" id="{A3E54C0B-C461-406D-BE07-8FFAE7D43E6B}"/>
+              </a:ext>
+            </a:extLst>
+          </p:cNvPr>
+          <p:cNvPicPr>
+            <a:picLocks noChangeAspect="1"/>
+          </p:cNvPicPr>
+          <p:nvPr/>
+        </p:nvPicPr>
+        <p:blipFill>
+          <a:blip r:embed="rId4">
+            <a:extLst>
+              <a:ext uri="{28A0092B-C50C-407E-A947-70E740481C1C}">
+                <a14:useLocalDpi xmlns:a14="http://schemas.microsoft.com/office/drawing/2010/main" val="0"/>
+              </a:ext>
+            </a:extLst>
+          </a:blip>
+          <a:stretch>
+            <a:fillRect/>
+          </a:stretch>
+        </p:blipFill>
+        <p:spPr>
+          <a:xfrm>
+            <a:off x="1067898" y="3206121"/>
+            <a:ext cx="3001826" cy="1635478"/>
+          </a:xfrm>
+          <a:prstGeom prst="rect">
+            <a:avLst/>
+          </a:prstGeom>
+        </p:spPr>
+      </p:pic>
+      <p:pic>
+        <p:nvPicPr>
+          <p:cNvPr id="12" name="Imagem 11">
+            <a:extLst>
+              <a:ext uri="{FF2B5EF4-FFF2-40B4-BE49-F238E27FC236}">
+                <a16:creationId xmlns:a16="http://schemas.microsoft.com/office/drawing/2014/main" id="{227F3E29-45C6-4318-A7FC-C56D8AD7C94D}"/>
+              </a:ext>
+            </a:extLst>
+          </p:cNvPr>
+          <p:cNvPicPr>
+            <a:picLocks noChangeAspect="1"/>
+          </p:cNvPicPr>
+          <p:nvPr/>
+        </p:nvPicPr>
+        <p:blipFill>
+          <a:blip r:embed="rId5">
+            <a:extLst>
+              <a:ext uri="{28A0092B-C50C-407E-A947-70E740481C1C}">
+                <a14:useLocalDpi xmlns:a14="http://schemas.microsoft.com/office/drawing/2010/main" val="0"/>
+              </a:ext>
+            </a:extLst>
+          </a:blip>
+          <a:stretch>
+            <a:fillRect/>
+          </a:stretch>
+        </p:blipFill>
+        <p:spPr>
+          <a:xfrm>
+            <a:off x="1067898" y="5097486"/>
+            <a:ext cx="3001826" cy="1635478"/>
+          </a:xfrm>
+          <a:prstGeom prst="rect">
+            <a:avLst/>
+          </a:prstGeom>
+        </p:spPr>
+      </p:pic>
+      <p:cxnSp>
+        <p:nvCxnSpPr>
+          <p:cNvPr id="14" name="Conector de Seta Reta 13">
+            <a:extLst>
+              <a:ext uri="{FF2B5EF4-FFF2-40B4-BE49-F238E27FC236}">
+                <a16:creationId xmlns:a16="http://schemas.microsoft.com/office/drawing/2014/main" id="{35B58BAC-702C-454D-9A01-AC131A22AC01}"/>
+              </a:ext>
+            </a:extLst>
+          </p:cNvPr>
+          <p:cNvCxnSpPr>
+            <a:cxnSpLocks/>
+          </p:cNvCxnSpPr>
+          <p:nvPr/>
+        </p:nvCxnSpPr>
+        <p:spPr>
+          <a:xfrm flipV="1">
+            <a:off x="4288665" y="2942823"/>
+            <a:ext cx="1807335" cy="486177"/>
+          </a:xfrm>
+          <a:prstGeom prst="straightConnector1">
+            <a:avLst/>
+          </a:prstGeom>
+          <a:ln>
+            <a:tailEnd type="triangle"/>
+          </a:ln>
+        </p:spPr>
+        <p:style>
+          <a:lnRef idx="1">
+            <a:schemeClr val="accent1"/>
+          </a:lnRef>
+          <a:fillRef idx="0">
+            <a:schemeClr val="accent1"/>
+          </a:fillRef>
+          <a:effectRef idx="0">
+            <a:schemeClr val="accent1"/>
+          </a:effectRef>
+          <a:fontRef idx="minor">
+            <a:schemeClr val="tx1"/>
+          </a:fontRef>
+        </p:style>
+      </p:cxnSp>
+      <p:cxnSp>
+        <p:nvCxnSpPr>
+          <p:cNvPr id="16" name="Conector de Seta Reta 15">
+            <a:extLst>
+              <a:ext uri="{FF2B5EF4-FFF2-40B4-BE49-F238E27FC236}">
+                <a16:creationId xmlns:a16="http://schemas.microsoft.com/office/drawing/2014/main" id="{664391E7-9704-4DAA-B980-226EEB089846}"/>
+              </a:ext>
+            </a:extLst>
+          </p:cNvPr>
+          <p:cNvCxnSpPr>
+            <a:cxnSpLocks/>
+          </p:cNvCxnSpPr>
+          <p:nvPr/>
+        </p:nvCxnSpPr>
+        <p:spPr>
+          <a:xfrm flipV="1">
+            <a:off x="4288665" y="3915178"/>
+            <a:ext cx="1654937" cy="412123"/>
+          </a:xfrm>
+          <a:prstGeom prst="straightConnector1">
+            <a:avLst/>
+          </a:prstGeom>
+          <a:ln>
+            <a:tailEnd type="triangle"/>
+          </a:ln>
+        </p:spPr>
+        <p:style>
+          <a:lnRef idx="1">
+            <a:schemeClr val="accent1"/>
+          </a:lnRef>
+          <a:fillRef idx="0">
+            <a:schemeClr val="accent1"/>
+          </a:fillRef>
+          <a:effectRef idx="0">
+            <a:schemeClr val="accent1"/>
+          </a:effectRef>
+          <a:fontRef idx="minor">
+            <a:schemeClr val="tx1"/>
+          </a:fontRef>
+        </p:style>
+      </p:cxnSp>
+      <p:cxnSp>
+        <p:nvCxnSpPr>
+          <p:cNvPr id="21" name="Conector de Seta Reta 20">
+            <a:extLst>
+              <a:ext uri="{FF2B5EF4-FFF2-40B4-BE49-F238E27FC236}">
+                <a16:creationId xmlns:a16="http://schemas.microsoft.com/office/drawing/2014/main" id="{20679384-3E24-43C7-9A72-FB0FEB3B89D5}"/>
+              </a:ext>
+            </a:extLst>
+          </p:cNvPr>
+          <p:cNvCxnSpPr/>
+          <p:nvPr/>
+        </p:nvCxnSpPr>
+        <p:spPr>
+          <a:xfrm flipV="1">
+            <a:off x="4172755" y="3429000"/>
+            <a:ext cx="1923245" cy="2289220"/>
+          </a:xfrm>
+          <a:prstGeom prst="straightConnector1">
+            <a:avLst/>
+          </a:prstGeom>
+          <a:ln>
+            <a:tailEnd type="triangle"/>
+          </a:ln>
+        </p:spPr>
+        <p:style>
+          <a:lnRef idx="1">
+            <a:schemeClr val="accent1"/>
+          </a:lnRef>
+          <a:fillRef idx="0">
+            <a:schemeClr val="accent1"/>
+          </a:fillRef>
+          <a:effectRef idx="0">
+            <a:schemeClr val="accent1"/>
+          </a:effectRef>
+          <a:fontRef idx="minor">
+            <a:schemeClr val="tx1"/>
+          </a:fontRef>
+        </p:style>
+      </p:cxnSp>
+      <p:cxnSp>
+        <p:nvCxnSpPr>
+          <p:cNvPr id="23" name="Conector de Seta Reta 22">
+            <a:extLst>
+              <a:ext uri="{FF2B5EF4-FFF2-40B4-BE49-F238E27FC236}">
+                <a16:creationId xmlns:a16="http://schemas.microsoft.com/office/drawing/2014/main" id="{7ED85F3F-6B4D-4247-B33D-209E493CD2D0}"/>
+              </a:ext>
+            </a:extLst>
+          </p:cNvPr>
+          <p:cNvCxnSpPr/>
+          <p:nvPr/>
+        </p:nvCxnSpPr>
+        <p:spPr>
+          <a:xfrm flipV="1">
+            <a:off x="4159876" y="4327301"/>
+            <a:ext cx="1936124" cy="2268102"/>
+          </a:xfrm>
+          <a:prstGeom prst="straightConnector1">
+            <a:avLst/>
+          </a:prstGeom>
+          <a:ln>
+            <a:tailEnd type="triangle"/>
+          </a:ln>
+        </p:spPr>
+        <p:style>
+          <a:lnRef idx="1">
+            <a:schemeClr val="accent1"/>
+          </a:lnRef>
+          <a:fillRef idx="0">
+            <a:schemeClr val="accent1"/>
+          </a:fillRef>
+          <a:effectRef idx="0">
+            <a:schemeClr val="accent1"/>
+          </a:effectRef>
+          <a:fontRef idx="minor">
+            <a:schemeClr val="tx1"/>
+          </a:fontRef>
+        </p:style>
+      </p:cxnSp>
+      <p:cxnSp>
+        <p:nvCxnSpPr>
+          <p:cNvPr id="25" name="Conector de Seta Reta 24">
+            <a:extLst>
+              <a:ext uri="{FF2B5EF4-FFF2-40B4-BE49-F238E27FC236}">
+                <a16:creationId xmlns:a16="http://schemas.microsoft.com/office/drawing/2014/main" id="{91C0CA7F-B1D3-43A7-B446-64C39C86C4C1}"/>
+              </a:ext>
+            </a:extLst>
+          </p:cNvPr>
+          <p:cNvCxnSpPr/>
+          <p:nvPr/>
+        </p:nvCxnSpPr>
+        <p:spPr>
+          <a:xfrm>
+            <a:off x="4172755" y="3825025"/>
+            <a:ext cx="1923245" cy="1584102"/>
+          </a:xfrm>
+          <a:prstGeom prst="straightConnector1">
+            <a:avLst/>
+          </a:prstGeom>
+          <a:ln>
+            <a:tailEnd type="triangle"/>
+          </a:ln>
+        </p:spPr>
+        <p:style>
+          <a:lnRef idx="1">
+            <a:schemeClr val="accent1"/>
+          </a:lnRef>
+          <a:fillRef idx="0">
+            <a:schemeClr val="accent1"/>
+          </a:fillRef>
+          <a:effectRef idx="0">
+            <a:schemeClr val="accent1"/>
+          </a:effectRef>
+          <a:fontRef idx="minor">
+            <a:schemeClr val="tx1"/>
+          </a:fontRef>
+        </p:style>
+      </p:cxnSp>
+      <p:cxnSp>
+        <p:nvCxnSpPr>
+          <p:cNvPr id="27" name="Conector de Seta Reta 26">
+            <a:extLst>
+              <a:ext uri="{FF2B5EF4-FFF2-40B4-BE49-F238E27FC236}">
+                <a16:creationId xmlns:a16="http://schemas.microsoft.com/office/drawing/2014/main" id="{30DE45DF-0BE3-4A63-B206-1FA61E286DA6}"/>
+              </a:ext>
+            </a:extLst>
+          </p:cNvPr>
+          <p:cNvCxnSpPr/>
+          <p:nvPr/>
+        </p:nvCxnSpPr>
+        <p:spPr>
+          <a:xfrm>
+            <a:off x="4159876" y="4687910"/>
+            <a:ext cx="2088523" cy="1755093"/>
+          </a:xfrm>
+          <a:prstGeom prst="straightConnector1">
+            <a:avLst/>
+          </a:prstGeom>
+          <a:ln>
+            <a:tailEnd type="triangle"/>
+          </a:ln>
+        </p:spPr>
+        <p:style>
+          <a:lnRef idx="1">
+            <a:schemeClr val="accent1"/>
+          </a:lnRef>
+          <a:fillRef idx="0">
+            <a:schemeClr val="accent1"/>
+          </a:fillRef>
+          <a:effectRef idx="0">
+            <a:schemeClr val="accent1"/>
+          </a:effectRef>
+          <a:fontRef idx="minor">
+            <a:schemeClr val="tx1"/>
+          </a:fontRef>
+        </p:style>
+      </p:cxnSp>
+      <p:cxnSp>
+        <p:nvCxnSpPr>
+          <p:cNvPr id="29" name="Conector de Seta Reta 28">
+            <a:extLst>
+              <a:ext uri="{FF2B5EF4-FFF2-40B4-BE49-F238E27FC236}">
+                <a16:creationId xmlns:a16="http://schemas.microsoft.com/office/drawing/2014/main" id="{87DC7B87-213D-4C90-8AB1-C822E5ACFF87}"/>
+              </a:ext>
+            </a:extLst>
+          </p:cNvPr>
+          <p:cNvCxnSpPr/>
+          <p:nvPr/>
+        </p:nvCxnSpPr>
+        <p:spPr>
+          <a:xfrm flipV="1">
+            <a:off x="4159876" y="4971245"/>
+            <a:ext cx="1936124" cy="270456"/>
+          </a:xfrm>
+          <a:prstGeom prst="straightConnector1">
+            <a:avLst/>
+          </a:prstGeom>
+          <a:ln>
+            <a:tailEnd type="triangle"/>
+          </a:ln>
+        </p:spPr>
+        <p:style>
+          <a:lnRef idx="1">
+            <a:schemeClr val="accent1"/>
+          </a:lnRef>
+          <a:fillRef idx="0">
+            <a:schemeClr val="accent1"/>
+          </a:fillRef>
+          <a:effectRef idx="0">
+            <a:schemeClr val="accent1"/>
+          </a:effectRef>
+          <a:fontRef idx="minor">
+            <a:schemeClr val="tx1"/>
+          </a:fontRef>
+        </p:style>
+      </p:cxnSp>
+      <p:cxnSp>
+        <p:nvCxnSpPr>
+          <p:cNvPr id="31" name="Conector de Seta Reta 30">
+            <a:extLst>
+              <a:ext uri="{FF2B5EF4-FFF2-40B4-BE49-F238E27FC236}">
+                <a16:creationId xmlns:a16="http://schemas.microsoft.com/office/drawing/2014/main" id="{1E8A3474-9D4D-4DD4-920F-87BE83932B8F}"/>
+              </a:ext>
+            </a:extLst>
+          </p:cNvPr>
+          <p:cNvCxnSpPr/>
+          <p:nvPr/>
+        </p:nvCxnSpPr>
+        <p:spPr>
+          <a:xfrm flipV="1">
+            <a:off x="4159876" y="5898524"/>
+            <a:ext cx="1936124" cy="244699"/>
+          </a:xfrm>
+          <a:prstGeom prst="straightConnector1">
+            <a:avLst/>
+          </a:prstGeom>
+          <a:ln>
+            <a:tailEnd type="triangle"/>
+          </a:ln>
+        </p:spPr>
+        <p:style>
+          <a:lnRef idx="1">
+            <a:schemeClr val="accent1"/>
+          </a:lnRef>
+          <a:fillRef idx="0">
+            <a:schemeClr val="accent1"/>
+          </a:fillRef>
+          <a:effectRef idx="0">
+            <a:schemeClr val="accent1"/>
+          </a:effectRef>
+          <a:fontRef idx="minor">
+            <a:schemeClr val="tx1"/>
+          </a:fontRef>
+        </p:style>
+      </p:cxnSp>
+    </p:spTree>
+    <p:extLst>
+      <p:ext uri="{BB962C8B-B14F-4D97-AF65-F5344CB8AC3E}">
+        <p14:creationId xmlns:p14="http://schemas.microsoft.com/office/powerpoint/2010/main" val="1987510146"/>
+      </p:ext>
+    </p:extLst>
+  </p:cSld>
+  <p:clrMapOvr>
+    <a:masterClrMapping/>
+  </p:clrMapOvr>
+</p:sld>
+</file>
+
+<file path=ppt/slides/slide18.xml><?xml version="1.0" encoding="utf-8"?>
+<p:sld xmlns:a="http://schemas.openxmlformats.org/drawingml/2006/main" xmlns:r="http://schemas.openxmlformats.org/officeDocument/2006/relationships" xmlns:p="http://schemas.openxmlformats.org/presentationml/2006/main">
+  <p:cSld>
+    <p:spTree>
+      <p:nvGrpSpPr>
+        <p:cNvPr id="1" name=""/>
+        <p:cNvGrpSpPr/>
+        <p:nvPr/>
+      </p:nvGrpSpPr>
+      <p:grpSpPr>
+        <a:xfrm>
+          <a:off x="0" y="0"/>
+          <a:ext cx="0" cy="0"/>
+          <a:chOff x="0" y="0"/>
+          <a:chExt cx="0" cy="0"/>
+        </a:xfrm>
+      </p:grpSpPr>
+      <p:sp>
+        <p:nvSpPr>
+          <p:cNvPr id="2" name="Título 1"/>
+          <p:cNvSpPr txBox="1"/>
+          <p:nvPr/>
+        </p:nvSpPr>
+        <p:spPr>
+          <a:xfrm>
+            <a:off x="473612" y="506437"/>
+            <a:ext cx="10880188" cy="970671"/>
+          </a:xfrm>
+          <a:prstGeom prst="rect">
+            <a:avLst/>
+          </a:prstGeom>
+        </p:spPr>
+        <p:txBody>
+          <a:bodyPr>
+            <a:noAutofit/>
+          </a:bodyPr>
+          <a:lstStyle>
+            <a:lvl1pPr algn="l" defTabSz="914400" rtl="0" eaLnBrk="1" latinLnBrk="0" hangingPunct="1">
+              <a:lnSpc>
+                <a:spcPct val="90000"/>
+              </a:lnSpc>
+              <a:spcBef>
+                <a:spcPct val="0"/>
+              </a:spcBef>
+              <a:buNone/>
+              <a:defRPr sz="4400" kern="1200">
+                <a:solidFill>
+                  <a:schemeClr val="tx1"/>
+                </a:solidFill>
+                <a:latin typeface="+mj-lt"/>
+                <a:ea typeface="+mj-ea"/>
+                <a:cs typeface="+mj-cs"/>
+              </a:defRPr>
+            </a:lvl1pPr>
+          </a:lstStyle>
+          <a:p>
+            <a:pPr algn="ctr"/>
+            <a:r>
+              <a:rPr lang="pt-BR" sz="4800" b="1" dirty="0">
+                <a:solidFill>
+                  <a:srgbClr val="049BE6"/>
+                </a:solidFill>
+                <a:latin typeface="+mn-lt"/>
+              </a:rPr>
+              <a:t>Resultados Obtidos</a:t>
+            </a:r>
+          </a:p>
+        </p:txBody>
+      </p:sp>
+      <p:sp>
+        <p:nvSpPr>
+          <p:cNvPr id="3" name="Espaço Reservado para Conteúdo 2"/>
+          <p:cNvSpPr txBox="1"/>
+          <p:nvPr/>
+        </p:nvSpPr>
+        <p:spPr>
+          <a:xfrm>
+            <a:off x="321212" y="1730326"/>
+            <a:ext cx="11549575" cy="4712677"/>
+          </a:xfrm>
+          <a:prstGeom prst="rect">
+            <a:avLst/>
+          </a:prstGeom>
+        </p:spPr>
+        <p:txBody>
+          <a:bodyPr>
+            <a:normAutofit/>
+          </a:bodyPr>
+          <a:lstStyle>
+            <a:lvl1pPr marL="228600" indent="-228600" algn="l" defTabSz="914400" rtl="0" eaLnBrk="1" latinLnBrk="0" hangingPunct="1">
+              <a:lnSpc>
+                <a:spcPct val="90000"/>
+              </a:lnSpc>
+              <a:spcBef>
+                <a:spcPts val="1000"/>
+              </a:spcBef>
+              <a:buFont typeface="Arial" panose="020B0604020202020204" pitchFamily="34" charset="0"/>
+              <a:buChar char="•"/>
+              <a:defRPr sz="2800" kern="1200">
+                <a:solidFill>
+                  <a:schemeClr val="tx1"/>
+                </a:solidFill>
+                <a:latin typeface="+mn-lt"/>
+                <a:ea typeface="+mn-ea"/>
+                <a:cs typeface="+mn-cs"/>
+              </a:defRPr>
+            </a:lvl1pPr>
+            <a:lvl2pPr marL="685800" indent="-228600" algn="l" defTabSz="914400" rtl="0" eaLnBrk="1" latinLnBrk="0" hangingPunct="1">
+              <a:lnSpc>
+                <a:spcPct val="90000"/>
+              </a:lnSpc>
+              <a:spcBef>
+                <a:spcPts val="500"/>
+              </a:spcBef>
+              <a:buFont typeface="Arial" panose="020B0604020202020204" pitchFamily="34" charset="0"/>
+              <a:buChar char="•"/>
+              <a:defRPr sz="2400" kern="1200">
+                <a:solidFill>
+                  <a:schemeClr val="tx1"/>
+                </a:solidFill>
+                <a:latin typeface="+mn-lt"/>
+                <a:ea typeface="+mn-ea"/>
+                <a:cs typeface="+mn-cs"/>
+              </a:defRPr>
+            </a:lvl2pPr>
+            <a:lvl3pPr marL="1143000" indent="-228600" algn="l" defTabSz="914400" rtl="0" eaLnBrk="1" latinLnBrk="0" hangingPunct="1">
+              <a:lnSpc>
+                <a:spcPct val="90000"/>
+              </a:lnSpc>
+              <a:spcBef>
+                <a:spcPts val="500"/>
+              </a:spcBef>
+              <a:buFont typeface="Arial" panose="020B0604020202020204" pitchFamily="34" charset="0"/>
+              <a:buChar char="•"/>
+              <a:defRPr sz="2000" kern="1200">
+                <a:solidFill>
+                  <a:schemeClr val="tx1"/>
+                </a:solidFill>
+                <a:latin typeface="+mn-lt"/>
+                <a:ea typeface="+mn-ea"/>
+                <a:cs typeface="+mn-cs"/>
+              </a:defRPr>
+            </a:lvl3pPr>
+            <a:lvl4pPr marL="1600200" indent="-228600" algn="l" defTabSz="914400" rtl="0" eaLnBrk="1" latinLnBrk="0" hangingPunct="1">
+              <a:lnSpc>
+                <a:spcPct val="90000"/>
+              </a:lnSpc>
+              <a:spcBef>
+                <a:spcPts val="500"/>
+              </a:spcBef>
+              <a:buFont typeface="Arial" panose="020B0604020202020204" pitchFamily="34" charset="0"/>
+              <a:buChar char="•"/>
+              <a:defRPr sz="1800" kern="1200">
+                <a:solidFill>
+                  <a:schemeClr val="tx1"/>
+                </a:solidFill>
+                <a:latin typeface="+mn-lt"/>
+                <a:ea typeface="+mn-ea"/>
+                <a:cs typeface="+mn-cs"/>
+              </a:defRPr>
+            </a:lvl4pPr>
+            <a:lvl5pPr marL="2057400" indent="-228600" algn="l" defTabSz="914400" rtl="0" eaLnBrk="1" latinLnBrk="0" hangingPunct="1">
+              <a:lnSpc>
+                <a:spcPct val="90000"/>
+              </a:lnSpc>
+              <a:spcBef>
+                <a:spcPts val="500"/>
+              </a:spcBef>
+              <a:buFont typeface="Arial" panose="020B0604020202020204" pitchFamily="34" charset="0"/>
+              <a:buChar char="•"/>
+              <a:defRPr sz="1800" kern="1200">
+                <a:solidFill>
+                  <a:schemeClr val="tx1"/>
+                </a:solidFill>
+                <a:latin typeface="+mn-lt"/>
+                <a:ea typeface="+mn-ea"/>
+                <a:cs typeface="+mn-cs"/>
+              </a:defRPr>
+            </a:lvl5pPr>
+            <a:lvl6pPr marL="2514600" indent="-228600" algn="l" defTabSz="914400" rtl="0" eaLnBrk="1" latinLnBrk="0" hangingPunct="1">
+              <a:lnSpc>
+                <a:spcPct val="90000"/>
+              </a:lnSpc>
+              <a:spcBef>
+                <a:spcPts val="500"/>
+              </a:spcBef>
+              <a:buFont typeface="Arial" panose="020B0604020202020204" pitchFamily="34" charset="0"/>
+              <a:buChar char="•"/>
+              <a:defRPr sz="1800" kern="1200">
+                <a:solidFill>
+                  <a:schemeClr val="tx1"/>
+                </a:solidFill>
+                <a:latin typeface="+mn-lt"/>
+                <a:ea typeface="+mn-ea"/>
+                <a:cs typeface="+mn-cs"/>
+              </a:defRPr>
+            </a:lvl6pPr>
+            <a:lvl7pPr marL="2971800" indent="-228600" algn="l" defTabSz="914400" rtl="0" eaLnBrk="1" latinLnBrk="0" hangingPunct="1">
+              <a:lnSpc>
+                <a:spcPct val="90000"/>
+              </a:lnSpc>
+              <a:spcBef>
+                <a:spcPts val="500"/>
+              </a:spcBef>
+              <a:buFont typeface="Arial" panose="020B0604020202020204" pitchFamily="34" charset="0"/>
+              <a:buChar char="•"/>
+              <a:defRPr sz="1800" kern="1200">
+                <a:solidFill>
+                  <a:schemeClr val="tx1"/>
+                </a:solidFill>
+                <a:latin typeface="+mn-lt"/>
+                <a:ea typeface="+mn-ea"/>
+                <a:cs typeface="+mn-cs"/>
+              </a:defRPr>
+            </a:lvl7pPr>
+            <a:lvl8pPr marL="3429000" indent="-228600" algn="l" defTabSz="914400" rtl="0" eaLnBrk="1" latinLnBrk="0" hangingPunct="1">
+              <a:lnSpc>
+                <a:spcPct val="90000"/>
+              </a:lnSpc>
+              <a:spcBef>
+                <a:spcPts val="500"/>
+              </a:spcBef>
+              <a:buFont typeface="Arial" panose="020B0604020202020204" pitchFamily="34" charset="0"/>
+              <a:buChar char="•"/>
+              <a:defRPr sz="1800" kern="1200">
+                <a:solidFill>
+                  <a:schemeClr val="tx1"/>
+                </a:solidFill>
+                <a:latin typeface="+mn-lt"/>
+                <a:ea typeface="+mn-ea"/>
+                <a:cs typeface="+mn-cs"/>
+              </a:defRPr>
+            </a:lvl8pPr>
+            <a:lvl9pPr marL="3886200" indent="-228600" algn="l" defTabSz="914400" rtl="0" eaLnBrk="1" latinLnBrk="0" hangingPunct="1">
+              <a:lnSpc>
+                <a:spcPct val="90000"/>
+              </a:lnSpc>
+              <a:spcBef>
+                <a:spcPts val="500"/>
+              </a:spcBef>
+              <a:buFont typeface="Arial" panose="020B0604020202020204" pitchFamily="34" charset="0"/>
+              <a:buChar char="•"/>
+              <a:defRPr sz="1800" kern="1200">
+                <a:solidFill>
+                  <a:schemeClr val="tx1"/>
+                </a:solidFill>
+                <a:latin typeface="+mn-lt"/>
+                <a:ea typeface="+mn-ea"/>
+                <a:cs typeface="+mn-cs"/>
+              </a:defRPr>
+            </a:lvl9pPr>
+          </a:lstStyle>
+          <a:p>
+            <a:pPr marL="742950" indent="-742950">
+              <a:buFont typeface="+mj-lt"/>
+              <a:buAutoNum type="arabicPeriod"/>
+            </a:pPr>
+            <a:endParaRPr lang="pt-BR" sz="4400" dirty="0"/>
+          </a:p>
+        </p:txBody>
+      </p:sp>
+      <p:sp>
+        <p:nvSpPr>
+          <p:cNvPr id="4" name="Espaço Reservado para Conteúdo 2"/>
+          <p:cNvSpPr txBox="1"/>
+          <p:nvPr/>
+        </p:nvSpPr>
+        <p:spPr>
+          <a:xfrm>
+            <a:off x="473612" y="1882726"/>
+            <a:ext cx="11549575" cy="4712677"/>
+          </a:xfrm>
+          <a:prstGeom prst="rect">
+            <a:avLst/>
+          </a:prstGeom>
+        </p:spPr>
+        <p:txBody>
+          <a:bodyPr>
+            <a:normAutofit/>
+          </a:bodyPr>
+          <a:lstStyle>
+            <a:lvl1pPr marL="228600" indent="-228600" algn="l" defTabSz="914400" rtl="0" eaLnBrk="1" latinLnBrk="0" hangingPunct="1">
+              <a:lnSpc>
+                <a:spcPct val="90000"/>
+              </a:lnSpc>
+              <a:spcBef>
+                <a:spcPts val="1000"/>
+              </a:spcBef>
+              <a:buFont typeface="Arial" panose="020B0604020202020204" pitchFamily="34" charset="0"/>
+              <a:buChar char="•"/>
+              <a:defRPr sz="2800" kern="1200">
+                <a:solidFill>
+                  <a:schemeClr val="tx1"/>
+                </a:solidFill>
+                <a:latin typeface="+mn-lt"/>
+                <a:ea typeface="+mn-ea"/>
+                <a:cs typeface="+mn-cs"/>
+              </a:defRPr>
+            </a:lvl1pPr>
+            <a:lvl2pPr marL="685800" indent="-228600" algn="l" defTabSz="914400" rtl="0" eaLnBrk="1" latinLnBrk="0" hangingPunct="1">
+              <a:lnSpc>
+                <a:spcPct val="90000"/>
+              </a:lnSpc>
+              <a:spcBef>
+                <a:spcPts val="500"/>
+              </a:spcBef>
+              <a:buFont typeface="Arial" panose="020B0604020202020204" pitchFamily="34" charset="0"/>
+              <a:buChar char="•"/>
+              <a:defRPr sz="2400" kern="1200">
+                <a:solidFill>
+                  <a:schemeClr val="tx1"/>
+                </a:solidFill>
+                <a:latin typeface="+mn-lt"/>
+                <a:ea typeface="+mn-ea"/>
+                <a:cs typeface="+mn-cs"/>
+              </a:defRPr>
+            </a:lvl2pPr>
+            <a:lvl3pPr marL="1143000" indent="-228600" algn="l" defTabSz="914400" rtl="0" eaLnBrk="1" latinLnBrk="0" hangingPunct="1">
+              <a:lnSpc>
+                <a:spcPct val="90000"/>
+              </a:lnSpc>
+              <a:spcBef>
+                <a:spcPts val="500"/>
+              </a:spcBef>
+              <a:buFont typeface="Arial" panose="020B0604020202020204" pitchFamily="34" charset="0"/>
+              <a:buChar char="•"/>
+              <a:defRPr sz="2000" kern="1200">
+                <a:solidFill>
+                  <a:schemeClr val="tx1"/>
+                </a:solidFill>
+                <a:latin typeface="+mn-lt"/>
+                <a:ea typeface="+mn-ea"/>
+                <a:cs typeface="+mn-cs"/>
+              </a:defRPr>
+            </a:lvl3pPr>
+            <a:lvl4pPr marL="1600200" indent="-228600" algn="l" defTabSz="914400" rtl="0" eaLnBrk="1" latinLnBrk="0" hangingPunct="1">
+              <a:lnSpc>
+                <a:spcPct val="90000"/>
+              </a:lnSpc>
+              <a:spcBef>
+                <a:spcPts val="500"/>
+              </a:spcBef>
+              <a:buFont typeface="Arial" panose="020B0604020202020204" pitchFamily="34" charset="0"/>
+              <a:buChar char="•"/>
+              <a:defRPr sz="1800" kern="1200">
+                <a:solidFill>
+                  <a:schemeClr val="tx1"/>
+                </a:solidFill>
+                <a:latin typeface="+mn-lt"/>
+                <a:ea typeface="+mn-ea"/>
+                <a:cs typeface="+mn-cs"/>
+              </a:defRPr>
+            </a:lvl4pPr>
+            <a:lvl5pPr marL="2057400" indent="-228600" algn="l" defTabSz="914400" rtl="0" eaLnBrk="1" latinLnBrk="0" hangingPunct="1">
+              <a:lnSpc>
+                <a:spcPct val="90000"/>
+              </a:lnSpc>
+              <a:spcBef>
+                <a:spcPts val="500"/>
+              </a:spcBef>
+              <a:buFont typeface="Arial" panose="020B0604020202020204" pitchFamily="34" charset="0"/>
+              <a:buChar char="•"/>
+              <a:defRPr sz="1800" kern="1200">
+                <a:solidFill>
+                  <a:schemeClr val="tx1"/>
+                </a:solidFill>
+                <a:latin typeface="+mn-lt"/>
+                <a:ea typeface="+mn-ea"/>
+                <a:cs typeface="+mn-cs"/>
+              </a:defRPr>
+            </a:lvl5pPr>
+            <a:lvl6pPr marL="2514600" indent="-228600" algn="l" defTabSz="914400" rtl="0" eaLnBrk="1" latinLnBrk="0" hangingPunct="1">
+              <a:lnSpc>
+                <a:spcPct val="90000"/>
+              </a:lnSpc>
+              <a:spcBef>
+                <a:spcPts val="500"/>
+              </a:spcBef>
+              <a:buFont typeface="Arial" panose="020B0604020202020204" pitchFamily="34" charset="0"/>
+              <a:buChar char="•"/>
+              <a:defRPr sz="1800" kern="1200">
+                <a:solidFill>
+                  <a:schemeClr val="tx1"/>
+                </a:solidFill>
+                <a:latin typeface="+mn-lt"/>
+                <a:ea typeface="+mn-ea"/>
+                <a:cs typeface="+mn-cs"/>
+              </a:defRPr>
+            </a:lvl6pPr>
+            <a:lvl7pPr marL="2971800" indent="-228600" algn="l" defTabSz="914400" rtl="0" eaLnBrk="1" latinLnBrk="0" hangingPunct="1">
+              <a:lnSpc>
+                <a:spcPct val="90000"/>
+              </a:lnSpc>
+              <a:spcBef>
+                <a:spcPts val="500"/>
+              </a:spcBef>
+              <a:buFont typeface="Arial" panose="020B0604020202020204" pitchFamily="34" charset="0"/>
+              <a:buChar char="•"/>
+              <a:defRPr sz="1800" kern="1200">
+                <a:solidFill>
+                  <a:schemeClr val="tx1"/>
+                </a:solidFill>
+                <a:latin typeface="+mn-lt"/>
+                <a:ea typeface="+mn-ea"/>
+                <a:cs typeface="+mn-cs"/>
+              </a:defRPr>
+            </a:lvl7pPr>
+            <a:lvl8pPr marL="3429000" indent="-228600" algn="l" defTabSz="914400" rtl="0" eaLnBrk="1" latinLnBrk="0" hangingPunct="1">
+              <a:lnSpc>
+                <a:spcPct val="90000"/>
+              </a:lnSpc>
+              <a:spcBef>
+                <a:spcPts val="500"/>
+              </a:spcBef>
+              <a:buFont typeface="Arial" panose="020B0604020202020204" pitchFamily="34" charset="0"/>
+              <a:buChar char="•"/>
+              <a:defRPr sz="1800" kern="1200">
+                <a:solidFill>
+                  <a:schemeClr val="tx1"/>
+                </a:solidFill>
+                <a:latin typeface="+mn-lt"/>
+                <a:ea typeface="+mn-ea"/>
+                <a:cs typeface="+mn-cs"/>
+              </a:defRPr>
+            </a:lvl8pPr>
+            <a:lvl9pPr marL="3886200" indent="-228600" algn="l" defTabSz="914400" rtl="0" eaLnBrk="1" latinLnBrk="0" hangingPunct="1">
+              <a:lnSpc>
+                <a:spcPct val="90000"/>
+              </a:lnSpc>
+              <a:spcBef>
+                <a:spcPts val="500"/>
+              </a:spcBef>
+              <a:buFont typeface="Arial" panose="020B0604020202020204" pitchFamily="34" charset="0"/>
+              <a:buChar char="•"/>
+              <a:defRPr sz="1800" kern="1200">
+                <a:solidFill>
+                  <a:schemeClr val="tx1"/>
+                </a:solidFill>
+                <a:latin typeface="+mn-lt"/>
+                <a:ea typeface="+mn-ea"/>
+                <a:cs typeface="+mn-cs"/>
+              </a:defRPr>
+            </a:lvl9pPr>
+          </a:lstStyle>
+          <a:p>
+            <a:pPr algn="just"/>
+            <a:r>
+              <a:rPr lang="pt-BR" sz="4400" dirty="0"/>
+              <a:t> </a:t>
+            </a:r>
+            <a:endParaRPr lang="pt-BR" sz="4000" b="1" dirty="0"/>
+          </a:p>
+        </p:txBody>
+      </p:sp>
+    </p:spTree>
+    <p:extLst>
+      <p:ext uri="{BB962C8B-B14F-4D97-AF65-F5344CB8AC3E}">
+        <p14:creationId xmlns:p14="http://schemas.microsoft.com/office/powerpoint/2010/main" val="1998419429"/>
+      </p:ext>
+    </p:extLst>
+  </p:cSld>
+  <p:clrMapOvr>
+    <a:masterClrMapping/>
+  </p:clrMapOvr>
+</p:sld>
+</file>
+
+<file path=ppt/slides/slide19.xml><?xml version="1.0" encoding="utf-8"?>
+<p:sld xmlns:a="http://schemas.openxmlformats.org/drawingml/2006/main" xmlns:r="http://schemas.openxmlformats.org/officeDocument/2006/relationships" xmlns:p="http://schemas.openxmlformats.org/presentationml/2006/main">
+  <p:cSld>
+    <p:spTree>
+      <p:nvGrpSpPr>
+        <p:cNvPr id="1" name=""/>
+        <p:cNvGrpSpPr/>
+        <p:nvPr/>
+      </p:nvGrpSpPr>
+      <p:grpSpPr>
+        <a:xfrm>
+          <a:off x="0" y="0"/>
+          <a:ext cx="0" cy="0"/>
+          <a:chOff x="0" y="0"/>
+          <a:chExt cx="0" cy="0"/>
+        </a:xfrm>
+      </p:grpSpPr>
+      <p:sp>
+        <p:nvSpPr>
+          <p:cNvPr id="2" name="Título 1"/>
+          <p:cNvSpPr txBox="1"/>
+          <p:nvPr/>
+        </p:nvSpPr>
+        <p:spPr>
+          <a:xfrm>
+            <a:off x="473612" y="550541"/>
+            <a:ext cx="10880188" cy="2073697"/>
+          </a:xfrm>
+          <a:prstGeom prst="rect">
+            <a:avLst/>
+          </a:prstGeom>
+        </p:spPr>
+        <p:txBody>
+          <a:bodyPr>
+            <a:noAutofit/>
+          </a:bodyPr>
+          <a:lstStyle>
+            <a:lvl1pPr algn="l" defTabSz="914400" rtl="0" eaLnBrk="1" latinLnBrk="0" hangingPunct="1">
+              <a:lnSpc>
+                <a:spcPct val="90000"/>
+              </a:lnSpc>
+              <a:spcBef>
+                <a:spcPct val="0"/>
+              </a:spcBef>
+              <a:buNone/>
+              <a:defRPr sz="4400" kern="1200">
+                <a:solidFill>
+                  <a:schemeClr val="tx1"/>
+                </a:solidFill>
+                <a:latin typeface="+mj-lt"/>
+                <a:ea typeface="+mj-ea"/>
+                <a:cs typeface="+mj-cs"/>
+              </a:defRPr>
+            </a:lvl1pPr>
+          </a:lstStyle>
+          <a:p>
+            <a:pPr algn="ctr"/>
+            <a:r>
+              <a:rPr lang="pt-BR" sz="8800" b="1" dirty="0">
+                <a:solidFill>
+                  <a:srgbClr val="049BE6"/>
+                </a:solidFill>
+                <a:latin typeface="+mn-lt"/>
+              </a:rPr>
+              <a:t>Demonstração!</a:t>
+            </a:r>
+          </a:p>
+        </p:txBody>
+      </p:sp>
+      <p:sp>
+        <p:nvSpPr>
+          <p:cNvPr id="3" name="Espaço Reservado para Conteúdo 2"/>
+          <p:cNvSpPr txBox="1"/>
+          <p:nvPr/>
+        </p:nvSpPr>
+        <p:spPr>
+          <a:xfrm>
+            <a:off x="321212" y="1730326"/>
+            <a:ext cx="11549575" cy="4712677"/>
+          </a:xfrm>
+          <a:prstGeom prst="rect">
+            <a:avLst/>
+          </a:prstGeom>
+        </p:spPr>
+        <p:txBody>
+          <a:bodyPr>
+            <a:normAutofit/>
+          </a:bodyPr>
+          <a:lstStyle>
+            <a:lvl1pPr marL="228600" indent="-228600" algn="l" defTabSz="914400" rtl="0" eaLnBrk="1" latinLnBrk="0" hangingPunct="1">
+              <a:lnSpc>
+                <a:spcPct val="90000"/>
+              </a:lnSpc>
+              <a:spcBef>
+                <a:spcPts val="1000"/>
+              </a:spcBef>
+              <a:buFont typeface="Arial" panose="020B0604020202020204" pitchFamily="34" charset="0"/>
+              <a:buChar char="•"/>
+              <a:defRPr sz="2800" kern="1200">
+                <a:solidFill>
+                  <a:schemeClr val="tx1"/>
+                </a:solidFill>
+                <a:latin typeface="+mn-lt"/>
+                <a:ea typeface="+mn-ea"/>
+                <a:cs typeface="+mn-cs"/>
+              </a:defRPr>
+            </a:lvl1pPr>
+            <a:lvl2pPr marL="685800" indent="-228600" algn="l" defTabSz="914400" rtl="0" eaLnBrk="1" latinLnBrk="0" hangingPunct="1">
+              <a:lnSpc>
+                <a:spcPct val="90000"/>
+              </a:lnSpc>
+              <a:spcBef>
+                <a:spcPts val="500"/>
+              </a:spcBef>
+              <a:buFont typeface="Arial" panose="020B0604020202020204" pitchFamily="34" charset="0"/>
+              <a:buChar char="•"/>
+              <a:defRPr sz="2400" kern="1200">
+                <a:solidFill>
+                  <a:schemeClr val="tx1"/>
+                </a:solidFill>
+                <a:latin typeface="+mn-lt"/>
+                <a:ea typeface="+mn-ea"/>
+                <a:cs typeface="+mn-cs"/>
+              </a:defRPr>
+            </a:lvl2pPr>
+            <a:lvl3pPr marL="1143000" indent="-228600" algn="l" defTabSz="914400" rtl="0" eaLnBrk="1" latinLnBrk="0" hangingPunct="1">
+              <a:lnSpc>
+                <a:spcPct val="90000"/>
+              </a:lnSpc>
+              <a:spcBef>
+                <a:spcPts val="500"/>
+              </a:spcBef>
+              <a:buFont typeface="Arial" panose="020B0604020202020204" pitchFamily="34" charset="0"/>
+              <a:buChar char="•"/>
+              <a:defRPr sz="2000" kern="1200">
+                <a:solidFill>
+                  <a:schemeClr val="tx1"/>
+                </a:solidFill>
+                <a:latin typeface="+mn-lt"/>
+                <a:ea typeface="+mn-ea"/>
+                <a:cs typeface="+mn-cs"/>
+              </a:defRPr>
+            </a:lvl3pPr>
+            <a:lvl4pPr marL="1600200" indent="-228600" algn="l" defTabSz="914400" rtl="0" eaLnBrk="1" latinLnBrk="0" hangingPunct="1">
+              <a:lnSpc>
+                <a:spcPct val="90000"/>
+              </a:lnSpc>
+              <a:spcBef>
+                <a:spcPts val="500"/>
+              </a:spcBef>
+              <a:buFont typeface="Arial" panose="020B0604020202020204" pitchFamily="34" charset="0"/>
+              <a:buChar char="•"/>
+              <a:defRPr sz="1800" kern="1200">
+                <a:solidFill>
+                  <a:schemeClr val="tx1"/>
+                </a:solidFill>
+                <a:latin typeface="+mn-lt"/>
+                <a:ea typeface="+mn-ea"/>
+                <a:cs typeface="+mn-cs"/>
+              </a:defRPr>
+            </a:lvl4pPr>
+            <a:lvl5pPr marL="2057400" indent="-228600" algn="l" defTabSz="914400" rtl="0" eaLnBrk="1" latinLnBrk="0" hangingPunct="1">
+              <a:lnSpc>
+                <a:spcPct val="90000"/>
+              </a:lnSpc>
+              <a:spcBef>
+                <a:spcPts val="500"/>
+              </a:spcBef>
+              <a:buFont typeface="Arial" panose="020B0604020202020204" pitchFamily="34" charset="0"/>
+              <a:buChar char="•"/>
+              <a:defRPr sz="1800" kern="1200">
+                <a:solidFill>
+                  <a:schemeClr val="tx1"/>
+                </a:solidFill>
+                <a:latin typeface="+mn-lt"/>
+                <a:ea typeface="+mn-ea"/>
+                <a:cs typeface="+mn-cs"/>
+              </a:defRPr>
+            </a:lvl5pPr>
+            <a:lvl6pPr marL="2514600" indent="-228600" algn="l" defTabSz="914400" rtl="0" eaLnBrk="1" latinLnBrk="0" hangingPunct="1">
+              <a:lnSpc>
+                <a:spcPct val="90000"/>
+              </a:lnSpc>
+              <a:spcBef>
+                <a:spcPts val="500"/>
+              </a:spcBef>
+              <a:buFont typeface="Arial" panose="020B0604020202020204" pitchFamily="34" charset="0"/>
+              <a:buChar char="•"/>
+              <a:defRPr sz="1800" kern="1200">
+                <a:solidFill>
+                  <a:schemeClr val="tx1"/>
+                </a:solidFill>
+                <a:latin typeface="+mn-lt"/>
+                <a:ea typeface="+mn-ea"/>
+                <a:cs typeface="+mn-cs"/>
+              </a:defRPr>
+            </a:lvl6pPr>
+            <a:lvl7pPr marL="2971800" indent="-228600" algn="l" defTabSz="914400" rtl="0" eaLnBrk="1" latinLnBrk="0" hangingPunct="1">
+              <a:lnSpc>
+                <a:spcPct val="90000"/>
+              </a:lnSpc>
+              <a:spcBef>
+                <a:spcPts val="500"/>
+              </a:spcBef>
+              <a:buFont typeface="Arial" panose="020B0604020202020204" pitchFamily="34" charset="0"/>
+              <a:buChar char="•"/>
+              <a:defRPr sz="1800" kern="1200">
+                <a:solidFill>
+                  <a:schemeClr val="tx1"/>
+                </a:solidFill>
+                <a:latin typeface="+mn-lt"/>
+                <a:ea typeface="+mn-ea"/>
+                <a:cs typeface="+mn-cs"/>
+              </a:defRPr>
+            </a:lvl7pPr>
+            <a:lvl8pPr marL="3429000" indent="-228600" algn="l" defTabSz="914400" rtl="0" eaLnBrk="1" latinLnBrk="0" hangingPunct="1">
+              <a:lnSpc>
+                <a:spcPct val="90000"/>
+              </a:lnSpc>
+              <a:spcBef>
+                <a:spcPts val="500"/>
+              </a:spcBef>
+              <a:buFont typeface="Arial" panose="020B0604020202020204" pitchFamily="34" charset="0"/>
+              <a:buChar char="•"/>
+              <a:defRPr sz="1800" kern="1200">
+                <a:solidFill>
+                  <a:schemeClr val="tx1"/>
+                </a:solidFill>
+                <a:latin typeface="+mn-lt"/>
+                <a:ea typeface="+mn-ea"/>
+                <a:cs typeface="+mn-cs"/>
+              </a:defRPr>
+            </a:lvl8pPr>
+            <a:lvl9pPr marL="3886200" indent="-228600" algn="l" defTabSz="914400" rtl="0" eaLnBrk="1" latinLnBrk="0" hangingPunct="1">
+              <a:lnSpc>
+                <a:spcPct val="90000"/>
+              </a:lnSpc>
+              <a:spcBef>
+                <a:spcPts val="500"/>
+              </a:spcBef>
+              <a:buFont typeface="Arial" panose="020B0604020202020204" pitchFamily="34" charset="0"/>
+              <a:buChar char="•"/>
+              <a:defRPr sz="1800" kern="1200">
+                <a:solidFill>
+                  <a:schemeClr val="tx1"/>
+                </a:solidFill>
+                <a:latin typeface="+mn-lt"/>
+                <a:ea typeface="+mn-ea"/>
+                <a:cs typeface="+mn-cs"/>
+              </a:defRPr>
+            </a:lvl9pPr>
+          </a:lstStyle>
+          <a:p>
             <a:pPr marL="0" indent="0">
               <a:buNone/>
             </a:pPr>
             <a:r>
+              <a:rPr lang="pt-BR" sz="4800" dirty="0"/>
+              <a:t>	 </a:t>
+            </a:r>
+          </a:p>
+          <a:p>
+            <a:pPr marL="742950" indent="-742950">
+              <a:buFont typeface="+mj-lt"/>
+              <a:buAutoNum type="arabicPeriod"/>
+            </a:pPr>
+            <a:endParaRPr lang="pt-BR" sz="4400" dirty="0"/>
+          </a:p>
+          <a:p>
+            <a:pPr marL="742950" indent="-742950">
+              <a:buFont typeface="+mj-lt"/>
+              <a:buAutoNum type="arabicPeriod"/>
+            </a:pPr>
+            <a:endParaRPr lang="pt-BR" sz="4400" dirty="0"/>
+          </a:p>
+        </p:txBody>
+      </p:sp>
+      <p:sp>
+        <p:nvSpPr>
+          <p:cNvPr id="4" name="Espaço Reservado para Conteúdo 2"/>
+          <p:cNvSpPr txBox="1"/>
+          <p:nvPr/>
+        </p:nvSpPr>
+        <p:spPr>
+          <a:xfrm>
+            <a:off x="473612" y="1882726"/>
+            <a:ext cx="11549575" cy="4712677"/>
+          </a:xfrm>
+          <a:prstGeom prst="rect">
+            <a:avLst/>
+          </a:prstGeom>
+        </p:spPr>
+        <p:txBody>
+          <a:bodyPr>
+            <a:normAutofit/>
+          </a:bodyPr>
+          <a:lstStyle>
+            <a:lvl1pPr marL="228600" indent="-228600" algn="l" defTabSz="914400" rtl="0" eaLnBrk="1" latinLnBrk="0" hangingPunct="1">
+              <a:lnSpc>
+                <a:spcPct val="90000"/>
+              </a:lnSpc>
+              <a:spcBef>
+                <a:spcPts val="1000"/>
+              </a:spcBef>
+              <a:buFont typeface="Arial" panose="020B0604020202020204" pitchFamily="34" charset="0"/>
+              <a:buChar char="•"/>
+              <a:defRPr sz="2800" kern="1200">
+                <a:solidFill>
+                  <a:schemeClr val="tx1"/>
+                </a:solidFill>
+                <a:latin typeface="+mn-lt"/>
+                <a:ea typeface="+mn-ea"/>
+                <a:cs typeface="+mn-cs"/>
+              </a:defRPr>
+            </a:lvl1pPr>
+            <a:lvl2pPr marL="685800" indent="-228600" algn="l" defTabSz="914400" rtl="0" eaLnBrk="1" latinLnBrk="0" hangingPunct="1">
+              <a:lnSpc>
+                <a:spcPct val="90000"/>
+              </a:lnSpc>
+              <a:spcBef>
+                <a:spcPts val="500"/>
+              </a:spcBef>
+              <a:buFont typeface="Arial" panose="020B0604020202020204" pitchFamily="34" charset="0"/>
+              <a:buChar char="•"/>
+              <a:defRPr sz="2400" kern="1200">
+                <a:solidFill>
+                  <a:schemeClr val="tx1"/>
+                </a:solidFill>
+                <a:latin typeface="+mn-lt"/>
+                <a:ea typeface="+mn-ea"/>
+                <a:cs typeface="+mn-cs"/>
+              </a:defRPr>
+            </a:lvl2pPr>
+            <a:lvl3pPr marL="1143000" indent="-228600" algn="l" defTabSz="914400" rtl="0" eaLnBrk="1" latinLnBrk="0" hangingPunct="1">
+              <a:lnSpc>
+                <a:spcPct val="90000"/>
+              </a:lnSpc>
+              <a:spcBef>
+                <a:spcPts val="500"/>
+              </a:spcBef>
+              <a:buFont typeface="Arial" panose="020B0604020202020204" pitchFamily="34" charset="0"/>
+              <a:buChar char="•"/>
+              <a:defRPr sz="2000" kern="1200">
+                <a:solidFill>
+                  <a:schemeClr val="tx1"/>
+                </a:solidFill>
+                <a:latin typeface="+mn-lt"/>
+                <a:ea typeface="+mn-ea"/>
+                <a:cs typeface="+mn-cs"/>
+              </a:defRPr>
+            </a:lvl3pPr>
+            <a:lvl4pPr marL="1600200" indent="-228600" algn="l" defTabSz="914400" rtl="0" eaLnBrk="1" latinLnBrk="0" hangingPunct="1">
+              <a:lnSpc>
+                <a:spcPct val="90000"/>
+              </a:lnSpc>
+              <a:spcBef>
+                <a:spcPts val="500"/>
+              </a:spcBef>
+              <a:buFont typeface="Arial" panose="020B0604020202020204" pitchFamily="34" charset="0"/>
+              <a:buChar char="•"/>
+              <a:defRPr sz="1800" kern="1200">
+                <a:solidFill>
+                  <a:schemeClr val="tx1"/>
+                </a:solidFill>
+                <a:latin typeface="+mn-lt"/>
+                <a:ea typeface="+mn-ea"/>
+                <a:cs typeface="+mn-cs"/>
+              </a:defRPr>
+            </a:lvl4pPr>
+            <a:lvl5pPr marL="2057400" indent="-228600" algn="l" defTabSz="914400" rtl="0" eaLnBrk="1" latinLnBrk="0" hangingPunct="1">
+              <a:lnSpc>
+                <a:spcPct val="90000"/>
+              </a:lnSpc>
+              <a:spcBef>
+                <a:spcPts val="500"/>
+              </a:spcBef>
+              <a:buFont typeface="Arial" panose="020B0604020202020204" pitchFamily="34" charset="0"/>
+              <a:buChar char="•"/>
+              <a:defRPr sz="1800" kern="1200">
+                <a:solidFill>
+                  <a:schemeClr val="tx1"/>
+                </a:solidFill>
+                <a:latin typeface="+mn-lt"/>
+                <a:ea typeface="+mn-ea"/>
+                <a:cs typeface="+mn-cs"/>
+              </a:defRPr>
+            </a:lvl5pPr>
+            <a:lvl6pPr marL="2514600" indent="-228600" algn="l" defTabSz="914400" rtl="0" eaLnBrk="1" latinLnBrk="0" hangingPunct="1">
+              <a:lnSpc>
+                <a:spcPct val="90000"/>
+              </a:lnSpc>
+              <a:spcBef>
+                <a:spcPts val="500"/>
+              </a:spcBef>
+              <a:buFont typeface="Arial" panose="020B0604020202020204" pitchFamily="34" charset="0"/>
+              <a:buChar char="•"/>
+              <a:defRPr sz="1800" kern="1200">
+                <a:solidFill>
+                  <a:schemeClr val="tx1"/>
+                </a:solidFill>
+                <a:latin typeface="+mn-lt"/>
+                <a:ea typeface="+mn-ea"/>
+                <a:cs typeface="+mn-cs"/>
+              </a:defRPr>
+            </a:lvl6pPr>
+            <a:lvl7pPr marL="2971800" indent="-228600" algn="l" defTabSz="914400" rtl="0" eaLnBrk="1" latinLnBrk="0" hangingPunct="1">
+              <a:lnSpc>
+                <a:spcPct val="90000"/>
+              </a:lnSpc>
+              <a:spcBef>
+                <a:spcPts val="500"/>
+              </a:spcBef>
+              <a:buFont typeface="Arial" panose="020B0604020202020204" pitchFamily="34" charset="0"/>
+              <a:buChar char="•"/>
+              <a:defRPr sz="1800" kern="1200">
+                <a:solidFill>
+                  <a:schemeClr val="tx1"/>
+                </a:solidFill>
+                <a:latin typeface="+mn-lt"/>
+                <a:ea typeface="+mn-ea"/>
+                <a:cs typeface="+mn-cs"/>
+              </a:defRPr>
+            </a:lvl7pPr>
+            <a:lvl8pPr marL="3429000" indent="-228600" algn="l" defTabSz="914400" rtl="0" eaLnBrk="1" latinLnBrk="0" hangingPunct="1">
+              <a:lnSpc>
+                <a:spcPct val="90000"/>
+              </a:lnSpc>
+              <a:spcBef>
+                <a:spcPts val="500"/>
+              </a:spcBef>
+              <a:buFont typeface="Arial" panose="020B0604020202020204" pitchFamily="34" charset="0"/>
+              <a:buChar char="•"/>
+              <a:defRPr sz="1800" kern="1200">
+                <a:solidFill>
+                  <a:schemeClr val="tx1"/>
+                </a:solidFill>
+                <a:latin typeface="+mn-lt"/>
+                <a:ea typeface="+mn-ea"/>
+                <a:cs typeface="+mn-cs"/>
+              </a:defRPr>
+            </a:lvl8pPr>
+            <a:lvl9pPr marL="3886200" indent="-228600" algn="l" defTabSz="914400" rtl="0" eaLnBrk="1" latinLnBrk="0" hangingPunct="1">
+              <a:lnSpc>
+                <a:spcPct val="90000"/>
+              </a:lnSpc>
+              <a:spcBef>
+                <a:spcPts val="500"/>
+              </a:spcBef>
+              <a:buFont typeface="Arial" panose="020B0604020202020204" pitchFamily="34" charset="0"/>
+              <a:buChar char="•"/>
+              <a:defRPr sz="1800" kern="1200">
+                <a:solidFill>
+                  <a:schemeClr val="tx1"/>
+                </a:solidFill>
+                <a:latin typeface="+mn-lt"/>
+                <a:ea typeface="+mn-ea"/>
+                <a:cs typeface="+mn-cs"/>
+              </a:defRPr>
+            </a:lvl9pPr>
+          </a:lstStyle>
+          <a:p>
+            <a:pPr marL="0" indent="0">
+              <a:buNone/>
+            </a:pPr>
+            <a:r>
               <a:rPr lang="pt-BR" sz="4400" dirty="0"/>
               <a:t>	</a:t>
             </a:r>
-            <a:endParaRPr lang="pt-BR" sz="4400" dirty="0"/>
           </a:p>
           <a:p>
             <a:pPr marL="742950" indent="-742950">
@@ -6120,7 +9520,7 @@
           <p:nvPr/>
         </p:nvPicPr>
         <p:blipFill>
-          <a:blip r:embed="rId1">
+          <a:blip r:embed="rId2">
             <a:extLst>
               <a:ext uri="{28A0092B-C50C-407E-A947-70E740481C1C}">
                 <a14:useLocalDpi xmlns:a14="http://schemas.microsoft.com/office/drawing/2010/main" val="0"/>
@@ -6228,86 +9628,6 @@
 </p:sld>
 </file>
 
-<file path=ppt/slides/slide15.xml><?xml version="1.0" encoding="utf-8"?>
-<p:sld xmlns:a="http://schemas.openxmlformats.org/drawingml/2006/main" xmlns:r="http://schemas.openxmlformats.org/officeDocument/2006/relationships" xmlns:p="http://schemas.openxmlformats.org/presentationml/2006/main">
-  <p:cSld>
-    <p:spTree>
-      <p:nvGrpSpPr>
-        <p:cNvPr id="1" name=""/>
-        <p:cNvGrpSpPr/>
-        <p:nvPr/>
-      </p:nvGrpSpPr>
-      <p:grpSpPr>
-        <a:xfrm>
-          <a:off x="0" y="0"/>
-          <a:ext cx="0" cy="0"/>
-          <a:chOff x="0" y="0"/>
-          <a:chExt cx="0" cy="0"/>
-        </a:xfrm>
-      </p:grpSpPr>
-      <p:pic>
-        <p:nvPicPr>
-          <p:cNvPr id="4" name="Imagem 3"/>
-          <p:cNvPicPr>
-            <a:picLocks noChangeAspect="1"/>
-          </p:cNvPicPr>
-          <p:nvPr/>
-        </p:nvPicPr>
-        <p:blipFill>
-          <a:blip r:embed="rId1">
-            <a:extLst>
-              <a:ext uri="{28A0092B-C50C-407E-A947-70E740481C1C}">
-                <a14:useLocalDpi xmlns:a14="http://schemas.microsoft.com/office/drawing/2010/main" val="0"/>
-              </a:ext>
-            </a:extLst>
-          </a:blip>
-          <a:stretch>
-            <a:fillRect/>
-          </a:stretch>
-        </p:blipFill>
-        <p:spPr>
-          <a:xfrm>
-            <a:off x="0" y="-48296"/>
-            <a:ext cx="12192000" cy="6939059"/>
-          </a:xfrm>
-          <a:prstGeom prst="rect">
-            <a:avLst/>
-          </a:prstGeom>
-        </p:spPr>
-      </p:pic>
-    </p:spTree>
-  </p:cSld>
-  <p:clrMapOvr>
-    <a:masterClrMapping/>
-  </p:clrMapOvr>
-</p:sld>
-</file>
-
-<file path=ppt/slides/slide16.xml><?xml version="1.0" encoding="utf-8"?>
-<p:sld xmlns:a="http://schemas.openxmlformats.org/drawingml/2006/main" xmlns:r="http://schemas.openxmlformats.org/officeDocument/2006/relationships" xmlns:p="http://schemas.openxmlformats.org/presentationml/2006/main">
-  <p:cSld>
-    <p:spTree>
-      <p:nvGrpSpPr>
-        <p:cNvPr id="1" name=""/>
-        <p:cNvGrpSpPr/>
-        <p:nvPr/>
-      </p:nvGrpSpPr>
-      <p:grpSpPr>
-        <a:xfrm>
-          <a:off x="0" y="0"/>
-          <a:ext cx="0" cy="0"/>
-          <a:chOff x="0" y="0"/>
-          <a:chExt cx="0" cy="0"/>
-        </a:xfrm>
-      </p:grpSpPr>
-    </p:spTree>
-  </p:cSld>
-  <p:clrMapOvr>
-    <a:masterClrMapping/>
-  </p:clrMapOvr>
-</p:sld>
-</file>
-
 <file path=ppt/slides/slide2.xml><?xml version="1.0" encoding="utf-8"?>
 <p:sld xmlns:a="http://schemas.openxmlformats.org/drawingml/2006/main" xmlns:r="http://schemas.openxmlformats.org/officeDocument/2006/relationships" xmlns:p="http://schemas.openxmlformats.org/presentationml/2006/main">
   <p:cSld>
@@ -6334,7 +9654,7 @@
           <p:nvPr/>
         </p:nvPicPr>
         <p:blipFill>
-          <a:blip r:embed="rId1">
+          <a:blip r:embed="rId2">
             <a:extLst>
               <a:ext uri="{28A0092B-C50C-407E-A947-70E740481C1C}">
                 <a14:useLocalDpi xmlns:a14="http://schemas.microsoft.com/office/drawing/2010/main" val="0"/>
@@ -6411,6 +9731,61 @@
 </p:sld>
 </file>
 
+<file path=ppt/slides/slide20.xml><?xml version="1.0" encoding="utf-8"?>
+<p:sld xmlns:a="http://schemas.openxmlformats.org/drawingml/2006/main" xmlns:r="http://schemas.openxmlformats.org/officeDocument/2006/relationships" xmlns:p="http://schemas.openxmlformats.org/presentationml/2006/main">
+  <p:cSld>
+    <p:spTree>
+      <p:nvGrpSpPr>
+        <p:cNvPr id="1" name=""/>
+        <p:cNvGrpSpPr/>
+        <p:nvPr/>
+      </p:nvGrpSpPr>
+      <p:grpSpPr>
+        <a:xfrm>
+          <a:off x="0" y="0"/>
+          <a:ext cx="0" cy="0"/>
+          <a:chOff x="0" y="0"/>
+          <a:chExt cx="0" cy="0"/>
+        </a:xfrm>
+      </p:grpSpPr>
+      <p:pic>
+        <p:nvPicPr>
+          <p:cNvPr id="4" name="Imagem 3"/>
+          <p:cNvPicPr>
+            <a:picLocks noChangeAspect="1"/>
+          </p:cNvPicPr>
+          <p:nvPr/>
+        </p:nvPicPr>
+        <p:blipFill>
+          <a:blip r:embed="rId2">
+            <a:extLst>
+              <a:ext uri="{28A0092B-C50C-407E-A947-70E740481C1C}">
+                <a14:useLocalDpi xmlns:a14="http://schemas.microsoft.com/office/drawing/2010/main" val="0"/>
+              </a:ext>
+            </a:extLst>
+          </a:blip>
+          <a:stretch>
+            <a:fillRect/>
+          </a:stretch>
+        </p:blipFill>
+        <p:spPr>
+          <a:xfrm>
+            <a:off x="0" y="-48296"/>
+            <a:ext cx="12192000" cy="6939059"/>
+          </a:xfrm>
+          <a:prstGeom prst="rect">
+            <a:avLst/>
+          </a:prstGeom>
+        </p:spPr>
+      </p:pic>
+    </p:spTree>
+  </p:cSld>
+  <p:clrMapOvr>
+    <a:masterClrMapping/>
+  </p:clrMapOvr>
+</p:sld>
+</file>
+
 <file path=ppt/slides/slide3.xml><?xml version="1.0" encoding="utf-8"?>
 <p:sld xmlns:a="http://schemas.openxmlformats.org/drawingml/2006/main" xmlns:r="http://schemas.openxmlformats.org/officeDocument/2006/relationships" xmlns:p="http://schemas.openxmlformats.org/presentationml/2006/main">
   <p:cSld>
@@ -6455,12 +9830,6 @@
               </a:rPr>
               <a:t>Agenda</a:t>
             </a:r>
-            <a:endParaRPr lang="pt-BR" sz="8000" b="1" dirty="0">
-              <a:solidFill>
-                <a:srgbClr val="049BE6"/>
-              </a:solidFill>
-              <a:latin typeface="+mn-lt"/>
-            </a:endParaRPr>
           </a:p>
         </p:txBody>
       </p:sp>
@@ -6492,10 +9861,6 @@
               </a:rPr>
               <a:t>O que é Algoritmo Genético?</a:t>
             </a:r>
-            <a:endParaRPr lang="pt-BR" sz="4000" b="1" dirty="0">
-              <a:latin typeface="Times New Roman" panose="02020603050405020304" pitchFamily="18" charset="0"/>
-              <a:cs typeface="Times New Roman" panose="02020603050405020304" pitchFamily="18" charset="0"/>
-            </a:endParaRPr>
           </a:p>
           <a:p>
             <a:pPr marL="514350" indent="-514350">
@@ -6509,10 +9874,6 @@
               </a:rPr>
               <a:t>Motivação</a:t>
             </a:r>
-            <a:endParaRPr lang="pt-BR" sz="4000" b="1" dirty="0">
-              <a:latin typeface="Times New Roman" panose="02020603050405020304" pitchFamily="18" charset="0"/>
-              <a:cs typeface="Times New Roman" panose="02020603050405020304" pitchFamily="18" charset="0"/>
-            </a:endParaRPr>
           </a:p>
           <a:p>
             <a:pPr marL="514350" indent="-514350">
@@ -6526,10 +9887,6 @@
               </a:rPr>
               <a:t>Resolução do Problema utilizando Algoritmo Genético</a:t>
             </a:r>
-            <a:endParaRPr lang="pt-BR" sz="4000" b="1" dirty="0">
-              <a:latin typeface="Times New Roman" panose="02020603050405020304" pitchFamily="18" charset="0"/>
-              <a:cs typeface="Times New Roman" panose="02020603050405020304" pitchFamily="18" charset="0"/>
-            </a:endParaRPr>
           </a:p>
           <a:p>
             <a:pPr marL="514350" indent="-514350">
@@ -6543,10 +9900,6 @@
               </a:rPr>
               <a:t>Apresentação do software</a:t>
             </a:r>
-            <a:endParaRPr lang="pt-BR" sz="4000" b="1" dirty="0">
-              <a:latin typeface="Times New Roman" panose="02020603050405020304" pitchFamily="18" charset="0"/>
-              <a:cs typeface="Times New Roman" panose="02020603050405020304" pitchFamily="18" charset="0"/>
-            </a:endParaRPr>
           </a:p>
           <a:p>
             <a:pPr marL="514350" indent="-514350">
@@ -6560,10 +9913,6 @@
               </a:rPr>
               <a:t>Tecnologias Usadas</a:t>
             </a:r>
-            <a:endParaRPr lang="pt-BR" sz="4000" b="1" dirty="0">
-              <a:latin typeface="Times New Roman" panose="02020603050405020304" pitchFamily="18" charset="0"/>
-              <a:cs typeface="Times New Roman" panose="02020603050405020304" pitchFamily="18" charset="0"/>
-            </a:endParaRPr>
           </a:p>
         </p:txBody>
       </p:sp>
@@ -6624,12 +9973,6 @@
               </a:rPr>
               <a:t>O que é Algoritmo Genético (AG)?</a:t>
             </a:r>
-            <a:endParaRPr lang="pt-BR" sz="5400" b="1" dirty="0">
-              <a:solidFill>
-                <a:srgbClr val="049BE6"/>
-              </a:solidFill>
-              <a:latin typeface="+mn-lt"/>
-            </a:endParaRPr>
           </a:p>
         </p:txBody>
       </p:sp>
@@ -6686,10 +10029,6 @@
               </a:rPr>
               <a:t>). </a:t>
             </a:r>
-            <a:endParaRPr lang="pt-BR" sz="4000" b="1" dirty="0">
-              <a:latin typeface="Times New Roman" panose="02020603050405020304" pitchFamily="18" charset="0"/>
-              <a:cs typeface="Times New Roman" panose="02020603050405020304" pitchFamily="18" charset="0"/>
-            </a:endParaRPr>
           </a:p>
         </p:txBody>
       </p:sp>
@@ -6750,12 +10089,6 @@
               </a:rPr>
               <a:t>O problema!</a:t>
             </a:r>
-            <a:endParaRPr lang="pt-BR" sz="9600" b="1" dirty="0">
-              <a:solidFill>
-                <a:srgbClr val="049BE6"/>
-              </a:solidFill>
-              <a:latin typeface="+mn-lt"/>
-            </a:endParaRPr>
           </a:p>
         </p:txBody>
       </p:sp>
@@ -6768,7 +10101,7 @@
           <p:nvPr/>
         </p:nvPicPr>
         <p:blipFill>
-          <a:blip r:embed="rId1"/>
+          <a:blip r:embed="rId2"/>
           <a:stretch>
             <a:fillRect/>
           </a:stretch>
@@ -6814,11 +10147,6 @@
               </a:rPr>
               <a:t>Chefe do Departamento</a:t>
             </a:r>
-            <a:endParaRPr lang="pt-BR" sz="3200" b="1" dirty="0">
-              <a:solidFill>
-                <a:schemeClr val="bg1"/>
-              </a:solidFill>
-            </a:endParaRPr>
           </a:p>
         </p:txBody>
       </p:sp>
@@ -6880,10 +10208,6 @@
               </a:rPr>
               <a:t> 	Criação de horários dos 	professores;</a:t>
             </a:r>
-            <a:endParaRPr lang="pt-BR" sz="4400" dirty="0">
-              <a:latin typeface="Times New Roman" panose="02020603050405020304" pitchFamily="18" charset="0"/>
-              <a:cs typeface="Times New Roman" panose="02020603050405020304" pitchFamily="18" charset="0"/>
-            </a:endParaRPr>
           </a:p>
           <a:p>
             <a:pPr>
@@ -6897,10 +10221,6 @@
               </a:rPr>
               <a:t> 	Seguindo as recomendações/restrições de 	cada professor;</a:t>
             </a:r>
-            <a:endParaRPr lang="pt-BR" sz="4400" dirty="0">
-              <a:latin typeface="Times New Roman" panose="02020603050405020304" pitchFamily="18" charset="0"/>
-              <a:cs typeface="Times New Roman" panose="02020603050405020304" pitchFamily="18" charset="0"/>
-            </a:endParaRPr>
           </a:p>
           <a:p>
             <a:pPr>
@@ -6921,10 +10241,6 @@
               </a:rPr>
               <a:t>Sem haver choque;</a:t>
             </a:r>
-            <a:endParaRPr lang="pt-BR" sz="4400" dirty="0">
-              <a:latin typeface="Times New Roman" panose="02020603050405020304" pitchFamily="18" charset="0"/>
-              <a:cs typeface="Times New Roman" panose="02020603050405020304" pitchFamily="18" charset="0"/>
-            </a:endParaRPr>
           </a:p>
           <a:p>
             <a:pPr>
@@ -6936,12 +10252,8 @@
                 <a:latin typeface="Times New Roman" panose="02020603050405020304" pitchFamily="18" charset="0"/>
                 <a:cs typeface="Times New Roman" panose="02020603050405020304" pitchFamily="18" charset="0"/>
               </a:rPr>
-              <a:t> 	Inserir disciplinas de outros cursos dentro 	do horário;</a:t>
-            </a:r>
-            <a:endParaRPr lang="pt-BR" sz="4400" dirty="0">
-              <a:latin typeface="Times New Roman" panose="02020603050405020304" pitchFamily="18" charset="0"/>
-              <a:cs typeface="Times New Roman" panose="02020603050405020304" pitchFamily="18" charset="0"/>
-            </a:endParaRPr>
+              <a:t> 	Inserir disciplinas de outros cursos dentro 	do horário (horários fixos);</a:t>
+            </a:r>
           </a:p>
         </p:txBody>
       </p:sp>
@@ -6977,12 +10289,6 @@
               </a:rPr>
               <a:t>O problema!</a:t>
             </a:r>
-            <a:endParaRPr lang="pt-BR" sz="7200" b="1" dirty="0">
-              <a:solidFill>
-                <a:srgbClr val="049BE6"/>
-              </a:solidFill>
-              <a:latin typeface="+mn-lt"/>
-            </a:endParaRPr>
           </a:p>
         </p:txBody>
       </p:sp>
@@ -7269,12 +10575,6 @@
               </a:rPr>
               <a:t>Resolução do problema utilizando Algoritmo Genético</a:t>
             </a:r>
-            <a:endParaRPr lang="pt-BR" sz="4800" b="1" dirty="0">
-              <a:solidFill>
-                <a:srgbClr val="049BE6"/>
-              </a:solidFill>
-              <a:latin typeface="+mn-lt"/>
-            </a:endParaRPr>
           </a:p>
         </p:txBody>
       </p:sp>
@@ -7287,7 +10587,7 @@
           <p:nvPr/>
         </p:nvPicPr>
         <p:blipFill>
-          <a:blip r:embed="rId1">
+          <a:blip r:embed="rId2">
             <a:extLst>
               <a:ext uri="{28A0092B-C50C-407E-A947-70E740481C1C}">
                 <a14:useLocalDpi xmlns:a14="http://schemas.microsoft.com/office/drawing/2010/main" val="0"/>
@@ -7511,12 +10811,6 @@
               </a:rPr>
               <a:t>Passos Seguidos</a:t>
             </a:r>
-            <a:endParaRPr lang="pt-BR" sz="6000" b="1" dirty="0">
-              <a:solidFill>
-                <a:srgbClr val="049BE6"/>
-              </a:solidFill>
-              <a:latin typeface="+mn-lt"/>
-            </a:endParaRPr>
           </a:p>
         </p:txBody>
       </p:sp>
@@ -7537,7 +10831,7 @@
         </p:spPr>
         <p:txBody>
           <a:bodyPr>
-            <a:normAutofit/>
+            <a:normAutofit fontScale="92500" lnSpcReduction="10000"/>
           </a:bodyPr>
           <a:lstStyle>
             <a:lvl1pPr marL="228600" indent="-228600" algn="l" defTabSz="914400" rtl="0" eaLnBrk="1" latinLnBrk="0" hangingPunct="1">
@@ -7713,12 +11007,8 @@
                 <a:latin typeface="Times New Roman" panose="02020603050405020304" pitchFamily="18" charset="0"/>
                 <a:cs typeface="Times New Roman" panose="02020603050405020304" pitchFamily="18" charset="0"/>
               </a:rPr>
-              <a:t>Inicializar Individuo</a:t>
-            </a:r>
-            <a:endParaRPr lang="pt-BR" sz="4800" dirty="0">
-              <a:latin typeface="Times New Roman" panose="02020603050405020304" pitchFamily="18" charset="0"/>
-              <a:cs typeface="Times New Roman" panose="02020603050405020304" pitchFamily="18" charset="0"/>
-            </a:endParaRPr>
+              <a:t>Inicializar População</a:t>
+            </a:r>
           </a:p>
           <a:p>
             <a:pPr marL="742950" indent="-742950">
@@ -7730,12 +11020,8 @@
                 <a:latin typeface="Times New Roman" panose="02020603050405020304" pitchFamily="18" charset="0"/>
                 <a:cs typeface="Times New Roman" panose="02020603050405020304" pitchFamily="18" charset="0"/>
               </a:rPr>
-              <a:t>Avaliação de cada Individuo</a:t>
-            </a:r>
-            <a:endParaRPr lang="pt-BR" sz="4800" dirty="0">
-              <a:latin typeface="Times New Roman" panose="02020603050405020304" pitchFamily="18" charset="0"/>
-              <a:cs typeface="Times New Roman" panose="02020603050405020304" pitchFamily="18" charset="0"/>
-            </a:endParaRPr>
+              <a:t>Avaliação de cada Indivíduo</a:t>
+            </a:r>
           </a:p>
           <a:p>
             <a:pPr marL="742950" indent="-742950">
@@ -7747,12 +11033,21 @@
                 <a:latin typeface="Times New Roman" panose="02020603050405020304" pitchFamily="18" charset="0"/>
                 <a:cs typeface="Times New Roman" panose="02020603050405020304" pitchFamily="18" charset="0"/>
               </a:rPr>
-              <a:t>Seleção de alguns Individuos </a:t>
-            </a:r>
-            <a:endParaRPr lang="pt-BR" sz="4800" dirty="0">
-              <a:latin typeface="Times New Roman" panose="02020603050405020304" pitchFamily="18" charset="0"/>
-              <a:cs typeface="Times New Roman" panose="02020603050405020304" pitchFamily="18" charset="0"/>
-            </a:endParaRPr>
+              <a:t>Seleção de alguns Indivíduos </a:t>
+            </a:r>
+          </a:p>
+          <a:p>
+            <a:pPr marL="742950" indent="-742950">
+              <a:buFont typeface="+mj-lt"/>
+              <a:buAutoNum type="arabicPeriod"/>
+            </a:pPr>
+            <a:r>
+              <a:rPr lang="pt-BR" sz="4800" dirty="0">
+                <a:latin typeface="Times New Roman" panose="02020603050405020304" pitchFamily="18" charset="0"/>
+                <a:cs typeface="Times New Roman" panose="02020603050405020304" pitchFamily="18" charset="0"/>
+              </a:rPr>
+              <a:t>Função Fitness</a:t>
+            </a:r>
           </a:p>
           <a:p>
             <a:pPr marL="742950" indent="-742950">
@@ -7766,10 +11061,6 @@
               </a:rPr>
               <a:t>Cross-over</a:t>
             </a:r>
-            <a:endParaRPr lang="pt-BR" sz="4800" dirty="0">
-              <a:latin typeface="Times New Roman" panose="02020603050405020304" pitchFamily="18" charset="0"/>
-              <a:cs typeface="Times New Roman" panose="02020603050405020304" pitchFamily="18" charset="0"/>
-            </a:endParaRPr>
           </a:p>
           <a:p>
             <a:pPr marL="742950" indent="-742950">
@@ -7783,20 +11074,19 @@
               </a:rPr>
               <a:t>Concepção da nova geração</a:t>
             </a:r>
-            <a:endParaRPr lang="pt-BR" sz="4800" dirty="0">
-              <a:latin typeface="Times New Roman" panose="02020603050405020304" pitchFamily="18" charset="0"/>
-              <a:cs typeface="Times New Roman" panose="02020603050405020304" pitchFamily="18" charset="0"/>
-            </a:endParaRPr>
           </a:p>
           <a:p>
             <a:pPr marL="742950" indent="-742950">
               <a:buFont typeface="+mj-lt"/>
               <a:buAutoNum type="arabicPeriod"/>
             </a:pPr>
-            <a:endParaRPr lang="pt-BR" sz="4800" dirty="0">
-              <a:latin typeface="Times New Roman" panose="02020603050405020304" pitchFamily="18" charset="0"/>
-              <a:cs typeface="Times New Roman" panose="02020603050405020304" pitchFamily="18" charset="0"/>
-            </a:endParaRPr>
+            <a:r>
+              <a:rPr lang="pt-BR" sz="4800" dirty="0">
+                <a:latin typeface="Times New Roman" panose="02020603050405020304" pitchFamily="18" charset="0"/>
+                <a:cs typeface="Times New Roman" panose="02020603050405020304" pitchFamily="18" charset="0"/>
+              </a:rPr>
+              <a:t>Fim</a:t>
+            </a:r>
           </a:p>
           <a:p>
             <a:pPr marL="742950" indent="-742950">
@@ -8078,6 +11368,104 @@
                       </p:childTnLst>
                     </p:cTn>
                   </p:par>
+                  <p:par>
+                    <p:cTn id="23" fill="hold">
+                      <p:stCondLst>
+                        <p:cond delay="indefinite"/>
+                      </p:stCondLst>
+                      <p:childTnLst>
+                        <p:par>
+                          <p:cTn id="24" fill="hold">
+                            <p:stCondLst>
+                              <p:cond delay="0"/>
+                            </p:stCondLst>
+                            <p:childTnLst>
+                              <p:par>
+                                <p:cTn id="25" presetID="1" presetClass="entr" presetSubtype="0" fill="hold" nodeType="clickEffect">
+                                  <p:stCondLst>
+                                    <p:cond delay="0"/>
+                                  </p:stCondLst>
+                                  <p:childTnLst>
+                                    <p:set>
+                                      <p:cBhvr>
+                                        <p:cTn id="26" dur="1" fill="hold">
+                                          <p:stCondLst>
+                                            <p:cond delay="0"/>
+                                          </p:stCondLst>
+                                        </p:cTn>
+                                        <p:tgtEl>
+                                          <p:spTgt spid="3">
+                                            <p:txEl>
+                                              <p:pRg st="5" end="5"/>
+                                            </p:txEl>
+                                          </p:spTgt>
+                                        </p:tgtEl>
+                                        <p:attrNameLst>
+                                          <p:attrName>style.visibility</p:attrName>
+                                        </p:attrNameLst>
+                                      </p:cBhvr>
+                                      <p:to>
+                                        <p:strVal val="visible"/>
+                                      </p:to>
+                                    </p:set>
+                                  </p:childTnLst>
+                                </p:cTn>
+                              </p:par>
+                            </p:childTnLst>
+                          </p:cTn>
+                        </p:par>
+                      </p:childTnLst>
+                    </p:cTn>
+                  </p:par>
+                  <p:par>
+                    <p:cTn id="27" fill="hold">
+                      <p:stCondLst>
+                        <p:cond delay="indefinite"/>
+                      </p:stCondLst>
+                      <p:childTnLst>
+                        <p:par>
+                          <p:cTn id="28" fill="hold">
+                            <p:stCondLst>
+                              <p:cond delay="0"/>
+                            </p:stCondLst>
+                            <p:childTnLst>
+                              <p:par>
+                                <p:cTn id="29" presetID="1" presetClass="entr" presetSubtype="0" fill="hold" nodeType="clickEffect">
+                                  <p:stCondLst>
+                                    <p:cond delay="0"/>
+                                  </p:stCondLst>
+                                  <p:childTnLst>
+                                    <p:set>
+                                      <p:cBhvr>
+                                        <p:cTn id="30" dur="1" fill="hold">
+                                          <p:stCondLst>
+                                            <p:cond delay="0"/>
+                                          </p:stCondLst>
+                                        </p:cTn>
+                                        <p:tgtEl>
+                                          <p:spTgt spid="3">
+                                            <p:txEl>
+                                              <p:pRg st="6" end="6"/>
+                                            </p:txEl>
+                                          </p:spTgt>
+                                        </p:tgtEl>
+                                        <p:attrNameLst>
+                                          <p:attrName>style.visibility</p:attrName>
+                                        </p:attrNameLst>
+                                      </p:cBhvr>
+                                      <p:to>
+                                        <p:strVal val="visible"/>
+                                      </p:to>
+                                    </p:set>
+                                  </p:childTnLst>
+                                </p:cTn>
+                              </p:par>
+                            </p:childTnLst>
+                          </p:cTn>
+                        </p:par>
+                      </p:childTnLst>
+                    </p:cTn>
+                  </p:par>
                 </p:childTnLst>
               </p:cTn>
               <p:prevCondLst>
@@ -8128,7 +11516,7 @@
         </p:nvSpPr>
         <p:spPr>
           <a:xfrm>
-            <a:off x="838200" y="506437"/>
+            <a:off x="838199" y="200993"/>
             <a:ext cx="10515600" cy="970671"/>
           </a:xfrm>
           <a:prstGeom prst="rect">
@@ -8161,7 +11549,7 @@
           <a:p>
             <a:pPr algn="ctr"/>
             <a:r>
-              <a:rPr lang="pt-BR" sz="4800" b="1" dirty="0">
+              <a:rPr lang="pt-BR" sz="5400" b="1" dirty="0">
                 <a:solidFill>
                   <a:srgbClr val="049BE6"/>
                 </a:solidFill>
@@ -8169,12 +11557,6 @@
               </a:rPr>
               <a:t>Modelagem do indivíduo</a:t>
             </a:r>
-            <a:endParaRPr lang="pt-BR" sz="4800" b="1" dirty="0">
-              <a:solidFill>
-                <a:srgbClr val="049BE6"/>
-              </a:solidFill>
-              <a:latin typeface="+mn-lt"/>
-            </a:endParaRPr>
           </a:p>
         </p:txBody>
       </p:sp>
@@ -8369,7 +11751,6 @@
               <a:rPr lang="pt-BR" sz="4800" dirty="0"/>
               <a:t>	 </a:t>
             </a:r>
-            <a:endParaRPr lang="pt-BR" sz="4800" dirty="0"/>
           </a:p>
           <a:p>
             <a:pPr marL="742950" indent="-742950">
@@ -8389,14 +11770,20 @@
       </p:sp>
       <p:sp>
         <p:nvSpPr>
-          <p:cNvPr id="4" name="Espaço Reservado para Conteúdo 2"/>
+          <p:cNvPr id="5" name="Espaço Reservado para Conteúdo 2">
+            <a:extLst>
+              <a:ext uri="{FF2B5EF4-FFF2-40B4-BE49-F238E27FC236}">
+                <a16:creationId xmlns:a16="http://schemas.microsoft.com/office/drawing/2014/main" id="{227474EE-4146-41CA-AB5A-427A1CB34F5E}"/>
+              </a:ext>
+            </a:extLst>
+          </p:cNvPr>
           <p:cNvSpPr txBox="1"/>
           <p:nvPr/>
         </p:nvSpPr>
         <p:spPr>
           <a:xfrm>
-            <a:off x="473612" y="1882726"/>
-            <a:ext cx="11549575" cy="4712677"/>
+            <a:off x="626012" y="1577926"/>
+            <a:ext cx="11244775" cy="4712677"/>
           </a:xfrm>
           <a:prstGeom prst="rect">
             <a:avLst/>
@@ -8404,7 +11791,7 @@
         </p:spPr>
         <p:txBody>
           <a:bodyPr>
-            <a:normAutofit/>
+            <a:normAutofit fontScale="92500"/>
           </a:bodyPr>
           <a:lstStyle>
             <a:lvl1pPr marL="228600" indent="-228600" algn="l" defTabSz="914400" rtl="0" eaLnBrk="1" latinLnBrk="0" hangingPunct="1">
@@ -8571,21 +11958,58 @@
             </a:lvl9pPr>
           </a:lstStyle>
           <a:p>
-            <a:pPr marL="0" indent="0">
-              <a:buNone/>
-            </a:pPr>
-            <a:r>
-              <a:rPr lang="pt-BR" sz="4400" dirty="0"/>
-              <a:t>	</a:t>
-            </a:r>
-            <a:endParaRPr lang="pt-BR" sz="4400" dirty="0"/>
+            <a:pPr algn="just"/>
+            <a:r>
+              <a:rPr lang="pt-BR" sz="4400" dirty="0">
+                <a:latin typeface="Times New Roman" panose="02020603050405020304" pitchFamily="18" charset="0"/>
+                <a:cs typeface="Times New Roman" panose="02020603050405020304" pitchFamily="18" charset="0"/>
+              </a:rPr>
+              <a:t> </a:t>
+            </a:r>
+            <a:r>
+              <a:rPr lang="pt-BR" sz="4000" dirty="0">
+                <a:latin typeface="Times New Roman" panose="02020603050405020304" pitchFamily="18" charset="0"/>
+                <a:cs typeface="Times New Roman" panose="02020603050405020304" pitchFamily="18" charset="0"/>
+              </a:rPr>
+              <a:t>Ao analisarmos o problema, concluímos que o objetivo seria simular a disposição de horário dos professores ao longo da semana em um determinado período.</a:t>
+            </a:r>
+          </a:p>
+          <a:p>
+            <a:pPr algn="just"/>
+            <a:endParaRPr lang="pt-BR" sz="4000" dirty="0">
+              <a:latin typeface="Times New Roman" panose="02020603050405020304" pitchFamily="18" charset="0"/>
+              <a:cs typeface="Times New Roman" panose="02020603050405020304" pitchFamily="18" charset="0"/>
+            </a:endParaRPr>
+          </a:p>
+          <a:p>
+            <a:pPr algn="just"/>
+            <a:r>
+              <a:rPr lang="pt-BR" sz="4000" dirty="0">
+                <a:latin typeface="Times New Roman" panose="02020603050405020304" pitchFamily="18" charset="0"/>
+                <a:cs typeface="Times New Roman" panose="02020603050405020304" pitchFamily="18" charset="0"/>
+              </a:rPr>
+              <a:t> Desta forma, o indivíduo modelado é um período propriamente dito, com o dia das aulas, organização das disciplinas ao longo dos dias e  os professores responsáveis pelas aulas destas disciplinas.</a:t>
+            </a:r>
           </a:p>
           <a:p>
             <a:pPr marL="742950" indent="-742950">
               <a:buFont typeface="+mj-lt"/>
               <a:buAutoNum type="arabicPeriod"/>
             </a:pPr>
-            <a:endParaRPr lang="pt-BR" sz="4400" dirty="0"/>
+            <a:endParaRPr lang="pt-BR" sz="4000" dirty="0">
+              <a:latin typeface="Times New Roman" panose="02020603050405020304" pitchFamily="18" charset="0"/>
+              <a:cs typeface="Times New Roman" panose="02020603050405020304" pitchFamily="18" charset="0"/>
+            </a:endParaRPr>
+          </a:p>
+          <a:p>
+            <a:pPr marL="742950" indent="-742950">
+              <a:buFont typeface="+mj-lt"/>
+              <a:buAutoNum type="arabicPeriod"/>
+            </a:pPr>
+            <a:endParaRPr lang="pt-BR" sz="4400" dirty="0">
+              <a:latin typeface="Times New Roman" panose="02020603050405020304" pitchFamily="18" charset="0"/>
+              <a:cs typeface="Times New Roman" panose="02020603050405020304" pitchFamily="18" charset="0"/>
+            </a:endParaRPr>
           </a:p>
         </p:txBody>
       </p:sp>
@@ -8927,6 +12351,8 @@
       </a:bgFillStyleLst>
     </a:fmtScheme>
   </a:themeElements>
+  <a:objectDefaults/>
+  <a:extraClrSchemeLst/>
   <a:extLst>
     <a:ext uri="{05A4C25C-085E-4340-85A3-A5531E510DB2}">
       <thm15:themeFamily xmlns:thm15="http://schemas.microsoft.com/office/thememl/2012/main" name="Office Theme" id="{62F939B6-93AF-4DB8-9C6B-D6C7DFDC589F}" vid="{4A3C46E8-61CC-4603-A589-7422A47A8E4A}"/>

--- a/Apresentação.pptx
+++ b/Apresentação.pptx
@@ -23,8 +23,20 @@
     <p:sldId id="274" r:id="rId17"/>
     <p:sldId id="275" r:id="rId18"/>
     <p:sldId id="276" r:id="rId19"/>
-    <p:sldId id="269" r:id="rId20"/>
-    <p:sldId id="270" r:id="rId21"/>
+    <p:sldId id="285" r:id="rId20"/>
+    <p:sldId id="286" r:id="rId21"/>
+    <p:sldId id="287" r:id="rId22"/>
+    <p:sldId id="277" r:id="rId23"/>
+    <p:sldId id="280" r:id="rId24"/>
+    <p:sldId id="278" r:id="rId25"/>
+    <p:sldId id="279" r:id="rId26"/>
+    <p:sldId id="281" r:id="rId27"/>
+    <p:sldId id="282" r:id="rId28"/>
+    <p:sldId id="284" r:id="rId29"/>
+    <p:sldId id="283" r:id="rId30"/>
+    <p:sldId id="269" r:id="rId31"/>
+    <p:sldId id="288" r:id="rId32"/>
+    <p:sldId id="270" r:id="rId33"/>
   </p:sldIdLst>
   <p:sldSz cx="12192000" cy="6858000"/>
   <p:notesSz cx="6858000" cy="9144000"/>
@@ -8591,7 +8603,7 @@
         </p:nvSpPr>
         <p:spPr>
           <a:xfrm>
-            <a:off x="473612" y="506437"/>
+            <a:off x="655906" y="2943664"/>
             <a:ext cx="10880188" cy="970671"/>
           </a:xfrm>
           <a:prstGeom prst="rect">
@@ -8624,7 +8636,7 @@
           <a:p>
             <a:pPr algn="ctr"/>
             <a:r>
-              <a:rPr lang="pt-BR" sz="4800" b="1" dirty="0">
+              <a:rPr lang="pt-BR" sz="9600" b="1" dirty="0">
                 <a:solidFill>
                   <a:srgbClr val="049BE6"/>
                 </a:solidFill>
@@ -8635,16 +8647,46 @@
           </a:p>
         </p:txBody>
       </p:sp>
+    </p:spTree>
+    <p:extLst>
+      <p:ext uri="{BB962C8B-B14F-4D97-AF65-F5344CB8AC3E}">
+        <p14:creationId xmlns:p14="http://schemas.microsoft.com/office/powerpoint/2010/main" val="1998419429"/>
+      </p:ext>
+    </p:extLst>
+  </p:cSld>
+  <p:clrMapOvr>
+    <a:masterClrMapping/>
+  </p:clrMapOvr>
+</p:sld>
+</file>
+
+<file path=ppt/slides/slide19.xml><?xml version="1.0" encoding="utf-8"?>
+<p:sld xmlns:a="http://schemas.openxmlformats.org/drawingml/2006/main" xmlns:r="http://schemas.openxmlformats.org/officeDocument/2006/relationships" xmlns:p="http://schemas.openxmlformats.org/presentationml/2006/main">
+  <p:cSld>
+    <p:spTree>
+      <p:nvGrpSpPr>
+        <p:cNvPr id="1" name=""/>
+        <p:cNvGrpSpPr/>
+        <p:nvPr/>
+      </p:nvGrpSpPr>
+      <p:grpSpPr>
+        <a:xfrm>
+          <a:off x="0" y="0"/>
+          <a:ext cx="0" cy="0"/>
+          <a:chOff x="0" y="0"/>
+          <a:chExt cx="0" cy="0"/>
+        </a:xfrm>
+      </p:grpSpPr>
       <p:sp>
         <p:nvSpPr>
-          <p:cNvPr id="3" name="Espaço Reservado para Conteúdo 2"/>
+          <p:cNvPr id="2" name="Título 1"/>
           <p:cNvSpPr txBox="1"/>
           <p:nvPr/>
         </p:nvSpPr>
         <p:spPr>
           <a:xfrm>
-            <a:off x="321212" y="1730326"/>
-            <a:ext cx="11549575" cy="4712677"/>
+            <a:off x="655906" y="496679"/>
+            <a:ext cx="10880188" cy="970671"/>
           </a:xfrm>
           <a:prstGeom prst="rect">
             <a:avLst/>
@@ -8652,184 +8694,50 @@
         </p:spPr>
         <p:txBody>
           <a:bodyPr>
-            <a:normAutofit/>
+            <a:noAutofit/>
           </a:bodyPr>
           <a:lstStyle>
-            <a:lvl1pPr marL="228600" indent="-228600" algn="l" defTabSz="914400" rtl="0" eaLnBrk="1" latinLnBrk="0" hangingPunct="1">
-              <a:lnSpc>
-                <a:spcPct val="90000"/>
-              </a:lnSpc>
-              <a:spcBef>
-                <a:spcPts val="1000"/>
-              </a:spcBef>
-              <a:buFont typeface="Arial" panose="020B0604020202020204" pitchFamily="34" charset="0"/>
-              <a:buChar char="•"/>
-              <a:defRPr sz="2800" kern="1200">
-                <a:solidFill>
-                  <a:schemeClr val="tx1"/>
-                </a:solidFill>
-                <a:latin typeface="+mn-lt"/>
-                <a:ea typeface="+mn-ea"/>
-                <a:cs typeface="+mn-cs"/>
+            <a:lvl1pPr algn="l" defTabSz="914400" rtl="0" eaLnBrk="1" latinLnBrk="0" hangingPunct="1">
+              <a:lnSpc>
+                <a:spcPct val="90000"/>
+              </a:lnSpc>
+              <a:spcBef>
+                <a:spcPct val="0"/>
+              </a:spcBef>
+              <a:buNone/>
+              <a:defRPr sz="4400" kern="1200">
+                <a:solidFill>
+                  <a:schemeClr val="tx1"/>
+                </a:solidFill>
+                <a:latin typeface="+mj-lt"/>
+                <a:ea typeface="+mj-ea"/>
+                <a:cs typeface="+mj-cs"/>
               </a:defRPr>
             </a:lvl1pPr>
-            <a:lvl2pPr marL="685800" indent="-228600" algn="l" defTabSz="914400" rtl="0" eaLnBrk="1" latinLnBrk="0" hangingPunct="1">
-              <a:lnSpc>
-                <a:spcPct val="90000"/>
-              </a:lnSpc>
-              <a:spcBef>
-                <a:spcPts val="500"/>
-              </a:spcBef>
-              <a:buFont typeface="Arial" panose="020B0604020202020204" pitchFamily="34" charset="0"/>
-              <a:buChar char="•"/>
-              <a:defRPr sz="2400" kern="1200">
-                <a:solidFill>
-                  <a:schemeClr val="tx1"/>
-                </a:solidFill>
-                <a:latin typeface="+mn-lt"/>
-                <a:ea typeface="+mn-ea"/>
-                <a:cs typeface="+mn-cs"/>
-              </a:defRPr>
-            </a:lvl2pPr>
-            <a:lvl3pPr marL="1143000" indent="-228600" algn="l" defTabSz="914400" rtl="0" eaLnBrk="1" latinLnBrk="0" hangingPunct="1">
-              <a:lnSpc>
-                <a:spcPct val="90000"/>
-              </a:lnSpc>
-              <a:spcBef>
-                <a:spcPts val="500"/>
-              </a:spcBef>
-              <a:buFont typeface="Arial" panose="020B0604020202020204" pitchFamily="34" charset="0"/>
-              <a:buChar char="•"/>
-              <a:defRPr sz="2000" kern="1200">
-                <a:solidFill>
-                  <a:schemeClr val="tx1"/>
-                </a:solidFill>
-                <a:latin typeface="+mn-lt"/>
-                <a:ea typeface="+mn-ea"/>
-                <a:cs typeface="+mn-cs"/>
-              </a:defRPr>
-            </a:lvl3pPr>
-            <a:lvl4pPr marL="1600200" indent="-228600" algn="l" defTabSz="914400" rtl="0" eaLnBrk="1" latinLnBrk="0" hangingPunct="1">
-              <a:lnSpc>
-                <a:spcPct val="90000"/>
-              </a:lnSpc>
-              <a:spcBef>
-                <a:spcPts val="500"/>
-              </a:spcBef>
-              <a:buFont typeface="Arial" panose="020B0604020202020204" pitchFamily="34" charset="0"/>
-              <a:buChar char="•"/>
-              <a:defRPr sz="1800" kern="1200">
-                <a:solidFill>
-                  <a:schemeClr val="tx1"/>
-                </a:solidFill>
-                <a:latin typeface="+mn-lt"/>
-                <a:ea typeface="+mn-ea"/>
-                <a:cs typeface="+mn-cs"/>
-              </a:defRPr>
-            </a:lvl4pPr>
-            <a:lvl5pPr marL="2057400" indent="-228600" algn="l" defTabSz="914400" rtl="0" eaLnBrk="1" latinLnBrk="0" hangingPunct="1">
-              <a:lnSpc>
-                <a:spcPct val="90000"/>
-              </a:lnSpc>
-              <a:spcBef>
-                <a:spcPts val="500"/>
-              </a:spcBef>
-              <a:buFont typeface="Arial" panose="020B0604020202020204" pitchFamily="34" charset="0"/>
-              <a:buChar char="•"/>
-              <a:defRPr sz="1800" kern="1200">
-                <a:solidFill>
-                  <a:schemeClr val="tx1"/>
-                </a:solidFill>
-                <a:latin typeface="+mn-lt"/>
-                <a:ea typeface="+mn-ea"/>
-                <a:cs typeface="+mn-cs"/>
-              </a:defRPr>
-            </a:lvl5pPr>
-            <a:lvl6pPr marL="2514600" indent="-228600" algn="l" defTabSz="914400" rtl="0" eaLnBrk="1" latinLnBrk="0" hangingPunct="1">
-              <a:lnSpc>
-                <a:spcPct val="90000"/>
-              </a:lnSpc>
-              <a:spcBef>
-                <a:spcPts val="500"/>
-              </a:spcBef>
-              <a:buFont typeface="Arial" panose="020B0604020202020204" pitchFamily="34" charset="0"/>
-              <a:buChar char="•"/>
-              <a:defRPr sz="1800" kern="1200">
-                <a:solidFill>
-                  <a:schemeClr val="tx1"/>
-                </a:solidFill>
-                <a:latin typeface="+mn-lt"/>
-                <a:ea typeface="+mn-ea"/>
-                <a:cs typeface="+mn-cs"/>
-              </a:defRPr>
-            </a:lvl6pPr>
-            <a:lvl7pPr marL="2971800" indent="-228600" algn="l" defTabSz="914400" rtl="0" eaLnBrk="1" latinLnBrk="0" hangingPunct="1">
-              <a:lnSpc>
-                <a:spcPct val="90000"/>
-              </a:lnSpc>
-              <a:spcBef>
-                <a:spcPts val="500"/>
-              </a:spcBef>
-              <a:buFont typeface="Arial" panose="020B0604020202020204" pitchFamily="34" charset="0"/>
-              <a:buChar char="•"/>
-              <a:defRPr sz="1800" kern="1200">
-                <a:solidFill>
-                  <a:schemeClr val="tx1"/>
-                </a:solidFill>
-                <a:latin typeface="+mn-lt"/>
-                <a:ea typeface="+mn-ea"/>
-                <a:cs typeface="+mn-cs"/>
-              </a:defRPr>
-            </a:lvl7pPr>
-            <a:lvl8pPr marL="3429000" indent="-228600" algn="l" defTabSz="914400" rtl="0" eaLnBrk="1" latinLnBrk="0" hangingPunct="1">
-              <a:lnSpc>
-                <a:spcPct val="90000"/>
-              </a:lnSpc>
-              <a:spcBef>
-                <a:spcPts val="500"/>
-              </a:spcBef>
-              <a:buFont typeface="Arial" panose="020B0604020202020204" pitchFamily="34" charset="0"/>
-              <a:buChar char="•"/>
-              <a:defRPr sz="1800" kern="1200">
-                <a:solidFill>
-                  <a:schemeClr val="tx1"/>
-                </a:solidFill>
-                <a:latin typeface="+mn-lt"/>
-                <a:ea typeface="+mn-ea"/>
-                <a:cs typeface="+mn-cs"/>
-              </a:defRPr>
-            </a:lvl8pPr>
-            <a:lvl9pPr marL="3886200" indent="-228600" algn="l" defTabSz="914400" rtl="0" eaLnBrk="1" latinLnBrk="0" hangingPunct="1">
-              <a:lnSpc>
-                <a:spcPct val="90000"/>
-              </a:lnSpc>
-              <a:spcBef>
-                <a:spcPts val="500"/>
-              </a:spcBef>
-              <a:buFont typeface="Arial" panose="020B0604020202020204" pitchFamily="34" charset="0"/>
-              <a:buChar char="•"/>
-              <a:defRPr sz="1800" kern="1200">
-                <a:solidFill>
-                  <a:schemeClr val="tx1"/>
-                </a:solidFill>
-                <a:latin typeface="+mn-lt"/>
-                <a:ea typeface="+mn-ea"/>
-                <a:cs typeface="+mn-cs"/>
-              </a:defRPr>
-            </a:lvl9pPr>
           </a:lstStyle>
           <a:p>
-            <a:pPr marL="742950" indent="-742950">
-              <a:buFont typeface="+mj-lt"/>
-              <a:buAutoNum type="arabicPeriod"/>
-            </a:pPr>
-            <a:endParaRPr lang="pt-BR" sz="4400" dirty="0"/>
+            <a:pPr algn="ctr"/>
+            <a:r>
+              <a:rPr lang="pt-BR" sz="6600" b="1" dirty="0">
+                <a:solidFill>
+                  <a:srgbClr val="049BE6"/>
+                </a:solidFill>
+                <a:latin typeface="+mn-lt"/>
+              </a:rPr>
+              <a:t>Teste com 700 indivíduos</a:t>
+            </a:r>
           </a:p>
         </p:txBody>
       </p:sp>
       <p:sp>
         <p:nvSpPr>
-          <p:cNvPr id="4" name="Espaço Reservado para Conteúdo 2"/>
+          <p:cNvPr id="3" name="Espaço Reservado para Conteúdo 2">
+            <a:extLst>
+              <a:ext uri="{FF2B5EF4-FFF2-40B4-BE49-F238E27FC236}">
+                <a16:creationId xmlns:a16="http://schemas.microsoft.com/office/drawing/2014/main" id="{1CD36C4C-0C50-4D05-93FE-129DE55BE56A}"/>
+              </a:ext>
+            </a:extLst>
+          </p:cNvPr>
           <p:cNvSpPr txBox="1"/>
           <p:nvPr/>
         </p:nvSpPr>
@@ -9011,19 +8919,62 @@
             </a:lvl9pPr>
           </a:lstStyle>
           <a:p>
+            <a:pPr marL="0" indent="0" algn="just">
+              <a:buNone/>
+            </a:pPr>
+            <a:r>
+              <a:rPr lang="pt-BR" sz="4400" dirty="0">
+                <a:latin typeface="Times New Roman" panose="02020603050405020304" pitchFamily="18" charset="0"/>
+                <a:cs typeface="Times New Roman" panose="02020603050405020304" pitchFamily="18" charset="0"/>
+              </a:rPr>
+              <a:t> </a:t>
+            </a:r>
+          </a:p>
+          <a:p>
             <a:pPr algn="just"/>
             <a:r>
+              <a:rPr lang="pt-BR" sz="4400" dirty="0">
+                <a:latin typeface="Times New Roman" panose="02020603050405020304" pitchFamily="18" charset="0"/>
+                <a:cs typeface="Times New Roman" panose="02020603050405020304" pitchFamily="18" charset="0"/>
+              </a:rPr>
+              <a:t>Tempo de Processamento: </a:t>
+            </a:r>
+            <a:r>
               <a:rPr lang="pt-BR" sz="4400" dirty="0"/>
-              <a:t> </a:t>
-            </a:r>
-            <a:endParaRPr lang="pt-BR" sz="4000" b="1" dirty="0"/>
+              <a:t>00:01:40.4181342</a:t>
+            </a:r>
+            <a:endParaRPr lang="pt-BR" sz="4400" dirty="0">
+              <a:latin typeface="Times New Roman" panose="02020603050405020304" pitchFamily="18" charset="0"/>
+              <a:cs typeface="Times New Roman" panose="02020603050405020304" pitchFamily="18" charset="0"/>
+            </a:endParaRPr>
+          </a:p>
+          <a:p>
+            <a:pPr algn="just"/>
+            <a:endParaRPr lang="pt-BR" sz="4400" dirty="0">
+              <a:latin typeface="Times New Roman" panose="02020603050405020304" pitchFamily="18" charset="0"/>
+              <a:cs typeface="Times New Roman" panose="02020603050405020304" pitchFamily="18" charset="0"/>
+            </a:endParaRPr>
+          </a:p>
+          <a:p>
+            <a:pPr algn="just"/>
+            <a:r>
+              <a:rPr lang="pt-BR" sz="4400" dirty="0">
+                <a:latin typeface="Times New Roman" panose="02020603050405020304" pitchFamily="18" charset="0"/>
+                <a:cs typeface="Times New Roman" panose="02020603050405020304" pitchFamily="18" charset="0"/>
+              </a:rPr>
+              <a:t> Com apenas 2 gerações foi gerado 1 indivíduo com aptidão 90.</a:t>
+            </a:r>
+            <a:endParaRPr lang="pt-BR" sz="6000" b="1" dirty="0">
+              <a:latin typeface="Times New Roman" panose="02020603050405020304" pitchFamily="18" charset="0"/>
+              <a:cs typeface="Times New Roman" panose="02020603050405020304" pitchFamily="18" charset="0"/>
+            </a:endParaRPr>
           </a:p>
         </p:txBody>
       </p:sp>
     </p:spTree>
     <p:extLst>
       <p:ext uri="{BB962C8B-B14F-4D97-AF65-F5344CB8AC3E}">
-        <p14:creationId xmlns:p14="http://schemas.microsoft.com/office/powerpoint/2010/main" val="1998419429"/>
+        <p14:creationId xmlns:p14="http://schemas.microsoft.com/office/powerpoint/2010/main" val="2852500761"/>
       </p:ext>
     </p:extLst>
   </p:cSld>
@@ -9033,7 +8984,2139 @@
 </p:sld>
 </file>
 
-<file path=ppt/slides/slide19.xml><?xml version="1.0" encoding="utf-8"?>
+<file path=ppt/slides/slide2.xml><?xml version="1.0" encoding="utf-8"?>
+<p:sld xmlns:a="http://schemas.openxmlformats.org/drawingml/2006/main" xmlns:r="http://schemas.openxmlformats.org/officeDocument/2006/relationships" xmlns:p="http://schemas.openxmlformats.org/presentationml/2006/main">
+  <p:cSld>
+    <p:spTree>
+      <p:nvGrpSpPr>
+        <p:cNvPr id="1" name=""/>
+        <p:cNvGrpSpPr/>
+        <p:nvPr/>
+      </p:nvGrpSpPr>
+      <p:grpSpPr>
+        <a:xfrm>
+          <a:off x="0" y="0"/>
+          <a:ext cx="0" cy="0"/>
+          <a:chOff x="0" y="0"/>
+          <a:chExt cx="0" cy="0"/>
+        </a:xfrm>
+      </p:grpSpPr>
+      <p:pic>
+        <p:nvPicPr>
+          <p:cNvPr id="5" name="Imagem 4"/>
+          <p:cNvPicPr>
+            <a:picLocks noChangeAspect="1"/>
+          </p:cNvPicPr>
+          <p:nvPr/>
+        </p:nvPicPr>
+        <p:blipFill>
+          <a:blip r:embed="rId2">
+            <a:extLst>
+              <a:ext uri="{28A0092B-C50C-407E-A947-70E740481C1C}">
+                <a14:useLocalDpi xmlns:a14="http://schemas.microsoft.com/office/drawing/2010/main" val="0"/>
+              </a:ext>
+            </a:extLst>
+          </a:blip>
+          <a:stretch>
+            <a:fillRect/>
+          </a:stretch>
+        </p:blipFill>
+        <p:spPr>
+          <a:xfrm>
+            <a:off x="2489982" y="1"/>
+            <a:ext cx="7479323" cy="6858000"/>
+          </a:xfrm>
+          <a:prstGeom prst="rect">
+            <a:avLst/>
+          </a:prstGeom>
+        </p:spPr>
+      </p:pic>
+      <p:sp>
+        <p:nvSpPr>
+          <p:cNvPr id="2" name="Título 1"/>
+          <p:cNvSpPr>
+            <a:spLocks noGrp="1"/>
+          </p:cNvSpPr>
+          <p:nvPr>
+            <p:ph type="title"/>
+          </p:nvPr>
+        </p:nvSpPr>
+        <p:spPr>
+          <a:xfrm>
+            <a:off x="838200" y="2517481"/>
+            <a:ext cx="10515600" cy="1325563"/>
+          </a:xfrm>
+          <a:solidFill>
+            <a:schemeClr val="bg1"/>
+          </a:solidFill>
+        </p:spPr>
+        <p:txBody>
+          <a:bodyPr>
+            <a:normAutofit fontScale="90000"/>
+          </a:bodyPr>
+          <a:lstStyle/>
+          <a:p>
+            <a:pPr algn="ctr"/>
+            <a:r>
+              <a:rPr lang="pt-BR" dirty="0"/>
+              <a:t> </a:t>
+            </a:r>
+            <a:r>
+              <a:rPr lang="pt-BR" sz="9600" b="1" dirty="0">
+                <a:solidFill>
+                  <a:srgbClr val="049BE6"/>
+                </a:solidFill>
+                <a:latin typeface="+mn-lt"/>
+              </a:rPr>
+              <a:t>Algoritmo Genético</a:t>
+            </a:r>
+            <a:endParaRPr lang="pt-BR" b="1" dirty="0">
+              <a:solidFill>
+                <a:srgbClr val="049BE6"/>
+              </a:solidFill>
+              <a:latin typeface="+mn-lt"/>
+            </a:endParaRPr>
+          </a:p>
+        </p:txBody>
+      </p:sp>
+    </p:spTree>
+  </p:cSld>
+  <p:clrMapOvr>
+    <a:masterClrMapping/>
+  </p:clrMapOvr>
+</p:sld>
+</file>
+
+<file path=ppt/slides/slide20.xml><?xml version="1.0" encoding="utf-8"?>
+<p:sld xmlns:a="http://schemas.openxmlformats.org/drawingml/2006/main" xmlns:r="http://schemas.openxmlformats.org/officeDocument/2006/relationships" xmlns:p="http://schemas.openxmlformats.org/presentationml/2006/main">
+  <p:cSld>
+    <p:spTree>
+      <p:nvGrpSpPr>
+        <p:cNvPr id="1" name=""/>
+        <p:cNvGrpSpPr/>
+        <p:nvPr/>
+      </p:nvGrpSpPr>
+      <p:grpSpPr>
+        <a:xfrm>
+          <a:off x="0" y="0"/>
+          <a:ext cx="0" cy="0"/>
+          <a:chOff x="0" y="0"/>
+          <a:chExt cx="0" cy="0"/>
+        </a:xfrm>
+      </p:grpSpPr>
+      <p:pic>
+        <p:nvPicPr>
+          <p:cNvPr id="3" name="Imagem 2">
+            <a:extLst>
+              <a:ext uri="{FF2B5EF4-FFF2-40B4-BE49-F238E27FC236}">
+                <a16:creationId xmlns:a16="http://schemas.microsoft.com/office/drawing/2014/main" id="{0CC6BCA1-E992-4A99-A7E5-962AF964AF46}"/>
+              </a:ext>
+            </a:extLst>
+          </p:cNvPr>
+          <p:cNvPicPr>
+            <a:picLocks noChangeAspect="1"/>
+          </p:cNvPicPr>
+          <p:nvPr/>
+        </p:nvPicPr>
+        <p:blipFill>
+          <a:blip r:embed="rId2">
+            <a:extLst>
+              <a:ext uri="{28A0092B-C50C-407E-A947-70E740481C1C}">
+                <a14:useLocalDpi xmlns:a14="http://schemas.microsoft.com/office/drawing/2010/main" val="0"/>
+              </a:ext>
+            </a:extLst>
+          </a:blip>
+          <a:stretch>
+            <a:fillRect/>
+          </a:stretch>
+        </p:blipFill>
+        <p:spPr>
+          <a:xfrm>
+            <a:off x="0" y="1673"/>
+            <a:ext cx="12192000" cy="6854653"/>
+          </a:xfrm>
+          <a:prstGeom prst="rect">
+            <a:avLst/>
+          </a:prstGeom>
+        </p:spPr>
+      </p:pic>
+      <p:sp>
+        <p:nvSpPr>
+          <p:cNvPr id="4" name="Retângulo 3">
+            <a:extLst>
+              <a:ext uri="{FF2B5EF4-FFF2-40B4-BE49-F238E27FC236}">
+                <a16:creationId xmlns:a16="http://schemas.microsoft.com/office/drawing/2014/main" id="{DD5EC5C1-F39B-426B-9A2F-965D29D0582E}"/>
+              </a:ext>
+            </a:extLst>
+          </p:cNvPr>
+          <p:cNvSpPr/>
+          <p:nvPr/>
+        </p:nvSpPr>
+        <p:spPr>
+          <a:xfrm>
+            <a:off x="947490" y="3235327"/>
+            <a:ext cx="1528821" cy="647114"/>
+          </a:xfrm>
+          <a:prstGeom prst="rect">
+            <a:avLst/>
+          </a:prstGeom>
+          <a:noFill/>
+          <a:ln w="76200">
+            <a:solidFill>
+              <a:srgbClr val="FF0000"/>
+            </a:solidFill>
+          </a:ln>
+        </p:spPr>
+        <p:style>
+          <a:lnRef idx="2">
+            <a:schemeClr val="accent1">
+              <a:shade val="50000"/>
+            </a:schemeClr>
+          </a:lnRef>
+          <a:fillRef idx="1">
+            <a:schemeClr val="accent1"/>
+          </a:fillRef>
+          <a:effectRef idx="0">
+            <a:schemeClr val="accent1"/>
+          </a:effectRef>
+          <a:fontRef idx="minor">
+            <a:schemeClr val="lt1"/>
+          </a:fontRef>
+        </p:style>
+        <p:txBody>
+          <a:bodyPr rtlCol="0" anchor="ctr"/>
+          <a:lstStyle/>
+          <a:p>
+            <a:pPr algn="ctr"/>
+            <a:endParaRPr lang="pt-BR"/>
+          </a:p>
+        </p:txBody>
+      </p:sp>
+      <p:sp>
+        <p:nvSpPr>
+          <p:cNvPr id="5" name="Seta: para Baixo 4">
+            <a:extLst>
+              <a:ext uri="{FF2B5EF4-FFF2-40B4-BE49-F238E27FC236}">
+                <a16:creationId xmlns:a16="http://schemas.microsoft.com/office/drawing/2014/main" id="{DC73A79B-2AC3-42CA-9ED3-4332641C5298}"/>
+              </a:ext>
+            </a:extLst>
+          </p:cNvPr>
+          <p:cNvSpPr/>
+          <p:nvPr/>
+        </p:nvSpPr>
+        <p:spPr>
+          <a:xfrm rot="4373822">
+            <a:off x="2884961" y="2040728"/>
+            <a:ext cx="1088984" cy="1659407"/>
+          </a:xfrm>
+          <a:prstGeom prst="downArrow">
+            <a:avLst/>
+          </a:prstGeom>
+          <a:solidFill>
+            <a:srgbClr val="FF0000"/>
+          </a:solidFill>
+          <a:ln>
+            <a:solidFill>
+              <a:srgbClr val="FF0000"/>
+            </a:solidFill>
+          </a:ln>
+        </p:spPr>
+        <p:style>
+          <a:lnRef idx="2">
+            <a:schemeClr val="accent1">
+              <a:shade val="50000"/>
+            </a:schemeClr>
+          </a:lnRef>
+          <a:fillRef idx="1">
+            <a:schemeClr val="accent1"/>
+          </a:fillRef>
+          <a:effectRef idx="0">
+            <a:schemeClr val="accent1"/>
+          </a:effectRef>
+          <a:fontRef idx="minor">
+            <a:schemeClr val="lt1"/>
+          </a:fontRef>
+        </p:style>
+        <p:txBody>
+          <a:bodyPr rtlCol="0" anchor="ctr"/>
+          <a:lstStyle/>
+          <a:p>
+            <a:pPr algn="ctr"/>
+            <a:endParaRPr lang="pt-BR"/>
+          </a:p>
+        </p:txBody>
+      </p:sp>
+    </p:spTree>
+    <p:extLst>
+      <p:ext uri="{BB962C8B-B14F-4D97-AF65-F5344CB8AC3E}">
+        <p14:creationId xmlns:p14="http://schemas.microsoft.com/office/powerpoint/2010/main" val="1414576915"/>
+      </p:ext>
+    </p:extLst>
+  </p:cSld>
+  <p:clrMapOvr>
+    <a:masterClrMapping/>
+  </p:clrMapOvr>
+</p:sld>
+</file>
+
+<file path=ppt/slides/slide21.xml><?xml version="1.0" encoding="utf-8"?>
+<p:sld xmlns:a="http://schemas.openxmlformats.org/drawingml/2006/main" xmlns:r="http://schemas.openxmlformats.org/officeDocument/2006/relationships" xmlns:p="http://schemas.openxmlformats.org/presentationml/2006/main">
+  <p:cSld>
+    <p:spTree>
+      <p:nvGrpSpPr>
+        <p:cNvPr id="1" name=""/>
+        <p:cNvGrpSpPr/>
+        <p:nvPr/>
+      </p:nvGrpSpPr>
+      <p:grpSpPr>
+        <a:xfrm>
+          <a:off x="0" y="0"/>
+          <a:ext cx="0" cy="0"/>
+          <a:chOff x="0" y="0"/>
+          <a:chExt cx="0" cy="0"/>
+        </a:xfrm>
+      </p:grpSpPr>
+      <p:pic>
+        <p:nvPicPr>
+          <p:cNvPr id="5" name="Imagem 4">
+            <a:extLst>
+              <a:ext uri="{FF2B5EF4-FFF2-40B4-BE49-F238E27FC236}">
+                <a16:creationId xmlns:a16="http://schemas.microsoft.com/office/drawing/2014/main" id="{C7B4A71F-4056-47C5-B67D-785BAD239B61}"/>
+              </a:ext>
+            </a:extLst>
+          </p:cNvPr>
+          <p:cNvPicPr>
+            <a:picLocks noChangeAspect="1"/>
+          </p:cNvPicPr>
+          <p:nvPr/>
+        </p:nvPicPr>
+        <p:blipFill rotWithShape="1">
+          <a:blip r:embed="rId2">
+            <a:extLst>
+              <a:ext uri="{28A0092B-C50C-407E-A947-70E740481C1C}">
+                <a14:useLocalDpi xmlns:a14="http://schemas.microsoft.com/office/drawing/2010/main" val="0"/>
+              </a:ext>
+            </a:extLst>
+          </a:blip>
+          <a:srcRect l="6971" t="9934" r="8205" b="4203"/>
+          <a:stretch/>
+        </p:blipFill>
+        <p:spPr>
+          <a:xfrm>
+            <a:off x="0" y="0"/>
+            <a:ext cx="12192000" cy="6858000"/>
+          </a:xfrm>
+          <a:prstGeom prst="rect">
+            <a:avLst/>
+          </a:prstGeom>
+        </p:spPr>
+      </p:pic>
+      <p:sp>
+        <p:nvSpPr>
+          <p:cNvPr id="6" name="Retângulo 5">
+            <a:extLst>
+              <a:ext uri="{FF2B5EF4-FFF2-40B4-BE49-F238E27FC236}">
+                <a16:creationId xmlns:a16="http://schemas.microsoft.com/office/drawing/2014/main" id="{2B3B682F-3052-4336-9911-2417707F19E4}"/>
+              </a:ext>
+            </a:extLst>
+          </p:cNvPr>
+          <p:cNvSpPr/>
+          <p:nvPr/>
+        </p:nvSpPr>
+        <p:spPr>
+          <a:xfrm>
+            <a:off x="130953" y="3635062"/>
+            <a:ext cx="2833352" cy="1185203"/>
+          </a:xfrm>
+          <a:prstGeom prst="rect">
+            <a:avLst/>
+          </a:prstGeom>
+          <a:noFill/>
+          <a:ln w="76200">
+            <a:solidFill>
+              <a:srgbClr val="FF0000"/>
+            </a:solidFill>
+          </a:ln>
+        </p:spPr>
+        <p:style>
+          <a:lnRef idx="2">
+            <a:schemeClr val="accent1">
+              <a:shade val="50000"/>
+            </a:schemeClr>
+          </a:lnRef>
+          <a:fillRef idx="1">
+            <a:schemeClr val="accent1"/>
+          </a:fillRef>
+          <a:effectRef idx="0">
+            <a:schemeClr val="accent1"/>
+          </a:effectRef>
+          <a:fontRef idx="minor">
+            <a:schemeClr val="lt1"/>
+          </a:fontRef>
+        </p:style>
+        <p:txBody>
+          <a:bodyPr rtlCol="0" anchor="ctr"/>
+          <a:lstStyle/>
+          <a:p>
+            <a:pPr algn="ctr"/>
+            <a:endParaRPr lang="pt-BR"/>
+          </a:p>
+        </p:txBody>
+      </p:sp>
+      <p:sp>
+        <p:nvSpPr>
+          <p:cNvPr id="7" name="Seta: para Baixo 6">
+            <a:extLst>
+              <a:ext uri="{FF2B5EF4-FFF2-40B4-BE49-F238E27FC236}">
+                <a16:creationId xmlns:a16="http://schemas.microsoft.com/office/drawing/2014/main" id="{CF4FC65C-64A8-4E67-BA0B-0031474AD20D}"/>
+              </a:ext>
+            </a:extLst>
+          </p:cNvPr>
+          <p:cNvSpPr/>
+          <p:nvPr/>
+        </p:nvSpPr>
+        <p:spPr>
+          <a:xfrm rot="4373822">
+            <a:off x="3887212" y="1655190"/>
+            <a:ext cx="1569606" cy="2816458"/>
+          </a:xfrm>
+          <a:prstGeom prst="downArrow">
+            <a:avLst/>
+          </a:prstGeom>
+          <a:solidFill>
+            <a:srgbClr val="FF0000"/>
+          </a:solidFill>
+          <a:ln>
+            <a:solidFill>
+              <a:srgbClr val="FF0000"/>
+            </a:solidFill>
+          </a:ln>
+        </p:spPr>
+        <p:style>
+          <a:lnRef idx="2">
+            <a:schemeClr val="accent1">
+              <a:shade val="50000"/>
+            </a:schemeClr>
+          </a:lnRef>
+          <a:fillRef idx="1">
+            <a:schemeClr val="accent1"/>
+          </a:fillRef>
+          <a:effectRef idx="0">
+            <a:schemeClr val="accent1"/>
+          </a:effectRef>
+          <a:fontRef idx="minor">
+            <a:schemeClr val="lt1"/>
+          </a:fontRef>
+        </p:style>
+        <p:txBody>
+          <a:bodyPr rtlCol="0" anchor="ctr"/>
+          <a:lstStyle/>
+          <a:p>
+            <a:pPr algn="ctr"/>
+            <a:endParaRPr lang="pt-BR"/>
+          </a:p>
+        </p:txBody>
+      </p:sp>
+    </p:spTree>
+    <p:extLst>
+      <p:ext uri="{BB962C8B-B14F-4D97-AF65-F5344CB8AC3E}">
+        <p14:creationId xmlns:p14="http://schemas.microsoft.com/office/powerpoint/2010/main" val="3920548717"/>
+      </p:ext>
+    </p:extLst>
+  </p:cSld>
+  <p:clrMapOvr>
+    <a:masterClrMapping/>
+  </p:clrMapOvr>
+</p:sld>
+</file>
+
+<file path=ppt/slides/slide22.xml><?xml version="1.0" encoding="utf-8"?>
+<p:sld xmlns:a="http://schemas.openxmlformats.org/drawingml/2006/main" xmlns:r="http://schemas.openxmlformats.org/officeDocument/2006/relationships" xmlns:p="http://schemas.openxmlformats.org/presentationml/2006/main">
+  <p:cSld>
+    <p:spTree>
+      <p:nvGrpSpPr>
+        <p:cNvPr id="1" name=""/>
+        <p:cNvGrpSpPr/>
+        <p:nvPr/>
+      </p:nvGrpSpPr>
+      <p:grpSpPr>
+        <a:xfrm>
+          <a:off x="0" y="0"/>
+          <a:ext cx="0" cy="0"/>
+          <a:chOff x="0" y="0"/>
+          <a:chExt cx="0" cy="0"/>
+        </a:xfrm>
+      </p:grpSpPr>
+      <p:sp>
+        <p:nvSpPr>
+          <p:cNvPr id="2" name="Título 1"/>
+          <p:cNvSpPr txBox="1"/>
+          <p:nvPr/>
+        </p:nvSpPr>
+        <p:spPr>
+          <a:xfrm>
+            <a:off x="655906" y="496679"/>
+            <a:ext cx="10880188" cy="970671"/>
+          </a:xfrm>
+          <a:prstGeom prst="rect">
+            <a:avLst/>
+          </a:prstGeom>
+        </p:spPr>
+        <p:txBody>
+          <a:bodyPr>
+            <a:noAutofit/>
+          </a:bodyPr>
+          <a:lstStyle>
+            <a:lvl1pPr algn="l" defTabSz="914400" rtl="0" eaLnBrk="1" latinLnBrk="0" hangingPunct="1">
+              <a:lnSpc>
+                <a:spcPct val="90000"/>
+              </a:lnSpc>
+              <a:spcBef>
+                <a:spcPct val="0"/>
+              </a:spcBef>
+              <a:buNone/>
+              <a:defRPr sz="4400" kern="1200">
+                <a:solidFill>
+                  <a:schemeClr val="tx1"/>
+                </a:solidFill>
+                <a:latin typeface="+mj-lt"/>
+                <a:ea typeface="+mj-ea"/>
+                <a:cs typeface="+mj-cs"/>
+              </a:defRPr>
+            </a:lvl1pPr>
+          </a:lstStyle>
+          <a:p>
+            <a:pPr algn="ctr"/>
+            <a:r>
+              <a:rPr lang="pt-BR" sz="6600" b="1" dirty="0">
+                <a:solidFill>
+                  <a:srgbClr val="049BE6"/>
+                </a:solidFill>
+                <a:latin typeface="+mn-lt"/>
+              </a:rPr>
+              <a:t>Teste com 500 indivíduos</a:t>
+            </a:r>
+          </a:p>
+        </p:txBody>
+      </p:sp>
+      <p:sp>
+        <p:nvSpPr>
+          <p:cNvPr id="3" name="Espaço Reservado para Conteúdo 2">
+            <a:extLst>
+              <a:ext uri="{FF2B5EF4-FFF2-40B4-BE49-F238E27FC236}">
+                <a16:creationId xmlns:a16="http://schemas.microsoft.com/office/drawing/2014/main" id="{1CD36C4C-0C50-4D05-93FE-129DE55BE56A}"/>
+              </a:ext>
+            </a:extLst>
+          </p:cNvPr>
+          <p:cNvSpPr txBox="1"/>
+          <p:nvPr/>
+        </p:nvSpPr>
+        <p:spPr>
+          <a:xfrm>
+            <a:off x="473612" y="1882726"/>
+            <a:ext cx="11549575" cy="4712677"/>
+          </a:xfrm>
+          <a:prstGeom prst="rect">
+            <a:avLst/>
+          </a:prstGeom>
+        </p:spPr>
+        <p:txBody>
+          <a:bodyPr>
+            <a:normAutofit/>
+          </a:bodyPr>
+          <a:lstStyle>
+            <a:lvl1pPr marL="228600" indent="-228600" algn="l" defTabSz="914400" rtl="0" eaLnBrk="1" latinLnBrk="0" hangingPunct="1">
+              <a:lnSpc>
+                <a:spcPct val="90000"/>
+              </a:lnSpc>
+              <a:spcBef>
+                <a:spcPts val="1000"/>
+              </a:spcBef>
+              <a:buFont typeface="Arial" panose="020B0604020202020204" pitchFamily="34" charset="0"/>
+              <a:buChar char="•"/>
+              <a:defRPr sz="2800" kern="1200">
+                <a:solidFill>
+                  <a:schemeClr val="tx1"/>
+                </a:solidFill>
+                <a:latin typeface="+mn-lt"/>
+                <a:ea typeface="+mn-ea"/>
+                <a:cs typeface="+mn-cs"/>
+              </a:defRPr>
+            </a:lvl1pPr>
+            <a:lvl2pPr marL="685800" indent="-228600" algn="l" defTabSz="914400" rtl="0" eaLnBrk="1" latinLnBrk="0" hangingPunct="1">
+              <a:lnSpc>
+                <a:spcPct val="90000"/>
+              </a:lnSpc>
+              <a:spcBef>
+                <a:spcPts val="500"/>
+              </a:spcBef>
+              <a:buFont typeface="Arial" panose="020B0604020202020204" pitchFamily="34" charset="0"/>
+              <a:buChar char="•"/>
+              <a:defRPr sz="2400" kern="1200">
+                <a:solidFill>
+                  <a:schemeClr val="tx1"/>
+                </a:solidFill>
+                <a:latin typeface="+mn-lt"/>
+                <a:ea typeface="+mn-ea"/>
+                <a:cs typeface="+mn-cs"/>
+              </a:defRPr>
+            </a:lvl2pPr>
+            <a:lvl3pPr marL="1143000" indent="-228600" algn="l" defTabSz="914400" rtl="0" eaLnBrk="1" latinLnBrk="0" hangingPunct="1">
+              <a:lnSpc>
+                <a:spcPct val="90000"/>
+              </a:lnSpc>
+              <a:spcBef>
+                <a:spcPts val="500"/>
+              </a:spcBef>
+              <a:buFont typeface="Arial" panose="020B0604020202020204" pitchFamily="34" charset="0"/>
+              <a:buChar char="•"/>
+              <a:defRPr sz="2000" kern="1200">
+                <a:solidFill>
+                  <a:schemeClr val="tx1"/>
+                </a:solidFill>
+                <a:latin typeface="+mn-lt"/>
+                <a:ea typeface="+mn-ea"/>
+                <a:cs typeface="+mn-cs"/>
+              </a:defRPr>
+            </a:lvl3pPr>
+            <a:lvl4pPr marL="1600200" indent="-228600" algn="l" defTabSz="914400" rtl="0" eaLnBrk="1" latinLnBrk="0" hangingPunct="1">
+              <a:lnSpc>
+                <a:spcPct val="90000"/>
+              </a:lnSpc>
+              <a:spcBef>
+                <a:spcPts val="500"/>
+              </a:spcBef>
+              <a:buFont typeface="Arial" panose="020B0604020202020204" pitchFamily="34" charset="0"/>
+              <a:buChar char="•"/>
+              <a:defRPr sz="1800" kern="1200">
+                <a:solidFill>
+                  <a:schemeClr val="tx1"/>
+                </a:solidFill>
+                <a:latin typeface="+mn-lt"/>
+                <a:ea typeface="+mn-ea"/>
+                <a:cs typeface="+mn-cs"/>
+              </a:defRPr>
+            </a:lvl4pPr>
+            <a:lvl5pPr marL="2057400" indent="-228600" algn="l" defTabSz="914400" rtl="0" eaLnBrk="1" latinLnBrk="0" hangingPunct="1">
+              <a:lnSpc>
+                <a:spcPct val="90000"/>
+              </a:lnSpc>
+              <a:spcBef>
+                <a:spcPts val="500"/>
+              </a:spcBef>
+              <a:buFont typeface="Arial" panose="020B0604020202020204" pitchFamily="34" charset="0"/>
+              <a:buChar char="•"/>
+              <a:defRPr sz="1800" kern="1200">
+                <a:solidFill>
+                  <a:schemeClr val="tx1"/>
+                </a:solidFill>
+                <a:latin typeface="+mn-lt"/>
+                <a:ea typeface="+mn-ea"/>
+                <a:cs typeface="+mn-cs"/>
+              </a:defRPr>
+            </a:lvl5pPr>
+            <a:lvl6pPr marL="2514600" indent="-228600" algn="l" defTabSz="914400" rtl="0" eaLnBrk="1" latinLnBrk="0" hangingPunct="1">
+              <a:lnSpc>
+                <a:spcPct val="90000"/>
+              </a:lnSpc>
+              <a:spcBef>
+                <a:spcPts val="500"/>
+              </a:spcBef>
+              <a:buFont typeface="Arial" panose="020B0604020202020204" pitchFamily="34" charset="0"/>
+              <a:buChar char="•"/>
+              <a:defRPr sz="1800" kern="1200">
+                <a:solidFill>
+                  <a:schemeClr val="tx1"/>
+                </a:solidFill>
+                <a:latin typeface="+mn-lt"/>
+                <a:ea typeface="+mn-ea"/>
+                <a:cs typeface="+mn-cs"/>
+              </a:defRPr>
+            </a:lvl6pPr>
+            <a:lvl7pPr marL="2971800" indent="-228600" algn="l" defTabSz="914400" rtl="0" eaLnBrk="1" latinLnBrk="0" hangingPunct="1">
+              <a:lnSpc>
+                <a:spcPct val="90000"/>
+              </a:lnSpc>
+              <a:spcBef>
+                <a:spcPts val="500"/>
+              </a:spcBef>
+              <a:buFont typeface="Arial" panose="020B0604020202020204" pitchFamily="34" charset="0"/>
+              <a:buChar char="•"/>
+              <a:defRPr sz="1800" kern="1200">
+                <a:solidFill>
+                  <a:schemeClr val="tx1"/>
+                </a:solidFill>
+                <a:latin typeface="+mn-lt"/>
+                <a:ea typeface="+mn-ea"/>
+                <a:cs typeface="+mn-cs"/>
+              </a:defRPr>
+            </a:lvl7pPr>
+            <a:lvl8pPr marL="3429000" indent="-228600" algn="l" defTabSz="914400" rtl="0" eaLnBrk="1" latinLnBrk="0" hangingPunct="1">
+              <a:lnSpc>
+                <a:spcPct val="90000"/>
+              </a:lnSpc>
+              <a:spcBef>
+                <a:spcPts val="500"/>
+              </a:spcBef>
+              <a:buFont typeface="Arial" panose="020B0604020202020204" pitchFamily="34" charset="0"/>
+              <a:buChar char="•"/>
+              <a:defRPr sz="1800" kern="1200">
+                <a:solidFill>
+                  <a:schemeClr val="tx1"/>
+                </a:solidFill>
+                <a:latin typeface="+mn-lt"/>
+                <a:ea typeface="+mn-ea"/>
+                <a:cs typeface="+mn-cs"/>
+              </a:defRPr>
+            </a:lvl8pPr>
+            <a:lvl9pPr marL="3886200" indent="-228600" algn="l" defTabSz="914400" rtl="0" eaLnBrk="1" latinLnBrk="0" hangingPunct="1">
+              <a:lnSpc>
+                <a:spcPct val="90000"/>
+              </a:lnSpc>
+              <a:spcBef>
+                <a:spcPts val="500"/>
+              </a:spcBef>
+              <a:buFont typeface="Arial" panose="020B0604020202020204" pitchFamily="34" charset="0"/>
+              <a:buChar char="•"/>
+              <a:defRPr sz="1800" kern="1200">
+                <a:solidFill>
+                  <a:schemeClr val="tx1"/>
+                </a:solidFill>
+                <a:latin typeface="+mn-lt"/>
+                <a:ea typeface="+mn-ea"/>
+                <a:cs typeface="+mn-cs"/>
+              </a:defRPr>
+            </a:lvl9pPr>
+          </a:lstStyle>
+          <a:p>
+            <a:pPr marL="0" indent="0" algn="just">
+              <a:buNone/>
+            </a:pPr>
+            <a:r>
+              <a:rPr lang="pt-BR" sz="4400" dirty="0">
+                <a:latin typeface="Times New Roman" panose="02020603050405020304" pitchFamily="18" charset="0"/>
+                <a:cs typeface="Times New Roman" panose="02020603050405020304" pitchFamily="18" charset="0"/>
+              </a:rPr>
+              <a:t> </a:t>
+            </a:r>
+          </a:p>
+          <a:p>
+            <a:pPr algn="just"/>
+            <a:r>
+              <a:rPr lang="pt-BR" sz="4400" dirty="0">
+                <a:latin typeface="Times New Roman" panose="02020603050405020304" pitchFamily="18" charset="0"/>
+                <a:cs typeface="Times New Roman" panose="02020603050405020304" pitchFamily="18" charset="0"/>
+              </a:rPr>
+              <a:t>Tempo de Processamento: 00:01:02.5991522</a:t>
+            </a:r>
+          </a:p>
+          <a:p>
+            <a:pPr algn="just"/>
+            <a:endParaRPr lang="pt-BR" sz="4400" dirty="0">
+              <a:latin typeface="Times New Roman" panose="02020603050405020304" pitchFamily="18" charset="0"/>
+              <a:cs typeface="Times New Roman" panose="02020603050405020304" pitchFamily="18" charset="0"/>
+            </a:endParaRPr>
+          </a:p>
+          <a:p>
+            <a:pPr algn="just"/>
+            <a:r>
+              <a:rPr lang="pt-BR" sz="4400" dirty="0">
+                <a:latin typeface="Times New Roman" panose="02020603050405020304" pitchFamily="18" charset="0"/>
+                <a:cs typeface="Times New Roman" panose="02020603050405020304" pitchFamily="18" charset="0"/>
+              </a:rPr>
+              <a:t> Com apenas 1 geração foram gerados 2 indivíduos com aptidão 90.</a:t>
+            </a:r>
+            <a:endParaRPr lang="pt-BR" sz="6000" b="1" dirty="0">
+              <a:latin typeface="Times New Roman" panose="02020603050405020304" pitchFamily="18" charset="0"/>
+              <a:cs typeface="Times New Roman" panose="02020603050405020304" pitchFamily="18" charset="0"/>
+            </a:endParaRPr>
+          </a:p>
+        </p:txBody>
+      </p:sp>
+    </p:spTree>
+    <p:extLst>
+      <p:ext uri="{BB962C8B-B14F-4D97-AF65-F5344CB8AC3E}">
+        <p14:creationId xmlns:p14="http://schemas.microsoft.com/office/powerpoint/2010/main" val="3608014512"/>
+      </p:ext>
+    </p:extLst>
+  </p:cSld>
+  <p:clrMapOvr>
+    <a:masterClrMapping/>
+  </p:clrMapOvr>
+</p:sld>
+</file>
+
+<file path=ppt/slides/slide23.xml><?xml version="1.0" encoding="utf-8"?>
+<p:sld xmlns:a="http://schemas.openxmlformats.org/drawingml/2006/main" xmlns:r="http://schemas.openxmlformats.org/officeDocument/2006/relationships" xmlns:p="http://schemas.openxmlformats.org/presentationml/2006/main">
+  <p:cSld>
+    <p:spTree>
+      <p:nvGrpSpPr>
+        <p:cNvPr id="1" name=""/>
+        <p:cNvGrpSpPr/>
+        <p:nvPr/>
+      </p:nvGrpSpPr>
+      <p:grpSpPr>
+        <a:xfrm>
+          <a:off x="0" y="0"/>
+          <a:ext cx="0" cy="0"/>
+          <a:chOff x="0" y="0"/>
+          <a:chExt cx="0" cy="0"/>
+        </a:xfrm>
+      </p:grpSpPr>
+      <p:pic>
+        <p:nvPicPr>
+          <p:cNvPr id="5" name="Imagem 4">
+            <a:extLst>
+              <a:ext uri="{FF2B5EF4-FFF2-40B4-BE49-F238E27FC236}">
+                <a16:creationId xmlns:a16="http://schemas.microsoft.com/office/drawing/2014/main" id="{F4A7DE7A-3596-402F-8B0C-C00B76A98C55}"/>
+              </a:ext>
+            </a:extLst>
+          </p:cNvPr>
+          <p:cNvPicPr>
+            <a:picLocks noChangeAspect="1"/>
+          </p:cNvPicPr>
+          <p:nvPr/>
+        </p:nvPicPr>
+        <p:blipFill rotWithShape="1">
+          <a:blip r:embed="rId2">
+            <a:extLst>
+              <a:ext uri="{28A0092B-C50C-407E-A947-70E740481C1C}">
+                <a14:useLocalDpi xmlns:a14="http://schemas.microsoft.com/office/drawing/2010/main" val="0"/>
+              </a:ext>
+            </a:extLst>
+          </a:blip>
+          <a:srcRect l="6346" t="9370" r="10231" b="4203"/>
+          <a:stretch/>
+        </p:blipFill>
+        <p:spPr>
+          <a:xfrm>
+            <a:off x="0" y="0"/>
+            <a:ext cx="12191999" cy="6568225"/>
+          </a:xfrm>
+          <a:prstGeom prst="rect">
+            <a:avLst/>
+          </a:prstGeom>
+        </p:spPr>
+      </p:pic>
+    </p:spTree>
+    <p:extLst>
+      <p:ext uri="{BB962C8B-B14F-4D97-AF65-F5344CB8AC3E}">
+        <p14:creationId xmlns:p14="http://schemas.microsoft.com/office/powerpoint/2010/main" val="451064904"/>
+      </p:ext>
+    </p:extLst>
+  </p:cSld>
+  <p:clrMapOvr>
+    <a:masterClrMapping/>
+  </p:clrMapOvr>
+</p:sld>
+</file>
+
+<file path=ppt/slides/slide24.xml><?xml version="1.0" encoding="utf-8"?>
+<p:sld xmlns:a="http://schemas.openxmlformats.org/drawingml/2006/main" xmlns:r="http://schemas.openxmlformats.org/officeDocument/2006/relationships" xmlns:p="http://schemas.openxmlformats.org/presentationml/2006/main">
+  <p:cSld>
+    <p:spTree>
+      <p:nvGrpSpPr>
+        <p:cNvPr id="1" name=""/>
+        <p:cNvGrpSpPr/>
+        <p:nvPr/>
+      </p:nvGrpSpPr>
+      <p:grpSpPr>
+        <a:xfrm>
+          <a:off x="0" y="0"/>
+          <a:ext cx="0" cy="0"/>
+          <a:chOff x="0" y="0"/>
+          <a:chExt cx="0" cy="0"/>
+        </a:xfrm>
+      </p:grpSpPr>
+      <p:pic>
+        <p:nvPicPr>
+          <p:cNvPr id="5" name="Imagem 4">
+            <a:extLst>
+              <a:ext uri="{FF2B5EF4-FFF2-40B4-BE49-F238E27FC236}">
+                <a16:creationId xmlns:a16="http://schemas.microsoft.com/office/drawing/2014/main" id="{F4A7DE7A-3596-402F-8B0C-C00B76A98C55}"/>
+              </a:ext>
+            </a:extLst>
+          </p:cNvPr>
+          <p:cNvPicPr>
+            <a:picLocks noChangeAspect="1"/>
+          </p:cNvPicPr>
+          <p:nvPr/>
+        </p:nvPicPr>
+        <p:blipFill rotWithShape="1">
+          <a:blip r:embed="rId2">
+            <a:extLst>
+              <a:ext uri="{28A0092B-C50C-407E-A947-70E740481C1C}">
+                <a14:useLocalDpi xmlns:a14="http://schemas.microsoft.com/office/drawing/2010/main" val="0"/>
+              </a:ext>
+            </a:extLst>
+          </a:blip>
+          <a:srcRect l="6346" t="9370" r="10231" b="4203"/>
+          <a:stretch/>
+        </p:blipFill>
+        <p:spPr>
+          <a:xfrm>
+            <a:off x="0" y="0"/>
+            <a:ext cx="12191999" cy="6568225"/>
+          </a:xfrm>
+          <a:prstGeom prst="rect">
+            <a:avLst/>
+          </a:prstGeom>
+        </p:spPr>
+      </p:pic>
+      <p:sp>
+        <p:nvSpPr>
+          <p:cNvPr id="6" name="Retângulo 5">
+            <a:extLst>
+              <a:ext uri="{FF2B5EF4-FFF2-40B4-BE49-F238E27FC236}">
+                <a16:creationId xmlns:a16="http://schemas.microsoft.com/office/drawing/2014/main" id="{5DA1FE07-7513-4E2A-A07A-8A65E1370457}"/>
+              </a:ext>
+            </a:extLst>
+          </p:cNvPr>
+          <p:cNvSpPr/>
+          <p:nvPr/>
+        </p:nvSpPr>
+        <p:spPr>
+          <a:xfrm>
+            <a:off x="342182" y="2205017"/>
+            <a:ext cx="1528821" cy="647114"/>
+          </a:xfrm>
+          <a:prstGeom prst="rect">
+            <a:avLst/>
+          </a:prstGeom>
+          <a:noFill/>
+          <a:ln w="76200">
+            <a:solidFill>
+              <a:srgbClr val="FF0000"/>
+            </a:solidFill>
+          </a:ln>
+        </p:spPr>
+        <p:style>
+          <a:lnRef idx="2">
+            <a:schemeClr val="accent1">
+              <a:shade val="50000"/>
+            </a:schemeClr>
+          </a:lnRef>
+          <a:fillRef idx="1">
+            <a:schemeClr val="accent1"/>
+          </a:fillRef>
+          <a:effectRef idx="0">
+            <a:schemeClr val="accent1"/>
+          </a:effectRef>
+          <a:fontRef idx="minor">
+            <a:schemeClr val="lt1"/>
+          </a:fontRef>
+        </p:style>
+        <p:txBody>
+          <a:bodyPr rtlCol="0" anchor="ctr"/>
+          <a:lstStyle/>
+          <a:p>
+            <a:pPr algn="ctr"/>
+            <a:endParaRPr lang="pt-BR"/>
+          </a:p>
+        </p:txBody>
+      </p:sp>
+      <p:sp>
+        <p:nvSpPr>
+          <p:cNvPr id="7" name="Seta: para Baixo 6">
+            <a:extLst>
+              <a:ext uri="{FF2B5EF4-FFF2-40B4-BE49-F238E27FC236}">
+                <a16:creationId xmlns:a16="http://schemas.microsoft.com/office/drawing/2014/main" id="{F34FBC5A-34F2-445A-8361-FAE94125948E}"/>
+              </a:ext>
+            </a:extLst>
+          </p:cNvPr>
+          <p:cNvSpPr/>
+          <p:nvPr/>
+        </p:nvSpPr>
+        <p:spPr>
+          <a:xfrm rot="4373822">
+            <a:off x="2279653" y="1010418"/>
+            <a:ext cx="1088984" cy="1659407"/>
+          </a:xfrm>
+          <a:prstGeom prst="downArrow">
+            <a:avLst/>
+          </a:prstGeom>
+          <a:solidFill>
+            <a:srgbClr val="FF0000"/>
+          </a:solidFill>
+          <a:ln>
+            <a:solidFill>
+              <a:srgbClr val="FF0000"/>
+            </a:solidFill>
+          </a:ln>
+        </p:spPr>
+        <p:style>
+          <a:lnRef idx="2">
+            <a:schemeClr val="accent1">
+              <a:shade val="50000"/>
+            </a:schemeClr>
+          </a:lnRef>
+          <a:fillRef idx="1">
+            <a:schemeClr val="accent1"/>
+          </a:fillRef>
+          <a:effectRef idx="0">
+            <a:schemeClr val="accent1"/>
+          </a:effectRef>
+          <a:fontRef idx="minor">
+            <a:schemeClr val="lt1"/>
+          </a:fontRef>
+        </p:style>
+        <p:txBody>
+          <a:bodyPr rtlCol="0" anchor="ctr"/>
+          <a:lstStyle/>
+          <a:p>
+            <a:pPr algn="ctr"/>
+            <a:endParaRPr lang="pt-BR"/>
+          </a:p>
+        </p:txBody>
+      </p:sp>
+    </p:spTree>
+    <p:extLst>
+      <p:ext uri="{BB962C8B-B14F-4D97-AF65-F5344CB8AC3E}">
+        <p14:creationId xmlns:p14="http://schemas.microsoft.com/office/powerpoint/2010/main" val="3393351894"/>
+      </p:ext>
+    </p:extLst>
+  </p:cSld>
+  <p:clrMapOvr>
+    <a:masterClrMapping/>
+  </p:clrMapOvr>
+</p:sld>
+</file>
+
+<file path=ppt/slides/slide25.xml><?xml version="1.0" encoding="utf-8"?>
+<p:sld xmlns:a="http://schemas.openxmlformats.org/drawingml/2006/main" xmlns:r="http://schemas.openxmlformats.org/officeDocument/2006/relationships" xmlns:p="http://schemas.openxmlformats.org/presentationml/2006/main">
+  <p:cSld>
+    <p:spTree>
+      <p:nvGrpSpPr>
+        <p:cNvPr id="1" name=""/>
+        <p:cNvGrpSpPr/>
+        <p:nvPr/>
+      </p:nvGrpSpPr>
+      <p:grpSpPr>
+        <a:xfrm>
+          <a:off x="0" y="0"/>
+          <a:ext cx="0" cy="0"/>
+          <a:chOff x="0" y="0"/>
+          <a:chExt cx="0" cy="0"/>
+        </a:xfrm>
+      </p:grpSpPr>
+      <p:pic>
+        <p:nvPicPr>
+          <p:cNvPr id="5" name="Imagem 4">
+            <a:extLst>
+              <a:ext uri="{FF2B5EF4-FFF2-40B4-BE49-F238E27FC236}">
+                <a16:creationId xmlns:a16="http://schemas.microsoft.com/office/drawing/2014/main" id="{F4A7DE7A-3596-402F-8B0C-C00B76A98C55}"/>
+              </a:ext>
+            </a:extLst>
+          </p:cNvPr>
+          <p:cNvPicPr>
+            <a:picLocks noChangeAspect="1"/>
+          </p:cNvPicPr>
+          <p:nvPr/>
+        </p:nvPicPr>
+        <p:blipFill rotWithShape="1">
+          <a:blip r:embed="rId2">
+            <a:extLst>
+              <a:ext uri="{28A0092B-C50C-407E-A947-70E740481C1C}">
+                <a14:useLocalDpi xmlns:a14="http://schemas.microsoft.com/office/drawing/2010/main" val="0"/>
+              </a:ext>
+            </a:extLst>
+          </a:blip>
+          <a:srcRect l="6346" t="9370" r="10231" b="4203"/>
+          <a:stretch/>
+        </p:blipFill>
+        <p:spPr>
+          <a:xfrm>
+            <a:off x="0" y="0"/>
+            <a:ext cx="12191999" cy="6568225"/>
+          </a:xfrm>
+          <a:prstGeom prst="rect">
+            <a:avLst/>
+          </a:prstGeom>
+        </p:spPr>
+      </p:pic>
+      <p:sp>
+        <p:nvSpPr>
+          <p:cNvPr id="6" name="Retângulo 5">
+            <a:extLst>
+              <a:ext uri="{FF2B5EF4-FFF2-40B4-BE49-F238E27FC236}">
+                <a16:creationId xmlns:a16="http://schemas.microsoft.com/office/drawing/2014/main" id="{5DA1FE07-7513-4E2A-A07A-8A65E1370457}"/>
+              </a:ext>
+            </a:extLst>
+          </p:cNvPr>
+          <p:cNvSpPr/>
+          <p:nvPr/>
+        </p:nvSpPr>
+        <p:spPr>
+          <a:xfrm>
+            <a:off x="342182" y="2781886"/>
+            <a:ext cx="5753818" cy="1185203"/>
+          </a:xfrm>
+          <a:prstGeom prst="rect">
+            <a:avLst/>
+          </a:prstGeom>
+          <a:noFill/>
+          <a:ln w="76200">
+            <a:solidFill>
+              <a:srgbClr val="FF0000"/>
+            </a:solidFill>
+          </a:ln>
+        </p:spPr>
+        <p:style>
+          <a:lnRef idx="2">
+            <a:schemeClr val="accent1">
+              <a:shade val="50000"/>
+            </a:schemeClr>
+          </a:lnRef>
+          <a:fillRef idx="1">
+            <a:schemeClr val="accent1"/>
+          </a:fillRef>
+          <a:effectRef idx="0">
+            <a:schemeClr val="accent1"/>
+          </a:effectRef>
+          <a:fontRef idx="minor">
+            <a:schemeClr val="lt1"/>
+          </a:fontRef>
+        </p:style>
+        <p:txBody>
+          <a:bodyPr rtlCol="0" anchor="ctr"/>
+          <a:lstStyle/>
+          <a:p>
+            <a:pPr algn="ctr"/>
+            <a:endParaRPr lang="pt-BR"/>
+          </a:p>
+        </p:txBody>
+      </p:sp>
+      <p:sp>
+        <p:nvSpPr>
+          <p:cNvPr id="7" name="Seta: para Baixo 6">
+            <a:extLst>
+              <a:ext uri="{FF2B5EF4-FFF2-40B4-BE49-F238E27FC236}">
+                <a16:creationId xmlns:a16="http://schemas.microsoft.com/office/drawing/2014/main" id="{F34FBC5A-34F2-445A-8361-FAE94125948E}"/>
+              </a:ext>
+            </a:extLst>
+          </p:cNvPr>
+          <p:cNvSpPr/>
+          <p:nvPr/>
+        </p:nvSpPr>
+        <p:spPr>
+          <a:xfrm rot="4373822">
+            <a:off x="6891855" y="1282930"/>
+            <a:ext cx="1587814" cy="2273355"/>
+          </a:xfrm>
+          <a:prstGeom prst="downArrow">
+            <a:avLst/>
+          </a:prstGeom>
+          <a:solidFill>
+            <a:srgbClr val="FF0000"/>
+          </a:solidFill>
+          <a:ln>
+            <a:solidFill>
+              <a:srgbClr val="FF0000"/>
+            </a:solidFill>
+          </a:ln>
+        </p:spPr>
+        <p:style>
+          <a:lnRef idx="2">
+            <a:schemeClr val="accent1">
+              <a:shade val="50000"/>
+            </a:schemeClr>
+          </a:lnRef>
+          <a:fillRef idx="1">
+            <a:schemeClr val="accent1"/>
+          </a:fillRef>
+          <a:effectRef idx="0">
+            <a:schemeClr val="accent1"/>
+          </a:effectRef>
+          <a:fontRef idx="minor">
+            <a:schemeClr val="lt1"/>
+          </a:fontRef>
+        </p:style>
+        <p:txBody>
+          <a:bodyPr rtlCol="0" anchor="ctr"/>
+          <a:lstStyle/>
+          <a:p>
+            <a:pPr algn="ctr"/>
+            <a:endParaRPr lang="pt-BR"/>
+          </a:p>
+        </p:txBody>
+      </p:sp>
+    </p:spTree>
+    <p:extLst>
+      <p:ext uri="{BB962C8B-B14F-4D97-AF65-F5344CB8AC3E}">
+        <p14:creationId xmlns:p14="http://schemas.microsoft.com/office/powerpoint/2010/main" val="1211678445"/>
+      </p:ext>
+    </p:extLst>
+  </p:cSld>
+  <p:clrMapOvr>
+    <a:masterClrMapping/>
+  </p:clrMapOvr>
+</p:sld>
+</file>
+
+<file path=ppt/slides/slide26.xml><?xml version="1.0" encoding="utf-8"?>
+<p:sld xmlns:a="http://schemas.openxmlformats.org/drawingml/2006/main" xmlns:r="http://schemas.openxmlformats.org/officeDocument/2006/relationships" xmlns:p="http://schemas.openxmlformats.org/presentationml/2006/main">
+  <p:cSld>
+    <p:spTree>
+      <p:nvGrpSpPr>
+        <p:cNvPr id="1" name=""/>
+        <p:cNvGrpSpPr/>
+        <p:nvPr/>
+      </p:nvGrpSpPr>
+      <p:grpSpPr>
+        <a:xfrm>
+          <a:off x="0" y="0"/>
+          <a:ext cx="0" cy="0"/>
+          <a:chOff x="0" y="0"/>
+          <a:chExt cx="0" cy="0"/>
+        </a:xfrm>
+      </p:grpSpPr>
+      <p:sp>
+        <p:nvSpPr>
+          <p:cNvPr id="2" name="Título 1"/>
+          <p:cNvSpPr txBox="1"/>
+          <p:nvPr/>
+        </p:nvSpPr>
+        <p:spPr>
+          <a:xfrm>
+            <a:off x="655906" y="496679"/>
+            <a:ext cx="10880188" cy="970671"/>
+          </a:xfrm>
+          <a:prstGeom prst="rect">
+            <a:avLst/>
+          </a:prstGeom>
+        </p:spPr>
+        <p:txBody>
+          <a:bodyPr>
+            <a:noAutofit/>
+          </a:bodyPr>
+          <a:lstStyle>
+            <a:lvl1pPr algn="l" defTabSz="914400" rtl="0" eaLnBrk="1" latinLnBrk="0" hangingPunct="1">
+              <a:lnSpc>
+                <a:spcPct val="90000"/>
+              </a:lnSpc>
+              <a:spcBef>
+                <a:spcPct val="0"/>
+              </a:spcBef>
+              <a:buNone/>
+              <a:defRPr sz="4400" kern="1200">
+                <a:solidFill>
+                  <a:schemeClr val="tx1"/>
+                </a:solidFill>
+                <a:latin typeface="+mj-lt"/>
+                <a:ea typeface="+mj-ea"/>
+                <a:cs typeface="+mj-cs"/>
+              </a:defRPr>
+            </a:lvl1pPr>
+          </a:lstStyle>
+          <a:p>
+            <a:pPr algn="ctr"/>
+            <a:r>
+              <a:rPr lang="pt-BR" sz="6600" b="1" dirty="0">
+                <a:solidFill>
+                  <a:srgbClr val="049BE6"/>
+                </a:solidFill>
+                <a:latin typeface="+mn-lt"/>
+              </a:rPr>
+              <a:t>Teste com 250 indivíduos</a:t>
+            </a:r>
+          </a:p>
+        </p:txBody>
+      </p:sp>
+      <p:sp>
+        <p:nvSpPr>
+          <p:cNvPr id="3" name="Espaço Reservado para Conteúdo 2">
+            <a:extLst>
+              <a:ext uri="{FF2B5EF4-FFF2-40B4-BE49-F238E27FC236}">
+                <a16:creationId xmlns:a16="http://schemas.microsoft.com/office/drawing/2014/main" id="{1CD36C4C-0C50-4D05-93FE-129DE55BE56A}"/>
+              </a:ext>
+            </a:extLst>
+          </p:cNvPr>
+          <p:cNvSpPr txBox="1"/>
+          <p:nvPr/>
+        </p:nvSpPr>
+        <p:spPr>
+          <a:xfrm>
+            <a:off x="473612" y="1882726"/>
+            <a:ext cx="11549575" cy="4712677"/>
+          </a:xfrm>
+          <a:prstGeom prst="rect">
+            <a:avLst/>
+          </a:prstGeom>
+        </p:spPr>
+        <p:txBody>
+          <a:bodyPr>
+            <a:normAutofit/>
+          </a:bodyPr>
+          <a:lstStyle>
+            <a:lvl1pPr marL="228600" indent="-228600" algn="l" defTabSz="914400" rtl="0" eaLnBrk="1" latinLnBrk="0" hangingPunct="1">
+              <a:lnSpc>
+                <a:spcPct val="90000"/>
+              </a:lnSpc>
+              <a:spcBef>
+                <a:spcPts val="1000"/>
+              </a:spcBef>
+              <a:buFont typeface="Arial" panose="020B0604020202020204" pitchFamily="34" charset="0"/>
+              <a:buChar char="•"/>
+              <a:defRPr sz="2800" kern="1200">
+                <a:solidFill>
+                  <a:schemeClr val="tx1"/>
+                </a:solidFill>
+                <a:latin typeface="+mn-lt"/>
+                <a:ea typeface="+mn-ea"/>
+                <a:cs typeface="+mn-cs"/>
+              </a:defRPr>
+            </a:lvl1pPr>
+            <a:lvl2pPr marL="685800" indent="-228600" algn="l" defTabSz="914400" rtl="0" eaLnBrk="1" latinLnBrk="0" hangingPunct="1">
+              <a:lnSpc>
+                <a:spcPct val="90000"/>
+              </a:lnSpc>
+              <a:spcBef>
+                <a:spcPts val="500"/>
+              </a:spcBef>
+              <a:buFont typeface="Arial" panose="020B0604020202020204" pitchFamily="34" charset="0"/>
+              <a:buChar char="•"/>
+              <a:defRPr sz="2400" kern="1200">
+                <a:solidFill>
+                  <a:schemeClr val="tx1"/>
+                </a:solidFill>
+                <a:latin typeface="+mn-lt"/>
+                <a:ea typeface="+mn-ea"/>
+                <a:cs typeface="+mn-cs"/>
+              </a:defRPr>
+            </a:lvl2pPr>
+            <a:lvl3pPr marL="1143000" indent="-228600" algn="l" defTabSz="914400" rtl="0" eaLnBrk="1" latinLnBrk="0" hangingPunct="1">
+              <a:lnSpc>
+                <a:spcPct val="90000"/>
+              </a:lnSpc>
+              <a:spcBef>
+                <a:spcPts val="500"/>
+              </a:spcBef>
+              <a:buFont typeface="Arial" panose="020B0604020202020204" pitchFamily="34" charset="0"/>
+              <a:buChar char="•"/>
+              <a:defRPr sz="2000" kern="1200">
+                <a:solidFill>
+                  <a:schemeClr val="tx1"/>
+                </a:solidFill>
+                <a:latin typeface="+mn-lt"/>
+                <a:ea typeface="+mn-ea"/>
+                <a:cs typeface="+mn-cs"/>
+              </a:defRPr>
+            </a:lvl3pPr>
+            <a:lvl4pPr marL="1600200" indent="-228600" algn="l" defTabSz="914400" rtl="0" eaLnBrk="1" latinLnBrk="0" hangingPunct="1">
+              <a:lnSpc>
+                <a:spcPct val="90000"/>
+              </a:lnSpc>
+              <a:spcBef>
+                <a:spcPts val="500"/>
+              </a:spcBef>
+              <a:buFont typeface="Arial" panose="020B0604020202020204" pitchFamily="34" charset="0"/>
+              <a:buChar char="•"/>
+              <a:defRPr sz="1800" kern="1200">
+                <a:solidFill>
+                  <a:schemeClr val="tx1"/>
+                </a:solidFill>
+                <a:latin typeface="+mn-lt"/>
+                <a:ea typeface="+mn-ea"/>
+                <a:cs typeface="+mn-cs"/>
+              </a:defRPr>
+            </a:lvl4pPr>
+            <a:lvl5pPr marL="2057400" indent="-228600" algn="l" defTabSz="914400" rtl="0" eaLnBrk="1" latinLnBrk="0" hangingPunct="1">
+              <a:lnSpc>
+                <a:spcPct val="90000"/>
+              </a:lnSpc>
+              <a:spcBef>
+                <a:spcPts val="500"/>
+              </a:spcBef>
+              <a:buFont typeface="Arial" panose="020B0604020202020204" pitchFamily="34" charset="0"/>
+              <a:buChar char="•"/>
+              <a:defRPr sz="1800" kern="1200">
+                <a:solidFill>
+                  <a:schemeClr val="tx1"/>
+                </a:solidFill>
+                <a:latin typeface="+mn-lt"/>
+                <a:ea typeface="+mn-ea"/>
+                <a:cs typeface="+mn-cs"/>
+              </a:defRPr>
+            </a:lvl5pPr>
+            <a:lvl6pPr marL="2514600" indent="-228600" algn="l" defTabSz="914400" rtl="0" eaLnBrk="1" latinLnBrk="0" hangingPunct="1">
+              <a:lnSpc>
+                <a:spcPct val="90000"/>
+              </a:lnSpc>
+              <a:spcBef>
+                <a:spcPts val="500"/>
+              </a:spcBef>
+              <a:buFont typeface="Arial" panose="020B0604020202020204" pitchFamily="34" charset="0"/>
+              <a:buChar char="•"/>
+              <a:defRPr sz="1800" kern="1200">
+                <a:solidFill>
+                  <a:schemeClr val="tx1"/>
+                </a:solidFill>
+                <a:latin typeface="+mn-lt"/>
+                <a:ea typeface="+mn-ea"/>
+                <a:cs typeface="+mn-cs"/>
+              </a:defRPr>
+            </a:lvl6pPr>
+            <a:lvl7pPr marL="2971800" indent="-228600" algn="l" defTabSz="914400" rtl="0" eaLnBrk="1" latinLnBrk="0" hangingPunct="1">
+              <a:lnSpc>
+                <a:spcPct val="90000"/>
+              </a:lnSpc>
+              <a:spcBef>
+                <a:spcPts val="500"/>
+              </a:spcBef>
+              <a:buFont typeface="Arial" panose="020B0604020202020204" pitchFamily="34" charset="0"/>
+              <a:buChar char="•"/>
+              <a:defRPr sz="1800" kern="1200">
+                <a:solidFill>
+                  <a:schemeClr val="tx1"/>
+                </a:solidFill>
+                <a:latin typeface="+mn-lt"/>
+                <a:ea typeface="+mn-ea"/>
+                <a:cs typeface="+mn-cs"/>
+              </a:defRPr>
+            </a:lvl7pPr>
+            <a:lvl8pPr marL="3429000" indent="-228600" algn="l" defTabSz="914400" rtl="0" eaLnBrk="1" latinLnBrk="0" hangingPunct="1">
+              <a:lnSpc>
+                <a:spcPct val="90000"/>
+              </a:lnSpc>
+              <a:spcBef>
+                <a:spcPts val="500"/>
+              </a:spcBef>
+              <a:buFont typeface="Arial" panose="020B0604020202020204" pitchFamily="34" charset="0"/>
+              <a:buChar char="•"/>
+              <a:defRPr sz="1800" kern="1200">
+                <a:solidFill>
+                  <a:schemeClr val="tx1"/>
+                </a:solidFill>
+                <a:latin typeface="+mn-lt"/>
+                <a:ea typeface="+mn-ea"/>
+                <a:cs typeface="+mn-cs"/>
+              </a:defRPr>
+            </a:lvl8pPr>
+            <a:lvl9pPr marL="3886200" indent="-228600" algn="l" defTabSz="914400" rtl="0" eaLnBrk="1" latinLnBrk="0" hangingPunct="1">
+              <a:lnSpc>
+                <a:spcPct val="90000"/>
+              </a:lnSpc>
+              <a:spcBef>
+                <a:spcPts val="500"/>
+              </a:spcBef>
+              <a:buFont typeface="Arial" panose="020B0604020202020204" pitchFamily="34" charset="0"/>
+              <a:buChar char="•"/>
+              <a:defRPr sz="1800" kern="1200">
+                <a:solidFill>
+                  <a:schemeClr val="tx1"/>
+                </a:solidFill>
+                <a:latin typeface="+mn-lt"/>
+                <a:ea typeface="+mn-ea"/>
+                <a:cs typeface="+mn-cs"/>
+              </a:defRPr>
+            </a:lvl9pPr>
+          </a:lstStyle>
+          <a:p>
+            <a:pPr marL="0" indent="0" algn="just">
+              <a:buNone/>
+            </a:pPr>
+            <a:r>
+              <a:rPr lang="pt-BR" sz="4000" dirty="0">
+                <a:latin typeface="Times New Roman" panose="02020603050405020304" pitchFamily="18" charset="0"/>
+                <a:cs typeface="Times New Roman" panose="02020603050405020304" pitchFamily="18" charset="0"/>
+              </a:rPr>
+              <a:t> </a:t>
+            </a:r>
+          </a:p>
+          <a:p>
+            <a:pPr algn="just"/>
+            <a:r>
+              <a:rPr lang="pt-BR" sz="4000" dirty="0">
+                <a:latin typeface="Times New Roman" panose="02020603050405020304" pitchFamily="18" charset="0"/>
+                <a:cs typeface="Times New Roman" panose="02020603050405020304" pitchFamily="18" charset="0"/>
+              </a:rPr>
+              <a:t> Tempo de Processamento: </a:t>
+            </a:r>
+            <a:r>
+              <a:rPr lang="pt-BR" sz="4000" dirty="0"/>
+              <a:t>00:00:23.4041374</a:t>
+            </a:r>
+            <a:endParaRPr lang="pt-BR" sz="4000" dirty="0">
+              <a:latin typeface="Times New Roman" panose="02020603050405020304" pitchFamily="18" charset="0"/>
+              <a:cs typeface="Times New Roman" panose="02020603050405020304" pitchFamily="18" charset="0"/>
+            </a:endParaRPr>
+          </a:p>
+          <a:p>
+            <a:pPr algn="just"/>
+            <a:r>
+              <a:rPr lang="pt-BR" sz="4000" dirty="0">
+                <a:latin typeface="Times New Roman" panose="02020603050405020304" pitchFamily="18" charset="0"/>
+                <a:cs typeface="Times New Roman" panose="02020603050405020304" pitchFamily="18" charset="0"/>
+              </a:rPr>
+              <a:t> Na 3 geração foi gerado 1 indivíduo com aptidão 90.</a:t>
+            </a:r>
+            <a:endParaRPr lang="pt-BR" sz="4000" b="1" dirty="0">
+              <a:latin typeface="Times New Roman" panose="02020603050405020304" pitchFamily="18" charset="0"/>
+              <a:cs typeface="Times New Roman" panose="02020603050405020304" pitchFamily="18" charset="0"/>
+            </a:endParaRPr>
+          </a:p>
+        </p:txBody>
+      </p:sp>
+    </p:spTree>
+    <p:extLst>
+      <p:ext uri="{BB962C8B-B14F-4D97-AF65-F5344CB8AC3E}">
+        <p14:creationId xmlns:p14="http://schemas.microsoft.com/office/powerpoint/2010/main" val="3692303507"/>
+      </p:ext>
+    </p:extLst>
+  </p:cSld>
+  <p:clrMapOvr>
+    <a:masterClrMapping/>
+  </p:clrMapOvr>
+</p:sld>
+</file>
+
+<file path=ppt/slides/slide27.xml><?xml version="1.0" encoding="utf-8"?>
+<p:sld xmlns:a="http://schemas.openxmlformats.org/drawingml/2006/main" xmlns:r="http://schemas.openxmlformats.org/officeDocument/2006/relationships" xmlns:p="http://schemas.openxmlformats.org/presentationml/2006/main">
+  <p:cSld>
+    <p:spTree>
+      <p:nvGrpSpPr>
+        <p:cNvPr id="1" name=""/>
+        <p:cNvGrpSpPr/>
+        <p:nvPr/>
+      </p:nvGrpSpPr>
+      <p:grpSpPr>
+        <a:xfrm>
+          <a:off x="0" y="0"/>
+          <a:ext cx="0" cy="0"/>
+          <a:chOff x="0" y="0"/>
+          <a:chExt cx="0" cy="0"/>
+        </a:xfrm>
+      </p:grpSpPr>
+      <p:pic>
+        <p:nvPicPr>
+          <p:cNvPr id="3" name="Imagem 2">
+            <a:extLst>
+              <a:ext uri="{FF2B5EF4-FFF2-40B4-BE49-F238E27FC236}">
+                <a16:creationId xmlns:a16="http://schemas.microsoft.com/office/drawing/2014/main" id="{4AF42242-2D9F-4FFE-BE84-E064A1866D09}"/>
+              </a:ext>
+            </a:extLst>
+          </p:cNvPr>
+          <p:cNvPicPr>
+            <a:picLocks noChangeAspect="1"/>
+          </p:cNvPicPr>
+          <p:nvPr/>
+        </p:nvPicPr>
+        <p:blipFill rotWithShape="1">
+          <a:blip r:embed="rId2">
+            <a:extLst>
+              <a:ext uri="{28A0092B-C50C-407E-A947-70E740481C1C}">
+                <a14:useLocalDpi xmlns:a14="http://schemas.microsoft.com/office/drawing/2010/main" val="0"/>
+              </a:ext>
+            </a:extLst>
+          </a:blip>
+          <a:srcRect l="5387" t="10165" r="6725" b="4870"/>
+          <a:stretch/>
+        </p:blipFill>
+        <p:spPr>
+          <a:xfrm>
+            <a:off x="-103030" y="0"/>
+            <a:ext cx="12295030" cy="6858000"/>
+          </a:xfrm>
+          <a:prstGeom prst="rect">
+            <a:avLst/>
+          </a:prstGeom>
+        </p:spPr>
+      </p:pic>
+      <p:sp>
+        <p:nvSpPr>
+          <p:cNvPr id="4" name="Retângulo 3">
+            <a:extLst>
+              <a:ext uri="{FF2B5EF4-FFF2-40B4-BE49-F238E27FC236}">
+                <a16:creationId xmlns:a16="http://schemas.microsoft.com/office/drawing/2014/main" id="{7FB784DB-821B-4EA6-8C9D-A3158AC60D33}"/>
+              </a:ext>
+            </a:extLst>
+          </p:cNvPr>
+          <p:cNvSpPr/>
+          <p:nvPr/>
+        </p:nvSpPr>
+        <p:spPr>
+          <a:xfrm>
+            <a:off x="329303" y="3647451"/>
+            <a:ext cx="1528821" cy="647114"/>
+          </a:xfrm>
+          <a:prstGeom prst="rect">
+            <a:avLst/>
+          </a:prstGeom>
+          <a:noFill/>
+          <a:ln w="76200">
+            <a:solidFill>
+              <a:srgbClr val="FF0000"/>
+            </a:solidFill>
+          </a:ln>
+        </p:spPr>
+        <p:style>
+          <a:lnRef idx="2">
+            <a:schemeClr val="accent1">
+              <a:shade val="50000"/>
+            </a:schemeClr>
+          </a:lnRef>
+          <a:fillRef idx="1">
+            <a:schemeClr val="accent1"/>
+          </a:fillRef>
+          <a:effectRef idx="0">
+            <a:schemeClr val="accent1"/>
+          </a:effectRef>
+          <a:fontRef idx="minor">
+            <a:schemeClr val="lt1"/>
+          </a:fontRef>
+        </p:style>
+        <p:txBody>
+          <a:bodyPr rtlCol="0" anchor="ctr"/>
+          <a:lstStyle/>
+          <a:p>
+            <a:pPr algn="ctr"/>
+            <a:endParaRPr lang="pt-BR"/>
+          </a:p>
+        </p:txBody>
+      </p:sp>
+      <p:sp>
+        <p:nvSpPr>
+          <p:cNvPr id="5" name="Seta: para Baixo 4">
+            <a:extLst>
+              <a:ext uri="{FF2B5EF4-FFF2-40B4-BE49-F238E27FC236}">
+                <a16:creationId xmlns:a16="http://schemas.microsoft.com/office/drawing/2014/main" id="{20663EA2-0DE4-4630-9B24-CB26E168211F}"/>
+              </a:ext>
+            </a:extLst>
+          </p:cNvPr>
+          <p:cNvSpPr/>
+          <p:nvPr/>
+        </p:nvSpPr>
+        <p:spPr>
+          <a:xfrm rot="4373822">
+            <a:off x="2266774" y="2452852"/>
+            <a:ext cx="1088984" cy="1659407"/>
+          </a:xfrm>
+          <a:prstGeom prst="downArrow">
+            <a:avLst/>
+          </a:prstGeom>
+          <a:solidFill>
+            <a:srgbClr val="FF0000"/>
+          </a:solidFill>
+          <a:ln>
+            <a:solidFill>
+              <a:srgbClr val="FF0000"/>
+            </a:solidFill>
+          </a:ln>
+        </p:spPr>
+        <p:style>
+          <a:lnRef idx="2">
+            <a:schemeClr val="accent1">
+              <a:shade val="50000"/>
+            </a:schemeClr>
+          </a:lnRef>
+          <a:fillRef idx="1">
+            <a:schemeClr val="accent1"/>
+          </a:fillRef>
+          <a:effectRef idx="0">
+            <a:schemeClr val="accent1"/>
+          </a:effectRef>
+          <a:fontRef idx="minor">
+            <a:schemeClr val="lt1"/>
+          </a:fontRef>
+        </p:style>
+        <p:txBody>
+          <a:bodyPr rtlCol="0" anchor="ctr"/>
+          <a:lstStyle/>
+          <a:p>
+            <a:pPr algn="ctr"/>
+            <a:endParaRPr lang="pt-BR"/>
+          </a:p>
+        </p:txBody>
+      </p:sp>
+    </p:spTree>
+    <p:extLst>
+      <p:ext uri="{BB962C8B-B14F-4D97-AF65-F5344CB8AC3E}">
+        <p14:creationId xmlns:p14="http://schemas.microsoft.com/office/powerpoint/2010/main" val="1546852511"/>
+      </p:ext>
+    </p:extLst>
+  </p:cSld>
+  <p:clrMapOvr>
+    <a:masterClrMapping/>
+  </p:clrMapOvr>
+</p:sld>
+</file>
+
+<file path=ppt/slides/slide28.xml><?xml version="1.0" encoding="utf-8"?>
+<p:sld xmlns:a="http://schemas.openxmlformats.org/drawingml/2006/main" xmlns:r="http://schemas.openxmlformats.org/officeDocument/2006/relationships" xmlns:p="http://schemas.openxmlformats.org/presentationml/2006/main">
+  <p:cSld>
+    <p:spTree>
+      <p:nvGrpSpPr>
+        <p:cNvPr id="1" name=""/>
+        <p:cNvGrpSpPr/>
+        <p:nvPr/>
+      </p:nvGrpSpPr>
+      <p:grpSpPr>
+        <a:xfrm>
+          <a:off x="0" y="0"/>
+          <a:ext cx="0" cy="0"/>
+          <a:chOff x="0" y="0"/>
+          <a:chExt cx="0" cy="0"/>
+        </a:xfrm>
+      </p:grpSpPr>
+      <p:pic>
+        <p:nvPicPr>
+          <p:cNvPr id="2" name="Imagem 1">
+            <a:extLst>
+              <a:ext uri="{FF2B5EF4-FFF2-40B4-BE49-F238E27FC236}">
+                <a16:creationId xmlns:a16="http://schemas.microsoft.com/office/drawing/2014/main" id="{D1099BEF-BE58-4E1C-B4DC-B1F6B9A3AE50}"/>
+              </a:ext>
+            </a:extLst>
+          </p:cNvPr>
+          <p:cNvPicPr>
+            <a:picLocks noChangeAspect="1"/>
+          </p:cNvPicPr>
+          <p:nvPr/>
+        </p:nvPicPr>
+        <p:blipFill rotWithShape="1">
+          <a:blip r:embed="rId2"/>
+          <a:srcRect l="10458" t="9557" r="14225" b="4579"/>
+          <a:stretch/>
+        </p:blipFill>
+        <p:spPr>
+          <a:xfrm>
+            <a:off x="1" y="0"/>
+            <a:ext cx="12192000" cy="6857999"/>
+          </a:xfrm>
+          <a:prstGeom prst="rect">
+            <a:avLst/>
+          </a:prstGeom>
+        </p:spPr>
+      </p:pic>
+      <p:sp>
+        <p:nvSpPr>
+          <p:cNvPr id="3" name="Retângulo 2">
+            <a:extLst>
+              <a:ext uri="{FF2B5EF4-FFF2-40B4-BE49-F238E27FC236}">
+                <a16:creationId xmlns:a16="http://schemas.microsoft.com/office/drawing/2014/main" id="{ADDB40E7-8945-4824-BE04-D137EF4D5BC0}"/>
+              </a:ext>
+            </a:extLst>
+          </p:cNvPr>
+          <p:cNvSpPr/>
+          <p:nvPr/>
+        </p:nvSpPr>
+        <p:spPr>
+          <a:xfrm>
+            <a:off x="1159098" y="3493395"/>
+            <a:ext cx="2099257" cy="776958"/>
+          </a:xfrm>
+          <a:prstGeom prst="rect">
+            <a:avLst/>
+          </a:prstGeom>
+          <a:noFill/>
+          <a:ln w="76200">
+            <a:solidFill>
+              <a:srgbClr val="FF0000"/>
+            </a:solidFill>
+          </a:ln>
+        </p:spPr>
+        <p:style>
+          <a:lnRef idx="2">
+            <a:schemeClr val="accent1">
+              <a:shade val="50000"/>
+            </a:schemeClr>
+          </a:lnRef>
+          <a:fillRef idx="1">
+            <a:schemeClr val="accent1"/>
+          </a:fillRef>
+          <a:effectRef idx="0">
+            <a:schemeClr val="accent1"/>
+          </a:effectRef>
+          <a:fontRef idx="minor">
+            <a:schemeClr val="lt1"/>
+          </a:fontRef>
+        </p:style>
+        <p:txBody>
+          <a:bodyPr rtlCol="0" anchor="ctr"/>
+          <a:lstStyle/>
+          <a:p>
+            <a:pPr algn="ctr"/>
+            <a:endParaRPr lang="pt-BR"/>
+          </a:p>
+        </p:txBody>
+      </p:sp>
+      <p:sp>
+        <p:nvSpPr>
+          <p:cNvPr id="4" name="Seta: para Baixo 3">
+            <a:extLst>
+              <a:ext uri="{FF2B5EF4-FFF2-40B4-BE49-F238E27FC236}">
+                <a16:creationId xmlns:a16="http://schemas.microsoft.com/office/drawing/2014/main" id="{88B4403B-9090-4CDE-BC11-7AA83282AA05}"/>
+              </a:ext>
+            </a:extLst>
+          </p:cNvPr>
+          <p:cNvSpPr/>
+          <p:nvPr/>
+        </p:nvSpPr>
+        <p:spPr>
+          <a:xfrm rot="4373822">
+            <a:off x="4535162" y="1093536"/>
+            <a:ext cx="1781368" cy="3594066"/>
+          </a:xfrm>
+          <a:prstGeom prst="downArrow">
+            <a:avLst>
+              <a:gd name="adj1" fmla="val 50000"/>
+              <a:gd name="adj2" fmla="val 53510"/>
+            </a:avLst>
+          </a:prstGeom>
+          <a:solidFill>
+            <a:srgbClr val="FF0000"/>
+          </a:solidFill>
+          <a:ln>
+            <a:solidFill>
+              <a:srgbClr val="FF0000"/>
+            </a:solidFill>
+          </a:ln>
+        </p:spPr>
+        <p:style>
+          <a:lnRef idx="2">
+            <a:schemeClr val="accent1">
+              <a:shade val="50000"/>
+            </a:schemeClr>
+          </a:lnRef>
+          <a:fillRef idx="1">
+            <a:schemeClr val="accent1"/>
+          </a:fillRef>
+          <a:effectRef idx="0">
+            <a:schemeClr val="accent1"/>
+          </a:effectRef>
+          <a:fontRef idx="minor">
+            <a:schemeClr val="lt1"/>
+          </a:fontRef>
+        </p:style>
+        <p:txBody>
+          <a:bodyPr rtlCol="0" anchor="ctr"/>
+          <a:lstStyle/>
+          <a:p>
+            <a:pPr algn="ctr"/>
+            <a:endParaRPr lang="pt-BR"/>
+          </a:p>
+        </p:txBody>
+      </p:sp>
+    </p:spTree>
+    <p:extLst>
+      <p:ext uri="{BB962C8B-B14F-4D97-AF65-F5344CB8AC3E}">
+        <p14:creationId xmlns:p14="http://schemas.microsoft.com/office/powerpoint/2010/main" val="3490532154"/>
+      </p:ext>
+    </p:extLst>
+  </p:cSld>
+  <p:clrMapOvr>
+    <a:masterClrMapping/>
+  </p:clrMapOvr>
+</p:sld>
+</file>
+
+<file path=ppt/slides/slide29.xml><?xml version="1.0" encoding="utf-8"?>
+<p:sld xmlns:a="http://schemas.openxmlformats.org/drawingml/2006/main" xmlns:r="http://schemas.openxmlformats.org/officeDocument/2006/relationships" xmlns:p="http://schemas.openxmlformats.org/presentationml/2006/main">
+  <p:cSld>
+    <p:spTree>
+      <p:nvGrpSpPr>
+        <p:cNvPr id="1" name=""/>
+        <p:cNvGrpSpPr/>
+        <p:nvPr/>
+      </p:nvGrpSpPr>
+      <p:grpSpPr>
+        <a:xfrm>
+          <a:off x="0" y="0"/>
+          <a:ext cx="0" cy="0"/>
+          <a:chOff x="0" y="0"/>
+          <a:chExt cx="0" cy="0"/>
+        </a:xfrm>
+      </p:grpSpPr>
+      <p:pic>
+        <p:nvPicPr>
+          <p:cNvPr id="8" name="Imagem 7">
+            <a:extLst>
+              <a:ext uri="{FF2B5EF4-FFF2-40B4-BE49-F238E27FC236}">
+                <a16:creationId xmlns:a16="http://schemas.microsoft.com/office/drawing/2014/main" id="{60ECDD5C-A9E5-4FE9-B21E-00EF0EEC98A2}"/>
+              </a:ext>
+            </a:extLst>
+          </p:cNvPr>
+          <p:cNvPicPr>
+            <a:picLocks noChangeAspect="1"/>
+          </p:cNvPicPr>
+          <p:nvPr/>
+        </p:nvPicPr>
+        <p:blipFill rotWithShape="1">
+          <a:blip r:embed="rId2">
+            <a:extLst>
+              <a:ext uri="{28A0092B-C50C-407E-A947-70E740481C1C}">
+                <a14:useLocalDpi xmlns:a14="http://schemas.microsoft.com/office/drawing/2010/main" val="0"/>
+              </a:ext>
+            </a:extLst>
+          </a:blip>
+          <a:srcRect l="18449" t="10309" r="19935" b="6457"/>
+          <a:stretch/>
+        </p:blipFill>
+        <p:spPr>
+          <a:xfrm>
+            <a:off x="0" y="0"/>
+            <a:ext cx="12192000" cy="6954592"/>
+          </a:xfrm>
+          <a:prstGeom prst="rect">
+            <a:avLst/>
+          </a:prstGeom>
+        </p:spPr>
+      </p:pic>
+      <p:sp>
+        <p:nvSpPr>
+          <p:cNvPr id="9" name="Retângulo 8">
+            <a:extLst>
+              <a:ext uri="{FF2B5EF4-FFF2-40B4-BE49-F238E27FC236}">
+                <a16:creationId xmlns:a16="http://schemas.microsoft.com/office/drawing/2014/main" id="{9C5BD398-6D02-45DA-BA87-93166AF1BA71}"/>
+              </a:ext>
+            </a:extLst>
+          </p:cNvPr>
+          <p:cNvSpPr/>
+          <p:nvPr/>
+        </p:nvSpPr>
+        <p:spPr>
+          <a:xfrm>
+            <a:off x="9846791" y="6027313"/>
+            <a:ext cx="2319451" cy="443782"/>
+          </a:xfrm>
+          <a:prstGeom prst="rect">
+            <a:avLst/>
+          </a:prstGeom>
+          <a:noFill/>
+          <a:ln w="76200">
+            <a:solidFill>
+              <a:srgbClr val="FF0000"/>
+            </a:solidFill>
+          </a:ln>
+        </p:spPr>
+        <p:style>
+          <a:lnRef idx="2">
+            <a:schemeClr val="accent1">
+              <a:shade val="50000"/>
+            </a:schemeClr>
+          </a:lnRef>
+          <a:fillRef idx="1">
+            <a:schemeClr val="accent1"/>
+          </a:fillRef>
+          <a:effectRef idx="0">
+            <a:schemeClr val="accent1"/>
+          </a:effectRef>
+          <a:fontRef idx="minor">
+            <a:schemeClr val="lt1"/>
+          </a:fontRef>
+        </p:style>
+        <p:txBody>
+          <a:bodyPr rtlCol="0" anchor="ctr"/>
+          <a:lstStyle/>
+          <a:p>
+            <a:pPr algn="ctr"/>
+            <a:endParaRPr lang="pt-BR"/>
+          </a:p>
+        </p:txBody>
+      </p:sp>
+      <p:sp>
+        <p:nvSpPr>
+          <p:cNvPr id="11" name="Retângulo 10">
+            <a:extLst>
+              <a:ext uri="{FF2B5EF4-FFF2-40B4-BE49-F238E27FC236}">
+                <a16:creationId xmlns:a16="http://schemas.microsoft.com/office/drawing/2014/main" id="{DD6F5DC7-87E0-4E0D-832D-30330DA00748}"/>
+              </a:ext>
+            </a:extLst>
+          </p:cNvPr>
+          <p:cNvSpPr/>
+          <p:nvPr/>
+        </p:nvSpPr>
+        <p:spPr>
+          <a:xfrm>
+            <a:off x="3418087" y="1311499"/>
+            <a:ext cx="2319451" cy="465786"/>
+          </a:xfrm>
+          <a:prstGeom prst="rect">
+            <a:avLst/>
+          </a:prstGeom>
+          <a:noFill/>
+          <a:ln w="76200">
+            <a:solidFill>
+              <a:srgbClr val="FF0000"/>
+            </a:solidFill>
+          </a:ln>
+        </p:spPr>
+        <p:style>
+          <a:lnRef idx="2">
+            <a:schemeClr val="accent1">
+              <a:shade val="50000"/>
+            </a:schemeClr>
+          </a:lnRef>
+          <a:fillRef idx="1">
+            <a:schemeClr val="accent1"/>
+          </a:fillRef>
+          <a:effectRef idx="0">
+            <a:schemeClr val="accent1"/>
+          </a:effectRef>
+          <a:fontRef idx="minor">
+            <a:schemeClr val="lt1"/>
+          </a:fontRef>
+        </p:style>
+        <p:txBody>
+          <a:bodyPr rtlCol="0" anchor="ctr"/>
+          <a:lstStyle/>
+          <a:p>
+            <a:pPr algn="ctr"/>
+            <a:endParaRPr lang="pt-BR"/>
+          </a:p>
+        </p:txBody>
+      </p:sp>
+    </p:spTree>
+    <p:extLst>
+      <p:ext uri="{BB962C8B-B14F-4D97-AF65-F5344CB8AC3E}">
+        <p14:creationId xmlns:p14="http://schemas.microsoft.com/office/powerpoint/2010/main" val="792726031"/>
+      </p:ext>
+    </p:extLst>
+  </p:cSld>
+  <p:clrMapOvr>
+    <a:masterClrMapping/>
+  </p:clrMapOvr>
+</p:sld>
+</file>
+
+<file path=ppt/slides/slide3.xml><?xml version="1.0" encoding="utf-8"?>
+<p:sld xmlns:a="http://schemas.openxmlformats.org/drawingml/2006/main" xmlns:r="http://schemas.openxmlformats.org/officeDocument/2006/relationships" xmlns:p="http://schemas.openxmlformats.org/presentationml/2006/main">
+  <p:cSld>
+    <p:spTree>
+      <p:nvGrpSpPr>
+        <p:cNvPr id="1" name=""/>
+        <p:cNvGrpSpPr/>
+        <p:nvPr/>
+      </p:nvGrpSpPr>
+      <p:grpSpPr>
+        <a:xfrm>
+          <a:off x="0" y="0"/>
+          <a:ext cx="0" cy="0"/>
+          <a:chOff x="0" y="0"/>
+          <a:chExt cx="0" cy="0"/>
+        </a:xfrm>
+      </p:grpSpPr>
+      <p:sp>
+        <p:nvSpPr>
+          <p:cNvPr id="2" name="Título 1"/>
+          <p:cNvSpPr>
+            <a:spLocks noGrp="1"/>
+          </p:cNvSpPr>
+          <p:nvPr>
+            <p:ph type="title"/>
+          </p:nvPr>
+        </p:nvSpPr>
+        <p:spPr/>
+        <p:txBody>
+          <a:bodyPr>
+            <a:normAutofit/>
+          </a:bodyPr>
+          <a:lstStyle/>
+          <a:p>
+            <a:pPr algn="ctr"/>
+            <a:r>
+              <a:rPr lang="pt-BR" sz="8000" b="1" dirty="0">
+                <a:solidFill>
+                  <a:srgbClr val="049BE6"/>
+                </a:solidFill>
+                <a:latin typeface="+mn-lt"/>
+              </a:rPr>
+              <a:t>Agenda</a:t>
+            </a:r>
+          </a:p>
+        </p:txBody>
+      </p:sp>
+      <p:sp>
+        <p:nvSpPr>
+          <p:cNvPr id="3" name="Espaço Reservado para Conteúdo 2"/>
+          <p:cNvSpPr>
+            <a:spLocks noGrp="1"/>
+          </p:cNvSpPr>
+          <p:nvPr>
+            <p:ph idx="1"/>
+          </p:nvPr>
+        </p:nvSpPr>
+        <p:spPr/>
+        <p:txBody>
+          <a:bodyPr>
+            <a:normAutofit/>
+          </a:bodyPr>
+          <a:lstStyle/>
+          <a:p>
+            <a:pPr marL="514350" indent="-514350">
+              <a:buFont typeface="+mj-lt"/>
+              <a:buAutoNum type="arabicPeriod"/>
+            </a:pPr>
+            <a:r>
+              <a:rPr lang="pt-BR" sz="4000" b="1" dirty="0">
+                <a:latin typeface="Times New Roman" panose="02020603050405020304" pitchFamily="18" charset="0"/>
+                <a:cs typeface="Times New Roman" panose="02020603050405020304" pitchFamily="18" charset="0"/>
+              </a:rPr>
+              <a:t>O que é Algoritmo Genético?</a:t>
+            </a:r>
+          </a:p>
+          <a:p>
+            <a:pPr marL="514350" indent="-514350">
+              <a:buFont typeface="+mj-lt"/>
+              <a:buAutoNum type="arabicPeriod"/>
+            </a:pPr>
+            <a:r>
+              <a:rPr lang="pt-BR" sz="4000" b="1" dirty="0">
+                <a:latin typeface="Times New Roman" panose="02020603050405020304" pitchFamily="18" charset="0"/>
+                <a:cs typeface="Times New Roman" panose="02020603050405020304" pitchFamily="18" charset="0"/>
+              </a:rPr>
+              <a:t>Motivação</a:t>
+            </a:r>
+          </a:p>
+          <a:p>
+            <a:pPr marL="514350" indent="-514350">
+              <a:buFont typeface="+mj-lt"/>
+              <a:buAutoNum type="arabicPeriod"/>
+            </a:pPr>
+            <a:r>
+              <a:rPr lang="pt-BR" sz="4000" b="1" dirty="0">
+                <a:latin typeface="Times New Roman" panose="02020603050405020304" pitchFamily="18" charset="0"/>
+                <a:cs typeface="Times New Roman" panose="02020603050405020304" pitchFamily="18" charset="0"/>
+              </a:rPr>
+              <a:t>Resolução do Problema utilizando Algoritmo Genético</a:t>
+            </a:r>
+          </a:p>
+          <a:p>
+            <a:pPr marL="514350" indent="-514350">
+              <a:buFont typeface="+mj-lt"/>
+              <a:buAutoNum type="arabicPeriod"/>
+            </a:pPr>
+            <a:r>
+              <a:rPr lang="pt-BR" sz="4000" b="1" dirty="0">
+                <a:latin typeface="Times New Roman" panose="02020603050405020304" pitchFamily="18" charset="0"/>
+                <a:cs typeface="Times New Roman" panose="02020603050405020304" pitchFamily="18" charset="0"/>
+              </a:rPr>
+              <a:t>Apresentação do software</a:t>
+            </a:r>
+          </a:p>
+          <a:p>
+            <a:pPr marL="514350" indent="-514350">
+              <a:buFont typeface="+mj-lt"/>
+              <a:buAutoNum type="arabicPeriod"/>
+            </a:pPr>
+            <a:r>
+              <a:rPr lang="pt-BR" sz="4000" b="1" dirty="0">
+                <a:latin typeface="Times New Roman" panose="02020603050405020304" pitchFamily="18" charset="0"/>
+                <a:cs typeface="Times New Roman" panose="02020603050405020304" pitchFamily="18" charset="0"/>
+              </a:rPr>
+              <a:t>Tecnologias Usadas</a:t>
+            </a:r>
+          </a:p>
+        </p:txBody>
+      </p:sp>
+    </p:spTree>
+  </p:cSld>
+  <p:clrMapOvr>
+    <a:masterClrMapping/>
+  </p:clrMapOvr>
+</p:sld>
+</file>
+
+<file path=ppt/slides/slide30.xml><?xml version="1.0" encoding="utf-8"?>
 <p:sld xmlns:a="http://schemas.openxmlformats.org/drawingml/2006/main" xmlns:r="http://schemas.openxmlformats.org/officeDocument/2006/relationships" xmlns:p="http://schemas.openxmlformats.org/presentationml/2006/main">
   <p:cSld>
     <p:spTree>
@@ -9628,7 +11711,7 @@
 </p:sld>
 </file>
 
-<file path=ppt/slides/slide2.xml><?xml version="1.0" encoding="utf-8"?>
+<file path=ppt/slides/slide31.xml><?xml version="1.0" encoding="utf-8"?>
 <p:sld xmlns:a="http://schemas.openxmlformats.org/drawingml/2006/main" xmlns:r="http://schemas.openxmlformats.org/officeDocument/2006/relationships" xmlns:p="http://schemas.openxmlformats.org/presentationml/2006/main">
   <p:cSld>
     <p:spTree>
@@ -9645,85 +11728,339 @@
           <a:chExt cx="0" cy="0"/>
         </a:xfrm>
       </p:grpSpPr>
-      <p:pic>
-        <p:nvPicPr>
-          <p:cNvPr id="5" name="Imagem 4"/>
-          <p:cNvPicPr>
-            <a:picLocks noChangeAspect="1"/>
-          </p:cNvPicPr>
-          <p:nvPr/>
-        </p:nvPicPr>
-        <p:blipFill>
-          <a:blip r:embed="rId2">
+      <p:sp>
+        <p:nvSpPr>
+          <p:cNvPr id="4" name="Título 1">
             <a:extLst>
-              <a:ext uri="{28A0092B-C50C-407E-A947-70E740481C1C}">
-                <a14:useLocalDpi xmlns:a14="http://schemas.microsoft.com/office/drawing/2010/main" val="0"/>
+              <a:ext uri="{FF2B5EF4-FFF2-40B4-BE49-F238E27FC236}">
+                <a16:creationId xmlns:a16="http://schemas.microsoft.com/office/drawing/2014/main" id="{7EBBE02F-927E-4676-BF5F-A135C0DEC3F1}"/>
               </a:ext>
             </a:extLst>
-          </a:blip>
-          <a:stretch>
-            <a:fillRect/>
-          </a:stretch>
-        </p:blipFill>
+          </p:cNvPr>
+          <p:cNvSpPr txBox="1"/>
+          <p:nvPr/>
+        </p:nvSpPr>
         <p:spPr>
           <a:xfrm>
-            <a:off x="2489982" y="1"/>
-            <a:ext cx="7479323" cy="6858000"/>
+            <a:off x="655906" y="342884"/>
+            <a:ext cx="10880188" cy="1458563"/>
           </a:xfrm>
           <a:prstGeom prst="rect">
             <a:avLst/>
           </a:prstGeom>
         </p:spPr>
-      </p:pic>
+        <p:txBody>
+          <a:bodyPr>
+            <a:noAutofit/>
+          </a:bodyPr>
+          <a:lstStyle>
+            <a:lvl1pPr algn="l" defTabSz="914400" rtl="0" eaLnBrk="1" latinLnBrk="0" hangingPunct="1">
+              <a:lnSpc>
+                <a:spcPct val="90000"/>
+              </a:lnSpc>
+              <a:spcBef>
+                <a:spcPct val="0"/>
+              </a:spcBef>
+              <a:buNone/>
+              <a:defRPr sz="4400" kern="1200">
+                <a:solidFill>
+                  <a:schemeClr val="tx1"/>
+                </a:solidFill>
+                <a:latin typeface="+mj-lt"/>
+                <a:ea typeface="+mj-ea"/>
+                <a:cs typeface="+mj-cs"/>
+              </a:defRPr>
+            </a:lvl1pPr>
+          </a:lstStyle>
+          <a:p>
+            <a:pPr algn="ctr"/>
+            <a:r>
+              <a:rPr lang="pt-BR" sz="8800" b="1" dirty="0">
+                <a:solidFill>
+                  <a:srgbClr val="049BE6"/>
+                </a:solidFill>
+                <a:latin typeface="+mn-lt"/>
+              </a:rPr>
+              <a:t>Trabalhos Futuros!</a:t>
+            </a:r>
+          </a:p>
+        </p:txBody>
+      </p:sp>
       <p:sp>
         <p:nvSpPr>
-          <p:cNvPr id="2" name="Título 1"/>
-          <p:cNvSpPr>
-            <a:spLocks noGrp="1"/>
-          </p:cNvSpPr>
-          <p:nvPr>
-            <p:ph type="title"/>
-          </p:nvPr>
+          <p:cNvPr id="5" name="Espaço Reservado para Conteúdo 2">
+            <a:extLst>
+              <a:ext uri="{FF2B5EF4-FFF2-40B4-BE49-F238E27FC236}">
+                <a16:creationId xmlns:a16="http://schemas.microsoft.com/office/drawing/2014/main" id="{4B1E68D6-7B2E-4A09-84FE-A0543EDA93CB}"/>
+              </a:ext>
+            </a:extLst>
+          </p:cNvPr>
+          <p:cNvSpPr txBox="1"/>
+          <p:nvPr/>
         </p:nvSpPr>
         <p:spPr>
           <a:xfrm>
-            <a:off x="838200" y="2517481"/>
-            <a:ext cx="10515600" cy="1325563"/>
+            <a:off x="473612" y="1882726"/>
+            <a:ext cx="11549575" cy="4712677"/>
           </a:xfrm>
-          <a:solidFill>
-            <a:schemeClr val="bg1"/>
-          </a:solidFill>
+          <a:prstGeom prst="rect">
+            <a:avLst/>
+          </a:prstGeom>
         </p:spPr>
         <p:txBody>
           <a:bodyPr>
-            <a:normAutofit fontScale="90000"/>
+            <a:normAutofit lnSpcReduction="10000"/>
           </a:bodyPr>
-          <a:lstStyle/>
-          <a:p>
-            <a:pPr algn="ctr"/>
-            <a:r>
-              <a:rPr lang="pt-BR" dirty="0"/>
+          <a:lstStyle>
+            <a:lvl1pPr marL="228600" indent="-228600" algn="l" defTabSz="914400" rtl="0" eaLnBrk="1" latinLnBrk="0" hangingPunct="1">
+              <a:lnSpc>
+                <a:spcPct val="90000"/>
+              </a:lnSpc>
+              <a:spcBef>
+                <a:spcPts val="1000"/>
+              </a:spcBef>
+              <a:buFont typeface="Arial" panose="020B0604020202020204" pitchFamily="34" charset="0"/>
+              <a:buChar char="•"/>
+              <a:defRPr sz="2800" kern="1200">
+                <a:solidFill>
+                  <a:schemeClr val="tx1"/>
+                </a:solidFill>
+                <a:latin typeface="+mn-lt"/>
+                <a:ea typeface="+mn-ea"/>
+                <a:cs typeface="+mn-cs"/>
+              </a:defRPr>
+            </a:lvl1pPr>
+            <a:lvl2pPr marL="685800" indent="-228600" algn="l" defTabSz="914400" rtl="0" eaLnBrk="1" latinLnBrk="0" hangingPunct="1">
+              <a:lnSpc>
+                <a:spcPct val="90000"/>
+              </a:lnSpc>
+              <a:spcBef>
+                <a:spcPts val="500"/>
+              </a:spcBef>
+              <a:buFont typeface="Arial" panose="020B0604020202020204" pitchFamily="34" charset="0"/>
+              <a:buChar char="•"/>
+              <a:defRPr sz="2400" kern="1200">
+                <a:solidFill>
+                  <a:schemeClr val="tx1"/>
+                </a:solidFill>
+                <a:latin typeface="+mn-lt"/>
+                <a:ea typeface="+mn-ea"/>
+                <a:cs typeface="+mn-cs"/>
+              </a:defRPr>
+            </a:lvl2pPr>
+            <a:lvl3pPr marL="1143000" indent="-228600" algn="l" defTabSz="914400" rtl="0" eaLnBrk="1" latinLnBrk="0" hangingPunct="1">
+              <a:lnSpc>
+                <a:spcPct val="90000"/>
+              </a:lnSpc>
+              <a:spcBef>
+                <a:spcPts val="500"/>
+              </a:spcBef>
+              <a:buFont typeface="Arial" panose="020B0604020202020204" pitchFamily="34" charset="0"/>
+              <a:buChar char="•"/>
+              <a:defRPr sz="2000" kern="1200">
+                <a:solidFill>
+                  <a:schemeClr val="tx1"/>
+                </a:solidFill>
+                <a:latin typeface="+mn-lt"/>
+                <a:ea typeface="+mn-ea"/>
+                <a:cs typeface="+mn-cs"/>
+              </a:defRPr>
+            </a:lvl3pPr>
+            <a:lvl4pPr marL="1600200" indent="-228600" algn="l" defTabSz="914400" rtl="0" eaLnBrk="1" latinLnBrk="0" hangingPunct="1">
+              <a:lnSpc>
+                <a:spcPct val="90000"/>
+              </a:lnSpc>
+              <a:spcBef>
+                <a:spcPts val="500"/>
+              </a:spcBef>
+              <a:buFont typeface="Arial" panose="020B0604020202020204" pitchFamily="34" charset="0"/>
+              <a:buChar char="•"/>
+              <a:defRPr sz="1800" kern="1200">
+                <a:solidFill>
+                  <a:schemeClr val="tx1"/>
+                </a:solidFill>
+                <a:latin typeface="+mn-lt"/>
+                <a:ea typeface="+mn-ea"/>
+                <a:cs typeface="+mn-cs"/>
+              </a:defRPr>
+            </a:lvl4pPr>
+            <a:lvl5pPr marL="2057400" indent="-228600" algn="l" defTabSz="914400" rtl="0" eaLnBrk="1" latinLnBrk="0" hangingPunct="1">
+              <a:lnSpc>
+                <a:spcPct val="90000"/>
+              </a:lnSpc>
+              <a:spcBef>
+                <a:spcPts val="500"/>
+              </a:spcBef>
+              <a:buFont typeface="Arial" panose="020B0604020202020204" pitchFamily="34" charset="0"/>
+              <a:buChar char="•"/>
+              <a:defRPr sz="1800" kern="1200">
+                <a:solidFill>
+                  <a:schemeClr val="tx1"/>
+                </a:solidFill>
+                <a:latin typeface="+mn-lt"/>
+                <a:ea typeface="+mn-ea"/>
+                <a:cs typeface="+mn-cs"/>
+              </a:defRPr>
+            </a:lvl5pPr>
+            <a:lvl6pPr marL="2514600" indent="-228600" algn="l" defTabSz="914400" rtl="0" eaLnBrk="1" latinLnBrk="0" hangingPunct="1">
+              <a:lnSpc>
+                <a:spcPct val="90000"/>
+              </a:lnSpc>
+              <a:spcBef>
+                <a:spcPts val="500"/>
+              </a:spcBef>
+              <a:buFont typeface="Arial" panose="020B0604020202020204" pitchFamily="34" charset="0"/>
+              <a:buChar char="•"/>
+              <a:defRPr sz="1800" kern="1200">
+                <a:solidFill>
+                  <a:schemeClr val="tx1"/>
+                </a:solidFill>
+                <a:latin typeface="+mn-lt"/>
+                <a:ea typeface="+mn-ea"/>
+                <a:cs typeface="+mn-cs"/>
+              </a:defRPr>
+            </a:lvl6pPr>
+            <a:lvl7pPr marL="2971800" indent="-228600" algn="l" defTabSz="914400" rtl="0" eaLnBrk="1" latinLnBrk="0" hangingPunct="1">
+              <a:lnSpc>
+                <a:spcPct val="90000"/>
+              </a:lnSpc>
+              <a:spcBef>
+                <a:spcPts val="500"/>
+              </a:spcBef>
+              <a:buFont typeface="Arial" panose="020B0604020202020204" pitchFamily="34" charset="0"/>
+              <a:buChar char="•"/>
+              <a:defRPr sz="1800" kern="1200">
+                <a:solidFill>
+                  <a:schemeClr val="tx1"/>
+                </a:solidFill>
+                <a:latin typeface="+mn-lt"/>
+                <a:ea typeface="+mn-ea"/>
+                <a:cs typeface="+mn-cs"/>
+              </a:defRPr>
+            </a:lvl7pPr>
+            <a:lvl8pPr marL="3429000" indent="-228600" algn="l" defTabSz="914400" rtl="0" eaLnBrk="1" latinLnBrk="0" hangingPunct="1">
+              <a:lnSpc>
+                <a:spcPct val="90000"/>
+              </a:lnSpc>
+              <a:spcBef>
+                <a:spcPts val="500"/>
+              </a:spcBef>
+              <a:buFont typeface="Arial" panose="020B0604020202020204" pitchFamily="34" charset="0"/>
+              <a:buChar char="•"/>
+              <a:defRPr sz="1800" kern="1200">
+                <a:solidFill>
+                  <a:schemeClr val="tx1"/>
+                </a:solidFill>
+                <a:latin typeface="+mn-lt"/>
+                <a:ea typeface="+mn-ea"/>
+                <a:cs typeface="+mn-cs"/>
+              </a:defRPr>
+            </a:lvl8pPr>
+            <a:lvl9pPr marL="3886200" indent="-228600" algn="l" defTabSz="914400" rtl="0" eaLnBrk="1" latinLnBrk="0" hangingPunct="1">
+              <a:lnSpc>
+                <a:spcPct val="90000"/>
+              </a:lnSpc>
+              <a:spcBef>
+                <a:spcPts val="500"/>
+              </a:spcBef>
+              <a:buFont typeface="Arial" panose="020B0604020202020204" pitchFamily="34" charset="0"/>
+              <a:buChar char="•"/>
+              <a:defRPr sz="1800" kern="1200">
+                <a:solidFill>
+                  <a:schemeClr val="tx1"/>
+                </a:solidFill>
+                <a:latin typeface="+mn-lt"/>
+                <a:ea typeface="+mn-ea"/>
+                <a:cs typeface="+mn-cs"/>
+              </a:defRPr>
+            </a:lvl9pPr>
+          </a:lstStyle>
+          <a:p>
+            <a:pPr marL="0" indent="0" algn="just">
+              <a:buNone/>
+            </a:pPr>
+            <a:r>
+              <a:rPr lang="pt-BR" sz="4000" dirty="0">
+                <a:latin typeface="Times New Roman" panose="02020603050405020304" pitchFamily="18" charset="0"/>
+                <a:cs typeface="Times New Roman" panose="02020603050405020304" pitchFamily="18" charset="0"/>
+              </a:rPr>
               <a:t> </a:t>
             </a:r>
-            <a:r>
-              <a:rPr lang="pt-BR" sz="9600" b="1" dirty="0">
-                <a:solidFill>
-                  <a:srgbClr val="049BE6"/>
-                </a:solidFill>
-                <a:latin typeface="+mn-lt"/>
+          </a:p>
+          <a:p>
+            <a:pPr algn="just"/>
+            <a:r>
+              <a:rPr lang="pt-BR" sz="4000" dirty="0">
+                <a:latin typeface="Times New Roman" panose="02020603050405020304" pitchFamily="18" charset="0"/>
+                <a:cs typeface="Times New Roman" panose="02020603050405020304" pitchFamily="18" charset="0"/>
               </a:rPr>
-              <a:t>Algoritmo Genético</a:t>
-            </a:r>
-            <a:endParaRPr lang="pt-BR" b="1" dirty="0">
-              <a:solidFill>
-                <a:srgbClr val="049BE6"/>
-              </a:solidFill>
-              <a:latin typeface="+mn-lt"/>
+              <a:t> Implementar uma </a:t>
+            </a:r>
+            <a:r>
+              <a:rPr lang="pt-BR" sz="4000" b="1" dirty="0">
+                <a:latin typeface="Times New Roman" panose="02020603050405020304" pitchFamily="18" charset="0"/>
+                <a:cs typeface="Times New Roman" panose="02020603050405020304" pitchFamily="18" charset="0"/>
+              </a:rPr>
+              <a:t>Rede Neural</a:t>
+            </a:r>
+            <a:r>
+              <a:rPr lang="pt-BR" sz="4000" dirty="0">
+                <a:latin typeface="Times New Roman" panose="02020603050405020304" pitchFamily="18" charset="0"/>
+                <a:cs typeface="Times New Roman" panose="02020603050405020304" pitchFamily="18" charset="0"/>
+              </a:rPr>
+              <a:t> para classificar se o horário é bom ou ruim.</a:t>
+            </a:r>
+          </a:p>
+          <a:p>
+            <a:pPr algn="just"/>
+            <a:r>
+              <a:rPr lang="pt-BR" sz="4000" b="1" dirty="0">
+                <a:latin typeface="Times New Roman" panose="02020603050405020304" pitchFamily="18" charset="0"/>
+                <a:cs typeface="Times New Roman" panose="02020603050405020304" pitchFamily="18" charset="0"/>
+              </a:rPr>
+              <a:t> </a:t>
+            </a:r>
+            <a:r>
+              <a:rPr lang="pt-BR" sz="4000" dirty="0">
+                <a:latin typeface="Times New Roman" panose="02020603050405020304" pitchFamily="18" charset="0"/>
+                <a:cs typeface="Times New Roman" panose="02020603050405020304" pitchFamily="18" charset="0"/>
+              </a:rPr>
+              <a:t>Implementar métodos de alteração, remoção e detalhes de cada Módulo (</a:t>
+            </a:r>
+            <a:r>
+              <a:rPr lang="pt-BR" sz="4000" b="1" dirty="0">
+                <a:latin typeface="Times New Roman" panose="02020603050405020304" pitchFamily="18" charset="0"/>
+                <a:cs typeface="Times New Roman" panose="02020603050405020304" pitchFamily="18" charset="0"/>
+              </a:rPr>
+              <a:t>Professor, Disciplina, Período/Ano, Horário, Restrição disponibilidade professor, Restrição de disciplina fixa de outro departamento</a:t>
+            </a:r>
+            <a:r>
+              <a:rPr lang="pt-BR" sz="4000" dirty="0">
+                <a:latin typeface="Times New Roman" panose="02020603050405020304" pitchFamily="18" charset="0"/>
+                <a:cs typeface="Times New Roman" panose="02020603050405020304" pitchFamily="18" charset="0"/>
+              </a:rPr>
+              <a:t>).</a:t>
+            </a:r>
+            <a:endParaRPr lang="pt-BR" sz="4000" b="1" dirty="0">
+              <a:latin typeface="Times New Roman" panose="02020603050405020304" pitchFamily="18" charset="0"/>
+              <a:cs typeface="Times New Roman" panose="02020603050405020304" pitchFamily="18" charset="0"/>
+            </a:endParaRPr>
+          </a:p>
+          <a:p>
+            <a:pPr algn="just"/>
+            <a:endParaRPr lang="pt-BR" sz="4000" dirty="0">
+              <a:latin typeface="Times New Roman" panose="02020603050405020304" pitchFamily="18" charset="0"/>
+              <a:cs typeface="Times New Roman" panose="02020603050405020304" pitchFamily="18" charset="0"/>
             </a:endParaRPr>
           </a:p>
         </p:txBody>
       </p:sp>
     </p:spTree>
+    <p:extLst>
+      <p:ext uri="{BB962C8B-B14F-4D97-AF65-F5344CB8AC3E}">
+        <p14:creationId xmlns:p14="http://schemas.microsoft.com/office/powerpoint/2010/main" val="2459586296"/>
+      </p:ext>
+    </p:extLst>
   </p:cSld>
   <p:clrMapOvr>
     <a:masterClrMapping/>
@@ -9731,7 +12068,7 @@
 </p:sld>
 </file>
 
-<file path=ppt/slides/slide20.xml><?xml version="1.0" encoding="utf-8"?>
+<file path=ppt/slides/slide32.xml><?xml version="1.0" encoding="utf-8"?>
 <p:sld xmlns:a="http://schemas.openxmlformats.org/drawingml/2006/main" xmlns:r="http://schemas.openxmlformats.org/officeDocument/2006/relationships" xmlns:p="http://schemas.openxmlformats.org/presentationml/2006/main">
   <p:cSld>
     <p:spTree>
@@ -9778,144 +12115,6 @@
           </a:prstGeom>
         </p:spPr>
       </p:pic>
-    </p:spTree>
-  </p:cSld>
-  <p:clrMapOvr>
-    <a:masterClrMapping/>
-  </p:clrMapOvr>
-</p:sld>
-</file>
-
-<file path=ppt/slides/slide3.xml><?xml version="1.0" encoding="utf-8"?>
-<p:sld xmlns:a="http://schemas.openxmlformats.org/drawingml/2006/main" xmlns:r="http://schemas.openxmlformats.org/officeDocument/2006/relationships" xmlns:p="http://schemas.openxmlformats.org/presentationml/2006/main">
-  <p:cSld>
-    <p:spTree>
-      <p:nvGrpSpPr>
-        <p:cNvPr id="1" name=""/>
-        <p:cNvGrpSpPr/>
-        <p:nvPr/>
-      </p:nvGrpSpPr>
-      <p:grpSpPr>
-        <a:xfrm>
-          <a:off x="0" y="0"/>
-          <a:ext cx="0" cy="0"/>
-          <a:chOff x="0" y="0"/>
-          <a:chExt cx="0" cy="0"/>
-        </a:xfrm>
-      </p:grpSpPr>
-      <p:sp>
-        <p:nvSpPr>
-          <p:cNvPr id="2" name="Título 1"/>
-          <p:cNvSpPr>
-            <a:spLocks noGrp="1"/>
-          </p:cNvSpPr>
-          <p:nvPr>
-            <p:ph type="title"/>
-          </p:nvPr>
-        </p:nvSpPr>
-        <p:spPr/>
-        <p:txBody>
-          <a:bodyPr>
-            <a:normAutofit/>
-          </a:bodyPr>
-          <a:lstStyle/>
-          <a:p>
-            <a:pPr algn="ctr"/>
-            <a:r>
-              <a:rPr lang="pt-BR" sz="8000" b="1" dirty="0">
-                <a:solidFill>
-                  <a:srgbClr val="049BE6"/>
-                </a:solidFill>
-                <a:latin typeface="+mn-lt"/>
-              </a:rPr>
-              <a:t>Agenda</a:t>
-            </a:r>
-          </a:p>
-        </p:txBody>
-      </p:sp>
-      <p:sp>
-        <p:nvSpPr>
-          <p:cNvPr id="3" name="Espaço Reservado para Conteúdo 2"/>
-          <p:cNvSpPr>
-            <a:spLocks noGrp="1"/>
-          </p:cNvSpPr>
-          <p:nvPr>
-            <p:ph idx="1"/>
-          </p:nvPr>
-        </p:nvSpPr>
-        <p:spPr/>
-        <p:txBody>
-          <a:bodyPr>
-            <a:normAutofit/>
-          </a:bodyPr>
-          <a:lstStyle/>
-          <a:p>
-            <a:pPr marL="514350" indent="-514350">
-              <a:buFont typeface="+mj-lt"/>
-              <a:buAutoNum type="arabicPeriod"/>
-            </a:pPr>
-            <a:r>
-              <a:rPr lang="pt-BR" sz="4000" b="1" dirty="0">
-                <a:latin typeface="Times New Roman" panose="02020603050405020304" pitchFamily="18" charset="0"/>
-                <a:cs typeface="Times New Roman" panose="02020603050405020304" pitchFamily="18" charset="0"/>
-              </a:rPr>
-              <a:t>O que é Algoritmo Genético?</a:t>
-            </a:r>
-          </a:p>
-          <a:p>
-            <a:pPr marL="514350" indent="-514350">
-              <a:buFont typeface="+mj-lt"/>
-              <a:buAutoNum type="arabicPeriod"/>
-            </a:pPr>
-            <a:r>
-              <a:rPr lang="pt-BR" sz="4000" b="1" dirty="0">
-                <a:latin typeface="Times New Roman" panose="02020603050405020304" pitchFamily="18" charset="0"/>
-                <a:cs typeface="Times New Roman" panose="02020603050405020304" pitchFamily="18" charset="0"/>
-              </a:rPr>
-              <a:t>Motivação</a:t>
-            </a:r>
-          </a:p>
-          <a:p>
-            <a:pPr marL="514350" indent="-514350">
-              <a:buFont typeface="+mj-lt"/>
-              <a:buAutoNum type="arabicPeriod"/>
-            </a:pPr>
-            <a:r>
-              <a:rPr lang="pt-BR" sz="4000" b="1" dirty="0">
-                <a:latin typeface="Times New Roman" panose="02020603050405020304" pitchFamily="18" charset="0"/>
-                <a:cs typeface="Times New Roman" panose="02020603050405020304" pitchFamily="18" charset="0"/>
-              </a:rPr>
-              <a:t>Resolução do Problema utilizando Algoritmo Genético</a:t>
-            </a:r>
-          </a:p>
-          <a:p>
-            <a:pPr marL="514350" indent="-514350">
-              <a:buFont typeface="+mj-lt"/>
-              <a:buAutoNum type="arabicPeriod"/>
-            </a:pPr>
-            <a:r>
-              <a:rPr lang="pt-BR" sz="4000" b="1" dirty="0">
-                <a:latin typeface="Times New Roman" panose="02020603050405020304" pitchFamily="18" charset="0"/>
-                <a:cs typeface="Times New Roman" panose="02020603050405020304" pitchFamily="18" charset="0"/>
-              </a:rPr>
-              <a:t>Apresentação do software</a:t>
-            </a:r>
-          </a:p>
-          <a:p>
-            <a:pPr marL="514350" indent="-514350">
-              <a:buFont typeface="+mj-lt"/>
-              <a:buAutoNum type="arabicPeriod"/>
-            </a:pPr>
-            <a:r>
-              <a:rPr lang="pt-BR" sz="4000" b="1" dirty="0">
-                <a:latin typeface="Times New Roman" panose="02020603050405020304" pitchFamily="18" charset="0"/>
-                <a:cs typeface="Times New Roman" panose="02020603050405020304" pitchFamily="18" charset="0"/>
-              </a:rPr>
-              <a:t>Tecnologias Usadas</a:t>
-            </a:r>
-          </a:p>
-        </p:txBody>
-      </p:sp>
     </p:spTree>
   </p:cSld>
   <p:clrMapOvr>

--- a/Apresentação.pptx
+++ b/Apresentação.pptx
@@ -36,7 +36,8 @@
     <p:sldId id="283" r:id="rId30"/>
     <p:sldId id="269" r:id="rId31"/>
     <p:sldId id="288" r:id="rId32"/>
-    <p:sldId id="270" r:id="rId33"/>
+    <p:sldId id="289" r:id="rId33"/>
+    <p:sldId id="270" r:id="rId34"/>
   </p:sldIdLst>
   <p:sldSz cx="12192000" cy="6858000"/>
   <p:notesSz cx="6858000" cy="9144000"/>
@@ -12085,6 +12086,327 @@
           <a:chExt cx="0" cy="0"/>
         </a:xfrm>
       </p:grpSpPr>
+      <p:sp>
+        <p:nvSpPr>
+          <p:cNvPr id="2" name="Título 1">
+            <a:extLst>
+              <a:ext uri="{FF2B5EF4-FFF2-40B4-BE49-F238E27FC236}">
+                <a16:creationId xmlns:a16="http://schemas.microsoft.com/office/drawing/2014/main" id="{6C886B12-2D72-45BD-B98C-792BC475DE21}"/>
+              </a:ext>
+            </a:extLst>
+          </p:cNvPr>
+          <p:cNvSpPr txBox="1"/>
+          <p:nvPr/>
+        </p:nvSpPr>
+        <p:spPr>
+          <a:xfrm>
+            <a:off x="655906" y="342885"/>
+            <a:ext cx="10880188" cy="1048034"/>
+          </a:xfrm>
+          <a:prstGeom prst="rect">
+            <a:avLst/>
+          </a:prstGeom>
+        </p:spPr>
+        <p:txBody>
+          <a:bodyPr>
+            <a:noAutofit/>
+          </a:bodyPr>
+          <a:lstStyle>
+            <a:lvl1pPr algn="l" defTabSz="914400" rtl="0" eaLnBrk="1" latinLnBrk="0" hangingPunct="1">
+              <a:lnSpc>
+                <a:spcPct val="90000"/>
+              </a:lnSpc>
+              <a:spcBef>
+                <a:spcPct val="0"/>
+              </a:spcBef>
+              <a:buNone/>
+              <a:defRPr sz="4400" kern="1200">
+                <a:solidFill>
+                  <a:schemeClr val="tx1"/>
+                </a:solidFill>
+                <a:latin typeface="+mj-lt"/>
+                <a:ea typeface="+mj-ea"/>
+                <a:cs typeface="+mj-cs"/>
+              </a:defRPr>
+            </a:lvl1pPr>
+          </a:lstStyle>
+          <a:p>
+            <a:pPr algn="ctr"/>
+            <a:r>
+              <a:rPr lang="pt-BR" sz="8800" b="1" dirty="0">
+                <a:solidFill>
+                  <a:srgbClr val="049BE6"/>
+                </a:solidFill>
+                <a:latin typeface="+mn-lt"/>
+              </a:rPr>
+              <a:t>Tecnologias Utilizadas!</a:t>
+            </a:r>
+          </a:p>
+        </p:txBody>
+      </p:sp>
+      <p:pic>
+        <p:nvPicPr>
+          <p:cNvPr id="1026" name="Picture 2" descr="Image result for aspnet.core">
+            <a:extLst>
+              <a:ext uri="{FF2B5EF4-FFF2-40B4-BE49-F238E27FC236}">
+                <a16:creationId xmlns:a16="http://schemas.microsoft.com/office/drawing/2014/main" id="{E3039D0E-E78D-4B04-8273-F9A90D0A15A5}"/>
+              </a:ext>
+            </a:extLst>
+          </p:cNvPr>
+          <p:cNvPicPr>
+            <a:picLocks noChangeAspect="1" noChangeArrowheads="1"/>
+          </p:cNvPicPr>
+          <p:nvPr/>
+        </p:nvPicPr>
+        <p:blipFill>
+          <a:blip r:embed="rId2">
+            <a:extLst>
+              <a:ext uri="{28A0092B-C50C-407E-A947-70E740481C1C}">
+                <a14:useLocalDpi xmlns:a14="http://schemas.microsoft.com/office/drawing/2010/main" val="0"/>
+              </a:ext>
+            </a:extLst>
+          </a:blip>
+          <a:srcRect/>
+          <a:stretch>
+            <a:fillRect/>
+          </a:stretch>
+        </p:blipFill>
+        <p:spPr bwMode="auto">
+          <a:xfrm>
+            <a:off x="443114" y="4997588"/>
+            <a:ext cx="3216861" cy="1634164"/>
+          </a:xfrm>
+          <a:prstGeom prst="rect">
+            <a:avLst/>
+          </a:prstGeom>
+          <a:noFill/>
+          <a:extLst>
+            <a:ext uri="{909E8E84-426E-40DD-AFC4-6F175D3DCCD1}">
+              <a14:hiddenFill xmlns:a14="http://schemas.microsoft.com/office/drawing/2010/main">
+                <a:solidFill>
+                  <a:srgbClr val="FFFFFF"/>
+                </a:solidFill>
+              </a14:hiddenFill>
+            </a:ext>
+          </a:extLst>
+        </p:spPr>
+      </p:pic>
+      <p:pic>
+        <p:nvPicPr>
+          <p:cNvPr id="1028" name="Picture 4" descr="Image result for postgresql">
+            <a:extLst>
+              <a:ext uri="{FF2B5EF4-FFF2-40B4-BE49-F238E27FC236}">
+                <a16:creationId xmlns:a16="http://schemas.microsoft.com/office/drawing/2014/main" id="{4F248B4E-AC25-4B60-BD20-95D2514516C9}"/>
+              </a:ext>
+            </a:extLst>
+          </p:cNvPr>
+          <p:cNvPicPr>
+            <a:picLocks noChangeAspect="1" noChangeArrowheads="1"/>
+          </p:cNvPicPr>
+          <p:nvPr/>
+        </p:nvPicPr>
+        <p:blipFill>
+          <a:blip r:embed="rId3" cstate="print">
+            <a:extLst>
+              <a:ext uri="{28A0092B-C50C-407E-A947-70E740481C1C}">
+                <a14:useLocalDpi xmlns:a14="http://schemas.microsoft.com/office/drawing/2010/main" val="0"/>
+              </a:ext>
+            </a:extLst>
+          </a:blip>
+          <a:srcRect/>
+          <a:stretch>
+            <a:fillRect/>
+          </a:stretch>
+        </p:blipFill>
+        <p:spPr bwMode="auto">
+          <a:xfrm>
+            <a:off x="8309037" y="4134626"/>
+            <a:ext cx="2692875" cy="2778414"/>
+          </a:xfrm>
+          <a:prstGeom prst="rect">
+            <a:avLst/>
+          </a:prstGeom>
+          <a:noFill/>
+          <a:extLst>
+            <a:ext uri="{909E8E84-426E-40DD-AFC4-6F175D3DCCD1}">
+              <a14:hiddenFill xmlns:a14="http://schemas.microsoft.com/office/drawing/2010/main">
+                <a:solidFill>
+                  <a:srgbClr val="FFFFFF"/>
+                </a:solidFill>
+              </a14:hiddenFill>
+            </a:ext>
+          </a:extLst>
+        </p:spPr>
+      </p:pic>
+      <p:pic>
+        <p:nvPicPr>
+          <p:cNvPr id="1030" name="Picture 6" descr="Image result for bootstrap">
+            <a:extLst>
+              <a:ext uri="{FF2B5EF4-FFF2-40B4-BE49-F238E27FC236}">
+                <a16:creationId xmlns:a16="http://schemas.microsoft.com/office/drawing/2014/main" id="{962FEB65-C972-4B07-B8F7-97875F810670}"/>
+              </a:ext>
+            </a:extLst>
+          </p:cNvPr>
+          <p:cNvPicPr>
+            <a:picLocks noChangeAspect="1" noChangeArrowheads="1"/>
+          </p:cNvPicPr>
+          <p:nvPr/>
+        </p:nvPicPr>
+        <p:blipFill>
+          <a:blip r:embed="rId4" cstate="print">
+            <a:extLst>
+              <a:ext uri="{28A0092B-C50C-407E-A947-70E740481C1C}">
+                <a14:useLocalDpi xmlns:a14="http://schemas.microsoft.com/office/drawing/2010/main" val="0"/>
+              </a:ext>
+            </a:extLst>
+          </a:blip>
+          <a:srcRect/>
+          <a:stretch>
+            <a:fillRect/>
+          </a:stretch>
+        </p:blipFill>
+        <p:spPr bwMode="auto">
+          <a:xfrm>
+            <a:off x="4487569" y="4156437"/>
+            <a:ext cx="3216861" cy="2701563"/>
+          </a:xfrm>
+          <a:prstGeom prst="rect">
+            <a:avLst/>
+          </a:prstGeom>
+          <a:noFill/>
+          <a:extLst>
+            <a:ext uri="{909E8E84-426E-40DD-AFC4-6F175D3DCCD1}">
+              <a14:hiddenFill xmlns:a14="http://schemas.microsoft.com/office/drawing/2010/main">
+                <a:solidFill>
+                  <a:srgbClr val="FFFFFF"/>
+                </a:solidFill>
+              </a14:hiddenFill>
+            </a:ext>
+          </a:extLst>
+        </p:spPr>
+      </p:pic>
+      <p:pic>
+        <p:nvPicPr>
+          <p:cNvPr id="1032" name="Picture 8" descr="Image result for HTML">
+            <a:extLst>
+              <a:ext uri="{FF2B5EF4-FFF2-40B4-BE49-F238E27FC236}">
+                <a16:creationId xmlns:a16="http://schemas.microsoft.com/office/drawing/2014/main" id="{F4839056-597D-45EA-AB16-E3B26FBF298B}"/>
+              </a:ext>
+            </a:extLst>
+          </p:cNvPr>
+          <p:cNvPicPr>
+            <a:picLocks noChangeAspect="1" noChangeArrowheads="1"/>
+          </p:cNvPicPr>
+          <p:nvPr/>
+        </p:nvPicPr>
+        <p:blipFill>
+          <a:blip r:embed="rId5" cstate="print">
+            <a:extLst>
+              <a:ext uri="{28A0092B-C50C-407E-A947-70E740481C1C}">
+                <a14:useLocalDpi xmlns:a14="http://schemas.microsoft.com/office/drawing/2010/main" val="0"/>
+              </a:ext>
+            </a:extLst>
+          </a:blip>
+          <a:srcRect/>
+          <a:stretch>
+            <a:fillRect/>
+          </a:stretch>
+        </p:blipFill>
+        <p:spPr bwMode="auto">
+          <a:xfrm>
+            <a:off x="853205" y="1995915"/>
+            <a:ext cx="2396677" cy="2396677"/>
+          </a:xfrm>
+          <a:prstGeom prst="rect">
+            <a:avLst/>
+          </a:prstGeom>
+          <a:noFill/>
+          <a:extLst>
+            <a:ext uri="{909E8E84-426E-40DD-AFC4-6F175D3DCCD1}">
+              <a14:hiddenFill xmlns:a14="http://schemas.microsoft.com/office/drawing/2010/main">
+                <a:solidFill>
+                  <a:srgbClr val="FFFFFF"/>
+                </a:solidFill>
+              </a14:hiddenFill>
+            </a:ext>
+          </a:extLst>
+        </p:spPr>
+      </p:pic>
+      <p:pic>
+        <p:nvPicPr>
+          <p:cNvPr id="1034" name="Picture 10" descr="Image result for visual studio LOGO">
+            <a:extLst>
+              <a:ext uri="{FF2B5EF4-FFF2-40B4-BE49-F238E27FC236}">
+                <a16:creationId xmlns:a16="http://schemas.microsoft.com/office/drawing/2014/main" id="{5C9D0DA3-B7E1-4B2C-AFA9-D85136120E64}"/>
+              </a:ext>
+            </a:extLst>
+          </p:cNvPr>
+          <p:cNvPicPr>
+            <a:picLocks noChangeAspect="1" noChangeArrowheads="1"/>
+          </p:cNvPicPr>
+          <p:nvPr/>
+        </p:nvPicPr>
+        <p:blipFill rotWithShape="1">
+          <a:blip r:embed="rId6">
+            <a:extLst>
+              <a:ext uri="{28A0092B-C50C-407E-A947-70E740481C1C}">
+                <a14:useLocalDpi xmlns:a14="http://schemas.microsoft.com/office/drawing/2010/main" val="0"/>
+              </a:ext>
+            </a:extLst>
+          </a:blip>
+          <a:srcRect l="6050" t="23717" r="6272" b="27414"/>
+          <a:stretch/>
+        </p:blipFill>
+        <p:spPr bwMode="auto">
+          <a:xfrm>
+            <a:off x="6092144" y="1892366"/>
+            <a:ext cx="5246651" cy="1949556"/>
+          </a:xfrm>
+          <a:prstGeom prst="rect">
+            <a:avLst/>
+          </a:prstGeom>
+          <a:noFill/>
+          <a:extLst>
+            <a:ext uri="{909E8E84-426E-40DD-AFC4-6F175D3DCCD1}">
+              <a14:hiddenFill xmlns:a14="http://schemas.microsoft.com/office/drawing/2010/main">
+                <a:solidFill>
+                  <a:srgbClr val="FFFFFF"/>
+                </a:solidFill>
+              </a14:hiddenFill>
+            </a:ext>
+          </a:extLst>
+        </p:spPr>
+      </p:pic>
+    </p:spTree>
+    <p:extLst>
+      <p:ext uri="{BB962C8B-B14F-4D97-AF65-F5344CB8AC3E}">
+        <p14:creationId xmlns:p14="http://schemas.microsoft.com/office/powerpoint/2010/main" val="2582816363"/>
+      </p:ext>
+    </p:extLst>
+  </p:cSld>
+  <p:clrMapOvr>
+    <a:masterClrMapping/>
+  </p:clrMapOvr>
+</p:sld>
+</file>
+
+<file path=ppt/slides/slide33.xml><?xml version="1.0" encoding="utf-8"?>
+<p:sld xmlns:a="http://schemas.openxmlformats.org/drawingml/2006/main" xmlns:r="http://schemas.openxmlformats.org/officeDocument/2006/relationships" xmlns:p="http://schemas.openxmlformats.org/presentationml/2006/main">
+  <p:cSld>
+    <p:spTree>
+      <p:nvGrpSpPr>
+        <p:cNvPr id="1" name=""/>
+        <p:cNvGrpSpPr/>
+        <p:nvPr/>
+      </p:nvGrpSpPr>
+      <p:grpSpPr>
+        <a:xfrm>
+          <a:off x="0" y="0"/>
+          <a:ext cx="0" cy="0"/>
+          <a:chOff x="0" y="0"/>
+          <a:chExt cx="0" cy="0"/>
+        </a:xfrm>
+      </p:grpSpPr>
       <p:pic>
         <p:nvPicPr>
           <p:cNvPr id="4" name="Imagem 3"/>

--- a/Apresentação.pptx
+++ b/Apresentação.pptx
@@ -5,39 +5,43 @@
     <p:sldMasterId id="2147483648" r:id="rId1"/>
   </p:sldMasterIdLst>
   <p:sldIdLst>
-    <p:sldId id="256" r:id="rId2"/>
-    <p:sldId id="257" r:id="rId3"/>
-    <p:sldId id="258" r:id="rId4"/>
-    <p:sldId id="259" r:id="rId5"/>
-    <p:sldId id="260" r:id="rId6"/>
-    <p:sldId id="261" r:id="rId7"/>
-    <p:sldId id="262" r:id="rId8"/>
-    <p:sldId id="263" r:id="rId9"/>
-    <p:sldId id="264" r:id="rId10"/>
-    <p:sldId id="265" r:id="rId11"/>
-    <p:sldId id="266" r:id="rId12"/>
-    <p:sldId id="273" r:id="rId13"/>
-    <p:sldId id="272" r:id="rId14"/>
-    <p:sldId id="267" r:id="rId15"/>
-    <p:sldId id="268" r:id="rId16"/>
-    <p:sldId id="274" r:id="rId17"/>
-    <p:sldId id="275" r:id="rId18"/>
-    <p:sldId id="276" r:id="rId19"/>
-    <p:sldId id="285" r:id="rId20"/>
-    <p:sldId id="286" r:id="rId21"/>
-    <p:sldId id="287" r:id="rId22"/>
-    <p:sldId id="277" r:id="rId23"/>
-    <p:sldId id="280" r:id="rId24"/>
-    <p:sldId id="278" r:id="rId25"/>
-    <p:sldId id="279" r:id="rId26"/>
-    <p:sldId id="281" r:id="rId27"/>
-    <p:sldId id="282" r:id="rId28"/>
-    <p:sldId id="284" r:id="rId29"/>
-    <p:sldId id="283" r:id="rId30"/>
-    <p:sldId id="269" r:id="rId31"/>
-    <p:sldId id="288" r:id="rId32"/>
-    <p:sldId id="289" r:id="rId33"/>
-    <p:sldId id="270" r:id="rId34"/>
+    <p:sldId id="256" r:id="rId3"/>
+    <p:sldId id="257" r:id="rId4"/>
+    <p:sldId id="258" r:id="rId5"/>
+    <p:sldId id="259" r:id="rId6"/>
+    <p:sldId id="260" r:id="rId7"/>
+    <p:sldId id="261" r:id="rId8"/>
+    <p:sldId id="262" r:id="rId9"/>
+    <p:sldId id="263" r:id="rId10"/>
+    <p:sldId id="264" r:id="rId11"/>
+    <p:sldId id="300" r:id="rId12"/>
+    <p:sldId id="265" r:id="rId13"/>
+    <p:sldId id="301" r:id="rId14"/>
+    <p:sldId id="266" r:id="rId15"/>
+    <p:sldId id="273" r:id="rId16"/>
+    <p:sldId id="272" r:id="rId17"/>
+    <p:sldId id="267" r:id="rId18"/>
+    <p:sldId id="302" r:id="rId19"/>
+    <p:sldId id="268" r:id="rId20"/>
+    <p:sldId id="274" r:id="rId21"/>
+    <p:sldId id="303" r:id="rId22"/>
+    <p:sldId id="275" r:id="rId23"/>
+    <p:sldId id="276" r:id="rId24"/>
+    <p:sldId id="285" r:id="rId25"/>
+    <p:sldId id="286" r:id="rId26"/>
+    <p:sldId id="287" r:id="rId27"/>
+    <p:sldId id="277" r:id="rId28"/>
+    <p:sldId id="280" r:id="rId29"/>
+    <p:sldId id="278" r:id="rId30"/>
+    <p:sldId id="279" r:id="rId31"/>
+    <p:sldId id="281" r:id="rId32"/>
+    <p:sldId id="282" r:id="rId33"/>
+    <p:sldId id="284" r:id="rId34"/>
+    <p:sldId id="283" r:id="rId35"/>
+    <p:sldId id="269" r:id="rId36"/>
+    <p:sldId id="288" r:id="rId37"/>
+    <p:sldId id="289" r:id="rId38"/>
+    <p:sldId id="270" r:id="rId39"/>
   </p:sldIdLst>
   <p:sldSz cx="12192000" cy="6858000"/>
   <p:notesSz cx="6858000" cy="9144000"/>
@@ -136,11 +140,6 @@
       </a:defRPr>
     </a:lvl9pPr>
   </p:defaultTextStyle>
-  <p:extLst>
-    <p:ext uri="{EFAFB233-063F-42B5-8137-9DF3F51BA10A}">
-      <p15:sldGuideLst xmlns:p15="http://schemas.microsoft.com/office/powerpoint/2012/main"/>
-    </p:ext>
-  </p:extLst>
 </p:presentation>
 </file>
 
@@ -189,6 +188,7 @@
               <a:rPr lang="pt-BR"/>
               <a:t>Clique para editar o título Mestre</a:t>
             </a:r>
+            <a:endParaRPr lang="pt-BR"/>
           </a:p>
         </p:txBody>
       </p:sp>
@@ -253,6 +253,7 @@
               <a:rPr lang="pt-BR"/>
               <a:t>Clique para editar o estilo do subtítulo Mestre</a:t>
             </a:r>
+            <a:endParaRPr lang="pt-BR"/>
           </a:p>
         </p:txBody>
       </p:sp>
@@ -273,7 +274,6 @@
           <a:p>
             <a:fld id="{4C2BDBDF-3FC3-4882-B584-91431BAF618B}" type="datetimeFigureOut">
               <a:rPr lang="pt-BR" smtClean="0"/>
-              <a:t>11/09/2019</a:t>
             </a:fld>
             <a:endParaRPr lang="pt-BR"/>
           </a:p>
@@ -315,7 +315,6 @@
           <a:p>
             <a:fld id="{D9E82853-9538-425E-A66F-04E4BCE18009}" type="slidenum">
               <a:rPr lang="pt-BR" smtClean="0"/>
-              <a:t>‹nº›</a:t>
             </a:fld>
             <a:endParaRPr lang="pt-BR"/>
           </a:p>
@@ -365,6 +364,7 @@
               <a:rPr lang="pt-BR"/>
               <a:t>Clique para editar o título Mestre</a:t>
             </a:r>
+            <a:endParaRPr lang="pt-BR"/>
           </a:p>
         </p:txBody>
       </p:sp>
@@ -388,6 +388,7 @@
               <a:rPr lang="pt-BR"/>
               <a:t>Clique para editar os estilos de texto Mestres</a:t>
             </a:r>
+            <a:endParaRPr lang="pt-BR"/>
           </a:p>
           <a:p>
             <a:pPr lvl="1"/>
@@ -395,6 +396,7 @@
               <a:rPr lang="pt-BR"/>
               <a:t>Segundo nível</a:t>
             </a:r>
+            <a:endParaRPr lang="pt-BR"/>
           </a:p>
           <a:p>
             <a:pPr lvl="2"/>
@@ -402,6 +404,7 @@
               <a:rPr lang="pt-BR"/>
               <a:t>Terceiro nível</a:t>
             </a:r>
+            <a:endParaRPr lang="pt-BR"/>
           </a:p>
           <a:p>
             <a:pPr lvl="3"/>
@@ -409,6 +412,7 @@
               <a:rPr lang="pt-BR"/>
               <a:t>Quarto nível</a:t>
             </a:r>
+            <a:endParaRPr lang="pt-BR"/>
           </a:p>
           <a:p>
             <a:pPr lvl="4"/>
@@ -416,6 +420,7 @@
               <a:rPr lang="pt-BR"/>
               <a:t>Quinto nível</a:t>
             </a:r>
+            <a:endParaRPr lang="pt-BR"/>
           </a:p>
         </p:txBody>
       </p:sp>
@@ -436,7 +441,6 @@
           <a:p>
             <a:fld id="{4C2BDBDF-3FC3-4882-B584-91431BAF618B}" type="datetimeFigureOut">
               <a:rPr lang="pt-BR" smtClean="0"/>
-              <a:t>11/09/2019</a:t>
             </a:fld>
             <a:endParaRPr lang="pt-BR"/>
           </a:p>
@@ -478,7 +482,6 @@
           <a:p>
             <a:fld id="{D9E82853-9538-425E-A66F-04E4BCE18009}" type="slidenum">
               <a:rPr lang="pt-BR" smtClean="0"/>
-              <a:t>‹nº›</a:t>
             </a:fld>
             <a:endParaRPr lang="pt-BR"/>
           </a:p>
@@ -533,6 +536,7 @@
               <a:rPr lang="pt-BR"/>
               <a:t>Clique para editar o título Mestre</a:t>
             </a:r>
+            <a:endParaRPr lang="pt-BR"/>
           </a:p>
         </p:txBody>
       </p:sp>
@@ -561,6 +565,7 @@
               <a:rPr lang="pt-BR"/>
               <a:t>Clique para editar os estilos de texto Mestres</a:t>
             </a:r>
+            <a:endParaRPr lang="pt-BR"/>
           </a:p>
           <a:p>
             <a:pPr lvl="1"/>
@@ -568,6 +573,7 @@
               <a:rPr lang="pt-BR"/>
               <a:t>Segundo nível</a:t>
             </a:r>
+            <a:endParaRPr lang="pt-BR"/>
           </a:p>
           <a:p>
             <a:pPr lvl="2"/>
@@ -575,6 +581,7 @@
               <a:rPr lang="pt-BR"/>
               <a:t>Terceiro nível</a:t>
             </a:r>
+            <a:endParaRPr lang="pt-BR"/>
           </a:p>
           <a:p>
             <a:pPr lvl="3"/>
@@ -582,6 +589,7 @@
               <a:rPr lang="pt-BR"/>
               <a:t>Quarto nível</a:t>
             </a:r>
+            <a:endParaRPr lang="pt-BR"/>
           </a:p>
           <a:p>
             <a:pPr lvl="4"/>
@@ -589,6 +597,7 @@
               <a:rPr lang="pt-BR"/>
               <a:t>Quinto nível</a:t>
             </a:r>
+            <a:endParaRPr lang="pt-BR"/>
           </a:p>
         </p:txBody>
       </p:sp>
@@ -609,7 +618,6 @@
           <a:p>
             <a:fld id="{4C2BDBDF-3FC3-4882-B584-91431BAF618B}" type="datetimeFigureOut">
               <a:rPr lang="pt-BR" smtClean="0"/>
-              <a:t>11/09/2019</a:t>
             </a:fld>
             <a:endParaRPr lang="pt-BR"/>
           </a:p>
@@ -651,7 +659,6 @@
           <a:p>
             <a:fld id="{D9E82853-9538-425E-A66F-04E4BCE18009}" type="slidenum">
               <a:rPr lang="pt-BR" smtClean="0"/>
-              <a:t>‹nº›</a:t>
             </a:fld>
             <a:endParaRPr lang="pt-BR"/>
           </a:p>
@@ -701,6 +708,7 @@
               <a:rPr lang="pt-BR"/>
               <a:t>Clique para editar o título Mestre</a:t>
             </a:r>
+            <a:endParaRPr lang="pt-BR"/>
           </a:p>
         </p:txBody>
       </p:sp>
@@ -724,6 +732,7 @@
               <a:rPr lang="pt-BR"/>
               <a:t>Clique para editar os estilos de texto Mestres</a:t>
             </a:r>
+            <a:endParaRPr lang="pt-BR"/>
           </a:p>
           <a:p>
             <a:pPr lvl="1"/>
@@ -731,6 +740,7 @@
               <a:rPr lang="pt-BR"/>
               <a:t>Segundo nível</a:t>
             </a:r>
+            <a:endParaRPr lang="pt-BR"/>
           </a:p>
           <a:p>
             <a:pPr lvl="2"/>
@@ -738,6 +748,7 @@
               <a:rPr lang="pt-BR"/>
               <a:t>Terceiro nível</a:t>
             </a:r>
+            <a:endParaRPr lang="pt-BR"/>
           </a:p>
           <a:p>
             <a:pPr lvl="3"/>
@@ -745,6 +756,7 @@
               <a:rPr lang="pt-BR"/>
               <a:t>Quarto nível</a:t>
             </a:r>
+            <a:endParaRPr lang="pt-BR"/>
           </a:p>
           <a:p>
             <a:pPr lvl="4"/>
@@ -752,6 +764,7 @@
               <a:rPr lang="pt-BR"/>
               <a:t>Quinto nível</a:t>
             </a:r>
+            <a:endParaRPr lang="pt-BR"/>
           </a:p>
         </p:txBody>
       </p:sp>
@@ -772,7 +785,6 @@
           <a:p>
             <a:fld id="{4C2BDBDF-3FC3-4882-B584-91431BAF618B}" type="datetimeFigureOut">
               <a:rPr lang="pt-BR" smtClean="0"/>
-              <a:t>11/09/2019</a:t>
             </a:fld>
             <a:endParaRPr lang="pt-BR"/>
           </a:p>
@@ -814,7 +826,6 @@
           <a:p>
             <a:fld id="{D9E82853-9538-425E-A66F-04E4BCE18009}" type="slidenum">
               <a:rPr lang="pt-BR" smtClean="0"/>
-              <a:t>‹nº›</a:t>
             </a:fld>
             <a:endParaRPr lang="pt-BR"/>
           </a:p>
@@ -873,6 +884,7 @@
               <a:rPr lang="pt-BR"/>
               <a:t>Clique para editar o título Mestre</a:t>
             </a:r>
+            <a:endParaRPr lang="pt-BR"/>
           </a:p>
         </p:txBody>
       </p:sp>
@@ -992,6 +1004,7 @@
               <a:rPr lang="pt-BR"/>
               <a:t>Clique para editar os estilos de texto Mestres</a:t>
             </a:r>
+            <a:endParaRPr lang="pt-BR"/>
           </a:p>
         </p:txBody>
       </p:sp>
@@ -1012,7 +1025,6 @@
           <a:p>
             <a:fld id="{4C2BDBDF-3FC3-4882-B584-91431BAF618B}" type="datetimeFigureOut">
               <a:rPr lang="pt-BR" smtClean="0"/>
-              <a:t>11/09/2019</a:t>
             </a:fld>
             <a:endParaRPr lang="pt-BR"/>
           </a:p>
@@ -1054,7 +1066,6 @@
           <a:p>
             <a:fld id="{D9E82853-9538-425E-A66F-04E4BCE18009}" type="slidenum">
               <a:rPr lang="pt-BR" smtClean="0"/>
-              <a:t>‹nº›</a:t>
             </a:fld>
             <a:endParaRPr lang="pt-BR"/>
           </a:p>
@@ -1104,6 +1115,7 @@
               <a:rPr lang="pt-BR"/>
               <a:t>Clique para editar o título Mestre</a:t>
             </a:r>
+            <a:endParaRPr lang="pt-BR"/>
           </a:p>
         </p:txBody>
       </p:sp>
@@ -1132,6 +1144,7 @@
               <a:rPr lang="pt-BR"/>
               <a:t>Clique para editar os estilos de texto Mestres</a:t>
             </a:r>
+            <a:endParaRPr lang="pt-BR"/>
           </a:p>
           <a:p>
             <a:pPr lvl="1"/>
@@ -1139,6 +1152,7 @@
               <a:rPr lang="pt-BR"/>
               <a:t>Segundo nível</a:t>
             </a:r>
+            <a:endParaRPr lang="pt-BR"/>
           </a:p>
           <a:p>
             <a:pPr lvl="2"/>
@@ -1146,6 +1160,7 @@
               <a:rPr lang="pt-BR"/>
               <a:t>Terceiro nível</a:t>
             </a:r>
+            <a:endParaRPr lang="pt-BR"/>
           </a:p>
           <a:p>
             <a:pPr lvl="3"/>
@@ -1153,6 +1168,7 @@
               <a:rPr lang="pt-BR"/>
               <a:t>Quarto nível</a:t>
             </a:r>
+            <a:endParaRPr lang="pt-BR"/>
           </a:p>
           <a:p>
             <a:pPr lvl="4"/>
@@ -1160,6 +1176,7 @@
               <a:rPr lang="pt-BR"/>
               <a:t>Quinto nível</a:t>
             </a:r>
+            <a:endParaRPr lang="pt-BR"/>
           </a:p>
         </p:txBody>
       </p:sp>
@@ -1188,6 +1205,7 @@
               <a:rPr lang="pt-BR"/>
               <a:t>Clique para editar os estilos de texto Mestres</a:t>
             </a:r>
+            <a:endParaRPr lang="pt-BR"/>
           </a:p>
           <a:p>
             <a:pPr lvl="1"/>
@@ -1195,6 +1213,7 @@
               <a:rPr lang="pt-BR"/>
               <a:t>Segundo nível</a:t>
             </a:r>
+            <a:endParaRPr lang="pt-BR"/>
           </a:p>
           <a:p>
             <a:pPr lvl="2"/>
@@ -1202,6 +1221,7 @@
               <a:rPr lang="pt-BR"/>
               <a:t>Terceiro nível</a:t>
             </a:r>
+            <a:endParaRPr lang="pt-BR"/>
           </a:p>
           <a:p>
             <a:pPr lvl="3"/>
@@ -1209,6 +1229,7 @@
               <a:rPr lang="pt-BR"/>
               <a:t>Quarto nível</a:t>
             </a:r>
+            <a:endParaRPr lang="pt-BR"/>
           </a:p>
           <a:p>
             <a:pPr lvl="4"/>
@@ -1216,6 +1237,7 @@
               <a:rPr lang="pt-BR"/>
               <a:t>Quinto nível</a:t>
             </a:r>
+            <a:endParaRPr lang="pt-BR"/>
           </a:p>
         </p:txBody>
       </p:sp>
@@ -1236,7 +1258,6 @@
           <a:p>
             <a:fld id="{4C2BDBDF-3FC3-4882-B584-91431BAF618B}" type="datetimeFigureOut">
               <a:rPr lang="pt-BR" smtClean="0"/>
-              <a:t>11/09/2019</a:t>
             </a:fld>
             <a:endParaRPr lang="pt-BR"/>
           </a:p>
@@ -1278,7 +1299,6 @@
           <a:p>
             <a:fld id="{D9E82853-9538-425E-A66F-04E4BCE18009}" type="slidenum">
               <a:rPr lang="pt-BR" smtClean="0"/>
-              <a:t>‹nº›</a:t>
             </a:fld>
             <a:endParaRPr lang="pt-BR"/>
           </a:p>
@@ -1333,6 +1353,7 @@
               <a:rPr lang="pt-BR"/>
               <a:t>Clique para editar o título Mestre</a:t>
             </a:r>
+            <a:endParaRPr lang="pt-BR"/>
           </a:p>
         </p:txBody>
       </p:sp>
@@ -1398,6 +1419,7 @@
               <a:rPr lang="pt-BR"/>
               <a:t>Clique para editar os estilos de texto Mestres</a:t>
             </a:r>
+            <a:endParaRPr lang="pt-BR"/>
           </a:p>
         </p:txBody>
       </p:sp>
@@ -1426,6 +1448,7 @@
               <a:rPr lang="pt-BR"/>
               <a:t>Clique para editar os estilos de texto Mestres</a:t>
             </a:r>
+            <a:endParaRPr lang="pt-BR"/>
           </a:p>
           <a:p>
             <a:pPr lvl="1"/>
@@ -1433,6 +1456,7 @@
               <a:rPr lang="pt-BR"/>
               <a:t>Segundo nível</a:t>
             </a:r>
+            <a:endParaRPr lang="pt-BR"/>
           </a:p>
           <a:p>
             <a:pPr lvl="2"/>
@@ -1440,6 +1464,7 @@
               <a:rPr lang="pt-BR"/>
               <a:t>Terceiro nível</a:t>
             </a:r>
+            <a:endParaRPr lang="pt-BR"/>
           </a:p>
           <a:p>
             <a:pPr lvl="3"/>
@@ -1447,6 +1472,7 @@
               <a:rPr lang="pt-BR"/>
               <a:t>Quarto nível</a:t>
             </a:r>
+            <a:endParaRPr lang="pt-BR"/>
           </a:p>
           <a:p>
             <a:pPr lvl="4"/>
@@ -1454,6 +1480,7 @@
               <a:rPr lang="pt-BR"/>
               <a:t>Quinto nível</a:t>
             </a:r>
+            <a:endParaRPr lang="pt-BR"/>
           </a:p>
         </p:txBody>
       </p:sp>
@@ -1519,6 +1546,7 @@
               <a:rPr lang="pt-BR"/>
               <a:t>Clique para editar os estilos de texto Mestres</a:t>
             </a:r>
+            <a:endParaRPr lang="pt-BR"/>
           </a:p>
         </p:txBody>
       </p:sp>
@@ -1547,6 +1575,7 @@
               <a:rPr lang="pt-BR"/>
               <a:t>Clique para editar os estilos de texto Mestres</a:t>
             </a:r>
+            <a:endParaRPr lang="pt-BR"/>
           </a:p>
           <a:p>
             <a:pPr lvl="1"/>
@@ -1554,6 +1583,7 @@
               <a:rPr lang="pt-BR"/>
               <a:t>Segundo nível</a:t>
             </a:r>
+            <a:endParaRPr lang="pt-BR"/>
           </a:p>
           <a:p>
             <a:pPr lvl="2"/>
@@ -1561,6 +1591,7 @@
               <a:rPr lang="pt-BR"/>
               <a:t>Terceiro nível</a:t>
             </a:r>
+            <a:endParaRPr lang="pt-BR"/>
           </a:p>
           <a:p>
             <a:pPr lvl="3"/>
@@ -1568,6 +1599,7 @@
               <a:rPr lang="pt-BR"/>
               <a:t>Quarto nível</a:t>
             </a:r>
+            <a:endParaRPr lang="pt-BR"/>
           </a:p>
           <a:p>
             <a:pPr lvl="4"/>
@@ -1575,6 +1607,7 @@
               <a:rPr lang="pt-BR"/>
               <a:t>Quinto nível</a:t>
             </a:r>
+            <a:endParaRPr lang="pt-BR"/>
           </a:p>
         </p:txBody>
       </p:sp>
@@ -1595,7 +1628,6 @@
           <a:p>
             <a:fld id="{4C2BDBDF-3FC3-4882-B584-91431BAF618B}" type="datetimeFigureOut">
               <a:rPr lang="pt-BR" smtClean="0"/>
-              <a:t>11/09/2019</a:t>
             </a:fld>
             <a:endParaRPr lang="pt-BR"/>
           </a:p>
@@ -1637,7 +1669,6 @@
           <a:p>
             <a:fld id="{D9E82853-9538-425E-A66F-04E4BCE18009}" type="slidenum">
               <a:rPr lang="pt-BR" smtClean="0"/>
-              <a:t>‹nº›</a:t>
             </a:fld>
             <a:endParaRPr lang="pt-BR"/>
           </a:p>
@@ -1687,6 +1718,7 @@
               <a:rPr lang="pt-BR"/>
               <a:t>Clique para editar o título Mestre</a:t>
             </a:r>
+            <a:endParaRPr lang="pt-BR"/>
           </a:p>
         </p:txBody>
       </p:sp>
@@ -1707,7 +1739,6 @@
           <a:p>
             <a:fld id="{4C2BDBDF-3FC3-4882-B584-91431BAF618B}" type="datetimeFigureOut">
               <a:rPr lang="pt-BR" smtClean="0"/>
-              <a:t>11/09/2019</a:t>
             </a:fld>
             <a:endParaRPr lang="pt-BR"/>
           </a:p>
@@ -1749,7 +1780,6 @@
           <a:p>
             <a:fld id="{D9E82853-9538-425E-A66F-04E4BCE18009}" type="slidenum">
               <a:rPr lang="pt-BR" smtClean="0"/>
-              <a:t>‹nº›</a:t>
             </a:fld>
             <a:endParaRPr lang="pt-BR"/>
           </a:p>
@@ -1797,7 +1827,6 @@
           <a:p>
             <a:fld id="{4C2BDBDF-3FC3-4882-B584-91431BAF618B}" type="datetimeFigureOut">
               <a:rPr lang="pt-BR" smtClean="0"/>
-              <a:t>11/09/2019</a:t>
             </a:fld>
             <a:endParaRPr lang="pt-BR"/>
           </a:p>
@@ -1839,7 +1868,6 @@
           <a:p>
             <a:fld id="{D9E82853-9538-425E-A66F-04E4BCE18009}" type="slidenum">
               <a:rPr lang="pt-BR" smtClean="0"/>
-              <a:t>‹nº›</a:t>
             </a:fld>
             <a:endParaRPr lang="pt-BR"/>
           </a:p>
@@ -1898,6 +1926,7 @@
               <a:rPr lang="pt-BR"/>
               <a:t>Clique para editar o título Mestre</a:t>
             </a:r>
+            <a:endParaRPr lang="pt-BR"/>
           </a:p>
         </p:txBody>
       </p:sp>
@@ -1954,6 +1983,7 @@
               <a:rPr lang="pt-BR"/>
               <a:t>Clique para editar os estilos de texto Mestres</a:t>
             </a:r>
+            <a:endParaRPr lang="pt-BR"/>
           </a:p>
           <a:p>
             <a:pPr lvl="1"/>
@@ -1961,6 +1991,7 @@
               <a:rPr lang="pt-BR"/>
               <a:t>Segundo nível</a:t>
             </a:r>
+            <a:endParaRPr lang="pt-BR"/>
           </a:p>
           <a:p>
             <a:pPr lvl="2"/>
@@ -1968,6 +1999,7 @@
               <a:rPr lang="pt-BR"/>
               <a:t>Terceiro nível</a:t>
             </a:r>
+            <a:endParaRPr lang="pt-BR"/>
           </a:p>
           <a:p>
             <a:pPr lvl="3"/>
@@ -1975,6 +2007,7 @@
               <a:rPr lang="pt-BR"/>
               <a:t>Quarto nível</a:t>
             </a:r>
+            <a:endParaRPr lang="pt-BR"/>
           </a:p>
           <a:p>
             <a:pPr lvl="4"/>
@@ -1982,6 +2015,7 @@
               <a:rPr lang="pt-BR"/>
               <a:t>Quinto nível</a:t>
             </a:r>
+            <a:endParaRPr lang="pt-BR"/>
           </a:p>
         </p:txBody>
       </p:sp>
@@ -2047,6 +2081,7 @@
               <a:rPr lang="pt-BR"/>
               <a:t>Clique para editar os estilos de texto Mestres</a:t>
             </a:r>
+            <a:endParaRPr lang="pt-BR"/>
           </a:p>
         </p:txBody>
       </p:sp>
@@ -2067,7 +2102,6 @@
           <a:p>
             <a:fld id="{4C2BDBDF-3FC3-4882-B584-91431BAF618B}" type="datetimeFigureOut">
               <a:rPr lang="pt-BR" smtClean="0"/>
-              <a:t>11/09/2019</a:t>
             </a:fld>
             <a:endParaRPr lang="pt-BR"/>
           </a:p>
@@ -2109,7 +2143,6 @@
           <a:p>
             <a:fld id="{D9E82853-9538-425E-A66F-04E4BCE18009}" type="slidenum">
               <a:rPr lang="pt-BR" smtClean="0"/>
-              <a:t>‹nº›</a:t>
             </a:fld>
             <a:endParaRPr lang="pt-BR"/>
           </a:p>
@@ -2168,6 +2201,7 @@
               <a:rPr lang="pt-BR"/>
               <a:t>Clique para editar o título Mestre</a:t>
             </a:r>
+            <a:endParaRPr lang="pt-BR"/>
           </a:p>
         </p:txBody>
       </p:sp>
@@ -2294,6 +2328,7 @@
               <a:rPr lang="pt-BR"/>
               <a:t>Clique para editar os estilos de texto Mestres</a:t>
             </a:r>
+            <a:endParaRPr lang="pt-BR"/>
           </a:p>
         </p:txBody>
       </p:sp>
@@ -2314,7 +2349,6 @@
           <a:p>
             <a:fld id="{4C2BDBDF-3FC3-4882-B584-91431BAF618B}" type="datetimeFigureOut">
               <a:rPr lang="pt-BR" smtClean="0"/>
-              <a:t>11/09/2019</a:t>
             </a:fld>
             <a:endParaRPr lang="pt-BR"/>
           </a:p>
@@ -2356,7 +2390,6 @@
           <a:p>
             <a:fld id="{D9E82853-9538-425E-A66F-04E4BCE18009}" type="slidenum">
               <a:rPr lang="pt-BR" smtClean="0"/>
-              <a:t>‹nº›</a:t>
             </a:fld>
             <a:endParaRPr lang="pt-BR"/>
           </a:p>
@@ -2421,6 +2454,7 @@
               <a:rPr lang="pt-BR"/>
               <a:t>Clique para editar o título Mestre</a:t>
             </a:r>
+            <a:endParaRPr lang="pt-BR"/>
           </a:p>
         </p:txBody>
       </p:sp>
@@ -2454,6 +2488,7 @@
               <a:rPr lang="pt-BR"/>
               <a:t>Clique para editar os estilos de texto Mestres</a:t>
             </a:r>
+            <a:endParaRPr lang="pt-BR"/>
           </a:p>
           <a:p>
             <a:pPr lvl="1"/>
@@ -2461,6 +2496,7 @@
               <a:rPr lang="pt-BR"/>
               <a:t>Segundo nível</a:t>
             </a:r>
+            <a:endParaRPr lang="pt-BR"/>
           </a:p>
           <a:p>
             <a:pPr lvl="2"/>
@@ -2468,6 +2504,7 @@
               <a:rPr lang="pt-BR"/>
               <a:t>Terceiro nível</a:t>
             </a:r>
+            <a:endParaRPr lang="pt-BR"/>
           </a:p>
           <a:p>
             <a:pPr lvl="3"/>
@@ -2475,6 +2512,7 @@
               <a:rPr lang="pt-BR"/>
               <a:t>Quarto nível</a:t>
             </a:r>
+            <a:endParaRPr lang="pt-BR"/>
           </a:p>
           <a:p>
             <a:pPr lvl="4"/>
@@ -2482,6 +2520,7 @@
               <a:rPr lang="pt-BR"/>
               <a:t>Quinto nível</a:t>
             </a:r>
+            <a:endParaRPr lang="pt-BR"/>
           </a:p>
         </p:txBody>
       </p:sp>
@@ -2520,7 +2559,6 @@
           <a:p>
             <a:fld id="{4C2BDBDF-3FC3-4882-B584-91431BAF618B}" type="datetimeFigureOut">
               <a:rPr lang="pt-BR" smtClean="0"/>
-              <a:t>11/09/2019</a:t>
             </a:fld>
             <a:endParaRPr lang="pt-BR"/>
           </a:p>
@@ -2598,7 +2636,6 @@
           <a:p>
             <a:fld id="{D9E82853-9538-425E-A66F-04E4BCE18009}" type="slidenum">
               <a:rPr lang="pt-BR" smtClean="0"/>
-              <a:t>‹nº›</a:t>
             </a:fld>
             <a:endParaRPr lang="pt-BR"/>
           </a:p>
@@ -2929,7 +2966,7 @@
           <p:nvPr/>
         </p:nvPicPr>
         <p:blipFill rotWithShape="1">
-          <a:blip r:embed="rId2">
+          <a:blip r:embed="rId1">
             <a:extLst>
               <a:ext uri="{28A0092B-C50C-407E-A947-70E740481C1C}">
                 <a14:useLocalDpi xmlns:a14="http://schemas.microsoft.com/office/drawing/2010/main" val="0"/>
@@ -2985,8 +3022,6 @@
               </a:rPr>
               <a:t>Disciplina: Inteligência Artificial</a:t>
             </a:r>
-          </a:p>
-          <a:p>
             <a:endParaRPr lang="pt-BR" sz="2800" b="1" dirty="0">
               <a:solidFill>
                 <a:schemeClr val="tx1">
@@ -2998,20 +3033,6 @@
             </a:endParaRPr>
           </a:p>
           <a:p>
-            <a:r>
-              <a:rPr lang="pt-BR" sz="2800" b="1" dirty="0">
-                <a:solidFill>
-                  <a:schemeClr val="tx1">
-                    <a:lumMod val="75000"/>
-                    <a:lumOff val="25000"/>
-                  </a:schemeClr>
-                </a:solidFill>
-                <a:cs typeface="Times New Roman" panose="02020603050405020304" pitchFamily="18" charset="0"/>
-              </a:rPr>
-              <a:t>Docente:  André Luís Meneses Silva</a:t>
-            </a:r>
-          </a:p>
-          <a:p>
             <a:endParaRPr lang="pt-BR" sz="2800" b="1" dirty="0">
               <a:solidFill>
                 <a:schemeClr val="tx1">
@@ -3033,8 +3054,28 @@
                 </a:solidFill>
                 <a:cs typeface="Times New Roman" panose="02020603050405020304" pitchFamily="18" charset="0"/>
               </a:rPr>
-              <a:t>Discentes:    Clovijan Bispo Rocha</a:t>
-            </a:r>
+              <a:t>Docente:  André Luís Meneses Silva</a:t>
+            </a:r>
+            <a:endParaRPr lang="pt-BR" sz="2800" b="1" dirty="0">
+              <a:solidFill>
+                <a:schemeClr val="tx1">
+                  <a:lumMod val="75000"/>
+                  <a:lumOff val="25000"/>
+                </a:schemeClr>
+              </a:solidFill>
+              <a:cs typeface="Times New Roman" panose="02020603050405020304" pitchFamily="18" charset="0"/>
+            </a:endParaRPr>
+          </a:p>
+          <a:p>
+            <a:endParaRPr lang="pt-BR" sz="2800" b="1" dirty="0">
+              <a:solidFill>
+                <a:schemeClr val="tx1">
+                  <a:lumMod val="75000"/>
+                  <a:lumOff val="25000"/>
+                </a:schemeClr>
+              </a:solidFill>
+              <a:cs typeface="Times New Roman" panose="02020603050405020304" pitchFamily="18" charset="0"/>
+            </a:endParaRPr>
           </a:p>
           <a:p>
             <a:r>
@@ -3047,10 +3088,21 @@
                 </a:solidFill>
                 <a:cs typeface="Times New Roman" panose="02020603050405020304" pitchFamily="18" charset="0"/>
               </a:rPr>
-              <a:t>		Igor </a:t>
-            </a:r>
-            <a:r>
-              <a:rPr lang="pt-BR" sz="2800" b="1" dirty="0" err="1">
+              <a:t>Discentes:    Clovijan Bispo Rocha</a:t>
+            </a:r>
+            <a:endParaRPr lang="pt-BR" sz="2800" b="1" dirty="0">
+              <a:solidFill>
+                <a:schemeClr val="tx1">
+                  <a:lumMod val="75000"/>
+                  <a:lumOff val="25000"/>
+                </a:schemeClr>
+              </a:solidFill>
+              <a:cs typeface="Times New Roman" panose="02020603050405020304" pitchFamily="18" charset="0"/>
+            </a:endParaRPr>
+          </a:p>
+          <a:p>
+            <a:r>
+              <a:rPr lang="pt-BR" sz="2800" b="1" dirty="0">
                 <a:solidFill>
                   <a:schemeClr val="tx1">
                     <a:lumMod val="75000"/>
@@ -3059,10 +3111,10 @@
                 </a:solidFill>
                 <a:cs typeface="Times New Roman" panose="02020603050405020304" pitchFamily="18" charset="0"/>
               </a:rPr>
-              <a:t>Terriaga</a:t>
-            </a:r>
-            <a:r>
-              <a:rPr lang="pt-BR" sz="2800" b="1" dirty="0">
+              <a:t>		Igor </a:t>
+            </a:r>
+            <a:r>
+              <a:rPr lang="pt-BR" sz="2800" b="1" dirty="0" err="1">
                 <a:solidFill>
                   <a:schemeClr val="tx1">
                     <a:lumMod val="75000"/>
@@ -3071,8 +3123,29 @@
                 </a:solidFill>
                 <a:cs typeface="Times New Roman" panose="02020603050405020304" pitchFamily="18" charset="0"/>
               </a:rPr>
+              <a:t>Terriaga</a:t>
+            </a:r>
+            <a:r>
+              <a:rPr lang="pt-BR" sz="2800" b="1" dirty="0">
+                <a:solidFill>
+                  <a:schemeClr val="tx1">
+                    <a:lumMod val="75000"/>
+                    <a:lumOff val="25000"/>
+                  </a:schemeClr>
+                </a:solidFill>
+                <a:cs typeface="Times New Roman" panose="02020603050405020304" pitchFamily="18" charset="0"/>
+              </a:rPr>
               <a:t> Santos</a:t>
             </a:r>
+            <a:endParaRPr lang="pt-BR" sz="2800" b="1" dirty="0">
+              <a:solidFill>
+                <a:schemeClr val="tx1">
+                  <a:lumMod val="75000"/>
+                  <a:lumOff val="25000"/>
+                </a:schemeClr>
+              </a:solidFill>
+              <a:cs typeface="Times New Roman" panose="02020603050405020304" pitchFamily="18" charset="0"/>
+            </a:endParaRPr>
           </a:p>
           <a:p>
             <a:r>
@@ -3148,6 +3221,15 @@
                 </a:rPr>
                 <a:t>Universidade Federal de Sergipe</a:t>
               </a:r>
+              <a:endParaRPr lang="pt-BR" sz="4000" b="1" dirty="0">
+                <a:solidFill>
+                  <a:schemeClr val="tx1">
+                    <a:lumMod val="75000"/>
+                    <a:lumOff val="25000"/>
+                  </a:schemeClr>
+                </a:solidFill>
+                <a:cs typeface="Times New Roman" panose="02020603050405020304" pitchFamily="18" charset="0"/>
+              </a:endParaRPr>
             </a:p>
             <a:p>
               <a:pPr algn="ctr"/>
@@ -3163,6 +3245,15 @@
                 </a:rPr>
                 <a:t>Campus Alberto Carvalho</a:t>
               </a:r>
+              <a:endParaRPr lang="pt-BR" sz="4000" b="1" dirty="0">
+                <a:solidFill>
+                  <a:schemeClr val="tx1">
+                    <a:lumMod val="75000"/>
+                    <a:lumOff val="25000"/>
+                  </a:schemeClr>
+                </a:solidFill>
+                <a:cs typeface="Times New Roman" panose="02020603050405020304" pitchFamily="18" charset="0"/>
+              </a:endParaRPr>
             </a:p>
             <a:p>
               <a:pPr algn="ctr"/>
@@ -3178,6 +3269,15 @@
                 </a:rPr>
                 <a:t>Departamento de Sistemas de Informação</a:t>
               </a:r>
+              <a:endParaRPr lang="pt-BR" sz="4000" b="1" dirty="0">
+                <a:solidFill>
+                  <a:schemeClr val="tx1">
+                    <a:lumMod val="75000"/>
+                    <a:lumOff val="25000"/>
+                  </a:schemeClr>
+                </a:solidFill>
+                <a:cs typeface="Times New Roman" panose="02020603050405020304" pitchFamily="18" charset="0"/>
+              </a:endParaRPr>
             </a:p>
           </p:txBody>
         </p:sp>
@@ -3190,7 +3290,7 @@
             <p:nvPr/>
           </p:nvPicPr>
           <p:blipFill rotWithShape="1">
-            <a:blip r:embed="rId3" cstate="print">
+            <a:blip r:embed="rId2" cstate="print">
               <a:extLst>
                 <a:ext uri="{28A0092B-C50C-407E-A947-70E740481C1C}">
                   <a14:useLocalDpi xmlns:a14="http://schemas.microsoft.com/office/drawing/2010/main" val="0"/>
@@ -3222,7 +3322,7 @@
           <p:nvPr/>
         </p:nvPicPr>
         <p:blipFill>
-          <a:blip r:embed="rId4">
+          <a:blip r:embed="rId3">
             <a:extLst>
               <a:ext uri="{28A0092B-C50C-407E-A947-70E740481C1C}">
                 <a14:useLocalDpi xmlns:a14="http://schemas.microsoft.com/office/drawing/2010/main" val="0"/>
@@ -3279,8 +3379,8 @@
         </p:nvSpPr>
         <p:spPr>
           <a:xfrm>
-            <a:off x="838199" y="162192"/>
-            <a:ext cx="10515600" cy="1087060"/>
+            <a:off x="838199" y="200993"/>
+            <a:ext cx="10515600" cy="970671"/>
           </a:xfrm>
           <a:prstGeom prst="rect">
             <a:avLst/>
@@ -3312,658 +3412,98 @@
           <a:p>
             <a:pPr algn="ctr"/>
             <a:r>
-              <a:rPr lang="pt-BR" sz="4800" b="1" dirty="0">
+              <a:rPr lang="pt-BR" sz="5400" b="1" dirty="0">
                 <a:solidFill>
                   <a:srgbClr val="049BE6"/>
                 </a:solidFill>
                 <a:latin typeface="+mn-lt"/>
               </a:rPr>
-              <a:t>Inicializar a população</a:t>
-            </a:r>
+              <a:t>Modelagem do indivíduo</a:t>
+            </a:r>
+            <a:endParaRPr lang="pt-BR" sz="5400" b="1" dirty="0">
+              <a:solidFill>
+                <a:srgbClr val="049BE6"/>
+              </a:solidFill>
+              <a:latin typeface="+mn-lt"/>
+            </a:endParaRPr>
           </a:p>
         </p:txBody>
       </p:sp>
-      <p:sp>
-        <p:nvSpPr>
-          <p:cNvPr id="3" name="Espaço Reservado para Conteúdo 2"/>
-          <p:cNvSpPr txBox="1"/>
+      <p:pic>
+        <p:nvPicPr>
+          <p:cNvPr id="4" name="Imagem 3"/>
+          <p:cNvPicPr>
+            <a:picLocks noChangeAspect="1"/>
+          </p:cNvPicPr>
           <p:nvPr/>
-        </p:nvSpPr>
+        </p:nvPicPr>
+        <p:blipFill>
+          <a:blip r:embed="rId1"/>
+          <a:srcRect l="11847" t="18161" r="48543" b="14046"/>
+          <a:stretch>
+            <a:fillRect/>
+          </a:stretch>
+        </p:blipFill>
         <p:spPr>
           <a:xfrm>
-            <a:off x="321212" y="1730326"/>
-            <a:ext cx="11549575" cy="4712677"/>
+            <a:off x="626745" y="1172210"/>
+            <a:ext cx="5725795" cy="5509895"/>
           </a:xfrm>
           <a:prstGeom prst="rect">
             <a:avLst/>
           </a:prstGeom>
         </p:spPr>
-        <p:txBody>
-          <a:bodyPr>
-            <a:normAutofit/>
-          </a:bodyPr>
-          <a:lstStyle>
-            <a:lvl1pPr marL="228600" indent="-228600" algn="l" defTabSz="914400" rtl="0" eaLnBrk="1" latinLnBrk="0" hangingPunct="1">
-              <a:lnSpc>
-                <a:spcPct val="90000"/>
-              </a:lnSpc>
-              <a:spcBef>
-                <a:spcPts val="1000"/>
-              </a:spcBef>
-              <a:buFont typeface="Arial" panose="020B0604020202020204" pitchFamily="34" charset="0"/>
-              <a:buChar char="•"/>
-              <a:defRPr sz="2800" kern="1200">
-                <a:solidFill>
-                  <a:schemeClr val="tx1"/>
-                </a:solidFill>
-                <a:latin typeface="+mn-lt"/>
-                <a:ea typeface="+mn-ea"/>
-                <a:cs typeface="+mn-cs"/>
-              </a:defRPr>
-            </a:lvl1pPr>
-            <a:lvl2pPr marL="685800" indent="-228600" algn="l" defTabSz="914400" rtl="0" eaLnBrk="1" latinLnBrk="0" hangingPunct="1">
-              <a:lnSpc>
-                <a:spcPct val="90000"/>
-              </a:lnSpc>
-              <a:spcBef>
-                <a:spcPts val="500"/>
-              </a:spcBef>
-              <a:buFont typeface="Arial" panose="020B0604020202020204" pitchFamily="34" charset="0"/>
-              <a:buChar char="•"/>
-              <a:defRPr sz="2400" kern="1200">
-                <a:solidFill>
-                  <a:schemeClr val="tx1"/>
-                </a:solidFill>
-                <a:latin typeface="+mn-lt"/>
-                <a:ea typeface="+mn-ea"/>
-                <a:cs typeface="+mn-cs"/>
-              </a:defRPr>
-            </a:lvl2pPr>
-            <a:lvl3pPr marL="1143000" indent="-228600" algn="l" defTabSz="914400" rtl="0" eaLnBrk="1" latinLnBrk="0" hangingPunct="1">
-              <a:lnSpc>
-                <a:spcPct val="90000"/>
-              </a:lnSpc>
-              <a:spcBef>
-                <a:spcPts val="500"/>
-              </a:spcBef>
-              <a:buFont typeface="Arial" panose="020B0604020202020204" pitchFamily="34" charset="0"/>
-              <a:buChar char="•"/>
-              <a:defRPr sz="2000" kern="1200">
-                <a:solidFill>
-                  <a:schemeClr val="tx1"/>
-                </a:solidFill>
-                <a:latin typeface="+mn-lt"/>
-                <a:ea typeface="+mn-ea"/>
-                <a:cs typeface="+mn-cs"/>
-              </a:defRPr>
-            </a:lvl3pPr>
-            <a:lvl4pPr marL="1600200" indent="-228600" algn="l" defTabSz="914400" rtl="0" eaLnBrk="1" latinLnBrk="0" hangingPunct="1">
-              <a:lnSpc>
-                <a:spcPct val="90000"/>
-              </a:lnSpc>
-              <a:spcBef>
-                <a:spcPts val="500"/>
-              </a:spcBef>
-              <a:buFont typeface="Arial" panose="020B0604020202020204" pitchFamily="34" charset="0"/>
-              <a:buChar char="•"/>
-              <a:defRPr sz="1800" kern="1200">
-                <a:solidFill>
-                  <a:schemeClr val="tx1"/>
-                </a:solidFill>
-                <a:latin typeface="+mn-lt"/>
-                <a:ea typeface="+mn-ea"/>
-                <a:cs typeface="+mn-cs"/>
-              </a:defRPr>
-            </a:lvl4pPr>
-            <a:lvl5pPr marL="2057400" indent="-228600" algn="l" defTabSz="914400" rtl="0" eaLnBrk="1" latinLnBrk="0" hangingPunct="1">
-              <a:lnSpc>
-                <a:spcPct val="90000"/>
-              </a:lnSpc>
-              <a:spcBef>
-                <a:spcPts val="500"/>
-              </a:spcBef>
-              <a:buFont typeface="Arial" panose="020B0604020202020204" pitchFamily="34" charset="0"/>
-              <a:buChar char="•"/>
-              <a:defRPr sz="1800" kern="1200">
-                <a:solidFill>
-                  <a:schemeClr val="tx1"/>
-                </a:solidFill>
-                <a:latin typeface="+mn-lt"/>
-                <a:ea typeface="+mn-ea"/>
-                <a:cs typeface="+mn-cs"/>
-              </a:defRPr>
-            </a:lvl5pPr>
-            <a:lvl6pPr marL="2514600" indent="-228600" algn="l" defTabSz="914400" rtl="0" eaLnBrk="1" latinLnBrk="0" hangingPunct="1">
-              <a:lnSpc>
-                <a:spcPct val="90000"/>
-              </a:lnSpc>
-              <a:spcBef>
-                <a:spcPts val="500"/>
-              </a:spcBef>
-              <a:buFont typeface="Arial" panose="020B0604020202020204" pitchFamily="34" charset="0"/>
-              <a:buChar char="•"/>
-              <a:defRPr sz="1800" kern="1200">
-                <a:solidFill>
-                  <a:schemeClr val="tx1"/>
-                </a:solidFill>
-                <a:latin typeface="+mn-lt"/>
-                <a:ea typeface="+mn-ea"/>
-                <a:cs typeface="+mn-cs"/>
-              </a:defRPr>
-            </a:lvl6pPr>
-            <a:lvl7pPr marL="2971800" indent="-228600" algn="l" defTabSz="914400" rtl="0" eaLnBrk="1" latinLnBrk="0" hangingPunct="1">
-              <a:lnSpc>
-                <a:spcPct val="90000"/>
-              </a:lnSpc>
-              <a:spcBef>
-                <a:spcPts val="500"/>
-              </a:spcBef>
-              <a:buFont typeface="Arial" panose="020B0604020202020204" pitchFamily="34" charset="0"/>
-              <a:buChar char="•"/>
-              <a:defRPr sz="1800" kern="1200">
-                <a:solidFill>
-                  <a:schemeClr val="tx1"/>
-                </a:solidFill>
-                <a:latin typeface="+mn-lt"/>
-                <a:ea typeface="+mn-ea"/>
-                <a:cs typeface="+mn-cs"/>
-              </a:defRPr>
-            </a:lvl7pPr>
-            <a:lvl8pPr marL="3429000" indent="-228600" algn="l" defTabSz="914400" rtl="0" eaLnBrk="1" latinLnBrk="0" hangingPunct="1">
-              <a:lnSpc>
-                <a:spcPct val="90000"/>
-              </a:lnSpc>
-              <a:spcBef>
-                <a:spcPts val="500"/>
-              </a:spcBef>
-              <a:buFont typeface="Arial" panose="020B0604020202020204" pitchFamily="34" charset="0"/>
-              <a:buChar char="•"/>
-              <a:defRPr sz="1800" kern="1200">
-                <a:solidFill>
-                  <a:schemeClr val="tx1"/>
-                </a:solidFill>
-                <a:latin typeface="+mn-lt"/>
-                <a:ea typeface="+mn-ea"/>
-                <a:cs typeface="+mn-cs"/>
-              </a:defRPr>
-            </a:lvl8pPr>
-            <a:lvl9pPr marL="3886200" indent="-228600" algn="l" defTabSz="914400" rtl="0" eaLnBrk="1" latinLnBrk="0" hangingPunct="1">
-              <a:lnSpc>
-                <a:spcPct val="90000"/>
-              </a:lnSpc>
-              <a:spcBef>
-                <a:spcPts val="500"/>
-              </a:spcBef>
-              <a:buFont typeface="Arial" panose="020B0604020202020204" pitchFamily="34" charset="0"/>
-              <a:buChar char="•"/>
-              <a:defRPr sz="1800" kern="1200">
-                <a:solidFill>
-                  <a:schemeClr val="tx1"/>
-                </a:solidFill>
-                <a:latin typeface="+mn-lt"/>
-                <a:ea typeface="+mn-ea"/>
-                <a:cs typeface="+mn-cs"/>
-              </a:defRPr>
-            </a:lvl9pPr>
-          </a:lstStyle>
-          <a:p>
-            <a:pPr marL="0" indent="0">
-              <a:buNone/>
-            </a:pPr>
-            <a:r>
-              <a:rPr lang="pt-BR" sz="4800" dirty="0"/>
-              <a:t>	 </a:t>
-            </a:r>
-          </a:p>
-          <a:p>
-            <a:pPr marL="742950" indent="-742950">
-              <a:buFont typeface="+mj-lt"/>
-              <a:buAutoNum type="arabicPeriod"/>
-            </a:pPr>
-            <a:endParaRPr lang="pt-BR" sz="4400" dirty="0"/>
-          </a:p>
-          <a:p>
-            <a:pPr marL="742950" indent="-742950">
-              <a:buFont typeface="+mj-lt"/>
-              <a:buAutoNum type="arabicPeriod"/>
-            </a:pPr>
-            <a:endParaRPr lang="pt-BR" sz="4400" dirty="0"/>
-          </a:p>
-        </p:txBody>
-      </p:sp>
-      <p:sp>
-        <p:nvSpPr>
-          <p:cNvPr id="4" name="Espaço Reservado para Conteúdo 2"/>
-          <p:cNvSpPr txBox="1"/>
+      </p:pic>
+      <p:pic>
+        <p:nvPicPr>
+          <p:cNvPr id="6" name="Imagem 5"/>
+          <p:cNvPicPr>
+            <a:picLocks noChangeAspect="1"/>
+          </p:cNvPicPr>
           <p:nvPr/>
-        </p:nvSpPr>
+        </p:nvPicPr>
+        <p:blipFill>
+          <a:blip r:embed="rId2"/>
+          <a:srcRect l="11930" t="19072" r="54832" b="12353"/>
+          <a:stretch>
+            <a:fillRect/>
+          </a:stretch>
+        </p:blipFill>
         <p:spPr>
           <a:xfrm>
-            <a:off x="473612" y="1481070"/>
-            <a:ext cx="11549575" cy="5114333"/>
+            <a:off x="6670040" y="1172210"/>
+            <a:ext cx="4683760" cy="5433695"/>
           </a:xfrm>
           <a:prstGeom prst="rect">
             <a:avLst/>
           </a:prstGeom>
         </p:spPr>
-        <p:txBody>
-          <a:bodyPr>
-            <a:normAutofit/>
-          </a:bodyPr>
-          <a:lstStyle>
-            <a:lvl1pPr marL="228600" indent="-228600" algn="l" defTabSz="914400" rtl="0" eaLnBrk="1" latinLnBrk="0" hangingPunct="1">
-              <a:lnSpc>
-                <a:spcPct val="90000"/>
-              </a:lnSpc>
-              <a:spcBef>
-                <a:spcPts val="1000"/>
-              </a:spcBef>
-              <a:buFont typeface="Arial" panose="020B0604020202020204" pitchFamily="34" charset="0"/>
-              <a:buChar char="•"/>
-              <a:defRPr sz="2800" kern="1200">
-                <a:solidFill>
-                  <a:schemeClr val="tx1"/>
-                </a:solidFill>
-                <a:latin typeface="+mn-lt"/>
-                <a:ea typeface="+mn-ea"/>
-                <a:cs typeface="+mn-cs"/>
-              </a:defRPr>
-            </a:lvl1pPr>
-            <a:lvl2pPr marL="685800" indent="-228600" algn="l" defTabSz="914400" rtl="0" eaLnBrk="1" latinLnBrk="0" hangingPunct="1">
-              <a:lnSpc>
-                <a:spcPct val="90000"/>
-              </a:lnSpc>
-              <a:spcBef>
-                <a:spcPts val="500"/>
-              </a:spcBef>
-              <a:buFont typeface="Arial" panose="020B0604020202020204" pitchFamily="34" charset="0"/>
-              <a:buChar char="•"/>
-              <a:defRPr sz="2400" kern="1200">
-                <a:solidFill>
-                  <a:schemeClr val="tx1"/>
-                </a:solidFill>
-                <a:latin typeface="+mn-lt"/>
-                <a:ea typeface="+mn-ea"/>
-                <a:cs typeface="+mn-cs"/>
-              </a:defRPr>
-            </a:lvl2pPr>
-            <a:lvl3pPr marL="1143000" indent="-228600" algn="l" defTabSz="914400" rtl="0" eaLnBrk="1" latinLnBrk="0" hangingPunct="1">
-              <a:lnSpc>
-                <a:spcPct val="90000"/>
-              </a:lnSpc>
-              <a:spcBef>
-                <a:spcPts val="500"/>
-              </a:spcBef>
-              <a:buFont typeface="Arial" panose="020B0604020202020204" pitchFamily="34" charset="0"/>
-              <a:buChar char="•"/>
-              <a:defRPr sz="2000" kern="1200">
-                <a:solidFill>
-                  <a:schemeClr val="tx1"/>
-                </a:solidFill>
-                <a:latin typeface="+mn-lt"/>
-                <a:ea typeface="+mn-ea"/>
-                <a:cs typeface="+mn-cs"/>
-              </a:defRPr>
-            </a:lvl3pPr>
-            <a:lvl4pPr marL="1600200" indent="-228600" algn="l" defTabSz="914400" rtl="0" eaLnBrk="1" latinLnBrk="0" hangingPunct="1">
-              <a:lnSpc>
-                <a:spcPct val="90000"/>
-              </a:lnSpc>
-              <a:spcBef>
-                <a:spcPts val="500"/>
-              </a:spcBef>
-              <a:buFont typeface="Arial" panose="020B0604020202020204" pitchFamily="34" charset="0"/>
-              <a:buChar char="•"/>
-              <a:defRPr sz="1800" kern="1200">
-                <a:solidFill>
-                  <a:schemeClr val="tx1"/>
-                </a:solidFill>
-                <a:latin typeface="+mn-lt"/>
-                <a:ea typeface="+mn-ea"/>
-                <a:cs typeface="+mn-cs"/>
-              </a:defRPr>
-            </a:lvl4pPr>
-            <a:lvl5pPr marL="2057400" indent="-228600" algn="l" defTabSz="914400" rtl="0" eaLnBrk="1" latinLnBrk="0" hangingPunct="1">
-              <a:lnSpc>
-                <a:spcPct val="90000"/>
-              </a:lnSpc>
-              <a:spcBef>
-                <a:spcPts val="500"/>
-              </a:spcBef>
-              <a:buFont typeface="Arial" panose="020B0604020202020204" pitchFamily="34" charset="0"/>
-              <a:buChar char="•"/>
-              <a:defRPr sz="1800" kern="1200">
-                <a:solidFill>
-                  <a:schemeClr val="tx1"/>
-                </a:solidFill>
-                <a:latin typeface="+mn-lt"/>
-                <a:ea typeface="+mn-ea"/>
-                <a:cs typeface="+mn-cs"/>
-              </a:defRPr>
-            </a:lvl5pPr>
-            <a:lvl6pPr marL="2514600" indent="-228600" algn="l" defTabSz="914400" rtl="0" eaLnBrk="1" latinLnBrk="0" hangingPunct="1">
-              <a:lnSpc>
-                <a:spcPct val="90000"/>
-              </a:lnSpc>
-              <a:spcBef>
-                <a:spcPts val="500"/>
-              </a:spcBef>
-              <a:buFont typeface="Arial" panose="020B0604020202020204" pitchFamily="34" charset="0"/>
-              <a:buChar char="•"/>
-              <a:defRPr sz="1800" kern="1200">
-                <a:solidFill>
-                  <a:schemeClr val="tx1"/>
-                </a:solidFill>
-                <a:latin typeface="+mn-lt"/>
-                <a:ea typeface="+mn-ea"/>
-                <a:cs typeface="+mn-cs"/>
-              </a:defRPr>
-            </a:lvl6pPr>
-            <a:lvl7pPr marL="2971800" indent="-228600" algn="l" defTabSz="914400" rtl="0" eaLnBrk="1" latinLnBrk="0" hangingPunct="1">
-              <a:lnSpc>
-                <a:spcPct val="90000"/>
-              </a:lnSpc>
-              <a:spcBef>
-                <a:spcPts val="500"/>
-              </a:spcBef>
-              <a:buFont typeface="Arial" panose="020B0604020202020204" pitchFamily="34" charset="0"/>
-              <a:buChar char="•"/>
-              <a:defRPr sz="1800" kern="1200">
-                <a:solidFill>
-                  <a:schemeClr val="tx1"/>
-                </a:solidFill>
-                <a:latin typeface="+mn-lt"/>
-                <a:ea typeface="+mn-ea"/>
-                <a:cs typeface="+mn-cs"/>
-              </a:defRPr>
-            </a:lvl7pPr>
-            <a:lvl8pPr marL="3429000" indent="-228600" algn="l" defTabSz="914400" rtl="0" eaLnBrk="1" latinLnBrk="0" hangingPunct="1">
-              <a:lnSpc>
-                <a:spcPct val="90000"/>
-              </a:lnSpc>
-              <a:spcBef>
-                <a:spcPts val="500"/>
-              </a:spcBef>
-              <a:buFont typeface="Arial" panose="020B0604020202020204" pitchFamily="34" charset="0"/>
-              <a:buChar char="•"/>
-              <a:defRPr sz="1800" kern="1200">
-                <a:solidFill>
-                  <a:schemeClr val="tx1"/>
-                </a:solidFill>
-                <a:latin typeface="+mn-lt"/>
-                <a:ea typeface="+mn-ea"/>
-                <a:cs typeface="+mn-cs"/>
-              </a:defRPr>
-            </a:lvl8pPr>
-            <a:lvl9pPr marL="3886200" indent="-228600" algn="l" defTabSz="914400" rtl="0" eaLnBrk="1" latinLnBrk="0" hangingPunct="1">
-              <a:lnSpc>
-                <a:spcPct val="90000"/>
-              </a:lnSpc>
-              <a:spcBef>
-                <a:spcPts val="500"/>
-              </a:spcBef>
-              <a:buFont typeface="Arial" panose="020B0604020202020204" pitchFamily="34" charset="0"/>
-              <a:buChar char="•"/>
-              <a:defRPr sz="1800" kern="1200">
-                <a:solidFill>
-                  <a:schemeClr val="tx1"/>
-                </a:solidFill>
-                <a:latin typeface="+mn-lt"/>
-                <a:ea typeface="+mn-ea"/>
-                <a:cs typeface="+mn-cs"/>
-              </a:defRPr>
-            </a:lvl9pPr>
-          </a:lstStyle>
-          <a:p>
-            <a:pPr marL="0" indent="0">
-              <a:buNone/>
-            </a:pPr>
-            <a:r>
-              <a:rPr lang="pt-BR" sz="4400" dirty="0"/>
-              <a:t>	</a:t>
-            </a:r>
-          </a:p>
-          <a:p>
-            <a:pPr marL="742950" indent="-742950">
-              <a:buFont typeface="+mj-lt"/>
-              <a:buAutoNum type="arabicPeriod"/>
-            </a:pPr>
-            <a:endParaRPr lang="pt-BR" sz="4400" dirty="0"/>
-          </a:p>
-        </p:txBody>
-      </p:sp>
-      <p:sp>
-        <p:nvSpPr>
-          <p:cNvPr id="5" name="Espaço Reservado para Conteúdo 2">
-            <a:extLst>
-              <a:ext uri="{FF2B5EF4-FFF2-40B4-BE49-F238E27FC236}">
-                <a16:creationId xmlns:a16="http://schemas.microsoft.com/office/drawing/2014/main" id="{28F437DC-D630-45B8-A7C1-BC93B70CBD4D}"/>
-              </a:ext>
-            </a:extLst>
-          </p:cNvPr>
-          <p:cNvSpPr txBox="1"/>
+      </p:pic>
+      <p:pic>
+        <p:nvPicPr>
+          <p:cNvPr id="7" name="Imagem 6"/>
+          <p:cNvPicPr>
+            <a:picLocks noChangeAspect="1"/>
+          </p:cNvPicPr>
           <p:nvPr/>
-        </p:nvSpPr>
+        </p:nvPicPr>
+        <p:blipFill>
+          <a:blip r:embed="rId3"/>
+          <a:srcRect l="11870" t="20365" r="44268" b="26326"/>
+          <a:stretch>
+            <a:fillRect/>
+          </a:stretch>
+        </p:blipFill>
         <p:spPr>
           <a:xfrm>
-            <a:off x="626012" y="1577926"/>
-            <a:ext cx="11244775" cy="4712677"/>
+            <a:off x="626745" y="1071245"/>
+            <a:ext cx="8374380" cy="5400040"/>
           </a:xfrm>
           <a:prstGeom prst="rect">
             <a:avLst/>
           </a:prstGeom>
         </p:spPr>
-        <p:txBody>
-          <a:bodyPr>
-            <a:normAutofit/>
-          </a:bodyPr>
-          <a:lstStyle>
-            <a:lvl1pPr marL="228600" indent="-228600" algn="l" defTabSz="914400" rtl="0" eaLnBrk="1" latinLnBrk="0" hangingPunct="1">
-              <a:lnSpc>
-                <a:spcPct val="90000"/>
-              </a:lnSpc>
-              <a:spcBef>
-                <a:spcPts val="1000"/>
-              </a:spcBef>
-              <a:buFont typeface="Arial" panose="020B0604020202020204" pitchFamily="34" charset="0"/>
-              <a:buChar char="•"/>
-              <a:defRPr sz="2800" kern="1200">
-                <a:solidFill>
-                  <a:schemeClr val="tx1"/>
-                </a:solidFill>
-                <a:latin typeface="+mn-lt"/>
-                <a:ea typeface="+mn-ea"/>
-                <a:cs typeface="+mn-cs"/>
-              </a:defRPr>
-            </a:lvl1pPr>
-            <a:lvl2pPr marL="685800" indent="-228600" algn="l" defTabSz="914400" rtl="0" eaLnBrk="1" latinLnBrk="0" hangingPunct="1">
-              <a:lnSpc>
-                <a:spcPct val="90000"/>
-              </a:lnSpc>
-              <a:spcBef>
-                <a:spcPts val="500"/>
-              </a:spcBef>
-              <a:buFont typeface="Arial" panose="020B0604020202020204" pitchFamily="34" charset="0"/>
-              <a:buChar char="•"/>
-              <a:defRPr sz="2400" kern="1200">
-                <a:solidFill>
-                  <a:schemeClr val="tx1"/>
-                </a:solidFill>
-                <a:latin typeface="+mn-lt"/>
-                <a:ea typeface="+mn-ea"/>
-                <a:cs typeface="+mn-cs"/>
-              </a:defRPr>
-            </a:lvl2pPr>
-            <a:lvl3pPr marL="1143000" indent="-228600" algn="l" defTabSz="914400" rtl="0" eaLnBrk="1" latinLnBrk="0" hangingPunct="1">
-              <a:lnSpc>
-                <a:spcPct val="90000"/>
-              </a:lnSpc>
-              <a:spcBef>
-                <a:spcPts val="500"/>
-              </a:spcBef>
-              <a:buFont typeface="Arial" panose="020B0604020202020204" pitchFamily="34" charset="0"/>
-              <a:buChar char="•"/>
-              <a:defRPr sz="2000" kern="1200">
-                <a:solidFill>
-                  <a:schemeClr val="tx1"/>
-                </a:solidFill>
-                <a:latin typeface="+mn-lt"/>
-                <a:ea typeface="+mn-ea"/>
-                <a:cs typeface="+mn-cs"/>
-              </a:defRPr>
-            </a:lvl3pPr>
-            <a:lvl4pPr marL="1600200" indent="-228600" algn="l" defTabSz="914400" rtl="0" eaLnBrk="1" latinLnBrk="0" hangingPunct="1">
-              <a:lnSpc>
-                <a:spcPct val="90000"/>
-              </a:lnSpc>
-              <a:spcBef>
-                <a:spcPts val="500"/>
-              </a:spcBef>
-              <a:buFont typeface="Arial" panose="020B0604020202020204" pitchFamily="34" charset="0"/>
-              <a:buChar char="•"/>
-              <a:defRPr sz="1800" kern="1200">
-                <a:solidFill>
-                  <a:schemeClr val="tx1"/>
-                </a:solidFill>
-                <a:latin typeface="+mn-lt"/>
-                <a:ea typeface="+mn-ea"/>
-                <a:cs typeface="+mn-cs"/>
-              </a:defRPr>
-            </a:lvl4pPr>
-            <a:lvl5pPr marL="2057400" indent="-228600" algn="l" defTabSz="914400" rtl="0" eaLnBrk="1" latinLnBrk="0" hangingPunct="1">
-              <a:lnSpc>
-                <a:spcPct val="90000"/>
-              </a:lnSpc>
-              <a:spcBef>
-                <a:spcPts val="500"/>
-              </a:spcBef>
-              <a:buFont typeface="Arial" panose="020B0604020202020204" pitchFamily="34" charset="0"/>
-              <a:buChar char="•"/>
-              <a:defRPr sz="1800" kern="1200">
-                <a:solidFill>
-                  <a:schemeClr val="tx1"/>
-                </a:solidFill>
-                <a:latin typeface="+mn-lt"/>
-                <a:ea typeface="+mn-ea"/>
-                <a:cs typeface="+mn-cs"/>
-              </a:defRPr>
-            </a:lvl5pPr>
-            <a:lvl6pPr marL="2514600" indent="-228600" algn="l" defTabSz="914400" rtl="0" eaLnBrk="1" latinLnBrk="0" hangingPunct="1">
-              <a:lnSpc>
-                <a:spcPct val="90000"/>
-              </a:lnSpc>
-              <a:spcBef>
-                <a:spcPts val="500"/>
-              </a:spcBef>
-              <a:buFont typeface="Arial" panose="020B0604020202020204" pitchFamily="34" charset="0"/>
-              <a:buChar char="•"/>
-              <a:defRPr sz="1800" kern="1200">
-                <a:solidFill>
-                  <a:schemeClr val="tx1"/>
-                </a:solidFill>
-                <a:latin typeface="+mn-lt"/>
-                <a:ea typeface="+mn-ea"/>
-                <a:cs typeface="+mn-cs"/>
-              </a:defRPr>
-            </a:lvl6pPr>
-            <a:lvl7pPr marL="2971800" indent="-228600" algn="l" defTabSz="914400" rtl="0" eaLnBrk="1" latinLnBrk="0" hangingPunct="1">
-              <a:lnSpc>
-                <a:spcPct val="90000"/>
-              </a:lnSpc>
-              <a:spcBef>
-                <a:spcPts val="500"/>
-              </a:spcBef>
-              <a:buFont typeface="Arial" panose="020B0604020202020204" pitchFamily="34" charset="0"/>
-              <a:buChar char="•"/>
-              <a:defRPr sz="1800" kern="1200">
-                <a:solidFill>
-                  <a:schemeClr val="tx1"/>
-                </a:solidFill>
-                <a:latin typeface="+mn-lt"/>
-                <a:ea typeface="+mn-ea"/>
-                <a:cs typeface="+mn-cs"/>
-              </a:defRPr>
-            </a:lvl7pPr>
-            <a:lvl8pPr marL="3429000" indent="-228600" algn="l" defTabSz="914400" rtl="0" eaLnBrk="1" latinLnBrk="0" hangingPunct="1">
-              <a:lnSpc>
-                <a:spcPct val="90000"/>
-              </a:lnSpc>
-              <a:spcBef>
-                <a:spcPts val="500"/>
-              </a:spcBef>
-              <a:buFont typeface="Arial" panose="020B0604020202020204" pitchFamily="34" charset="0"/>
-              <a:buChar char="•"/>
-              <a:defRPr sz="1800" kern="1200">
-                <a:solidFill>
-                  <a:schemeClr val="tx1"/>
-                </a:solidFill>
-                <a:latin typeface="+mn-lt"/>
-                <a:ea typeface="+mn-ea"/>
-                <a:cs typeface="+mn-cs"/>
-              </a:defRPr>
-            </a:lvl8pPr>
-            <a:lvl9pPr marL="3886200" indent="-228600" algn="l" defTabSz="914400" rtl="0" eaLnBrk="1" latinLnBrk="0" hangingPunct="1">
-              <a:lnSpc>
-                <a:spcPct val="90000"/>
-              </a:lnSpc>
-              <a:spcBef>
-                <a:spcPts val="500"/>
-              </a:spcBef>
-              <a:buFont typeface="Arial" panose="020B0604020202020204" pitchFamily="34" charset="0"/>
-              <a:buChar char="•"/>
-              <a:defRPr sz="1800" kern="1200">
-                <a:solidFill>
-                  <a:schemeClr val="tx1"/>
-                </a:solidFill>
-                <a:latin typeface="+mn-lt"/>
-                <a:ea typeface="+mn-ea"/>
-                <a:cs typeface="+mn-cs"/>
-              </a:defRPr>
-            </a:lvl9pPr>
-          </a:lstStyle>
-          <a:p>
-            <a:pPr algn="just"/>
-            <a:r>
-              <a:rPr lang="pt-BR" sz="4400" dirty="0">
-                <a:latin typeface="Times New Roman" panose="02020603050405020304" pitchFamily="18" charset="0"/>
-                <a:cs typeface="Times New Roman" panose="02020603050405020304" pitchFamily="18" charset="0"/>
-              </a:rPr>
-              <a:t> Com as disciplinas fixas, é criada uma lista apenas com os horários vazios.</a:t>
-            </a:r>
-          </a:p>
-          <a:p>
-            <a:pPr algn="just"/>
-            <a:endParaRPr lang="pt-BR" sz="4400" dirty="0">
-              <a:latin typeface="Times New Roman" panose="02020603050405020304" pitchFamily="18" charset="0"/>
-              <a:cs typeface="Times New Roman" panose="02020603050405020304" pitchFamily="18" charset="0"/>
-            </a:endParaRPr>
-          </a:p>
-          <a:p>
-            <a:pPr algn="just"/>
-            <a:r>
-              <a:rPr lang="pt-BR" sz="4400" dirty="0">
-                <a:latin typeface="Times New Roman" panose="02020603050405020304" pitchFamily="18" charset="0"/>
-                <a:cs typeface="Times New Roman" panose="02020603050405020304" pitchFamily="18" charset="0"/>
-              </a:rPr>
-              <a:t> Logo após é feito um sorteio desses horários, para determinar onde será inserido cada disciplina.</a:t>
-            </a:r>
-            <a:endParaRPr lang="pt-BR" sz="4000" dirty="0">
-              <a:latin typeface="Times New Roman" panose="02020603050405020304" pitchFamily="18" charset="0"/>
-              <a:cs typeface="Times New Roman" panose="02020603050405020304" pitchFamily="18" charset="0"/>
-            </a:endParaRPr>
-          </a:p>
-          <a:p>
-            <a:pPr marL="742950" indent="-742950">
-              <a:buFont typeface="+mj-lt"/>
-              <a:buAutoNum type="arabicPeriod"/>
-            </a:pPr>
-            <a:endParaRPr lang="pt-BR" sz="4400" dirty="0">
-              <a:latin typeface="Times New Roman" panose="02020603050405020304" pitchFamily="18" charset="0"/>
-              <a:cs typeface="Times New Roman" panose="02020603050405020304" pitchFamily="18" charset="0"/>
-            </a:endParaRPr>
-          </a:p>
-        </p:txBody>
-      </p:sp>
+      </p:pic>
     </p:spTree>
   </p:cSld>
   <p:clrMapOvr>
@@ -4003,11 +3543,97 @@
                                           </p:stCondLst>
                                         </p:cTn>
                                         <p:tgtEl>
-                                          <p:spTgt spid="3">
-                                            <p:txEl>
-                                              <p:pRg st="0" end="0"/>
-                                            </p:txEl>
-                                          </p:spTgt>
+                                          <p:spTgt spid="4"/>
+                                        </p:tgtEl>
+                                        <p:attrNameLst>
+                                          <p:attrName>style.visibility</p:attrName>
+                                        </p:attrNameLst>
+                                      </p:cBhvr>
+                                      <p:to>
+                                        <p:strVal val="visible"/>
+                                      </p:to>
+                                    </p:set>
+                                  </p:childTnLst>
+                                </p:cTn>
+                              </p:par>
+                            </p:childTnLst>
+                          </p:cTn>
+                        </p:par>
+                      </p:childTnLst>
+                    </p:cTn>
+                  </p:par>
+                  <p:par>
+                    <p:cTn id="7" fill="hold">
+                      <p:stCondLst>
+                        <p:cond delay="indefinite"/>
+                      </p:stCondLst>
+                      <p:childTnLst>
+                        <p:par>
+                          <p:cTn id="8" fill="hold">
+                            <p:stCondLst>
+                              <p:cond delay="0"/>
+                            </p:stCondLst>
+                            <p:childTnLst>
+                              <p:par>
+                                <p:cTn id="9" presetID="1" presetClass="entr" presetSubtype="0" fill="hold" nodeType="clickEffect">
+                                  <p:stCondLst>
+                                    <p:cond delay="0"/>
+                                  </p:stCondLst>
+                                  <p:childTnLst>
+                                    <p:set>
+                                      <p:cBhvr>
+                                        <p:cTn id="10" dur="1" fill="hold">
+                                          <p:stCondLst>
+                                            <p:cond delay="0"/>
+                                          </p:stCondLst>
+                                        </p:cTn>
+                                        <p:tgtEl>
+                                          <p:spTgt spid="6"/>
+                                        </p:tgtEl>
+                                        <p:attrNameLst>
+                                          <p:attrName>style.visibility</p:attrName>
+                                        </p:attrNameLst>
+                                      </p:cBhvr>
+                                      <p:to>
+                                        <p:strVal val="visible"/>
+                                      </p:to>
+                                    </p:set>
+                                  </p:childTnLst>
+                                </p:cTn>
+                              </p:par>
+                            </p:childTnLst>
+                          </p:cTn>
+                        </p:par>
+                      </p:childTnLst>
+                    </p:cTn>
+                  </p:par>
+                  <p:par>
+                    <p:cTn id="11" fill="hold">
+                      <p:stCondLst>
+                        <p:cond delay="indefinite"/>
+                      </p:stCondLst>
+                      <p:childTnLst>
+                        <p:par>
+                          <p:cTn id="12" fill="hold">
+                            <p:stCondLst>
+                              <p:cond delay="0"/>
+                            </p:stCondLst>
+                            <p:childTnLst>
+                              <p:par>
+                                <p:cTn id="13" presetID="1" presetClass="entr" presetSubtype="0" fill="hold" nodeType="clickEffect">
+                                  <p:stCondLst>
+                                    <p:cond delay="0"/>
+                                  </p:stCondLst>
+                                  <p:childTnLst>
+                                    <p:set>
+                                      <p:cBhvr>
+                                        <p:cTn id="14" dur="1" fill="hold">
+                                          <p:stCondLst>
+                                            <p:cond delay="0"/>
+                                          </p:stCondLst>
+                                        </p:cTn>
+                                        <p:tgtEl>
+                                          <p:spTgt spid="7"/>
                                         </p:tgtEl>
                                         <p:attrNameLst>
                                           <p:attrName>style.visibility</p:attrName>
@@ -4076,8 +3702,8 @@
         </p:nvSpPr>
         <p:spPr>
           <a:xfrm>
-            <a:off x="838200" y="506437"/>
-            <a:ext cx="10515600" cy="970671"/>
+            <a:off x="838199" y="162192"/>
+            <a:ext cx="10515600" cy="1087060"/>
           </a:xfrm>
           <a:prstGeom prst="rect">
             <a:avLst/>
@@ -4115,8 +3741,14 @@
                 </a:solidFill>
                 <a:latin typeface="+mn-lt"/>
               </a:rPr>
-              <a:t>Modelagem da função fitness</a:t>
-            </a:r>
+              <a:t>Inicializar a população</a:t>
+            </a:r>
+            <a:endParaRPr lang="pt-BR" sz="4800" b="1" dirty="0">
+              <a:solidFill>
+                <a:srgbClr val="049BE6"/>
+              </a:solidFill>
+              <a:latin typeface="+mn-lt"/>
+            </a:endParaRPr>
           </a:p>
         </p:txBody>
       </p:sp>
@@ -4311,6 +3943,7 @@
               <a:rPr lang="pt-BR" sz="4800" dirty="0"/>
               <a:t>	 </a:t>
             </a:r>
+            <a:endParaRPr lang="pt-BR" sz="4800" dirty="0"/>
           </a:p>
           <a:p>
             <a:pPr marL="742950" indent="-742950">
@@ -4336,8 +3969,8 @@
         </p:nvSpPr>
         <p:spPr>
           <a:xfrm>
-            <a:off x="473612" y="1882726"/>
-            <a:ext cx="11549575" cy="4712677"/>
+            <a:off x="473612" y="1481070"/>
+            <a:ext cx="11549575" cy="5114333"/>
           </a:xfrm>
           <a:prstGeom prst="rect">
             <a:avLst/>
@@ -4519,6 +4152,7 @@
               <a:rPr lang="pt-BR" sz="4400" dirty="0"/>
               <a:t>	</a:t>
             </a:r>
+            <a:endParaRPr lang="pt-BR" sz="4400" dirty="0"/>
           </a:p>
           <a:p>
             <a:pPr marL="742950" indent="-742950">
@@ -4531,13 +4165,7 @@
       </p:sp>
       <p:sp>
         <p:nvSpPr>
-          <p:cNvPr id="5" name="Espaço Reservado para Conteúdo 2">
-            <a:extLst>
-              <a:ext uri="{FF2B5EF4-FFF2-40B4-BE49-F238E27FC236}">
-                <a16:creationId xmlns:a16="http://schemas.microsoft.com/office/drawing/2014/main" id="{2E922D43-064A-44FD-B52C-AC28F6D7AE5E}"/>
-              </a:ext>
-            </a:extLst>
-          </p:cNvPr>
+          <p:cNvPr id="5" name="Espaço Reservado para Conteúdo 2"/>
           <p:cNvSpPr txBox="1"/>
           <p:nvPr/>
         </p:nvSpPr>
@@ -4552,7 +4180,7 @@
         </p:spPr>
         <p:txBody>
           <a:bodyPr>
-            <a:normAutofit fontScale="92500"/>
+            <a:normAutofit/>
           </a:bodyPr>
           <a:lstStyle>
             <a:lvl1pPr marL="228600" indent="-228600" algn="l" defTabSz="914400" rtl="0" eaLnBrk="1" latinLnBrk="0" hangingPunct="1">
@@ -4725,38 +4353,29 @@
                 <a:latin typeface="Times New Roman" panose="02020603050405020304" pitchFamily="18" charset="0"/>
                 <a:cs typeface="Times New Roman" panose="02020603050405020304" pitchFamily="18" charset="0"/>
               </a:rPr>
-              <a:t> </a:t>
-            </a:r>
-            <a:r>
-              <a:rPr lang="pt-BR" sz="4000" dirty="0">
+              <a:t> Com as disciplinas fixas, é criada uma lista apenas com os horários vazios.</a:t>
+            </a:r>
+            <a:endParaRPr lang="pt-BR" sz="4400" dirty="0">
+              <a:latin typeface="Times New Roman" panose="02020603050405020304" pitchFamily="18" charset="0"/>
+              <a:cs typeface="Times New Roman" panose="02020603050405020304" pitchFamily="18" charset="0"/>
+            </a:endParaRPr>
+          </a:p>
+          <a:p>
+            <a:pPr algn="just"/>
+            <a:endParaRPr lang="pt-BR" sz="4400" dirty="0">
+              <a:latin typeface="Times New Roman" panose="02020603050405020304" pitchFamily="18" charset="0"/>
+              <a:cs typeface="Times New Roman" panose="02020603050405020304" pitchFamily="18" charset="0"/>
+            </a:endParaRPr>
+          </a:p>
+          <a:p>
+            <a:pPr algn="just"/>
+            <a:r>
+              <a:rPr lang="pt-BR" sz="4400" dirty="0">
                 <a:latin typeface="Times New Roman" panose="02020603050405020304" pitchFamily="18" charset="0"/>
                 <a:cs typeface="Times New Roman" panose="02020603050405020304" pitchFamily="18" charset="0"/>
               </a:rPr>
-              <a:t>Alguns professores possuem restrições de horários, ou seja, alguns deles preferem ministrar aulas com horários seguidos, já outros preferem que estas aulas sejam intercaladas. </a:t>
-            </a:r>
-          </a:p>
-          <a:p>
-            <a:pPr algn="just"/>
-            <a:endParaRPr lang="pt-BR" sz="4000" dirty="0">
-              <a:latin typeface="Times New Roman" panose="02020603050405020304" pitchFamily="18" charset="0"/>
-              <a:cs typeface="Times New Roman" panose="02020603050405020304" pitchFamily="18" charset="0"/>
-            </a:endParaRPr>
-          </a:p>
-          <a:p>
-            <a:pPr algn="just"/>
-            <a:r>
-              <a:rPr lang="pt-BR" sz="4000" dirty="0">
-                <a:latin typeface="Times New Roman" panose="02020603050405020304" pitchFamily="18" charset="0"/>
-                <a:cs typeface="Times New Roman" panose="02020603050405020304" pitchFamily="18" charset="0"/>
-              </a:rPr>
-              <a:t> Sabendo disso, a função responsável por avaliar todos os indivíduos, os penaliza com um valor negativo de acordo com as restrições cadastradas  por cada professor.</a:t>
-            </a:r>
-          </a:p>
-          <a:p>
-            <a:pPr marL="742950" indent="-742950">
-              <a:buFont typeface="+mj-lt"/>
-              <a:buAutoNum type="arabicPeriod"/>
-            </a:pPr>
+              <a:t> Logo após é feito um sorteio desses horários, para determinar onde será inserido cada disciplina.</a:t>
+            </a:r>
             <a:endParaRPr lang="pt-BR" sz="4000" dirty="0">
               <a:latin typeface="Times New Roman" panose="02020603050405020304" pitchFamily="18" charset="0"/>
               <a:cs typeface="Times New Roman" panose="02020603050405020304" pitchFamily="18" charset="0"/>
@@ -4886,8 +4505,8 @@
         </p:nvSpPr>
         <p:spPr>
           <a:xfrm>
-            <a:off x="838200" y="506437"/>
-            <a:ext cx="10515600" cy="970671"/>
+            <a:off x="838199" y="242837"/>
+            <a:ext cx="10515600" cy="1087060"/>
           </a:xfrm>
           <a:prstGeom prst="rect">
             <a:avLst/>
@@ -4925,8 +4544,14 @@
                 </a:solidFill>
                 <a:latin typeface="+mn-lt"/>
               </a:rPr>
-              <a:t>Modelagem da função fitness</a:t>
-            </a:r>
+              <a:t>Inicializar a população</a:t>
+            </a:r>
+            <a:endParaRPr lang="pt-BR" sz="4800" b="1" dirty="0">
+              <a:solidFill>
+                <a:srgbClr val="049BE6"/>
+              </a:solidFill>
+              <a:latin typeface="+mn-lt"/>
+            </a:endParaRPr>
           </a:p>
         </p:txBody>
       </p:sp>
@@ -5121,6 +4746,7 @@
               <a:rPr lang="pt-BR" sz="4800" dirty="0"/>
               <a:t>	 </a:t>
             </a:r>
+            <a:endParaRPr lang="pt-BR" sz="4800" dirty="0"/>
           </a:p>
           <a:p>
             <a:pPr marL="742950" indent="-742950">
@@ -5140,20 +4766,14 @@
       </p:sp>
       <p:sp>
         <p:nvSpPr>
-          <p:cNvPr id="5" name="Espaço Reservado para Conteúdo 2">
-            <a:extLst>
-              <a:ext uri="{FF2B5EF4-FFF2-40B4-BE49-F238E27FC236}">
-                <a16:creationId xmlns:a16="http://schemas.microsoft.com/office/drawing/2014/main" id="{2E922D43-064A-44FD-B52C-AC28F6D7AE5E}"/>
-              </a:ext>
-            </a:extLst>
-          </p:cNvPr>
+          <p:cNvPr id="4" name="Espaço Reservado para Conteúdo 2"/>
           <p:cNvSpPr txBox="1"/>
           <p:nvPr/>
         </p:nvSpPr>
         <p:spPr>
           <a:xfrm>
-            <a:off x="626012" y="1577926"/>
-            <a:ext cx="11244775" cy="4712677"/>
+            <a:off x="473612" y="1481070"/>
+            <a:ext cx="11549575" cy="5114333"/>
           </a:xfrm>
           <a:prstGeom prst="rect">
             <a:avLst/>
@@ -5161,7 +4781,7 @@
         </p:spPr>
         <p:txBody>
           <a:bodyPr>
-            <a:normAutofit lnSpcReduction="10000"/>
+            <a:normAutofit/>
           </a:bodyPr>
           <a:lstStyle>
             <a:lvl1pPr marL="228600" indent="-228600" algn="l" defTabSz="914400" rtl="0" eaLnBrk="1" latinLnBrk="0" hangingPunct="1">
@@ -5328,68 +4948,154 @@
             </a:lvl9pPr>
           </a:lstStyle>
           <a:p>
-            <a:pPr algn="just"/>
-            <a:r>
-              <a:rPr lang="pt-BR" sz="4400" dirty="0">
-                <a:latin typeface="Times New Roman" panose="02020603050405020304" pitchFamily="18" charset="0"/>
-                <a:cs typeface="Times New Roman" panose="02020603050405020304" pitchFamily="18" charset="0"/>
-              </a:rPr>
-              <a:t> Exemplo de restrições usadas:</a:t>
-            </a:r>
-          </a:p>
-          <a:p>
-            <a:pPr marL="0" indent="0" algn="just">
+            <a:pPr marL="0" indent="0">
               <a:buNone/>
             </a:pPr>
-            <a:endParaRPr lang="pt-BR" sz="4400" dirty="0">
-              <a:latin typeface="Times New Roman" panose="02020603050405020304" pitchFamily="18" charset="0"/>
-              <a:cs typeface="Times New Roman" panose="02020603050405020304" pitchFamily="18" charset="0"/>
-            </a:endParaRPr>
-          </a:p>
-          <a:p>
-            <a:pPr algn="just">
-              <a:buFont typeface="Wingdings" panose="05000000000000000000" pitchFamily="2" charset="2"/>
-              <a:buChar char="v"/>
+            <a:r>
+              <a:rPr lang="pt-BR" sz="4400" dirty="0"/>
+              <a:t>	</a:t>
+            </a:r>
+            <a:endParaRPr lang="pt-BR" sz="4400" dirty="0"/>
+          </a:p>
+          <a:p>
+            <a:pPr marL="742950" indent="-742950">
+              <a:buFont typeface="+mj-lt"/>
+              <a:buAutoNum type="arabicPeriod"/>
             </a:pPr>
-            <a:r>
-              <a:rPr lang="pt-BR" sz="4400" dirty="0">
-                <a:latin typeface="Times New Roman" panose="02020603050405020304" pitchFamily="18" charset="0"/>
-                <a:cs typeface="Times New Roman" panose="02020603050405020304" pitchFamily="18" charset="0"/>
-              </a:rPr>
-              <a:t> Disciplinas do Professor “X” não podem ser  em dias seguidos;</a:t>
-            </a:r>
-          </a:p>
-          <a:p>
-            <a:pPr algn="just">
-              <a:buFont typeface="Wingdings" panose="05000000000000000000" pitchFamily="2" charset="2"/>
-              <a:buChar char="v"/>
-            </a:pPr>
-            <a:endParaRPr lang="pt-BR" sz="4400" dirty="0">
-              <a:latin typeface="Times New Roman" panose="02020603050405020304" pitchFamily="18" charset="0"/>
-              <a:cs typeface="Times New Roman" panose="02020603050405020304" pitchFamily="18" charset="0"/>
-            </a:endParaRPr>
-          </a:p>
-          <a:p>
-            <a:pPr algn="just">
-              <a:buFont typeface="Wingdings" panose="05000000000000000000" pitchFamily="2" charset="2"/>
-              <a:buChar char="v"/>
-            </a:pPr>
-            <a:r>
-              <a:rPr lang="pt-BR" sz="4400" dirty="0">
-                <a:latin typeface="Times New Roman" panose="02020603050405020304" pitchFamily="18" charset="0"/>
-                <a:cs typeface="Times New Roman" panose="02020603050405020304" pitchFamily="18" charset="0"/>
-              </a:rPr>
-              <a:t> Não é viável disciplinas de 6 créditos com todas aulas no mesmo dia;</a:t>
-            </a:r>
+            <a:endParaRPr lang="pt-BR" sz="4400" dirty="0"/>
+          </a:p>
+        </p:txBody>
+      </p:sp>
+      <p:pic>
+        <p:nvPicPr>
+          <p:cNvPr id="7" name="Imagem 6"/>
+          <p:cNvPicPr>
+            <a:picLocks noChangeAspect="1"/>
+          </p:cNvPicPr>
+          <p:nvPr/>
+        </p:nvPicPr>
+        <p:blipFill>
+          <a:blip r:embed="rId1"/>
+          <a:srcRect l="14324" t="41687" r="40754" b="52479"/>
+          <a:stretch>
+            <a:fillRect/>
+          </a:stretch>
+        </p:blipFill>
+        <p:spPr>
+          <a:xfrm>
+            <a:off x="232410" y="1177290"/>
+            <a:ext cx="11790680" cy="861060"/>
+          </a:xfrm>
+          <a:prstGeom prst="rect">
+            <a:avLst/>
+          </a:prstGeom>
+        </p:spPr>
+      </p:pic>
+      <p:pic>
+        <p:nvPicPr>
+          <p:cNvPr id="8" name="Imagem 7"/>
+          <p:cNvPicPr>
+            <a:picLocks noChangeAspect="1"/>
+          </p:cNvPicPr>
+          <p:nvPr/>
+        </p:nvPicPr>
+        <p:blipFill>
+          <a:blip r:embed="rId1"/>
+          <a:srcRect l="13901" t="47090" r="31995" b="47458"/>
+          <a:stretch>
+            <a:fillRect/>
+          </a:stretch>
+        </p:blipFill>
+        <p:spPr>
+          <a:xfrm>
+            <a:off x="91440" y="2202180"/>
+            <a:ext cx="12045950" cy="854075"/>
+          </a:xfrm>
+          <a:prstGeom prst="rect">
+            <a:avLst/>
+          </a:prstGeom>
+        </p:spPr>
+      </p:pic>
+      <p:pic>
+        <p:nvPicPr>
+          <p:cNvPr id="9" name="Imagem 8"/>
+          <p:cNvPicPr>
+            <a:picLocks noChangeAspect="1"/>
+          </p:cNvPicPr>
+          <p:nvPr/>
+        </p:nvPicPr>
+        <p:blipFill>
+          <a:blip r:embed="rId2"/>
+          <a:srcRect l="9074" t="26817" r="30312" b="41931"/>
+          <a:stretch>
+            <a:fillRect/>
+          </a:stretch>
+        </p:blipFill>
+        <p:spPr>
+          <a:xfrm>
+            <a:off x="149860" y="3220085"/>
+            <a:ext cx="11512550" cy="3337560"/>
+          </a:xfrm>
+          <a:prstGeom prst="rect">
+            <a:avLst/>
+          </a:prstGeom>
+        </p:spPr>
+      </p:pic>
+      <p:sp>
+        <p:nvSpPr>
+          <p:cNvPr id="10" name="Retângulo 9"/>
+          <p:cNvSpPr/>
+          <p:nvPr/>
+        </p:nvSpPr>
+        <p:spPr>
+          <a:xfrm>
+            <a:off x="3619500" y="5886450"/>
+            <a:ext cx="1104900" cy="552450"/>
+          </a:xfrm>
+          <a:prstGeom prst="rect">
+            <a:avLst/>
+          </a:prstGeom>
+          <a:noFill/>
+          <a:ln w="57150">
+            <a:solidFill>
+              <a:srgbClr val="FF0000"/>
+            </a:solidFill>
+          </a:ln>
+          <a:extLst>
+            <a:ext uri="{909E8E84-426E-40DD-AFC4-6F175D3DCCD1}">
+              <a14:hiddenFill xmlns:a14="http://schemas.microsoft.com/office/drawing/2010/main">
+                <a:solidFill>
+                  <a:schemeClr val="accent1"/>
+                </a:solidFill>
+              </a14:hiddenFill>
+            </a:ext>
+          </a:extLst>
+        </p:spPr>
+        <p:style>
+          <a:lnRef idx="2">
+            <a:schemeClr val="accent1">
+              <a:shade val="50000"/>
+            </a:schemeClr>
+          </a:lnRef>
+          <a:fillRef idx="1">
+            <a:schemeClr val="accent1"/>
+          </a:fillRef>
+          <a:effectRef idx="0">
+            <a:schemeClr val="accent1"/>
+          </a:effectRef>
+          <a:fontRef idx="minor">
+            <a:schemeClr val="lt1"/>
+          </a:fontRef>
+        </p:style>
+        <p:txBody>
+          <a:bodyPr rtlCol="0" anchor="ctr"/>
+          <a:p>
+            <a:pPr algn="ctr"/>
+            <a:endParaRPr lang="pt-BR" altLang="en-US"/>
           </a:p>
         </p:txBody>
       </p:sp>
     </p:spTree>
-    <p:extLst>
-      <p:ext uri="{BB962C8B-B14F-4D97-AF65-F5344CB8AC3E}">
-        <p14:creationId xmlns:p14="http://schemas.microsoft.com/office/powerpoint/2010/main" val="1014980716"/>
-      </p:ext>
-    </p:extLst>
   </p:cSld>
   <p:clrMapOvr>
     <a:masterClrMapping/>
@@ -5428,11 +5134,124 @@
                                           </p:stCondLst>
                                         </p:cTn>
                                         <p:tgtEl>
-                                          <p:spTgt spid="3">
-                                            <p:txEl>
-                                              <p:pRg st="0" end="0"/>
-                                            </p:txEl>
-                                          </p:spTgt>
+                                          <p:spTgt spid="7"/>
+                                        </p:tgtEl>
+                                        <p:attrNameLst>
+                                          <p:attrName>style.visibility</p:attrName>
+                                        </p:attrNameLst>
+                                      </p:cBhvr>
+                                      <p:to>
+                                        <p:strVal val="visible"/>
+                                      </p:to>
+                                    </p:set>
+                                  </p:childTnLst>
+                                </p:cTn>
+                              </p:par>
+                            </p:childTnLst>
+                          </p:cTn>
+                        </p:par>
+                      </p:childTnLst>
+                    </p:cTn>
+                  </p:par>
+                  <p:par>
+                    <p:cTn id="7" fill="hold">
+                      <p:stCondLst>
+                        <p:cond delay="indefinite"/>
+                      </p:stCondLst>
+                      <p:childTnLst>
+                        <p:par>
+                          <p:cTn id="8" fill="hold">
+                            <p:stCondLst>
+                              <p:cond delay="0"/>
+                            </p:stCondLst>
+                            <p:childTnLst>
+                              <p:par>
+                                <p:cTn id="9" presetID="1" presetClass="entr" presetSubtype="0" fill="hold" nodeType="clickEffect">
+                                  <p:stCondLst>
+                                    <p:cond delay="0"/>
+                                  </p:stCondLst>
+                                  <p:childTnLst>
+                                    <p:set>
+                                      <p:cBhvr>
+                                        <p:cTn id="10" dur="1" fill="hold">
+                                          <p:stCondLst>
+                                            <p:cond delay="0"/>
+                                          </p:stCondLst>
+                                        </p:cTn>
+                                        <p:tgtEl>
+                                          <p:spTgt spid="8"/>
+                                        </p:tgtEl>
+                                        <p:attrNameLst>
+                                          <p:attrName>style.visibility</p:attrName>
+                                        </p:attrNameLst>
+                                      </p:cBhvr>
+                                      <p:to>
+                                        <p:strVal val="visible"/>
+                                      </p:to>
+                                    </p:set>
+                                  </p:childTnLst>
+                                </p:cTn>
+                              </p:par>
+                            </p:childTnLst>
+                          </p:cTn>
+                        </p:par>
+                      </p:childTnLst>
+                    </p:cTn>
+                  </p:par>
+                  <p:par>
+                    <p:cTn id="11" fill="hold">
+                      <p:stCondLst>
+                        <p:cond delay="indefinite"/>
+                      </p:stCondLst>
+                      <p:childTnLst>
+                        <p:par>
+                          <p:cTn id="12" fill="hold">
+                            <p:stCondLst>
+                              <p:cond delay="0"/>
+                            </p:stCondLst>
+                            <p:childTnLst>
+                              <p:par>
+                                <p:cTn id="13" presetID="1" presetClass="entr" presetSubtype="0" fill="hold" nodeType="clickEffect">
+                                  <p:stCondLst>
+                                    <p:cond delay="0"/>
+                                  </p:stCondLst>
+                                  <p:childTnLst>
+                                    <p:set>
+                                      <p:cBhvr>
+                                        <p:cTn id="14" dur="1" fill="hold">
+                                          <p:stCondLst>
+                                            <p:cond delay="0"/>
+                                          </p:stCondLst>
+                                        </p:cTn>
+                                        <p:tgtEl>
+                                          <p:spTgt spid="9"/>
+                                        </p:tgtEl>
+                                        <p:attrNameLst>
+                                          <p:attrName>style.visibility</p:attrName>
+                                        </p:attrNameLst>
+                                      </p:cBhvr>
+                                      <p:to>
+                                        <p:strVal val="visible"/>
+                                      </p:to>
+                                    </p:set>
+                                  </p:childTnLst>
+                                </p:cTn>
+                              </p:par>
+                              <p:par>
+                                <p:cTn id="15" presetID="1" presetClass="entr" presetSubtype="0" fill="hold" grpId="0" nodeType="withEffect">
+                                  <p:stCondLst>
+                                    <p:cond delay="0"/>
+                                  </p:stCondLst>
+                                  <p:childTnLst>
+                                    <p:set>
+                                      <p:cBhvr>
+                                        <p:cTn id="16" dur="1" fill="hold">
+                                          <p:stCondLst>
+                                            <p:cond delay="0"/>
+                                          </p:stCondLst>
+                                        </p:cTn>
+                                        <p:tgtEl>
+                                          <p:spTgt spid="10"/>
                                         </p:tgtEl>
                                         <p:attrNameLst>
                                           <p:attrName>style.visibility</p:attrName>
@@ -5472,6 +5291,9 @@
         </p:cTn>
       </p:par>
     </p:tnLst>
+    <p:bldLst>
+      <p:bldP spid="10" grpId="0" animBg="1"/>
+    </p:bldLst>
   </p:timing>
 </p:sld>
 </file>
@@ -5542,6 +5364,12 @@
               </a:rPr>
               <a:t>Modelagem da função fitness</a:t>
             </a:r>
+            <a:endParaRPr lang="pt-BR" sz="4800" b="1" dirty="0">
+              <a:solidFill>
+                <a:srgbClr val="049BE6"/>
+              </a:solidFill>
+              <a:latin typeface="+mn-lt"/>
+            </a:endParaRPr>
           </a:p>
         </p:txBody>
       </p:sp>
@@ -5736,6 +5564,7 @@
               <a:rPr lang="pt-BR" sz="4800" dirty="0"/>
               <a:t>	 </a:t>
             </a:r>
+            <a:endParaRPr lang="pt-BR" sz="4800" dirty="0"/>
           </a:p>
           <a:p>
             <a:pPr marL="742950" indent="-742950">
@@ -5755,13 +5584,209 @@
       </p:sp>
       <p:sp>
         <p:nvSpPr>
-          <p:cNvPr id="5" name="Espaço Reservado para Conteúdo 2">
-            <a:extLst>
-              <a:ext uri="{FF2B5EF4-FFF2-40B4-BE49-F238E27FC236}">
-                <a16:creationId xmlns:a16="http://schemas.microsoft.com/office/drawing/2014/main" id="{2E922D43-064A-44FD-B52C-AC28F6D7AE5E}"/>
-              </a:ext>
-            </a:extLst>
-          </p:cNvPr>
+          <p:cNvPr id="4" name="Espaço Reservado para Conteúdo 2"/>
+          <p:cNvSpPr txBox="1"/>
+          <p:nvPr/>
+        </p:nvSpPr>
+        <p:spPr>
+          <a:xfrm>
+            <a:off x="473612" y="1882726"/>
+            <a:ext cx="11549575" cy="4712677"/>
+          </a:xfrm>
+          <a:prstGeom prst="rect">
+            <a:avLst/>
+          </a:prstGeom>
+        </p:spPr>
+        <p:txBody>
+          <a:bodyPr>
+            <a:normAutofit/>
+          </a:bodyPr>
+          <a:lstStyle>
+            <a:lvl1pPr marL="228600" indent="-228600" algn="l" defTabSz="914400" rtl="0" eaLnBrk="1" latinLnBrk="0" hangingPunct="1">
+              <a:lnSpc>
+                <a:spcPct val="90000"/>
+              </a:lnSpc>
+              <a:spcBef>
+                <a:spcPts val="1000"/>
+              </a:spcBef>
+              <a:buFont typeface="Arial" panose="020B0604020202020204" pitchFamily="34" charset="0"/>
+              <a:buChar char="•"/>
+              <a:defRPr sz="2800" kern="1200">
+                <a:solidFill>
+                  <a:schemeClr val="tx1"/>
+                </a:solidFill>
+                <a:latin typeface="+mn-lt"/>
+                <a:ea typeface="+mn-ea"/>
+                <a:cs typeface="+mn-cs"/>
+              </a:defRPr>
+            </a:lvl1pPr>
+            <a:lvl2pPr marL="685800" indent="-228600" algn="l" defTabSz="914400" rtl="0" eaLnBrk="1" latinLnBrk="0" hangingPunct="1">
+              <a:lnSpc>
+                <a:spcPct val="90000"/>
+              </a:lnSpc>
+              <a:spcBef>
+                <a:spcPts val="500"/>
+              </a:spcBef>
+              <a:buFont typeface="Arial" panose="020B0604020202020204" pitchFamily="34" charset="0"/>
+              <a:buChar char="•"/>
+              <a:defRPr sz="2400" kern="1200">
+                <a:solidFill>
+                  <a:schemeClr val="tx1"/>
+                </a:solidFill>
+                <a:latin typeface="+mn-lt"/>
+                <a:ea typeface="+mn-ea"/>
+                <a:cs typeface="+mn-cs"/>
+              </a:defRPr>
+            </a:lvl2pPr>
+            <a:lvl3pPr marL="1143000" indent="-228600" algn="l" defTabSz="914400" rtl="0" eaLnBrk="1" latinLnBrk="0" hangingPunct="1">
+              <a:lnSpc>
+                <a:spcPct val="90000"/>
+              </a:lnSpc>
+              <a:spcBef>
+                <a:spcPts val="500"/>
+              </a:spcBef>
+              <a:buFont typeface="Arial" panose="020B0604020202020204" pitchFamily="34" charset="0"/>
+              <a:buChar char="•"/>
+              <a:defRPr sz="2000" kern="1200">
+                <a:solidFill>
+                  <a:schemeClr val="tx1"/>
+                </a:solidFill>
+                <a:latin typeface="+mn-lt"/>
+                <a:ea typeface="+mn-ea"/>
+                <a:cs typeface="+mn-cs"/>
+              </a:defRPr>
+            </a:lvl3pPr>
+            <a:lvl4pPr marL="1600200" indent="-228600" algn="l" defTabSz="914400" rtl="0" eaLnBrk="1" latinLnBrk="0" hangingPunct="1">
+              <a:lnSpc>
+                <a:spcPct val="90000"/>
+              </a:lnSpc>
+              <a:spcBef>
+                <a:spcPts val="500"/>
+              </a:spcBef>
+              <a:buFont typeface="Arial" panose="020B0604020202020204" pitchFamily="34" charset="0"/>
+              <a:buChar char="•"/>
+              <a:defRPr sz="1800" kern="1200">
+                <a:solidFill>
+                  <a:schemeClr val="tx1"/>
+                </a:solidFill>
+                <a:latin typeface="+mn-lt"/>
+                <a:ea typeface="+mn-ea"/>
+                <a:cs typeface="+mn-cs"/>
+              </a:defRPr>
+            </a:lvl4pPr>
+            <a:lvl5pPr marL="2057400" indent="-228600" algn="l" defTabSz="914400" rtl="0" eaLnBrk="1" latinLnBrk="0" hangingPunct="1">
+              <a:lnSpc>
+                <a:spcPct val="90000"/>
+              </a:lnSpc>
+              <a:spcBef>
+                <a:spcPts val="500"/>
+              </a:spcBef>
+              <a:buFont typeface="Arial" panose="020B0604020202020204" pitchFamily="34" charset="0"/>
+              <a:buChar char="•"/>
+              <a:defRPr sz="1800" kern="1200">
+                <a:solidFill>
+                  <a:schemeClr val="tx1"/>
+                </a:solidFill>
+                <a:latin typeface="+mn-lt"/>
+                <a:ea typeface="+mn-ea"/>
+                <a:cs typeface="+mn-cs"/>
+              </a:defRPr>
+            </a:lvl5pPr>
+            <a:lvl6pPr marL="2514600" indent="-228600" algn="l" defTabSz="914400" rtl="0" eaLnBrk="1" latinLnBrk="0" hangingPunct="1">
+              <a:lnSpc>
+                <a:spcPct val="90000"/>
+              </a:lnSpc>
+              <a:spcBef>
+                <a:spcPts val="500"/>
+              </a:spcBef>
+              <a:buFont typeface="Arial" panose="020B0604020202020204" pitchFamily="34" charset="0"/>
+              <a:buChar char="•"/>
+              <a:defRPr sz="1800" kern="1200">
+                <a:solidFill>
+                  <a:schemeClr val="tx1"/>
+                </a:solidFill>
+                <a:latin typeface="+mn-lt"/>
+                <a:ea typeface="+mn-ea"/>
+                <a:cs typeface="+mn-cs"/>
+              </a:defRPr>
+            </a:lvl6pPr>
+            <a:lvl7pPr marL="2971800" indent="-228600" algn="l" defTabSz="914400" rtl="0" eaLnBrk="1" latinLnBrk="0" hangingPunct="1">
+              <a:lnSpc>
+                <a:spcPct val="90000"/>
+              </a:lnSpc>
+              <a:spcBef>
+                <a:spcPts val="500"/>
+              </a:spcBef>
+              <a:buFont typeface="Arial" panose="020B0604020202020204" pitchFamily="34" charset="0"/>
+              <a:buChar char="•"/>
+              <a:defRPr sz="1800" kern="1200">
+                <a:solidFill>
+                  <a:schemeClr val="tx1"/>
+                </a:solidFill>
+                <a:latin typeface="+mn-lt"/>
+                <a:ea typeface="+mn-ea"/>
+                <a:cs typeface="+mn-cs"/>
+              </a:defRPr>
+            </a:lvl7pPr>
+            <a:lvl8pPr marL="3429000" indent="-228600" algn="l" defTabSz="914400" rtl="0" eaLnBrk="1" latinLnBrk="0" hangingPunct="1">
+              <a:lnSpc>
+                <a:spcPct val="90000"/>
+              </a:lnSpc>
+              <a:spcBef>
+                <a:spcPts val="500"/>
+              </a:spcBef>
+              <a:buFont typeface="Arial" panose="020B0604020202020204" pitchFamily="34" charset="0"/>
+              <a:buChar char="•"/>
+              <a:defRPr sz="1800" kern="1200">
+                <a:solidFill>
+                  <a:schemeClr val="tx1"/>
+                </a:solidFill>
+                <a:latin typeface="+mn-lt"/>
+                <a:ea typeface="+mn-ea"/>
+                <a:cs typeface="+mn-cs"/>
+              </a:defRPr>
+            </a:lvl8pPr>
+            <a:lvl9pPr marL="3886200" indent="-228600" algn="l" defTabSz="914400" rtl="0" eaLnBrk="1" latinLnBrk="0" hangingPunct="1">
+              <a:lnSpc>
+                <a:spcPct val="90000"/>
+              </a:lnSpc>
+              <a:spcBef>
+                <a:spcPts val="500"/>
+              </a:spcBef>
+              <a:buFont typeface="Arial" panose="020B0604020202020204" pitchFamily="34" charset="0"/>
+              <a:buChar char="•"/>
+              <a:defRPr sz="1800" kern="1200">
+                <a:solidFill>
+                  <a:schemeClr val="tx1"/>
+                </a:solidFill>
+                <a:latin typeface="+mn-lt"/>
+                <a:ea typeface="+mn-ea"/>
+                <a:cs typeface="+mn-cs"/>
+              </a:defRPr>
+            </a:lvl9pPr>
+          </a:lstStyle>
+          <a:p>
+            <a:pPr marL="0" indent="0">
+              <a:buNone/>
+            </a:pPr>
+            <a:r>
+              <a:rPr lang="pt-BR" sz="4400" dirty="0"/>
+              <a:t>	</a:t>
+            </a:r>
+            <a:endParaRPr lang="pt-BR" sz="4400" dirty="0"/>
+          </a:p>
+          <a:p>
+            <a:pPr marL="742950" indent="-742950">
+              <a:buFont typeface="+mj-lt"/>
+              <a:buAutoNum type="arabicPeriod"/>
+            </a:pPr>
+            <a:endParaRPr lang="pt-BR" sz="4400" dirty="0"/>
+          </a:p>
+        </p:txBody>
+      </p:sp>
+      <p:sp>
+        <p:nvSpPr>
+          <p:cNvPr id="5" name="Espaço Reservado para Conteúdo 2"/>
           <p:cNvSpPr txBox="1"/>
           <p:nvPr/>
         </p:nvSpPr>
@@ -5776,7 +5801,7 @@
         </p:spPr>
         <p:txBody>
           <a:bodyPr>
-            <a:normAutofit/>
+            <a:normAutofit fontScale="92500"/>
           </a:bodyPr>
           <a:lstStyle>
             <a:lvl1pPr marL="228600" indent="-228600" algn="l" defTabSz="914400" rtl="0" eaLnBrk="1" latinLnBrk="0" hangingPunct="1">
@@ -5944,17 +5969,50 @@
           </a:lstStyle>
           <a:p>
             <a:pPr algn="just"/>
+            <a:r>
+              <a:rPr lang="pt-BR" sz="4400" dirty="0">
+                <a:latin typeface="Times New Roman" panose="02020603050405020304" pitchFamily="18" charset="0"/>
+                <a:cs typeface="Times New Roman" panose="02020603050405020304" pitchFamily="18" charset="0"/>
+              </a:rPr>
+              <a:t> </a:t>
+            </a:r>
             <a:r>
               <a:rPr lang="pt-BR" sz="4000" dirty="0">
                 <a:latin typeface="Times New Roman" panose="02020603050405020304" pitchFamily="18" charset="0"/>
                 <a:cs typeface="Times New Roman" panose="02020603050405020304" pitchFamily="18" charset="0"/>
               </a:rPr>
-              <a:t> A função fitness leva em consideração também:</a:t>
-            </a:r>
-          </a:p>
-          <a:p>
-            <a:pPr marL="0" indent="0" algn="just">
-              <a:buNone/>
+              <a:t>Alguns professores possuem restrições de horários, ou seja, alguns deles preferem ministrar aulas com horários seguidos, já outros preferem que estas aulas sejam intercaladas. </a:t>
+            </a:r>
+            <a:endParaRPr lang="pt-BR" sz="4000" dirty="0">
+              <a:latin typeface="Times New Roman" panose="02020603050405020304" pitchFamily="18" charset="0"/>
+              <a:cs typeface="Times New Roman" panose="02020603050405020304" pitchFamily="18" charset="0"/>
+            </a:endParaRPr>
+          </a:p>
+          <a:p>
+            <a:pPr algn="just"/>
+            <a:endParaRPr lang="pt-BR" sz="4000" dirty="0">
+              <a:latin typeface="Times New Roman" panose="02020603050405020304" pitchFamily="18" charset="0"/>
+              <a:cs typeface="Times New Roman" panose="02020603050405020304" pitchFamily="18" charset="0"/>
+            </a:endParaRPr>
+          </a:p>
+          <a:p>
+            <a:pPr algn="just"/>
+            <a:r>
+              <a:rPr lang="pt-BR" sz="4000" dirty="0">
+                <a:latin typeface="Times New Roman" panose="02020603050405020304" pitchFamily="18" charset="0"/>
+                <a:cs typeface="Times New Roman" panose="02020603050405020304" pitchFamily="18" charset="0"/>
+              </a:rPr>
+              <a:t> Sabendo disso, a função responsável por avaliar todos os indivíduos, os penaliza com um valor negativo de acordo com as restrições cadastradas  por cada professor.</a:t>
+            </a:r>
+            <a:endParaRPr lang="pt-BR" sz="4000" dirty="0">
+              <a:latin typeface="Times New Roman" panose="02020603050405020304" pitchFamily="18" charset="0"/>
+              <a:cs typeface="Times New Roman" panose="02020603050405020304" pitchFamily="18" charset="0"/>
+            </a:endParaRPr>
+          </a:p>
+          <a:p>
+            <a:pPr marL="742950" indent="-742950">
+              <a:buFont typeface="+mj-lt"/>
+              <a:buAutoNum type="arabicPeriod"/>
             </a:pPr>
             <a:endParaRPr lang="pt-BR" sz="4000" dirty="0">
               <a:latin typeface="Times New Roman" panose="02020603050405020304" pitchFamily="18" charset="0"/>
@@ -5962,63 +6020,18 @@
             </a:endParaRPr>
           </a:p>
           <a:p>
-            <a:pPr algn="just">
-              <a:buFont typeface="Wingdings" panose="05000000000000000000" pitchFamily="2" charset="2"/>
-              <a:buChar char="v"/>
+            <a:pPr marL="742950" indent="-742950">
+              <a:buFont typeface="+mj-lt"/>
+              <a:buAutoNum type="arabicPeriod"/>
             </a:pPr>
-            <a:r>
-              <a:rPr lang="pt-BR" sz="4000" dirty="0">
-                <a:latin typeface="Times New Roman" panose="02020603050405020304" pitchFamily="18" charset="0"/>
-                <a:cs typeface="Times New Roman" panose="02020603050405020304" pitchFamily="18" charset="0"/>
-              </a:rPr>
-              <a:t> Preferência de dias de cada professor;</a:t>
-            </a:r>
-          </a:p>
-          <a:p>
-            <a:pPr algn="just">
-              <a:buFont typeface="Wingdings" panose="05000000000000000000" pitchFamily="2" charset="2"/>
-              <a:buChar char="v"/>
-            </a:pPr>
-            <a:endParaRPr lang="pt-BR" sz="4000" dirty="0">
+            <a:endParaRPr lang="pt-BR" sz="4400" dirty="0">
               <a:latin typeface="Times New Roman" panose="02020603050405020304" pitchFamily="18" charset="0"/>
               <a:cs typeface="Times New Roman" panose="02020603050405020304" pitchFamily="18" charset="0"/>
             </a:endParaRPr>
           </a:p>
-          <a:p>
-            <a:pPr algn="just">
-              <a:buFont typeface="Wingdings" panose="05000000000000000000" pitchFamily="2" charset="2"/>
-              <a:buChar char="v"/>
-            </a:pPr>
-            <a:r>
-              <a:rPr lang="pt-BR" sz="4000" dirty="0">
-                <a:latin typeface="Times New Roman" panose="02020603050405020304" pitchFamily="18" charset="0"/>
-                <a:cs typeface="Times New Roman" panose="02020603050405020304" pitchFamily="18" charset="0"/>
-              </a:rPr>
-              <a:t> Disciplina com 4 créditos no mesmo dia, mas com horário quebrado.</a:t>
-            </a:r>
-            <a:endParaRPr lang="pt-BR" sz="3600" dirty="0">
-              <a:latin typeface="Times New Roman" panose="02020603050405020304" pitchFamily="18" charset="0"/>
-              <a:cs typeface="Times New Roman" panose="02020603050405020304" pitchFamily="18" charset="0"/>
-            </a:endParaRPr>
-          </a:p>
-          <a:p>
-            <a:pPr algn="just">
-              <a:buFont typeface="Wingdings" panose="05000000000000000000" pitchFamily="2" charset="2"/>
-              <a:buChar char="v"/>
-            </a:pPr>
-            <a:endParaRPr lang="pt-BR" sz="4000" dirty="0">
-              <a:latin typeface="Times New Roman" panose="02020603050405020304" pitchFamily="18" charset="0"/>
-              <a:cs typeface="Times New Roman" panose="02020603050405020304" pitchFamily="18" charset="0"/>
-            </a:endParaRPr>
-          </a:p>
         </p:txBody>
       </p:sp>
     </p:spTree>
-    <p:extLst>
-      <p:ext uri="{BB962C8B-B14F-4D97-AF65-F5344CB8AC3E}">
-        <p14:creationId xmlns:p14="http://schemas.microsoft.com/office/powerpoint/2010/main" val="3982769836"/>
-      </p:ext>
-    </p:extLst>
   </p:cSld>
   <p:clrMapOvr>
     <a:masterClrMapping/>
@@ -6163,14 +6176,20 @@
           <a:p>
             <a:pPr algn="ctr"/>
             <a:r>
-              <a:rPr lang="pt-BR" sz="5400" b="1" dirty="0">
+              <a:rPr lang="pt-BR" sz="4800" b="1" dirty="0">
                 <a:solidFill>
                   <a:srgbClr val="049BE6"/>
                 </a:solidFill>
                 <a:latin typeface="+mn-lt"/>
               </a:rPr>
-              <a:t>Avaliar os indivíduos</a:t>
-            </a:r>
+              <a:t>Modelagem da função fitness</a:t>
+            </a:r>
+            <a:endParaRPr lang="pt-BR" sz="4800" b="1" dirty="0">
+              <a:solidFill>
+                <a:srgbClr val="049BE6"/>
+              </a:solidFill>
+              <a:latin typeface="+mn-lt"/>
+            </a:endParaRPr>
           </a:p>
         </p:txBody>
       </p:sp>
@@ -6365,6 +6384,7 @@
               <a:rPr lang="pt-BR" sz="4800" dirty="0"/>
               <a:t>	 </a:t>
             </a:r>
+            <a:endParaRPr lang="pt-BR" sz="4800" dirty="0"/>
           </a:p>
           <a:p>
             <a:pPr marL="742950" indent="-742950">
@@ -6384,14 +6404,14 @@
       </p:sp>
       <p:sp>
         <p:nvSpPr>
-          <p:cNvPr id="4" name="Espaço Reservado para Conteúdo 2"/>
+          <p:cNvPr id="5" name="Espaço Reservado para Conteúdo 2"/>
           <p:cNvSpPr txBox="1"/>
           <p:nvPr/>
         </p:nvSpPr>
         <p:spPr>
           <a:xfrm>
-            <a:off x="473612" y="1882726"/>
-            <a:ext cx="11549575" cy="4712677"/>
+            <a:off x="626012" y="1577926"/>
+            <a:ext cx="11244775" cy="4712677"/>
           </a:xfrm>
           <a:prstGeom prst="rect">
             <a:avLst/>
@@ -6399,7 +6419,7 @@
         </p:spPr>
         <p:txBody>
           <a:bodyPr>
-            <a:normAutofit/>
+            <a:normAutofit lnSpcReduction="10000"/>
           </a:bodyPr>
           <a:lstStyle>
             <a:lvl1pPr marL="228600" indent="-228600" algn="l" defTabSz="914400" rtl="0" eaLnBrk="1" latinLnBrk="0" hangingPunct="1">
@@ -6566,10 +6586,71 @@
             </a:lvl9pPr>
           </a:lstStyle>
           <a:p>
-            <a:r>
-              <a:rPr lang="pt-BR" sz="4400" dirty="0"/>
-              <a:t> Na criação dos indivíduos, todos eles vêm com uma aptidão de 100, e quando eles estão sendo avaliados, há uma penalização.</a:t>
-            </a:r>
+            <a:pPr algn="just"/>
+            <a:r>
+              <a:rPr lang="pt-BR" sz="4400" dirty="0">
+                <a:latin typeface="Times New Roman" panose="02020603050405020304" pitchFamily="18" charset="0"/>
+                <a:cs typeface="Times New Roman" panose="02020603050405020304" pitchFamily="18" charset="0"/>
+              </a:rPr>
+              <a:t> Exemplo de restrições usadas:</a:t>
+            </a:r>
+            <a:endParaRPr lang="pt-BR" sz="4400" dirty="0">
+              <a:latin typeface="Times New Roman" panose="02020603050405020304" pitchFamily="18" charset="0"/>
+              <a:cs typeface="Times New Roman" panose="02020603050405020304" pitchFamily="18" charset="0"/>
+            </a:endParaRPr>
+          </a:p>
+          <a:p>
+            <a:pPr marL="0" indent="0" algn="just">
+              <a:buNone/>
+            </a:pPr>
+            <a:endParaRPr lang="pt-BR" sz="4400" dirty="0">
+              <a:latin typeface="Times New Roman" panose="02020603050405020304" pitchFamily="18" charset="0"/>
+              <a:cs typeface="Times New Roman" panose="02020603050405020304" pitchFamily="18" charset="0"/>
+            </a:endParaRPr>
+          </a:p>
+          <a:p>
+            <a:pPr algn="just">
+              <a:buFont typeface="Wingdings" panose="05000000000000000000" pitchFamily="2" charset="2"/>
+              <a:buChar char="v"/>
+            </a:pPr>
+            <a:r>
+              <a:rPr lang="pt-BR" sz="4400" dirty="0">
+                <a:latin typeface="Times New Roman" panose="02020603050405020304" pitchFamily="18" charset="0"/>
+                <a:cs typeface="Times New Roman" panose="02020603050405020304" pitchFamily="18" charset="0"/>
+              </a:rPr>
+              <a:t> Disciplinas do Professor “X” não podem ser  em dias seguidos;</a:t>
+            </a:r>
+            <a:endParaRPr lang="pt-BR" sz="4400" dirty="0">
+              <a:latin typeface="Times New Roman" panose="02020603050405020304" pitchFamily="18" charset="0"/>
+              <a:cs typeface="Times New Roman" panose="02020603050405020304" pitchFamily="18" charset="0"/>
+            </a:endParaRPr>
+          </a:p>
+          <a:p>
+            <a:pPr algn="just">
+              <a:buFont typeface="Wingdings" panose="05000000000000000000" pitchFamily="2" charset="2"/>
+              <a:buChar char="v"/>
+            </a:pPr>
+            <a:endParaRPr lang="pt-BR" sz="4400" dirty="0">
+              <a:latin typeface="Times New Roman" panose="02020603050405020304" pitchFamily="18" charset="0"/>
+              <a:cs typeface="Times New Roman" panose="02020603050405020304" pitchFamily="18" charset="0"/>
+            </a:endParaRPr>
+          </a:p>
+          <a:p>
+            <a:pPr algn="just">
+              <a:buFont typeface="Wingdings" panose="05000000000000000000" pitchFamily="2" charset="2"/>
+              <a:buChar char="v"/>
+            </a:pPr>
+            <a:r>
+              <a:rPr lang="pt-BR" sz="4400" dirty="0">
+                <a:latin typeface="Times New Roman" panose="02020603050405020304" pitchFamily="18" charset="0"/>
+                <a:cs typeface="Times New Roman" panose="02020603050405020304" pitchFamily="18" charset="0"/>
+              </a:rPr>
+              <a:t> Não é viável disciplinas de 6 créditos com todas aulas no mesmo dia;</a:t>
+            </a:r>
+            <a:endParaRPr lang="pt-BR" sz="4400" dirty="0">
+              <a:latin typeface="Times New Roman" panose="02020603050405020304" pitchFamily="18" charset="0"/>
+              <a:cs typeface="Times New Roman" panose="02020603050405020304" pitchFamily="18" charset="0"/>
+            </a:endParaRPr>
           </a:p>
         </p:txBody>
       </p:sp>
@@ -6685,8 +6766,8 @@
         </p:nvSpPr>
         <p:spPr>
           <a:xfrm>
-            <a:off x="473612" y="506437"/>
-            <a:ext cx="10880188" cy="970671"/>
+            <a:off x="838200" y="506437"/>
+            <a:ext cx="10515600" cy="970671"/>
           </a:xfrm>
           <a:prstGeom prst="rect">
             <a:avLst/>
@@ -6724,8 +6805,14 @@
                 </a:solidFill>
                 <a:latin typeface="+mn-lt"/>
               </a:rPr>
-              <a:t>Seleção dos Indivíduos para o Cross-Over</a:t>
-            </a:r>
+              <a:t>Modelagem da função fitness</a:t>
+            </a:r>
+            <a:endParaRPr lang="pt-BR" sz="4800" b="1" dirty="0">
+              <a:solidFill>
+                <a:srgbClr val="049BE6"/>
+              </a:solidFill>
+              <a:latin typeface="+mn-lt"/>
+            </a:endParaRPr>
           </a:p>
         </p:txBody>
       </p:sp>
@@ -6913,6 +7000,656 @@
             </a:lvl9pPr>
           </a:lstStyle>
           <a:p>
+            <a:pPr marL="0" indent="0">
+              <a:buNone/>
+            </a:pPr>
+            <a:r>
+              <a:rPr lang="pt-BR" sz="4800" dirty="0"/>
+              <a:t>	 </a:t>
+            </a:r>
+            <a:endParaRPr lang="pt-BR" sz="4800" dirty="0"/>
+          </a:p>
+          <a:p>
+            <a:pPr marL="742950" indent="-742950">
+              <a:buFont typeface="+mj-lt"/>
+              <a:buAutoNum type="arabicPeriod"/>
+            </a:pPr>
+            <a:endParaRPr lang="pt-BR" sz="4400" dirty="0"/>
+          </a:p>
+          <a:p>
+            <a:pPr marL="742950" indent="-742950">
+              <a:buFont typeface="+mj-lt"/>
+              <a:buAutoNum type="arabicPeriod"/>
+            </a:pPr>
+            <a:endParaRPr lang="pt-BR" sz="4400" dirty="0"/>
+          </a:p>
+        </p:txBody>
+      </p:sp>
+      <p:sp>
+        <p:nvSpPr>
+          <p:cNvPr id="5" name="Espaço Reservado para Conteúdo 2"/>
+          <p:cNvSpPr txBox="1"/>
+          <p:nvPr/>
+        </p:nvSpPr>
+        <p:spPr>
+          <a:xfrm>
+            <a:off x="626012" y="1577926"/>
+            <a:ext cx="11244775" cy="4712677"/>
+          </a:xfrm>
+          <a:prstGeom prst="rect">
+            <a:avLst/>
+          </a:prstGeom>
+        </p:spPr>
+        <p:txBody>
+          <a:bodyPr>
+            <a:normAutofit/>
+          </a:bodyPr>
+          <a:lstStyle>
+            <a:lvl1pPr marL="228600" indent="-228600" algn="l" defTabSz="914400" rtl="0" eaLnBrk="1" latinLnBrk="0" hangingPunct="1">
+              <a:lnSpc>
+                <a:spcPct val="90000"/>
+              </a:lnSpc>
+              <a:spcBef>
+                <a:spcPts val="1000"/>
+              </a:spcBef>
+              <a:buFont typeface="Arial" panose="020B0604020202020204" pitchFamily="34" charset="0"/>
+              <a:buChar char="•"/>
+              <a:defRPr sz="2800" kern="1200">
+                <a:solidFill>
+                  <a:schemeClr val="tx1"/>
+                </a:solidFill>
+                <a:latin typeface="+mn-lt"/>
+                <a:ea typeface="+mn-ea"/>
+                <a:cs typeface="+mn-cs"/>
+              </a:defRPr>
+            </a:lvl1pPr>
+            <a:lvl2pPr marL="685800" indent="-228600" algn="l" defTabSz="914400" rtl="0" eaLnBrk="1" latinLnBrk="0" hangingPunct="1">
+              <a:lnSpc>
+                <a:spcPct val="90000"/>
+              </a:lnSpc>
+              <a:spcBef>
+                <a:spcPts val="500"/>
+              </a:spcBef>
+              <a:buFont typeface="Arial" panose="020B0604020202020204" pitchFamily="34" charset="0"/>
+              <a:buChar char="•"/>
+              <a:defRPr sz="2400" kern="1200">
+                <a:solidFill>
+                  <a:schemeClr val="tx1"/>
+                </a:solidFill>
+                <a:latin typeface="+mn-lt"/>
+                <a:ea typeface="+mn-ea"/>
+                <a:cs typeface="+mn-cs"/>
+              </a:defRPr>
+            </a:lvl2pPr>
+            <a:lvl3pPr marL="1143000" indent="-228600" algn="l" defTabSz="914400" rtl="0" eaLnBrk="1" latinLnBrk="0" hangingPunct="1">
+              <a:lnSpc>
+                <a:spcPct val="90000"/>
+              </a:lnSpc>
+              <a:spcBef>
+                <a:spcPts val="500"/>
+              </a:spcBef>
+              <a:buFont typeface="Arial" panose="020B0604020202020204" pitchFamily="34" charset="0"/>
+              <a:buChar char="•"/>
+              <a:defRPr sz="2000" kern="1200">
+                <a:solidFill>
+                  <a:schemeClr val="tx1"/>
+                </a:solidFill>
+                <a:latin typeface="+mn-lt"/>
+                <a:ea typeface="+mn-ea"/>
+                <a:cs typeface="+mn-cs"/>
+              </a:defRPr>
+            </a:lvl3pPr>
+            <a:lvl4pPr marL="1600200" indent="-228600" algn="l" defTabSz="914400" rtl="0" eaLnBrk="1" latinLnBrk="0" hangingPunct="1">
+              <a:lnSpc>
+                <a:spcPct val="90000"/>
+              </a:lnSpc>
+              <a:spcBef>
+                <a:spcPts val="500"/>
+              </a:spcBef>
+              <a:buFont typeface="Arial" panose="020B0604020202020204" pitchFamily="34" charset="0"/>
+              <a:buChar char="•"/>
+              <a:defRPr sz="1800" kern="1200">
+                <a:solidFill>
+                  <a:schemeClr val="tx1"/>
+                </a:solidFill>
+                <a:latin typeface="+mn-lt"/>
+                <a:ea typeface="+mn-ea"/>
+                <a:cs typeface="+mn-cs"/>
+              </a:defRPr>
+            </a:lvl4pPr>
+            <a:lvl5pPr marL="2057400" indent="-228600" algn="l" defTabSz="914400" rtl="0" eaLnBrk="1" latinLnBrk="0" hangingPunct="1">
+              <a:lnSpc>
+                <a:spcPct val="90000"/>
+              </a:lnSpc>
+              <a:spcBef>
+                <a:spcPts val="500"/>
+              </a:spcBef>
+              <a:buFont typeface="Arial" panose="020B0604020202020204" pitchFamily="34" charset="0"/>
+              <a:buChar char="•"/>
+              <a:defRPr sz="1800" kern="1200">
+                <a:solidFill>
+                  <a:schemeClr val="tx1"/>
+                </a:solidFill>
+                <a:latin typeface="+mn-lt"/>
+                <a:ea typeface="+mn-ea"/>
+                <a:cs typeface="+mn-cs"/>
+              </a:defRPr>
+            </a:lvl5pPr>
+            <a:lvl6pPr marL="2514600" indent="-228600" algn="l" defTabSz="914400" rtl="0" eaLnBrk="1" latinLnBrk="0" hangingPunct="1">
+              <a:lnSpc>
+                <a:spcPct val="90000"/>
+              </a:lnSpc>
+              <a:spcBef>
+                <a:spcPts val="500"/>
+              </a:spcBef>
+              <a:buFont typeface="Arial" panose="020B0604020202020204" pitchFamily="34" charset="0"/>
+              <a:buChar char="•"/>
+              <a:defRPr sz="1800" kern="1200">
+                <a:solidFill>
+                  <a:schemeClr val="tx1"/>
+                </a:solidFill>
+                <a:latin typeface="+mn-lt"/>
+                <a:ea typeface="+mn-ea"/>
+                <a:cs typeface="+mn-cs"/>
+              </a:defRPr>
+            </a:lvl6pPr>
+            <a:lvl7pPr marL="2971800" indent="-228600" algn="l" defTabSz="914400" rtl="0" eaLnBrk="1" latinLnBrk="0" hangingPunct="1">
+              <a:lnSpc>
+                <a:spcPct val="90000"/>
+              </a:lnSpc>
+              <a:spcBef>
+                <a:spcPts val="500"/>
+              </a:spcBef>
+              <a:buFont typeface="Arial" panose="020B0604020202020204" pitchFamily="34" charset="0"/>
+              <a:buChar char="•"/>
+              <a:defRPr sz="1800" kern="1200">
+                <a:solidFill>
+                  <a:schemeClr val="tx1"/>
+                </a:solidFill>
+                <a:latin typeface="+mn-lt"/>
+                <a:ea typeface="+mn-ea"/>
+                <a:cs typeface="+mn-cs"/>
+              </a:defRPr>
+            </a:lvl7pPr>
+            <a:lvl8pPr marL="3429000" indent="-228600" algn="l" defTabSz="914400" rtl="0" eaLnBrk="1" latinLnBrk="0" hangingPunct="1">
+              <a:lnSpc>
+                <a:spcPct val="90000"/>
+              </a:lnSpc>
+              <a:spcBef>
+                <a:spcPts val="500"/>
+              </a:spcBef>
+              <a:buFont typeface="Arial" panose="020B0604020202020204" pitchFamily="34" charset="0"/>
+              <a:buChar char="•"/>
+              <a:defRPr sz="1800" kern="1200">
+                <a:solidFill>
+                  <a:schemeClr val="tx1"/>
+                </a:solidFill>
+                <a:latin typeface="+mn-lt"/>
+                <a:ea typeface="+mn-ea"/>
+                <a:cs typeface="+mn-cs"/>
+              </a:defRPr>
+            </a:lvl8pPr>
+            <a:lvl9pPr marL="3886200" indent="-228600" algn="l" defTabSz="914400" rtl="0" eaLnBrk="1" latinLnBrk="0" hangingPunct="1">
+              <a:lnSpc>
+                <a:spcPct val="90000"/>
+              </a:lnSpc>
+              <a:spcBef>
+                <a:spcPts val="500"/>
+              </a:spcBef>
+              <a:buFont typeface="Arial" panose="020B0604020202020204" pitchFamily="34" charset="0"/>
+              <a:buChar char="•"/>
+              <a:defRPr sz="1800" kern="1200">
+                <a:solidFill>
+                  <a:schemeClr val="tx1"/>
+                </a:solidFill>
+                <a:latin typeface="+mn-lt"/>
+                <a:ea typeface="+mn-ea"/>
+                <a:cs typeface="+mn-cs"/>
+              </a:defRPr>
+            </a:lvl9pPr>
+          </a:lstStyle>
+          <a:p>
+            <a:pPr algn="just"/>
+            <a:r>
+              <a:rPr lang="pt-BR" sz="4000" dirty="0">
+                <a:latin typeface="Times New Roman" panose="02020603050405020304" pitchFamily="18" charset="0"/>
+                <a:cs typeface="Times New Roman" panose="02020603050405020304" pitchFamily="18" charset="0"/>
+              </a:rPr>
+              <a:t> A função fitness leva em consideração também:</a:t>
+            </a:r>
+            <a:endParaRPr lang="pt-BR" sz="4000" dirty="0">
+              <a:latin typeface="Times New Roman" panose="02020603050405020304" pitchFamily="18" charset="0"/>
+              <a:cs typeface="Times New Roman" panose="02020603050405020304" pitchFamily="18" charset="0"/>
+            </a:endParaRPr>
+          </a:p>
+          <a:p>
+            <a:pPr marL="0" indent="0" algn="just">
+              <a:buNone/>
+            </a:pPr>
+            <a:endParaRPr lang="pt-BR" sz="4000" dirty="0">
+              <a:latin typeface="Times New Roman" panose="02020603050405020304" pitchFamily="18" charset="0"/>
+              <a:cs typeface="Times New Roman" panose="02020603050405020304" pitchFamily="18" charset="0"/>
+            </a:endParaRPr>
+          </a:p>
+          <a:p>
+            <a:pPr algn="just">
+              <a:buFont typeface="Wingdings" panose="05000000000000000000" pitchFamily="2" charset="2"/>
+              <a:buChar char="v"/>
+            </a:pPr>
+            <a:r>
+              <a:rPr lang="pt-BR" sz="4000" dirty="0">
+                <a:latin typeface="Times New Roman" panose="02020603050405020304" pitchFamily="18" charset="0"/>
+                <a:cs typeface="Times New Roman" panose="02020603050405020304" pitchFamily="18" charset="0"/>
+              </a:rPr>
+              <a:t> Preferência de dias de cada professor;</a:t>
+            </a:r>
+            <a:endParaRPr lang="pt-BR" sz="4000" dirty="0">
+              <a:latin typeface="Times New Roman" panose="02020603050405020304" pitchFamily="18" charset="0"/>
+              <a:cs typeface="Times New Roman" panose="02020603050405020304" pitchFamily="18" charset="0"/>
+            </a:endParaRPr>
+          </a:p>
+          <a:p>
+            <a:pPr algn="just">
+              <a:buFont typeface="Wingdings" panose="05000000000000000000" pitchFamily="2" charset="2"/>
+              <a:buChar char="v"/>
+            </a:pPr>
+            <a:endParaRPr lang="pt-BR" sz="4000" dirty="0">
+              <a:latin typeface="Times New Roman" panose="02020603050405020304" pitchFamily="18" charset="0"/>
+              <a:cs typeface="Times New Roman" panose="02020603050405020304" pitchFamily="18" charset="0"/>
+            </a:endParaRPr>
+          </a:p>
+          <a:p>
+            <a:pPr algn="just">
+              <a:buFont typeface="Wingdings" panose="05000000000000000000" pitchFamily="2" charset="2"/>
+              <a:buChar char="v"/>
+            </a:pPr>
+            <a:r>
+              <a:rPr lang="pt-BR" sz="4000" dirty="0">
+                <a:latin typeface="Times New Roman" panose="02020603050405020304" pitchFamily="18" charset="0"/>
+                <a:cs typeface="Times New Roman" panose="02020603050405020304" pitchFamily="18" charset="0"/>
+              </a:rPr>
+              <a:t> Disciplina com 4 créditos no mesmo dia, mas com horário quebrado.</a:t>
+            </a:r>
+            <a:endParaRPr lang="pt-BR" sz="3600" dirty="0">
+              <a:latin typeface="Times New Roman" panose="02020603050405020304" pitchFamily="18" charset="0"/>
+              <a:cs typeface="Times New Roman" panose="02020603050405020304" pitchFamily="18" charset="0"/>
+            </a:endParaRPr>
+          </a:p>
+          <a:p>
+            <a:pPr algn="just">
+              <a:buFont typeface="Wingdings" panose="05000000000000000000" pitchFamily="2" charset="2"/>
+              <a:buChar char="v"/>
+            </a:pPr>
+            <a:endParaRPr lang="pt-BR" sz="4000" dirty="0">
+              <a:latin typeface="Times New Roman" panose="02020603050405020304" pitchFamily="18" charset="0"/>
+              <a:cs typeface="Times New Roman" panose="02020603050405020304" pitchFamily="18" charset="0"/>
+            </a:endParaRPr>
+          </a:p>
+        </p:txBody>
+      </p:sp>
+    </p:spTree>
+  </p:cSld>
+  <p:clrMapOvr>
+    <a:masterClrMapping/>
+  </p:clrMapOvr>
+  <p:timing>
+    <p:tnLst>
+      <p:par>
+        <p:cTn id="1" dur="indefinite" restart="never" nodeType="tmRoot">
+          <p:childTnLst>
+            <p:seq concurrent="1" nextAc="seek">
+              <p:cTn id="2" dur="indefinite" nodeType="mainSeq">
+                <p:childTnLst>
+                  <p:par>
+                    <p:cTn id="3" fill="hold">
+                      <p:stCondLst>
+                        <p:cond delay="indefinite"/>
+                      </p:stCondLst>
+                      <p:childTnLst>
+                        <p:par>
+                          <p:cTn id="4" fill="hold">
+                            <p:stCondLst>
+                              <p:cond delay="0"/>
+                            </p:stCondLst>
+                            <p:childTnLst>
+                              <p:par>
+                                <p:cTn id="5" presetID="1" presetClass="entr" presetSubtype="0" fill="hold" nodeType="clickEffect">
+                                  <p:stCondLst>
+                                    <p:cond delay="0"/>
+                                  </p:stCondLst>
+                                  <p:childTnLst>
+                                    <p:set>
+                                      <p:cBhvr>
+                                        <p:cTn id="6" dur="1" fill="hold">
+                                          <p:stCondLst>
+                                            <p:cond delay="0"/>
+                                          </p:stCondLst>
+                                        </p:cTn>
+                                        <p:tgtEl>
+                                          <p:spTgt spid="3">
+                                            <p:txEl>
+                                              <p:pRg st="0" end="0"/>
+                                            </p:txEl>
+                                          </p:spTgt>
+                                        </p:tgtEl>
+                                        <p:attrNameLst>
+                                          <p:attrName>style.visibility</p:attrName>
+                                        </p:attrNameLst>
+                                      </p:cBhvr>
+                                      <p:to>
+                                        <p:strVal val="visible"/>
+                                      </p:to>
+                                    </p:set>
+                                  </p:childTnLst>
+                                </p:cTn>
+                              </p:par>
+                            </p:childTnLst>
+                          </p:cTn>
+                        </p:par>
+                      </p:childTnLst>
+                    </p:cTn>
+                  </p:par>
+                </p:childTnLst>
+              </p:cTn>
+              <p:prevCondLst>
+                <p:cond evt="onPrev" delay="0">
+                  <p:tgtEl>
+                    <p:sldTgt/>
+                  </p:tgtEl>
+                </p:cond>
+              </p:prevCondLst>
+              <p:nextCondLst>
+                <p:cond evt="onNext" delay="0">
+                  <p:tgtEl>
+                    <p:sldTgt/>
+                  </p:tgtEl>
+                </p:cond>
+              </p:nextCondLst>
+            </p:seq>
+          </p:childTnLst>
+        </p:cTn>
+      </p:par>
+    </p:tnLst>
+  </p:timing>
+</p:sld>
+</file>
+
+<file path=ppt/slides/slide16.xml><?xml version="1.0" encoding="utf-8"?>
+<p:sld xmlns:a="http://schemas.openxmlformats.org/drawingml/2006/main" xmlns:r="http://schemas.openxmlformats.org/officeDocument/2006/relationships" xmlns:p="http://schemas.openxmlformats.org/presentationml/2006/main">
+  <p:cSld>
+    <p:spTree>
+      <p:nvGrpSpPr>
+        <p:cNvPr id="1" name=""/>
+        <p:cNvGrpSpPr/>
+        <p:nvPr/>
+      </p:nvGrpSpPr>
+      <p:grpSpPr>
+        <a:xfrm>
+          <a:off x="0" y="0"/>
+          <a:ext cx="0" cy="0"/>
+          <a:chOff x="0" y="0"/>
+          <a:chExt cx="0" cy="0"/>
+        </a:xfrm>
+      </p:grpSpPr>
+      <p:sp>
+        <p:nvSpPr>
+          <p:cNvPr id="2" name="Título 1"/>
+          <p:cNvSpPr txBox="1"/>
+          <p:nvPr/>
+        </p:nvSpPr>
+        <p:spPr>
+          <a:xfrm>
+            <a:off x="838200" y="506437"/>
+            <a:ext cx="10515600" cy="970671"/>
+          </a:xfrm>
+          <a:prstGeom prst="rect">
+            <a:avLst/>
+          </a:prstGeom>
+        </p:spPr>
+        <p:txBody>
+          <a:bodyPr>
+            <a:noAutofit/>
+          </a:bodyPr>
+          <a:lstStyle>
+            <a:lvl1pPr algn="l" defTabSz="914400" rtl="0" eaLnBrk="1" latinLnBrk="0" hangingPunct="1">
+              <a:lnSpc>
+                <a:spcPct val="90000"/>
+              </a:lnSpc>
+              <a:spcBef>
+                <a:spcPct val="0"/>
+              </a:spcBef>
+              <a:buNone/>
+              <a:defRPr sz="4400" kern="1200">
+                <a:solidFill>
+                  <a:schemeClr val="tx1"/>
+                </a:solidFill>
+                <a:latin typeface="+mj-lt"/>
+                <a:ea typeface="+mj-ea"/>
+                <a:cs typeface="+mj-cs"/>
+              </a:defRPr>
+            </a:lvl1pPr>
+          </a:lstStyle>
+          <a:p>
+            <a:pPr algn="ctr"/>
+            <a:r>
+              <a:rPr lang="pt-BR" sz="5400" b="1" dirty="0">
+                <a:solidFill>
+                  <a:srgbClr val="049BE6"/>
+                </a:solidFill>
+                <a:latin typeface="+mn-lt"/>
+              </a:rPr>
+              <a:t>Avaliar os indivíduos</a:t>
+            </a:r>
+            <a:endParaRPr lang="pt-BR" sz="5400" b="1" dirty="0">
+              <a:solidFill>
+                <a:srgbClr val="049BE6"/>
+              </a:solidFill>
+              <a:latin typeface="+mn-lt"/>
+            </a:endParaRPr>
+          </a:p>
+        </p:txBody>
+      </p:sp>
+      <p:sp>
+        <p:nvSpPr>
+          <p:cNvPr id="3" name="Espaço Reservado para Conteúdo 2"/>
+          <p:cNvSpPr txBox="1"/>
+          <p:nvPr/>
+        </p:nvSpPr>
+        <p:spPr>
+          <a:xfrm>
+            <a:off x="321212" y="1730326"/>
+            <a:ext cx="11549575" cy="4712677"/>
+          </a:xfrm>
+          <a:prstGeom prst="rect">
+            <a:avLst/>
+          </a:prstGeom>
+        </p:spPr>
+        <p:txBody>
+          <a:bodyPr>
+            <a:normAutofit/>
+          </a:bodyPr>
+          <a:lstStyle>
+            <a:lvl1pPr marL="228600" indent="-228600" algn="l" defTabSz="914400" rtl="0" eaLnBrk="1" latinLnBrk="0" hangingPunct="1">
+              <a:lnSpc>
+                <a:spcPct val="90000"/>
+              </a:lnSpc>
+              <a:spcBef>
+                <a:spcPts val="1000"/>
+              </a:spcBef>
+              <a:buFont typeface="Arial" panose="020B0604020202020204" pitchFamily="34" charset="0"/>
+              <a:buChar char="•"/>
+              <a:defRPr sz="2800" kern="1200">
+                <a:solidFill>
+                  <a:schemeClr val="tx1"/>
+                </a:solidFill>
+                <a:latin typeface="+mn-lt"/>
+                <a:ea typeface="+mn-ea"/>
+                <a:cs typeface="+mn-cs"/>
+              </a:defRPr>
+            </a:lvl1pPr>
+            <a:lvl2pPr marL="685800" indent="-228600" algn="l" defTabSz="914400" rtl="0" eaLnBrk="1" latinLnBrk="0" hangingPunct="1">
+              <a:lnSpc>
+                <a:spcPct val="90000"/>
+              </a:lnSpc>
+              <a:spcBef>
+                <a:spcPts val="500"/>
+              </a:spcBef>
+              <a:buFont typeface="Arial" panose="020B0604020202020204" pitchFamily="34" charset="0"/>
+              <a:buChar char="•"/>
+              <a:defRPr sz="2400" kern="1200">
+                <a:solidFill>
+                  <a:schemeClr val="tx1"/>
+                </a:solidFill>
+                <a:latin typeface="+mn-lt"/>
+                <a:ea typeface="+mn-ea"/>
+                <a:cs typeface="+mn-cs"/>
+              </a:defRPr>
+            </a:lvl2pPr>
+            <a:lvl3pPr marL="1143000" indent="-228600" algn="l" defTabSz="914400" rtl="0" eaLnBrk="1" latinLnBrk="0" hangingPunct="1">
+              <a:lnSpc>
+                <a:spcPct val="90000"/>
+              </a:lnSpc>
+              <a:spcBef>
+                <a:spcPts val="500"/>
+              </a:spcBef>
+              <a:buFont typeface="Arial" panose="020B0604020202020204" pitchFamily="34" charset="0"/>
+              <a:buChar char="•"/>
+              <a:defRPr sz="2000" kern="1200">
+                <a:solidFill>
+                  <a:schemeClr val="tx1"/>
+                </a:solidFill>
+                <a:latin typeface="+mn-lt"/>
+                <a:ea typeface="+mn-ea"/>
+                <a:cs typeface="+mn-cs"/>
+              </a:defRPr>
+            </a:lvl3pPr>
+            <a:lvl4pPr marL="1600200" indent="-228600" algn="l" defTabSz="914400" rtl="0" eaLnBrk="1" latinLnBrk="0" hangingPunct="1">
+              <a:lnSpc>
+                <a:spcPct val="90000"/>
+              </a:lnSpc>
+              <a:spcBef>
+                <a:spcPts val="500"/>
+              </a:spcBef>
+              <a:buFont typeface="Arial" panose="020B0604020202020204" pitchFamily="34" charset="0"/>
+              <a:buChar char="•"/>
+              <a:defRPr sz="1800" kern="1200">
+                <a:solidFill>
+                  <a:schemeClr val="tx1"/>
+                </a:solidFill>
+                <a:latin typeface="+mn-lt"/>
+                <a:ea typeface="+mn-ea"/>
+                <a:cs typeface="+mn-cs"/>
+              </a:defRPr>
+            </a:lvl4pPr>
+            <a:lvl5pPr marL="2057400" indent="-228600" algn="l" defTabSz="914400" rtl="0" eaLnBrk="1" latinLnBrk="0" hangingPunct="1">
+              <a:lnSpc>
+                <a:spcPct val="90000"/>
+              </a:lnSpc>
+              <a:spcBef>
+                <a:spcPts val="500"/>
+              </a:spcBef>
+              <a:buFont typeface="Arial" panose="020B0604020202020204" pitchFamily="34" charset="0"/>
+              <a:buChar char="•"/>
+              <a:defRPr sz="1800" kern="1200">
+                <a:solidFill>
+                  <a:schemeClr val="tx1"/>
+                </a:solidFill>
+                <a:latin typeface="+mn-lt"/>
+                <a:ea typeface="+mn-ea"/>
+                <a:cs typeface="+mn-cs"/>
+              </a:defRPr>
+            </a:lvl5pPr>
+            <a:lvl6pPr marL="2514600" indent="-228600" algn="l" defTabSz="914400" rtl="0" eaLnBrk="1" latinLnBrk="0" hangingPunct="1">
+              <a:lnSpc>
+                <a:spcPct val="90000"/>
+              </a:lnSpc>
+              <a:spcBef>
+                <a:spcPts val="500"/>
+              </a:spcBef>
+              <a:buFont typeface="Arial" panose="020B0604020202020204" pitchFamily="34" charset="0"/>
+              <a:buChar char="•"/>
+              <a:defRPr sz="1800" kern="1200">
+                <a:solidFill>
+                  <a:schemeClr val="tx1"/>
+                </a:solidFill>
+                <a:latin typeface="+mn-lt"/>
+                <a:ea typeface="+mn-ea"/>
+                <a:cs typeface="+mn-cs"/>
+              </a:defRPr>
+            </a:lvl6pPr>
+            <a:lvl7pPr marL="2971800" indent="-228600" algn="l" defTabSz="914400" rtl="0" eaLnBrk="1" latinLnBrk="0" hangingPunct="1">
+              <a:lnSpc>
+                <a:spcPct val="90000"/>
+              </a:lnSpc>
+              <a:spcBef>
+                <a:spcPts val="500"/>
+              </a:spcBef>
+              <a:buFont typeface="Arial" panose="020B0604020202020204" pitchFamily="34" charset="0"/>
+              <a:buChar char="•"/>
+              <a:defRPr sz="1800" kern="1200">
+                <a:solidFill>
+                  <a:schemeClr val="tx1"/>
+                </a:solidFill>
+                <a:latin typeface="+mn-lt"/>
+                <a:ea typeface="+mn-ea"/>
+                <a:cs typeface="+mn-cs"/>
+              </a:defRPr>
+            </a:lvl7pPr>
+            <a:lvl8pPr marL="3429000" indent="-228600" algn="l" defTabSz="914400" rtl="0" eaLnBrk="1" latinLnBrk="0" hangingPunct="1">
+              <a:lnSpc>
+                <a:spcPct val="90000"/>
+              </a:lnSpc>
+              <a:spcBef>
+                <a:spcPts val="500"/>
+              </a:spcBef>
+              <a:buFont typeface="Arial" panose="020B0604020202020204" pitchFamily="34" charset="0"/>
+              <a:buChar char="•"/>
+              <a:defRPr sz="1800" kern="1200">
+                <a:solidFill>
+                  <a:schemeClr val="tx1"/>
+                </a:solidFill>
+                <a:latin typeface="+mn-lt"/>
+                <a:ea typeface="+mn-ea"/>
+                <a:cs typeface="+mn-cs"/>
+              </a:defRPr>
+            </a:lvl8pPr>
+            <a:lvl9pPr marL="3886200" indent="-228600" algn="l" defTabSz="914400" rtl="0" eaLnBrk="1" latinLnBrk="0" hangingPunct="1">
+              <a:lnSpc>
+                <a:spcPct val="90000"/>
+              </a:lnSpc>
+              <a:spcBef>
+                <a:spcPts val="500"/>
+              </a:spcBef>
+              <a:buFont typeface="Arial" panose="020B0604020202020204" pitchFamily="34" charset="0"/>
+              <a:buChar char="•"/>
+              <a:defRPr sz="1800" kern="1200">
+                <a:solidFill>
+                  <a:schemeClr val="tx1"/>
+                </a:solidFill>
+                <a:latin typeface="+mn-lt"/>
+                <a:ea typeface="+mn-ea"/>
+                <a:cs typeface="+mn-cs"/>
+              </a:defRPr>
+            </a:lvl9pPr>
+          </a:lstStyle>
+          <a:p>
+            <a:pPr marL="0" indent="0">
+              <a:buNone/>
+            </a:pPr>
+            <a:r>
+              <a:rPr lang="pt-BR" sz="4800" dirty="0"/>
+              <a:t>	 </a:t>
+            </a:r>
+            <a:endParaRPr lang="pt-BR" sz="4800" dirty="0"/>
+          </a:p>
+          <a:p>
+            <a:pPr marL="742950" indent="-742950">
+              <a:buFont typeface="+mj-lt"/>
+              <a:buAutoNum type="arabicPeriod"/>
+            </a:pPr>
+            <a:endParaRPr lang="pt-BR" sz="4400" dirty="0"/>
+          </a:p>
+          <a:p>
             <a:pPr marL="742950" indent="-742950">
               <a:buFont typeface="+mj-lt"/>
               <a:buAutoNum type="arabicPeriod"/>
@@ -7105,35 +7842,11 @@
             </a:lvl9pPr>
           </a:lstStyle>
           <a:p>
-            <a:pPr algn="just"/>
             <a:r>
               <a:rPr lang="pt-BR" sz="4400" dirty="0"/>
-              <a:t> Para gerar uma nova população, se fez necessário ter um elitismo de </a:t>
-            </a:r>
-            <a:r>
-              <a:rPr lang="pt-BR" sz="4400" b="1" dirty="0"/>
-              <a:t>dois </a:t>
-            </a:r>
-            <a:r>
-              <a:rPr lang="pt-BR" sz="4400" dirty="0"/>
-              <a:t>indivíduos, pois esses indivíduos mais aptos que outros, estavam sendo perdidos.</a:t>
-            </a:r>
-          </a:p>
-          <a:p>
-            <a:pPr algn="just"/>
-            <a:endParaRPr lang="pt-BR" sz="4400" b="1" dirty="0"/>
-          </a:p>
-          <a:p>
-            <a:pPr algn="just"/>
-            <a:r>
-              <a:rPr lang="pt-BR" sz="4400" b="1" dirty="0"/>
-              <a:t> </a:t>
-            </a:r>
-            <a:r>
-              <a:rPr lang="pt-BR" sz="4400" dirty="0"/>
-              <a:t>Após o elitismo, fazemos a seleção de forma aleatória para o Cross-Over.</a:t>
-            </a:r>
-            <a:endParaRPr lang="pt-BR" sz="4400" b="1" dirty="0"/>
+              <a:t> Na criação dos indivíduos, todos eles vêm com uma aptidão de 100, e quando eles estão sendo avaliados, há uma penalização.</a:t>
+            </a:r>
+            <a:endParaRPr lang="pt-BR" sz="4400" dirty="0"/>
           </a:p>
         </p:txBody>
       </p:sp>
@@ -7142,10 +7855,342 @@
   <p:clrMapOvr>
     <a:masterClrMapping/>
   </p:clrMapOvr>
+  <p:timing>
+    <p:tnLst>
+      <p:par>
+        <p:cTn id="1" dur="indefinite" restart="never" nodeType="tmRoot">
+          <p:childTnLst>
+            <p:seq concurrent="1" nextAc="seek">
+              <p:cTn id="2" dur="indefinite" nodeType="mainSeq">
+                <p:childTnLst>
+                  <p:par>
+                    <p:cTn id="3" fill="hold">
+                      <p:stCondLst>
+                        <p:cond delay="indefinite"/>
+                      </p:stCondLst>
+                      <p:childTnLst>
+                        <p:par>
+                          <p:cTn id="4" fill="hold">
+                            <p:stCondLst>
+                              <p:cond delay="0"/>
+                            </p:stCondLst>
+                            <p:childTnLst>
+                              <p:par>
+                                <p:cTn id="5" presetID="1" presetClass="entr" presetSubtype="0" fill="hold" nodeType="clickEffect">
+                                  <p:stCondLst>
+                                    <p:cond delay="0"/>
+                                  </p:stCondLst>
+                                  <p:childTnLst>
+                                    <p:set>
+                                      <p:cBhvr>
+                                        <p:cTn id="6" dur="1" fill="hold">
+                                          <p:stCondLst>
+                                            <p:cond delay="0"/>
+                                          </p:stCondLst>
+                                        </p:cTn>
+                                        <p:tgtEl>
+                                          <p:spTgt spid="3">
+                                            <p:txEl>
+                                              <p:pRg st="0" end="0"/>
+                                            </p:txEl>
+                                          </p:spTgt>
+                                        </p:tgtEl>
+                                        <p:attrNameLst>
+                                          <p:attrName>style.visibility</p:attrName>
+                                        </p:attrNameLst>
+                                      </p:cBhvr>
+                                      <p:to>
+                                        <p:strVal val="visible"/>
+                                      </p:to>
+                                    </p:set>
+                                  </p:childTnLst>
+                                </p:cTn>
+                              </p:par>
+                            </p:childTnLst>
+                          </p:cTn>
+                        </p:par>
+                      </p:childTnLst>
+                    </p:cTn>
+                  </p:par>
+                </p:childTnLst>
+              </p:cTn>
+              <p:prevCondLst>
+                <p:cond evt="onPrev" delay="0">
+                  <p:tgtEl>
+                    <p:sldTgt/>
+                  </p:tgtEl>
+                </p:cond>
+              </p:prevCondLst>
+              <p:nextCondLst>
+                <p:cond evt="onNext" delay="0">
+                  <p:tgtEl>
+                    <p:sldTgt/>
+                  </p:tgtEl>
+                </p:cond>
+              </p:nextCondLst>
+            </p:seq>
+          </p:childTnLst>
+        </p:cTn>
+      </p:par>
+    </p:tnLst>
+  </p:timing>
 </p:sld>
 </file>
 
-<file path=ppt/slides/slide16.xml><?xml version="1.0" encoding="utf-8"?>
+<file path=ppt/slides/slide17.xml><?xml version="1.0" encoding="utf-8"?>
+<p:sld xmlns:a="http://schemas.openxmlformats.org/drawingml/2006/main" xmlns:r="http://schemas.openxmlformats.org/officeDocument/2006/relationships" xmlns:p="http://schemas.openxmlformats.org/presentationml/2006/main">
+  <p:cSld>
+    <p:spTree>
+      <p:nvGrpSpPr>
+        <p:cNvPr id="1" name=""/>
+        <p:cNvGrpSpPr/>
+        <p:nvPr/>
+      </p:nvGrpSpPr>
+      <p:grpSpPr>
+        <a:xfrm>
+          <a:off x="0" y="0"/>
+          <a:ext cx="0" cy="0"/>
+          <a:chOff x="0" y="0"/>
+          <a:chExt cx="0" cy="0"/>
+        </a:xfrm>
+      </p:grpSpPr>
+      <p:sp>
+        <p:nvSpPr>
+          <p:cNvPr id="2" name="Título 1"/>
+          <p:cNvSpPr txBox="1"/>
+          <p:nvPr/>
+        </p:nvSpPr>
+        <p:spPr>
+          <a:xfrm>
+            <a:off x="838200" y="506437"/>
+            <a:ext cx="10515600" cy="970671"/>
+          </a:xfrm>
+          <a:prstGeom prst="rect">
+            <a:avLst/>
+          </a:prstGeom>
+        </p:spPr>
+        <p:txBody>
+          <a:bodyPr>
+            <a:noAutofit/>
+          </a:bodyPr>
+          <a:lstStyle>
+            <a:lvl1pPr algn="l" defTabSz="914400" rtl="0" eaLnBrk="1" latinLnBrk="0" hangingPunct="1">
+              <a:lnSpc>
+                <a:spcPct val="90000"/>
+              </a:lnSpc>
+              <a:spcBef>
+                <a:spcPct val="0"/>
+              </a:spcBef>
+              <a:buNone/>
+              <a:defRPr sz="4400" kern="1200">
+                <a:solidFill>
+                  <a:schemeClr val="tx1"/>
+                </a:solidFill>
+                <a:latin typeface="+mj-lt"/>
+                <a:ea typeface="+mj-ea"/>
+                <a:cs typeface="+mj-cs"/>
+              </a:defRPr>
+            </a:lvl1pPr>
+          </a:lstStyle>
+          <a:p>
+            <a:pPr algn="ctr"/>
+            <a:r>
+              <a:rPr lang="pt-BR" sz="5400" b="1" dirty="0">
+                <a:solidFill>
+                  <a:srgbClr val="049BE6"/>
+                </a:solidFill>
+                <a:latin typeface="+mn-lt"/>
+              </a:rPr>
+              <a:t>Avaliar os indivíduos</a:t>
+            </a:r>
+            <a:endParaRPr lang="pt-BR" sz="5400" b="1" dirty="0">
+              <a:solidFill>
+                <a:srgbClr val="049BE6"/>
+              </a:solidFill>
+              <a:latin typeface="+mn-lt"/>
+            </a:endParaRPr>
+          </a:p>
+        </p:txBody>
+      </p:sp>
+      <p:pic>
+        <p:nvPicPr>
+          <p:cNvPr id="5" name="Imagem 4"/>
+          <p:cNvPicPr>
+            <a:picLocks noChangeAspect="1"/>
+          </p:cNvPicPr>
+          <p:nvPr/>
+        </p:nvPicPr>
+        <p:blipFill>
+          <a:blip r:embed="rId1"/>
+          <a:srcRect l="13174" t="44787" r="32948" b="47400"/>
+          <a:stretch>
+            <a:fillRect/>
+          </a:stretch>
+        </p:blipFill>
+        <p:spPr>
+          <a:xfrm>
+            <a:off x="255270" y="1485900"/>
+            <a:ext cx="11680825" cy="952500"/>
+          </a:xfrm>
+          <a:prstGeom prst="rect">
+            <a:avLst/>
+          </a:prstGeom>
+        </p:spPr>
+      </p:pic>
+      <p:pic>
+        <p:nvPicPr>
+          <p:cNvPr id="6" name="Imagem 5"/>
+          <p:cNvPicPr>
+            <a:picLocks noChangeAspect="1"/>
+          </p:cNvPicPr>
+          <p:nvPr/>
+        </p:nvPicPr>
+        <p:blipFill>
+          <a:blip r:embed="rId2"/>
+          <a:srcRect l="13028" t="32286" r="27383" b="31774"/>
+          <a:stretch>
+            <a:fillRect/>
+          </a:stretch>
+        </p:blipFill>
+        <p:spPr>
+          <a:xfrm>
+            <a:off x="420370" y="2626995"/>
+            <a:ext cx="11351895" cy="3850005"/>
+          </a:xfrm>
+          <a:prstGeom prst="rect">
+            <a:avLst/>
+          </a:prstGeom>
+        </p:spPr>
+      </p:pic>
+    </p:spTree>
+  </p:cSld>
+  <p:clrMapOvr>
+    <a:masterClrMapping/>
+  </p:clrMapOvr>
+  <p:timing>
+    <p:tnLst>
+      <p:par>
+        <p:cTn id="1" dur="indefinite" restart="never" nodeType="tmRoot">
+          <p:childTnLst>
+            <p:seq concurrent="1" nextAc="seek">
+              <p:cTn id="2" dur="indefinite" nodeType="mainSeq">
+                <p:childTnLst>
+                  <p:par>
+                    <p:cTn id="3" fill="hold">
+                      <p:stCondLst>
+                        <p:cond delay="indefinite"/>
+                      </p:stCondLst>
+                      <p:childTnLst>
+                        <p:par>
+                          <p:cTn id="4" fill="hold">
+                            <p:stCondLst>
+                              <p:cond delay="0"/>
+                            </p:stCondLst>
+                            <p:childTnLst>
+                              <p:par>
+                                <p:cTn id="5" presetID="1" presetClass="entr" presetSubtype="0" fill="hold" nodeType="clickEffect">
+                                  <p:stCondLst>
+                                    <p:cond delay="0"/>
+                                  </p:stCondLst>
+                                  <p:childTnLst>
+                                    <p:set>
+                                      <p:cBhvr>
+                                        <p:cTn id="6" dur="1" fill="hold">
+                                          <p:stCondLst>
+                                            <p:cond delay="0"/>
+                                          </p:stCondLst>
+                                        </p:cTn>
+                                        <p:tgtEl>
+                                          <p:spTgt spid="5"/>
+                                        </p:tgtEl>
+                                        <p:attrNameLst>
+                                          <p:attrName>style.visibility</p:attrName>
+                                        </p:attrNameLst>
+                                      </p:cBhvr>
+                                      <p:to>
+                                        <p:strVal val="visible"/>
+                                      </p:to>
+                                    </p:set>
+                                  </p:childTnLst>
+                                </p:cTn>
+                              </p:par>
+                            </p:childTnLst>
+                          </p:cTn>
+                        </p:par>
+                      </p:childTnLst>
+                    </p:cTn>
+                  </p:par>
+                  <p:par>
+                    <p:cTn id="7" fill="hold">
+                      <p:stCondLst>
+                        <p:cond delay="indefinite"/>
+                      </p:stCondLst>
+                      <p:childTnLst>
+                        <p:par>
+                          <p:cTn id="8" fill="hold">
+                            <p:stCondLst>
+                              <p:cond delay="0"/>
+                            </p:stCondLst>
+                            <p:childTnLst>
+                              <p:par>
+                                <p:cTn id="9" presetID="1" presetClass="entr" presetSubtype="0" fill="hold" nodeType="clickEffect">
+                                  <p:stCondLst>
+                                    <p:cond delay="0"/>
+                                  </p:stCondLst>
+                                  <p:childTnLst>
+                                    <p:set>
+                                      <p:cBhvr>
+                                        <p:cTn id="10" dur="1" fill="hold">
+                                          <p:stCondLst>
+                                            <p:cond delay="0"/>
+                                          </p:stCondLst>
+                                        </p:cTn>
+                                        <p:tgtEl>
+                                          <p:spTgt spid="6"/>
+                                        </p:tgtEl>
+                                        <p:attrNameLst>
+                                          <p:attrName>style.visibility</p:attrName>
+                                        </p:attrNameLst>
+                                      </p:cBhvr>
+                                      <p:to>
+                                        <p:strVal val="visible"/>
+                                      </p:to>
+                                    </p:set>
+                                  </p:childTnLst>
+                                </p:cTn>
+                              </p:par>
+                            </p:childTnLst>
+                          </p:cTn>
+                        </p:par>
+                      </p:childTnLst>
+                    </p:cTn>
+                  </p:par>
+                </p:childTnLst>
+              </p:cTn>
+              <p:prevCondLst>
+                <p:cond evt="onPrev" delay="0">
+                  <p:tgtEl>
+                    <p:sldTgt/>
+                  </p:tgtEl>
+                </p:cond>
+              </p:prevCondLst>
+              <p:nextCondLst>
+                <p:cond evt="onNext" delay="0">
+                  <p:tgtEl>
+                    <p:sldTgt/>
+                  </p:tgtEl>
+                </p:cond>
+              </p:nextCondLst>
+            </p:seq>
+          </p:childTnLst>
+        </p:cTn>
+      </p:par>
+    </p:tnLst>
+  </p:timing>
+</p:sld>
+</file>
+
+<file path=ppt/slides/slide18.xml><?xml version="1.0" encoding="utf-8"?>
 <p:sld xmlns:a="http://schemas.openxmlformats.org/drawingml/2006/main" xmlns:r="http://schemas.openxmlformats.org/officeDocument/2006/relationships" xmlns:p="http://schemas.openxmlformats.org/presentationml/2006/main">
   <p:cSld>
     <p:spTree>
@@ -7211,6 +8256,12 @@
               </a:rPr>
               <a:t>Seleção dos Indivíduos para o Cross-Over</a:t>
             </a:r>
+            <a:endParaRPr lang="pt-BR" sz="4800" b="1" dirty="0">
+              <a:solidFill>
+                <a:srgbClr val="049BE6"/>
+              </a:solidFill>
+              <a:latin typeface="+mn-lt"/>
+            </a:endParaRPr>
           </a:p>
         </p:txBody>
       </p:sp>
@@ -7423,7 +8474,7 @@
         </p:spPr>
         <p:txBody>
           <a:bodyPr>
-            <a:normAutofit lnSpcReduction="10000"/>
+            <a:normAutofit/>
           </a:bodyPr>
           <a:lstStyle>
             <a:lvl1pPr marL="228600" indent="-228600" algn="l" defTabSz="914400" rtl="0" eaLnBrk="1" latinLnBrk="0" hangingPunct="1">
@@ -7593,51 +8644,37 @@
             <a:pPr algn="just"/>
             <a:r>
               <a:rPr lang="pt-BR" sz="4400" dirty="0"/>
-              <a:t> A forma de seleção que foi utiliza foi, a roleta:</a:t>
-            </a:r>
-          </a:p>
-          <a:p>
-            <a:pPr lvl="1" algn="just"/>
-            <a:r>
-              <a:rPr lang="pt-BR" sz="4000" b="1" dirty="0"/>
+              <a:t> Para gerar uma nova população, se fez necessário ter um elitismo de </a:t>
+            </a:r>
+            <a:r>
+              <a:rPr lang="pt-BR" sz="4400" b="1" dirty="0"/>
+              <a:t>dois </a:t>
+            </a:r>
+            <a:r>
+              <a:rPr lang="pt-BR" sz="4400" dirty="0"/>
+              <a:t>indivíduos, pois esses indivíduos mais aptos que outros, estavam sendo perdidos.</a:t>
+            </a:r>
+            <a:endParaRPr lang="pt-BR" sz="4400" dirty="0"/>
+          </a:p>
+          <a:p>
+            <a:pPr algn="just"/>
+            <a:endParaRPr lang="pt-BR" sz="4400" b="1" dirty="0"/>
+          </a:p>
+          <a:p>
+            <a:pPr algn="just"/>
+            <a:r>
+              <a:rPr lang="pt-BR" sz="4400" b="1" dirty="0"/>
               <a:t> </a:t>
             </a:r>
             <a:r>
-              <a:rPr lang="pt-BR" sz="4000" dirty="0"/>
-              <a:t>1 passo: somamos o total da aptidão daquela geração.</a:t>
-            </a:r>
-          </a:p>
-          <a:p>
-            <a:pPr lvl="1" algn="just"/>
-            <a:r>
-              <a:rPr lang="pt-BR" sz="4000" b="1" dirty="0"/>
-              <a:t> </a:t>
-            </a:r>
-            <a:r>
-              <a:rPr lang="pt-BR" sz="4000" dirty="0"/>
-              <a:t>2 passo: obter um número aleatório entre 0 e o total do item anterior.</a:t>
-            </a:r>
-          </a:p>
-          <a:p>
-            <a:pPr lvl="1" algn="just"/>
-            <a:r>
-              <a:rPr lang="pt-BR" sz="4000" b="1" dirty="0"/>
-              <a:t> </a:t>
-            </a:r>
-            <a:r>
-              <a:rPr lang="pt-BR" sz="4000" dirty="0"/>
-              <a:t>3 passo: testar se a aptidão do individuo atual, somado com as dos anteriores, é maior ou igual que o valor aleatório obtido no item anterior.</a:t>
-            </a:r>
-            <a:endParaRPr lang="pt-BR" sz="4000" b="1" dirty="0"/>
+              <a:rPr lang="pt-BR" sz="4400" dirty="0"/>
+              <a:t>Após o elitismo, fazemos a seleção de forma aleatória para o Cross-Over.</a:t>
+            </a:r>
+            <a:endParaRPr lang="pt-BR" sz="4400" b="1" dirty="0"/>
           </a:p>
         </p:txBody>
       </p:sp>
     </p:spTree>
-    <p:extLst>
-      <p:ext uri="{BB962C8B-B14F-4D97-AF65-F5344CB8AC3E}">
-        <p14:creationId xmlns:p14="http://schemas.microsoft.com/office/powerpoint/2010/main" val="1722853732"/>
-      </p:ext>
-    </p:extLst>
   </p:cSld>
   <p:clrMapOvr>
     <a:masterClrMapping/>
@@ -7645,7 +8682,7 @@
 </p:sld>
 </file>
 
-<file path=ppt/slides/slide17.xml><?xml version="1.0" encoding="utf-8"?>
+<file path=ppt/slides/slide19.xml><?xml version="1.0" encoding="utf-8"?>
 <p:sld xmlns:a="http://schemas.openxmlformats.org/drawingml/2006/main" xmlns:r="http://schemas.openxmlformats.org/officeDocument/2006/relationships" xmlns:p="http://schemas.openxmlformats.org/presentationml/2006/main">
   <p:cSld>
     <p:spTree>
@@ -7711,6 +8748,12 @@
               </a:rPr>
               <a:t>Seleção dos Indivíduos para o Cross-Over</a:t>
             </a:r>
+            <a:endParaRPr lang="pt-BR" sz="4800" b="1" dirty="0">
+              <a:solidFill>
+                <a:srgbClr val="049BE6"/>
+              </a:solidFill>
+              <a:latin typeface="+mn-lt"/>
+            </a:endParaRPr>
           </a:p>
         </p:txBody>
       </p:sp>
@@ -7923,7 +8966,7 @@
         </p:spPr>
         <p:txBody>
           <a:bodyPr>
-            <a:normAutofit/>
+            <a:normAutofit lnSpcReduction="10000"/>
           </a:bodyPr>
           <a:lstStyle>
             <a:lvl1pPr marL="228600" indent="-228600" algn="l" defTabSz="914400" rtl="0" eaLnBrk="1" latinLnBrk="0" hangingPunct="1">
@@ -8093,891 +9136,49 @@
             <a:pPr algn="just"/>
             <a:r>
               <a:rPr lang="pt-BR" sz="4400" dirty="0"/>
-              <a:t> Por fim, o Cross-Over é feito da seguinte forma:</a:t>
-            </a:r>
+              <a:t> A forma de seleção que foi utiliza foi, a roleta:</a:t>
+            </a:r>
+            <a:endParaRPr lang="pt-BR" sz="4400" dirty="0"/>
           </a:p>
           <a:p>
             <a:pPr lvl="1" algn="just"/>
             <a:r>
+              <a:rPr lang="pt-BR" sz="4000" b="1" dirty="0"/>
+              <a:t> </a:t>
+            </a:r>
+            <a:r>
               <a:rPr lang="pt-BR" sz="4000" dirty="0"/>
-              <a:t> Exemplo: </a:t>
+              <a:t>1 passo: somamos o total da aptidão daquela geração.</a:t>
+            </a:r>
+            <a:endParaRPr lang="pt-BR" sz="4000" dirty="0"/>
+          </a:p>
+          <a:p>
+            <a:pPr lvl="1" algn="just"/>
+            <a:r>
+              <a:rPr lang="pt-BR" sz="4000" b="1" dirty="0"/>
+              <a:t> </a:t>
+            </a:r>
+            <a:r>
+              <a:rPr lang="pt-BR" sz="4000" dirty="0"/>
+              <a:t>2 passo: obter um número aleatório entre 0 e o total do item anterior.</a:t>
+            </a:r>
+            <a:endParaRPr lang="pt-BR" sz="4000" dirty="0"/>
+          </a:p>
+          <a:p>
+            <a:pPr lvl="1" algn="just"/>
+            <a:r>
+              <a:rPr lang="pt-BR" sz="4000" b="1" dirty="0"/>
+              <a:t> </a:t>
+            </a:r>
+            <a:r>
+              <a:rPr lang="pt-BR" sz="4000" dirty="0"/>
+              <a:t>3 passo: testar se a aptidão do individuo atual, somado com as dos anteriores, é maior ou igual que o valor aleatório obtido no item anterior.</a:t>
             </a:r>
             <a:endParaRPr lang="pt-BR" sz="4000" b="1" dirty="0"/>
-          </a:p>
-        </p:txBody>
-      </p:sp>
-      <p:pic>
-        <p:nvPicPr>
-          <p:cNvPr id="6" name="Imagem 5">
-            <a:extLst>
-              <a:ext uri="{FF2B5EF4-FFF2-40B4-BE49-F238E27FC236}">
-                <a16:creationId xmlns:a16="http://schemas.microsoft.com/office/drawing/2014/main" id="{DCD5A38B-4E83-4CED-9F59-9A2ED0955598}"/>
-              </a:ext>
-            </a:extLst>
-          </p:cNvPr>
-          <p:cNvPicPr>
-            <a:picLocks noChangeAspect="1"/>
-          </p:cNvPicPr>
-          <p:nvPr/>
-        </p:nvPicPr>
-        <p:blipFill>
-          <a:blip r:embed="rId2">
-            <a:extLst>
-              <a:ext uri="{28A0092B-C50C-407E-A947-70E740481C1C}">
-                <a14:useLocalDpi xmlns:a14="http://schemas.microsoft.com/office/drawing/2010/main" val="0"/>
-              </a:ext>
-            </a:extLst>
-          </a:blip>
-          <a:stretch>
-            <a:fillRect/>
-          </a:stretch>
-        </p:blipFill>
-        <p:spPr>
-          <a:xfrm>
-            <a:off x="6248399" y="2810885"/>
-            <a:ext cx="3230452" cy="1760039"/>
-          </a:xfrm>
-          <a:prstGeom prst="rect">
-            <a:avLst/>
-          </a:prstGeom>
-        </p:spPr>
-      </p:pic>
-      <p:pic>
-        <p:nvPicPr>
-          <p:cNvPr id="8" name="Imagem 7">
-            <a:extLst>
-              <a:ext uri="{FF2B5EF4-FFF2-40B4-BE49-F238E27FC236}">
-                <a16:creationId xmlns:a16="http://schemas.microsoft.com/office/drawing/2014/main" id="{11BD8856-CF52-4D10-B920-B284D23969F4}"/>
-              </a:ext>
-            </a:extLst>
-          </p:cNvPr>
-          <p:cNvPicPr>
-            <a:picLocks noChangeAspect="1"/>
-          </p:cNvPicPr>
-          <p:nvPr/>
-        </p:nvPicPr>
-        <p:blipFill>
-          <a:blip r:embed="rId3">
-            <a:extLst>
-              <a:ext uri="{28A0092B-C50C-407E-A947-70E740481C1C}">
-                <a14:useLocalDpi xmlns:a14="http://schemas.microsoft.com/office/drawing/2010/main" val="0"/>
-              </a:ext>
-            </a:extLst>
-          </a:blip>
-          <a:stretch>
-            <a:fillRect/>
-          </a:stretch>
-        </p:blipFill>
-        <p:spPr>
-          <a:xfrm>
-            <a:off x="6248399" y="4841599"/>
-            <a:ext cx="3230452" cy="1760039"/>
-          </a:xfrm>
-          <a:prstGeom prst="rect">
-            <a:avLst/>
-          </a:prstGeom>
-        </p:spPr>
-      </p:pic>
-      <p:pic>
-        <p:nvPicPr>
-          <p:cNvPr id="10" name="Imagem 9">
-            <a:extLst>
-              <a:ext uri="{FF2B5EF4-FFF2-40B4-BE49-F238E27FC236}">
-                <a16:creationId xmlns:a16="http://schemas.microsoft.com/office/drawing/2014/main" id="{A3E54C0B-C461-406D-BE07-8FFAE7D43E6B}"/>
-              </a:ext>
-            </a:extLst>
-          </p:cNvPr>
-          <p:cNvPicPr>
-            <a:picLocks noChangeAspect="1"/>
-          </p:cNvPicPr>
-          <p:nvPr/>
-        </p:nvPicPr>
-        <p:blipFill>
-          <a:blip r:embed="rId4">
-            <a:extLst>
-              <a:ext uri="{28A0092B-C50C-407E-A947-70E740481C1C}">
-                <a14:useLocalDpi xmlns:a14="http://schemas.microsoft.com/office/drawing/2010/main" val="0"/>
-              </a:ext>
-            </a:extLst>
-          </a:blip>
-          <a:stretch>
-            <a:fillRect/>
-          </a:stretch>
-        </p:blipFill>
-        <p:spPr>
-          <a:xfrm>
-            <a:off x="1067898" y="3206121"/>
-            <a:ext cx="3001826" cy="1635478"/>
-          </a:xfrm>
-          <a:prstGeom prst="rect">
-            <a:avLst/>
-          </a:prstGeom>
-        </p:spPr>
-      </p:pic>
-      <p:pic>
-        <p:nvPicPr>
-          <p:cNvPr id="12" name="Imagem 11">
-            <a:extLst>
-              <a:ext uri="{FF2B5EF4-FFF2-40B4-BE49-F238E27FC236}">
-                <a16:creationId xmlns:a16="http://schemas.microsoft.com/office/drawing/2014/main" id="{227F3E29-45C6-4318-A7FC-C56D8AD7C94D}"/>
-              </a:ext>
-            </a:extLst>
-          </p:cNvPr>
-          <p:cNvPicPr>
-            <a:picLocks noChangeAspect="1"/>
-          </p:cNvPicPr>
-          <p:nvPr/>
-        </p:nvPicPr>
-        <p:blipFill>
-          <a:blip r:embed="rId5">
-            <a:extLst>
-              <a:ext uri="{28A0092B-C50C-407E-A947-70E740481C1C}">
-                <a14:useLocalDpi xmlns:a14="http://schemas.microsoft.com/office/drawing/2010/main" val="0"/>
-              </a:ext>
-            </a:extLst>
-          </a:blip>
-          <a:stretch>
-            <a:fillRect/>
-          </a:stretch>
-        </p:blipFill>
-        <p:spPr>
-          <a:xfrm>
-            <a:off x="1067898" y="5097486"/>
-            <a:ext cx="3001826" cy="1635478"/>
-          </a:xfrm>
-          <a:prstGeom prst="rect">
-            <a:avLst/>
-          </a:prstGeom>
-        </p:spPr>
-      </p:pic>
-      <p:cxnSp>
-        <p:nvCxnSpPr>
-          <p:cNvPr id="14" name="Conector de Seta Reta 13">
-            <a:extLst>
-              <a:ext uri="{FF2B5EF4-FFF2-40B4-BE49-F238E27FC236}">
-                <a16:creationId xmlns:a16="http://schemas.microsoft.com/office/drawing/2014/main" id="{35B58BAC-702C-454D-9A01-AC131A22AC01}"/>
-              </a:ext>
-            </a:extLst>
-          </p:cNvPr>
-          <p:cNvCxnSpPr>
-            <a:cxnSpLocks/>
-          </p:cNvCxnSpPr>
-          <p:nvPr/>
-        </p:nvCxnSpPr>
-        <p:spPr>
-          <a:xfrm flipV="1">
-            <a:off x="4288665" y="2942823"/>
-            <a:ext cx="1807335" cy="486177"/>
-          </a:xfrm>
-          <a:prstGeom prst="straightConnector1">
-            <a:avLst/>
-          </a:prstGeom>
-          <a:ln>
-            <a:tailEnd type="triangle"/>
-          </a:ln>
-        </p:spPr>
-        <p:style>
-          <a:lnRef idx="1">
-            <a:schemeClr val="accent1"/>
-          </a:lnRef>
-          <a:fillRef idx="0">
-            <a:schemeClr val="accent1"/>
-          </a:fillRef>
-          <a:effectRef idx="0">
-            <a:schemeClr val="accent1"/>
-          </a:effectRef>
-          <a:fontRef idx="minor">
-            <a:schemeClr val="tx1"/>
-          </a:fontRef>
-        </p:style>
-      </p:cxnSp>
-      <p:cxnSp>
-        <p:nvCxnSpPr>
-          <p:cNvPr id="16" name="Conector de Seta Reta 15">
-            <a:extLst>
-              <a:ext uri="{FF2B5EF4-FFF2-40B4-BE49-F238E27FC236}">
-                <a16:creationId xmlns:a16="http://schemas.microsoft.com/office/drawing/2014/main" id="{664391E7-9704-4DAA-B980-226EEB089846}"/>
-              </a:ext>
-            </a:extLst>
-          </p:cNvPr>
-          <p:cNvCxnSpPr>
-            <a:cxnSpLocks/>
-          </p:cNvCxnSpPr>
-          <p:nvPr/>
-        </p:nvCxnSpPr>
-        <p:spPr>
-          <a:xfrm flipV="1">
-            <a:off x="4288665" y="3915178"/>
-            <a:ext cx="1654937" cy="412123"/>
-          </a:xfrm>
-          <a:prstGeom prst="straightConnector1">
-            <a:avLst/>
-          </a:prstGeom>
-          <a:ln>
-            <a:tailEnd type="triangle"/>
-          </a:ln>
-        </p:spPr>
-        <p:style>
-          <a:lnRef idx="1">
-            <a:schemeClr val="accent1"/>
-          </a:lnRef>
-          <a:fillRef idx="0">
-            <a:schemeClr val="accent1"/>
-          </a:fillRef>
-          <a:effectRef idx="0">
-            <a:schemeClr val="accent1"/>
-          </a:effectRef>
-          <a:fontRef idx="minor">
-            <a:schemeClr val="tx1"/>
-          </a:fontRef>
-        </p:style>
-      </p:cxnSp>
-      <p:cxnSp>
-        <p:nvCxnSpPr>
-          <p:cNvPr id="21" name="Conector de Seta Reta 20">
-            <a:extLst>
-              <a:ext uri="{FF2B5EF4-FFF2-40B4-BE49-F238E27FC236}">
-                <a16:creationId xmlns:a16="http://schemas.microsoft.com/office/drawing/2014/main" id="{20679384-3E24-43C7-9A72-FB0FEB3B89D5}"/>
-              </a:ext>
-            </a:extLst>
-          </p:cNvPr>
-          <p:cNvCxnSpPr/>
-          <p:nvPr/>
-        </p:nvCxnSpPr>
-        <p:spPr>
-          <a:xfrm flipV="1">
-            <a:off x="4172755" y="3429000"/>
-            <a:ext cx="1923245" cy="2289220"/>
-          </a:xfrm>
-          <a:prstGeom prst="straightConnector1">
-            <a:avLst/>
-          </a:prstGeom>
-          <a:ln>
-            <a:tailEnd type="triangle"/>
-          </a:ln>
-        </p:spPr>
-        <p:style>
-          <a:lnRef idx="1">
-            <a:schemeClr val="accent1"/>
-          </a:lnRef>
-          <a:fillRef idx="0">
-            <a:schemeClr val="accent1"/>
-          </a:fillRef>
-          <a:effectRef idx="0">
-            <a:schemeClr val="accent1"/>
-          </a:effectRef>
-          <a:fontRef idx="minor">
-            <a:schemeClr val="tx1"/>
-          </a:fontRef>
-        </p:style>
-      </p:cxnSp>
-      <p:cxnSp>
-        <p:nvCxnSpPr>
-          <p:cNvPr id="23" name="Conector de Seta Reta 22">
-            <a:extLst>
-              <a:ext uri="{FF2B5EF4-FFF2-40B4-BE49-F238E27FC236}">
-                <a16:creationId xmlns:a16="http://schemas.microsoft.com/office/drawing/2014/main" id="{7ED85F3F-6B4D-4247-B33D-209E493CD2D0}"/>
-              </a:ext>
-            </a:extLst>
-          </p:cNvPr>
-          <p:cNvCxnSpPr/>
-          <p:nvPr/>
-        </p:nvCxnSpPr>
-        <p:spPr>
-          <a:xfrm flipV="1">
-            <a:off x="4159876" y="4327301"/>
-            <a:ext cx="1936124" cy="2268102"/>
-          </a:xfrm>
-          <a:prstGeom prst="straightConnector1">
-            <a:avLst/>
-          </a:prstGeom>
-          <a:ln>
-            <a:tailEnd type="triangle"/>
-          </a:ln>
-        </p:spPr>
-        <p:style>
-          <a:lnRef idx="1">
-            <a:schemeClr val="accent1"/>
-          </a:lnRef>
-          <a:fillRef idx="0">
-            <a:schemeClr val="accent1"/>
-          </a:fillRef>
-          <a:effectRef idx="0">
-            <a:schemeClr val="accent1"/>
-          </a:effectRef>
-          <a:fontRef idx="minor">
-            <a:schemeClr val="tx1"/>
-          </a:fontRef>
-        </p:style>
-      </p:cxnSp>
-      <p:cxnSp>
-        <p:nvCxnSpPr>
-          <p:cNvPr id="25" name="Conector de Seta Reta 24">
-            <a:extLst>
-              <a:ext uri="{FF2B5EF4-FFF2-40B4-BE49-F238E27FC236}">
-                <a16:creationId xmlns:a16="http://schemas.microsoft.com/office/drawing/2014/main" id="{91C0CA7F-B1D3-43A7-B446-64C39C86C4C1}"/>
-              </a:ext>
-            </a:extLst>
-          </p:cNvPr>
-          <p:cNvCxnSpPr/>
-          <p:nvPr/>
-        </p:nvCxnSpPr>
-        <p:spPr>
-          <a:xfrm>
-            <a:off x="4172755" y="3825025"/>
-            <a:ext cx="1923245" cy="1584102"/>
-          </a:xfrm>
-          <a:prstGeom prst="straightConnector1">
-            <a:avLst/>
-          </a:prstGeom>
-          <a:ln>
-            <a:tailEnd type="triangle"/>
-          </a:ln>
-        </p:spPr>
-        <p:style>
-          <a:lnRef idx="1">
-            <a:schemeClr val="accent1"/>
-          </a:lnRef>
-          <a:fillRef idx="0">
-            <a:schemeClr val="accent1"/>
-          </a:fillRef>
-          <a:effectRef idx="0">
-            <a:schemeClr val="accent1"/>
-          </a:effectRef>
-          <a:fontRef idx="minor">
-            <a:schemeClr val="tx1"/>
-          </a:fontRef>
-        </p:style>
-      </p:cxnSp>
-      <p:cxnSp>
-        <p:nvCxnSpPr>
-          <p:cNvPr id="27" name="Conector de Seta Reta 26">
-            <a:extLst>
-              <a:ext uri="{FF2B5EF4-FFF2-40B4-BE49-F238E27FC236}">
-                <a16:creationId xmlns:a16="http://schemas.microsoft.com/office/drawing/2014/main" id="{30DE45DF-0BE3-4A63-B206-1FA61E286DA6}"/>
-              </a:ext>
-            </a:extLst>
-          </p:cNvPr>
-          <p:cNvCxnSpPr/>
-          <p:nvPr/>
-        </p:nvCxnSpPr>
-        <p:spPr>
-          <a:xfrm>
-            <a:off x="4159876" y="4687910"/>
-            <a:ext cx="2088523" cy="1755093"/>
-          </a:xfrm>
-          <a:prstGeom prst="straightConnector1">
-            <a:avLst/>
-          </a:prstGeom>
-          <a:ln>
-            <a:tailEnd type="triangle"/>
-          </a:ln>
-        </p:spPr>
-        <p:style>
-          <a:lnRef idx="1">
-            <a:schemeClr val="accent1"/>
-          </a:lnRef>
-          <a:fillRef idx="0">
-            <a:schemeClr val="accent1"/>
-          </a:fillRef>
-          <a:effectRef idx="0">
-            <a:schemeClr val="accent1"/>
-          </a:effectRef>
-          <a:fontRef idx="minor">
-            <a:schemeClr val="tx1"/>
-          </a:fontRef>
-        </p:style>
-      </p:cxnSp>
-      <p:cxnSp>
-        <p:nvCxnSpPr>
-          <p:cNvPr id="29" name="Conector de Seta Reta 28">
-            <a:extLst>
-              <a:ext uri="{FF2B5EF4-FFF2-40B4-BE49-F238E27FC236}">
-                <a16:creationId xmlns:a16="http://schemas.microsoft.com/office/drawing/2014/main" id="{87DC7B87-213D-4C90-8AB1-C822E5ACFF87}"/>
-              </a:ext>
-            </a:extLst>
-          </p:cNvPr>
-          <p:cNvCxnSpPr/>
-          <p:nvPr/>
-        </p:nvCxnSpPr>
-        <p:spPr>
-          <a:xfrm flipV="1">
-            <a:off x="4159876" y="4971245"/>
-            <a:ext cx="1936124" cy="270456"/>
-          </a:xfrm>
-          <a:prstGeom prst="straightConnector1">
-            <a:avLst/>
-          </a:prstGeom>
-          <a:ln>
-            <a:tailEnd type="triangle"/>
-          </a:ln>
-        </p:spPr>
-        <p:style>
-          <a:lnRef idx="1">
-            <a:schemeClr val="accent1"/>
-          </a:lnRef>
-          <a:fillRef idx="0">
-            <a:schemeClr val="accent1"/>
-          </a:fillRef>
-          <a:effectRef idx="0">
-            <a:schemeClr val="accent1"/>
-          </a:effectRef>
-          <a:fontRef idx="minor">
-            <a:schemeClr val="tx1"/>
-          </a:fontRef>
-        </p:style>
-      </p:cxnSp>
-      <p:cxnSp>
-        <p:nvCxnSpPr>
-          <p:cNvPr id="31" name="Conector de Seta Reta 30">
-            <a:extLst>
-              <a:ext uri="{FF2B5EF4-FFF2-40B4-BE49-F238E27FC236}">
-                <a16:creationId xmlns:a16="http://schemas.microsoft.com/office/drawing/2014/main" id="{1E8A3474-9D4D-4DD4-920F-87BE83932B8F}"/>
-              </a:ext>
-            </a:extLst>
-          </p:cNvPr>
-          <p:cNvCxnSpPr/>
-          <p:nvPr/>
-        </p:nvCxnSpPr>
-        <p:spPr>
-          <a:xfrm flipV="1">
-            <a:off x="4159876" y="5898524"/>
-            <a:ext cx="1936124" cy="244699"/>
-          </a:xfrm>
-          <a:prstGeom prst="straightConnector1">
-            <a:avLst/>
-          </a:prstGeom>
-          <a:ln>
-            <a:tailEnd type="triangle"/>
-          </a:ln>
-        </p:spPr>
-        <p:style>
-          <a:lnRef idx="1">
-            <a:schemeClr val="accent1"/>
-          </a:lnRef>
-          <a:fillRef idx="0">
-            <a:schemeClr val="accent1"/>
-          </a:fillRef>
-          <a:effectRef idx="0">
-            <a:schemeClr val="accent1"/>
-          </a:effectRef>
-          <a:fontRef idx="minor">
-            <a:schemeClr val="tx1"/>
-          </a:fontRef>
-        </p:style>
-      </p:cxnSp>
-    </p:spTree>
-    <p:extLst>
-      <p:ext uri="{BB962C8B-B14F-4D97-AF65-F5344CB8AC3E}">
-        <p14:creationId xmlns:p14="http://schemas.microsoft.com/office/powerpoint/2010/main" val="1987510146"/>
-      </p:ext>
-    </p:extLst>
-  </p:cSld>
-  <p:clrMapOvr>
-    <a:masterClrMapping/>
-  </p:clrMapOvr>
-</p:sld>
-</file>
-
-<file path=ppt/slides/slide18.xml><?xml version="1.0" encoding="utf-8"?>
-<p:sld xmlns:a="http://schemas.openxmlformats.org/drawingml/2006/main" xmlns:r="http://schemas.openxmlformats.org/officeDocument/2006/relationships" xmlns:p="http://schemas.openxmlformats.org/presentationml/2006/main">
-  <p:cSld>
-    <p:spTree>
-      <p:nvGrpSpPr>
-        <p:cNvPr id="1" name=""/>
-        <p:cNvGrpSpPr/>
-        <p:nvPr/>
-      </p:nvGrpSpPr>
-      <p:grpSpPr>
-        <a:xfrm>
-          <a:off x="0" y="0"/>
-          <a:ext cx="0" cy="0"/>
-          <a:chOff x="0" y="0"/>
-          <a:chExt cx="0" cy="0"/>
-        </a:xfrm>
-      </p:grpSpPr>
-      <p:sp>
-        <p:nvSpPr>
-          <p:cNvPr id="2" name="Título 1"/>
-          <p:cNvSpPr txBox="1"/>
-          <p:nvPr/>
-        </p:nvSpPr>
-        <p:spPr>
-          <a:xfrm>
-            <a:off x="655906" y="2943664"/>
-            <a:ext cx="10880188" cy="970671"/>
-          </a:xfrm>
-          <a:prstGeom prst="rect">
-            <a:avLst/>
-          </a:prstGeom>
-        </p:spPr>
-        <p:txBody>
-          <a:bodyPr>
-            <a:noAutofit/>
-          </a:bodyPr>
-          <a:lstStyle>
-            <a:lvl1pPr algn="l" defTabSz="914400" rtl="0" eaLnBrk="1" latinLnBrk="0" hangingPunct="1">
-              <a:lnSpc>
-                <a:spcPct val="90000"/>
-              </a:lnSpc>
-              <a:spcBef>
-                <a:spcPct val="0"/>
-              </a:spcBef>
-              <a:buNone/>
-              <a:defRPr sz="4400" kern="1200">
-                <a:solidFill>
-                  <a:schemeClr val="tx1"/>
-                </a:solidFill>
-                <a:latin typeface="+mj-lt"/>
-                <a:ea typeface="+mj-ea"/>
-                <a:cs typeface="+mj-cs"/>
-              </a:defRPr>
-            </a:lvl1pPr>
-          </a:lstStyle>
-          <a:p>
-            <a:pPr algn="ctr"/>
-            <a:r>
-              <a:rPr lang="pt-BR" sz="9600" b="1" dirty="0">
-                <a:solidFill>
-                  <a:srgbClr val="049BE6"/>
-                </a:solidFill>
-                <a:latin typeface="+mn-lt"/>
-              </a:rPr>
-              <a:t>Resultados Obtidos</a:t>
-            </a:r>
           </a:p>
         </p:txBody>
       </p:sp>
     </p:spTree>
-    <p:extLst>
-      <p:ext uri="{BB962C8B-B14F-4D97-AF65-F5344CB8AC3E}">
-        <p14:creationId xmlns:p14="http://schemas.microsoft.com/office/powerpoint/2010/main" val="1998419429"/>
-      </p:ext>
-    </p:extLst>
-  </p:cSld>
-  <p:clrMapOvr>
-    <a:masterClrMapping/>
-  </p:clrMapOvr>
-</p:sld>
-</file>
-
-<file path=ppt/slides/slide19.xml><?xml version="1.0" encoding="utf-8"?>
-<p:sld xmlns:a="http://schemas.openxmlformats.org/drawingml/2006/main" xmlns:r="http://schemas.openxmlformats.org/officeDocument/2006/relationships" xmlns:p="http://schemas.openxmlformats.org/presentationml/2006/main">
-  <p:cSld>
-    <p:spTree>
-      <p:nvGrpSpPr>
-        <p:cNvPr id="1" name=""/>
-        <p:cNvGrpSpPr/>
-        <p:nvPr/>
-      </p:nvGrpSpPr>
-      <p:grpSpPr>
-        <a:xfrm>
-          <a:off x="0" y="0"/>
-          <a:ext cx="0" cy="0"/>
-          <a:chOff x="0" y="0"/>
-          <a:chExt cx="0" cy="0"/>
-        </a:xfrm>
-      </p:grpSpPr>
-      <p:sp>
-        <p:nvSpPr>
-          <p:cNvPr id="2" name="Título 1"/>
-          <p:cNvSpPr txBox="1"/>
-          <p:nvPr/>
-        </p:nvSpPr>
-        <p:spPr>
-          <a:xfrm>
-            <a:off x="655906" y="496679"/>
-            <a:ext cx="10880188" cy="970671"/>
-          </a:xfrm>
-          <a:prstGeom prst="rect">
-            <a:avLst/>
-          </a:prstGeom>
-        </p:spPr>
-        <p:txBody>
-          <a:bodyPr>
-            <a:noAutofit/>
-          </a:bodyPr>
-          <a:lstStyle>
-            <a:lvl1pPr algn="l" defTabSz="914400" rtl="0" eaLnBrk="1" latinLnBrk="0" hangingPunct="1">
-              <a:lnSpc>
-                <a:spcPct val="90000"/>
-              </a:lnSpc>
-              <a:spcBef>
-                <a:spcPct val="0"/>
-              </a:spcBef>
-              <a:buNone/>
-              <a:defRPr sz="4400" kern="1200">
-                <a:solidFill>
-                  <a:schemeClr val="tx1"/>
-                </a:solidFill>
-                <a:latin typeface="+mj-lt"/>
-                <a:ea typeface="+mj-ea"/>
-                <a:cs typeface="+mj-cs"/>
-              </a:defRPr>
-            </a:lvl1pPr>
-          </a:lstStyle>
-          <a:p>
-            <a:pPr algn="ctr"/>
-            <a:r>
-              <a:rPr lang="pt-BR" sz="6600" b="1" dirty="0">
-                <a:solidFill>
-                  <a:srgbClr val="049BE6"/>
-                </a:solidFill>
-                <a:latin typeface="+mn-lt"/>
-              </a:rPr>
-              <a:t>Teste com 700 indivíduos</a:t>
-            </a:r>
-          </a:p>
-        </p:txBody>
-      </p:sp>
-      <p:sp>
-        <p:nvSpPr>
-          <p:cNvPr id="3" name="Espaço Reservado para Conteúdo 2">
-            <a:extLst>
-              <a:ext uri="{FF2B5EF4-FFF2-40B4-BE49-F238E27FC236}">
-                <a16:creationId xmlns:a16="http://schemas.microsoft.com/office/drawing/2014/main" id="{1CD36C4C-0C50-4D05-93FE-129DE55BE56A}"/>
-              </a:ext>
-            </a:extLst>
-          </p:cNvPr>
-          <p:cNvSpPr txBox="1"/>
-          <p:nvPr/>
-        </p:nvSpPr>
-        <p:spPr>
-          <a:xfrm>
-            <a:off x="473612" y="1882726"/>
-            <a:ext cx="11549575" cy="4712677"/>
-          </a:xfrm>
-          <a:prstGeom prst="rect">
-            <a:avLst/>
-          </a:prstGeom>
-        </p:spPr>
-        <p:txBody>
-          <a:bodyPr>
-            <a:normAutofit/>
-          </a:bodyPr>
-          <a:lstStyle>
-            <a:lvl1pPr marL="228600" indent="-228600" algn="l" defTabSz="914400" rtl="0" eaLnBrk="1" latinLnBrk="0" hangingPunct="1">
-              <a:lnSpc>
-                <a:spcPct val="90000"/>
-              </a:lnSpc>
-              <a:spcBef>
-                <a:spcPts val="1000"/>
-              </a:spcBef>
-              <a:buFont typeface="Arial" panose="020B0604020202020204" pitchFamily="34" charset="0"/>
-              <a:buChar char="•"/>
-              <a:defRPr sz="2800" kern="1200">
-                <a:solidFill>
-                  <a:schemeClr val="tx1"/>
-                </a:solidFill>
-                <a:latin typeface="+mn-lt"/>
-                <a:ea typeface="+mn-ea"/>
-                <a:cs typeface="+mn-cs"/>
-              </a:defRPr>
-            </a:lvl1pPr>
-            <a:lvl2pPr marL="685800" indent="-228600" algn="l" defTabSz="914400" rtl="0" eaLnBrk="1" latinLnBrk="0" hangingPunct="1">
-              <a:lnSpc>
-                <a:spcPct val="90000"/>
-              </a:lnSpc>
-              <a:spcBef>
-                <a:spcPts val="500"/>
-              </a:spcBef>
-              <a:buFont typeface="Arial" panose="020B0604020202020204" pitchFamily="34" charset="0"/>
-              <a:buChar char="•"/>
-              <a:defRPr sz="2400" kern="1200">
-                <a:solidFill>
-                  <a:schemeClr val="tx1"/>
-                </a:solidFill>
-                <a:latin typeface="+mn-lt"/>
-                <a:ea typeface="+mn-ea"/>
-                <a:cs typeface="+mn-cs"/>
-              </a:defRPr>
-            </a:lvl2pPr>
-            <a:lvl3pPr marL="1143000" indent="-228600" algn="l" defTabSz="914400" rtl="0" eaLnBrk="1" latinLnBrk="0" hangingPunct="1">
-              <a:lnSpc>
-                <a:spcPct val="90000"/>
-              </a:lnSpc>
-              <a:spcBef>
-                <a:spcPts val="500"/>
-              </a:spcBef>
-              <a:buFont typeface="Arial" panose="020B0604020202020204" pitchFamily="34" charset="0"/>
-              <a:buChar char="•"/>
-              <a:defRPr sz="2000" kern="1200">
-                <a:solidFill>
-                  <a:schemeClr val="tx1"/>
-                </a:solidFill>
-                <a:latin typeface="+mn-lt"/>
-                <a:ea typeface="+mn-ea"/>
-                <a:cs typeface="+mn-cs"/>
-              </a:defRPr>
-            </a:lvl3pPr>
-            <a:lvl4pPr marL="1600200" indent="-228600" algn="l" defTabSz="914400" rtl="0" eaLnBrk="1" latinLnBrk="0" hangingPunct="1">
-              <a:lnSpc>
-                <a:spcPct val="90000"/>
-              </a:lnSpc>
-              <a:spcBef>
-                <a:spcPts val="500"/>
-              </a:spcBef>
-              <a:buFont typeface="Arial" panose="020B0604020202020204" pitchFamily="34" charset="0"/>
-              <a:buChar char="•"/>
-              <a:defRPr sz="1800" kern="1200">
-                <a:solidFill>
-                  <a:schemeClr val="tx1"/>
-                </a:solidFill>
-                <a:latin typeface="+mn-lt"/>
-                <a:ea typeface="+mn-ea"/>
-                <a:cs typeface="+mn-cs"/>
-              </a:defRPr>
-            </a:lvl4pPr>
-            <a:lvl5pPr marL="2057400" indent="-228600" algn="l" defTabSz="914400" rtl="0" eaLnBrk="1" latinLnBrk="0" hangingPunct="1">
-              <a:lnSpc>
-                <a:spcPct val="90000"/>
-              </a:lnSpc>
-              <a:spcBef>
-                <a:spcPts val="500"/>
-              </a:spcBef>
-              <a:buFont typeface="Arial" panose="020B0604020202020204" pitchFamily="34" charset="0"/>
-              <a:buChar char="•"/>
-              <a:defRPr sz="1800" kern="1200">
-                <a:solidFill>
-                  <a:schemeClr val="tx1"/>
-                </a:solidFill>
-                <a:latin typeface="+mn-lt"/>
-                <a:ea typeface="+mn-ea"/>
-                <a:cs typeface="+mn-cs"/>
-              </a:defRPr>
-            </a:lvl5pPr>
-            <a:lvl6pPr marL="2514600" indent="-228600" algn="l" defTabSz="914400" rtl="0" eaLnBrk="1" latinLnBrk="0" hangingPunct="1">
-              <a:lnSpc>
-                <a:spcPct val="90000"/>
-              </a:lnSpc>
-              <a:spcBef>
-                <a:spcPts val="500"/>
-              </a:spcBef>
-              <a:buFont typeface="Arial" panose="020B0604020202020204" pitchFamily="34" charset="0"/>
-              <a:buChar char="•"/>
-              <a:defRPr sz="1800" kern="1200">
-                <a:solidFill>
-                  <a:schemeClr val="tx1"/>
-                </a:solidFill>
-                <a:latin typeface="+mn-lt"/>
-                <a:ea typeface="+mn-ea"/>
-                <a:cs typeface="+mn-cs"/>
-              </a:defRPr>
-            </a:lvl6pPr>
-            <a:lvl7pPr marL="2971800" indent="-228600" algn="l" defTabSz="914400" rtl="0" eaLnBrk="1" latinLnBrk="0" hangingPunct="1">
-              <a:lnSpc>
-                <a:spcPct val="90000"/>
-              </a:lnSpc>
-              <a:spcBef>
-                <a:spcPts val="500"/>
-              </a:spcBef>
-              <a:buFont typeface="Arial" panose="020B0604020202020204" pitchFamily="34" charset="0"/>
-              <a:buChar char="•"/>
-              <a:defRPr sz="1800" kern="1200">
-                <a:solidFill>
-                  <a:schemeClr val="tx1"/>
-                </a:solidFill>
-                <a:latin typeface="+mn-lt"/>
-                <a:ea typeface="+mn-ea"/>
-                <a:cs typeface="+mn-cs"/>
-              </a:defRPr>
-            </a:lvl7pPr>
-            <a:lvl8pPr marL="3429000" indent="-228600" algn="l" defTabSz="914400" rtl="0" eaLnBrk="1" latinLnBrk="0" hangingPunct="1">
-              <a:lnSpc>
-                <a:spcPct val="90000"/>
-              </a:lnSpc>
-              <a:spcBef>
-                <a:spcPts val="500"/>
-              </a:spcBef>
-              <a:buFont typeface="Arial" panose="020B0604020202020204" pitchFamily="34" charset="0"/>
-              <a:buChar char="•"/>
-              <a:defRPr sz="1800" kern="1200">
-                <a:solidFill>
-                  <a:schemeClr val="tx1"/>
-                </a:solidFill>
-                <a:latin typeface="+mn-lt"/>
-                <a:ea typeface="+mn-ea"/>
-                <a:cs typeface="+mn-cs"/>
-              </a:defRPr>
-            </a:lvl8pPr>
-            <a:lvl9pPr marL="3886200" indent="-228600" algn="l" defTabSz="914400" rtl="0" eaLnBrk="1" latinLnBrk="0" hangingPunct="1">
-              <a:lnSpc>
-                <a:spcPct val="90000"/>
-              </a:lnSpc>
-              <a:spcBef>
-                <a:spcPts val="500"/>
-              </a:spcBef>
-              <a:buFont typeface="Arial" panose="020B0604020202020204" pitchFamily="34" charset="0"/>
-              <a:buChar char="•"/>
-              <a:defRPr sz="1800" kern="1200">
-                <a:solidFill>
-                  <a:schemeClr val="tx1"/>
-                </a:solidFill>
-                <a:latin typeface="+mn-lt"/>
-                <a:ea typeface="+mn-ea"/>
-                <a:cs typeface="+mn-cs"/>
-              </a:defRPr>
-            </a:lvl9pPr>
-          </a:lstStyle>
-          <a:p>
-            <a:pPr marL="0" indent="0" algn="just">
-              <a:buNone/>
-            </a:pPr>
-            <a:r>
-              <a:rPr lang="pt-BR" sz="4400" dirty="0">
-                <a:latin typeface="Times New Roman" panose="02020603050405020304" pitchFamily="18" charset="0"/>
-                <a:cs typeface="Times New Roman" panose="02020603050405020304" pitchFamily="18" charset="0"/>
-              </a:rPr>
-              <a:t> </a:t>
-            </a:r>
-          </a:p>
-          <a:p>
-            <a:pPr algn="just"/>
-            <a:r>
-              <a:rPr lang="pt-BR" sz="4400" dirty="0">
-                <a:latin typeface="Times New Roman" panose="02020603050405020304" pitchFamily="18" charset="0"/>
-                <a:cs typeface="Times New Roman" panose="02020603050405020304" pitchFamily="18" charset="0"/>
-              </a:rPr>
-              <a:t>Tempo de Processamento: </a:t>
-            </a:r>
-            <a:r>
-              <a:rPr lang="pt-BR" sz="4400" dirty="0"/>
-              <a:t>00:01:40.4181342</a:t>
-            </a:r>
-            <a:endParaRPr lang="pt-BR" sz="4400" dirty="0">
-              <a:latin typeface="Times New Roman" panose="02020603050405020304" pitchFamily="18" charset="0"/>
-              <a:cs typeface="Times New Roman" panose="02020603050405020304" pitchFamily="18" charset="0"/>
-            </a:endParaRPr>
-          </a:p>
-          <a:p>
-            <a:pPr algn="just"/>
-            <a:endParaRPr lang="pt-BR" sz="4400" dirty="0">
-              <a:latin typeface="Times New Roman" panose="02020603050405020304" pitchFamily="18" charset="0"/>
-              <a:cs typeface="Times New Roman" panose="02020603050405020304" pitchFamily="18" charset="0"/>
-            </a:endParaRPr>
-          </a:p>
-          <a:p>
-            <a:pPr algn="just"/>
-            <a:r>
-              <a:rPr lang="pt-BR" sz="4400" dirty="0">
-                <a:latin typeface="Times New Roman" panose="02020603050405020304" pitchFamily="18" charset="0"/>
-                <a:cs typeface="Times New Roman" panose="02020603050405020304" pitchFamily="18" charset="0"/>
-              </a:rPr>
-              <a:t> Com apenas 2 gerações foi gerado 1 indivíduo com aptidão 90.</a:t>
-            </a:r>
-            <a:endParaRPr lang="pt-BR" sz="6000" b="1" dirty="0">
-              <a:latin typeface="Times New Roman" panose="02020603050405020304" pitchFamily="18" charset="0"/>
-              <a:cs typeface="Times New Roman" panose="02020603050405020304" pitchFamily="18" charset="0"/>
-            </a:endParaRPr>
-          </a:p>
-        </p:txBody>
-      </p:sp>
-    </p:spTree>
-    <p:extLst>
-      <p:ext uri="{BB962C8B-B14F-4D97-AF65-F5344CB8AC3E}">
-        <p14:creationId xmlns:p14="http://schemas.microsoft.com/office/powerpoint/2010/main" val="2852500761"/>
-      </p:ext>
-    </p:extLst>
   </p:cSld>
   <p:clrMapOvr>
     <a:masterClrMapping/>
@@ -9011,7 +9212,7 @@
           <p:nvPr/>
         </p:nvPicPr>
         <p:blipFill>
-          <a:blip r:embed="rId2">
+          <a:blip r:embed="rId1">
             <a:extLst>
               <a:ext uri="{28A0092B-C50C-407E-A947-70E740481C1C}">
                 <a14:useLocalDpi xmlns:a14="http://schemas.microsoft.com/office/drawing/2010/main" val="0"/>
@@ -9105,15 +9306,813 @@
           <a:chExt cx="0" cy="0"/>
         </a:xfrm>
       </p:grpSpPr>
+      <p:sp>
+        <p:nvSpPr>
+          <p:cNvPr id="2" name="Título 1"/>
+          <p:cNvSpPr txBox="1"/>
+          <p:nvPr/>
+        </p:nvSpPr>
+        <p:spPr>
+          <a:xfrm>
+            <a:off x="473612" y="506437"/>
+            <a:ext cx="10880188" cy="970671"/>
+          </a:xfrm>
+          <a:prstGeom prst="rect">
+            <a:avLst/>
+          </a:prstGeom>
+        </p:spPr>
+        <p:txBody>
+          <a:bodyPr>
+            <a:noAutofit/>
+          </a:bodyPr>
+          <a:lstStyle>
+            <a:lvl1pPr algn="l" defTabSz="914400" rtl="0" eaLnBrk="1" latinLnBrk="0" hangingPunct="1">
+              <a:lnSpc>
+                <a:spcPct val="90000"/>
+              </a:lnSpc>
+              <a:spcBef>
+                <a:spcPct val="0"/>
+              </a:spcBef>
+              <a:buNone/>
+              <a:defRPr sz="4400" kern="1200">
+                <a:solidFill>
+                  <a:schemeClr val="tx1"/>
+                </a:solidFill>
+                <a:latin typeface="+mj-lt"/>
+                <a:ea typeface="+mj-ea"/>
+                <a:cs typeface="+mj-cs"/>
+              </a:defRPr>
+            </a:lvl1pPr>
+          </a:lstStyle>
+          <a:p>
+            <a:pPr algn="ctr"/>
+            <a:r>
+              <a:rPr lang="pt-BR" sz="4800" b="1" dirty="0">
+                <a:solidFill>
+                  <a:srgbClr val="049BE6"/>
+                </a:solidFill>
+                <a:latin typeface="+mn-lt"/>
+              </a:rPr>
+              <a:t>Seleção dos Indivíduos para o Cross-Over</a:t>
+            </a:r>
+            <a:endParaRPr lang="pt-BR" sz="4800" b="1" dirty="0">
+              <a:solidFill>
+                <a:srgbClr val="049BE6"/>
+              </a:solidFill>
+              <a:latin typeface="+mn-lt"/>
+            </a:endParaRPr>
+          </a:p>
+        </p:txBody>
+      </p:sp>
       <p:pic>
         <p:nvPicPr>
-          <p:cNvPr id="3" name="Imagem 2">
+          <p:cNvPr id="5" name="Imagem 4"/>
+          <p:cNvPicPr>
+            <a:picLocks noChangeAspect="1"/>
+          </p:cNvPicPr>
+          <p:nvPr/>
+        </p:nvPicPr>
+        <p:blipFill>
+          <a:blip r:embed="rId1"/>
+          <a:srcRect l="13174" t="44006" r="32508" b="50786"/>
+          <a:stretch>
+            <a:fillRect/>
+          </a:stretch>
+        </p:blipFill>
+        <p:spPr>
+          <a:xfrm>
+            <a:off x="338455" y="1477645"/>
+            <a:ext cx="11514455" cy="780415"/>
+          </a:xfrm>
+          <a:prstGeom prst="rect">
+            <a:avLst/>
+          </a:prstGeom>
+        </p:spPr>
+      </p:pic>
+      <p:pic>
+        <p:nvPicPr>
+          <p:cNvPr id="6" name="Imagem 5"/>
+          <p:cNvPicPr>
+            <a:picLocks noChangeAspect="1"/>
+          </p:cNvPicPr>
+          <p:nvPr/>
+        </p:nvPicPr>
+        <p:blipFill>
+          <a:blip r:embed="rId2"/>
+          <a:srcRect l="9660" t="42695" r="43170" b="52609"/>
+          <a:stretch>
+            <a:fillRect/>
+          </a:stretch>
+        </p:blipFill>
+        <p:spPr>
+          <a:xfrm>
+            <a:off x="220345" y="2695575"/>
+            <a:ext cx="11862435" cy="779780"/>
+          </a:xfrm>
+          <a:prstGeom prst="rect">
+            <a:avLst/>
+          </a:prstGeom>
+        </p:spPr>
+      </p:pic>
+      <p:pic>
+        <p:nvPicPr>
+          <p:cNvPr id="7" name="Imagem 6"/>
+          <p:cNvPicPr>
+            <a:picLocks noChangeAspect="1"/>
+          </p:cNvPicPr>
+          <p:nvPr/>
+        </p:nvPicPr>
+        <p:blipFill>
+          <a:blip r:embed="rId2"/>
+          <a:srcRect l="9660" t="32546" r="28994" b="57463"/>
+          <a:stretch>
+            <a:fillRect/>
+          </a:stretch>
+        </p:blipFill>
+        <p:spPr>
+          <a:xfrm>
+            <a:off x="46990" y="4194175"/>
+            <a:ext cx="12035790" cy="1294130"/>
+          </a:xfrm>
+          <a:prstGeom prst="rect">
+            <a:avLst/>
+          </a:prstGeom>
+        </p:spPr>
+      </p:pic>
+    </p:spTree>
+  </p:cSld>
+  <p:clrMapOvr>
+    <a:masterClrMapping/>
+  </p:clrMapOvr>
+  <p:timing>
+    <p:tnLst>
+      <p:par>
+        <p:cTn id="1" dur="indefinite" restart="never" nodeType="tmRoot">
+          <p:childTnLst>
+            <p:seq concurrent="1" nextAc="seek">
+              <p:cTn id="2" dur="indefinite" nodeType="mainSeq">
+                <p:childTnLst>
+                  <p:par>
+                    <p:cTn id="3" fill="hold">
+                      <p:stCondLst>
+                        <p:cond delay="indefinite"/>
+                      </p:stCondLst>
+                      <p:childTnLst>
+                        <p:par>
+                          <p:cTn id="4" fill="hold">
+                            <p:stCondLst>
+                              <p:cond delay="0"/>
+                            </p:stCondLst>
+                            <p:childTnLst>
+                              <p:par>
+                                <p:cTn id="5" presetID="1" presetClass="entr" presetSubtype="0" fill="hold" nodeType="clickEffect">
+                                  <p:stCondLst>
+                                    <p:cond delay="0"/>
+                                  </p:stCondLst>
+                                  <p:childTnLst>
+                                    <p:set>
+                                      <p:cBhvr>
+                                        <p:cTn id="6" dur="1" fill="hold">
+                                          <p:stCondLst>
+                                            <p:cond delay="0"/>
+                                          </p:stCondLst>
+                                        </p:cTn>
+                                        <p:tgtEl>
+                                          <p:spTgt spid="5"/>
+                                        </p:tgtEl>
+                                        <p:attrNameLst>
+                                          <p:attrName>style.visibility</p:attrName>
+                                        </p:attrNameLst>
+                                      </p:cBhvr>
+                                      <p:to>
+                                        <p:strVal val="visible"/>
+                                      </p:to>
+                                    </p:set>
+                                  </p:childTnLst>
+                                </p:cTn>
+                              </p:par>
+                            </p:childTnLst>
+                          </p:cTn>
+                        </p:par>
+                      </p:childTnLst>
+                    </p:cTn>
+                  </p:par>
+                  <p:par>
+                    <p:cTn id="7" fill="hold">
+                      <p:stCondLst>
+                        <p:cond delay="indefinite"/>
+                      </p:stCondLst>
+                      <p:childTnLst>
+                        <p:par>
+                          <p:cTn id="8" fill="hold">
+                            <p:stCondLst>
+                              <p:cond delay="0"/>
+                            </p:stCondLst>
+                            <p:childTnLst>
+                              <p:par>
+                                <p:cTn id="9" presetID="1" presetClass="entr" presetSubtype="0" fill="hold" nodeType="clickEffect">
+                                  <p:stCondLst>
+                                    <p:cond delay="0"/>
+                                  </p:stCondLst>
+                                  <p:childTnLst>
+                                    <p:set>
+                                      <p:cBhvr>
+                                        <p:cTn id="10" dur="1" fill="hold">
+                                          <p:stCondLst>
+                                            <p:cond delay="0"/>
+                                          </p:stCondLst>
+                                        </p:cTn>
+                                        <p:tgtEl>
+                                          <p:spTgt spid="6"/>
+                                        </p:tgtEl>
+                                        <p:attrNameLst>
+                                          <p:attrName>style.visibility</p:attrName>
+                                        </p:attrNameLst>
+                                      </p:cBhvr>
+                                      <p:to>
+                                        <p:strVal val="visible"/>
+                                      </p:to>
+                                    </p:set>
+                                  </p:childTnLst>
+                                </p:cTn>
+                              </p:par>
+                            </p:childTnLst>
+                          </p:cTn>
+                        </p:par>
+                      </p:childTnLst>
+                    </p:cTn>
+                  </p:par>
+                  <p:par>
+                    <p:cTn id="11" fill="hold">
+                      <p:stCondLst>
+                        <p:cond delay="indefinite"/>
+                      </p:stCondLst>
+                      <p:childTnLst>
+                        <p:par>
+                          <p:cTn id="12" fill="hold">
+                            <p:stCondLst>
+                              <p:cond delay="0"/>
+                            </p:stCondLst>
+                            <p:childTnLst>
+                              <p:par>
+                                <p:cTn id="13" presetID="1" presetClass="entr" presetSubtype="0" fill="hold" nodeType="clickEffect">
+                                  <p:stCondLst>
+                                    <p:cond delay="0"/>
+                                  </p:stCondLst>
+                                  <p:childTnLst>
+                                    <p:set>
+                                      <p:cBhvr>
+                                        <p:cTn id="14" dur="1" fill="hold">
+                                          <p:stCondLst>
+                                            <p:cond delay="0"/>
+                                          </p:stCondLst>
+                                        </p:cTn>
+                                        <p:tgtEl>
+                                          <p:spTgt spid="7"/>
+                                        </p:tgtEl>
+                                        <p:attrNameLst>
+                                          <p:attrName>style.visibility</p:attrName>
+                                        </p:attrNameLst>
+                                      </p:cBhvr>
+                                      <p:to>
+                                        <p:strVal val="visible"/>
+                                      </p:to>
+                                    </p:set>
+                                  </p:childTnLst>
+                                </p:cTn>
+                              </p:par>
+                            </p:childTnLst>
+                          </p:cTn>
+                        </p:par>
+                      </p:childTnLst>
+                    </p:cTn>
+                  </p:par>
+                </p:childTnLst>
+              </p:cTn>
+              <p:prevCondLst>
+                <p:cond evt="onPrev" delay="0">
+                  <p:tgtEl>
+                    <p:sldTgt/>
+                  </p:tgtEl>
+                </p:cond>
+              </p:prevCondLst>
+              <p:nextCondLst>
+                <p:cond evt="onNext" delay="0">
+                  <p:tgtEl>
+                    <p:sldTgt/>
+                  </p:tgtEl>
+                </p:cond>
+              </p:nextCondLst>
+            </p:seq>
+          </p:childTnLst>
+        </p:cTn>
+      </p:par>
+    </p:tnLst>
+  </p:timing>
+</p:sld>
+</file>
+
+<file path=ppt/slides/slide21.xml><?xml version="1.0" encoding="utf-8"?>
+<p:sld xmlns:a="http://schemas.openxmlformats.org/drawingml/2006/main" xmlns:r="http://schemas.openxmlformats.org/officeDocument/2006/relationships" xmlns:p="http://schemas.openxmlformats.org/presentationml/2006/main">
+  <p:cSld>
+    <p:spTree>
+      <p:nvGrpSpPr>
+        <p:cNvPr id="1" name=""/>
+        <p:cNvGrpSpPr/>
+        <p:nvPr/>
+      </p:nvGrpSpPr>
+      <p:grpSpPr>
+        <a:xfrm>
+          <a:off x="0" y="0"/>
+          <a:ext cx="0" cy="0"/>
+          <a:chOff x="0" y="0"/>
+          <a:chExt cx="0" cy="0"/>
+        </a:xfrm>
+      </p:grpSpPr>
+      <p:sp>
+        <p:nvSpPr>
+          <p:cNvPr id="2" name="Título 1"/>
+          <p:cNvSpPr txBox="1"/>
+          <p:nvPr/>
+        </p:nvSpPr>
+        <p:spPr>
+          <a:xfrm>
+            <a:off x="473612" y="506437"/>
+            <a:ext cx="10880188" cy="970671"/>
+          </a:xfrm>
+          <a:prstGeom prst="rect">
+            <a:avLst/>
+          </a:prstGeom>
+        </p:spPr>
+        <p:txBody>
+          <a:bodyPr>
+            <a:noAutofit/>
+          </a:bodyPr>
+          <a:lstStyle>
+            <a:lvl1pPr algn="l" defTabSz="914400" rtl="0" eaLnBrk="1" latinLnBrk="0" hangingPunct="1">
+              <a:lnSpc>
+                <a:spcPct val="90000"/>
+              </a:lnSpc>
+              <a:spcBef>
+                <a:spcPct val="0"/>
+              </a:spcBef>
+              <a:buNone/>
+              <a:defRPr sz="4400" kern="1200">
+                <a:solidFill>
+                  <a:schemeClr val="tx1"/>
+                </a:solidFill>
+                <a:latin typeface="+mj-lt"/>
+                <a:ea typeface="+mj-ea"/>
+                <a:cs typeface="+mj-cs"/>
+              </a:defRPr>
+            </a:lvl1pPr>
+          </a:lstStyle>
+          <a:p>
+            <a:pPr algn="ctr"/>
+            <a:r>
+              <a:rPr lang="pt-BR" sz="4800" b="1" dirty="0">
+                <a:solidFill>
+                  <a:srgbClr val="049BE6"/>
+                </a:solidFill>
+                <a:latin typeface="+mn-lt"/>
+              </a:rPr>
+              <a:t>Seleção dos Indivíduos para o Cross-Over</a:t>
+            </a:r>
+            <a:endParaRPr lang="pt-BR" sz="4800" b="1" dirty="0">
+              <a:solidFill>
+                <a:srgbClr val="049BE6"/>
+              </a:solidFill>
+              <a:latin typeface="+mn-lt"/>
+            </a:endParaRPr>
+          </a:p>
+        </p:txBody>
+      </p:sp>
+      <p:sp>
+        <p:nvSpPr>
+          <p:cNvPr id="3" name="Espaço Reservado para Conteúdo 2"/>
+          <p:cNvSpPr txBox="1"/>
+          <p:nvPr/>
+        </p:nvSpPr>
+        <p:spPr>
+          <a:xfrm>
+            <a:off x="321212" y="1730326"/>
+            <a:ext cx="11549575" cy="4712677"/>
+          </a:xfrm>
+          <a:prstGeom prst="rect">
+            <a:avLst/>
+          </a:prstGeom>
+        </p:spPr>
+        <p:txBody>
+          <a:bodyPr>
+            <a:normAutofit/>
+          </a:bodyPr>
+          <a:lstStyle>
+            <a:lvl1pPr marL="228600" indent="-228600" algn="l" defTabSz="914400" rtl="0" eaLnBrk="1" latinLnBrk="0" hangingPunct="1">
+              <a:lnSpc>
+                <a:spcPct val="90000"/>
+              </a:lnSpc>
+              <a:spcBef>
+                <a:spcPts val="1000"/>
+              </a:spcBef>
+              <a:buFont typeface="Arial" panose="020B0604020202020204" pitchFamily="34" charset="0"/>
+              <a:buChar char="•"/>
+              <a:defRPr sz="2800" kern="1200">
+                <a:solidFill>
+                  <a:schemeClr val="tx1"/>
+                </a:solidFill>
+                <a:latin typeface="+mn-lt"/>
+                <a:ea typeface="+mn-ea"/>
+                <a:cs typeface="+mn-cs"/>
+              </a:defRPr>
+            </a:lvl1pPr>
+            <a:lvl2pPr marL="685800" indent="-228600" algn="l" defTabSz="914400" rtl="0" eaLnBrk="1" latinLnBrk="0" hangingPunct="1">
+              <a:lnSpc>
+                <a:spcPct val="90000"/>
+              </a:lnSpc>
+              <a:spcBef>
+                <a:spcPts val="500"/>
+              </a:spcBef>
+              <a:buFont typeface="Arial" panose="020B0604020202020204" pitchFamily="34" charset="0"/>
+              <a:buChar char="•"/>
+              <a:defRPr sz="2400" kern="1200">
+                <a:solidFill>
+                  <a:schemeClr val="tx1"/>
+                </a:solidFill>
+                <a:latin typeface="+mn-lt"/>
+                <a:ea typeface="+mn-ea"/>
+                <a:cs typeface="+mn-cs"/>
+              </a:defRPr>
+            </a:lvl2pPr>
+            <a:lvl3pPr marL="1143000" indent="-228600" algn="l" defTabSz="914400" rtl="0" eaLnBrk="1" latinLnBrk="0" hangingPunct="1">
+              <a:lnSpc>
+                <a:spcPct val="90000"/>
+              </a:lnSpc>
+              <a:spcBef>
+                <a:spcPts val="500"/>
+              </a:spcBef>
+              <a:buFont typeface="Arial" panose="020B0604020202020204" pitchFamily="34" charset="0"/>
+              <a:buChar char="•"/>
+              <a:defRPr sz="2000" kern="1200">
+                <a:solidFill>
+                  <a:schemeClr val="tx1"/>
+                </a:solidFill>
+                <a:latin typeface="+mn-lt"/>
+                <a:ea typeface="+mn-ea"/>
+                <a:cs typeface="+mn-cs"/>
+              </a:defRPr>
+            </a:lvl3pPr>
+            <a:lvl4pPr marL="1600200" indent="-228600" algn="l" defTabSz="914400" rtl="0" eaLnBrk="1" latinLnBrk="0" hangingPunct="1">
+              <a:lnSpc>
+                <a:spcPct val="90000"/>
+              </a:lnSpc>
+              <a:spcBef>
+                <a:spcPts val="500"/>
+              </a:spcBef>
+              <a:buFont typeface="Arial" panose="020B0604020202020204" pitchFamily="34" charset="0"/>
+              <a:buChar char="•"/>
+              <a:defRPr sz="1800" kern="1200">
+                <a:solidFill>
+                  <a:schemeClr val="tx1"/>
+                </a:solidFill>
+                <a:latin typeface="+mn-lt"/>
+                <a:ea typeface="+mn-ea"/>
+                <a:cs typeface="+mn-cs"/>
+              </a:defRPr>
+            </a:lvl4pPr>
+            <a:lvl5pPr marL="2057400" indent="-228600" algn="l" defTabSz="914400" rtl="0" eaLnBrk="1" latinLnBrk="0" hangingPunct="1">
+              <a:lnSpc>
+                <a:spcPct val="90000"/>
+              </a:lnSpc>
+              <a:spcBef>
+                <a:spcPts val="500"/>
+              </a:spcBef>
+              <a:buFont typeface="Arial" panose="020B0604020202020204" pitchFamily="34" charset="0"/>
+              <a:buChar char="•"/>
+              <a:defRPr sz="1800" kern="1200">
+                <a:solidFill>
+                  <a:schemeClr val="tx1"/>
+                </a:solidFill>
+                <a:latin typeface="+mn-lt"/>
+                <a:ea typeface="+mn-ea"/>
+                <a:cs typeface="+mn-cs"/>
+              </a:defRPr>
+            </a:lvl5pPr>
+            <a:lvl6pPr marL="2514600" indent="-228600" algn="l" defTabSz="914400" rtl="0" eaLnBrk="1" latinLnBrk="0" hangingPunct="1">
+              <a:lnSpc>
+                <a:spcPct val="90000"/>
+              </a:lnSpc>
+              <a:spcBef>
+                <a:spcPts val="500"/>
+              </a:spcBef>
+              <a:buFont typeface="Arial" panose="020B0604020202020204" pitchFamily="34" charset="0"/>
+              <a:buChar char="•"/>
+              <a:defRPr sz="1800" kern="1200">
+                <a:solidFill>
+                  <a:schemeClr val="tx1"/>
+                </a:solidFill>
+                <a:latin typeface="+mn-lt"/>
+                <a:ea typeface="+mn-ea"/>
+                <a:cs typeface="+mn-cs"/>
+              </a:defRPr>
+            </a:lvl6pPr>
+            <a:lvl7pPr marL="2971800" indent="-228600" algn="l" defTabSz="914400" rtl="0" eaLnBrk="1" latinLnBrk="0" hangingPunct="1">
+              <a:lnSpc>
+                <a:spcPct val="90000"/>
+              </a:lnSpc>
+              <a:spcBef>
+                <a:spcPts val="500"/>
+              </a:spcBef>
+              <a:buFont typeface="Arial" panose="020B0604020202020204" pitchFamily="34" charset="0"/>
+              <a:buChar char="•"/>
+              <a:defRPr sz="1800" kern="1200">
+                <a:solidFill>
+                  <a:schemeClr val="tx1"/>
+                </a:solidFill>
+                <a:latin typeface="+mn-lt"/>
+                <a:ea typeface="+mn-ea"/>
+                <a:cs typeface="+mn-cs"/>
+              </a:defRPr>
+            </a:lvl7pPr>
+            <a:lvl8pPr marL="3429000" indent="-228600" algn="l" defTabSz="914400" rtl="0" eaLnBrk="1" latinLnBrk="0" hangingPunct="1">
+              <a:lnSpc>
+                <a:spcPct val="90000"/>
+              </a:lnSpc>
+              <a:spcBef>
+                <a:spcPts val="500"/>
+              </a:spcBef>
+              <a:buFont typeface="Arial" panose="020B0604020202020204" pitchFamily="34" charset="0"/>
+              <a:buChar char="•"/>
+              <a:defRPr sz="1800" kern="1200">
+                <a:solidFill>
+                  <a:schemeClr val="tx1"/>
+                </a:solidFill>
+                <a:latin typeface="+mn-lt"/>
+                <a:ea typeface="+mn-ea"/>
+                <a:cs typeface="+mn-cs"/>
+              </a:defRPr>
+            </a:lvl8pPr>
+            <a:lvl9pPr marL="3886200" indent="-228600" algn="l" defTabSz="914400" rtl="0" eaLnBrk="1" latinLnBrk="0" hangingPunct="1">
+              <a:lnSpc>
+                <a:spcPct val="90000"/>
+              </a:lnSpc>
+              <a:spcBef>
+                <a:spcPts val="500"/>
+              </a:spcBef>
+              <a:buFont typeface="Arial" panose="020B0604020202020204" pitchFamily="34" charset="0"/>
+              <a:buChar char="•"/>
+              <a:defRPr sz="1800" kern="1200">
+                <a:solidFill>
+                  <a:schemeClr val="tx1"/>
+                </a:solidFill>
+                <a:latin typeface="+mn-lt"/>
+                <a:ea typeface="+mn-ea"/>
+                <a:cs typeface="+mn-cs"/>
+              </a:defRPr>
+            </a:lvl9pPr>
+          </a:lstStyle>
+          <a:p>
+            <a:pPr marL="742950" indent="-742950">
+              <a:buFont typeface="+mj-lt"/>
+              <a:buAutoNum type="arabicPeriod"/>
+            </a:pPr>
+            <a:endParaRPr lang="pt-BR" sz="4400" dirty="0"/>
+          </a:p>
+        </p:txBody>
+      </p:sp>
+      <p:sp>
+        <p:nvSpPr>
+          <p:cNvPr id="4" name="Espaço Reservado para Conteúdo 2"/>
+          <p:cNvSpPr txBox="1"/>
+          <p:nvPr/>
+        </p:nvSpPr>
+        <p:spPr>
+          <a:xfrm>
+            <a:off x="473612" y="1882726"/>
+            <a:ext cx="11549575" cy="4712677"/>
+          </a:xfrm>
+          <a:prstGeom prst="rect">
+            <a:avLst/>
+          </a:prstGeom>
+        </p:spPr>
+        <p:txBody>
+          <a:bodyPr>
+            <a:normAutofit/>
+          </a:bodyPr>
+          <a:lstStyle>
+            <a:lvl1pPr marL="228600" indent="-228600" algn="l" defTabSz="914400" rtl="0" eaLnBrk="1" latinLnBrk="0" hangingPunct="1">
+              <a:lnSpc>
+                <a:spcPct val="90000"/>
+              </a:lnSpc>
+              <a:spcBef>
+                <a:spcPts val="1000"/>
+              </a:spcBef>
+              <a:buFont typeface="Arial" panose="020B0604020202020204" pitchFamily="34" charset="0"/>
+              <a:buChar char="•"/>
+              <a:defRPr sz="2800" kern="1200">
+                <a:solidFill>
+                  <a:schemeClr val="tx1"/>
+                </a:solidFill>
+                <a:latin typeface="+mn-lt"/>
+                <a:ea typeface="+mn-ea"/>
+                <a:cs typeface="+mn-cs"/>
+              </a:defRPr>
+            </a:lvl1pPr>
+            <a:lvl2pPr marL="685800" indent="-228600" algn="l" defTabSz="914400" rtl="0" eaLnBrk="1" latinLnBrk="0" hangingPunct="1">
+              <a:lnSpc>
+                <a:spcPct val="90000"/>
+              </a:lnSpc>
+              <a:spcBef>
+                <a:spcPts val="500"/>
+              </a:spcBef>
+              <a:buFont typeface="Arial" panose="020B0604020202020204" pitchFamily="34" charset="0"/>
+              <a:buChar char="•"/>
+              <a:defRPr sz="2400" kern="1200">
+                <a:solidFill>
+                  <a:schemeClr val="tx1"/>
+                </a:solidFill>
+                <a:latin typeface="+mn-lt"/>
+                <a:ea typeface="+mn-ea"/>
+                <a:cs typeface="+mn-cs"/>
+              </a:defRPr>
+            </a:lvl2pPr>
+            <a:lvl3pPr marL="1143000" indent="-228600" algn="l" defTabSz="914400" rtl="0" eaLnBrk="1" latinLnBrk="0" hangingPunct="1">
+              <a:lnSpc>
+                <a:spcPct val="90000"/>
+              </a:lnSpc>
+              <a:spcBef>
+                <a:spcPts val="500"/>
+              </a:spcBef>
+              <a:buFont typeface="Arial" panose="020B0604020202020204" pitchFamily="34" charset="0"/>
+              <a:buChar char="•"/>
+              <a:defRPr sz="2000" kern="1200">
+                <a:solidFill>
+                  <a:schemeClr val="tx1"/>
+                </a:solidFill>
+                <a:latin typeface="+mn-lt"/>
+                <a:ea typeface="+mn-ea"/>
+                <a:cs typeface="+mn-cs"/>
+              </a:defRPr>
+            </a:lvl3pPr>
+            <a:lvl4pPr marL="1600200" indent="-228600" algn="l" defTabSz="914400" rtl="0" eaLnBrk="1" latinLnBrk="0" hangingPunct="1">
+              <a:lnSpc>
+                <a:spcPct val="90000"/>
+              </a:lnSpc>
+              <a:spcBef>
+                <a:spcPts val="500"/>
+              </a:spcBef>
+              <a:buFont typeface="Arial" panose="020B0604020202020204" pitchFamily="34" charset="0"/>
+              <a:buChar char="•"/>
+              <a:defRPr sz="1800" kern="1200">
+                <a:solidFill>
+                  <a:schemeClr val="tx1"/>
+                </a:solidFill>
+                <a:latin typeface="+mn-lt"/>
+                <a:ea typeface="+mn-ea"/>
+                <a:cs typeface="+mn-cs"/>
+              </a:defRPr>
+            </a:lvl4pPr>
+            <a:lvl5pPr marL="2057400" indent="-228600" algn="l" defTabSz="914400" rtl="0" eaLnBrk="1" latinLnBrk="0" hangingPunct="1">
+              <a:lnSpc>
+                <a:spcPct val="90000"/>
+              </a:lnSpc>
+              <a:spcBef>
+                <a:spcPts val="500"/>
+              </a:spcBef>
+              <a:buFont typeface="Arial" panose="020B0604020202020204" pitchFamily="34" charset="0"/>
+              <a:buChar char="•"/>
+              <a:defRPr sz="1800" kern="1200">
+                <a:solidFill>
+                  <a:schemeClr val="tx1"/>
+                </a:solidFill>
+                <a:latin typeface="+mn-lt"/>
+                <a:ea typeface="+mn-ea"/>
+                <a:cs typeface="+mn-cs"/>
+              </a:defRPr>
+            </a:lvl5pPr>
+            <a:lvl6pPr marL="2514600" indent="-228600" algn="l" defTabSz="914400" rtl="0" eaLnBrk="1" latinLnBrk="0" hangingPunct="1">
+              <a:lnSpc>
+                <a:spcPct val="90000"/>
+              </a:lnSpc>
+              <a:spcBef>
+                <a:spcPts val="500"/>
+              </a:spcBef>
+              <a:buFont typeface="Arial" panose="020B0604020202020204" pitchFamily="34" charset="0"/>
+              <a:buChar char="•"/>
+              <a:defRPr sz="1800" kern="1200">
+                <a:solidFill>
+                  <a:schemeClr val="tx1"/>
+                </a:solidFill>
+                <a:latin typeface="+mn-lt"/>
+                <a:ea typeface="+mn-ea"/>
+                <a:cs typeface="+mn-cs"/>
+              </a:defRPr>
+            </a:lvl6pPr>
+            <a:lvl7pPr marL="2971800" indent="-228600" algn="l" defTabSz="914400" rtl="0" eaLnBrk="1" latinLnBrk="0" hangingPunct="1">
+              <a:lnSpc>
+                <a:spcPct val="90000"/>
+              </a:lnSpc>
+              <a:spcBef>
+                <a:spcPts val="500"/>
+              </a:spcBef>
+              <a:buFont typeface="Arial" panose="020B0604020202020204" pitchFamily="34" charset="0"/>
+              <a:buChar char="•"/>
+              <a:defRPr sz="1800" kern="1200">
+                <a:solidFill>
+                  <a:schemeClr val="tx1"/>
+                </a:solidFill>
+                <a:latin typeface="+mn-lt"/>
+                <a:ea typeface="+mn-ea"/>
+                <a:cs typeface="+mn-cs"/>
+              </a:defRPr>
+            </a:lvl7pPr>
+            <a:lvl8pPr marL="3429000" indent="-228600" algn="l" defTabSz="914400" rtl="0" eaLnBrk="1" latinLnBrk="0" hangingPunct="1">
+              <a:lnSpc>
+                <a:spcPct val="90000"/>
+              </a:lnSpc>
+              <a:spcBef>
+                <a:spcPts val="500"/>
+              </a:spcBef>
+              <a:buFont typeface="Arial" panose="020B0604020202020204" pitchFamily="34" charset="0"/>
+              <a:buChar char="•"/>
+              <a:defRPr sz="1800" kern="1200">
+                <a:solidFill>
+                  <a:schemeClr val="tx1"/>
+                </a:solidFill>
+                <a:latin typeface="+mn-lt"/>
+                <a:ea typeface="+mn-ea"/>
+                <a:cs typeface="+mn-cs"/>
+              </a:defRPr>
+            </a:lvl8pPr>
+            <a:lvl9pPr marL="3886200" indent="-228600" algn="l" defTabSz="914400" rtl="0" eaLnBrk="1" latinLnBrk="0" hangingPunct="1">
+              <a:lnSpc>
+                <a:spcPct val="90000"/>
+              </a:lnSpc>
+              <a:spcBef>
+                <a:spcPts val="500"/>
+              </a:spcBef>
+              <a:buFont typeface="Arial" panose="020B0604020202020204" pitchFamily="34" charset="0"/>
+              <a:buChar char="•"/>
+              <a:defRPr sz="1800" kern="1200">
+                <a:solidFill>
+                  <a:schemeClr val="tx1"/>
+                </a:solidFill>
+                <a:latin typeface="+mn-lt"/>
+                <a:ea typeface="+mn-ea"/>
+                <a:cs typeface="+mn-cs"/>
+              </a:defRPr>
+            </a:lvl9pPr>
+          </a:lstStyle>
+          <a:p>
+            <a:pPr algn="just"/>
+            <a:r>
+              <a:rPr lang="pt-BR" sz="4400" dirty="0"/>
+              <a:t> Por fim, o Cross-Over é feito da seguinte forma:</a:t>
+            </a:r>
+            <a:endParaRPr lang="pt-BR" sz="4400" dirty="0"/>
+          </a:p>
+          <a:p>
+            <a:pPr lvl="1" algn="just"/>
+            <a:r>
+              <a:rPr lang="pt-BR" sz="4000" dirty="0"/>
+              <a:t> Exemplo: </a:t>
+            </a:r>
+            <a:endParaRPr lang="pt-BR" sz="4000" b="1" dirty="0"/>
+          </a:p>
+        </p:txBody>
+      </p:sp>
+      <p:pic>
+        <p:nvPicPr>
+          <p:cNvPr id="6" name="Imagem 5"/>
+          <p:cNvPicPr>
+            <a:picLocks noChangeAspect="1"/>
+          </p:cNvPicPr>
+          <p:nvPr/>
+        </p:nvPicPr>
+        <p:blipFill>
+          <a:blip r:embed="rId1">
             <a:extLst>
-              <a:ext uri="{FF2B5EF4-FFF2-40B4-BE49-F238E27FC236}">
-                <a16:creationId xmlns:a16="http://schemas.microsoft.com/office/drawing/2014/main" id="{0CC6BCA1-E992-4A99-A7E5-962AF964AF46}"/>
+              <a:ext uri="{28A0092B-C50C-407E-A947-70E740481C1C}">
+                <a14:useLocalDpi xmlns:a14="http://schemas.microsoft.com/office/drawing/2010/main" val="0"/>
               </a:ext>
             </a:extLst>
-          </p:cNvPr>
+          </a:blip>
+          <a:stretch>
+            <a:fillRect/>
+          </a:stretch>
+        </p:blipFill>
+        <p:spPr>
+          <a:xfrm>
+            <a:off x="6248399" y="2810885"/>
+            <a:ext cx="3230452" cy="1760039"/>
+          </a:xfrm>
+          <a:prstGeom prst="rect">
+            <a:avLst/>
+          </a:prstGeom>
+        </p:spPr>
+      </p:pic>
+      <p:pic>
+        <p:nvPicPr>
+          <p:cNvPr id="8" name="Imagem 7"/>
           <p:cNvPicPr>
             <a:picLocks noChangeAspect="1"/>
           </p:cNvPicPr>
@@ -9121,6 +10120,791 @@
         </p:nvPicPr>
         <p:blipFill>
           <a:blip r:embed="rId2">
+            <a:extLst>
+              <a:ext uri="{28A0092B-C50C-407E-A947-70E740481C1C}">
+                <a14:useLocalDpi xmlns:a14="http://schemas.microsoft.com/office/drawing/2010/main" val="0"/>
+              </a:ext>
+            </a:extLst>
+          </a:blip>
+          <a:stretch>
+            <a:fillRect/>
+          </a:stretch>
+        </p:blipFill>
+        <p:spPr>
+          <a:xfrm>
+            <a:off x="6248399" y="4841599"/>
+            <a:ext cx="3230452" cy="1760039"/>
+          </a:xfrm>
+          <a:prstGeom prst="rect">
+            <a:avLst/>
+          </a:prstGeom>
+        </p:spPr>
+      </p:pic>
+      <p:pic>
+        <p:nvPicPr>
+          <p:cNvPr id="10" name="Imagem 9"/>
+          <p:cNvPicPr>
+            <a:picLocks noChangeAspect="1"/>
+          </p:cNvPicPr>
+          <p:nvPr/>
+        </p:nvPicPr>
+        <p:blipFill>
+          <a:blip r:embed="rId3">
+            <a:extLst>
+              <a:ext uri="{28A0092B-C50C-407E-A947-70E740481C1C}">
+                <a14:useLocalDpi xmlns:a14="http://schemas.microsoft.com/office/drawing/2010/main" val="0"/>
+              </a:ext>
+            </a:extLst>
+          </a:blip>
+          <a:stretch>
+            <a:fillRect/>
+          </a:stretch>
+        </p:blipFill>
+        <p:spPr>
+          <a:xfrm>
+            <a:off x="1067898" y="3206121"/>
+            <a:ext cx="3001826" cy="1635478"/>
+          </a:xfrm>
+          <a:prstGeom prst="rect">
+            <a:avLst/>
+          </a:prstGeom>
+        </p:spPr>
+      </p:pic>
+      <p:pic>
+        <p:nvPicPr>
+          <p:cNvPr id="12" name="Imagem 11"/>
+          <p:cNvPicPr>
+            <a:picLocks noChangeAspect="1"/>
+          </p:cNvPicPr>
+          <p:nvPr/>
+        </p:nvPicPr>
+        <p:blipFill>
+          <a:blip r:embed="rId4">
+            <a:extLst>
+              <a:ext uri="{28A0092B-C50C-407E-A947-70E740481C1C}">
+                <a14:useLocalDpi xmlns:a14="http://schemas.microsoft.com/office/drawing/2010/main" val="0"/>
+              </a:ext>
+            </a:extLst>
+          </a:blip>
+          <a:stretch>
+            <a:fillRect/>
+          </a:stretch>
+        </p:blipFill>
+        <p:spPr>
+          <a:xfrm>
+            <a:off x="1067898" y="5097486"/>
+            <a:ext cx="3001826" cy="1635478"/>
+          </a:xfrm>
+          <a:prstGeom prst="rect">
+            <a:avLst/>
+          </a:prstGeom>
+        </p:spPr>
+      </p:pic>
+      <p:cxnSp>
+        <p:nvCxnSpPr>
+          <p:cNvPr id="14" name="Conector de Seta Reta 13"/>
+          <p:cNvCxnSpPr/>
+          <p:nvPr/>
+        </p:nvCxnSpPr>
+        <p:spPr>
+          <a:xfrm flipV="1">
+            <a:off x="4288665" y="2942823"/>
+            <a:ext cx="1807335" cy="486177"/>
+          </a:xfrm>
+          <a:prstGeom prst="straightConnector1">
+            <a:avLst/>
+          </a:prstGeom>
+          <a:ln>
+            <a:tailEnd type="triangle"/>
+          </a:ln>
+        </p:spPr>
+        <p:style>
+          <a:lnRef idx="1">
+            <a:schemeClr val="accent1"/>
+          </a:lnRef>
+          <a:fillRef idx="0">
+            <a:schemeClr val="accent1"/>
+          </a:fillRef>
+          <a:effectRef idx="0">
+            <a:schemeClr val="accent1"/>
+          </a:effectRef>
+          <a:fontRef idx="minor">
+            <a:schemeClr val="tx1"/>
+          </a:fontRef>
+        </p:style>
+      </p:cxnSp>
+      <p:cxnSp>
+        <p:nvCxnSpPr>
+          <p:cNvPr id="16" name="Conector de Seta Reta 15"/>
+          <p:cNvCxnSpPr/>
+          <p:nvPr/>
+        </p:nvCxnSpPr>
+        <p:spPr>
+          <a:xfrm flipV="1">
+            <a:off x="4288665" y="3915178"/>
+            <a:ext cx="1654937" cy="412123"/>
+          </a:xfrm>
+          <a:prstGeom prst="straightConnector1">
+            <a:avLst/>
+          </a:prstGeom>
+          <a:ln>
+            <a:tailEnd type="triangle"/>
+          </a:ln>
+        </p:spPr>
+        <p:style>
+          <a:lnRef idx="1">
+            <a:schemeClr val="accent1"/>
+          </a:lnRef>
+          <a:fillRef idx="0">
+            <a:schemeClr val="accent1"/>
+          </a:fillRef>
+          <a:effectRef idx="0">
+            <a:schemeClr val="accent1"/>
+          </a:effectRef>
+          <a:fontRef idx="minor">
+            <a:schemeClr val="tx1"/>
+          </a:fontRef>
+        </p:style>
+      </p:cxnSp>
+      <p:cxnSp>
+        <p:nvCxnSpPr>
+          <p:cNvPr id="21" name="Conector de Seta Reta 20"/>
+          <p:cNvCxnSpPr/>
+          <p:nvPr/>
+        </p:nvCxnSpPr>
+        <p:spPr>
+          <a:xfrm flipV="1">
+            <a:off x="4172755" y="3429000"/>
+            <a:ext cx="1923245" cy="2289220"/>
+          </a:xfrm>
+          <a:prstGeom prst="straightConnector1">
+            <a:avLst/>
+          </a:prstGeom>
+          <a:ln>
+            <a:tailEnd type="triangle"/>
+          </a:ln>
+        </p:spPr>
+        <p:style>
+          <a:lnRef idx="1">
+            <a:schemeClr val="accent1"/>
+          </a:lnRef>
+          <a:fillRef idx="0">
+            <a:schemeClr val="accent1"/>
+          </a:fillRef>
+          <a:effectRef idx="0">
+            <a:schemeClr val="accent1"/>
+          </a:effectRef>
+          <a:fontRef idx="minor">
+            <a:schemeClr val="tx1"/>
+          </a:fontRef>
+        </p:style>
+      </p:cxnSp>
+      <p:cxnSp>
+        <p:nvCxnSpPr>
+          <p:cNvPr id="23" name="Conector de Seta Reta 22"/>
+          <p:cNvCxnSpPr/>
+          <p:nvPr/>
+        </p:nvCxnSpPr>
+        <p:spPr>
+          <a:xfrm flipV="1">
+            <a:off x="4159876" y="4327301"/>
+            <a:ext cx="1936124" cy="2268102"/>
+          </a:xfrm>
+          <a:prstGeom prst="straightConnector1">
+            <a:avLst/>
+          </a:prstGeom>
+          <a:ln>
+            <a:tailEnd type="triangle"/>
+          </a:ln>
+        </p:spPr>
+        <p:style>
+          <a:lnRef idx="1">
+            <a:schemeClr val="accent1"/>
+          </a:lnRef>
+          <a:fillRef idx="0">
+            <a:schemeClr val="accent1"/>
+          </a:fillRef>
+          <a:effectRef idx="0">
+            <a:schemeClr val="accent1"/>
+          </a:effectRef>
+          <a:fontRef idx="minor">
+            <a:schemeClr val="tx1"/>
+          </a:fontRef>
+        </p:style>
+      </p:cxnSp>
+      <p:cxnSp>
+        <p:nvCxnSpPr>
+          <p:cNvPr id="25" name="Conector de Seta Reta 24"/>
+          <p:cNvCxnSpPr/>
+          <p:nvPr/>
+        </p:nvCxnSpPr>
+        <p:spPr>
+          <a:xfrm>
+            <a:off x="4172755" y="3825025"/>
+            <a:ext cx="1923245" cy="1584102"/>
+          </a:xfrm>
+          <a:prstGeom prst="straightConnector1">
+            <a:avLst/>
+          </a:prstGeom>
+          <a:ln>
+            <a:tailEnd type="triangle"/>
+          </a:ln>
+        </p:spPr>
+        <p:style>
+          <a:lnRef idx="1">
+            <a:schemeClr val="accent1"/>
+          </a:lnRef>
+          <a:fillRef idx="0">
+            <a:schemeClr val="accent1"/>
+          </a:fillRef>
+          <a:effectRef idx="0">
+            <a:schemeClr val="accent1"/>
+          </a:effectRef>
+          <a:fontRef idx="minor">
+            <a:schemeClr val="tx1"/>
+          </a:fontRef>
+        </p:style>
+      </p:cxnSp>
+      <p:cxnSp>
+        <p:nvCxnSpPr>
+          <p:cNvPr id="27" name="Conector de Seta Reta 26"/>
+          <p:cNvCxnSpPr/>
+          <p:nvPr/>
+        </p:nvCxnSpPr>
+        <p:spPr>
+          <a:xfrm>
+            <a:off x="4159876" y="4687910"/>
+            <a:ext cx="2088523" cy="1755093"/>
+          </a:xfrm>
+          <a:prstGeom prst="straightConnector1">
+            <a:avLst/>
+          </a:prstGeom>
+          <a:ln>
+            <a:tailEnd type="triangle"/>
+          </a:ln>
+        </p:spPr>
+        <p:style>
+          <a:lnRef idx="1">
+            <a:schemeClr val="accent1"/>
+          </a:lnRef>
+          <a:fillRef idx="0">
+            <a:schemeClr val="accent1"/>
+          </a:fillRef>
+          <a:effectRef idx="0">
+            <a:schemeClr val="accent1"/>
+          </a:effectRef>
+          <a:fontRef idx="minor">
+            <a:schemeClr val="tx1"/>
+          </a:fontRef>
+        </p:style>
+      </p:cxnSp>
+      <p:cxnSp>
+        <p:nvCxnSpPr>
+          <p:cNvPr id="29" name="Conector de Seta Reta 28"/>
+          <p:cNvCxnSpPr/>
+          <p:nvPr/>
+        </p:nvCxnSpPr>
+        <p:spPr>
+          <a:xfrm flipV="1">
+            <a:off x="4159876" y="4971245"/>
+            <a:ext cx="1936124" cy="270456"/>
+          </a:xfrm>
+          <a:prstGeom prst="straightConnector1">
+            <a:avLst/>
+          </a:prstGeom>
+          <a:ln>
+            <a:tailEnd type="triangle"/>
+          </a:ln>
+        </p:spPr>
+        <p:style>
+          <a:lnRef idx="1">
+            <a:schemeClr val="accent1"/>
+          </a:lnRef>
+          <a:fillRef idx="0">
+            <a:schemeClr val="accent1"/>
+          </a:fillRef>
+          <a:effectRef idx="0">
+            <a:schemeClr val="accent1"/>
+          </a:effectRef>
+          <a:fontRef idx="minor">
+            <a:schemeClr val="tx1"/>
+          </a:fontRef>
+        </p:style>
+      </p:cxnSp>
+      <p:cxnSp>
+        <p:nvCxnSpPr>
+          <p:cNvPr id="31" name="Conector de Seta Reta 30"/>
+          <p:cNvCxnSpPr/>
+          <p:nvPr/>
+        </p:nvCxnSpPr>
+        <p:spPr>
+          <a:xfrm flipV="1">
+            <a:off x="4159876" y="5898524"/>
+            <a:ext cx="1936124" cy="244699"/>
+          </a:xfrm>
+          <a:prstGeom prst="straightConnector1">
+            <a:avLst/>
+          </a:prstGeom>
+          <a:ln>
+            <a:tailEnd type="triangle"/>
+          </a:ln>
+        </p:spPr>
+        <p:style>
+          <a:lnRef idx="1">
+            <a:schemeClr val="accent1"/>
+          </a:lnRef>
+          <a:fillRef idx="0">
+            <a:schemeClr val="accent1"/>
+          </a:fillRef>
+          <a:effectRef idx="0">
+            <a:schemeClr val="accent1"/>
+          </a:effectRef>
+          <a:fontRef idx="minor">
+            <a:schemeClr val="tx1"/>
+          </a:fontRef>
+        </p:style>
+      </p:cxnSp>
+    </p:spTree>
+  </p:cSld>
+  <p:clrMapOvr>
+    <a:masterClrMapping/>
+  </p:clrMapOvr>
+</p:sld>
+</file>
+
+<file path=ppt/slides/slide22.xml><?xml version="1.0" encoding="utf-8"?>
+<p:sld xmlns:a="http://schemas.openxmlformats.org/drawingml/2006/main" xmlns:r="http://schemas.openxmlformats.org/officeDocument/2006/relationships" xmlns:p="http://schemas.openxmlformats.org/presentationml/2006/main">
+  <p:cSld>
+    <p:spTree>
+      <p:nvGrpSpPr>
+        <p:cNvPr id="1" name=""/>
+        <p:cNvGrpSpPr/>
+        <p:nvPr/>
+      </p:nvGrpSpPr>
+      <p:grpSpPr>
+        <a:xfrm>
+          <a:off x="0" y="0"/>
+          <a:ext cx="0" cy="0"/>
+          <a:chOff x="0" y="0"/>
+          <a:chExt cx="0" cy="0"/>
+        </a:xfrm>
+      </p:grpSpPr>
+      <p:sp>
+        <p:nvSpPr>
+          <p:cNvPr id="2" name="Título 1"/>
+          <p:cNvSpPr txBox="1"/>
+          <p:nvPr/>
+        </p:nvSpPr>
+        <p:spPr>
+          <a:xfrm>
+            <a:off x="655906" y="2943664"/>
+            <a:ext cx="10880188" cy="970671"/>
+          </a:xfrm>
+          <a:prstGeom prst="rect">
+            <a:avLst/>
+          </a:prstGeom>
+        </p:spPr>
+        <p:txBody>
+          <a:bodyPr>
+            <a:noAutofit/>
+          </a:bodyPr>
+          <a:lstStyle>
+            <a:lvl1pPr algn="l" defTabSz="914400" rtl="0" eaLnBrk="1" latinLnBrk="0" hangingPunct="1">
+              <a:lnSpc>
+                <a:spcPct val="90000"/>
+              </a:lnSpc>
+              <a:spcBef>
+                <a:spcPct val="0"/>
+              </a:spcBef>
+              <a:buNone/>
+              <a:defRPr sz="4400" kern="1200">
+                <a:solidFill>
+                  <a:schemeClr val="tx1"/>
+                </a:solidFill>
+                <a:latin typeface="+mj-lt"/>
+                <a:ea typeface="+mj-ea"/>
+                <a:cs typeface="+mj-cs"/>
+              </a:defRPr>
+            </a:lvl1pPr>
+          </a:lstStyle>
+          <a:p>
+            <a:pPr algn="ctr"/>
+            <a:r>
+              <a:rPr lang="pt-BR" sz="9600" b="1" dirty="0">
+                <a:solidFill>
+                  <a:srgbClr val="049BE6"/>
+                </a:solidFill>
+                <a:latin typeface="+mn-lt"/>
+              </a:rPr>
+              <a:t>Resultados Obtidos</a:t>
+            </a:r>
+            <a:endParaRPr lang="pt-BR" sz="9600" b="1" dirty="0">
+              <a:solidFill>
+                <a:srgbClr val="049BE6"/>
+              </a:solidFill>
+              <a:latin typeface="+mn-lt"/>
+            </a:endParaRPr>
+          </a:p>
+        </p:txBody>
+      </p:sp>
+    </p:spTree>
+  </p:cSld>
+  <p:clrMapOvr>
+    <a:masterClrMapping/>
+  </p:clrMapOvr>
+</p:sld>
+</file>
+
+<file path=ppt/slides/slide23.xml><?xml version="1.0" encoding="utf-8"?>
+<p:sld xmlns:a="http://schemas.openxmlformats.org/drawingml/2006/main" xmlns:r="http://schemas.openxmlformats.org/officeDocument/2006/relationships" xmlns:p="http://schemas.openxmlformats.org/presentationml/2006/main">
+  <p:cSld>
+    <p:spTree>
+      <p:nvGrpSpPr>
+        <p:cNvPr id="1" name=""/>
+        <p:cNvGrpSpPr/>
+        <p:nvPr/>
+      </p:nvGrpSpPr>
+      <p:grpSpPr>
+        <a:xfrm>
+          <a:off x="0" y="0"/>
+          <a:ext cx="0" cy="0"/>
+          <a:chOff x="0" y="0"/>
+          <a:chExt cx="0" cy="0"/>
+        </a:xfrm>
+      </p:grpSpPr>
+      <p:sp>
+        <p:nvSpPr>
+          <p:cNvPr id="2" name="Título 1"/>
+          <p:cNvSpPr txBox="1"/>
+          <p:nvPr/>
+        </p:nvSpPr>
+        <p:spPr>
+          <a:xfrm>
+            <a:off x="655906" y="496679"/>
+            <a:ext cx="10880188" cy="970671"/>
+          </a:xfrm>
+          <a:prstGeom prst="rect">
+            <a:avLst/>
+          </a:prstGeom>
+        </p:spPr>
+        <p:txBody>
+          <a:bodyPr>
+            <a:noAutofit/>
+          </a:bodyPr>
+          <a:lstStyle>
+            <a:lvl1pPr algn="l" defTabSz="914400" rtl="0" eaLnBrk="1" latinLnBrk="0" hangingPunct="1">
+              <a:lnSpc>
+                <a:spcPct val="90000"/>
+              </a:lnSpc>
+              <a:spcBef>
+                <a:spcPct val="0"/>
+              </a:spcBef>
+              <a:buNone/>
+              <a:defRPr sz="4400" kern="1200">
+                <a:solidFill>
+                  <a:schemeClr val="tx1"/>
+                </a:solidFill>
+                <a:latin typeface="+mj-lt"/>
+                <a:ea typeface="+mj-ea"/>
+                <a:cs typeface="+mj-cs"/>
+              </a:defRPr>
+            </a:lvl1pPr>
+          </a:lstStyle>
+          <a:p>
+            <a:pPr algn="ctr"/>
+            <a:r>
+              <a:rPr lang="pt-BR" sz="6600" b="1" dirty="0">
+                <a:solidFill>
+                  <a:srgbClr val="049BE6"/>
+                </a:solidFill>
+                <a:latin typeface="+mn-lt"/>
+              </a:rPr>
+              <a:t>Teste com 700 indivíduos</a:t>
+            </a:r>
+            <a:endParaRPr lang="pt-BR" sz="6600" b="1" dirty="0">
+              <a:solidFill>
+                <a:srgbClr val="049BE6"/>
+              </a:solidFill>
+              <a:latin typeface="+mn-lt"/>
+            </a:endParaRPr>
+          </a:p>
+        </p:txBody>
+      </p:sp>
+      <p:sp>
+        <p:nvSpPr>
+          <p:cNvPr id="3" name="Espaço Reservado para Conteúdo 2"/>
+          <p:cNvSpPr txBox="1"/>
+          <p:nvPr/>
+        </p:nvSpPr>
+        <p:spPr>
+          <a:xfrm>
+            <a:off x="473612" y="1882726"/>
+            <a:ext cx="11549575" cy="4712677"/>
+          </a:xfrm>
+          <a:prstGeom prst="rect">
+            <a:avLst/>
+          </a:prstGeom>
+        </p:spPr>
+        <p:txBody>
+          <a:bodyPr>
+            <a:normAutofit/>
+          </a:bodyPr>
+          <a:lstStyle>
+            <a:lvl1pPr marL="228600" indent="-228600" algn="l" defTabSz="914400" rtl="0" eaLnBrk="1" latinLnBrk="0" hangingPunct="1">
+              <a:lnSpc>
+                <a:spcPct val="90000"/>
+              </a:lnSpc>
+              <a:spcBef>
+                <a:spcPts val="1000"/>
+              </a:spcBef>
+              <a:buFont typeface="Arial" panose="020B0604020202020204" pitchFamily="34" charset="0"/>
+              <a:buChar char="•"/>
+              <a:defRPr sz="2800" kern="1200">
+                <a:solidFill>
+                  <a:schemeClr val="tx1"/>
+                </a:solidFill>
+                <a:latin typeface="+mn-lt"/>
+                <a:ea typeface="+mn-ea"/>
+                <a:cs typeface="+mn-cs"/>
+              </a:defRPr>
+            </a:lvl1pPr>
+            <a:lvl2pPr marL="685800" indent="-228600" algn="l" defTabSz="914400" rtl="0" eaLnBrk="1" latinLnBrk="0" hangingPunct="1">
+              <a:lnSpc>
+                <a:spcPct val="90000"/>
+              </a:lnSpc>
+              <a:spcBef>
+                <a:spcPts val="500"/>
+              </a:spcBef>
+              <a:buFont typeface="Arial" panose="020B0604020202020204" pitchFamily="34" charset="0"/>
+              <a:buChar char="•"/>
+              <a:defRPr sz="2400" kern="1200">
+                <a:solidFill>
+                  <a:schemeClr val="tx1"/>
+                </a:solidFill>
+                <a:latin typeface="+mn-lt"/>
+                <a:ea typeface="+mn-ea"/>
+                <a:cs typeface="+mn-cs"/>
+              </a:defRPr>
+            </a:lvl2pPr>
+            <a:lvl3pPr marL="1143000" indent="-228600" algn="l" defTabSz="914400" rtl="0" eaLnBrk="1" latinLnBrk="0" hangingPunct="1">
+              <a:lnSpc>
+                <a:spcPct val="90000"/>
+              </a:lnSpc>
+              <a:spcBef>
+                <a:spcPts val="500"/>
+              </a:spcBef>
+              <a:buFont typeface="Arial" panose="020B0604020202020204" pitchFamily="34" charset="0"/>
+              <a:buChar char="•"/>
+              <a:defRPr sz="2000" kern="1200">
+                <a:solidFill>
+                  <a:schemeClr val="tx1"/>
+                </a:solidFill>
+                <a:latin typeface="+mn-lt"/>
+                <a:ea typeface="+mn-ea"/>
+                <a:cs typeface="+mn-cs"/>
+              </a:defRPr>
+            </a:lvl3pPr>
+            <a:lvl4pPr marL="1600200" indent="-228600" algn="l" defTabSz="914400" rtl="0" eaLnBrk="1" latinLnBrk="0" hangingPunct="1">
+              <a:lnSpc>
+                <a:spcPct val="90000"/>
+              </a:lnSpc>
+              <a:spcBef>
+                <a:spcPts val="500"/>
+              </a:spcBef>
+              <a:buFont typeface="Arial" panose="020B0604020202020204" pitchFamily="34" charset="0"/>
+              <a:buChar char="•"/>
+              <a:defRPr sz="1800" kern="1200">
+                <a:solidFill>
+                  <a:schemeClr val="tx1"/>
+                </a:solidFill>
+                <a:latin typeface="+mn-lt"/>
+                <a:ea typeface="+mn-ea"/>
+                <a:cs typeface="+mn-cs"/>
+              </a:defRPr>
+            </a:lvl4pPr>
+            <a:lvl5pPr marL="2057400" indent="-228600" algn="l" defTabSz="914400" rtl="0" eaLnBrk="1" latinLnBrk="0" hangingPunct="1">
+              <a:lnSpc>
+                <a:spcPct val="90000"/>
+              </a:lnSpc>
+              <a:spcBef>
+                <a:spcPts val="500"/>
+              </a:spcBef>
+              <a:buFont typeface="Arial" panose="020B0604020202020204" pitchFamily="34" charset="0"/>
+              <a:buChar char="•"/>
+              <a:defRPr sz="1800" kern="1200">
+                <a:solidFill>
+                  <a:schemeClr val="tx1"/>
+                </a:solidFill>
+                <a:latin typeface="+mn-lt"/>
+                <a:ea typeface="+mn-ea"/>
+                <a:cs typeface="+mn-cs"/>
+              </a:defRPr>
+            </a:lvl5pPr>
+            <a:lvl6pPr marL="2514600" indent="-228600" algn="l" defTabSz="914400" rtl="0" eaLnBrk="1" latinLnBrk="0" hangingPunct="1">
+              <a:lnSpc>
+                <a:spcPct val="90000"/>
+              </a:lnSpc>
+              <a:spcBef>
+                <a:spcPts val="500"/>
+              </a:spcBef>
+              <a:buFont typeface="Arial" panose="020B0604020202020204" pitchFamily="34" charset="0"/>
+              <a:buChar char="•"/>
+              <a:defRPr sz="1800" kern="1200">
+                <a:solidFill>
+                  <a:schemeClr val="tx1"/>
+                </a:solidFill>
+                <a:latin typeface="+mn-lt"/>
+                <a:ea typeface="+mn-ea"/>
+                <a:cs typeface="+mn-cs"/>
+              </a:defRPr>
+            </a:lvl6pPr>
+            <a:lvl7pPr marL="2971800" indent="-228600" algn="l" defTabSz="914400" rtl="0" eaLnBrk="1" latinLnBrk="0" hangingPunct="1">
+              <a:lnSpc>
+                <a:spcPct val="90000"/>
+              </a:lnSpc>
+              <a:spcBef>
+                <a:spcPts val="500"/>
+              </a:spcBef>
+              <a:buFont typeface="Arial" panose="020B0604020202020204" pitchFamily="34" charset="0"/>
+              <a:buChar char="•"/>
+              <a:defRPr sz="1800" kern="1200">
+                <a:solidFill>
+                  <a:schemeClr val="tx1"/>
+                </a:solidFill>
+                <a:latin typeface="+mn-lt"/>
+                <a:ea typeface="+mn-ea"/>
+                <a:cs typeface="+mn-cs"/>
+              </a:defRPr>
+            </a:lvl7pPr>
+            <a:lvl8pPr marL="3429000" indent="-228600" algn="l" defTabSz="914400" rtl="0" eaLnBrk="1" latinLnBrk="0" hangingPunct="1">
+              <a:lnSpc>
+                <a:spcPct val="90000"/>
+              </a:lnSpc>
+              <a:spcBef>
+                <a:spcPts val="500"/>
+              </a:spcBef>
+              <a:buFont typeface="Arial" panose="020B0604020202020204" pitchFamily="34" charset="0"/>
+              <a:buChar char="•"/>
+              <a:defRPr sz="1800" kern="1200">
+                <a:solidFill>
+                  <a:schemeClr val="tx1"/>
+                </a:solidFill>
+                <a:latin typeface="+mn-lt"/>
+                <a:ea typeface="+mn-ea"/>
+                <a:cs typeface="+mn-cs"/>
+              </a:defRPr>
+            </a:lvl8pPr>
+            <a:lvl9pPr marL="3886200" indent="-228600" algn="l" defTabSz="914400" rtl="0" eaLnBrk="1" latinLnBrk="0" hangingPunct="1">
+              <a:lnSpc>
+                <a:spcPct val="90000"/>
+              </a:lnSpc>
+              <a:spcBef>
+                <a:spcPts val="500"/>
+              </a:spcBef>
+              <a:buFont typeface="Arial" panose="020B0604020202020204" pitchFamily="34" charset="0"/>
+              <a:buChar char="•"/>
+              <a:defRPr sz="1800" kern="1200">
+                <a:solidFill>
+                  <a:schemeClr val="tx1"/>
+                </a:solidFill>
+                <a:latin typeface="+mn-lt"/>
+                <a:ea typeface="+mn-ea"/>
+                <a:cs typeface="+mn-cs"/>
+              </a:defRPr>
+            </a:lvl9pPr>
+          </a:lstStyle>
+          <a:p>
+            <a:pPr marL="0" indent="0" algn="just">
+              <a:buNone/>
+            </a:pPr>
+            <a:r>
+              <a:rPr lang="pt-BR" sz="4400" dirty="0">
+                <a:latin typeface="Times New Roman" panose="02020603050405020304" pitchFamily="18" charset="0"/>
+                <a:cs typeface="Times New Roman" panose="02020603050405020304" pitchFamily="18" charset="0"/>
+              </a:rPr>
+              <a:t> </a:t>
+            </a:r>
+            <a:endParaRPr lang="pt-BR" sz="4400" dirty="0">
+              <a:latin typeface="Times New Roman" panose="02020603050405020304" pitchFamily="18" charset="0"/>
+              <a:cs typeface="Times New Roman" panose="02020603050405020304" pitchFamily="18" charset="0"/>
+            </a:endParaRPr>
+          </a:p>
+          <a:p>
+            <a:pPr algn="just"/>
+            <a:r>
+              <a:rPr lang="pt-BR" sz="4400" dirty="0">
+                <a:latin typeface="Times New Roman" panose="02020603050405020304" pitchFamily="18" charset="0"/>
+                <a:cs typeface="Times New Roman" panose="02020603050405020304" pitchFamily="18" charset="0"/>
+              </a:rPr>
+              <a:t>Tempo de Processamento: </a:t>
+            </a:r>
+            <a:r>
+              <a:rPr lang="pt-BR" sz="4400" dirty="0"/>
+              <a:t>00:01:40.4181342</a:t>
+            </a:r>
+            <a:endParaRPr lang="pt-BR" sz="4400" dirty="0">
+              <a:latin typeface="Times New Roman" panose="02020603050405020304" pitchFamily="18" charset="0"/>
+              <a:cs typeface="Times New Roman" panose="02020603050405020304" pitchFamily="18" charset="0"/>
+            </a:endParaRPr>
+          </a:p>
+          <a:p>
+            <a:pPr algn="just"/>
+            <a:endParaRPr lang="pt-BR" sz="4400" dirty="0">
+              <a:latin typeface="Times New Roman" panose="02020603050405020304" pitchFamily="18" charset="0"/>
+              <a:cs typeface="Times New Roman" panose="02020603050405020304" pitchFamily="18" charset="0"/>
+            </a:endParaRPr>
+          </a:p>
+          <a:p>
+            <a:pPr algn="just"/>
+            <a:r>
+              <a:rPr lang="pt-BR" sz="4400" dirty="0">
+                <a:latin typeface="Times New Roman" panose="02020603050405020304" pitchFamily="18" charset="0"/>
+                <a:cs typeface="Times New Roman" panose="02020603050405020304" pitchFamily="18" charset="0"/>
+              </a:rPr>
+              <a:t> Com apenas 2 gerações foi gerado 1 indivíduo com aptidão 90.</a:t>
+            </a:r>
+            <a:endParaRPr lang="pt-BR" sz="6000" b="1" dirty="0">
+              <a:latin typeface="Times New Roman" panose="02020603050405020304" pitchFamily="18" charset="0"/>
+              <a:cs typeface="Times New Roman" panose="02020603050405020304" pitchFamily="18" charset="0"/>
+            </a:endParaRPr>
+          </a:p>
+        </p:txBody>
+      </p:sp>
+    </p:spTree>
+  </p:cSld>
+  <p:clrMapOvr>
+    <a:masterClrMapping/>
+  </p:clrMapOvr>
+</p:sld>
+</file>
+
+<file path=ppt/slides/slide24.xml><?xml version="1.0" encoding="utf-8"?>
+<p:sld xmlns:a="http://schemas.openxmlformats.org/drawingml/2006/main" xmlns:r="http://schemas.openxmlformats.org/officeDocument/2006/relationships" xmlns:p="http://schemas.openxmlformats.org/presentationml/2006/main">
+  <p:cSld>
+    <p:spTree>
+      <p:nvGrpSpPr>
+        <p:cNvPr id="1" name=""/>
+        <p:cNvGrpSpPr/>
+        <p:nvPr/>
+      </p:nvGrpSpPr>
+      <p:grpSpPr>
+        <a:xfrm>
+          <a:off x="0" y="0"/>
+          <a:ext cx="0" cy="0"/>
+          <a:chOff x="0" y="0"/>
+          <a:chExt cx="0" cy="0"/>
+        </a:xfrm>
+      </p:grpSpPr>
+      <p:pic>
+        <p:nvPicPr>
+          <p:cNvPr id="3" name="Imagem 2"/>
+          <p:cNvPicPr>
+            <a:picLocks noChangeAspect="1"/>
+          </p:cNvPicPr>
+          <p:nvPr/>
+        </p:nvPicPr>
+        <p:blipFill>
+          <a:blip r:embed="rId1">
             <a:extLst>
               <a:ext uri="{28A0092B-C50C-407E-A947-70E740481C1C}">
                 <a14:useLocalDpi xmlns:a14="http://schemas.microsoft.com/office/drawing/2010/main" val="0"/>
@@ -9143,13 +10927,7 @@
       </p:pic>
       <p:sp>
         <p:nvSpPr>
-          <p:cNvPr id="4" name="Retângulo 3">
-            <a:extLst>
-              <a:ext uri="{FF2B5EF4-FFF2-40B4-BE49-F238E27FC236}">
-                <a16:creationId xmlns:a16="http://schemas.microsoft.com/office/drawing/2014/main" id="{DD5EC5C1-F39B-426B-9A2F-965D29D0582E}"/>
-              </a:ext>
-            </a:extLst>
-          </p:cNvPr>
+          <p:cNvPr id="4" name="Retângulo 3"/>
           <p:cNvSpPr/>
           <p:nvPr/>
         </p:nvSpPr>
@@ -9195,13 +10973,7 @@
       </p:sp>
       <p:sp>
         <p:nvSpPr>
-          <p:cNvPr id="5" name="Seta: para Baixo 4">
-            <a:extLst>
-              <a:ext uri="{FF2B5EF4-FFF2-40B4-BE49-F238E27FC236}">
-                <a16:creationId xmlns:a16="http://schemas.microsoft.com/office/drawing/2014/main" id="{DC73A79B-2AC3-42CA-9ED3-4332641C5298}"/>
-              </a:ext>
-            </a:extLst>
-          </p:cNvPr>
+          <p:cNvPr id="5" name="Seta: para Baixo 4"/>
           <p:cNvSpPr/>
           <p:nvPr/>
         </p:nvSpPr>
@@ -9248,11 +11020,6 @@
         </p:txBody>
       </p:sp>
     </p:spTree>
-    <p:extLst>
-      <p:ext uri="{BB962C8B-B14F-4D97-AF65-F5344CB8AC3E}">
-        <p14:creationId xmlns:p14="http://schemas.microsoft.com/office/powerpoint/2010/main" val="1414576915"/>
-      </p:ext>
-    </p:extLst>
   </p:cSld>
   <p:clrMapOvr>
     <a:masterClrMapping/>
@@ -9260,7 +11027,7 @@
 </p:sld>
 </file>
 
-<file path=ppt/slides/slide21.xml><?xml version="1.0" encoding="utf-8"?>
+<file path=ppt/slides/slide25.xml><?xml version="1.0" encoding="utf-8"?>
 <p:sld xmlns:a="http://schemas.openxmlformats.org/drawingml/2006/main" xmlns:r="http://schemas.openxmlformats.org/officeDocument/2006/relationships" xmlns:p="http://schemas.openxmlformats.org/presentationml/2006/main">
   <p:cSld>
     <p:spTree>
@@ -9279,20 +11046,14 @@
       </p:grpSpPr>
       <p:pic>
         <p:nvPicPr>
-          <p:cNvPr id="5" name="Imagem 4">
-            <a:extLst>
-              <a:ext uri="{FF2B5EF4-FFF2-40B4-BE49-F238E27FC236}">
-                <a16:creationId xmlns:a16="http://schemas.microsoft.com/office/drawing/2014/main" id="{C7B4A71F-4056-47C5-B67D-785BAD239B61}"/>
-              </a:ext>
-            </a:extLst>
-          </p:cNvPr>
+          <p:cNvPr id="5" name="Imagem 4"/>
           <p:cNvPicPr>
             <a:picLocks noChangeAspect="1"/>
           </p:cNvPicPr>
           <p:nvPr/>
         </p:nvPicPr>
         <p:blipFill rotWithShape="1">
-          <a:blip r:embed="rId2">
+          <a:blip r:embed="rId1">
             <a:extLst>
               <a:ext uri="{28A0092B-C50C-407E-A947-70E740481C1C}">
                 <a14:useLocalDpi xmlns:a14="http://schemas.microsoft.com/office/drawing/2010/main" val="0"/>
@@ -9300,7 +11061,9 @@
             </a:extLst>
           </a:blip>
           <a:srcRect l="6971" t="9934" r="8205" b="4203"/>
-          <a:stretch/>
+          <a:stretch>
+            <a:fillRect/>
+          </a:stretch>
         </p:blipFill>
         <p:spPr>
           <a:xfrm>
@@ -9314,13 +11077,7 @@
       </p:pic>
       <p:sp>
         <p:nvSpPr>
-          <p:cNvPr id="6" name="Retângulo 5">
-            <a:extLst>
-              <a:ext uri="{FF2B5EF4-FFF2-40B4-BE49-F238E27FC236}">
-                <a16:creationId xmlns:a16="http://schemas.microsoft.com/office/drawing/2014/main" id="{2B3B682F-3052-4336-9911-2417707F19E4}"/>
-              </a:ext>
-            </a:extLst>
-          </p:cNvPr>
+          <p:cNvPr id="6" name="Retângulo 5"/>
           <p:cNvSpPr/>
           <p:nvPr/>
         </p:nvSpPr>
@@ -9366,13 +11123,7 @@
       </p:sp>
       <p:sp>
         <p:nvSpPr>
-          <p:cNvPr id="7" name="Seta: para Baixo 6">
-            <a:extLst>
-              <a:ext uri="{FF2B5EF4-FFF2-40B4-BE49-F238E27FC236}">
-                <a16:creationId xmlns:a16="http://schemas.microsoft.com/office/drawing/2014/main" id="{CF4FC65C-64A8-4E67-BA0B-0031474AD20D}"/>
-              </a:ext>
-            </a:extLst>
-          </p:cNvPr>
+          <p:cNvPr id="7" name="Seta: para Baixo 6"/>
           <p:cNvSpPr/>
           <p:nvPr/>
         </p:nvSpPr>
@@ -9419,734 +11170,6 @@
         </p:txBody>
       </p:sp>
     </p:spTree>
-    <p:extLst>
-      <p:ext uri="{BB962C8B-B14F-4D97-AF65-F5344CB8AC3E}">
-        <p14:creationId xmlns:p14="http://schemas.microsoft.com/office/powerpoint/2010/main" val="3920548717"/>
-      </p:ext>
-    </p:extLst>
-  </p:cSld>
-  <p:clrMapOvr>
-    <a:masterClrMapping/>
-  </p:clrMapOvr>
-</p:sld>
-</file>
-
-<file path=ppt/slides/slide22.xml><?xml version="1.0" encoding="utf-8"?>
-<p:sld xmlns:a="http://schemas.openxmlformats.org/drawingml/2006/main" xmlns:r="http://schemas.openxmlformats.org/officeDocument/2006/relationships" xmlns:p="http://schemas.openxmlformats.org/presentationml/2006/main">
-  <p:cSld>
-    <p:spTree>
-      <p:nvGrpSpPr>
-        <p:cNvPr id="1" name=""/>
-        <p:cNvGrpSpPr/>
-        <p:nvPr/>
-      </p:nvGrpSpPr>
-      <p:grpSpPr>
-        <a:xfrm>
-          <a:off x="0" y="0"/>
-          <a:ext cx="0" cy="0"/>
-          <a:chOff x="0" y="0"/>
-          <a:chExt cx="0" cy="0"/>
-        </a:xfrm>
-      </p:grpSpPr>
-      <p:sp>
-        <p:nvSpPr>
-          <p:cNvPr id="2" name="Título 1"/>
-          <p:cNvSpPr txBox="1"/>
-          <p:nvPr/>
-        </p:nvSpPr>
-        <p:spPr>
-          <a:xfrm>
-            <a:off x="655906" y="496679"/>
-            <a:ext cx="10880188" cy="970671"/>
-          </a:xfrm>
-          <a:prstGeom prst="rect">
-            <a:avLst/>
-          </a:prstGeom>
-        </p:spPr>
-        <p:txBody>
-          <a:bodyPr>
-            <a:noAutofit/>
-          </a:bodyPr>
-          <a:lstStyle>
-            <a:lvl1pPr algn="l" defTabSz="914400" rtl="0" eaLnBrk="1" latinLnBrk="0" hangingPunct="1">
-              <a:lnSpc>
-                <a:spcPct val="90000"/>
-              </a:lnSpc>
-              <a:spcBef>
-                <a:spcPct val="0"/>
-              </a:spcBef>
-              <a:buNone/>
-              <a:defRPr sz="4400" kern="1200">
-                <a:solidFill>
-                  <a:schemeClr val="tx1"/>
-                </a:solidFill>
-                <a:latin typeface="+mj-lt"/>
-                <a:ea typeface="+mj-ea"/>
-                <a:cs typeface="+mj-cs"/>
-              </a:defRPr>
-            </a:lvl1pPr>
-          </a:lstStyle>
-          <a:p>
-            <a:pPr algn="ctr"/>
-            <a:r>
-              <a:rPr lang="pt-BR" sz="6600" b="1" dirty="0">
-                <a:solidFill>
-                  <a:srgbClr val="049BE6"/>
-                </a:solidFill>
-                <a:latin typeface="+mn-lt"/>
-              </a:rPr>
-              <a:t>Teste com 500 indivíduos</a:t>
-            </a:r>
-          </a:p>
-        </p:txBody>
-      </p:sp>
-      <p:sp>
-        <p:nvSpPr>
-          <p:cNvPr id="3" name="Espaço Reservado para Conteúdo 2">
-            <a:extLst>
-              <a:ext uri="{FF2B5EF4-FFF2-40B4-BE49-F238E27FC236}">
-                <a16:creationId xmlns:a16="http://schemas.microsoft.com/office/drawing/2014/main" id="{1CD36C4C-0C50-4D05-93FE-129DE55BE56A}"/>
-              </a:ext>
-            </a:extLst>
-          </p:cNvPr>
-          <p:cNvSpPr txBox="1"/>
-          <p:nvPr/>
-        </p:nvSpPr>
-        <p:spPr>
-          <a:xfrm>
-            <a:off x="473612" y="1882726"/>
-            <a:ext cx="11549575" cy="4712677"/>
-          </a:xfrm>
-          <a:prstGeom prst="rect">
-            <a:avLst/>
-          </a:prstGeom>
-        </p:spPr>
-        <p:txBody>
-          <a:bodyPr>
-            <a:normAutofit/>
-          </a:bodyPr>
-          <a:lstStyle>
-            <a:lvl1pPr marL="228600" indent="-228600" algn="l" defTabSz="914400" rtl="0" eaLnBrk="1" latinLnBrk="0" hangingPunct="1">
-              <a:lnSpc>
-                <a:spcPct val="90000"/>
-              </a:lnSpc>
-              <a:spcBef>
-                <a:spcPts val="1000"/>
-              </a:spcBef>
-              <a:buFont typeface="Arial" panose="020B0604020202020204" pitchFamily="34" charset="0"/>
-              <a:buChar char="•"/>
-              <a:defRPr sz="2800" kern="1200">
-                <a:solidFill>
-                  <a:schemeClr val="tx1"/>
-                </a:solidFill>
-                <a:latin typeface="+mn-lt"/>
-                <a:ea typeface="+mn-ea"/>
-                <a:cs typeface="+mn-cs"/>
-              </a:defRPr>
-            </a:lvl1pPr>
-            <a:lvl2pPr marL="685800" indent="-228600" algn="l" defTabSz="914400" rtl="0" eaLnBrk="1" latinLnBrk="0" hangingPunct="1">
-              <a:lnSpc>
-                <a:spcPct val="90000"/>
-              </a:lnSpc>
-              <a:spcBef>
-                <a:spcPts val="500"/>
-              </a:spcBef>
-              <a:buFont typeface="Arial" panose="020B0604020202020204" pitchFamily="34" charset="0"/>
-              <a:buChar char="•"/>
-              <a:defRPr sz="2400" kern="1200">
-                <a:solidFill>
-                  <a:schemeClr val="tx1"/>
-                </a:solidFill>
-                <a:latin typeface="+mn-lt"/>
-                <a:ea typeface="+mn-ea"/>
-                <a:cs typeface="+mn-cs"/>
-              </a:defRPr>
-            </a:lvl2pPr>
-            <a:lvl3pPr marL="1143000" indent="-228600" algn="l" defTabSz="914400" rtl="0" eaLnBrk="1" latinLnBrk="0" hangingPunct="1">
-              <a:lnSpc>
-                <a:spcPct val="90000"/>
-              </a:lnSpc>
-              <a:spcBef>
-                <a:spcPts val="500"/>
-              </a:spcBef>
-              <a:buFont typeface="Arial" panose="020B0604020202020204" pitchFamily="34" charset="0"/>
-              <a:buChar char="•"/>
-              <a:defRPr sz="2000" kern="1200">
-                <a:solidFill>
-                  <a:schemeClr val="tx1"/>
-                </a:solidFill>
-                <a:latin typeface="+mn-lt"/>
-                <a:ea typeface="+mn-ea"/>
-                <a:cs typeface="+mn-cs"/>
-              </a:defRPr>
-            </a:lvl3pPr>
-            <a:lvl4pPr marL="1600200" indent="-228600" algn="l" defTabSz="914400" rtl="0" eaLnBrk="1" latinLnBrk="0" hangingPunct="1">
-              <a:lnSpc>
-                <a:spcPct val="90000"/>
-              </a:lnSpc>
-              <a:spcBef>
-                <a:spcPts val="500"/>
-              </a:spcBef>
-              <a:buFont typeface="Arial" panose="020B0604020202020204" pitchFamily="34" charset="0"/>
-              <a:buChar char="•"/>
-              <a:defRPr sz="1800" kern="1200">
-                <a:solidFill>
-                  <a:schemeClr val="tx1"/>
-                </a:solidFill>
-                <a:latin typeface="+mn-lt"/>
-                <a:ea typeface="+mn-ea"/>
-                <a:cs typeface="+mn-cs"/>
-              </a:defRPr>
-            </a:lvl4pPr>
-            <a:lvl5pPr marL="2057400" indent="-228600" algn="l" defTabSz="914400" rtl="0" eaLnBrk="1" latinLnBrk="0" hangingPunct="1">
-              <a:lnSpc>
-                <a:spcPct val="90000"/>
-              </a:lnSpc>
-              <a:spcBef>
-                <a:spcPts val="500"/>
-              </a:spcBef>
-              <a:buFont typeface="Arial" panose="020B0604020202020204" pitchFamily="34" charset="0"/>
-              <a:buChar char="•"/>
-              <a:defRPr sz="1800" kern="1200">
-                <a:solidFill>
-                  <a:schemeClr val="tx1"/>
-                </a:solidFill>
-                <a:latin typeface="+mn-lt"/>
-                <a:ea typeface="+mn-ea"/>
-                <a:cs typeface="+mn-cs"/>
-              </a:defRPr>
-            </a:lvl5pPr>
-            <a:lvl6pPr marL="2514600" indent="-228600" algn="l" defTabSz="914400" rtl="0" eaLnBrk="1" latinLnBrk="0" hangingPunct="1">
-              <a:lnSpc>
-                <a:spcPct val="90000"/>
-              </a:lnSpc>
-              <a:spcBef>
-                <a:spcPts val="500"/>
-              </a:spcBef>
-              <a:buFont typeface="Arial" panose="020B0604020202020204" pitchFamily="34" charset="0"/>
-              <a:buChar char="•"/>
-              <a:defRPr sz="1800" kern="1200">
-                <a:solidFill>
-                  <a:schemeClr val="tx1"/>
-                </a:solidFill>
-                <a:latin typeface="+mn-lt"/>
-                <a:ea typeface="+mn-ea"/>
-                <a:cs typeface="+mn-cs"/>
-              </a:defRPr>
-            </a:lvl6pPr>
-            <a:lvl7pPr marL="2971800" indent="-228600" algn="l" defTabSz="914400" rtl="0" eaLnBrk="1" latinLnBrk="0" hangingPunct="1">
-              <a:lnSpc>
-                <a:spcPct val="90000"/>
-              </a:lnSpc>
-              <a:spcBef>
-                <a:spcPts val="500"/>
-              </a:spcBef>
-              <a:buFont typeface="Arial" panose="020B0604020202020204" pitchFamily="34" charset="0"/>
-              <a:buChar char="•"/>
-              <a:defRPr sz="1800" kern="1200">
-                <a:solidFill>
-                  <a:schemeClr val="tx1"/>
-                </a:solidFill>
-                <a:latin typeface="+mn-lt"/>
-                <a:ea typeface="+mn-ea"/>
-                <a:cs typeface="+mn-cs"/>
-              </a:defRPr>
-            </a:lvl7pPr>
-            <a:lvl8pPr marL="3429000" indent="-228600" algn="l" defTabSz="914400" rtl="0" eaLnBrk="1" latinLnBrk="0" hangingPunct="1">
-              <a:lnSpc>
-                <a:spcPct val="90000"/>
-              </a:lnSpc>
-              <a:spcBef>
-                <a:spcPts val="500"/>
-              </a:spcBef>
-              <a:buFont typeface="Arial" panose="020B0604020202020204" pitchFamily="34" charset="0"/>
-              <a:buChar char="•"/>
-              <a:defRPr sz="1800" kern="1200">
-                <a:solidFill>
-                  <a:schemeClr val="tx1"/>
-                </a:solidFill>
-                <a:latin typeface="+mn-lt"/>
-                <a:ea typeface="+mn-ea"/>
-                <a:cs typeface="+mn-cs"/>
-              </a:defRPr>
-            </a:lvl8pPr>
-            <a:lvl9pPr marL="3886200" indent="-228600" algn="l" defTabSz="914400" rtl="0" eaLnBrk="1" latinLnBrk="0" hangingPunct="1">
-              <a:lnSpc>
-                <a:spcPct val="90000"/>
-              </a:lnSpc>
-              <a:spcBef>
-                <a:spcPts val="500"/>
-              </a:spcBef>
-              <a:buFont typeface="Arial" panose="020B0604020202020204" pitchFamily="34" charset="0"/>
-              <a:buChar char="•"/>
-              <a:defRPr sz="1800" kern="1200">
-                <a:solidFill>
-                  <a:schemeClr val="tx1"/>
-                </a:solidFill>
-                <a:latin typeface="+mn-lt"/>
-                <a:ea typeface="+mn-ea"/>
-                <a:cs typeface="+mn-cs"/>
-              </a:defRPr>
-            </a:lvl9pPr>
-          </a:lstStyle>
-          <a:p>
-            <a:pPr marL="0" indent="0" algn="just">
-              <a:buNone/>
-            </a:pPr>
-            <a:r>
-              <a:rPr lang="pt-BR" sz="4400" dirty="0">
-                <a:latin typeface="Times New Roman" panose="02020603050405020304" pitchFamily="18" charset="0"/>
-                <a:cs typeface="Times New Roman" panose="02020603050405020304" pitchFamily="18" charset="0"/>
-              </a:rPr>
-              <a:t> </a:t>
-            </a:r>
-          </a:p>
-          <a:p>
-            <a:pPr algn="just"/>
-            <a:r>
-              <a:rPr lang="pt-BR" sz="4400" dirty="0">
-                <a:latin typeface="Times New Roman" panose="02020603050405020304" pitchFamily="18" charset="0"/>
-                <a:cs typeface="Times New Roman" panose="02020603050405020304" pitchFamily="18" charset="0"/>
-              </a:rPr>
-              <a:t>Tempo de Processamento: 00:01:02.5991522</a:t>
-            </a:r>
-          </a:p>
-          <a:p>
-            <a:pPr algn="just"/>
-            <a:endParaRPr lang="pt-BR" sz="4400" dirty="0">
-              <a:latin typeface="Times New Roman" panose="02020603050405020304" pitchFamily="18" charset="0"/>
-              <a:cs typeface="Times New Roman" panose="02020603050405020304" pitchFamily="18" charset="0"/>
-            </a:endParaRPr>
-          </a:p>
-          <a:p>
-            <a:pPr algn="just"/>
-            <a:r>
-              <a:rPr lang="pt-BR" sz="4400" dirty="0">
-                <a:latin typeface="Times New Roman" panose="02020603050405020304" pitchFamily="18" charset="0"/>
-                <a:cs typeface="Times New Roman" panose="02020603050405020304" pitchFamily="18" charset="0"/>
-              </a:rPr>
-              <a:t> Com apenas 1 geração foram gerados 2 indivíduos com aptidão 90.</a:t>
-            </a:r>
-            <a:endParaRPr lang="pt-BR" sz="6000" b="1" dirty="0">
-              <a:latin typeface="Times New Roman" panose="02020603050405020304" pitchFamily="18" charset="0"/>
-              <a:cs typeface="Times New Roman" panose="02020603050405020304" pitchFamily="18" charset="0"/>
-            </a:endParaRPr>
-          </a:p>
-        </p:txBody>
-      </p:sp>
-    </p:spTree>
-    <p:extLst>
-      <p:ext uri="{BB962C8B-B14F-4D97-AF65-F5344CB8AC3E}">
-        <p14:creationId xmlns:p14="http://schemas.microsoft.com/office/powerpoint/2010/main" val="3608014512"/>
-      </p:ext>
-    </p:extLst>
-  </p:cSld>
-  <p:clrMapOvr>
-    <a:masterClrMapping/>
-  </p:clrMapOvr>
-</p:sld>
-</file>
-
-<file path=ppt/slides/slide23.xml><?xml version="1.0" encoding="utf-8"?>
-<p:sld xmlns:a="http://schemas.openxmlformats.org/drawingml/2006/main" xmlns:r="http://schemas.openxmlformats.org/officeDocument/2006/relationships" xmlns:p="http://schemas.openxmlformats.org/presentationml/2006/main">
-  <p:cSld>
-    <p:spTree>
-      <p:nvGrpSpPr>
-        <p:cNvPr id="1" name=""/>
-        <p:cNvGrpSpPr/>
-        <p:nvPr/>
-      </p:nvGrpSpPr>
-      <p:grpSpPr>
-        <a:xfrm>
-          <a:off x="0" y="0"/>
-          <a:ext cx="0" cy="0"/>
-          <a:chOff x="0" y="0"/>
-          <a:chExt cx="0" cy="0"/>
-        </a:xfrm>
-      </p:grpSpPr>
-      <p:pic>
-        <p:nvPicPr>
-          <p:cNvPr id="5" name="Imagem 4">
-            <a:extLst>
-              <a:ext uri="{FF2B5EF4-FFF2-40B4-BE49-F238E27FC236}">
-                <a16:creationId xmlns:a16="http://schemas.microsoft.com/office/drawing/2014/main" id="{F4A7DE7A-3596-402F-8B0C-C00B76A98C55}"/>
-              </a:ext>
-            </a:extLst>
-          </p:cNvPr>
-          <p:cNvPicPr>
-            <a:picLocks noChangeAspect="1"/>
-          </p:cNvPicPr>
-          <p:nvPr/>
-        </p:nvPicPr>
-        <p:blipFill rotWithShape="1">
-          <a:blip r:embed="rId2">
-            <a:extLst>
-              <a:ext uri="{28A0092B-C50C-407E-A947-70E740481C1C}">
-                <a14:useLocalDpi xmlns:a14="http://schemas.microsoft.com/office/drawing/2010/main" val="0"/>
-              </a:ext>
-            </a:extLst>
-          </a:blip>
-          <a:srcRect l="6346" t="9370" r="10231" b="4203"/>
-          <a:stretch/>
-        </p:blipFill>
-        <p:spPr>
-          <a:xfrm>
-            <a:off x="0" y="0"/>
-            <a:ext cx="12191999" cy="6568225"/>
-          </a:xfrm>
-          <a:prstGeom prst="rect">
-            <a:avLst/>
-          </a:prstGeom>
-        </p:spPr>
-      </p:pic>
-    </p:spTree>
-    <p:extLst>
-      <p:ext uri="{BB962C8B-B14F-4D97-AF65-F5344CB8AC3E}">
-        <p14:creationId xmlns:p14="http://schemas.microsoft.com/office/powerpoint/2010/main" val="451064904"/>
-      </p:ext>
-    </p:extLst>
-  </p:cSld>
-  <p:clrMapOvr>
-    <a:masterClrMapping/>
-  </p:clrMapOvr>
-</p:sld>
-</file>
-
-<file path=ppt/slides/slide24.xml><?xml version="1.0" encoding="utf-8"?>
-<p:sld xmlns:a="http://schemas.openxmlformats.org/drawingml/2006/main" xmlns:r="http://schemas.openxmlformats.org/officeDocument/2006/relationships" xmlns:p="http://schemas.openxmlformats.org/presentationml/2006/main">
-  <p:cSld>
-    <p:spTree>
-      <p:nvGrpSpPr>
-        <p:cNvPr id="1" name=""/>
-        <p:cNvGrpSpPr/>
-        <p:nvPr/>
-      </p:nvGrpSpPr>
-      <p:grpSpPr>
-        <a:xfrm>
-          <a:off x="0" y="0"/>
-          <a:ext cx="0" cy="0"/>
-          <a:chOff x="0" y="0"/>
-          <a:chExt cx="0" cy="0"/>
-        </a:xfrm>
-      </p:grpSpPr>
-      <p:pic>
-        <p:nvPicPr>
-          <p:cNvPr id="5" name="Imagem 4">
-            <a:extLst>
-              <a:ext uri="{FF2B5EF4-FFF2-40B4-BE49-F238E27FC236}">
-                <a16:creationId xmlns:a16="http://schemas.microsoft.com/office/drawing/2014/main" id="{F4A7DE7A-3596-402F-8B0C-C00B76A98C55}"/>
-              </a:ext>
-            </a:extLst>
-          </p:cNvPr>
-          <p:cNvPicPr>
-            <a:picLocks noChangeAspect="1"/>
-          </p:cNvPicPr>
-          <p:nvPr/>
-        </p:nvPicPr>
-        <p:blipFill rotWithShape="1">
-          <a:blip r:embed="rId2">
-            <a:extLst>
-              <a:ext uri="{28A0092B-C50C-407E-A947-70E740481C1C}">
-                <a14:useLocalDpi xmlns:a14="http://schemas.microsoft.com/office/drawing/2010/main" val="0"/>
-              </a:ext>
-            </a:extLst>
-          </a:blip>
-          <a:srcRect l="6346" t="9370" r="10231" b="4203"/>
-          <a:stretch/>
-        </p:blipFill>
-        <p:spPr>
-          <a:xfrm>
-            <a:off x="0" y="0"/>
-            <a:ext cx="12191999" cy="6568225"/>
-          </a:xfrm>
-          <a:prstGeom prst="rect">
-            <a:avLst/>
-          </a:prstGeom>
-        </p:spPr>
-      </p:pic>
-      <p:sp>
-        <p:nvSpPr>
-          <p:cNvPr id="6" name="Retângulo 5">
-            <a:extLst>
-              <a:ext uri="{FF2B5EF4-FFF2-40B4-BE49-F238E27FC236}">
-                <a16:creationId xmlns:a16="http://schemas.microsoft.com/office/drawing/2014/main" id="{5DA1FE07-7513-4E2A-A07A-8A65E1370457}"/>
-              </a:ext>
-            </a:extLst>
-          </p:cNvPr>
-          <p:cNvSpPr/>
-          <p:nvPr/>
-        </p:nvSpPr>
-        <p:spPr>
-          <a:xfrm>
-            <a:off x="342182" y="2205017"/>
-            <a:ext cx="1528821" cy="647114"/>
-          </a:xfrm>
-          <a:prstGeom prst="rect">
-            <a:avLst/>
-          </a:prstGeom>
-          <a:noFill/>
-          <a:ln w="76200">
-            <a:solidFill>
-              <a:srgbClr val="FF0000"/>
-            </a:solidFill>
-          </a:ln>
-        </p:spPr>
-        <p:style>
-          <a:lnRef idx="2">
-            <a:schemeClr val="accent1">
-              <a:shade val="50000"/>
-            </a:schemeClr>
-          </a:lnRef>
-          <a:fillRef idx="1">
-            <a:schemeClr val="accent1"/>
-          </a:fillRef>
-          <a:effectRef idx="0">
-            <a:schemeClr val="accent1"/>
-          </a:effectRef>
-          <a:fontRef idx="minor">
-            <a:schemeClr val="lt1"/>
-          </a:fontRef>
-        </p:style>
-        <p:txBody>
-          <a:bodyPr rtlCol="0" anchor="ctr"/>
-          <a:lstStyle/>
-          <a:p>
-            <a:pPr algn="ctr"/>
-            <a:endParaRPr lang="pt-BR"/>
-          </a:p>
-        </p:txBody>
-      </p:sp>
-      <p:sp>
-        <p:nvSpPr>
-          <p:cNvPr id="7" name="Seta: para Baixo 6">
-            <a:extLst>
-              <a:ext uri="{FF2B5EF4-FFF2-40B4-BE49-F238E27FC236}">
-                <a16:creationId xmlns:a16="http://schemas.microsoft.com/office/drawing/2014/main" id="{F34FBC5A-34F2-445A-8361-FAE94125948E}"/>
-              </a:ext>
-            </a:extLst>
-          </p:cNvPr>
-          <p:cNvSpPr/>
-          <p:nvPr/>
-        </p:nvSpPr>
-        <p:spPr>
-          <a:xfrm rot="4373822">
-            <a:off x="2279653" y="1010418"/>
-            <a:ext cx="1088984" cy="1659407"/>
-          </a:xfrm>
-          <a:prstGeom prst="downArrow">
-            <a:avLst/>
-          </a:prstGeom>
-          <a:solidFill>
-            <a:srgbClr val="FF0000"/>
-          </a:solidFill>
-          <a:ln>
-            <a:solidFill>
-              <a:srgbClr val="FF0000"/>
-            </a:solidFill>
-          </a:ln>
-        </p:spPr>
-        <p:style>
-          <a:lnRef idx="2">
-            <a:schemeClr val="accent1">
-              <a:shade val="50000"/>
-            </a:schemeClr>
-          </a:lnRef>
-          <a:fillRef idx="1">
-            <a:schemeClr val="accent1"/>
-          </a:fillRef>
-          <a:effectRef idx="0">
-            <a:schemeClr val="accent1"/>
-          </a:effectRef>
-          <a:fontRef idx="minor">
-            <a:schemeClr val="lt1"/>
-          </a:fontRef>
-        </p:style>
-        <p:txBody>
-          <a:bodyPr rtlCol="0" anchor="ctr"/>
-          <a:lstStyle/>
-          <a:p>
-            <a:pPr algn="ctr"/>
-            <a:endParaRPr lang="pt-BR"/>
-          </a:p>
-        </p:txBody>
-      </p:sp>
-    </p:spTree>
-    <p:extLst>
-      <p:ext uri="{BB962C8B-B14F-4D97-AF65-F5344CB8AC3E}">
-        <p14:creationId xmlns:p14="http://schemas.microsoft.com/office/powerpoint/2010/main" val="3393351894"/>
-      </p:ext>
-    </p:extLst>
-  </p:cSld>
-  <p:clrMapOvr>
-    <a:masterClrMapping/>
-  </p:clrMapOvr>
-</p:sld>
-</file>
-
-<file path=ppt/slides/slide25.xml><?xml version="1.0" encoding="utf-8"?>
-<p:sld xmlns:a="http://schemas.openxmlformats.org/drawingml/2006/main" xmlns:r="http://schemas.openxmlformats.org/officeDocument/2006/relationships" xmlns:p="http://schemas.openxmlformats.org/presentationml/2006/main">
-  <p:cSld>
-    <p:spTree>
-      <p:nvGrpSpPr>
-        <p:cNvPr id="1" name=""/>
-        <p:cNvGrpSpPr/>
-        <p:nvPr/>
-      </p:nvGrpSpPr>
-      <p:grpSpPr>
-        <a:xfrm>
-          <a:off x="0" y="0"/>
-          <a:ext cx="0" cy="0"/>
-          <a:chOff x="0" y="0"/>
-          <a:chExt cx="0" cy="0"/>
-        </a:xfrm>
-      </p:grpSpPr>
-      <p:pic>
-        <p:nvPicPr>
-          <p:cNvPr id="5" name="Imagem 4">
-            <a:extLst>
-              <a:ext uri="{FF2B5EF4-FFF2-40B4-BE49-F238E27FC236}">
-                <a16:creationId xmlns:a16="http://schemas.microsoft.com/office/drawing/2014/main" id="{F4A7DE7A-3596-402F-8B0C-C00B76A98C55}"/>
-              </a:ext>
-            </a:extLst>
-          </p:cNvPr>
-          <p:cNvPicPr>
-            <a:picLocks noChangeAspect="1"/>
-          </p:cNvPicPr>
-          <p:nvPr/>
-        </p:nvPicPr>
-        <p:blipFill rotWithShape="1">
-          <a:blip r:embed="rId2">
-            <a:extLst>
-              <a:ext uri="{28A0092B-C50C-407E-A947-70E740481C1C}">
-                <a14:useLocalDpi xmlns:a14="http://schemas.microsoft.com/office/drawing/2010/main" val="0"/>
-              </a:ext>
-            </a:extLst>
-          </a:blip>
-          <a:srcRect l="6346" t="9370" r="10231" b="4203"/>
-          <a:stretch/>
-        </p:blipFill>
-        <p:spPr>
-          <a:xfrm>
-            <a:off x="0" y="0"/>
-            <a:ext cx="12191999" cy="6568225"/>
-          </a:xfrm>
-          <a:prstGeom prst="rect">
-            <a:avLst/>
-          </a:prstGeom>
-        </p:spPr>
-      </p:pic>
-      <p:sp>
-        <p:nvSpPr>
-          <p:cNvPr id="6" name="Retângulo 5">
-            <a:extLst>
-              <a:ext uri="{FF2B5EF4-FFF2-40B4-BE49-F238E27FC236}">
-                <a16:creationId xmlns:a16="http://schemas.microsoft.com/office/drawing/2014/main" id="{5DA1FE07-7513-4E2A-A07A-8A65E1370457}"/>
-              </a:ext>
-            </a:extLst>
-          </p:cNvPr>
-          <p:cNvSpPr/>
-          <p:nvPr/>
-        </p:nvSpPr>
-        <p:spPr>
-          <a:xfrm>
-            <a:off x="342182" y="2781886"/>
-            <a:ext cx="5753818" cy="1185203"/>
-          </a:xfrm>
-          <a:prstGeom prst="rect">
-            <a:avLst/>
-          </a:prstGeom>
-          <a:noFill/>
-          <a:ln w="76200">
-            <a:solidFill>
-              <a:srgbClr val="FF0000"/>
-            </a:solidFill>
-          </a:ln>
-        </p:spPr>
-        <p:style>
-          <a:lnRef idx="2">
-            <a:schemeClr val="accent1">
-              <a:shade val="50000"/>
-            </a:schemeClr>
-          </a:lnRef>
-          <a:fillRef idx="1">
-            <a:schemeClr val="accent1"/>
-          </a:fillRef>
-          <a:effectRef idx="0">
-            <a:schemeClr val="accent1"/>
-          </a:effectRef>
-          <a:fontRef idx="minor">
-            <a:schemeClr val="lt1"/>
-          </a:fontRef>
-        </p:style>
-        <p:txBody>
-          <a:bodyPr rtlCol="0" anchor="ctr"/>
-          <a:lstStyle/>
-          <a:p>
-            <a:pPr algn="ctr"/>
-            <a:endParaRPr lang="pt-BR"/>
-          </a:p>
-        </p:txBody>
-      </p:sp>
-      <p:sp>
-        <p:nvSpPr>
-          <p:cNvPr id="7" name="Seta: para Baixo 6">
-            <a:extLst>
-              <a:ext uri="{FF2B5EF4-FFF2-40B4-BE49-F238E27FC236}">
-                <a16:creationId xmlns:a16="http://schemas.microsoft.com/office/drawing/2014/main" id="{F34FBC5A-34F2-445A-8361-FAE94125948E}"/>
-              </a:ext>
-            </a:extLst>
-          </p:cNvPr>
-          <p:cNvSpPr/>
-          <p:nvPr/>
-        </p:nvSpPr>
-        <p:spPr>
-          <a:xfrm rot="4373822">
-            <a:off x="6891855" y="1282930"/>
-            <a:ext cx="1587814" cy="2273355"/>
-          </a:xfrm>
-          <a:prstGeom prst="downArrow">
-            <a:avLst/>
-          </a:prstGeom>
-          <a:solidFill>
-            <a:srgbClr val="FF0000"/>
-          </a:solidFill>
-          <a:ln>
-            <a:solidFill>
-              <a:srgbClr val="FF0000"/>
-            </a:solidFill>
-          </a:ln>
-        </p:spPr>
-        <p:style>
-          <a:lnRef idx="2">
-            <a:schemeClr val="accent1">
-              <a:shade val="50000"/>
-            </a:schemeClr>
-          </a:lnRef>
-          <a:fillRef idx="1">
-            <a:schemeClr val="accent1"/>
-          </a:fillRef>
-          <a:effectRef idx="0">
-            <a:schemeClr val="accent1"/>
-          </a:effectRef>
-          <a:fontRef idx="minor">
-            <a:schemeClr val="lt1"/>
-          </a:fontRef>
-        </p:style>
-        <p:txBody>
-          <a:bodyPr rtlCol="0" anchor="ctr"/>
-          <a:lstStyle/>
-          <a:p>
-            <a:pPr algn="ctr"/>
-            <a:endParaRPr lang="pt-BR"/>
-          </a:p>
-        </p:txBody>
-      </p:sp>
-    </p:spTree>
-    <p:extLst>
-      <p:ext uri="{BB962C8B-B14F-4D97-AF65-F5344CB8AC3E}">
-        <p14:creationId xmlns:p14="http://schemas.microsoft.com/office/powerpoint/2010/main" val="1211678445"/>
-      </p:ext>
-    </p:extLst>
   </p:cSld>
   <p:clrMapOvr>
     <a:masterClrMapping/>
@@ -10218,20 +11241,20 @@
                 </a:solidFill>
                 <a:latin typeface="+mn-lt"/>
               </a:rPr>
-              <a:t>Teste com 250 indivíduos</a:t>
-            </a:r>
+              <a:t>Teste com 500 indivíduos</a:t>
+            </a:r>
+            <a:endParaRPr lang="pt-BR" sz="6600" b="1" dirty="0">
+              <a:solidFill>
+                <a:srgbClr val="049BE6"/>
+              </a:solidFill>
+              <a:latin typeface="+mn-lt"/>
+            </a:endParaRPr>
           </a:p>
         </p:txBody>
       </p:sp>
       <p:sp>
         <p:nvSpPr>
-          <p:cNvPr id="3" name="Espaço Reservado para Conteúdo 2">
-            <a:extLst>
-              <a:ext uri="{FF2B5EF4-FFF2-40B4-BE49-F238E27FC236}">
-                <a16:creationId xmlns:a16="http://schemas.microsoft.com/office/drawing/2014/main" id="{1CD36C4C-0C50-4D05-93FE-129DE55BE56A}"/>
-              </a:ext>
-            </a:extLst>
-          </p:cNvPr>
+          <p:cNvPr id="3" name="Espaço Reservado para Conteúdo 2"/>
           <p:cNvSpPr txBox="1"/>
           <p:nvPr/>
         </p:nvSpPr>
@@ -10417,41 +11440,48 @@
               <a:buNone/>
             </a:pPr>
             <a:r>
-              <a:rPr lang="pt-BR" sz="4000" dirty="0">
+              <a:rPr lang="pt-BR" sz="4400" dirty="0">
                 <a:latin typeface="Times New Roman" panose="02020603050405020304" pitchFamily="18" charset="0"/>
                 <a:cs typeface="Times New Roman" panose="02020603050405020304" pitchFamily="18" charset="0"/>
               </a:rPr>
               <a:t> </a:t>
             </a:r>
+            <a:endParaRPr lang="pt-BR" sz="4400" dirty="0">
+              <a:latin typeface="Times New Roman" panose="02020603050405020304" pitchFamily="18" charset="0"/>
+              <a:cs typeface="Times New Roman" panose="02020603050405020304" pitchFamily="18" charset="0"/>
+            </a:endParaRPr>
           </a:p>
           <a:p>
             <a:pPr algn="just"/>
             <a:r>
-              <a:rPr lang="pt-BR" sz="4000" dirty="0">
+              <a:rPr lang="pt-BR" sz="4400" dirty="0">
                 <a:latin typeface="Times New Roman" panose="02020603050405020304" pitchFamily="18" charset="0"/>
                 <a:cs typeface="Times New Roman" panose="02020603050405020304" pitchFamily="18" charset="0"/>
               </a:rPr>
-              <a:t> Tempo de Processamento: </a:t>
-            </a:r>
-            <a:r>
-              <a:rPr lang="pt-BR" sz="4000" dirty="0"/>
-              <a:t>00:00:23.4041374</a:t>
-            </a:r>
-            <a:endParaRPr lang="pt-BR" sz="4000" dirty="0">
+              <a:t>Tempo de Processamento: 00:01:02.5991522</a:t>
+            </a:r>
+            <a:endParaRPr lang="pt-BR" sz="4400" dirty="0">
               <a:latin typeface="Times New Roman" panose="02020603050405020304" pitchFamily="18" charset="0"/>
               <a:cs typeface="Times New Roman" panose="02020603050405020304" pitchFamily="18" charset="0"/>
             </a:endParaRPr>
           </a:p>
           <a:p>
             <a:pPr algn="just"/>
-            <a:r>
-              <a:rPr lang="pt-BR" sz="4000" dirty="0">
+            <a:endParaRPr lang="pt-BR" sz="4400" dirty="0">
+              <a:latin typeface="Times New Roman" panose="02020603050405020304" pitchFamily="18" charset="0"/>
+              <a:cs typeface="Times New Roman" panose="02020603050405020304" pitchFamily="18" charset="0"/>
+            </a:endParaRPr>
+          </a:p>
+          <a:p>
+            <a:pPr algn="just"/>
+            <a:r>
+              <a:rPr lang="pt-BR" sz="4400" dirty="0">
                 <a:latin typeface="Times New Roman" panose="02020603050405020304" pitchFamily="18" charset="0"/>
                 <a:cs typeface="Times New Roman" panose="02020603050405020304" pitchFamily="18" charset="0"/>
               </a:rPr>
-              <a:t> Na 3 geração foi gerado 1 indivíduo com aptidão 90.</a:t>
-            </a:r>
-            <a:endParaRPr lang="pt-BR" sz="4000" b="1" dirty="0">
+              <a:t> Com apenas 1 geração foram gerados 2 indivíduos com aptidão 90.</a:t>
+            </a:r>
+            <a:endParaRPr lang="pt-BR" sz="6000" b="1" dirty="0">
               <a:latin typeface="Times New Roman" panose="02020603050405020304" pitchFamily="18" charset="0"/>
               <a:cs typeface="Times New Roman" panose="02020603050405020304" pitchFamily="18" charset="0"/>
             </a:endParaRPr>
@@ -10459,11 +11489,6 @@
         </p:txBody>
       </p:sp>
     </p:spTree>
-    <p:extLst>
-      <p:ext uri="{BB962C8B-B14F-4D97-AF65-F5344CB8AC3E}">
-        <p14:creationId xmlns:p14="http://schemas.microsoft.com/office/powerpoint/2010/main" val="3692303507"/>
-      </p:ext>
-    </p:extLst>
   </p:cSld>
   <p:clrMapOvr>
     <a:masterClrMapping/>
@@ -10490,20 +11515,850 @@
       </p:grpSpPr>
       <p:pic>
         <p:nvPicPr>
-          <p:cNvPr id="3" name="Imagem 2">
-            <a:extLst>
-              <a:ext uri="{FF2B5EF4-FFF2-40B4-BE49-F238E27FC236}">
-                <a16:creationId xmlns:a16="http://schemas.microsoft.com/office/drawing/2014/main" id="{4AF42242-2D9F-4FFE-BE84-E064A1866D09}"/>
-              </a:ext>
-            </a:extLst>
-          </p:cNvPr>
+          <p:cNvPr id="5" name="Imagem 4"/>
           <p:cNvPicPr>
             <a:picLocks noChangeAspect="1"/>
           </p:cNvPicPr>
           <p:nvPr/>
         </p:nvPicPr>
         <p:blipFill rotWithShape="1">
-          <a:blip r:embed="rId2">
+          <a:blip r:embed="rId1">
+            <a:extLst>
+              <a:ext uri="{28A0092B-C50C-407E-A947-70E740481C1C}">
+                <a14:useLocalDpi xmlns:a14="http://schemas.microsoft.com/office/drawing/2010/main" val="0"/>
+              </a:ext>
+            </a:extLst>
+          </a:blip>
+          <a:srcRect l="6346" t="9370" r="10231" b="4203"/>
+          <a:stretch>
+            <a:fillRect/>
+          </a:stretch>
+        </p:blipFill>
+        <p:spPr>
+          <a:xfrm>
+            <a:off x="0" y="0"/>
+            <a:ext cx="12191999" cy="6568225"/>
+          </a:xfrm>
+          <a:prstGeom prst="rect">
+            <a:avLst/>
+          </a:prstGeom>
+        </p:spPr>
+      </p:pic>
+    </p:spTree>
+  </p:cSld>
+  <p:clrMapOvr>
+    <a:masterClrMapping/>
+  </p:clrMapOvr>
+</p:sld>
+</file>
+
+<file path=ppt/slides/slide28.xml><?xml version="1.0" encoding="utf-8"?>
+<p:sld xmlns:a="http://schemas.openxmlformats.org/drawingml/2006/main" xmlns:r="http://schemas.openxmlformats.org/officeDocument/2006/relationships" xmlns:p="http://schemas.openxmlformats.org/presentationml/2006/main">
+  <p:cSld>
+    <p:spTree>
+      <p:nvGrpSpPr>
+        <p:cNvPr id="1" name=""/>
+        <p:cNvGrpSpPr/>
+        <p:nvPr/>
+      </p:nvGrpSpPr>
+      <p:grpSpPr>
+        <a:xfrm>
+          <a:off x="0" y="0"/>
+          <a:ext cx="0" cy="0"/>
+          <a:chOff x="0" y="0"/>
+          <a:chExt cx="0" cy="0"/>
+        </a:xfrm>
+      </p:grpSpPr>
+      <p:pic>
+        <p:nvPicPr>
+          <p:cNvPr id="5" name="Imagem 4"/>
+          <p:cNvPicPr>
+            <a:picLocks noChangeAspect="1"/>
+          </p:cNvPicPr>
+          <p:nvPr/>
+        </p:nvPicPr>
+        <p:blipFill rotWithShape="1">
+          <a:blip r:embed="rId1">
+            <a:extLst>
+              <a:ext uri="{28A0092B-C50C-407E-A947-70E740481C1C}">
+                <a14:useLocalDpi xmlns:a14="http://schemas.microsoft.com/office/drawing/2010/main" val="0"/>
+              </a:ext>
+            </a:extLst>
+          </a:blip>
+          <a:srcRect l="6346" t="9370" r="10231" b="4203"/>
+          <a:stretch>
+            <a:fillRect/>
+          </a:stretch>
+        </p:blipFill>
+        <p:spPr>
+          <a:xfrm>
+            <a:off x="0" y="0"/>
+            <a:ext cx="12191999" cy="6568225"/>
+          </a:xfrm>
+          <a:prstGeom prst="rect">
+            <a:avLst/>
+          </a:prstGeom>
+        </p:spPr>
+      </p:pic>
+      <p:sp>
+        <p:nvSpPr>
+          <p:cNvPr id="6" name="Retângulo 5"/>
+          <p:cNvSpPr/>
+          <p:nvPr/>
+        </p:nvSpPr>
+        <p:spPr>
+          <a:xfrm>
+            <a:off x="342182" y="2205017"/>
+            <a:ext cx="1528821" cy="647114"/>
+          </a:xfrm>
+          <a:prstGeom prst="rect">
+            <a:avLst/>
+          </a:prstGeom>
+          <a:noFill/>
+          <a:ln w="76200">
+            <a:solidFill>
+              <a:srgbClr val="FF0000"/>
+            </a:solidFill>
+          </a:ln>
+        </p:spPr>
+        <p:style>
+          <a:lnRef idx="2">
+            <a:schemeClr val="accent1">
+              <a:shade val="50000"/>
+            </a:schemeClr>
+          </a:lnRef>
+          <a:fillRef idx="1">
+            <a:schemeClr val="accent1"/>
+          </a:fillRef>
+          <a:effectRef idx="0">
+            <a:schemeClr val="accent1"/>
+          </a:effectRef>
+          <a:fontRef idx="minor">
+            <a:schemeClr val="lt1"/>
+          </a:fontRef>
+        </p:style>
+        <p:txBody>
+          <a:bodyPr rtlCol="0" anchor="ctr"/>
+          <a:lstStyle/>
+          <a:p>
+            <a:pPr algn="ctr"/>
+            <a:endParaRPr lang="pt-BR"/>
+          </a:p>
+        </p:txBody>
+      </p:sp>
+      <p:sp>
+        <p:nvSpPr>
+          <p:cNvPr id="7" name="Seta: para Baixo 6"/>
+          <p:cNvSpPr/>
+          <p:nvPr/>
+        </p:nvSpPr>
+        <p:spPr>
+          <a:xfrm rot="4373822">
+            <a:off x="2279653" y="1010418"/>
+            <a:ext cx="1088984" cy="1659407"/>
+          </a:xfrm>
+          <a:prstGeom prst="downArrow">
+            <a:avLst/>
+          </a:prstGeom>
+          <a:solidFill>
+            <a:srgbClr val="FF0000"/>
+          </a:solidFill>
+          <a:ln>
+            <a:solidFill>
+              <a:srgbClr val="FF0000"/>
+            </a:solidFill>
+          </a:ln>
+        </p:spPr>
+        <p:style>
+          <a:lnRef idx="2">
+            <a:schemeClr val="accent1">
+              <a:shade val="50000"/>
+            </a:schemeClr>
+          </a:lnRef>
+          <a:fillRef idx="1">
+            <a:schemeClr val="accent1"/>
+          </a:fillRef>
+          <a:effectRef idx="0">
+            <a:schemeClr val="accent1"/>
+          </a:effectRef>
+          <a:fontRef idx="minor">
+            <a:schemeClr val="lt1"/>
+          </a:fontRef>
+        </p:style>
+        <p:txBody>
+          <a:bodyPr rtlCol="0" anchor="ctr"/>
+          <a:lstStyle/>
+          <a:p>
+            <a:pPr algn="ctr"/>
+            <a:endParaRPr lang="pt-BR"/>
+          </a:p>
+        </p:txBody>
+      </p:sp>
+    </p:spTree>
+  </p:cSld>
+  <p:clrMapOvr>
+    <a:masterClrMapping/>
+  </p:clrMapOvr>
+</p:sld>
+</file>
+
+<file path=ppt/slides/slide29.xml><?xml version="1.0" encoding="utf-8"?>
+<p:sld xmlns:a="http://schemas.openxmlformats.org/drawingml/2006/main" xmlns:r="http://schemas.openxmlformats.org/officeDocument/2006/relationships" xmlns:p="http://schemas.openxmlformats.org/presentationml/2006/main">
+  <p:cSld>
+    <p:spTree>
+      <p:nvGrpSpPr>
+        <p:cNvPr id="1" name=""/>
+        <p:cNvGrpSpPr/>
+        <p:nvPr/>
+      </p:nvGrpSpPr>
+      <p:grpSpPr>
+        <a:xfrm>
+          <a:off x="0" y="0"/>
+          <a:ext cx="0" cy="0"/>
+          <a:chOff x="0" y="0"/>
+          <a:chExt cx="0" cy="0"/>
+        </a:xfrm>
+      </p:grpSpPr>
+      <p:pic>
+        <p:nvPicPr>
+          <p:cNvPr id="5" name="Imagem 4"/>
+          <p:cNvPicPr>
+            <a:picLocks noChangeAspect="1"/>
+          </p:cNvPicPr>
+          <p:nvPr/>
+        </p:nvPicPr>
+        <p:blipFill rotWithShape="1">
+          <a:blip r:embed="rId1">
+            <a:extLst>
+              <a:ext uri="{28A0092B-C50C-407E-A947-70E740481C1C}">
+                <a14:useLocalDpi xmlns:a14="http://schemas.microsoft.com/office/drawing/2010/main" val="0"/>
+              </a:ext>
+            </a:extLst>
+          </a:blip>
+          <a:srcRect l="6346" t="9370" r="10231" b="4203"/>
+          <a:stretch>
+            <a:fillRect/>
+          </a:stretch>
+        </p:blipFill>
+        <p:spPr>
+          <a:xfrm>
+            <a:off x="0" y="0"/>
+            <a:ext cx="12191999" cy="6568225"/>
+          </a:xfrm>
+          <a:prstGeom prst="rect">
+            <a:avLst/>
+          </a:prstGeom>
+        </p:spPr>
+      </p:pic>
+      <p:sp>
+        <p:nvSpPr>
+          <p:cNvPr id="6" name="Retângulo 5"/>
+          <p:cNvSpPr/>
+          <p:nvPr/>
+        </p:nvSpPr>
+        <p:spPr>
+          <a:xfrm>
+            <a:off x="342182" y="2781886"/>
+            <a:ext cx="5753818" cy="1185203"/>
+          </a:xfrm>
+          <a:prstGeom prst="rect">
+            <a:avLst/>
+          </a:prstGeom>
+          <a:noFill/>
+          <a:ln w="76200">
+            <a:solidFill>
+              <a:srgbClr val="FF0000"/>
+            </a:solidFill>
+          </a:ln>
+        </p:spPr>
+        <p:style>
+          <a:lnRef idx="2">
+            <a:schemeClr val="accent1">
+              <a:shade val="50000"/>
+            </a:schemeClr>
+          </a:lnRef>
+          <a:fillRef idx="1">
+            <a:schemeClr val="accent1"/>
+          </a:fillRef>
+          <a:effectRef idx="0">
+            <a:schemeClr val="accent1"/>
+          </a:effectRef>
+          <a:fontRef idx="minor">
+            <a:schemeClr val="lt1"/>
+          </a:fontRef>
+        </p:style>
+        <p:txBody>
+          <a:bodyPr rtlCol="0" anchor="ctr"/>
+          <a:lstStyle/>
+          <a:p>
+            <a:pPr algn="ctr"/>
+            <a:endParaRPr lang="pt-BR"/>
+          </a:p>
+        </p:txBody>
+      </p:sp>
+      <p:sp>
+        <p:nvSpPr>
+          <p:cNvPr id="7" name="Seta: para Baixo 6"/>
+          <p:cNvSpPr/>
+          <p:nvPr/>
+        </p:nvSpPr>
+        <p:spPr>
+          <a:xfrm rot="4373822">
+            <a:off x="6891855" y="1282930"/>
+            <a:ext cx="1587814" cy="2273355"/>
+          </a:xfrm>
+          <a:prstGeom prst="downArrow">
+            <a:avLst/>
+          </a:prstGeom>
+          <a:solidFill>
+            <a:srgbClr val="FF0000"/>
+          </a:solidFill>
+          <a:ln>
+            <a:solidFill>
+              <a:srgbClr val="FF0000"/>
+            </a:solidFill>
+          </a:ln>
+        </p:spPr>
+        <p:style>
+          <a:lnRef idx="2">
+            <a:schemeClr val="accent1">
+              <a:shade val="50000"/>
+            </a:schemeClr>
+          </a:lnRef>
+          <a:fillRef idx="1">
+            <a:schemeClr val="accent1"/>
+          </a:fillRef>
+          <a:effectRef idx="0">
+            <a:schemeClr val="accent1"/>
+          </a:effectRef>
+          <a:fontRef idx="minor">
+            <a:schemeClr val="lt1"/>
+          </a:fontRef>
+        </p:style>
+        <p:txBody>
+          <a:bodyPr rtlCol="0" anchor="ctr"/>
+          <a:lstStyle/>
+          <a:p>
+            <a:pPr algn="ctr"/>
+            <a:endParaRPr lang="pt-BR"/>
+          </a:p>
+        </p:txBody>
+      </p:sp>
+    </p:spTree>
+  </p:cSld>
+  <p:clrMapOvr>
+    <a:masterClrMapping/>
+  </p:clrMapOvr>
+</p:sld>
+</file>
+
+<file path=ppt/slides/slide3.xml><?xml version="1.0" encoding="utf-8"?>
+<p:sld xmlns:a="http://schemas.openxmlformats.org/drawingml/2006/main" xmlns:r="http://schemas.openxmlformats.org/officeDocument/2006/relationships" xmlns:p="http://schemas.openxmlformats.org/presentationml/2006/main">
+  <p:cSld>
+    <p:spTree>
+      <p:nvGrpSpPr>
+        <p:cNvPr id="1" name=""/>
+        <p:cNvGrpSpPr/>
+        <p:nvPr/>
+      </p:nvGrpSpPr>
+      <p:grpSpPr>
+        <a:xfrm>
+          <a:off x="0" y="0"/>
+          <a:ext cx="0" cy="0"/>
+          <a:chOff x="0" y="0"/>
+          <a:chExt cx="0" cy="0"/>
+        </a:xfrm>
+      </p:grpSpPr>
+      <p:sp>
+        <p:nvSpPr>
+          <p:cNvPr id="2" name="Título 1"/>
+          <p:cNvSpPr>
+            <a:spLocks noGrp="1"/>
+          </p:cNvSpPr>
+          <p:nvPr>
+            <p:ph type="title"/>
+          </p:nvPr>
+        </p:nvSpPr>
+        <p:spPr/>
+        <p:txBody>
+          <a:bodyPr>
+            <a:normAutofit/>
+          </a:bodyPr>
+          <a:lstStyle/>
+          <a:p>
+            <a:pPr algn="ctr"/>
+            <a:r>
+              <a:rPr lang="pt-BR" sz="8000" b="1" dirty="0">
+                <a:solidFill>
+                  <a:srgbClr val="049BE6"/>
+                </a:solidFill>
+                <a:latin typeface="+mn-lt"/>
+              </a:rPr>
+              <a:t>Agenda</a:t>
+            </a:r>
+            <a:endParaRPr lang="pt-BR" sz="8000" b="1" dirty="0">
+              <a:solidFill>
+                <a:srgbClr val="049BE6"/>
+              </a:solidFill>
+              <a:latin typeface="+mn-lt"/>
+            </a:endParaRPr>
+          </a:p>
+        </p:txBody>
+      </p:sp>
+      <p:sp>
+        <p:nvSpPr>
+          <p:cNvPr id="3" name="Espaço Reservado para Conteúdo 2"/>
+          <p:cNvSpPr>
+            <a:spLocks noGrp="1"/>
+          </p:cNvSpPr>
+          <p:nvPr>
+            <p:ph idx="1"/>
+          </p:nvPr>
+        </p:nvSpPr>
+        <p:spPr/>
+        <p:txBody>
+          <a:bodyPr>
+            <a:normAutofit/>
+          </a:bodyPr>
+          <a:lstStyle/>
+          <a:p>
+            <a:pPr marL="514350" indent="-514350">
+              <a:buFont typeface="+mj-lt"/>
+              <a:buAutoNum type="arabicPeriod"/>
+            </a:pPr>
+            <a:r>
+              <a:rPr lang="pt-BR" sz="4000" b="1" dirty="0">
+                <a:latin typeface="Times New Roman" panose="02020603050405020304" pitchFamily="18" charset="0"/>
+                <a:cs typeface="Times New Roman" panose="02020603050405020304" pitchFamily="18" charset="0"/>
+              </a:rPr>
+              <a:t>O que é Algoritmo Genético?</a:t>
+            </a:r>
+            <a:endParaRPr lang="pt-BR" sz="4000" b="1" dirty="0">
+              <a:latin typeface="Times New Roman" panose="02020603050405020304" pitchFamily="18" charset="0"/>
+              <a:cs typeface="Times New Roman" panose="02020603050405020304" pitchFamily="18" charset="0"/>
+            </a:endParaRPr>
+          </a:p>
+          <a:p>
+            <a:pPr marL="514350" indent="-514350">
+              <a:buFont typeface="+mj-lt"/>
+              <a:buAutoNum type="arabicPeriod"/>
+            </a:pPr>
+            <a:r>
+              <a:rPr lang="pt-BR" sz="4000" b="1" dirty="0">
+                <a:latin typeface="Times New Roman" panose="02020603050405020304" pitchFamily="18" charset="0"/>
+                <a:cs typeface="Times New Roman" panose="02020603050405020304" pitchFamily="18" charset="0"/>
+              </a:rPr>
+              <a:t>Motivação</a:t>
+            </a:r>
+            <a:endParaRPr lang="pt-BR" sz="4000" b="1" dirty="0">
+              <a:latin typeface="Times New Roman" panose="02020603050405020304" pitchFamily="18" charset="0"/>
+              <a:cs typeface="Times New Roman" panose="02020603050405020304" pitchFamily="18" charset="0"/>
+            </a:endParaRPr>
+          </a:p>
+          <a:p>
+            <a:pPr marL="514350" indent="-514350">
+              <a:buFont typeface="+mj-lt"/>
+              <a:buAutoNum type="arabicPeriod"/>
+            </a:pPr>
+            <a:r>
+              <a:rPr lang="pt-BR" sz="4000" b="1" dirty="0">
+                <a:latin typeface="Times New Roman" panose="02020603050405020304" pitchFamily="18" charset="0"/>
+                <a:cs typeface="Times New Roman" panose="02020603050405020304" pitchFamily="18" charset="0"/>
+              </a:rPr>
+              <a:t>Resolução do Problema utilizando Algoritmo Genético</a:t>
+            </a:r>
+            <a:endParaRPr lang="pt-BR" sz="4000" b="1" dirty="0">
+              <a:latin typeface="Times New Roman" panose="02020603050405020304" pitchFamily="18" charset="0"/>
+              <a:cs typeface="Times New Roman" panose="02020603050405020304" pitchFamily="18" charset="0"/>
+            </a:endParaRPr>
+          </a:p>
+          <a:p>
+            <a:pPr marL="514350" indent="-514350">
+              <a:buFont typeface="+mj-lt"/>
+              <a:buAutoNum type="arabicPeriod"/>
+            </a:pPr>
+            <a:r>
+              <a:rPr lang="pt-BR" sz="4000" b="1" dirty="0">
+                <a:latin typeface="Times New Roman" panose="02020603050405020304" pitchFamily="18" charset="0"/>
+                <a:cs typeface="Times New Roman" panose="02020603050405020304" pitchFamily="18" charset="0"/>
+              </a:rPr>
+              <a:t>Apresentação do software</a:t>
+            </a:r>
+            <a:endParaRPr lang="pt-BR" sz="4000" b="1" dirty="0">
+              <a:latin typeface="Times New Roman" panose="02020603050405020304" pitchFamily="18" charset="0"/>
+              <a:cs typeface="Times New Roman" panose="02020603050405020304" pitchFamily="18" charset="0"/>
+            </a:endParaRPr>
+          </a:p>
+          <a:p>
+            <a:pPr marL="514350" indent="-514350">
+              <a:buFont typeface="+mj-lt"/>
+              <a:buAutoNum type="arabicPeriod"/>
+            </a:pPr>
+            <a:r>
+              <a:rPr lang="pt-BR" sz="4000" b="1" dirty="0">
+                <a:latin typeface="Times New Roman" panose="02020603050405020304" pitchFamily="18" charset="0"/>
+                <a:cs typeface="Times New Roman" panose="02020603050405020304" pitchFamily="18" charset="0"/>
+              </a:rPr>
+              <a:t>Tecnologias Usadas</a:t>
+            </a:r>
+            <a:endParaRPr lang="pt-BR" sz="4000" b="1" dirty="0">
+              <a:latin typeface="Times New Roman" panose="02020603050405020304" pitchFamily="18" charset="0"/>
+              <a:cs typeface="Times New Roman" panose="02020603050405020304" pitchFamily="18" charset="0"/>
+            </a:endParaRPr>
+          </a:p>
+        </p:txBody>
+      </p:sp>
+    </p:spTree>
+  </p:cSld>
+  <p:clrMapOvr>
+    <a:masterClrMapping/>
+  </p:clrMapOvr>
+</p:sld>
+</file>
+
+<file path=ppt/slides/slide30.xml><?xml version="1.0" encoding="utf-8"?>
+<p:sld xmlns:a="http://schemas.openxmlformats.org/drawingml/2006/main" xmlns:r="http://schemas.openxmlformats.org/officeDocument/2006/relationships" xmlns:p="http://schemas.openxmlformats.org/presentationml/2006/main">
+  <p:cSld>
+    <p:spTree>
+      <p:nvGrpSpPr>
+        <p:cNvPr id="1" name=""/>
+        <p:cNvGrpSpPr/>
+        <p:nvPr/>
+      </p:nvGrpSpPr>
+      <p:grpSpPr>
+        <a:xfrm>
+          <a:off x="0" y="0"/>
+          <a:ext cx="0" cy="0"/>
+          <a:chOff x="0" y="0"/>
+          <a:chExt cx="0" cy="0"/>
+        </a:xfrm>
+      </p:grpSpPr>
+      <p:sp>
+        <p:nvSpPr>
+          <p:cNvPr id="2" name="Título 1"/>
+          <p:cNvSpPr txBox="1"/>
+          <p:nvPr/>
+        </p:nvSpPr>
+        <p:spPr>
+          <a:xfrm>
+            <a:off x="655906" y="496679"/>
+            <a:ext cx="10880188" cy="970671"/>
+          </a:xfrm>
+          <a:prstGeom prst="rect">
+            <a:avLst/>
+          </a:prstGeom>
+        </p:spPr>
+        <p:txBody>
+          <a:bodyPr>
+            <a:noAutofit/>
+          </a:bodyPr>
+          <a:lstStyle>
+            <a:lvl1pPr algn="l" defTabSz="914400" rtl="0" eaLnBrk="1" latinLnBrk="0" hangingPunct="1">
+              <a:lnSpc>
+                <a:spcPct val="90000"/>
+              </a:lnSpc>
+              <a:spcBef>
+                <a:spcPct val="0"/>
+              </a:spcBef>
+              <a:buNone/>
+              <a:defRPr sz="4400" kern="1200">
+                <a:solidFill>
+                  <a:schemeClr val="tx1"/>
+                </a:solidFill>
+                <a:latin typeface="+mj-lt"/>
+                <a:ea typeface="+mj-ea"/>
+                <a:cs typeface="+mj-cs"/>
+              </a:defRPr>
+            </a:lvl1pPr>
+          </a:lstStyle>
+          <a:p>
+            <a:pPr algn="ctr"/>
+            <a:r>
+              <a:rPr lang="pt-BR" sz="6600" b="1" dirty="0">
+                <a:solidFill>
+                  <a:srgbClr val="049BE6"/>
+                </a:solidFill>
+                <a:latin typeface="+mn-lt"/>
+              </a:rPr>
+              <a:t>Teste com 250 indivíduos</a:t>
+            </a:r>
+            <a:endParaRPr lang="pt-BR" sz="6600" b="1" dirty="0">
+              <a:solidFill>
+                <a:srgbClr val="049BE6"/>
+              </a:solidFill>
+              <a:latin typeface="+mn-lt"/>
+            </a:endParaRPr>
+          </a:p>
+        </p:txBody>
+      </p:sp>
+      <p:sp>
+        <p:nvSpPr>
+          <p:cNvPr id="3" name="Espaço Reservado para Conteúdo 2"/>
+          <p:cNvSpPr txBox="1"/>
+          <p:nvPr/>
+        </p:nvSpPr>
+        <p:spPr>
+          <a:xfrm>
+            <a:off x="473612" y="1882726"/>
+            <a:ext cx="11549575" cy="4712677"/>
+          </a:xfrm>
+          <a:prstGeom prst="rect">
+            <a:avLst/>
+          </a:prstGeom>
+        </p:spPr>
+        <p:txBody>
+          <a:bodyPr>
+            <a:normAutofit/>
+          </a:bodyPr>
+          <a:lstStyle>
+            <a:lvl1pPr marL="228600" indent="-228600" algn="l" defTabSz="914400" rtl="0" eaLnBrk="1" latinLnBrk="0" hangingPunct="1">
+              <a:lnSpc>
+                <a:spcPct val="90000"/>
+              </a:lnSpc>
+              <a:spcBef>
+                <a:spcPts val="1000"/>
+              </a:spcBef>
+              <a:buFont typeface="Arial" panose="020B0604020202020204" pitchFamily="34" charset="0"/>
+              <a:buChar char="•"/>
+              <a:defRPr sz="2800" kern="1200">
+                <a:solidFill>
+                  <a:schemeClr val="tx1"/>
+                </a:solidFill>
+                <a:latin typeface="+mn-lt"/>
+                <a:ea typeface="+mn-ea"/>
+                <a:cs typeface="+mn-cs"/>
+              </a:defRPr>
+            </a:lvl1pPr>
+            <a:lvl2pPr marL="685800" indent="-228600" algn="l" defTabSz="914400" rtl="0" eaLnBrk="1" latinLnBrk="0" hangingPunct="1">
+              <a:lnSpc>
+                <a:spcPct val="90000"/>
+              </a:lnSpc>
+              <a:spcBef>
+                <a:spcPts val="500"/>
+              </a:spcBef>
+              <a:buFont typeface="Arial" panose="020B0604020202020204" pitchFamily="34" charset="0"/>
+              <a:buChar char="•"/>
+              <a:defRPr sz="2400" kern="1200">
+                <a:solidFill>
+                  <a:schemeClr val="tx1"/>
+                </a:solidFill>
+                <a:latin typeface="+mn-lt"/>
+                <a:ea typeface="+mn-ea"/>
+                <a:cs typeface="+mn-cs"/>
+              </a:defRPr>
+            </a:lvl2pPr>
+            <a:lvl3pPr marL="1143000" indent="-228600" algn="l" defTabSz="914400" rtl="0" eaLnBrk="1" latinLnBrk="0" hangingPunct="1">
+              <a:lnSpc>
+                <a:spcPct val="90000"/>
+              </a:lnSpc>
+              <a:spcBef>
+                <a:spcPts val="500"/>
+              </a:spcBef>
+              <a:buFont typeface="Arial" panose="020B0604020202020204" pitchFamily="34" charset="0"/>
+              <a:buChar char="•"/>
+              <a:defRPr sz="2000" kern="1200">
+                <a:solidFill>
+                  <a:schemeClr val="tx1"/>
+                </a:solidFill>
+                <a:latin typeface="+mn-lt"/>
+                <a:ea typeface="+mn-ea"/>
+                <a:cs typeface="+mn-cs"/>
+              </a:defRPr>
+            </a:lvl3pPr>
+            <a:lvl4pPr marL="1600200" indent="-228600" algn="l" defTabSz="914400" rtl="0" eaLnBrk="1" latinLnBrk="0" hangingPunct="1">
+              <a:lnSpc>
+                <a:spcPct val="90000"/>
+              </a:lnSpc>
+              <a:spcBef>
+                <a:spcPts val="500"/>
+              </a:spcBef>
+              <a:buFont typeface="Arial" panose="020B0604020202020204" pitchFamily="34" charset="0"/>
+              <a:buChar char="•"/>
+              <a:defRPr sz="1800" kern="1200">
+                <a:solidFill>
+                  <a:schemeClr val="tx1"/>
+                </a:solidFill>
+                <a:latin typeface="+mn-lt"/>
+                <a:ea typeface="+mn-ea"/>
+                <a:cs typeface="+mn-cs"/>
+              </a:defRPr>
+            </a:lvl4pPr>
+            <a:lvl5pPr marL="2057400" indent="-228600" algn="l" defTabSz="914400" rtl="0" eaLnBrk="1" latinLnBrk="0" hangingPunct="1">
+              <a:lnSpc>
+                <a:spcPct val="90000"/>
+              </a:lnSpc>
+              <a:spcBef>
+                <a:spcPts val="500"/>
+              </a:spcBef>
+              <a:buFont typeface="Arial" panose="020B0604020202020204" pitchFamily="34" charset="0"/>
+              <a:buChar char="•"/>
+              <a:defRPr sz="1800" kern="1200">
+                <a:solidFill>
+                  <a:schemeClr val="tx1"/>
+                </a:solidFill>
+                <a:latin typeface="+mn-lt"/>
+                <a:ea typeface="+mn-ea"/>
+                <a:cs typeface="+mn-cs"/>
+              </a:defRPr>
+            </a:lvl5pPr>
+            <a:lvl6pPr marL="2514600" indent="-228600" algn="l" defTabSz="914400" rtl="0" eaLnBrk="1" latinLnBrk="0" hangingPunct="1">
+              <a:lnSpc>
+                <a:spcPct val="90000"/>
+              </a:lnSpc>
+              <a:spcBef>
+                <a:spcPts val="500"/>
+              </a:spcBef>
+              <a:buFont typeface="Arial" panose="020B0604020202020204" pitchFamily="34" charset="0"/>
+              <a:buChar char="•"/>
+              <a:defRPr sz="1800" kern="1200">
+                <a:solidFill>
+                  <a:schemeClr val="tx1"/>
+                </a:solidFill>
+                <a:latin typeface="+mn-lt"/>
+                <a:ea typeface="+mn-ea"/>
+                <a:cs typeface="+mn-cs"/>
+              </a:defRPr>
+            </a:lvl6pPr>
+            <a:lvl7pPr marL="2971800" indent="-228600" algn="l" defTabSz="914400" rtl="0" eaLnBrk="1" latinLnBrk="0" hangingPunct="1">
+              <a:lnSpc>
+                <a:spcPct val="90000"/>
+              </a:lnSpc>
+              <a:spcBef>
+                <a:spcPts val="500"/>
+              </a:spcBef>
+              <a:buFont typeface="Arial" panose="020B0604020202020204" pitchFamily="34" charset="0"/>
+              <a:buChar char="•"/>
+              <a:defRPr sz="1800" kern="1200">
+                <a:solidFill>
+                  <a:schemeClr val="tx1"/>
+                </a:solidFill>
+                <a:latin typeface="+mn-lt"/>
+                <a:ea typeface="+mn-ea"/>
+                <a:cs typeface="+mn-cs"/>
+              </a:defRPr>
+            </a:lvl7pPr>
+            <a:lvl8pPr marL="3429000" indent="-228600" algn="l" defTabSz="914400" rtl="0" eaLnBrk="1" latinLnBrk="0" hangingPunct="1">
+              <a:lnSpc>
+                <a:spcPct val="90000"/>
+              </a:lnSpc>
+              <a:spcBef>
+                <a:spcPts val="500"/>
+              </a:spcBef>
+              <a:buFont typeface="Arial" panose="020B0604020202020204" pitchFamily="34" charset="0"/>
+              <a:buChar char="•"/>
+              <a:defRPr sz="1800" kern="1200">
+                <a:solidFill>
+                  <a:schemeClr val="tx1"/>
+                </a:solidFill>
+                <a:latin typeface="+mn-lt"/>
+                <a:ea typeface="+mn-ea"/>
+                <a:cs typeface="+mn-cs"/>
+              </a:defRPr>
+            </a:lvl8pPr>
+            <a:lvl9pPr marL="3886200" indent="-228600" algn="l" defTabSz="914400" rtl="0" eaLnBrk="1" latinLnBrk="0" hangingPunct="1">
+              <a:lnSpc>
+                <a:spcPct val="90000"/>
+              </a:lnSpc>
+              <a:spcBef>
+                <a:spcPts val="500"/>
+              </a:spcBef>
+              <a:buFont typeface="Arial" panose="020B0604020202020204" pitchFamily="34" charset="0"/>
+              <a:buChar char="•"/>
+              <a:defRPr sz="1800" kern="1200">
+                <a:solidFill>
+                  <a:schemeClr val="tx1"/>
+                </a:solidFill>
+                <a:latin typeface="+mn-lt"/>
+                <a:ea typeface="+mn-ea"/>
+                <a:cs typeface="+mn-cs"/>
+              </a:defRPr>
+            </a:lvl9pPr>
+          </a:lstStyle>
+          <a:p>
+            <a:pPr marL="0" indent="0" algn="just">
+              <a:buNone/>
+            </a:pPr>
+            <a:r>
+              <a:rPr lang="pt-BR" sz="4000" dirty="0">
+                <a:latin typeface="Times New Roman" panose="02020603050405020304" pitchFamily="18" charset="0"/>
+                <a:cs typeface="Times New Roman" panose="02020603050405020304" pitchFamily="18" charset="0"/>
+              </a:rPr>
+              <a:t> </a:t>
+            </a:r>
+            <a:endParaRPr lang="pt-BR" sz="4000" dirty="0">
+              <a:latin typeface="Times New Roman" panose="02020603050405020304" pitchFamily="18" charset="0"/>
+              <a:cs typeface="Times New Roman" panose="02020603050405020304" pitchFamily="18" charset="0"/>
+            </a:endParaRPr>
+          </a:p>
+          <a:p>
+            <a:pPr algn="just"/>
+            <a:r>
+              <a:rPr lang="pt-BR" sz="4000" dirty="0">
+                <a:latin typeface="Times New Roman" panose="02020603050405020304" pitchFamily="18" charset="0"/>
+                <a:cs typeface="Times New Roman" panose="02020603050405020304" pitchFamily="18" charset="0"/>
+              </a:rPr>
+              <a:t> Tempo de Processamento: </a:t>
+            </a:r>
+            <a:r>
+              <a:rPr lang="pt-BR" sz="4000" dirty="0"/>
+              <a:t>00:00:23.4041374</a:t>
+            </a:r>
+            <a:endParaRPr lang="pt-BR" sz="4000" dirty="0">
+              <a:latin typeface="Times New Roman" panose="02020603050405020304" pitchFamily="18" charset="0"/>
+              <a:cs typeface="Times New Roman" panose="02020603050405020304" pitchFamily="18" charset="0"/>
+            </a:endParaRPr>
+          </a:p>
+          <a:p>
+            <a:pPr algn="just"/>
+            <a:r>
+              <a:rPr lang="pt-BR" sz="4000" dirty="0">
+                <a:latin typeface="Times New Roman" panose="02020603050405020304" pitchFamily="18" charset="0"/>
+                <a:cs typeface="Times New Roman" panose="02020603050405020304" pitchFamily="18" charset="0"/>
+              </a:rPr>
+              <a:t> Na 3 geração foi gerado 1 indivíduo com aptidão 90.</a:t>
+            </a:r>
+            <a:endParaRPr lang="pt-BR" sz="4000" b="1" dirty="0">
+              <a:latin typeface="Times New Roman" panose="02020603050405020304" pitchFamily="18" charset="0"/>
+              <a:cs typeface="Times New Roman" panose="02020603050405020304" pitchFamily="18" charset="0"/>
+            </a:endParaRPr>
+          </a:p>
+        </p:txBody>
+      </p:sp>
+    </p:spTree>
+  </p:cSld>
+  <p:clrMapOvr>
+    <a:masterClrMapping/>
+  </p:clrMapOvr>
+</p:sld>
+</file>
+
+<file path=ppt/slides/slide31.xml><?xml version="1.0" encoding="utf-8"?>
+<p:sld xmlns:a="http://schemas.openxmlformats.org/drawingml/2006/main" xmlns:r="http://schemas.openxmlformats.org/officeDocument/2006/relationships" xmlns:p="http://schemas.openxmlformats.org/presentationml/2006/main">
+  <p:cSld>
+    <p:spTree>
+      <p:nvGrpSpPr>
+        <p:cNvPr id="1" name=""/>
+        <p:cNvGrpSpPr/>
+        <p:nvPr/>
+      </p:nvGrpSpPr>
+      <p:grpSpPr>
+        <a:xfrm>
+          <a:off x="0" y="0"/>
+          <a:ext cx="0" cy="0"/>
+          <a:chOff x="0" y="0"/>
+          <a:chExt cx="0" cy="0"/>
+        </a:xfrm>
+      </p:grpSpPr>
+      <p:pic>
+        <p:nvPicPr>
+          <p:cNvPr id="3" name="Imagem 2"/>
+          <p:cNvPicPr>
+            <a:picLocks noChangeAspect="1"/>
+          </p:cNvPicPr>
+          <p:nvPr/>
+        </p:nvPicPr>
+        <p:blipFill rotWithShape="1">
+          <a:blip r:embed="rId1">
             <a:extLst>
               <a:ext uri="{28A0092B-C50C-407E-A947-70E740481C1C}">
                 <a14:useLocalDpi xmlns:a14="http://schemas.microsoft.com/office/drawing/2010/main" val="0"/>
@@ -10511,7 +12366,9 @@
             </a:extLst>
           </a:blip>
           <a:srcRect l="5387" t="10165" r="6725" b="4870"/>
-          <a:stretch/>
+          <a:stretch>
+            <a:fillRect/>
+          </a:stretch>
         </p:blipFill>
         <p:spPr>
           <a:xfrm>
@@ -10525,13 +12382,7 @@
       </p:pic>
       <p:sp>
         <p:nvSpPr>
-          <p:cNvPr id="4" name="Retângulo 3">
-            <a:extLst>
-              <a:ext uri="{FF2B5EF4-FFF2-40B4-BE49-F238E27FC236}">
-                <a16:creationId xmlns:a16="http://schemas.microsoft.com/office/drawing/2014/main" id="{7FB784DB-821B-4EA6-8C9D-A3158AC60D33}"/>
-              </a:ext>
-            </a:extLst>
-          </p:cNvPr>
+          <p:cNvPr id="4" name="Retângulo 3"/>
           <p:cNvSpPr/>
           <p:nvPr/>
         </p:nvSpPr>
@@ -10577,13 +12428,7 @@
       </p:sp>
       <p:sp>
         <p:nvSpPr>
-          <p:cNvPr id="5" name="Seta: para Baixo 4">
-            <a:extLst>
-              <a:ext uri="{FF2B5EF4-FFF2-40B4-BE49-F238E27FC236}">
-                <a16:creationId xmlns:a16="http://schemas.microsoft.com/office/drawing/2014/main" id="{20663EA2-0DE4-4630-9B24-CB26E168211F}"/>
-              </a:ext>
-            </a:extLst>
-          </p:cNvPr>
+          <p:cNvPr id="5" name="Seta: para Baixo 4"/>
           <p:cNvSpPr/>
           <p:nvPr/>
         </p:nvSpPr>
@@ -10630,11 +12475,6 @@
         </p:txBody>
       </p:sp>
     </p:spTree>
-    <p:extLst>
-      <p:ext uri="{BB962C8B-B14F-4D97-AF65-F5344CB8AC3E}">
-        <p14:creationId xmlns:p14="http://schemas.microsoft.com/office/powerpoint/2010/main" val="1546852511"/>
-      </p:ext>
-    </p:extLst>
   </p:cSld>
   <p:clrMapOvr>
     <a:masterClrMapping/>
@@ -10642,7 +12482,7 @@
 </p:sld>
 </file>
 
-<file path=ppt/slides/slide28.xml><?xml version="1.0" encoding="utf-8"?>
+<file path=ppt/slides/slide32.xml><?xml version="1.0" encoding="utf-8"?>
 <p:sld xmlns:a="http://schemas.openxmlformats.org/drawingml/2006/main" xmlns:r="http://schemas.openxmlformats.org/officeDocument/2006/relationships" xmlns:p="http://schemas.openxmlformats.org/presentationml/2006/main">
   <p:cSld>
     <p:spTree>
@@ -10661,22 +12501,18 @@
       </p:grpSpPr>
       <p:pic>
         <p:nvPicPr>
-          <p:cNvPr id="2" name="Imagem 1">
-            <a:extLst>
-              <a:ext uri="{FF2B5EF4-FFF2-40B4-BE49-F238E27FC236}">
-                <a16:creationId xmlns:a16="http://schemas.microsoft.com/office/drawing/2014/main" id="{D1099BEF-BE58-4E1C-B4DC-B1F6B9A3AE50}"/>
-              </a:ext>
-            </a:extLst>
-          </p:cNvPr>
+          <p:cNvPr id="2" name="Imagem 1"/>
           <p:cNvPicPr>
             <a:picLocks noChangeAspect="1"/>
           </p:cNvPicPr>
           <p:nvPr/>
         </p:nvPicPr>
         <p:blipFill rotWithShape="1">
-          <a:blip r:embed="rId2"/>
+          <a:blip r:embed="rId1"/>
           <a:srcRect l="10458" t="9557" r="14225" b="4579"/>
-          <a:stretch/>
+          <a:stretch>
+            <a:fillRect/>
+          </a:stretch>
         </p:blipFill>
         <p:spPr>
           <a:xfrm>
@@ -10690,13 +12526,7 @@
       </p:pic>
       <p:sp>
         <p:nvSpPr>
-          <p:cNvPr id="3" name="Retângulo 2">
-            <a:extLst>
-              <a:ext uri="{FF2B5EF4-FFF2-40B4-BE49-F238E27FC236}">
-                <a16:creationId xmlns:a16="http://schemas.microsoft.com/office/drawing/2014/main" id="{ADDB40E7-8945-4824-BE04-D137EF4D5BC0}"/>
-              </a:ext>
-            </a:extLst>
-          </p:cNvPr>
+          <p:cNvPr id="3" name="Retângulo 2"/>
           <p:cNvSpPr/>
           <p:nvPr/>
         </p:nvSpPr>
@@ -10742,13 +12572,7 @@
       </p:sp>
       <p:sp>
         <p:nvSpPr>
-          <p:cNvPr id="4" name="Seta: para Baixo 3">
-            <a:extLst>
-              <a:ext uri="{FF2B5EF4-FFF2-40B4-BE49-F238E27FC236}">
-                <a16:creationId xmlns:a16="http://schemas.microsoft.com/office/drawing/2014/main" id="{88B4403B-9090-4CDE-BC11-7AA83282AA05}"/>
-              </a:ext>
-            </a:extLst>
-          </p:cNvPr>
+          <p:cNvPr id="4" name="Seta: para Baixo 3"/>
           <p:cNvSpPr/>
           <p:nvPr/>
         </p:nvSpPr>
@@ -10798,11 +12622,6 @@
         </p:txBody>
       </p:sp>
     </p:spTree>
-    <p:extLst>
-      <p:ext uri="{BB962C8B-B14F-4D97-AF65-F5344CB8AC3E}">
-        <p14:creationId xmlns:p14="http://schemas.microsoft.com/office/powerpoint/2010/main" val="3490532154"/>
-      </p:ext>
-    </p:extLst>
   </p:cSld>
   <p:clrMapOvr>
     <a:masterClrMapping/>
@@ -10810,7 +12629,7 @@
 </p:sld>
 </file>
 
-<file path=ppt/slides/slide29.xml><?xml version="1.0" encoding="utf-8"?>
+<file path=ppt/slides/slide33.xml><?xml version="1.0" encoding="utf-8"?>
 <p:sld xmlns:a="http://schemas.openxmlformats.org/drawingml/2006/main" xmlns:r="http://schemas.openxmlformats.org/officeDocument/2006/relationships" xmlns:p="http://schemas.openxmlformats.org/presentationml/2006/main">
   <p:cSld>
     <p:spTree>
@@ -10829,20 +12648,14 @@
       </p:grpSpPr>
       <p:pic>
         <p:nvPicPr>
-          <p:cNvPr id="8" name="Imagem 7">
-            <a:extLst>
-              <a:ext uri="{FF2B5EF4-FFF2-40B4-BE49-F238E27FC236}">
-                <a16:creationId xmlns:a16="http://schemas.microsoft.com/office/drawing/2014/main" id="{60ECDD5C-A9E5-4FE9-B21E-00EF0EEC98A2}"/>
-              </a:ext>
-            </a:extLst>
-          </p:cNvPr>
+          <p:cNvPr id="8" name="Imagem 7"/>
           <p:cNvPicPr>
             <a:picLocks noChangeAspect="1"/>
           </p:cNvPicPr>
           <p:nvPr/>
         </p:nvPicPr>
         <p:blipFill rotWithShape="1">
-          <a:blip r:embed="rId2">
+          <a:blip r:embed="rId1">
             <a:extLst>
               <a:ext uri="{28A0092B-C50C-407E-A947-70E740481C1C}">
                 <a14:useLocalDpi xmlns:a14="http://schemas.microsoft.com/office/drawing/2010/main" val="0"/>
@@ -10850,7 +12663,9 @@
             </a:extLst>
           </a:blip>
           <a:srcRect l="18449" t="10309" r="19935" b="6457"/>
-          <a:stretch/>
+          <a:stretch>
+            <a:fillRect/>
+          </a:stretch>
         </p:blipFill>
         <p:spPr>
           <a:xfrm>
@@ -10864,13 +12679,7 @@
       </p:pic>
       <p:sp>
         <p:nvSpPr>
-          <p:cNvPr id="9" name="Retângulo 8">
-            <a:extLst>
-              <a:ext uri="{FF2B5EF4-FFF2-40B4-BE49-F238E27FC236}">
-                <a16:creationId xmlns:a16="http://schemas.microsoft.com/office/drawing/2014/main" id="{9C5BD398-6D02-45DA-BA87-93166AF1BA71}"/>
-              </a:ext>
-            </a:extLst>
-          </p:cNvPr>
+          <p:cNvPr id="9" name="Retângulo 8"/>
           <p:cNvSpPr/>
           <p:nvPr/>
         </p:nvSpPr>
@@ -10916,13 +12725,7 @@
       </p:sp>
       <p:sp>
         <p:nvSpPr>
-          <p:cNvPr id="11" name="Retângulo 10">
-            <a:extLst>
-              <a:ext uri="{FF2B5EF4-FFF2-40B4-BE49-F238E27FC236}">
-                <a16:creationId xmlns:a16="http://schemas.microsoft.com/office/drawing/2014/main" id="{DD6F5DC7-87E0-4E0D-832D-30330DA00748}"/>
-              </a:ext>
-            </a:extLst>
-          </p:cNvPr>
+          <p:cNvPr id="11" name="Retângulo 10"/>
           <p:cNvSpPr/>
           <p:nvPr/>
         </p:nvSpPr>
@@ -10967,11 +12770,6 @@
         </p:txBody>
       </p:sp>
     </p:spTree>
-    <p:extLst>
-      <p:ext uri="{BB962C8B-B14F-4D97-AF65-F5344CB8AC3E}">
-        <p14:creationId xmlns:p14="http://schemas.microsoft.com/office/powerpoint/2010/main" val="792726031"/>
-      </p:ext>
-    </p:extLst>
   </p:cSld>
   <p:clrMapOvr>
     <a:masterClrMapping/>
@@ -10979,145 +12777,7 @@
 </p:sld>
 </file>
 
-<file path=ppt/slides/slide3.xml><?xml version="1.0" encoding="utf-8"?>
-<p:sld xmlns:a="http://schemas.openxmlformats.org/drawingml/2006/main" xmlns:r="http://schemas.openxmlformats.org/officeDocument/2006/relationships" xmlns:p="http://schemas.openxmlformats.org/presentationml/2006/main">
-  <p:cSld>
-    <p:spTree>
-      <p:nvGrpSpPr>
-        <p:cNvPr id="1" name=""/>
-        <p:cNvGrpSpPr/>
-        <p:nvPr/>
-      </p:nvGrpSpPr>
-      <p:grpSpPr>
-        <a:xfrm>
-          <a:off x="0" y="0"/>
-          <a:ext cx="0" cy="0"/>
-          <a:chOff x="0" y="0"/>
-          <a:chExt cx="0" cy="0"/>
-        </a:xfrm>
-      </p:grpSpPr>
-      <p:sp>
-        <p:nvSpPr>
-          <p:cNvPr id="2" name="Título 1"/>
-          <p:cNvSpPr>
-            <a:spLocks noGrp="1"/>
-          </p:cNvSpPr>
-          <p:nvPr>
-            <p:ph type="title"/>
-          </p:nvPr>
-        </p:nvSpPr>
-        <p:spPr/>
-        <p:txBody>
-          <a:bodyPr>
-            <a:normAutofit/>
-          </a:bodyPr>
-          <a:lstStyle/>
-          <a:p>
-            <a:pPr algn="ctr"/>
-            <a:r>
-              <a:rPr lang="pt-BR" sz="8000" b="1" dirty="0">
-                <a:solidFill>
-                  <a:srgbClr val="049BE6"/>
-                </a:solidFill>
-                <a:latin typeface="+mn-lt"/>
-              </a:rPr>
-              <a:t>Agenda</a:t>
-            </a:r>
-          </a:p>
-        </p:txBody>
-      </p:sp>
-      <p:sp>
-        <p:nvSpPr>
-          <p:cNvPr id="3" name="Espaço Reservado para Conteúdo 2"/>
-          <p:cNvSpPr>
-            <a:spLocks noGrp="1"/>
-          </p:cNvSpPr>
-          <p:nvPr>
-            <p:ph idx="1"/>
-          </p:nvPr>
-        </p:nvSpPr>
-        <p:spPr/>
-        <p:txBody>
-          <a:bodyPr>
-            <a:normAutofit/>
-          </a:bodyPr>
-          <a:lstStyle/>
-          <a:p>
-            <a:pPr marL="514350" indent="-514350">
-              <a:buFont typeface="+mj-lt"/>
-              <a:buAutoNum type="arabicPeriod"/>
-            </a:pPr>
-            <a:r>
-              <a:rPr lang="pt-BR" sz="4000" b="1" dirty="0">
-                <a:latin typeface="Times New Roman" panose="02020603050405020304" pitchFamily="18" charset="0"/>
-                <a:cs typeface="Times New Roman" panose="02020603050405020304" pitchFamily="18" charset="0"/>
-              </a:rPr>
-              <a:t>O que é Algoritmo Genético?</a:t>
-            </a:r>
-          </a:p>
-          <a:p>
-            <a:pPr marL="514350" indent="-514350">
-              <a:buFont typeface="+mj-lt"/>
-              <a:buAutoNum type="arabicPeriod"/>
-            </a:pPr>
-            <a:r>
-              <a:rPr lang="pt-BR" sz="4000" b="1" dirty="0">
-                <a:latin typeface="Times New Roman" panose="02020603050405020304" pitchFamily="18" charset="0"/>
-                <a:cs typeface="Times New Roman" panose="02020603050405020304" pitchFamily="18" charset="0"/>
-              </a:rPr>
-              <a:t>Motivação</a:t>
-            </a:r>
-          </a:p>
-          <a:p>
-            <a:pPr marL="514350" indent="-514350">
-              <a:buFont typeface="+mj-lt"/>
-              <a:buAutoNum type="arabicPeriod"/>
-            </a:pPr>
-            <a:r>
-              <a:rPr lang="pt-BR" sz="4000" b="1" dirty="0">
-                <a:latin typeface="Times New Roman" panose="02020603050405020304" pitchFamily="18" charset="0"/>
-                <a:cs typeface="Times New Roman" panose="02020603050405020304" pitchFamily="18" charset="0"/>
-              </a:rPr>
-              <a:t>Resolução do Problema utilizando Algoritmo Genético</a:t>
-            </a:r>
-          </a:p>
-          <a:p>
-            <a:pPr marL="514350" indent="-514350">
-              <a:buFont typeface="+mj-lt"/>
-              <a:buAutoNum type="arabicPeriod"/>
-            </a:pPr>
-            <a:r>
-              <a:rPr lang="pt-BR" sz="4000" b="1" dirty="0">
-                <a:latin typeface="Times New Roman" panose="02020603050405020304" pitchFamily="18" charset="0"/>
-                <a:cs typeface="Times New Roman" panose="02020603050405020304" pitchFamily="18" charset="0"/>
-              </a:rPr>
-              <a:t>Apresentação do software</a:t>
-            </a:r>
-          </a:p>
-          <a:p>
-            <a:pPr marL="514350" indent="-514350">
-              <a:buFont typeface="+mj-lt"/>
-              <a:buAutoNum type="arabicPeriod"/>
-            </a:pPr>
-            <a:r>
-              <a:rPr lang="pt-BR" sz="4000" b="1" dirty="0">
-                <a:latin typeface="Times New Roman" panose="02020603050405020304" pitchFamily="18" charset="0"/>
-                <a:cs typeface="Times New Roman" panose="02020603050405020304" pitchFamily="18" charset="0"/>
-              </a:rPr>
-              <a:t>Tecnologias Usadas</a:t>
-            </a:r>
-          </a:p>
-        </p:txBody>
-      </p:sp>
-    </p:spTree>
-  </p:cSld>
-  <p:clrMapOvr>
-    <a:masterClrMapping/>
-  </p:clrMapOvr>
-</p:sld>
-</file>
-
-<file path=ppt/slides/slide30.xml><?xml version="1.0" encoding="utf-8"?>
+<file path=ppt/slides/slide34.xml><?xml version="1.0" encoding="utf-8"?>
 <p:sld xmlns:a="http://schemas.openxmlformats.org/drawingml/2006/main" xmlns:r="http://schemas.openxmlformats.org/officeDocument/2006/relationships" xmlns:p="http://schemas.openxmlformats.org/presentationml/2006/main">
   <p:cSld>
     <p:spTree>
@@ -11183,6 +12843,12 @@
               </a:rPr>
               <a:t>Demonstração!</a:t>
             </a:r>
+            <a:endParaRPr lang="pt-BR" sz="8800" b="1" dirty="0">
+              <a:solidFill>
+                <a:srgbClr val="049BE6"/>
+              </a:solidFill>
+              <a:latin typeface="+mn-lt"/>
+            </a:endParaRPr>
           </a:p>
         </p:txBody>
       </p:sp>
@@ -11377,6 +13043,7 @@
               <a:rPr lang="pt-BR" sz="4800" dirty="0"/>
               <a:t>	 </a:t>
             </a:r>
+            <a:endParaRPr lang="pt-BR" sz="4800" dirty="0"/>
           </a:p>
           <a:p>
             <a:pPr marL="742950" indent="-742950">
@@ -11585,6 +13252,7 @@
               <a:rPr lang="pt-BR" sz="4400" dirty="0"/>
               <a:t>	</a:t>
             </a:r>
+            <a:endParaRPr lang="pt-BR" sz="4400" dirty="0"/>
           </a:p>
           <a:p>
             <a:pPr marL="742950" indent="-742950">
@@ -11604,7 +13272,7 @@
           <p:nvPr/>
         </p:nvPicPr>
         <p:blipFill>
-          <a:blip r:embed="rId2">
+          <a:blip r:embed="rId1">
             <a:extLst>
               <a:ext uri="{28A0092B-C50C-407E-A947-70E740481C1C}">
                 <a14:useLocalDpi xmlns:a14="http://schemas.microsoft.com/office/drawing/2010/main" val="0"/>
@@ -11712,7 +13380,7 @@
 </p:sld>
 </file>
 
-<file path=ppt/slides/slide31.xml><?xml version="1.0" encoding="utf-8"?>
+<file path=ppt/slides/slide35.xml><?xml version="1.0" encoding="utf-8"?>
 <p:sld xmlns:a="http://schemas.openxmlformats.org/drawingml/2006/main" xmlns:r="http://schemas.openxmlformats.org/officeDocument/2006/relationships" xmlns:p="http://schemas.openxmlformats.org/presentationml/2006/main">
   <p:cSld>
     <p:spTree>
@@ -11731,13 +13399,7 @@
       </p:grpSpPr>
       <p:sp>
         <p:nvSpPr>
-          <p:cNvPr id="4" name="Título 1">
-            <a:extLst>
-              <a:ext uri="{FF2B5EF4-FFF2-40B4-BE49-F238E27FC236}">
-                <a16:creationId xmlns:a16="http://schemas.microsoft.com/office/drawing/2014/main" id="{7EBBE02F-927E-4676-BF5F-A135C0DEC3F1}"/>
-              </a:ext>
-            </a:extLst>
-          </p:cNvPr>
+          <p:cNvPr id="4" name="Título 1"/>
           <p:cNvSpPr txBox="1"/>
           <p:nvPr/>
         </p:nvSpPr>
@@ -11784,18 +13446,18 @@
               </a:rPr>
               <a:t>Trabalhos Futuros!</a:t>
             </a:r>
+            <a:endParaRPr lang="pt-BR" sz="8800" b="1" dirty="0">
+              <a:solidFill>
+                <a:srgbClr val="049BE6"/>
+              </a:solidFill>
+              <a:latin typeface="+mn-lt"/>
+            </a:endParaRPr>
           </a:p>
         </p:txBody>
       </p:sp>
       <p:sp>
         <p:nvSpPr>
-          <p:cNvPr id="5" name="Espaço Reservado para Conteúdo 2">
-            <a:extLst>
-              <a:ext uri="{FF2B5EF4-FFF2-40B4-BE49-F238E27FC236}">
-                <a16:creationId xmlns:a16="http://schemas.microsoft.com/office/drawing/2014/main" id="{4B1E68D6-7B2E-4A09-84FE-A0543EDA93CB}"/>
-              </a:ext>
-            </a:extLst>
-          </p:cNvPr>
+          <p:cNvPr id="5" name="Espaço Reservado para Conteúdo 2"/>
           <p:cNvSpPr txBox="1"/>
           <p:nvPr/>
         </p:nvSpPr>
@@ -11987,6 +13649,10 @@
               </a:rPr>
               <a:t> </a:t>
             </a:r>
+            <a:endParaRPr lang="pt-BR" sz="4000" dirty="0">
+              <a:latin typeface="Times New Roman" panose="02020603050405020304" pitchFamily="18" charset="0"/>
+              <a:cs typeface="Times New Roman" panose="02020603050405020304" pitchFamily="18" charset="0"/>
+            </a:endParaRPr>
           </a:p>
           <a:p>
             <a:pPr algn="just"/>
@@ -12011,6 +13677,10 @@
               </a:rPr>
               <a:t> para classificar se o horário é bom ou ruim.</a:t>
             </a:r>
+            <a:endParaRPr lang="pt-BR" sz="4000" dirty="0">
+              <a:latin typeface="Times New Roman" panose="02020603050405020304" pitchFamily="18" charset="0"/>
+              <a:cs typeface="Times New Roman" panose="02020603050405020304" pitchFamily="18" charset="0"/>
+            </a:endParaRPr>
           </a:p>
           <a:p>
             <a:pPr algn="just"/>
@@ -12057,11 +13727,6 @@
         </p:txBody>
       </p:sp>
     </p:spTree>
-    <p:extLst>
-      <p:ext uri="{BB962C8B-B14F-4D97-AF65-F5344CB8AC3E}">
-        <p14:creationId xmlns:p14="http://schemas.microsoft.com/office/powerpoint/2010/main" val="2459586296"/>
-      </p:ext>
-    </p:extLst>
   </p:cSld>
   <p:clrMapOvr>
     <a:masterClrMapping/>
@@ -12069,7 +13734,7 @@
 </p:sld>
 </file>
 
-<file path=ppt/slides/slide32.xml><?xml version="1.0" encoding="utf-8"?>
+<file path=ppt/slides/slide36.xml><?xml version="1.0" encoding="utf-8"?>
 <p:sld xmlns:a="http://schemas.openxmlformats.org/drawingml/2006/main" xmlns:r="http://schemas.openxmlformats.org/officeDocument/2006/relationships" xmlns:p="http://schemas.openxmlformats.org/presentationml/2006/main">
   <p:cSld>
     <p:spTree>
@@ -12088,13 +13753,7 @@
       </p:grpSpPr>
       <p:sp>
         <p:nvSpPr>
-          <p:cNvPr id="2" name="Título 1">
-            <a:extLst>
-              <a:ext uri="{FF2B5EF4-FFF2-40B4-BE49-F238E27FC236}">
-                <a16:creationId xmlns:a16="http://schemas.microsoft.com/office/drawing/2014/main" id="{6C886B12-2D72-45BD-B98C-792BC475DE21}"/>
-              </a:ext>
-            </a:extLst>
-          </p:cNvPr>
+          <p:cNvPr id="2" name="Título 1"/>
           <p:cNvSpPr txBox="1"/>
           <p:nvPr/>
         </p:nvSpPr>
@@ -12141,25 +13800,25 @@
               </a:rPr>
               <a:t>Tecnologias Utilizadas!</a:t>
             </a:r>
+            <a:endParaRPr lang="pt-BR" sz="8800" b="1" dirty="0">
+              <a:solidFill>
+                <a:srgbClr val="049BE6"/>
+              </a:solidFill>
+              <a:latin typeface="+mn-lt"/>
+            </a:endParaRPr>
           </a:p>
         </p:txBody>
       </p:sp>
       <p:pic>
         <p:nvPicPr>
-          <p:cNvPr id="1026" name="Picture 2" descr="Image result for aspnet.core">
-            <a:extLst>
-              <a:ext uri="{FF2B5EF4-FFF2-40B4-BE49-F238E27FC236}">
-                <a16:creationId xmlns:a16="http://schemas.microsoft.com/office/drawing/2014/main" id="{E3039D0E-E78D-4B04-8273-F9A90D0A15A5}"/>
-              </a:ext>
-            </a:extLst>
-          </p:cNvPr>
+          <p:cNvPr id="1026" name="Picture 2" descr="Image result for aspnet.core"/>
           <p:cNvPicPr>
             <a:picLocks noChangeAspect="1" noChangeArrowheads="1"/>
           </p:cNvPicPr>
           <p:nvPr/>
         </p:nvPicPr>
         <p:blipFill>
-          <a:blip r:embed="rId2">
+          <a:blip r:embed="rId1">
             <a:extLst>
               <a:ext uri="{28A0092B-C50C-407E-A947-70E740481C1C}">
                 <a14:useLocalDpi xmlns:a14="http://schemas.microsoft.com/office/drawing/2010/main" val="0"/>
@@ -12193,20 +13852,14 @@
       </p:pic>
       <p:pic>
         <p:nvPicPr>
-          <p:cNvPr id="1028" name="Picture 4" descr="Image result for postgresql">
-            <a:extLst>
-              <a:ext uri="{FF2B5EF4-FFF2-40B4-BE49-F238E27FC236}">
-                <a16:creationId xmlns:a16="http://schemas.microsoft.com/office/drawing/2014/main" id="{4F248B4E-AC25-4B60-BD20-95D2514516C9}"/>
-              </a:ext>
-            </a:extLst>
-          </p:cNvPr>
+          <p:cNvPr id="1028" name="Picture 4" descr="Image result for postgresql"/>
           <p:cNvPicPr>
             <a:picLocks noChangeAspect="1" noChangeArrowheads="1"/>
           </p:cNvPicPr>
           <p:nvPr/>
         </p:nvPicPr>
         <p:blipFill>
-          <a:blip r:embed="rId3" cstate="print">
+          <a:blip r:embed="rId2" cstate="print">
             <a:extLst>
               <a:ext uri="{28A0092B-C50C-407E-A947-70E740481C1C}">
                 <a14:useLocalDpi xmlns:a14="http://schemas.microsoft.com/office/drawing/2010/main" val="0"/>
@@ -12240,20 +13893,14 @@
       </p:pic>
       <p:pic>
         <p:nvPicPr>
-          <p:cNvPr id="1030" name="Picture 6" descr="Image result for bootstrap">
-            <a:extLst>
-              <a:ext uri="{FF2B5EF4-FFF2-40B4-BE49-F238E27FC236}">
-                <a16:creationId xmlns:a16="http://schemas.microsoft.com/office/drawing/2014/main" id="{962FEB65-C972-4B07-B8F7-97875F810670}"/>
-              </a:ext>
-            </a:extLst>
-          </p:cNvPr>
+          <p:cNvPr id="1030" name="Picture 6" descr="Image result for bootstrap"/>
           <p:cNvPicPr>
             <a:picLocks noChangeAspect="1" noChangeArrowheads="1"/>
           </p:cNvPicPr>
           <p:nvPr/>
         </p:nvPicPr>
         <p:blipFill>
-          <a:blip r:embed="rId4" cstate="print">
+          <a:blip r:embed="rId3" cstate="print">
             <a:extLst>
               <a:ext uri="{28A0092B-C50C-407E-A947-70E740481C1C}">
                 <a14:useLocalDpi xmlns:a14="http://schemas.microsoft.com/office/drawing/2010/main" val="0"/>
@@ -12287,20 +13934,14 @@
       </p:pic>
       <p:pic>
         <p:nvPicPr>
-          <p:cNvPr id="1032" name="Picture 8" descr="Image result for HTML">
-            <a:extLst>
-              <a:ext uri="{FF2B5EF4-FFF2-40B4-BE49-F238E27FC236}">
-                <a16:creationId xmlns:a16="http://schemas.microsoft.com/office/drawing/2014/main" id="{F4839056-597D-45EA-AB16-E3B26FBF298B}"/>
-              </a:ext>
-            </a:extLst>
-          </p:cNvPr>
+          <p:cNvPr id="1032" name="Picture 8" descr="Image result for HTML"/>
           <p:cNvPicPr>
             <a:picLocks noChangeAspect="1" noChangeArrowheads="1"/>
           </p:cNvPicPr>
           <p:nvPr/>
         </p:nvPicPr>
         <p:blipFill>
-          <a:blip r:embed="rId5" cstate="print">
+          <a:blip r:embed="rId4" cstate="print">
             <a:extLst>
               <a:ext uri="{28A0092B-C50C-407E-A947-70E740481C1C}">
                 <a14:useLocalDpi xmlns:a14="http://schemas.microsoft.com/office/drawing/2010/main" val="0"/>
@@ -12334,20 +13975,14 @@
       </p:pic>
       <p:pic>
         <p:nvPicPr>
-          <p:cNvPr id="1034" name="Picture 10" descr="Image result for visual studio LOGO">
-            <a:extLst>
-              <a:ext uri="{FF2B5EF4-FFF2-40B4-BE49-F238E27FC236}">
-                <a16:creationId xmlns:a16="http://schemas.microsoft.com/office/drawing/2014/main" id="{5C9D0DA3-B7E1-4B2C-AFA9-D85136120E64}"/>
-              </a:ext>
-            </a:extLst>
-          </p:cNvPr>
+          <p:cNvPr id="1034" name="Picture 10" descr="Image result for visual studio LOGO"/>
           <p:cNvPicPr>
             <a:picLocks noChangeAspect="1" noChangeArrowheads="1"/>
           </p:cNvPicPr>
           <p:nvPr/>
         </p:nvPicPr>
         <p:blipFill rotWithShape="1">
-          <a:blip r:embed="rId6">
+          <a:blip r:embed="rId5">
             <a:extLst>
               <a:ext uri="{28A0092B-C50C-407E-A947-70E740481C1C}">
                 <a14:useLocalDpi xmlns:a14="http://schemas.microsoft.com/office/drawing/2010/main" val="0"/>
@@ -12355,7 +13990,9 @@
             </a:extLst>
           </a:blip>
           <a:srcRect l="6050" t="23717" r="6272" b="27414"/>
-          <a:stretch/>
+          <a:stretch>
+            <a:fillRect/>
+          </a:stretch>
         </p:blipFill>
         <p:spPr bwMode="auto">
           <a:xfrm>
@@ -12378,11 +14015,6 @@
         </p:spPr>
       </p:pic>
     </p:spTree>
-    <p:extLst>
-      <p:ext uri="{BB962C8B-B14F-4D97-AF65-F5344CB8AC3E}">
-        <p14:creationId xmlns:p14="http://schemas.microsoft.com/office/powerpoint/2010/main" val="2582816363"/>
-      </p:ext>
-    </p:extLst>
   </p:cSld>
   <p:clrMapOvr>
     <a:masterClrMapping/>
@@ -12390,7 +14022,7 @@
 </p:sld>
 </file>
 
-<file path=ppt/slides/slide33.xml><?xml version="1.0" encoding="utf-8"?>
+<file path=ppt/slides/slide37.xml><?xml version="1.0" encoding="utf-8"?>
 <p:sld xmlns:a="http://schemas.openxmlformats.org/drawingml/2006/main" xmlns:r="http://schemas.openxmlformats.org/officeDocument/2006/relationships" xmlns:p="http://schemas.openxmlformats.org/presentationml/2006/main">
   <p:cSld>
     <p:spTree>
@@ -12416,13 +14048,7 @@
           <p:nvPr/>
         </p:nvPicPr>
         <p:blipFill>
-          <a:blip r:embed="rId2">
-            <a:extLst>
-              <a:ext uri="{28A0092B-C50C-407E-A947-70E740481C1C}">
-                <a14:useLocalDpi xmlns:a14="http://schemas.microsoft.com/office/drawing/2010/main" val="0"/>
-              </a:ext>
-            </a:extLst>
-          </a:blip>
+          <a:blip r:embed="rId1"/>
           <a:stretch>
             <a:fillRect/>
           </a:stretch>
@@ -12494,6 +14120,12 @@
               </a:rPr>
               <a:t>O que é Algoritmo Genético (AG)?</a:t>
             </a:r>
+            <a:endParaRPr lang="pt-BR" sz="5400" b="1" dirty="0">
+              <a:solidFill>
+                <a:srgbClr val="049BE6"/>
+              </a:solidFill>
+              <a:latin typeface="+mn-lt"/>
+            </a:endParaRPr>
           </a:p>
         </p:txBody>
       </p:sp>
@@ -12550,6 +14182,10 @@
               </a:rPr>
               <a:t>). </a:t>
             </a:r>
+            <a:endParaRPr lang="pt-BR" sz="4000" b="1" dirty="0">
+              <a:latin typeface="Times New Roman" panose="02020603050405020304" pitchFamily="18" charset="0"/>
+              <a:cs typeface="Times New Roman" panose="02020603050405020304" pitchFamily="18" charset="0"/>
+            </a:endParaRPr>
           </a:p>
         </p:txBody>
       </p:sp>
@@ -12610,6 +14246,12 @@
               </a:rPr>
               <a:t>O problema!</a:t>
             </a:r>
+            <a:endParaRPr lang="pt-BR" sz="9600" b="1" dirty="0">
+              <a:solidFill>
+                <a:srgbClr val="049BE6"/>
+              </a:solidFill>
+              <a:latin typeface="+mn-lt"/>
+            </a:endParaRPr>
           </a:p>
         </p:txBody>
       </p:sp>
@@ -12622,7 +14264,7 @@
           <p:nvPr/>
         </p:nvPicPr>
         <p:blipFill>
-          <a:blip r:embed="rId2"/>
+          <a:blip r:embed="rId1"/>
           <a:stretch>
             <a:fillRect/>
           </a:stretch>
@@ -12668,6 +14310,11 @@
               </a:rPr>
               <a:t>Chefe do Departamento</a:t>
             </a:r>
+            <a:endParaRPr lang="pt-BR" sz="3200" b="1" dirty="0">
+              <a:solidFill>
+                <a:schemeClr val="bg1"/>
+              </a:solidFill>
+            </a:endParaRPr>
           </a:p>
         </p:txBody>
       </p:sp>
@@ -12729,6 +14376,10 @@
               </a:rPr>
               <a:t> 	Criação de horários dos 	professores;</a:t>
             </a:r>
+            <a:endParaRPr lang="pt-BR" sz="4400" dirty="0">
+              <a:latin typeface="Times New Roman" panose="02020603050405020304" pitchFamily="18" charset="0"/>
+              <a:cs typeface="Times New Roman" panose="02020603050405020304" pitchFamily="18" charset="0"/>
+            </a:endParaRPr>
           </a:p>
           <a:p>
             <a:pPr>
@@ -12742,6 +14393,10 @@
               </a:rPr>
               <a:t> 	Seguindo as recomendações/restrições de 	cada professor;</a:t>
             </a:r>
+            <a:endParaRPr lang="pt-BR" sz="4400" dirty="0">
+              <a:latin typeface="Times New Roman" panose="02020603050405020304" pitchFamily="18" charset="0"/>
+              <a:cs typeface="Times New Roman" panose="02020603050405020304" pitchFamily="18" charset="0"/>
+            </a:endParaRPr>
           </a:p>
           <a:p>
             <a:pPr>
@@ -12762,6 +14417,10 @@
               </a:rPr>
               <a:t>Sem haver choque;</a:t>
             </a:r>
+            <a:endParaRPr lang="pt-BR" sz="4400" dirty="0">
+              <a:latin typeface="Times New Roman" panose="02020603050405020304" pitchFamily="18" charset="0"/>
+              <a:cs typeface="Times New Roman" panose="02020603050405020304" pitchFamily="18" charset="0"/>
+            </a:endParaRPr>
           </a:p>
           <a:p>
             <a:pPr>
@@ -12775,6 +14434,10 @@
               </a:rPr>
               <a:t> 	Inserir disciplinas de outros cursos dentro 	do horário (horários fixos);</a:t>
             </a:r>
+            <a:endParaRPr lang="pt-BR" sz="4400" dirty="0">
+              <a:latin typeface="Times New Roman" panose="02020603050405020304" pitchFamily="18" charset="0"/>
+              <a:cs typeface="Times New Roman" panose="02020603050405020304" pitchFamily="18" charset="0"/>
+            </a:endParaRPr>
           </a:p>
         </p:txBody>
       </p:sp>
@@ -12810,6 +14473,12 @@
               </a:rPr>
               <a:t>O problema!</a:t>
             </a:r>
+            <a:endParaRPr lang="pt-BR" sz="7200" b="1" dirty="0">
+              <a:solidFill>
+                <a:srgbClr val="049BE6"/>
+              </a:solidFill>
+              <a:latin typeface="+mn-lt"/>
+            </a:endParaRPr>
           </a:p>
         </p:txBody>
       </p:sp>
@@ -13096,6 +14765,12 @@
               </a:rPr>
               <a:t>Resolução do problema utilizando Algoritmo Genético</a:t>
             </a:r>
+            <a:endParaRPr lang="pt-BR" sz="4800" b="1" dirty="0">
+              <a:solidFill>
+                <a:srgbClr val="049BE6"/>
+              </a:solidFill>
+              <a:latin typeface="+mn-lt"/>
+            </a:endParaRPr>
           </a:p>
         </p:txBody>
       </p:sp>
@@ -13108,7 +14783,7 @@
           <p:nvPr/>
         </p:nvPicPr>
         <p:blipFill>
-          <a:blip r:embed="rId2">
+          <a:blip r:embed="rId1">
             <a:extLst>
               <a:ext uri="{28A0092B-C50C-407E-A947-70E740481C1C}">
                 <a14:useLocalDpi xmlns:a14="http://schemas.microsoft.com/office/drawing/2010/main" val="0"/>
@@ -13332,6 +15007,12 @@
               </a:rPr>
               <a:t>Passos Seguidos</a:t>
             </a:r>
+            <a:endParaRPr lang="pt-BR" sz="6000" b="1" dirty="0">
+              <a:solidFill>
+                <a:srgbClr val="049BE6"/>
+              </a:solidFill>
+              <a:latin typeface="+mn-lt"/>
+            </a:endParaRPr>
           </a:p>
         </p:txBody>
       </p:sp>
@@ -13530,6 +15211,10 @@
               </a:rPr>
               <a:t>Inicializar População</a:t>
             </a:r>
+            <a:endParaRPr lang="pt-BR" sz="4800" dirty="0">
+              <a:latin typeface="Times New Roman" panose="02020603050405020304" pitchFamily="18" charset="0"/>
+              <a:cs typeface="Times New Roman" panose="02020603050405020304" pitchFamily="18" charset="0"/>
+            </a:endParaRPr>
           </a:p>
           <a:p>
             <a:pPr marL="742950" indent="-742950">
@@ -13543,6 +15228,10 @@
               </a:rPr>
               <a:t>Avaliação de cada Indivíduo</a:t>
             </a:r>
+            <a:endParaRPr lang="pt-BR" sz="4800" dirty="0">
+              <a:latin typeface="Times New Roman" panose="02020603050405020304" pitchFamily="18" charset="0"/>
+              <a:cs typeface="Times New Roman" panose="02020603050405020304" pitchFamily="18" charset="0"/>
+            </a:endParaRPr>
           </a:p>
           <a:p>
             <a:pPr marL="742950" indent="-742950">
@@ -13556,6 +15245,10 @@
               </a:rPr>
               <a:t>Seleção de alguns Indivíduos </a:t>
             </a:r>
+            <a:endParaRPr lang="pt-BR" sz="4800" dirty="0">
+              <a:latin typeface="Times New Roman" panose="02020603050405020304" pitchFamily="18" charset="0"/>
+              <a:cs typeface="Times New Roman" panose="02020603050405020304" pitchFamily="18" charset="0"/>
+            </a:endParaRPr>
           </a:p>
           <a:p>
             <a:pPr marL="742950" indent="-742950">
@@ -13569,6 +15262,10 @@
               </a:rPr>
               <a:t>Função Fitness</a:t>
             </a:r>
+            <a:endParaRPr lang="pt-BR" sz="4800" dirty="0">
+              <a:latin typeface="Times New Roman" panose="02020603050405020304" pitchFamily="18" charset="0"/>
+              <a:cs typeface="Times New Roman" panose="02020603050405020304" pitchFamily="18" charset="0"/>
+            </a:endParaRPr>
           </a:p>
           <a:p>
             <a:pPr marL="742950" indent="-742950">
@@ -13582,6 +15279,10 @@
               </a:rPr>
               <a:t>Cross-over</a:t>
             </a:r>
+            <a:endParaRPr lang="pt-BR" sz="4800" dirty="0">
+              <a:latin typeface="Times New Roman" panose="02020603050405020304" pitchFamily="18" charset="0"/>
+              <a:cs typeface="Times New Roman" panose="02020603050405020304" pitchFamily="18" charset="0"/>
+            </a:endParaRPr>
           </a:p>
           <a:p>
             <a:pPr marL="742950" indent="-742950">
@@ -13595,6 +15296,10 @@
               </a:rPr>
               <a:t>Concepção da nova geração</a:t>
             </a:r>
+            <a:endParaRPr lang="pt-BR" sz="4800" dirty="0">
+              <a:latin typeface="Times New Roman" panose="02020603050405020304" pitchFamily="18" charset="0"/>
+              <a:cs typeface="Times New Roman" panose="02020603050405020304" pitchFamily="18" charset="0"/>
+            </a:endParaRPr>
           </a:p>
           <a:p>
             <a:pPr marL="742950" indent="-742950">
@@ -13608,6 +15313,10 @@
               </a:rPr>
               <a:t>Fim</a:t>
             </a:r>
+            <a:endParaRPr lang="pt-BR" sz="4800" dirty="0">
+              <a:latin typeface="Times New Roman" panose="02020603050405020304" pitchFamily="18" charset="0"/>
+              <a:cs typeface="Times New Roman" panose="02020603050405020304" pitchFamily="18" charset="0"/>
+            </a:endParaRPr>
           </a:p>
           <a:p>
             <a:pPr marL="742950" indent="-742950">
@@ -14078,6 +15787,12 @@
               </a:rPr>
               <a:t>Modelagem do indivíduo</a:t>
             </a:r>
+            <a:endParaRPr lang="pt-BR" sz="5400" b="1" dirty="0">
+              <a:solidFill>
+                <a:srgbClr val="049BE6"/>
+              </a:solidFill>
+              <a:latin typeface="+mn-lt"/>
+            </a:endParaRPr>
           </a:p>
         </p:txBody>
       </p:sp>
@@ -14272,6 +15987,7 @@
               <a:rPr lang="pt-BR" sz="4800" dirty="0"/>
               <a:t>	 </a:t>
             </a:r>
+            <a:endParaRPr lang="pt-BR" sz="4800" dirty="0"/>
           </a:p>
           <a:p>
             <a:pPr marL="742950" indent="-742950">
@@ -14291,13 +16007,7 @@
       </p:sp>
       <p:sp>
         <p:nvSpPr>
-          <p:cNvPr id="5" name="Espaço Reservado para Conteúdo 2">
-            <a:extLst>
-              <a:ext uri="{FF2B5EF4-FFF2-40B4-BE49-F238E27FC236}">
-                <a16:creationId xmlns:a16="http://schemas.microsoft.com/office/drawing/2014/main" id="{227474EE-4146-41CA-AB5A-427A1CB34F5E}"/>
-              </a:ext>
-            </a:extLst>
-          </p:cNvPr>
+          <p:cNvPr id="5" name="Espaço Reservado para Conteúdo 2"/>
           <p:cNvSpPr txBox="1"/>
           <p:nvPr/>
         </p:nvSpPr>
@@ -14494,6 +16204,10 @@
               </a:rPr>
               <a:t>Ao analisarmos o problema, concluímos que o objetivo seria simular a disposição de horário dos professores ao longo da semana em um determinado período.</a:t>
             </a:r>
+            <a:endParaRPr lang="pt-BR" sz="4000" dirty="0">
+              <a:latin typeface="Times New Roman" panose="02020603050405020304" pitchFamily="18" charset="0"/>
+              <a:cs typeface="Times New Roman" panose="02020603050405020304" pitchFamily="18" charset="0"/>
+            </a:endParaRPr>
           </a:p>
           <a:p>
             <a:pPr algn="just"/>
@@ -14511,6 +16225,10 @@
               </a:rPr>
               <a:t> Desta forma, o indivíduo modelado é um período propriamente dito, com o dia das aulas, organização das disciplinas ao longo dos dias e  os professores responsáveis pelas aulas destas disciplinas.</a:t>
             </a:r>
+            <a:endParaRPr lang="pt-BR" sz="4000" dirty="0">
+              <a:latin typeface="Times New Roman" panose="02020603050405020304" pitchFamily="18" charset="0"/>
+              <a:cs typeface="Times New Roman" panose="02020603050405020304" pitchFamily="18" charset="0"/>
+            </a:endParaRPr>
           </a:p>
           <a:p>
             <a:pPr marL="742950" indent="-742950">
@@ -14872,8 +16590,6 @@
       </a:bgFillStyleLst>
     </a:fmtScheme>
   </a:themeElements>
-  <a:objectDefaults/>
-  <a:extraClrSchemeLst/>
   <a:extLst>
     <a:ext uri="{05A4C25C-085E-4340-85A3-A5531E510DB2}">
       <thm15:themeFamily xmlns:thm15="http://schemas.microsoft.com/office/thememl/2012/main" name="Office Theme" id="{62F939B6-93AF-4DB8-9C6B-D6C7DFDC589F}" vid="{4A3C46E8-61CC-4603-A589-7422A47A8E4A}"/>

--- a/Apresentação.pptx
+++ b/Apresentação.pptx
@@ -12,36 +12,37 @@
     <p:sldId id="260" r:id="rId7"/>
     <p:sldId id="261" r:id="rId8"/>
     <p:sldId id="262" r:id="rId9"/>
-    <p:sldId id="263" r:id="rId10"/>
-    <p:sldId id="264" r:id="rId11"/>
-    <p:sldId id="300" r:id="rId12"/>
-    <p:sldId id="265" r:id="rId13"/>
-    <p:sldId id="301" r:id="rId14"/>
-    <p:sldId id="266" r:id="rId15"/>
-    <p:sldId id="273" r:id="rId16"/>
-    <p:sldId id="272" r:id="rId17"/>
-    <p:sldId id="267" r:id="rId18"/>
-    <p:sldId id="302" r:id="rId19"/>
-    <p:sldId id="268" r:id="rId20"/>
-    <p:sldId id="274" r:id="rId21"/>
-    <p:sldId id="303" r:id="rId22"/>
-    <p:sldId id="275" r:id="rId23"/>
-    <p:sldId id="276" r:id="rId24"/>
-    <p:sldId id="285" r:id="rId25"/>
-    <p:sldId id="286" r:id="rId26"/>
-    <p:sldId id="287" r:id="rId27"/>
-    <p:sldId id="277" r:id="rId28"/>
-    <p:sldId id="280" r:id="rId29"/>
-    <p:sldId id="278" r:id="rId30"/>
-    <p:sldId id="279" r:id="rId31"/>
-    <p:sldId id="281" r:id="rId32"/>
-    <p:sldId id="282" r:id="rId33"/>
-    <p:sldId id="284" r:id="rId34"/>
-    <p:sldId id="283" r:id="rId35"/>
-    <p:sldId id="269" r:id="rId36"/>
-    <p:sldId id="288" r:id="rId37"/>
-    <p:sldId id="289" r:id="rId38"/>
-    <p:sldId id="270" r:id="rId39"/>
+    <p:sldId id="328" r:id="rId10"/>
+    <p:sldId id="263" r:id="rId11"/>
+    <p:sldId id="264" r:id="rId12"/>
+    <p:sldId id="300" r:id="rId13"/>
+    <p:sldId id="265" r:id="rId14"/>
+    <p:sldId id="301" r:id="rId15"/>
+    <p:sldId id="266" r:id="rId16"/>
+    <p:sldId id="273" r:id="rId17"/>
+    <p:sldId id="272" r:id="rId18"/>
+    <p:sldId id="267" r:id="rId19"/>
+    <p:sldId id="302" r:id="rId20"/>
+    <p:sldId id="268" r:id="rId21"/>
+    <p:sldId id="274" r:id="rId22"/>
+    <p:sldId id="303" r:id="rId23"/>
+    <p:sldId id="275" r:id="rId24"/>
+    <p:sldId id="276" r:id="rId25"/>
+    <p:sldId id="285" r:id="rId26"/>
+    <p:sldId id="286" r:id="rId27"/>
+    <p:sldId id="287" r:id="rId28"/>
+    <p:sldId id="277" r:id="rId29"/>
+    <p:sldId id="280" r:id="rId30"/>
+    <p:sldId id="278" r:id="rId31"/>
+    <p:sldId id="279" r:id="rId32"/>
+    <p:sldId id="281" r:id="rId33"/>
+    <p:sldId id="282" r:id="rId34"/>
+    <p:sldId id="284" r:id="rId35"/>
+    <p:sldId id="283" r:id="rId36"/>
+    <p:sldId id="269" r:id="rId37"/>
+    <p:sldId id="288" r:id="rId38"/>
+    <p:sldId id="289" r:id="rId39"/>
+    <p:sldId id="270" r:id="rId40"/>
   </p:sldIdLst>
   <p:sldSz cx="12192000" cy="6858000"/>
   <p:notesSz cx="6858000" cy="9144000"/>
@@ -3429,6 +3430,624 @@
           </a:p>
         </p:txBody>
       </p:sp>
+      <p:sp>
+        <p:nvSpPr>
+          <p:cNvPr id="3" name="Espaço Reservado para Conteúdo 2"/>
+          <p:cNvSpPr txBox="1"/>
+          <p:nvPr/>
+        </p:nvSpPr>
+        <p:spPr>
+          <a:xfrm>
+            <a:off x="321212" y="1730326"/>
+            <a:ext cx="11549575" cy="4712677"/>
+          </a:xfrm>
+          <a:prstGeom prst="rect">
+            <a:avLst/>
+          </a:prstGeom>
+        </p:spPr>
+        <p:txBody>
+          <a:bodyPr>
+            <a:normAutofit/>
+          </a:bodyPr>
+          <a:lstStyle>
+            <a:lvl1pPr marL="228600" indent="-228600" algn="l" defTabSz="914400" rtl="0" eaLnBrk="1" latinLnBrk="0" hangingPunct="1">
+              <a:lnSpc>
+                <a:spcPct val="90000"/>
+              </a:lnSpc>
+              <a:spcBef>
+                <a:spcPts val="1000"/>
+              </a:spcBef>
+              <a:buFont typeface="Arial" panose="020B0604020202020204" pitchFamily="34" charset="0"/>
+              <a:buChar char="•"/>
+              <a:defRPr sz="2800" kern="1200">
+                <a:solidFill>
+                  <a:schemeClr val="tx1"/>
+                </a:solidFill>
+                <a:latin typeface="+mn-lt"/>
+                <a:ea typeface="+mn-ea"/>
+                <a:cs typeface="+mn-cs"/>
+              </a:defRPr>
+            </a:lvl1pPr>
+            <a:lvl2pPr marL="685800" indent="-228600" algn="l" defTabSz="914400" rtl="0" eaLnBrk="1" latinLnBrk="0" hangingPunct="1">
+              <a:lnSpc>
+                <a:spcPct val="90000"/>
+              </a:lnSpc>
+              <a:spcBef>
+                <a:spcPts val="500"/>
+              </a:spcBef>
+              <a:buFont typeface="Arial" panose="020B0604020202020204" pitchFamily="34" charset="0"/>
+              <a:buChar char="•"/>
+              <a:defRPr sz="2400" kern="1200">
+                <a:solidFill>
+                  <a:schemeClr val="tx1"/>
+                </a:solidFill>
+                <a:latin typeface="+mn-lt"/>
+                <a:ea typeface="+mn-ea"/>
+                <a:cs typeface="+mn-cs"/>
+              </a:defRPr>
+            </a:lvl2pPr>
+            <a:lvl3pPr marL="1143000" indent="-228600" algn="l" defTabSz="914400" rtl="0" eaLnBrk="1" latinLnBrk="0" hangingPunct="1">
+              <a:lnSpc>
+                <a:spcPct val="90000"/>
+              </a:lnSpc>
+              <a:spcBef>
+                <a:spcPts val="500"/>
+              </a:spcBef>
+              <a:buFont typeface="Arial" panose="020B0604020202020204" pitchFamily="34" charset="0"/>
+              <a:buChar char="•"/>
+              <a:defRPr sz="2000" kern="1200">
+                <a:solidFill>
+                  <a:schemeClr val="tx1"/>
+                </a:solidFill>
+                <a:latin typeface="+mn-lt"/>
+                <a:ea typeface="+mn-ea"/>
+                <a:cs typeface="+mn-cs"/>
+              </a:defRPr>
+            </a:lvl3pPr>
+            <a:lvl4pPr marL="1600200" indent="-228600" algn="l" defTabSz="914400" rtl="0" eaLnBrk="1" latinLnBrk="0" hangingPunct="1">
+              <a:lnSpc>
+                <a:spcPct val="90000"/>
+              </a:lnSpc>
+              <a:spcBef>
+                <a:spcPts val="500"/>
+              </a:spcBef>
+              <a:buFont typeface="Arial" panose="020B0604020202020204" pitchFamily="34" charset="0"/>
+              <a:buChar char="•"/>
+              <a:defRPr sz="1800" kern="1200">
+                <a:solidFill>
+                  <a:schemeClr val="tx1"/>
+                </a:solidFill>
+                <a:latin typeface="+mn-lt"/>
+                <a:ea typeface="+mn-ea"/>
+                <a:cs typeface="+mn-cs"/>
+              </a:defRPr>
+            </a:lvl4pPr>
+            <a:lvl5pPr marL="2057400" indent="-228600" algn="l" defTabSz="914400" rtl="0" eaLnBrk="1" latinLnBrk="0" hangingPunct="1">
+              <a:lnSpc>
+                <a:spcPct val="90000"/>
+              </a:lnSpc>
+              <a:spcBef>
+                <a:spcPts val="500"/>
+              </a:spcBef>
+              <a:buFont typeface="Arial" panose="020B0604020202020204" pitchFamily="34" charset="0"/>
+              <a:buChar char="•"/>
+              <a:defRPr sz="1800" kern="1200">
+                <a:solidFill>
+                  <a:schemeClr val="tx1"/>
+                </a:solidFill>
+                <a:latin typeface="+mn-lt"/>
+                <a:ea typeface="+mn-ea"/>
+                <a:cs typeface="+mn-cs"/>
+              </a:defRPr>
+            </a:lvl5pPr>
+            <a:lvl6pPr marL="2514600" indent="-228600" algn="l" defTabSz="914400" rtl="0" eaLnBrk="1" latinLnBrk="0" hangingPunct="1">
+              <a:lnSpc>
+                <a:spcPct val="90000"/>
+              </a:lnSpc>
+              <a:spcBef>
+                <a:spcPts val="500"/>
+              </a:spcBef>
+              <a:buFont typeface="Arial" panose="020B0604020202020204" pitchFamily="34" charset="0"/>
+              <a:buChar char="•"/>
+              <a:defRPr sz="1800" kern="1200">
+                <a:solidFill>
+                  <a:schemeClr val="tx1"/>
+                </a:solidFill>
+                <a:latin typeface="+mn-lt"/>
+                <a:ea typeface="+mn-ea"/>
+                <a:cs typeface="+mn-cs"/>
+              </a:defRPr>
+            </a:lvl6pPr>
+            <a:lvl7pPr marL="2971800" indent="-228600" algn="l" defTabSz="914400" rtl="0" eaLnBrk="1" latinLnBrk="0" hangingPunct="1">
+              <a:lnSpc>
+                <a:spcPct val="90000"/>
+              </a:lnSpc>
+              <a:spcBef>
+                <a:spcPts val="500"/>
+              </a:spcBef>
+              <a:buFont typeface="Arial" panose="020B0604020202020204" pitchFamily="34" charset="0"/>
+              <a:buChar char="•"/>
+              <a:defRPr sz="1800" kern="1200">
+                <a:solidFill>
+                  <a:schemeClr val="tx1"/>
+                </a:solidFill>
+                <a:latin typeface="+mn-lt"/>
+                <a:ea typeface="+mn-ea"/>
+                <a:cs typeface="+mn-cs"/>
+              </a:defRPr>
+            </a:lvl7pPr>
+            <a:lvl8pPr marL="3429000" indent="-228600" algn="l" defTabSz="914400" rtl="0" eaLnBrk="1" latinLnBrk="0" hangingPunct="1">
+              <a:lnSpc>
+                <a:spcPct val="90000"/>
+              </a:lnSpc>
+              <a:spcBef>
+                <a:spcPts val="500"/>
+              </a:spcBef>
+              <a:buFont typeface="Arial" panose="020B0604020202020204" pitchFamily="34" charset="0"/>
+              <a:buChar char="•"/>
+              <a:defRPr sz="1800" kern="1200">
+                <a:solidFill>
+                  <a:schemeClr val="tx1"/>
+                </a:solidFill>
+                <a:latin typeface="+mn-lt"/>
+                <a:ea typeface="+mn-ea"/>
+                <a:cs typeface="+mn-cs"/>
+              </a:defRPr>
+            </a:lvl8pPr>
+            <a:lvl9pPr marL="3886200" indent="-228600" algn="l" defTabSz="914400" rtl="0" eaLnBrk="1" latinLnBrk="0" hangingPunct="1">
+              <a:lnSpc>
+                <a:spcPct val="90000"/>
+              </a:lnSpc>
+              <a:spcBef>
+                <a:spcPts val="500"/>
+              </a:spcBef>
+              <a:buFont typeface="Arial" panose="020B0604020202020204" pitchFamily="34" charset="0"/>
+              <a:buChar char="•"/>
+              <a:defRPr sz="1800" kern="1200">
+                <a:solidFill>
+                  <a:schemeClr val="tx1"/>
+                </a:solidFill>
+                <a:latin typeface="+mn-lt"/>
+                <a:ea typeface="+mn-ea"/>
+                <a:cs typeface="+mn-cs"/>
+              </a:defRPr>
+            </a:lvl9pPr>
+          </a:lstStyle>
+          <a:p>
+            <a:pPr marL="0" indent="0">
+              <a:buNone/>
+            </a:pPr>
+            <a:r>
+              <a:rPr lang="pt-BR" sz="4800" dirty="0"/>
+              <a:t>	 </a:t>
+            </a:r>
+            <a:endParaRPr lang="pt-BR" sz="4800" dirty="0"/>
+          </a:p>
+          <a:p>
+            <a:pPr marL="742950" indent="-742950">
+              <a:buFont typeface="+mj-lt"/>
+              <a:buAutoNum type="arabicPeriod"/>
+            </a:pPr>
+            <a:endParaRPr lang="pt-BR" sz="4400" dirty="0"/>
+          </a:p>
+          <a:p>
+            <a:pPr marL="742950" indent="-742950">
+              <a:buFont typeface="+mj-lt"/>
+              <a:buAutoNum type="arabicPeriod"/>
+            </a:pPr>
+            <a:endParaRPr lang="pt-BR" sz="4400" dirty="0"/>
+          </a:p>
+        </p:txBody>
+      </p:sp>
+      <p:sp>
+        <p:nvSpPr>
+          <p:cNvPr id="5" name="Espaço Reservado para Conteúdo 2"/>
+          <p:cNvSpPr txBox="1"/>
+          <p:nvPr/>
+        </p:nvSpPr>
+        <p:spPr>
+          <a:xfrm>
+            <a:off x="626012" y="1577926"/>
+            <a:ext cx="11244775" cy="4712677"/>
+          </a:xfrm>
+          <a:prstGeom prst="rect">
+            <a:avLst/>
+          </a:prstGeom>
+        </p:spPr>
+        <p:txBody>
+          <a:bodyPr>
+            <a:normAutofit fontScale="92500"/>
+          </a:bodyPr>
+          <a:lstStyle>
+            <a:lvl1pPr marL="228600" indent="-228600" algn="l" defTabSz="914400" rtl="0" eaLnBrk="1" latinLnBrk="0" hangingPunct="1">
+              <a:lnSpc>
+                <a:spcPct val="90000"/>
+              </a:lnSpc>
+              <a:spcBef>
+                <a:spcPts val="1000"/>
+              </a:spcBef>
+              <a:buFont typeface="Arial" panose="020B0604020202020204" pitchFamily="34" charset="0"/>
+              <a:buChar char="•"/>
+              <a:defRPr sz="2800" kern="1200">
+                <a:solidFill>
+                  <a:schemeClr val="tx1"/>
+                </a:solidFill>
+                <a:latin typeface="+mn-lt"/>
+                <a:ea typeface="+mn-ea"/>
+                <a:cs typeface="+mn-cs"/>
+              </a:defRPr>
+            </a:lvl1pPr>
+            <a:lvl2pPr marL="685800" indent="-228600" algn="l" defTabSz="914400" rtl="0" eaLnBrk="1" latinLnBrk="0" hangingPunct="1">
+              <a:lnSpc>
+                <a:spcPct val="90000"/>
+              </a:lnSpc>
+              <a:spcBef>
+                <a:spcPts val="500"/>
+              </a:spcBef>
+              <a:buFont typeface="Arial" panose="020B0604020202020204" pitchFamily="34" charset="0"/>
+              <a:buChar char="•"/>
+              <a:defRPr sz="2400" kern="1200">
+                <a:solidFill>
+                  <a:schemeClr val="tx1"/>
+                </a:solidFill>
+                <a:latin typeface="+mn-lt"/>
+                <a:ea typeface="+mn-ea"/>
+                <a:cs typeface="+mn-cs"/>
+              </a:defRPr>
+            </a:lvl2pPr>
+            <a:lvl3pPr marL="1143000" indent="-228600" algn="l" defTabSz="914400" rtl="0" eaLnBrk="1" latinLnBrk="0" hangingPunct="1">
+              <a:lnSpc>
+                <a:spcPct val="90000"/>
+              </a:lnSpc>
+              <a:spcBef>
+                <a:spcPts val="500"/>
+              </a:spcBef>
+              <a:buFont typeface="Arial" panose="020B0604020202020204" pitchFamily="34" charset="0"/>
+              <a:buChar char="•"/>
+              <a:defRPr sz="2000" kern="1200">
+                <a:solidFill>
+                  <a:schemeClr val="tx1"/>
+                </a:solidFill>
+                <a:latin typeface="+mn-lt"/>
+                <a:ea typeface="+mn-ea"/>
+                <a:cs typeface="+mn-cs"/>
+              </a:defRPr>
+            </a:lvl3pPr>
+            <a:lvl4pPr marL="1600200" indent="-228600" algn="l" defTabSz="914400" rtl="0" eaLnBrk="1" latinLnBrk="0" hangingPunct="1">
+              <a:lnSpc>
+                <a:spcPct val="90000"/>
+              </a:lnSpc>
+              <a:spcBef>
+                <a:spcPts val="500"/>
+              </a:spcBef>
+              <a:buFont typeface="Arial" panose="020B0604020202020204" pitchFamily="34" charset="0"/>
+              <a:buChar char="•"/>
+              <a:defRPr sz="1800" kern="1200">
+                <a:solidFill>
+                  <a:schemeClr val="tx1"/>
+                </a:solidFill>
+                <a:latin typeface="+mn-lt"/>
+                <a:ea typeface="+mn-ea"/>
+                <a:cs typeface="+mn-cs"/>
+              </a:defRPr>
+            </a:lvl4pPr>
+            <a:lvl5pPr marL="2057400" indent="-228600" algn="l" defTabSz="914400" rtl="0" eaLnBrk="1" latinLnBrk="0" hangingPunct="1">
+              <a:lnSpc>
+                <a:spcPct val="90000"/>
+              </a:lnSpc>
+              <a:spcBef>
+                <a:spcPts val="500"/>
+              </a:spcBef>
+              <a:buFont typeface="Arial" panose="020B0604020202020204" pitchFamily="34" charset="0"/>
+              <a:buChar char="•"/>
+              <a:defRPr sz="1800" kern="1200">
+                <a:solidFill>
+                  <a:schemeClr val="tx1"/>
+                </a:solidFill>
+                <a:latin typeface="+mn-lt"/>
+                <a:ea typeface="+mn-ea"/>
+                <a:cs typeface="+mn-cs"/>
+              </a:defRPr>
+            </a:lvl5pPr>
+            <a:lvl6pPr marL="2514600" indent="-228600" algn="l" defTabSz="914400" rtl="0" eaLnBrk="1" latinLnBrk="0" hangingPunct="1">
+              <a:lnSpc>
+                <a:spcPct val="90000"/>
+              </a:lnSpc>
+              <a:spcBef>
+                <a:spcPts val="500"/>
+              </a:spcBef>
+              <a:buFont typeface="Arial" panose="020B0604020202020204" pitchFamily="34" charset="0"/>
+              <a:buChar char="•"/>
+              <a:defRPr sz="1800" kern="1200">
+                <a:solidFill>
+                  <a:schemeClr val="tx1"/>
+                </a:solidFill>
+                <a:latin typeface="+mn-lt"/>
+                <a:ea typeface="+mn-ea"/>
+                <a:cs typeface="+mn-cs"/>
+              </a:defRPr>
+            </a:lvl6pPr>
+            <a:lvl7pPr marL="2971800" indent="-228600" algn="l" defTabSz="914400" rtl="0" eaLnBrk="1" latinLnBrk="0" hangingPunct="1">
+              <a:lnSpc>
+                <a:spcPct val="90000"/>
+              </a:lnSpc>
+              <a:spcBef>
+                <a:spcPts val="500"/>
+              </a:spcBef>
+              <a:buFont typeface="Arial" panose="020B0604020202020204" pitchFamily="34" charset="0"/>
+              <a:buChar char="•"/>
+              <a:defRPr sz="1800" kern="1200">
+                <a:solidFill>
+                  <a:schemeClr val="tx1"/>
+                </a:solidFill>
+                <a:latin typeface="+mn-lt"/>
+                <a:ea typeface="+mn-ea"/>
+                <a:cs typeface="+mn-cs"/>
+              </a:defRPr>
+            </a:lvl7pPr>
+            <a:lvl8pPr marL="3429000" indent="-228600" algn="l" defTabSz="914400" rtl="0" eaLnBrk="1" latinLnBrk="0" hangingPunct="1">
+              <a:lnSpc>
+                <a:spcPct val="90000"/>
+              </a:lnSpc>
+              <a:spcBef>
+                <a:spcPts val="500"/>
+              </a:spcBef>
+              <a:buFont typeface="Arial" panose="020B0604020202020204" pitchFamily="34" charset="0"/>
+              <a:buChar char="•"/>
+              <a:defRPr sz="1800" kern="1200">
+                <a:solidFill>
+                  <a:schemeClr val="tx1"/>
+                </a:solidFill>
+                <a:latin typeface="+mn-lt"/>
+                <a:ea typeface="+mn-ea"/>
+                <a:cs typeface="+mn-cs"/>
+              </a:defRPr>
+            </a:lvl8pPr>
+            <a:lvl9pPr marL="3886200" indent="-228600" algn="l" defTabSz="914400" rtl="0" eaLnBrk="1" latinLnBrk="0" hangingPunct="1">
+              <a:lnSpc>
+                <a:spcPct val="90000"/>
+              </a:lnSpc>
+              <a:spcBef>
+                <a:spcPts val="500"/>
+              </a:spcBef>
+              <a:buFont typeface="Arial" panose="020B0604020202020204" pitchFamily="34" charset="0"/>
+              <a:buChar char="•"/>
+              <a:defRPr sz="1800" kern="1200">
+                <a:solidFill>
+                  <a:schemeClr val="tx1"/>
+                </a:solidFill>
+                <a:latin typeface="+mn-lt"/>
+                <a:ea typeface="+mn-ea"/>
+                <a:cs typeface="+mn-cs"/>
+              </a:defRPr>
+            </a:lvl9pPr>
+          </a:lstStyle>
+          <a:p>
+            <a:pPr algn="just"/>
+            <a:r>
+              <a:rPr lang="pt-BR" sz="4400" dirty="0">
+                <a:latin typeface="Times New Roman" panose="02020603050405020304" pitchFamily="18" charset="0"/>
+                <a:cs typeface="Times New Roman" panose="02020603050405020304" pitchFamily="18" charset="0"/>
+              </a:rPr>
+              <a:t> </a:t>
+            </a:r>
+            <a:r>
+              <a:rPr lang="pt-BR" sz="4000" dirty="0">
+                <a:latin typeface="Times New Roman" panose="02020603050405020304" pitchFamily="18" charset="0"/>
+                <a:cs typeface="Times New Roman" panose="02020603050405020304" pitchFamily="18" charset="0"/>
+              </a:rPr>
+              <a:t>Ao analisarmos o problema, concluímos que o objetivo seria simular a disposição de horário dos professores ao longo da semana em um determinado período.</a:t>
+            </a:r>
+            <a:endParaRPr lang="pt-BR" sz="4000" dirty="0">
+              <a:latin typeface="Times New Roman" panose="02020603050405020304" pitchFamily="18" charset="0"/>
+              <a:cs typeface="Times New Roman" panose="02020603050405020304" pitchFamily="18" charset="0"/>
+            </a:endParaRPr>
+          </a:p>
+          <a:p>
+            <a:pPr algn="just"/>
+            <a:endParaRPr lang="pt-BR" sz="4000" dirty="0">
+              <a:latin typeface="Times New Roman" panose="02020603050405020304" pitchFamily="18" charset="0"/>
+              <a:cs typeface="Times New Roman" panose="02020603050405020304" pitchFamily="18" charset="0"/>
+            </a:endParaRPr>
+          </a:p>
+          <a:p>
+            <a:pPr algn="just"/>
+            <a:r>
+              <a:rPr lang="pt-BR" sz="4000" dirty="0">
+                <a:latin typeface="Times New Roman" panose="02020603050405020304" pitchFamily="18" charset="0"/>
+                <a:cs typeface="Times New Roman" panose="02020603050405020304" pitchFamily="18" charset="0"/>
+              </a:rPr>
+              <a:t> Desta forma, o indivíduo modelado é um período propriamente dito, com o dia das aulas, organização das disciplinas ao longo dos dias e  os professores responsáveis pelas aulas destas disciplinas.</a:t>
+            </a:r>
+            <a:endParaRPr lang="pt-BR" sz="4000" dirty="0">
+              <a:latin typeface="Times New Roman" panose="02020603050405020304" pitchFamily="18" charset="0"/>
+              <a:cs typeface="Times New Roman" panose="02020603050405020304" pitchFamily="18" charset="0"/>
+            </a:endParaRPr>
+          </a:p>
+          <a:p>
+            <a:pPr marL="742950" indent="-742950">
+              <a:buFont typeface="+mj-lt"/>
+              <a:buAutoNum type="arabicPeriod"/>
+            </a:pPr>
+            <a:endParaRPr lang="pt-BR" sz="4000" dirty="0">
+              <a:latin typeface="Times New Roman" panose="02020603050405020304" pitchFamily="18" charset="0"/>
+              <a:cs typeface="Times New Roman" panose="02020603050405020304" pitchFamily="18" charset="0"/>
+            </a:endParaRPr>
+          </a:p>
+          <a:p>
+            <a:pPr marL="742950" indent="-742950">
+              <a:buFont typeface="+mj-lt"/>
+              <a:buAutoNum type="arabicPeriod"/>
+            </a:pPr>
+            <a:endParaRPr lang="pt-BR" sz="4400" dirty="0">
+              <a:latin typeface="Times New Roman" panose="02020603050405020304" pitchFamily="18" charset="0"/>
+              <a:cs typeface="Times New Roman" panose="02020603050405020304" pitchFamily="18" charset="0"/>
+            </a:endParaRPr>
+          </a:p>
+        </p:txBody>
+      </p:sp>
+    </p:spTree>
+  </p:cSld>
+  <p:clrMapOvr>
+    <a:masterClrMapping/>
+  </p:clrMapOvr>
+  <p:timing>
+    <p:tnLst>
+      <p:par>
+        <p:cTn id="1" dur="indefinite" restart="never" nodeType="tmRoot">
+          <p:childTnLst>
+            <p:seq concurrent="1" nextAc="seek">
+              <p:cTn id="2" dur="indefinite" nodeType="mainSeq">
+                <p:childTnLst>
+                  <p:par>
+                    <p:cTn id="3" fill="hold">
+                      <p:stCondLst>
+                        <p:cond delay="indefinite"/>
+                      </p:stCondLst>
+                      <p:childTnLst>
+                        <p:par>
+                          <p:cTn id="4" fill="hold">
+                            <p:stCondLst>
+                              <p:cond delay="0"/>
+                            </p:stCondLst>
+                            <p:childTnLst>
+                              <p:par>
+                                <p:cTn id="5" presetID="1" presetClass="entr" presetSubtype="0" fill="hold" nodeType="clickEffect">
+                                  <p:stCondLst>
+                                    <p:cond delay="0"/>
+                                  </p:stCondLst>
+                                  <p:childTnLst>
+                                    <p:set>
+                                      <p:cBhvr>
+                                        <p:cTn id="6" dur="1" fill="hold">
+                                          <p:stCondLst>
+                                            <p:cond delay="0"/>
+                                          </p:stCondLst>
+                                        </p:cTn>
+                                        <p:tgtEl>
+                                          <p:spTgt spid="3">
+                                            <p:txEl>
+                                              <p:pRg st="0" end="0"/>
+                                            </p:txEl>
+                                          </p:spTgt>
+                                        </p:tgtEl>
+                                        <p:attrNameLst>
+                                          <p:attrName>style.visibility</p:attrName>
+                                        </p:attrNameLst>
+                                      </p:cBhvr>
+                                      <p:to>
+                                        <p:strVal val="visible"/>
+                                      </p:to>
+                                    </p:set>
+                                  </p:childTnLst>
+                                </p:cTn>
+                              </p:par>
+                            </p:childTnLst>
+                          </p:cTn>
+                        </p:par>
+                      </p:childTnLst>
+                    </p:cTn>
+                  </p:par>
+                </p:childTnLst>
+              </p:cTn>
+              <p:prevCondLst>
+                <p:cond evt="onPrev" delay="0">
+                  <p:tgtEl>
+                    <p:sldTgt/>
+                  </p:tgtEl>
+                </p:cond>
+              </p:prevCondLst>
+              <p:nextCondLst>
+                <p:cond evt="onNext" delay="0">
+                  <p:tgtEl>
+                    <p:sldTgt/>
+                  </p:tgtEl>
+                </p:cond>
+              </p:nextCondLst>
+            </p:seq>
+          </p:childTnLst>
+        </p:cTn>
+      </p:par>
+    </p:tnLst>
+  </p:timing>
+</p:sld>
+</file>
+
+<file path=ppt/slides/slide11.xml><?xml version="1.0" encoding="utf-8"?>
+<p:sld xmlns:a="http://schemas.openxmlformats.org/drawingml/2006/main" xmlns:r="http://schemas.openxmlformats.org/officeDocument/2006/relationships" xmlns:p="http://schemas.openxmlformats.org/presentationml/2006/main">
+  <p:cSld>
+    <p:spTree>
+      <p:nvGrpSpPr>
+        <p:cNvPr id="1" name=""/>
+        <p:cNvGrpSpPr/>
+        <p:nvPr/>
+      </p:nvGrpSpPr>
+      <p:grpSpPr>
+        <a:xfrm>
+          <a:off x="0" y="0"/>
+          <a:ext cx="0" cy="0"/>
+          <a:chOff x="0" y="0"/>
+          <a:chExt cx="0" cy="0"/>
+        </a:xfrm>
+      </p:grpSpPr>
+      <p:sp>
+        <p:nvSpPr>
+          <p:cNvPr id="2" name="Título 1"/>
+          <p:cNvSpPr txBox="1"/>
+          <p:nvPr/>
+        </p:nvSpPr>
+        <p:spPr>
+          <a:xfrm>
+            <a:off x="838199" y="200993"/>
+            <a:ext cx="10515600" cy="970671"/>
+          </a:xfrm>
+          <a:prstGeom prst="rect">
+            <a:avLst/>
+          </a:prstGeom>
+        </p:spPr>
+        <p:txBody>
+          <a:bodyPr>
+            <a:noAutofit/>
+          </a:bodyPr>
+          <a:lstStyle>
+            <a:lvl1pPr algn="l" defTabSz="914400" rtl="0" eaLnBrk="1" latinLnBrk="0" hangingPunct="1">
+              <a:lnSpc>
+                <a:spcPct val="90000"/>
+              </a:lnSpc>
+              <a:spcBef>
+                <a:spcPct val="0"/>
+              </a:spcBef>
+              <a:buNone/>
+              <a:defRPr sz="4400" kern="1200">
+                <a:solidFill>
+                  <a:schemeClr val="tx1"/>
+                </a:solidFill>
+                <a:latin typeface="+mj-lt"/>
+                <a:ea typeface="+mj-ea"/>
+                <a:cs typeface="+mj-cs"/>
+              </a:defRPr>
+            </a:lvl1pPr>
+          </a:lstStyle>
+          <a:p>
+            <a:pPr algn="ctr"/>
+            <a:r>
+              <a:rPr lang="pt-BR" sz="5400" b="1" dirty="0">
+                <a:solidFill>
+                  <a:srgbClr val="049BE6"/>
+                </a:solidFill>
+                <a:latin typeface="+mn-lt"/>
+              </a:rPr>
+              <a:t>Modelagem do indivíduo</a:t>
+            </a:r>
+            <a:endParaRPr lang="pt-BR" sz="5400" b="1" dirty="0">
+              <a:solidFill>
+                <a:srgbClr val="049BE6"/>
+              </a:solidFill>
+              <a:latin typeface="+mn-lt"/>
+            </a:endParaRPr>
+          </a:p>
+        </p:txBody>
+      </p:sp>
       <p:pic>
         <p:nvPicPr>
           <p:cNvPr id="4" name="Imagem 3"/>
@@ -3677,7 +4296,7 @@
 </p:sld>
 </file>
 
-<file path=ppt/slides/slide11.xml><?xml version="1.0" encoding="utf-8"?>
+<file path=ppt/slides/slide12.xml><?xml version="1.0" encoding="utf-8"?>
 <p:sld xmlns:a="http://schemas.openxmlformats.org/drawingml/2006/main" xmlns:r="http://schemas.openxmlformats.org/officeDocument/2006/relationships" xmlns:p="http://schemas.openxmlformats.org/presentationml/2006/main">
   <p:cSld>
     <p:spTree>
@@ -4480,7 +5099,7 @@
 </p:sld>
 </file>
 
-<file path=ppt/slides/slide12.xml><?xml version="1.0" encoding="utf-8"?>
+<file path=ppt/slides/slide13.xml><?xml version="1.0" encoding="utf-8"?>
 <p:sld xmlns:a="http://schemas.openxmlformats.org/drawingml/2006/main" xmlns:r="http://schemas.openxmlformats.org/officeDocument/2006/relationships" xmlns:p="http://schemas.openxmlformats.org/presentationml/2006/main">
   <p:cSld>
     <p:spTree>
@@ -5298,826 +5917,6 @@
 </p:sld>
 </file>
 
-<file path=ppt/slides/slide13.xml><?xml version="1.0" encoding="utf-8"?>
-<p:sld xmlns:a="http://schemas.openxmlformats.org/drawingml/2006/main" xmlns:r="http://schemas.openxmlformats.org/officeDocument/2006/relationships" xmlns:p="http://schemas.openxmlformats.org/presentationml/2006/main">
-  <p:cSld>
-    <p:spTree>
-      <p:nvGrpSpPr>
-        <p:cNvPr id="1" name=""/>
-        <p:cNvGrpSpPr/>
-        <p:nvPr/>
-      </p:nvGrpSpPr>
-      <p:grpSpPr>
-        <a:xfrm>
-          <a:off x="0" y="0"/>
-          <a:ext cx="0" cy="0"/>
-          <a:chOff x="0" y="0"/>
-          <a:chExt cx="0" cy="0"/>
-        </a:xfrm>
-      </p:grpSpPr>
-      <p:sp>
-        <p:nvSpPr>
-          <p:cNvPr id="2" name="Título 1"/>
-          <p:cNvSpPr txBox="1"/>
-          <p:nvPr/>
-        </p:nvSpPr>
-        <p:spPr>
-          <a:xfrm>
-            <a:off x="838200" y="506437"/>
-            <a:ext cx="10515600" cy="970671"/>
-          </a:xfrm>
-          <a:prstGeom prst="rect">
-            <a:avLst/>
-          </a:prstGeom>
-        </p:spPr>
-        <p:txBody>
-          <a:bodyPr>
-            <a:noAutofit/>
-          </a:bodyPr>
-          <a:lstStyle>
-            <a:lvl1pPr algn="l" defTabSz="914400" rtl="0" eaLnBrk="1" latinLnBrk="0" hangingPunct="1">
-              <a:lnSpc>
-                <a:spcPct val="90000"/>
-              </a:lnSpc>
-              <a:spcBef>
-                <a:spcPct val="0"/>
-              </a:spcBef>
-              <a:buNone/>
-              <a:defRPr sz="4400" kern="1200">
-                <a:solidFill>
-                  <a:schemeClr val="tx1"/>
-                </a:solidFill>
-                <a:latin typeface="+mj-lt"/>
-                <a:ea typeface="+mj-ea"/>
-                <a:cs typeface="+mj-cs"/>
-              </a:defRPr>
-            </a:lvl1pPr>
-          </a:lstStyle>
-          <a:p>
-            <a:pPr algn="ctr"/>
-            <a:r>
-              <a:rPr lang="pt-BR" sz="4800" b="1" dirty="0">
-                <a:solidFill>
-                  <a:srgbClr val="049BE6"/>
-                </a:solidFill>
-                <a:latin typeface="+mn-lt"/>
-              </a:rPr>
-              <a:t>Modelagem da função fitness</a:t>
-            </a:r>
-            <a:endParaRPr lang="pt-BR" sz="4800" b="1" dirty="0">
-              <a:solidFill>
-                <a:srgbClr val="049BE6"/>
-              </a:solidFill>
-              <a:latin typeface="+mn-lt"/>
-            </a:endParaRPr>
-          </a:p>
-        </p:txBody>
-      </p:sp>
-      <p:sp>
-        <p:nvSpPr>
-          <p:cNvPr id="3" name="Espaço Reservado para Conteúdo 2"/>
-          <p:cNvSpPr txBox="1"/>
-          <p:nvPr/>
-        </p:nvSpPr>
-        <p:spPr>
-          <a:xfrm>
-            <a:off x="321212" y="1730326"/>
-            <a:ext cx="11549575" cy="4712677"/>
-          </a:xfrm>
-          <a:prstGeom prst="rect">
-            <a:avLst/>
-          </a:prstGeom>
-        </p:spPr>
-        <p:txBody>
-          <a:bodyPr>
-            <a:normAutofit/>
-          </a:bodyPr>
-          <a:lstStyle>
-            <a:lvl1pPr marL="228600" indent="-228600" algn="l" defTabSz="914400" rtl="0" eaLnBrk="1" latinLnBrk="0" hangingPunct="1">
-              <a:lnSpc>
-                <a:spcPct val="90000"/>
-              </a:lnSpc>
-              <a:spcBef>
-                <a:spcPts val="1000"/>
-              </a:spcBef>
-              <a:buFont typeface="Arial" panose="020B0604020202020204" pitchFamily="34" charset="0"/>
-              <a:buChar char="•"/>
-              <a:defRPr sz="2800" kern="1200">
-                <a:solidFill>
-                  <a:schemeClr val="tx1"/>
-                </a:solidFill>
-                <a:latin typeface="+mn-lt"/>
-                <a:ea typeface="+mn-ea"/>
-                <a:cs typeface="+mn-cs"/>
-              </a:defRPr>
-            </a:lvl1pPr>
-            <a:lvl2pPr marL="685800" indent="-228600" algn="l" defTabSz="914400" rtl="0" eaLnBrk="1" latinLnBrk="0" hangingPunct="1">
-              <a:lnSpc>
-                <a:spcPct val="90000"/>
-              </a:lnSpc>
-              <a:spcBef>
-                <a:spcPts val="500"/>
-              </a:spcBef>
-              <a:buFont typeface="Arial" panose="020B0604020202020204" pitchFamily="34" charset="0"/>
-              <a:buChar char="•"/>
-              <a:defRPr sz="2400" kern="1200">
-                <a:solidFill>
-                  <a:schemeClr val="tx1"/>
-                </a:solidFill>
-                <a:latin typeface="+mn-lt"/>
-                <a:ea typeface="+mn-ea"/>
-                <a:cs typeface="+mn-cs"/>
-              </a:defRPr>
-            </a:lvl2pPr>
-            <a:lvl3pPr marL="1143000" indent="-228600" algn="l" defTabSz="914400" rtl="0" eaLnBrk="1" latinLnBrk="0" hangingPunct="1">
-              <a:lnSpc>
-                <a:spcPct val="90000"/>
-              </a:lnSpc>
-              <a:spcBef>
-                <a:spcPts val="500"/>
-              </a:spcBef>
-              <a:buFont typeface="Arial" panose="020B0604020202020204" pitchFamily="34" charset="0"/>
-              <a:buChar char="•"/>
-              <a:defRPr sz="2000" kern="1200">
-                <a:solidFill>
-                  <a:schemeClr val="tx1"/>
-                </a:solidFill>
-                <a:latin typeface="+mn-lt"/>
-                <a:ea typeface="+mn-ea"/>
-                <a:cs typeface="+mn-cs"/>
-              </a:defRPr>
-            </a:lvl3pPr>
-            <a:lvl4pPr marL="1600200" indent="-228600" algn="l" defTabSz="914400" rtl="0" eaLnBrk="1" latinLnBrk="0" hangingPunct="1">
-              <a:lnSpc>
-                <a:spcPct val="90000"/>
-              </a:lnSpc>
-              <a:spcBef>
-                <a:spcPts val="500"/>
-              </a:spcBef>
-              <a:buFont typeface="Arial" panose="020B0604020202020204" pitchFamily="34" charset="0"/>
-              <a:buChar char="•"/>
-              <a:defRPr sz="1800" kern="1200">
-                <a:solidFill>
-                  <a:schemeClr val="tx1"/>
-                </a:solidFill>
-                <a:latin typeface="+mn-lt"/>
-                <a:ea typeface="+mn-ea"/>
-                <a:cs typeface="+mn-cs"/>
-              </a:defRPr>
-            </a:lvl4pPr>
-            <a:lvl5pPr marL="2057400" indent="-228600" algn="l" defTabSz="914400" rtl="0" eaLnBrk="1" latinLnBrk="0" hangingPunct="1">
-              <a:lnSpc>
-                <a:spcPct val="90000"/>
-              </a:lnSpc>
-              <a:spcBef>
-                <a:spcPts val="500"/>
-              </a:spcBef>
-              <a:buFont typeface="Arial" panose="020B0604020202020204" pitchFamily="34" charset="0"/>
-              <a:buChar char="•"/>
-              <a:defRPr sz="1800" kern="1200">
-                <a:solidFill>
-                  <a:schemeClr val="tx1"/>
-                </a:solidFill>
-                <a:latin typeface="+mn-lt"/>
-                <a:ea typeface="+mn-ea"/>
-                <a:cs typeface="+mn-cs"/>
-              </a:defRPr>
-            </a:lvl5pPr>
-            <a:lvl6pPr marL="2514600" indent="-228600" algn="l" defTabSz="914400" rtl="0" eaLnBrk="1" latinLnBrk="0" hangingPunct="1">
-              <a:lnSpc>
-                <a:spcPct val="90000"/>
-              </a:lnSpc>
-              <a:spcBef>
-                <a:spcPts val="500"/>
-              </a:spcBef>
-              <a:buFont typeface="Arial" panose="020B0604020202020204" pitchFamily="34" charset="0"/>
-              <a:buChar char="•"/>
-              <a:defRPr sz="1800" kern="1200">
-                <a:solidFill>
-                  <a:schemeClr val="tx1"/>
-                </a:solidFill>
-                <a:latin typeface="+mn-lt"/>
-                <a:ea typeface="+mn-ea"/>
-                <a:cs typeface="+mn-cs"/>
-              </a:defRPr>
-            </a:lvl6pPr>
-            <a:lvl7pPr marL="2971800" indent="-228600" algn="l" defTabSz="914400" rtl="0" eaLnBrk="1" latinLnBrk="0" hangingPunct="1">
-              <a:lnSpc>
-                <a:spcPct val="90000"/>
-              </a:lnSpc>
-              <a:spcBef>
-                <a:spcPts val="500"/>
-              </a:spcBef>
-              <a:buFont typeface="Arial" panose="020B0604020202020204" pitchFamily="34" charset="0"/>
-              <a:buChar char="•"/>
-              <a:defRPr sz="1800" kern="1200">
-                <a:solidFill>
-                  <a:schemeClr val="tx1"/>
-                </a:solidFill>
-                <a:latin typeface="+mn-lt"/>
-                <a:ea typeface="+mn-ea"/>
-                <a:cs typeface="+mn-cs"/>
-              </a:defRPr>
-            </a:lvl7pPr>
-            <a:lvl8pPr marL="3429000" indent="-228600" algn="l" defTabSz="914400" rtl="0" eaLnBrk="1" latinLnBrk="0" hangingPunct="1">
-              <a:lnSpc>
-                <a:spcPct val="90000"/>
-              </a:lnSpc>
-              <a:spcBef>
-                <a:spcPts val="500"/>
-              </a:spcBef>
-              <a:buFont typeface="Arial" panose="020B0604020202020204" pitchFamily="34" charset="0"/>
-              <a:buChar char="•"/>
-              <a:defRPr sz="1800" kern="1200">
-                <a:solidFill>
-                  <a:schemeClr val="tx1"/>
-                </a:solidFill>
-                <a:latin typeface="+mn-lt"/>
-                <a:ea typeface="+mn-ea"/>
-                <a:cs typeface="+mn-cs"/>
-              </a:defRPr>
-            </a:lvl8pPr>
-            <a:lvl9pPr marL="3886200" indent="-228600" algn="l" defTabSz="914400" rtl="0" eaLnBrk="1" latinLnBrk="0" hangingPunct="1">
-              <a:lnSpc>
-                <a:spcPct val="90000"/>
-              </a:lnSpc>
-              <a:spcBef>
-                <a:spcPts val="500"/>
-              </a:spcBef>
-              <a:buFont typeface="Arial" panose="020B0604020202020204" pitchFamily="34" charset="0"/>
-              <a:buChar char="•"/>
-              <a:defRPr sz="1800" kern="1200">
-                <a:solidFill>
-                  <a:schemeClr val="tx1"/>
-                </a:solidFill>
-                <a:latin typeface="+mn-lt"/>
-                <a:ea typeface="+mn-ea"/>
-                <a:cs typeface="+mn-cs"/>
-              </a:defRPr>
-            </a:lvl9pPr>
-          </a:lstStyle>
-          <a:p>
-            <a:pPr marL="0" indent="0">
-              <a:buNone/>
-            </a:pPr>
-            <a:r>
-              <a:rPr lang="pt-BR" sz="4800" dirty="0"/>
-              <a:t>	 </a:t>
-            </a:r>
-            <a:endParaRPr lang="pt-BR" sz="4800" dirty="0"/>
-          </a:p>
-          <a:p>
-            <a:pPr marL="742950" indent="-742950">
-              <a:buFont typeface="+mj-lt"/>
-              <a:buAutoNum type="arabicPeriod"/>
-            </a:pPr>
-            <a:endParaRPr lang="pt-BR" sz="4400" dirty="0"/>
-          </a:p>
-          <a:p>
-            <a:pPr marL="742950" indent="-742950">
-              <a:buFont typeface="+mj-lt"/>
-              <a:buAutoNum type="arabicPeriod"/>
-            </a:pPr>
-            <a:endParaRPr lang="pt-BR" sz="4400" dirty="0"/>
-          </a:p>
-        </p:txBody>
-      </p:sp>
-      <p:sp>
-        <p:nvSpPr>
-          <p:cNvPr id="4" name="Espaço Reservado para Conteúdo 2"/>
-          <p:cNvSpPr txBox="1"/>
-          <p:nvPr/>
-        </p:nvSpPr>
-        <p:spPr>
-          <a:xfrm>
-            <a:off x="473612" y="1882726"/>
-            <a:ext cx="11549575" cy="4712677"/>
-          </a:xfrm>
-          <a:prstGeom prst="rect">
-            <a:avLst/>
-          </a:prstGeom>
-        </p:spPr>
-        <p:txBody>
-          <a:bodyPr>
-            <a:normAutofit/>
-          </a:bodyPr>
-          <a:lstStyle>
-            <a:lvl1pPr marL="228600" indent="-228600" algn="l" defTabSz="914400" rtl="0" eaLnBrk="1" latinLnBrk="0" hangingPunct="1">
-              <a:lnSpc>
-                <a:spcPct val="90000"/>
-              </a:lnSpc>
-              <a:spcBef>
-                <a:spcPts val="1000"/>
-              </a:spcBef>
-              <a:buFont typeface="Arial" panose="020B0604020202020204" pitchFamily="34" charset="0"/>
-              <a:buChar char="•"/>
-              <a:defRPr sz="2800" kern="1200">
-                <a:solidFill>
-                  <a:schemeClr val="tx1"/>
-                </a:solidFill>
-                <a:latin typeface="+mn-lt"/>
-                <a:ea typeface="+mn-ea"/>
-                <a:cs typeface="+mn-cs"/>
-              </a:defRPr>
-            </a:lvl1pPr>
-            <a:lvl2pPr marL="685800" indent="-228600" algn="l" defTabSz="914400" rtl="0" eaLnBrk="1" latinLnBrk="0" hangingPunct="1">
-              <a:lnSpc>
-                <a:spcPct val="90000"/>
-              </a:lnSpc>
-              <a:spcBef>
-                <a:spcPts val="500"/>
-              </a:spcBef>
-              <a:buFont typeface="Arial" panose="020B0604020202020204" pitchFamily="34" charset="0"/>
-              <a:buChar char="•"/>
-              <a:defRPr sz="2400" kern="1200">
-                <a:solidFill>
-                  <a:schemeClr val="tx1"/>
-                </a:solidFill>
-                <a:latin typeface="+mn-lt"/>
-                <a:ea typeface="+mn-ea"/>
-                <a:cs typeface="+mn-cs"/>
-              </a:defRPr>
-            </a:lvl2pPr>
-            <a:lvl3pPr marL="1143000" indent="-228600" algn="l" defTabSz="914400" rtl="0" eaLnBrk="1" latinLnBrk="0" hangingPunct="1">
-              <a:lnSpc>
-                <a:spcPct val="90000"/>
-              </a:lnSpc>
-              <a:spcBef>
-                <a:spcPts val="500"/>
-              </a:spcBef>
-              <a:buFont typeface="Arial" panose="020B0604020202020204" pitchFamily="34" charset="0"/>
-              <a:buChar char="•"/>
-              <a:defRPr sz="2000" kern="1200">
-                <a:solidFill>
-                  <a:schemeClr val="tx1"/>
-                </a:solidFill>
-                <a:latin typeface="+mn-lt"/>
-                <a:ea typeface="+mn-ea"/>
-                <a:cs typeface="+mn-cs"/>
-              </a:defRPr>
-            </a:lvl3pPr>
-            <a:lvl4pPr marL="1600200" indent="-228600" algn="l" defTabSz="914400" rtl="0" eaLnBrk="1" latinLnBrk="0" hangingPunct="1">
-              <a:lnSpc>
-                <a:spcPct val="90000"/>
-              </a:lnSpc>
-              <a:spcBef>
-                <a:spcPts val="500"/>
-              </a:spcBef>
-              <a:buFont typeface="Arial" panose="020B0604020202020204" pitchFamily="34" charset="0"/>
-              <a:buChar char="•"/>
-              <a:defRPr sz="1800" kern="1200">
-                <a:solidFill>
-                  <a:schemeClr val="tx1"/>
-                </a:solidFill>
-                <a:latin typeface="+mn-lt"/>
-                <a:ea typeface="+mn-ea"/>
-                <a:cs typeface="+mn-cs"/>
-              </a:defRPr>
-            </a:lvl4pPr>
-            <a:lvl5pPr marL="2057400" indent="-228600" algn="l" defTabSz="914400" rtl="0" eaLnBrk="1" latinLnBrk="0" hangingPunct="1">
-              <a:lnSpc>
-                <a:spcPct val="90000"/>
-              </a:lnSpc>
-              <a:spcBef>
-                <a:spcPts val="500"/>
-              </a:spcBef>
-              <a:buFont typeface="Arial" panose="020B0604020202020204" pitchFamily="34" charset="0"/>
-              <a:buChar char="•"/>
-              <a:defRPr sz="1800" kern="1200">
-                <a:solidFill>
-                  <a:schemeClr val="tx1"/>
-                </a:solidFill>
-                <a:latin typeface="+mn-lt"/>
-                <a:ea typeface="+mn-ea"/>
-                <a:cs typeface="+mn-cs"/>
-              </a:defRPr>
-            </a:lvl5pPr>
-            <a:lvl6pPr marL="2514600" indent="-228600" algn="l" defTabSz="914400" rtl="0" eaLnBrk="1" latinLnBrk="0" hangingPunct="1">
-              <a:lnSpc>
-                <a:spcPct val="90000"/>
-              </a:lnSpc>
-              <a:spcBef>
-                <a:spcPts val="500"/>
-              </a:spcBef>
-              <a:buFont typeface="Arial" panose="020B0604020202020204" pitchFamily="34" charset="0"/>
-              <a:buChar char="•"/>
-              <a:defRPr sz="1800" kern="1200">
-                <a:solidFill>
-                  <a:schemeClr val="tx1"/>
-                </a:solidFill>
-                <a:latin typeface="+mn-lt"/>
-                <a:ea typeface="+mn-ea"/>
-                <a:cs typeface="+mn-cs"/>
-              </a:defRPr>
-            </a:lvl6pPr>
-            <a:lvl7pPr marL="2971800" indent="-228600" algn="l" defTabSz="914400" rtl="0" eaLnBrk="1" latinLnBrk="0" hangingPunct="1">
-              <a:lnSpc>
-                <a:spcPct val="90000"/>
-              </a:lnSpc>
-              <a:spcBef>
-                <a:spcPts val="500"/>
-              </a:spcBef>
-              <a:buFont typeface="Arial" panose="020B0604020202020204" pitchFamily="34" charset="0"/>
-              <a:buChar char="•"/>
-              <a:defRPr sz="1800" kern="1200">
-                <a:solidFill>
-                  <a:schemeClr val="tx1"/>
-                </a:solidFill>
-                <a:latin typeface="+mn-lt"/>
-                <a:ea typeface="+mn-ea"/>
-                <a:cs typeface="+mn-cs"/>
-              </a:defRPr>
-            </a:lvl7pPr>
-            <a:lvl8pPr marL="3429000" indent="-228600" algn="l" defTabSz="914400" rtl="0" eaLnBrk="1" latinLnBrk="0" hangingPunct="1">
-              <a:lnSpc>
-                <a:spcPct val="90000"/>
-              </a:lnSpc>
-              <a:spcBef>
-                <a:spcPts val="500"/>
-              </a:spcBef>
-              <a:buFont typeface="Arial" panose="020B0604020202020204" pitchFamily="34" charset="0"/>
-              <a:buChar char="•"/>
-              <a:defRPr sz="1800" kern="1200">
-                <a:solidFill>
-                  <a:schemeClr val="tx1"/>
-                </a:solidFill>
-                <a:latin typeface="+mn-lt"/>
-                <a:ea typeface="+mn-ea"/>
-                <a:cs typeface="+mn-cs"/>
-              </a:defRPr>
-            </a:lvl8pPr>
-            <a:lvl9pPr marL="3886200" indent="-228600" algn="l" defTabSz="914400" rtl="0" eaLnBrk="1" latinLnBrk="0" hangingPunct="1">
-              <a:lnSpc>
-                <a:spcPct val="90000"/>
-              </a:lnSpc>
-              <a:spcBef>
-                <a:spcPts val="500"/>
-              </a:spcBef>
-              <a:buFont typeface="Arial" panose="020B0604020202020204" pitchFamily="34" charset="0"/>
-              <a:buChar char="•"/>
-              <a:defRPr sz="1800" kern="1200">
-                <a:solidFill>
-                  <a:schemeClr val="tx1"/>
-                </a:solidFill>
-                <a:latin typeface="+mn-lt"/>
-                <a:ea typeface="+mn-ea"/>
-                <a:cs typeface="+mn-cs"/>
-              </a:defRPr>
-            </a:lvl9pPr>
-          </a:lstStyle>
-          <a:p>
-            <a:pPr marL="0" indent="0">
-              <a:buNone/>
-            </a:pPr>
-            <a:r>
-              <a:rPr lang="pt-BR" sz="4400" dirty="0"/>
-              <a:t>	</a:t>
-            </a:r>
-            <a:endParaRPr lang="pt-BR" sz="4400" dirty="0"/>
-          </a:p>
-          <a:p>
-            <a:pPr marL="742950" indent="-742950">
-              <a:buFont typeface="+mj-lt"/>
-              <a:buAutoNum type="arabicPeriod"/>
-            </a:pPr>
-            <a:endParaRPr lang="pt-BR" sz="4400" dirty="0"/>
-          </a:p>
-        </p:txBody>
-      </p:sp>
-      <p:sp>
-        <p:nvSpPr>
-          <p:cNvPr id="5" name="Espaço Reservado para Conteúdo 2"/>
-          <p:cNvSpPr txBox="1"/>
-          <p:nvPr/>
-        </p:nvSpPr>
-        <p:spPr>
-          <a:xfrm>
-            <a:off x="626012" y="1577926"/>
-            <a:ext cx="11244775" cy="4712677"/>
-          </a:xfrm>
-          <a:prstGeom prst="rect">
-            <a:avLst/>
-          </a:prstGeom>
-        </p:spPr>
-        <p:txBody>
-          <a:bodyPr>
-            <a:normAutofit fontScale="92500"/>
-          </a:bodyPr>
-          <a:lstStyle>
-            <a:lvl1pPr marL="228600" indent="-228600" algn="l" defTabSz="914400" rtl="0" eaLnBrk="1" latinLnBrk="0" hangingPunct="1">
-              <a:lnSpc>
-                <a:spcPct val="90000"/>
-              </a:lnSpc>
-              <a:spcBef>
-                <a:spcPts val="1000"/>
-              </a:spcBef>
-              <a:buFont typeface="Arial" panose="020B0604020202020204" pitchFamily="34" charset="0"/>
-              <a:buChar char="•"/>
-              <a:defRPr sz="2800" kern="1200">
-                <a:solidFill>
-                  <a:schemeClr val="tx1"/>
-                </a:solidFill>
-                <a:latin typeface="+mn-lt"/>
-                <a:ea typeface="+mn-ea"/>
-                <a:cs typeface="+mn-cs"/>
-              </a:defRPr>
-            </a:lvl1pPr>
-            <a:lvl2pPr marL="685800" indent="-228600" algn="l" defTabSz="914400" rtl="0" eaLnBrk="1" latinLnBrk="0" hangingPunct="1">
-              <a:lnSpc>
-                <a:spcPct val="90000"/>
-              </a:lnSpc>
-              <a:spcBef>
-                <a:spcPts val="500"/>
-              </a:spcBef>
-              <a:buFont typeface="Arial" panose="020B0604020202020204" pitchFamily="34" charset="0"/>
-              <a:buChar char="•"/>
-              <a:defRPr sz="2400" kern="1200">
-                <a:solidFill>
-                  <a:schemeClr val="tx1"/>
-                </a:solidFill>
-                <a:latin typeface="+mn-lt"/>
-                <a:ea typeface="+mn-ea"/>
-                <a:cs typeface="+mn-cs"/>
-              </a:defRPr>
-            </a:lvl2pPr>
-            <a:lvl3pPr marL="1143000" indent="-228600" algn="l" defTabSz="914400" rtl="0" eaLnBrk="1" latinLnBrk="0" hangingPunct="1">
-              <a:lnSpc>
-                <a:spcPct val="90000"/>
-              </a:lnSpc>
-              <a:spcBef>
-                <a:spcPts val="500"/>
-              </a:spcBef>
-              <a:buFont typeface="Arial" panose="020B0604020202020204" pitchFamily="34" charset="0"/>
-              <a:buChar char="•"/>
-              <a:defRPr sz="2000" kern="1200">
-                <a:solidFill>
-                  <a:schemeClr val="tx1"/>
-                </a:solidFill>
-                <a:latin typeface="+mn-lt"/>
-                <a:ea typeface="+mn-ea"/>
-                <a:cs typeface="+mn-cs"/>
-              </a:defRPr>
-            </a:lvl3pPr>
-            <a:lvl4pPr marL="1600200" indent="-228600" algn="l" defTabSz="914400" rtl="0" eaLnBrk="1" latinLnBrk="0" hangingPunct="1">
-              <a:lnSpc>
-                <a:spcPct val="90000"/>
-              </a:lnSpc>
-              <a:spcBef>
-                <a:spcPts val="500"/>
-              </a:spcBef>
-              <a:buFont typeface="Arial" panose="020B0604020202020204" pitchFamily="34" charset="0"/>
-              <a:buChar char="•"/>
-              <a:defRPr sz="1800" kern="1200">
-                <a:solidFill>
-                  <a:schemeClr val="tx1"/>
-                </a:solidFill>
-                <a:latin typeface="+mn-lt"/>
-                <a:ea typeface="+mn-ea"/>
-                <a:cs typeface="+mn-cs"/>
-              </a:defRPr>
-            </a:lvl4pPr>
-            <a:lvl5pPr marL="2057400" indent="-228600" algn="l" defTabSz="914400" rtl="0" eaLnBrk="1" latinLnBrk="0" hangingPunct="1">
-              <a:lnSpc>
-                <a:spcPct val="90000"/>
-              </a:lnSpc>
-              <a:spcBef>
-                <a:spcPts val="500"/>
-              </a:spcBef>
-              <a:buFont typeface="Arial" panose="020B0604020202020204" pitchFamily="34" charset="0"/>
-              <a:buChar char="•"/>
-              <a:defRPr sz="1800" kern="1200">
-                <a:solidFill>
-                  <a:schemeClr val="tx1"/>
-                </a:solidFill>
-                <a:latin typeface="+mn-lt"/>
-                <a:ea typeface="+mn-ea"/>
-                <a:cs typeface="+mn-cs"/>
-              </a:defRPr>
-            </a:lvl5pPr>
-            <a:lvl6pPr marL="2514600" indent="-228600" algn="l" defTabSz="914400" rtl="0" eaLnBrk="1" latinLnBrk="0" hangingPunct="1">
-              <a:lnSpc>
-                <a:spcPct val="90000"/>
-              </a:lnSpc>
-              <a:spcBef>
-                <a:spcPts val="500"/>
-              </a:spcBef>
-              <a:buFont typeface="Arial" panose="020B0604020202020204" pitchFamily="34" charset="0"/>
-              <a:buChar char="•"/>
-              <a:defRPr sz="1800" kern="1200">
-                <a:solidFill>
-                  <a:schemeClr val="tx1"/>
-                </a:solidFill>
-                <a:latin typeface="+mn-lt"/>
-                <a:ea typeface="+mn-ea"/>
-                <a:cs typeface="+mn-cs"/>
-              </a:defRPr>
-            </a:lvl6pPr>
-            <a:lvl7pPr marL="2971800" indent="-228600" algn="l" defTabSz="914400" rtl="0" eaLnBrk="1" latinLnBrk="0" hangingPunct="1">
-              <a:lnSpc>
-                <a:spcPct val="90000"/>
-              </a:lnSpc>
-              <a:spcBef>
-                <a:spcPts val="500"/>
-              </a:spcBef>
-              <a:buFont typeface="Arial" panose="020B0604020202020204" pitchFamily="34" charset="0"/>
-              <a:buChar char="•"/>
-              <a:defRPr sz="1800" kern="1200">
-                <a:solidFill>
-                  <a:schemeClr val="tx1"/>
-                </a:solidFill>
-                <a:latin typeface="+mn-lt"/>
-                <a:ea typeface="+mn-ea"/>
-                <a:cs typeface="+mn-cs"/>
-              </a:defRPr>
-            </a:lvl7pPr>
-            <a:lvl8pPr marL="3429000" indent="-228600" algn="l" defTabSz="914400" rtl="0" eaLnBrk="1" latinLnBrk="0" hangingPunct="1">
-              <a:lnSpc>
-                <a:spcPct val="90000"/>
-              </a:lnSpc>
-              <a:spcBef>
-                <a:spcPts val="500"/>
-              </a:spcBef>
-              <a:buFont typeface="Arial" panose="020B0604020202020204" pitchFamily="34" charset="0"/>
-              <a:buChar char="•"/>
-              <a:defRPr sz="1800" kern="1200">
-                <a:solidFill>
-                  <a:schemeClr val="tx1"/>
-                </a:solidFill>
-                <a:latin typeface="+mn-lt"/>
-                <a:ea typeface="+mn-ea"/>
-                <a:cs typeface="+mn-cs"/>
-              </a:defRPr>
-            </a:lvl8pPr>
-            <a:lvl9pPr marL="3886200" indent="-228600" algn="l" defTabSz="914400" rtl="0" eaLnBrk="1" latinLnBrk="0" hangingPunct="1">
-              <a:lnSpc>
-                <a:spcPct val="90000"/>
-              </a:lnSpc>
-              <a:spcBef>
-                <a:spcPts val="500"/>
-              </a:spcBef>
-              <a:buFont typeface="Arial" panose="020B0604020202020204" pitchFamily="34" charset="0"/>
-              <a:buChar char="•"/>
-              <a:defRPr sz="1800" kern="1200">
-                <a:solidFill>
-                  <a:schemeClr val="tx1"/>
-                </a:solidFill>
-                <a:latin typeface="+mn-lt"/>
-                <a:ea typeface="+mn-ea"/>
-                <a:cs typeface="+mn-cs"/>
-              </a:defRPr>
-            </a:lvl9pPr>
-          </a:lstStyle>
-          <a:p>
-            <a:pPr algn="just"/>
-            <a:r>
-              <a:rPr lang="pt-BR" sz="4400" dirty="0">
-                <a:latin typeface="Times New Roman" panose="02020603050405020304" pitchFamily="18" charset="0"/>
-                <a:cs typeface="Times New Roman" panose="02020603050405020304" pitchFamily="18" charset="0"/>
-              </a:rPr>
-              <a:t> </a:t>
-            </a:r>
-            <a:r>
-              <a:rPr lang="pt-BR" sz="4000" dirty="0">
-                <a:latin typeface="Times New Roman" panose="02020603050405020304" pitchFamily="18" charset="0"/>
-                <a:cs typeface="Times New Roman" panose="02020603050405020304" pitchFamily="18" charset="0"/>
-              </a:rPr>
-              <a:t>Alguns professores possuem restrições de horários, ou seja, alguns deles preferem ministrar aulas com horários seguidos, já outros preferem que estas aulas sejam intercaladas. </a:t>
-            </a:r>
-            <a:endParaRPr lang="pt-BR" sz="4000" dirty="0">
-              <a:latin typeface="Times New Roman" panose="02020603050405020304" pitchFamily="18" charset="0"/>
-              <a:cs typeface="Times New Roman" panose="02020603050405020304" pitchFamily="18" charset="0"/>
-            </a:endParaRPr>
-          </a:p>
-          <a:p>
-            <a:pPr algn="just"/>
-            <a:endParaRPr lang="pt-BR" sz="4000" dirty="0">
-              <a:latin typeface="Times New Roman" panose="02020603050405020304" pitchFamily="18" charset="0"/>
-              <a:cs typeface="Times New Roman" panose="02020603050405020304" pitchFamily="18" charset="0"/>
-            </a:endParaRPr>
-          </a:p>
-          <a:p>
-            <a:pPr algn="just"/>
-            <a:r>
-              <a:rPr lang="pt-BR" sz="4000" dirty="0">
-                <a:latin typeface="Times New Roman" panose="02020603050405020304" pitchFamily="18" charset="0"/>
-                <a:cs typeface="Times New Roman" panose="02020603050405020304" pitchFamily="18" charset="0"/>
-              </a:rPr>
-              <a:t> Sabendo disso, a função responsável por avaliar todos os indivíduos, os penaliza com um valor negativo de acordo com as restrições cadastradas  por cada professor.</a:t>
-            </a:r>
-            <a:endParaRPr lang="pt-BR" sz="4000" dirty="0">
-              <a:latin typeface="Times New Roman" panose="02020603050405020304" pitchFamily="18" charset="0"/>
-              <a:cs typeface="Times New Roman" panose="02020603050405020304" pitchFamily="18" charset="0"/>
-            </a:endParaRPr>
-          </a:p>
-          <a:p>
-            <a:pPr marL="742950" indent="-742950">
-              <a:buFont typeface="+mj-lt"/>
-              <a:buAutoNum type="arabicPeriod"/>
-            </a:pPr>
-            <a:endParaRPr lang="pt-BR" sz="4000" dirty="0">
-              <a:latin typeface="Times New Roman" panose="02020603050405020304" pitchFamily="18" charset="0"/>
-              <a:cs typeface="Times New Roman" panose="02020603050405020304" pitchFamily="18" charset="0"/>
-            </a:endParaRPr>
-          </a:p>
-          <a:p>
-            <a:pPr marL="742950" indent="-742950">
-              <a:buFont typeface="+mj-lt"/>
-              <a:buAutoNum type="arabicPeriod"/>
-            </a:pPr>
-            <a:endParaRPr lang="pt-BR" sz="4400" dirty="0">
-              <a:latin typeface="Times New Roman" panose="02020603050405020304" pitchFamily="18" charset="0"/>
-              <a:cs typeface="Times New Roman" panose="02020603050405020304" pitchFamily="18" charset="0"/>
-            </a:endParaRPr>
-          </a:p>
-        </p:txBody>
-      </p:sp>
-    </p:spTree>
-  </p:cSld>
-  <p:clrMapOvr>
-    <a:masterClrMapping/>
-  </p:clrMapOvr>
-  <p:timing>
-    <p:tnLst>
-      <p:par>
-        <p:cTn id="1" dur="indefinite" restart="never" nodeType="tmRoot">
-          <p:childTnLst>
-            <p:seq concurrent="1" nextAc="seek">
-              <p:cTn id="2" dur="indefinite" nodeType="mainSeq">
-                <p:childTnLst>
-                  <p:par>
-                    <p:cTn id="3" fill="hold">
-                      <p:stCondLst>
-                        <p:cond delay="indefinite"/>
-                      </p:stCondLst>
-                      <p:childTnLst>
-                        <p:par>
-                          <p:cTn id="4" fill="hold">
-                            <p:stCondLst>
-                              <p:cond delay="0"/>
-                            </p:stCondLst>
-                            <p:childTnLst>
-                              <p:par>
-                                <p:cTn id="5" presetID="1" presetClass="entr" presetSubtype="0" fill="hold" nodeType="clickEffect">
-                                  <p:stCondLst>
-                                    <p:cond delay="0"/>
-                                  </p:stCondLst>
-                                  <p:childTnLst>
-                                    <p:set>
-                                      <p:cBhvr>
-                                        <p:cTn id="6" dur="1" fill="hold">
-                                          <p:stCondLst>
-                                            <p:cond delay="0"/>
-                                          </p:stCondLst>
-                                        </p:cTn>
-                                        <p:tgtEl>
-                                          <p:spTgt spid="3">
-                                            <p:txEl>
-                                              <p:pRg st="0" end="0"/>
-                                            </p:txEl>
-                                          </p:spTgt>
-                                        </p:tgtEl>
-                                        <p:attrNameLst>
-                                          <p:attrName>style.visibility</p:attrName>
-                                        </p:attrNameLst>
-                                      </p:cBhvr>
-                                      <p:to>
-                                        <p:strVal val="visible"/>
-                                      </p:to>
-                                    </p:set>
-                                  </p:childTnLst>
-                                </p:cTn>
-                              </p:par>
-                            </p:childTnLst>
-                          </p:cTn>
-                        </p:par>
-                      </p:childTnLst>
-                    </p:cTn>
-                  </p:par>
-                </p:childTnLst>
-              </p:cTn>
-              <p:prevCondLst>
-                <p:cond evt="onPrev" delay="0">
-                  <p:tgtEl>
-                    <p:sldTgt/>
-                  </p:tgtEl>
-                </p:cond>
-              </p:prevCondLst>
-              <p:nextCondLst>
-                <p:cond evt="onNext" delay="0">
-                  <p:tgtEl>
-                    <p:sldTgt/>
-                  </p:tgtEl>
-                </p:cond>
-              </p:nextCondLst>
-            </p:seq>
-          </p:childTnLst>
-        </p:cTn>
-      </p:par>
-    </p:tnLst>
-  </p:timing>
-</p:sld>
-</file>
-
 <file path=ppt/slides/slide14.xml><?xml version="1.0" encoding="utf-8"?>
 <p:sld xmlns:a="http://schemas.openxmlformats.org/drawingml/2006/main" xmlns:r="http://schemas.openxmlformats.org/officeDocument/2006/relationships" xmlns:p="http://schemas.openxmlformats.org/presentationml/2006/main">
   <p:cSld>
@@ -6404,6 +6203,208 @@
       </p:sp>
       <p:sp>
         <p:nvSpPr>
+          <p:cNvPr id="4" name="Espaço Reservado para Conteúdo 2"/>
+          <p:cNvSpPr txBox="1"/>
+          <p:nvPr/>
+        </p:nvSpPr>
+        <p:spPr>
+          <a:xfrm>
+            <a:off x="473612" y="1882726"/>
+            <a:ext cx="11549575" cy="4712677"/>
+          </a:xfrm>
+          <a:prstGeom prst="rect">
+            <a:avLst/>
+          </a:prstGeom>
+        </p:spPr>
+        <p:txBody>
+          <a:bodyPr>
+            <a:normAutofit/>
+          </a:bodyPr>
+          <a:lstStyle>
+            <a:lvl1pPr marL="228600" indent="-228600" algn="l" defTabSz="914400" rtl="0" eaLnBrk="1" latinLnBrk="0" hangingPunct="1">
+              <a:lnSpc>
+                <a:spcPct val="90000"/>
+              </a:lnSpc>
+              <a:spcBef>
+                <a:spcPts val="1000"/>
+              </a:spcBef>
+              <a:buFont typeface="Arial" panose="020B0604020202020204" pitchFamily="34" charset="0"/>
+              <a:buChar char="•"/>
+              <a:defRPr sz="2800" kern="1200">
+                <a:solidFill>
+                  <a:schemeClr val="tx1"/>
+                </a:solidFill>
+                <a:latin typeface="+mn-lt"/>
+                <a:ea typeface="+mn-ea"/>
+                <a:cs typeface="+mn-cs"/>
+              </a:defRPr>
+            </a:lvl1pPr>
+            <a:lvl2pPr marL="685800" indent="-228600" algn="l" defTabSz="914400" rtl="0" eaLnBrk="1" latinLnBrk="0" hangingPunct="1">
+              <a:lnSpc>
+                <a:spcPct val="90000"/>
+              </a:lnSpc>
+              <a:spcBef>
+                <a:spcPts val="500"/>
+              </a:spcBef>
+              <a:buFont typeface="Arial" panose="020B0604020202020204" pitchFamily="34" charset="0"/>
+              <a:buChar char="•"/>
+              <a:defRPr sz="2400" kern="1200">
+                <a:solidFill>
+                  <a:schemeClr val="tx1"/>
+                </a:solidFill>
+                <a:latin typeface="+mn-lt"/>
+                <a:ea typeface="+mn-ea"/>
+                <a:cs typeface="+mn-cs"/>
+              </a:defRPr>
+            </a:lvl2pPr>
+            <a:lvl3pPr marL="1143000" indent="-228600" algn="l" defTabSz="914400" rtl="0" eaLnBrk="1" latinLnBrk="0" hangingPunct="1">
+              <a:lnSpc>
+                <a:spcPct val="90000"/>
+              </a:lnSpc>
+              <a:spcBef>
+                <a:spcPts val="500"/>
+              </a:spcBef>
+              <a:buFont typeface="Arial" panose="020B0604020202020204" pitchFamily="34" charset="0"/>
+              <a:buChar char="•"/>
+              <a:defRPr sz="2000" kern="1200">
+                <a:solidFill>
+                  <a:schemeClr val="tx1"/>
+                </a:solidFill>
+                <a:latin typeface="+mn-lt"/>
+                <a:ea typeface="+mn-ea"/>
+                <a:cs typeface="+mn-cs"/>
+              </a:defRPr>
+            </a:lvl3pPr>
+            <a:lvl4pPr marL="1600200" indent="-228600" algn="l" defTabSz="914400" rtl="0" eaLnBrk="1" latinLnBrk="0" hangingPunct="1">
+              <a:lnSpc>
+                <a:spcPct val="90000"/>
+              </a:lnSpc>
+              <a:spcBef>
+                <a:spcPts val="500"/>
+              </a:spcBef>
+              <a:buFont typeface="Arial" panose="020B0604020202020204" pitchFamily="34" charset="0"/>
+              <a:buChar char="•"/>
+              <a:defRPr sz="1800" kern="1200">
+                <a:solidFill>
+                  <a:schemeClr val="tx1"/>
+                </a:solidFill>
+                <a:latin typeface="+mn-lt"/>
+                <a:ea typeface="+mn-ea"/>
+                <a:cs typeface="+mn-cs"/>
+              </a:defRPr>
+            </a:lvl4pPr>
+            <a:lvl5pPr marL="2057400" indent="-228600" algn="l" defTabSz="914400" rtl="0" eaLnBrk="1" latinLnBrk="0" hangingPunct="1">
+              <a:lnSpc>
+                <a:spcPct val="90000"/>
+              </a:lnSpc>
+              <a:spcBef>
+                <a:spcPts val="500"/>
+              </a:spcBef>
+              <a:buFont typeface="Arial" panose="020B0604020202020204" pitchFamily="34" charset="0"/>
+              <a:buChar char="•"/>
+              <a:defRPr sz="1800" kern="1200">
+                <a:solidFill>
+                  <a:schemeClr val="tx1"/>
+                </a:solidFill>
+                <a:latin typeface="+mn-lt"/>
+                <a:ea typeface="+mn-ea"/>
+                <a:cs typeface="+mn-cs"/>
+              </a:defRPr>
+            </a:lvl5pPr>
+            <a:lvl6pPr marL="2514600" indent="-228600" algn="l" defTabSz="914400" rtl="0" eaLnBrk="1" latinLnBrk="0" hangingPunct="1">
+              <a:lnSpc>
+                <a:spcPct val="90000"/>
+              </a:lnSpc>
+              <a:spcBef>
+                <a:spcPts val="500"/>
+              </a:spcBef>
+              <a:buFont typeface="Arial" panose="020B0604020202020204" pitchFamily="34" charset="0"/>
+              <a:buChar char="•"/>
+              <a:defRPr sz="1800" kern="1200">
+                <a:solidFill>
+                  <a:schemeClr val="tx1"/>
+                </a:solidFill>
+                <a:latin typeface="+mn-lt"/>
+                <a:ea typeface="+mn-ea"/>
+                <a:cs typeface="+mn-cs"/>
+              </a:defRPr>
+            </a:lvl6pPr>
+            <a:lvl7pPr marL="2971800" indent="-228600" algn="l" defTabSz="914400" rtl="0" eaLnBrk="1" latinLnBrk="0" hangingPunct="1">
+              <a:lnSpc>
+                <a:spcPct val="90000"/>
+              </a:lnSpc>
+              <a:spcBef>
+                <a:spcPts val="500"/>
+              </a:spcBef>
+              <a:buFont typeface="Arial" panose="020B0604020202020204" pitchFamily="34" charset="0"/>
+              <a:buChar char="•"/>
+              <a:defRPr sz="1800" kern="1200">
+                <a:solidFill>
+                  <a:schemeClr val="tx1"/>
+                </a:solidFill>
+                <a:latin typeface="+mn-lt"/>
+                <a:ea typeface="+mn-ea"/>
+                <a:cs typeface="+mn-cs"/>
+              </a:defRPr>
+            </a:lvl7pPr>
+            <a:lvl8pPr marL="3429000" indent="-228600" algn="l" defTabSz="914400" rtl="0" eaLnBrk="1" latinLnBrk="0" hangingPunct="1">
+              <a:lnSpc>
+                <a:spcPct val="90000"/>
+              </a:lnSpc>
+              <a:spcBef>
+                <a:spcPts val="500"/>
+              </a:spcBef>
+              <a:buFont typeface="Arial" panose="020B0604020202020204" pitchFamily="34" charset="0"/>
+              <a:buChar char="•"/>
+              <a:defRPr sz="1800" kern="1200">
+                <a:solidFill>
+                  <a:schemeClr val="tx1"/>
+                </a:solidFill>
+                <a:latin typeface="+mn-lt"/>
+                <a:ea typeface="+mn-ea"/>
+                <a:cs typeface="+mn-cs"/>
+              </a:defRPr>
+            </a:lvl8pPr>
+            <a:lvl9pPr marL="3886200" indent="-228600" algn="l" defTabSz="914400" rtl="0" eaLnBrk="1" latinLnBrk="0" hangingPunct="1">
+              <a:lnSpc>
+                <a:spcPct val="90000"/>
+              </a:lnSpc>
+              <a:spcBef>
+                <a:spcPts val="500"/>
+              </a:spcBef>
+              <a:buFont typeface="Arial" panose="020B0604020202020204" pitchFamily="34" charset="0"/>
+              <a:buChar char="•"/>
+              <a:defRPr sz="1800" kern="1200">
+                <a:solidFill>
+                  <a:schemeClr val="tx1"/>
+                </a:solidFill>
+                <a:latin typeface="+mn-lt"/>
+                <a:ea typeface="+mn-ea"/>
+                <a:cs typeface="+mn-cs"/>
+              </a:defRPr>
+            </a:lvl9pPr>
+          </a:lstStyle>
+          <a:p>
+            <a:pPr marL="0" indent="0">
+              <a:buNone/>
+            </a:pPr>
+            <a:r>
+              <a:rPr lang="pt-BR" sz="4400" dirty="0"/>
+              <a:t>	</a:t>
+            </a:r>
+            <a:endParaRPr lang="pt-BR" sz="4400" dirty="0"/>
+          </a:p>
+          <a:p>
+            <a:pPr marL="742950" indent="-742950">
+              <a:buFont typeface="+mj-lt"/>
+              <a:buAutoNum type="arabicPeriod"/>
+            </a:pPr>
+            <a:endParaRPr lang="pt-BR" sz="4400" dirty="0"/>
+          </a:p>
+        </p:txBody>
+      </p:sp>
+      <p:sp>
+        <p:nvSpPr>
           <p:cNvPr id="5" name="Espaço Reservado para Conteúdo 2"/>
           <p:cNvSpPr txBox="1"/>
           <p:nvPr/>
@@ -6419,7 +6420,7 @@
         </p:spPr>
         <p:txBody>
           <a:bodyPr>
-            <a:normAutofit lnSpcReduction="10000"/>
+            <a:normAutofit fontScale="92500"/>
           </a:bodyPr>
           <a:lstStyle>
             <a:lvl1pPr marL="228600" indent="-228600" algn="l" defTabSz="914400" rtl="0" eaLnBrk="1" latinLnBrk="0" hangingPunct="1">
@@ -6592,61 +6593,56 @@
                 <a:latin typeface="Times New Roman" panose="02020603050405020304" pitchFamily="18" charset="0"/>
                 <a:cs typeface="Times New Roman" panose="02020603050405020304" pitchFamily="18" charset="0"/>
               </a:rPr>
-              <a:t> Exemplo de restrições usadas:</a:t>
-            </a:r>
-            <a:endParaRPr lang="pt-BR" sz="4400" dirty="0">
+              <a:t> </a:t>
+            </a:r>
+            <a:r>
+              <a:rPr lang="pt-BR" sz="4000" dirty="0">
+                <a:latin typeface="Times New Roman" panose="02020603050405020304" pitchFamily="18" charset="0"/>
+                <a:cs typeface="Times New Roman" panose="02020603050405020304" pitchFamily="18" charset="0"/>
+              </a:rPr>
+              <a:t>Alguns professores possuem restrições de horários, ou seja, alguns deles preferem ministrar aulas com horários seguidos, já outros preferem que estas aulas sejam intercaladas. </a:t>
+            </a:r>
+            <a:endParaRPr lang="pt-BR" sz="4000" dirty="0">
               <a:latin typeface="Times New Roman" panose="02020603050405020304" pitchFamily="18" charset="0"/>
               <a:cs typeface="Times New Roman" panose="02020603050405020304" pitchFamily="18" charset="0"/>
             </a:endParaRPr>
           </a:p>
           <a:p>
-            <a:pPr marL="0" indent="0" algn="just">
-              <a:buNone/>
-            </a:pPr>
-            <a:endParaRPr lang="pt-BR" sz="4400" dirty="0">
+            <a:pPr algn="just"/>
+            <a:endParaRPr lang="pt-BR" sz="4000" dirty="0">
               <a:latin typeface="Times New Roman" panose="02020603050405020304" pitchFamily="18" charset="0"/>
               <a:cs typeface="Times New Roman" panose="02020603050405020304" pitchFamily="18" charset="0"/>
             </a:endParaRPr>
           </a:p>
           <a:p>
-            <a:pPr algn="just">
-              <a:buFont typeface="Wingdings" panose="05000000000000000000" pitchFamily="2" charset="2"/>
-              <a:buChar char="v"/>
-            </a:pPr>
-            <a:r>
-              <a:rPr lang="pt-BR" sz="4400" dirty="0">
+            <a:pPr algn="just"/>
+            <a:r>
+              <a:rPr lang="pt-BR" sz="4000" dirty="0">
                 <a:latin typeface="Times New Roman" panose="02020603050405020304" pitchFamily="18" charset="0"/>
                 <a:cs typeface="Times New Roman" panose="02020603050405020304" pitchFamily="18" charset="0"/>
               </a:rPr>
-              <a:t> Disciplinas do Professor “X” não podem ser  em dias seguidos;</a:t>
-            </a:r>
-            <a:endParaRPr lang="pt-BR" sz="4400" dirty="0">
+              <a:t> Sabendo disso, a função responsável por avaliar todos os indivíduos, os penaliza com um valor negativo de acordo com as restrições cadastradas  por cada professor.</a:t>
+            </a:r>
+            <a:endParaRPr lang="pt-BR" sz="4000" dirty="0">
               <a:latin typeface="Times New Roman" panose="02020603050405020304" pitchFamily="18" charset="0"/>
               <a:cs typeface="Times New Roman" panose="02020603050405020304" pitchFamily="18" charset="0"/>
             </a:endParaRPr>
           </a:p>
           <a:p>
-            <a:pPr algn="just">
-              <a:buFont typeface="Wingdings" panose="05000000000000000000" pitchFamily="2" charset="2"/>
-              <a:buChar char="v"/>
+            <a:pPr marL="742950" indent="-742950">
+              <a:buFont typeface="+mj-lt"/>
+              <a:buAutoNum type="arabicPeriod"/>
             </a:pPr>
-            <a:endParaRPr lang="pt-BR" sz="4400" dirty="0">
+            <a:endParaRPr lang="pt-BR" sz="4000" dirty="0">
               <a:latin typeface="Times New Roman" panose="02020603050405020304" pitchFamily="18" charset="0"/>
               <a:cs typeface="Times New Roman" panose="02020603050405020304" pitchFamily="18" charset="0"/>
             </a:endParaRPr>
           </a:p>
           <a:p>
-            <a:pPr algn="just">
-              <a:buFont typeface="Wingdings" panose="05000000000000000000" pitchFamily="2" charset="2"/>
-              <a:buChar char="v"/>
+            <a:pPr marL="742950" indent="-742950">
+              <a:buFont typeface="+mj-lt"/>
+              <a:buAutoNum type="arabicPeriod"/>
             </a:pPr>
-            <a:r>
-              <a:rPr lang="pt-BR" sz="4400" dirty="0">
-                <a:latin typeface="Times New Roman" panose="02020603050405020304" pitchFamily="18" charset="0"/>
-                <a:cs typeface="Times New Roman" panose="02020603050405020304" pitchFamily="18" charset="0"/>
-              </a:rPr>
-              <a:t> Não é viável disciplinas de 6 créditos com todas aulas no mesmo dia;</a:t>
-            </a:r>
             <a:endParaRPr lang="pt-BR" sz="4400" dirty="0">
               <a:latin typeface="Times New Roman" panose="02020603050405020304" pitchFamily="18" charset="0"/>
               <a:cs typeface="Times New Roman" panose="02020603050405020304" pitchFamily="18" charset="0"/>
@@ -7042,7 +7038,7 @@
         </p:spPr>
         <p:txBody>
           <a:bodyPr>
-            <a:normAutofit/>
+            <a:normAutofit lnSpcReduction="10000"/>
           </a:bodyPr>
           <a:lstStyle>
             <a:lvl1pPr marL="228600" indent="-228600" algn="l" defTabSz="914400" rtl="0" eaLnBrk="1" latinLnBrk="0" hangingPunct="1">
@@ -7211,13 +7207,13 @@
           <a:p>
             <a:pPr algn="just"/>
             <a:r>
-              <a:rPr lang="pt-BR" sz="4000" dirty="0">
+              <a:rPr lang="pt-BR" sz="4400" dirty="0">
                 <a:latin typeface="Times New Roman" panose="02020603050405020304" pitchFamily="18" charset="0"/>
                 <a:cs typeface="Times New Roman" panose="02020603050405020304" pitchFamily="18" charset="0"/>
               </a:rPr>
-              <a:t> A função fitness leva em consideração também:</a:t>
-            </a:r>
-            <a:endParaRPr lang="pt-BR" sz="4000" dirty="0">
+              <a:t> Exemplo de restrições usadas:</a:t>
+            </a:r>
+            <a:endParaRPr lang="pt-BR" sz="4400" dirty="0">
               <a:latin typeface="Times New Roman" panose="02020603050405020304" pitchFamily="18" charset="0"/>
               <a:cs typeface="Times New Roman" panose="02020603050405020304" pitchFamily="18" charset="0"/>
             </a:endParaRPr>
@@ -7226,7 +7222,7 @@
             <a:pPr marL="0" indent="0" algn="just">
               <a:buNone/>
             </a:pPr>
-            <a:endParaRPr lang="pt-BR" sz="4000" dirty="0">
+            <a:endParaRPr lang="pt-BR" sz="4400" dirty="0">
               <a:latin typeface="Times New Roman" panose="02020603050405020304" pitchFamily="18" charset="0"/>
               <a:cs typeface="Times New Roman" panose="02020603050405020304" pitchFamily="18" charset="0"/>
             </a:endParaRPr>
@@ -7237,13 +7233,13 @@
               <a:buChar char="v"/>
             </a:pPr>
             <a:r>
-              <a:rPr lang="pt-BR" sz="4000" dirty="0">
+              <a:rPr lang="pt-BR" sz="4400" dirty="0">
                 <a:latin typeface="Times New Roman" panose="02020603050405020304" pitchFamily="18" charset="0"/>
                 <a:cs typeface="Times New Roman" panose="02020603050405020304" pitchFamily="18" charset="0"/>
               </a:rPr>
-              <a:t> Preferência de dias de cada professor;</a:t>
-            </a:r>
-            <a:endParaRPr lang="pt-BR" sz="4000" dirty="0">
+              <a:t> Disciplinas do Professor “X” não podem ser  em dias seguidos;</a:t>
+            </a:r>
+            <a:endParaRPr lang="pt-BR" sz="4400" dirty="0">
               <a:latin typeface="Times New Roman" panose="02020603050405020304" pitchFamily="18" charset="0"/>
               <a:cs typeface="Times New Roman" panose="02020603050405020304" pitchFamily="18" charset="0"/>
             </a:endParaRPr>
@@ -7253,7 +7249,7 @@
               <a:buFont typeface="Wingdings" panose="05000000000000000000" pitchFamily="2" charset="2"/>
               <a:buChar char="v"/>
             </a:pPr>
-            <a:endParaRPr lang="pt-BR" sz="4000" dirty="0">
+            <a:endParaRPr lang="pt-BR" sz="4400" dirty="0">
               <a:latin typeface="Times New Roman" panose="02020603050405020304" pitchFamily="18" charset="0"/>
               <a:cs typeface="Times New Roman" panose="02020603050405020304" pitchFamily="18" charset="0"/>
             </a:endParaRPr>
@@ -7264,23 +7260,13 @@
               <a:buChar char="v"/>
             </a:pPr>
             <a:r>
-              <a:rPr lang="pt-BR" sz="4000" dirty="0">
+              <a:rPr lang="pt-BR" sz="4400" dirty="0">
                 <a:latin typeface="Times New Roman" panose="02020603050405020304" pitchFamily="18" charset="0"/>
                 <a:cs typeface="Times New Roman" panose="02020603050405020304" pitchFamily="18" charset="0"/>
               </a:rPr>
-              <a:t> Disciplina com 4 créditos no mesmo dia, mas com horário quebrado.</a:t>
-            </a:r>
-            <a:endParaRPr lang="pt-BR" sz="3600" dirty="0">
-              <a:latin typeface="Times New Roman" panose="02020603050405020304" pitchFamily="18" charset="0"/>
-              <a:cs typeface="Times New Roman" panose="02020603050405020304" pitchFamily="18" charset="0"/>
-            </a:endParaRPr>
-          </a:p>
-          <a:p>
-            <a:pPr algn="just">
-              <a:buFont typeface="Wingdings" panose="05000000000000000000" pitchFamily="2" charset="2"/>
-              <a:buChar char="v"/>
-            </a:pPr>
-            <a:endParaRPr lang="pt-BR" sz="4000" dirty="0">
+              <a:t> Não é viável disciplinas de 6 créditos com todas aulas no mesmo dia;</a:t>
+            </a:r>
+            <a:endParaRPr lang="pt-BR" sz="4400" dirty="0">
               <a:latin typeface="Times New Roman" panose="02020603050405020304" pitchFamily="18" charset="0"/>
               <a:cs typeface="Times New Roman" panose="02020603050405020304" pitchFamily="18" charset="0"/>
             </a:endParaRPr>
@@ -7432,15 +7418,15 @@
           <a:p>
             <a:pPr algn="ctr"/>
             <a:r>
-              <a:rPr lang="pt-BR" sz="5400" b="1" dirty="0">
+              <a:rPr lang="pt-BR" sz="4800" b="1" dirty="0">
                 <a:solidFill>
                   <a:srgbClr val="049BE6"/>
                 </a:solidFill>
                 <a:latin typeface="+mn-lt"/>
               </a:rPr>
-              <a:t>Avaliar os indivíduos</a:t>
-            </a:r>
-            <a:endParaRPr lang="pt-BR" sz="5400" b="1" dirty="0">
+              <a:t>Modelagem da função fitness</a:t>
+            </a:r>
+            <a:endParaRPr lang="pt-BR" sz="4800" b="1" dirty="0">
               <a:solidFill>
                 <a:srgbClr val="049BE6"/>
               </a:solidFill>
@@ -7660,14 +7646,14 @@
       </p:sp>
       <p:sp>
         <p:nvSpPr>
-          <p:cNvPr id="4" name="Espaço Reservado para Conteúdo 2"/>
+          <p:cNvPr id="5" name="Espaço Reservado para Conteúdo 2"/>
           <p:cNvSpPr txBox="1"/>
           <p:nvPr/>
         </p:nvSpPr>
         <p:spPr>
           <a:xfrm>
-            <a:off x="473612" y="1882726"/>
-            <a:ext cx="11549575" cy="4712677"/>
+            <a:off x="626012" y="1577926"/>
+            <a:ext cx="11244775" cy="4712677"/>
           </a:xfrm>
           <a:prstGeom prst="rect">
             <a:avLst/>
@@ -7842,11 +7828,81 @@
             </a:lvl9pPr>
           </a:lstStyle>
           <a:p>
-            <a:r>
-              <a:rPr lang="pt-BR" sz="4400" dirty="0"/>
-              <a:t> Na criação dos indivíduos, todos eles vêm com uma aptidão de 100, e quando eles estão sendo avaliados, há uma penalização.</a:t>
-            </a:r>
-            <a:endParaRPr lang="pt-BR" sz="4400" dirty="0"/>
+            <a:pPr algn="just"/>
+            <a:r>
+              <a:rPr lang="pt-BR" sz="4000" dirty="0">
+                <a:latin typeface="Times New Roman" panose="02020603050405020304" pitchFamily="18" charset="0"/>
+                <a:cs typeface="Times New Roman" panose="02020603050405020304" pitchFamily="18" charset="0"/>
+              </a:rPr>
+              <a:t> A função fitness leva em consideração também:</a:t>
+            </a:r>
+            <a:endParaRPr lang="pt-BR" sz="4000" dirty="0">
+              <a:latin typeface="Times New Roman" panose="02020603050405020304" pitchFamily="18" charset="0"/>
+              <a:cs typeface="Times New Roman" panose="02020603050405020304" pitchFamily="18" charset="0"/>
+            </a:endParaRPr>
+          </a:p>
+          <a:p>
+            <a:pPr marL="0" indent="0" algn="just">
+              <a:buNone/>
+            </a:pPr>
+            <a:endParaRPr lang="pt-BR" sz="4000" dirty="0">
+              <a:latin typeface="Times New Roman" panose="02020603050405020304" pitchFamily="18" charset="0"/>
+              <a:cs typeface="Times New Roman" panose="02020603050405020304" pitchFamily="18" charset="0"/>
+            </a:endParaRPr>
+          </a:p>
+          <a:p>
+            <a:pPr algn="just">
+              <a:buFont typeface="Wingdings" panose="05000000000000000000" pitchFamily="2" charset="2"/>
+              <a:buChar char="v"/>
+            </a:pPr>
+            <a:r>
+              <a:rPr lang="pt-BR" sz="4000" dirty="0">
+                <a:latin typeface="Times New Roman" panose="02020603050405020304" pitchFamily="18" charset="0"/>
+                <a:cs typeface="Times New Roman" panose="02020603050405020304" pitchFamily="18" charset="0"/>
+              </a:rPr>
+              <a:t> Preferência de dias de cada professor;</a:t>
+            </a:r>
+            <a:endParaRPr lang="pt-BR" sz="4000" dirty="0">
+              <a:latin typeface="Times New Roman" panose="02020603050405020304" pitchFamily="18" charset="0"/>
+              <a:cs typeface="Times New Roman" panose="02020603050405020304" pitchFamily="18" charset="0"/>
+            </a:endParaRPr>
+          </a:p>
+          <a:p>
+            <a:pPr algn="just">
+              <a:buFont typeface="Wingdings" panose="05000000000000000000" pitchFamily="2" charset="2"/>
+              <a:buChar char="v"/>
+            </a:pPr>
+            <a:endParaRPr lang="pt-BR" sz="4000" dirty="0">
+              <a:latin typeface="Times New Roman" panose="02020603050405020304" pitchFamily="18" charset="0"/>
+              <a:cs typeface="Times New Roman" panose="02020603050405020304" pitchFamily="18" charset="0"/>
+            </a:endParaRPr>
+          </a:p>
+          <a:p>
+            <a:pPr algn="just">
+              <a:buFont typeface="Wingdings" panose="05000000000000000000" pitchFamily="2" charset="2"/>
+              <a:buChar char="v"/>
+            </a:pPr>
+            <a:r>
+              <a:rPr lang="pt-BR" sz="4000" dirty="0">
+                <a:latin typeface="Times New Roman" panose="02020603050405020304" pitchFamily="18" charset="0"/>
+                <a:cs typeface="Times New Roman" panose="02020603050405020304" pitchFamily="18" charset="0"/>
+              </a:rPr>
+              <a:t> Disciplina com 4 créditos no mesmo dia, mas com horário quebrado.</a:t>
+            </a:r>
+            <a:endParaRPr lang="pt-BR" sz="3600" dirty="0">
+              <a:latin typeface="Times New Roman" panose="02020603050405020304" pitchFamily="18" charset="0"/>
+              <a:cs typeface="Times New Roman" panose="02020603050405020304" pitchFamily="18" charset="0"/>
+            </a:endParaRPr>
+          </a:p>
+          <a:p>
+            <a:pPr algn="just">
+              <a:buFont typeface="Wingdings" panose="05000000000000000000" pitchFamily="2" charset="2"/>
+              <a:buChar char="v"/>
+            </a:pPr>
+            <a:endParaRPr lang="pt-BR" sz="4000" dirty="0">
+              <a:latin typeface="Times New Roman" panose="02020603050405020304" pitchFamily="18" charset="0"/>
+              <a:cs typeface="Times New Roman" panose="02020603050405020304" pitchFamily="18" charset="0"/>
+            </a:endParaRPr>
           </a:p>
         </p:txBody>
       </p:sp>
@@ -7938,6 +7994,569 @@
 </file>
 
 <file path=ppt/slides/slide17.xml><?xml version="1.0" encoding="utf-8"?>
+<p:sld xmlns:a="http://schemas.openxmlformats.org/drawingml/2006/main" xmlns:r="http://schemas.openxmlformats.org/officeDocument/2006/relationships" xmlns:p="http://schemas.openxmlformats.org/presentationml/2006/main">
+  <p:cSld>
+    <p:spTree>
+      <p:nvGrpSpPr>
+        <p:cNvPr id="1" name=""/>
+        <p:cNvGrpSpPr/>
+        <p:nvPr/>
+      </p:nvGrpSpPr>
+      <p:grpSpPr>
+        <a:xfrm>
+          <a:off x="0" y="0"/>
+          <a:ext cx="0" cy="0"/>
+          <a:chOff x="0" y="0"/>
+          <a:chExt cx="0" cy="0"/>
+        </a:xfrm>
+      </p:grpSpPr>
+      <p:sp>
+        <p:nvSpPr>
+          <p:cNvPr id="2" name="Título 1"/>
+          <p:cNvSpPr txBox="1"/>
+          <p:nvPr/>
+        </p:nvSpPr>
+        <p:spPr>
+          <a:xfrm>
+            <a:off x="838200" y="506437"/>
+            <a:ext cx="10515600" cy="970671"/>
+          </a:xfrm>
+          <a:prstGeom prst="rect">
+            <a:avLst/>
+          </a:prstGeom>
+        </p:spPr>
+        <p:txBody>
+          <a:bodyPr>
+            <a:noAutofit/>
+          </a:bodyPr>
+          <a:lstStyle>
+            <a:lvl1pPr algn="l" defTabSz="914400" rtl="0" eaLnBrk="1" latinLnBrk="0" hangingPunct="1">
+              <a:lnSpc>
+                <a:spcPct val="90000"/>
+              </a:lnSpc>
+              <a:spcBef>
+                <a:spcPct val="0"/>
+              </a:spcBef>
+              <a:buNone/>
+              <a:defRPr sz="4400" kern="1200">
+                <a:solidFill>
+                  <a:schemeClr val="tx1"/>
+                </a:solidFill>
+                <a:latin typeface="+mj-lt"/>
+                <a:ea typeface="+mj-ea"/>
+                <a:cs typeface="+mj-cs"/>
+              </a:defRPr>
+            </a:lvl1pPr>
+          </a:lstStyle>
+          <a:p>
+            <a:pPr algn="ctr"/>
+            <a:r>
+              <a:rPr lang="pt-BR" sz="5400" b="1" dirty="0">
+                <a:solidFill>
+                  <a:srgbClr val="049BE6"/>
+                </a:solidFill>
+                <a:latin typeface="+mn-lt"/>
+              </a:rPr>
+              <a:t>Avaliar os indivíduos</a:t>
+            </a:r>
+            <a:endParaRPr lang="pt-BR" sz="5400" b="1" dirty="0">
+              <a:solidFill>
+                <a:srgbClr val="049BE6"/>
+              </a:solidFill>
+              <a:latin typeface="+mn-lt"/>
+            </a:endParaRPr>
+          </a:p>
+        </p:txBody>
+      </p:sp>
+      <p:sp>
+        <p:nvSpPr>
+          <p:cNvPr id="3" name="Espaço Reservado para Conteúdo 2"/>
+          <p:cNvSpPr txBox="1"/>
+          <p:nvPr/>
+        </p:nvSpPr>
+        <p:spPr>
+          <a:xfrm>
+            <a:off x="321212" y="1730326"/>
+            <a:ext cx="11549575" cy="4712677"/>
+          </a:xfrm>
+          <a:prstGeom prst="rect">
+            <a:avLst/>
+          </a:prstGeom>
+        </p:spPr>
+        <p:txBody>
+          <a:bodyPr>
+            <a:normAutofit/>
+          </a:bodyPr>
+          <a:lstStyle>
+            <a:lvl1pPr marL="228600" indent="-228600" algn="l" defTabSz="914400" rtl="0" eaLnBrk="1" latinLnBrk="0" hangingPunct="1">
+              <a:lnSpc>
+                <a:spcPct val="90000"/>
+              </a:lnSpc>
+              <a:spcBef>
+                <a:spcPts val="1000"/>
+              </a:spcBef>
+              <a:buFont typeface="Arial" panose="020B0604020202020204" pitchFamily="34" charset="0"/>
+              <a:buChar char="•"/>
+              <a:defRPr sz="2800" kern="1200">
+                <a:solidFill>
+                  <a:schemeClr val="tx1"/>
+                </a:solidFill>
+                <a:latin typeface="+mn-lt"/>
+                <a:ea typeface="+mn-ea"/>
+                <a:cs typeface="+mn-cs"/>
+              </a:defRPr>
+            </a:lvl1pPr>
+            <a:lvl2pPr marL="685800" indent="-228600" algn="l" defTabSz="914400" rtl="0" eaLnBrk="1" latinLnBrk="0" hangingPunct="1">
+              <a:lnSpc>
+                <a:spcPct val="90000"/>
+              </a:lnSpc>
+              <a:spcBef>
+                <a:spcPts val="500"/>
+              </a:spcBef>
+              <a:buFont typeface="Arial" panose="020B0604020202020204" pitchFamily="34" charset="0"/>
+              <a:buChar char="•"/>
+              <a:defRPr sz="2400" kern="1200">
+                <a:solidFill>
+                  <a:schemeClr val="tx1"/>
+                </a:solidFill>
+                <a:latin typeface="+mn-lt"/>
+                <a:ea typeface="+mn-ea"/>
+                <a:cs typeface="+mn-cs"/>
+              </a:defRPr>
+            </a:lvl2pPr>
+            <a:lvl3pPr marL="1143000" indent="-228600" algn="l" defTabSz="914400" rtl="0" eaLnBrk="1" latinLnBrk="0" hangingPunct="1">
+              <a:lnSpc>
+                <a:spcPct val="90000"/>
+              </a:lnSpc>
+              <a:spcBef>
+                <a:spcPts val="500"/>
+              </a:spcBef>
+              <a:buFont typeface="Arial" panose="020B0604020202020204" pitchFamily="34" charset="0"/>
+              <a:buChar char="•"/>
+              <a:defRPr sz="2000" kern="1200">
+                <a:solidFill>
+                  <a:schemeClr val="tx1"/>
+                </a:solidFill>
+                <a:latin typeface="+mn-lt"/>
+                <a:ea typeface="+mn-ea"/>
+                <a:cs typeface="+mn-cs"/>
+              </a:defRPr>
+            </a:lvl3pPr>
+            <a:lvl4pPr marL="1600200" indent="-228600" algn="l" defTabSz="914400" rtl="0" eaLnBrk="1" latinLnBrk="0" hangingPunct="1">
+              <a:lnSpc>
+                <a:spcPct val="90000"/>
+              </a:lnSpc>
+              <a:spcBef>
+                <a:spcPts val="500"/>
+              </a:spcBef>
+              <a:buFont typeface="Arial" panose="020B0604020202020204" pitchFamily="34" charset="0"/>
+              <a:buChar char="•"/>
+              <a:defRPr sz="1800" kern="1200">
+                <a:solidFill>
+                  <a:schemeClr val="tx1"/>
+                </a:solidFill>
+                <a:latin typeface="+mn-lt"/>
+                <a:ea typeface="+mn-ea"/>
+                <a:cs typeface="+mn-cs"/>
+              </a:defRPr>
+            </a:lvl4pPr>
+            <a:lvl5pPr marL="2057400" indent="-228600" algn="l" defTabSz="914400" rtl="0" eaLnBrk="1" latinLnBrk="0" hangingPunct="1">
+              <a:lnSpc>
+                <a:spcPct val="90000"/>
+              </a:lnSpc>
+              <a:spcBef>
+                <a:spcPts val="500"/>
+              </a:spcBef>
+              <a:buFont typeface="Arial" panose="020B0604020202020204" pitchFamily="34" charset="0"/>
+              <a:buChar char="•"/>
+              <a:defRPr sz="1800" kern="1200">
+                <a:solidFill>
+                  <a:schemeClr val="tx1"/>
+                </a:solidFill>
+                <a:latin typeface="+mn-lt"/>
+                <a:ea typeface="+mn-ea"/>
+                <a:cs typeface="+mn-cs"/>
+              </a:defRPr>
+            </a:lvl5pPr>
+            <a:lvl6pPr marL="2514600" indent="-228600" algn="l" defTabSz="914400" rtl="0" eaLnBrk="1" latinLnBrk="0" hangingPunct="1">
+              <a:lnSpc>
+                <a:spcPct val="90000"/>
+              </a:lnSpc>
+              <a:spcBef>
+                <a:spcPts val="500"/>
+              </a:spcBef>
+              <a:buFont typeface="Arial" panose="020B0604020202020204" pitchFamily="34" charset="0"/>
+              <a:buChar char="•"/>
+              <a:defRPr sz="1800" kern="1200">
+                <a:solidFill>
+                  <a:schemeClr val="tx1"/>
+                </a:solidFill>
+                <a:latin typeface="+mn-lt"/>
+                <a:ea typeface="+mn-ea"/>
+                <a:cs typeface="+mn-cs"/>
+              </a:defRPr>
+            </a:lvl6pPr>
+            <a:lvl7pPr marL="2971800" indent="-228600" algn="l" defTabSz="914400" rtl="0" eaLnBrk="1" latinLnBrk="0" hangingPunct="1">
+              <a:lnSpc>
+                <a:spcPct val="90000"/>
+              </a:lnSpc>
+              <a:spcBef>
+                <a:spcPts val="500"/>
+              </a:spcBef>
+              <a:buFont typeface="Arial" panose="020B0604020202020204" pitchFamily="34" charset="0"/>
+              <a:buChar char="•"/>
+              <a:defRPr sz="1800" kern="1200">
+                <a:solidFill>
+                  <a:schemeClr val="tx1"/>
+                </a:solidFill>
+                <a:latin typeface="+mn-lt"/>
+                <a:ea typeface="+mn-ea"/>
+                <a:cs typeface="+mn-cs"/>
+              </a:defRPr>
+            </a:lvl7pPr>
+            <a:lvl8pPr marL="3429000" indent="-228600" algn="l" defTabSz="914400" rtl="0" eaLnBrk="1" latinLnBrk="0" hangingPunct="1">
+              <a:lnSpc>
+                <a:spcPct val="90000"/>
+              </a:lnSpc>
+              <a:spcBef>
+                <a:spcPts val="500"/>
+              </a:spcBef>
+              <a:buFont typeface="Arial" panose="020B0604020202020204" pitchFamily="34" charset="0"/>
+              <a:buChar char="•"/>
+              <a:defRPr sz="1800" kern="1200">
+                <a:solidFill>
+                  <a:schemeClr val="tx1"/>
+                </a:solidFill>
+                <a:latin typeface="+mn-lt"/>
+                <a:ea typeface="+mn-ea"/>
+                <a:cs typeface="+mn-cs"/>
+              </a:defRPr>
+            </a:lvl8pPr>
+            <a:lvl9pPr marL="3886200" indent="-228600" algn="l" defTabSz="914400" rtl="0" eaLnBrk="1" latinLnBrk="0" hangingPunct="1">
+              <a:lnSpc>
+                <a:spcPct val="90000"/>
+              </a:lnSpc>
+              <a:spcBef>
+                <a:spcPts val="500"/>
+              </a:spcBef>
+              <a:buFont typeface="Arial" panose="020B0604020202020204" pitchFamily="34" charset="0"/>
+              <a:buChar char="•"/>
+              <a:defRPr sz="1800" kern="1200">
+                <a:solidFill>
+                  <a:schemeClr val="tx1"/>
+                </a:solidFill>
+                <a:latin typeface="+mn-lt"/>
+                <a:ea typeface="+mn-ea"/>
+                <a:cs typeface="+mn-cs"/>
+              </a:defRPr>
+            </a:lvl9pPr>
+          </a:lstStyle>
+          <a:p>
+            <a:pPr marL="0" indent="0">
+              <a:buNone/>
+            </a:pPr>
+            <a:r>
+              <a:rPr lang="pt-BR" sz="4800" dirty="0"/>
+              <a:t>	 </a:t>
+            </a:r>
+            <a:endParaRPr lang="pt-BR" sz="4800" dirty="0"/>
+          </a:p>
+          <a:p>
+            <a:pPr marL="742950" indent="-742950">
+              <a:buFont typeface="+mj-lt"/>
+              <a:buAutoNum type="arabicPeriod"/>
+            </a:pPr>
+            <a:endParaRPr lang="pt-BR" sz="4400" dirty="0"/>
+          </a:p>
+          <a:p>
+            <a:pPr marL="742950" indent="-742950">
+              <a:buFont typeface="+mj-lt"/>
+              <a:buAutoNum type="arabicPeriod"/>
+            </a:pPr>
+            <a:endParaRPr lang="pt-BR" sz="4400" dirty="0"/>
+          </a:p>
+        </p:txBody>
+      </p:sp>
+      <p:sp>
+        <p:nvSpPr>
+          <p:cNvPr id="4" name="Espaço Reservado para Conteúdo 2"/>
+          <p:cNvSpPr txBox="1"/>
+          <p:nvPr/>
+        </p:nvSpPr>
+        <p:spPr>
+          <a:xfrm>
+            <a:off x="473612" y="1882726"/>
+            <a:ext cx="11549575" cy="4712677"/>
+          </a:xfrm>
+          <a:prstGeom prst="rect">
+            <a:avLst/>
+          </a:prstGeom>
+        </p:spPr>
+        <p:txBody>
+          <a:bodyPr>
+            <a:normAutofit/>
+          </a:bodyPr>
+          <a:lstStyle>
+            <a:lvl1pPr marL="228600" indent="-228600" algn="l" defTabSz="914400" rtl="0" eaLnBrk="1" latinLnBrk="0" hangingPunct="1">
+              <a:lnSpc>
+                <a:spcPct val="90000"/>
+              </a:lnSpc>
+              <a:spcBef>
+                <a:spcPts val="1000"/>
+              </a:spcBef>
+              <a:buFont typeface="Arial" panose="020B0604020202020204" pitchFamily="34" charset="0"/>
+              <a:buChar char="•"/>
+              <a:defRPr sz="2800" kern="1200">
+                <a:solidFill>
+                  <a:schemeClr val="tx1"/>
+                </a:solidFill>
+                <a:latin typeface="+mn-lt"/>
+                <a:ea typeface="+mn-ea"/>
+                <a:cs typeface="+mn-cs"/>
+              </a:defRPr>
+            </a:lvl1pPr>
+            <a:lvl2pPr marL="685800" indent="-228600" algn="l" defTabSz="914400" rtl="0" eaLnBrk="1" latinLnBrk="0" hangingPunct="1">
+              <a:lnSpc>
+                <a:spcPct val="90000"/>
+              </a:lnSpc>
+              <a:spcBef>
+                <a:spcPts val="500"/>
+              </a:spcBef>
+              <a:buFont typeface="Arial" panose="020B0604020202020204" pitchFamily="34" charset="0"/>
+              <a:buChar char="•"/>
+              <a:defRPr sz="2400" kern="1200">
+                <a:solidFill>
+                  <a:schemeClr val="tx1"/>
+                </a:solidFill>
+                <a:latin typeface="+mn-lt"/>
+                <a:ea typeface="+mn-ea"/>
+                <a:cs typeface="+mn-cs"/>
+              </a:defRPr>
+            </a:lvl2pPr>
+            <a:lvl3pPr marL="1143000" indent="-228600" algn="l" defTabSz="914400" rtl="0" eaLnBrk="1" latinLnBrk="0" hangingPunct="1">
+              <a:lnSpc>
+                <a:spcPct val="90000"/>
+              </a:lnSpc>
+              <a:spcBef>
+                <a:spcPts val="500"/>
+              </a:spcBef>
+              <a:buFont typeface="Arial" panose="020B0604020202020204" pitchFamily="34" charset="0"/>
+              <a:buChar char="•"/>
+              <a:defRPr sz="2000" kern="1200">
+                <a:solidFill>
+                  <a:schemeClr val="tx1"/>
+                </a:solidFill>
+                <a:latin typeface="+mn-lt"/>
+                <a:ea typeface="+mn-ea"/>
+                <a:cs typeface="+mn-cs"/>
+              </a:defRPr>
+            </a:lvl3pPr>
+            <a:lvl4pPr marL="1600200" indent="-228600" algn="l" defTabSz="914400" rtl="0" eaLnBrk="1" latinLnBrk="0" hangingPunct="1">
+              <a:lnSpc>
+                <a:spcPct val="90000"/>
+              </a:lnSpc>
+              <a:spcBef>
+                <a:spcPts val="500"/>
+              </a:spcBef>
+              <a:buFont typeface="Arial" panose="020B0604020202020204" pitchFamily="34" charset="0"/>
+              <a:buChar char="•"/>
+              <a:defRPr sz="1800" kern="1200">
+                <a:solidFill>
+                  <a:schemeClr val="tx1"/>
+                </a:solidFill>
+                <a:latin typeface="+mn-lt"/>
+                <a:ea typeface="+mn-ea"/>
+                <a:cs typeface="+mn-cs"/>
+              </a:defRPr>
+            </a:lvl4pPr>
+            <a:lvl5pPr marL="2057400" indent="-228600" algn="l" defTabSz="914400" rtl="0" eaLnBrk="1" latinLnBrk="0" hangingPunct="1">
+              <a:lnSpc>
+                <a:spcPct val="90000"/>
+              </a:lnSpc>
+              <a:spcBef>
+                <a:spcPts val="500"/>
+              </a:spcBef>
+              <a:buFont typeface="Arial" panose="020B0604020202020204" pitchFamily="34" charset="0"/>
+              <a:buChar char="•"/>
+              <a:defRPr sz="1800" kern="1200">
+                <a:solidFill>
+                  <a:schemeClr val="tx1"/>
+                </a:solidFill>
+                <a:latin typeface="+mn-lt"/>
+                <a:ea typeface="+mn-ea"/>
+                <a:cs typeface="+mn-cs"/>
+              </a:defRPr>
+            </a:lvl5pPr>
+            <a:lvl6pPr marL="2514600" indent="-228600" algn="l" defTabSz="914400" rtl="0" eaLnBrk="1" latinLnBrk="0" hangingPunct="1">
+              <a:lnSpc>
+                <a:spcPct val="90000"/>
+              </a:lnSpc>
+              <a:spcBef>
+                <a:spcPts val="500"/>
+              </a:spcBef>
+              <a:buFont typeface="Arial" panose="020B0604020202020204" pitchFamily="34" charset="0"/>
+              <a:buChar char="•"/>
+              <a:defRPr sz="1800" kern="1200">
+                <a:solidFill>
+                  <a:schemeClr val="tx1"/>
+                </a:solidFill>
+                <a:latin typeface="+mn-lt"/>
+                <a:ea typeface="+mn-ea"/>
+                <a:cs typeface="+mn-cs"/>
+              </a:defRPr>
+            </a:lvl6pPr>
+            <a:lvl7pPr marL="2971800" indent="-228600" algn="l" defTabSz="914400" rtl="0" eaLnBrk="1" latinLnBrk="0" hangingPunct="1">
+              <a:lnSpc>
+                <a:spcPct val="90000"/>
+              </a:lnSpc>
+              <a:spcBef>
+                <a:spcPts val="500"/>
+              </a:spcBef>
+              <a:buFont typeface="Arial" panose="020B0604020202020204" pitchFamily="34" charset="0"/>
+              <a:buChar char="•"/>
+              <a:defRPr sz="1800" kern="1200">
+                <a:solidFill>
+                  <a:schemeClr val="tx1"/>
+                </a:solidFill>
+                <a:latin typeface="+mn-lt"/>
+                <a:ea typeface="+mn-ea"/>
+                <a:cs typeface="+mn-cs"/>
+              </a:defRPr>
+            </a:lvl7pPr>
+            <a:lvl8pPr marL="3429000" indent="-228600" algn="l" defTabSz="914400" rtl="0" eaLnBrk="1" latinLnBrk="0" hangingPunct="1">
+              <a:lnSpc>
+                <a:spcPct val="90000"/>
+              </a:lnSpc>
+              <a:spcBef>
+                <a:spcPts val="500"/>
+              </a:spcBef>
+              <a:buFont typeface="Arial" panose="020B0604020202020204" pitchFamily="34" charset="0"/>
+              <a:buChar char="•"/>
+              <a:defRPr sz="1800" kern="1200">
+                <a:solidFill>
+                  <a:schemeClr val="tx1"/>
+                </a:solidFill>
+                <a:latin typeface="+mn-lt"/>
+                <a:ea typeface="+mn-ea"/>
+                <a:cs typeface="+mn-cs"/>
+              </a:defRPr>
+            </a:lvl8pPr>
+            <a:lvl9pPr marL="3886200" indent="-228600" algn="l" defTabSz="914400" rtl="0" eaLnBrk="1" latinLnBrk="0" hangingPunct="1">
+              <a:lnSpc>
+                <a:spcPct val="90000"/>
+              </a:lnSpc>
+              <a:spcBef>
+                <a:spcPts val="500"/>
+              </a:spcBef>
+              <a:buFont typeface="Arial" panose="020B0604020202020204" pitchFamily="34" charset="0"/>
+              <a:buChar char="•"/>
+              <a:defRPr sz="1800" kern="1200">
+                <a:solidFill>
+                  <a:schemeClr val="tx1"/>
+                </a:solidFill>
+                <a:latin typeface="+mn-lt"/>
+                <a:ea typeface="+mn-ea"/>
+                <a:cs typeface="+mn-cs"/>
+              </a:defRPr>
+            </a:lvl9pPr>
+          </a:lstStyle>
+          <a:p>
+            <a:r>
+              <a:rPr lang="pt-BR" sz="4400" dirty="0"/>
+              <a:t> Na criação dos indivíduos, todos eles vêm com uma aptidão de 100, e quando eles estão sendo avaliados, há uma penalização.</a:t>
+            </a:r>
+            <a:endParaRPr lang="pt-BR" sz="4400" dirty="0"/>
+          </a:p>
+        </p:txBody>
+      </p:sp>
+    </p:spTree>
+  </p:cSld>
+  <p:clrMapOvr>
+    <a:masterClrMapping/>
+  </p:clrMapOvr>
+  <p:timing>
+    <p:tnLst>
+      <p:par>
+        <p:cTn id="1" dur="indefinite" restart="never" nodeType="tmRoot">
+          <p:childTnLst>
+            <p:seq concurrent="1" nextAc="seek">
+              <p:cTn id="2" dur="indefinite" nodeType="mainSeq">
+                <p:childTnLst>
+                  <p:par>
+                    <p:cTn id="3" fill="hold">
+                      <p:stCondLst>
+                        <p:cond delay="indefinite"/>
+                      </p:stCondLst>
+                      <p:childTnLst>
+                        <p:par>
+                          <p:cTn id="4" fill="hold">
+                            <p:stCondLst>
+                              <p:cond delay="0"/>
+                            </p:stCondLst>
+                            <p:childTnLst>
+                              <p:par>
+                                <p:cTn id="5" presetID="1" presetClass="entr" presetSubtype="0" fill="hold" nodeType="clickEffect">
+                                  <p:stCondLst>
+                                    <p:cond delay="0"/>
+                                  </p:stCondLst>
+                                  <p:childTnLst>
+                                    <p:set>
+                                      <p:cBhvr>
+                                        <p:cTn id="6" dur="1" fill="hold">
+                                          <p:stCondLst>
+                                            <p:cond delay="0"/>
+                                          </p:stCondLst>
+                                        </p:cTn>
+                                        <p:tgtEl>
+                                          <p:spTgt spid="3">
+                                            <p:txEl>
+                                              <p:pRg st="0" end="0"/>
+                                            </p:txEl>
+                                          </p:spTgt>
+                                        </p:tgtEl>
+                                        <p:attrNameLst>
+                                          <p:attrName>style.visibility</p:attrName>
+                                        </p:attrNameLst>
+                                      </p:cBhvr>
+                                      <p:to>
+                                        <p:strVal val="visible"/>
+                                      </p:to>
+                                    </p:set>
+                                  </p:childTnLst>
+                                </p:cTn>
+                              </p:par>
+                            </p:childTnLst>
+                          </p:cTn>
+                        </p:par>
+                      </p:childTnLst>
+                    </p:cTn>
+                  </p:par>
+                </p:childTnLst>
+              </p:cTn>
+              <p:prevCondLst>
+                <p:cond evt="onPrev" delay="0">
+                  <p:tgtEl>
+                    <p:sldTgt/>
+                  </p:tgtEl>
+                </p:cond>
+              </p:prevCondLst>
+              <p:nextCondLst>
+                <p:cond evt="onNext" delay="0">
+                  <p:tgtEl>
+                    <p:sldTgt/>
+                  </p:tgtEl>
+                </p:cond>
+              </p:nextCondLst>
+            </p:seq>
+          </p:childTnLst>
+        </p:cTn>
+      </p:par>
+    </p:tnLst>
+  </p:timing>
+</p:sld>
+</file>
+
+<file path=ppt/slides/slide18.xml><?xml version="1.0" encoding="utf-8"?>
 <p:sld xmlns:a="http://schemas.openxmlformats.org/drawingml/2006/main" xmlns:r="http://schemas.openxmlformats.org/officeDocument/2006/relationships" xmlns:p="http://schemas.openxmlformats.org/presentationml/2006/main">
   <p:cSld>
     <p:spTree>
@@ -8190,498 +8809,6 @@
 </p:sld>
 </file>
 
-<file path=ppt/slides/slide18.xml><?xml version="1.0" encoding="utf-8"?>
-<p:sld xmlns:a="http://schemas.openxmlformats.org/drawingml/2006/main" xmlns:r="http://schemas.openxmlformats.org/officeDocument/2006/relationships" xmlns:p="http://schemas.openxmlformats.org/presentationml/2006/main">
-  <p:cSld>
-    <p:spTree>
-      <p:nvGrpSpPr>
-        <p:cNvPr id="1" name=""/>
-        <p:cNvGrpSpPr/>
-        <p:nvPr/>
-      </p:nvGrpSpPr>
-      <p:grpSpPr>
-        <a:xfrm>
-          <a:off x="0" y="0"/>
-          <a:ext cx="0" cy="0"/>
-          <a:chOff x="0" y="0"/>
-          <a:chExt cx="0" cy="0"/>
-        </a:xfrm>
-      </p:grpSpPr>
-      <p:sp>
-        <p:nvSpPr>
-          <p:cNvPr id="2" name="Título 1"/>
-          <p:cNvSpPr txBox="1"/>
-          <p:nvPr/>
-        </p:nvSpPr>
-        <p:spPr>
-          <a:xfrm>
-            <a:off x="473612" y="506437"/>
-            <a:ext cx="10880188" cy="970671"/>
-          </a:xfrm>
-          <a:prstGeom prst="rect">
-            <a:avLst/>
-          </a:prstGeom>
-        </p:spPr>
-        <p:txBody>
-          <a:bodyPr>
-            <a:noAutofit/>
-          </a:bodyPr>
-          <a:lstStyle>
-            <a:lvl1pPr algn="l" defTabSz="914400" rtl="0" eaLnBrk="1" latinLnBrk="0" hangingPunct="1">
-              <a:lnSpc>
-                <a:spcPct val="90000"/>
-              </a:lnSpc>
-              <a:spcBef>
-                <a:spcPct val="0"/>
-              </a:spcBef>
-              <a:buNone/>
-              <a:defRPr sz="4400" kern="1200">
-                <a:solidFill>
-                  <a:schemeClr val="tx1"/>
-                </a:solidFill>
-                <a:latin typeface="+mj-lt"/>
-                <a:ea typeface="+mj-ea"/>
-                <a:cs typeface="+mj-cs"/>
-              </a:defRPr>
-            </a:lvl1pPr>
-          </a:lstStyle>
-          <a:p>
-            <a:pPr algn="ctr"/>
-            <a:r>
-              <a:rPr lang="pt-BR" sz="4800" b="1" dirty="0">
-                <a:solidFill>
-                  <a:srgbClr val="049BE6"/>
-                </a:solidFill>
-                <a:latin typeface="+mn-lt"/>
-              </a:rPr>
-              <a:t>Seleção dos Indivíduos para o Cross-Over</a:t>
-            </a:r>
-            <a:endParaRPr lang="pt-BR" sz="4800" b="1" dirty="0">
-              <a:solidFill>
-                <a:srgbClr val="049BE6"/>
-              </a:solidFill>
-              <a:latin typeface="+mn-lt"/>
-            </a:endParaRPr>
-          </a:p>
-        </p:txBody>
-      </p:sp>
-      <p:sp>
-        <p:nvSpPr>
-          <p:cNvPr id="3" name="Espaço Reservado para Conteúdo 2"/>
-          <p:cNvSpPr txBox="1"/>
-          <p:nvPr/>
-        </p:nvSpPr>
-        <p:spPr>
-          <a:xfrm>
-            <a:off x="321212" y="1730326"/>
-            <a:ext cx="11549575" cy="4712677"/>
-          </a:xfrm>
-          <a:prstGeom prst="rect">
-            <a:avLst/>
-          </a:prstGeom>
-        </p:spPr>
-        <p:txBody>
-          <a:bodyPr>
-            <a:normAutofit/>
-          </a:bodyPr>
-          <a:lstStyle>
-            <a:lvl1pPr marL="228600" indent="-228600" algn="l" defTabSz="914400" rtl="0" eaLnBrk="1" latinLnBrk="0" hangingPunct="1">
-              <a:lnSpc>
-                <a:spcPct val="90000"/>
-              </a:lnSpc>
-              <a:spcBef>
-                <a:spcPts val="1000"/>
-              </a:spcBef>
-              <a:buFont typeface="Arial" panose="020B0604020202020204" pitchFamily="34" charset="0"/>
-              <a:buChar char="•"/>
-              <a:defRPr sz="2800" kern="1200">
-                <a:solidFill>
-                  <a:schemeClr val="tx1"/>
-                </a:solidFill>
-                <a:latin typeface="+mn-lt"/>
-                <a:ea typeface="+mn-ea"/>
-                <a:cs typeface="+mn-cs"/>
-              </a:defRPr>
-            </a:lvl1pPr>
-            <a:lvl2pPr marL="685800" indent="-228600" algn="l" defTabSz="914400" rtl="0" eaLnBrk="1" latinLnBrk="0" hangingPunct="1">
-              <a:lnSpc>
-                <a:spcPct val="90000"/>
-              </a:lnSpc>
-              <a:spcBef>
-                <a:spcPts val="500"/>
-              </a:spcBef>
-              <a:buFont typeface="Arial" panose="020B0604020202020204" pitchFamily="34" charset="0"/>
-              <a:buChar char="•"/>
-              <a:defRPr sz="2400" kern="1200">
-                <a:solidFill>
-                  <a:schemeClr val="tx1"/>
-                </a:solidFill>
-                <a:latin typeface="+mn-lt"/>
-                <a:ea typeface="+mn-ea"/>
-                <a:cs typeface="+mn-cs"/>
-              </a:defRPr>
-            </a:lvl2pPr>
-            <a:lvl3pPr marL="1143000" indent="-228600" algn="l" defTabSz="914400" rtl="0" eaLnBrk="1" latinLnBrk="0" hangingPunct="1">
-              <a:lnSpc>
-                <a:spcPct val="90000"/>
-              </a:lnSpc>
-              <a:spcBef>
-                <a:spcPts val="500"/>
-              </a:spcBef>
-              <a:buFont typeface="Arial" panose="020B0604020202020204" pitchFamily="34" charset="0"/>
-              <a:buChar char="•"/>
-              <a:defRPr sz="2000" kern="1200">
-                <a:solidFill>
-                  <a:schemeClr val="tx1"/>
-                </a:solidFill>
-                <a:latin typeface="+mn-lt"/>
-                <a:ea typeface="+mn-ea"/>
-                <a:cs typeface="+mn-cs"/>
-              </a:defRPr>
-            </a:lvl3pPr>
-            <a:lvl4pPr marL="1600200" indent="-228600" algn="l" defTabSz="914400" rtl="0" eaLnBrk="1" latinLnBrk="0" hangingPunct="1">
-              <a:lnSpc>
-                <a:spcPct val="90000"/>
-              </a:lnSpc>
-              <a:spcBef>
-                <a:spcPts val="500"/>
-              </a:spcBef>
-              <a:buFont typeface="Arial" panose="020B0604020202020204" pitchFamily="34" charset="0"/>
-              <a:buChar char="•"/>
-              <a:defRPr sz="1800" kern="1200">
-                <a:solidFill>
-                  <a:schemeClr val="tx1"/>
-                </a:solidFill>
-                <a:latin typeface="+mn-lt"/>
-                <a:ea typeface="+mn-ea"/>
-                <a:cs typeface="+mn-cs"/>
-              </a:defRPr>
-            </a:lvl4pPr>
-            <a:lvl5pPr marL="2057400" indent="-228600" algn="l" defTabSz="914400" rtl="0" eaLnBrk="1" latinLnBrk="0" hangingPunct="1">
-              <a:lnSpc>
-                <a:spcPct val="90000"/>
-              </a:lnSpc>
-              <a:spcBef>
-                <a:spcPts val="500"/>
-              </a:spcBef>
-              <a:buFont typeface="Arial" panose="020B0604020202020204" pitchFamily="34" charset="0"/>
-              <a:buChar char="•"/>
-              <a:defRPr sz="1800" kern="1200">
-                <a:solidFill>
-                  <a:schemeClr val="tx1"/>
-                </a:solidFill>
-                <a:latin typeface="+mn-lt"/>
-                <a:ea typeface="+mn-ea"/>
-                <a:cs typeface="+mn-cs"/>
-              </a:defRPr>
-            </a:lvl5pPr>
-            <a:lvl6pPr marL="2514600" indent="-228600" algn="l" defTabSz="914400" rtl="0" eaLnBrk="1" latinLnBrk="0" hangingPunct="1">
-              <a:lnSpc>
-                <a:spcPct val="90000"/>
-              </a:lnSpc>
-              <a:spcBef>
-                <a:spcPts val="500"/>
-              </a:spcBef>
-              <a:buFont typeface="Arial" panose="020B0604020202020204" pitchFamily="34" charset="0"/>
-              <a:buChar char="•"/>
-              <a:defRPr sz="1800" kern="1200">
-                <a:solidFill>
-                  <a:schemeClr val="tx1"/>
-                </a:solidFill>
-                <a:latin typeface="+mn-lt"/>
-                <a:ea typeface="+mn-ea"/>
-                <a:cs typeface="+mn-cs"/>
-              </a:defRPr>
-            </a:lvl6pPr>
-            <a:lvl7pPr marL="2971800" indent="-228600" algn="l" defTabSz="914400" rtl="0" eaLnBrk="1" latinLnBrk="0" hangingPunct="1">
-              <a:lnSpc>
-                <a:spcPct val="90000"/>
-              </a:lnSpc>
-              <a:spcBef>
-                <a:spcPts val="500"/>
-              </a:spcBef>
-              <a:buFont typeface="Arial" panose="020B0604020202020204" pitchFamily="34" charset="0"/>
-              <a:buChar char="•"/>
-              <a:defRPr sz="1800" kern="1200">
-                <a:solidFill>
-                  <a:schemeClr val="tx1"/>
-                </a:solidFill>
-                <a:latin typeface="+mn-lt"/>
-                <a:ea typeface="+mn-ea"/>
-                <a:cs typeface="+mn-cs"/>
-              </a:defRPr>
-            </a:lvl7pPr>
-            <a:lvl8pPr marL="3429000" indent="-228600" algn="l" defTabSz="914400" rtl="0" eaLnBrk="1" latinLnBrk="0" hangingPunct="1">
-              <a:lnSpc>
-                <a:spcPct val="90000"/>
-              </a:lnSpc>
-              <a:spcBef>
-                <a:spcPts val="500"/>
-              </a:spcBef>
-              <a:buFont typeface="Arial" panose="020B0604020202020204" pitchFamily="34" charset="0"/>
-              <a:buChar char="•"/>
-              <a:defRPr sz="1800" kern="1200">
-                <a:solidFill>
-                  <a:schemeClr val="tx1"/>
-                </a:solidFill>
-                <a:latin typeface="+mn-lt"/>
-                <a:ea typeface="+mn-ea"/>
-                <a:cs typeface="+mn-cs"/>
-              </a:defRPr>
-            </a:lvl8pPr>
-            <a:lvl9pPr marL="3886200" indent="-228600" algn="l" defTabSz="914400" rtl="0" eaLnBrk="1" latinLnBrk="0" hangingPunct="1">
-              <a:lnSpc>
-                <a:spcPct val="90000"/>
-              </a:lnSpc>
-              <a:spcBef>
-                <a:spcPts val="500"/>
-              </a:spcBef>
-              <a:buFont typeface="Arial" panose="020B0604020202020204" pitchFamily="34" charset="0"/>
-              <a:buChar char="•"/>
-              <a:defRPr sz="1800" kern="1200">
-                <a:solidFill>
-                  <a:schemeClr val="tx1"/>
-                </a:solidFill>
-                <a:latin typeface="+mn-lt"/>
-                <a:ea typeface="+mn-ea"/>
-                <a:cs typeface="+mn-cs"/>
-              </a:defRPr>
-            </a:lvl9pPr>
-          </a:lstStyle>
-          <a:p>
-            <a:pPr marL="742950" indent="-742950">
-              <a:buFont typeface="+mj-lt"/>
-              <a:buAutoNum type="arabicPeriod"/>
-            </a:pPr>
-            <a:endParaRPr lang="pt-BR" sz="4400" dirty="0"/>
-          </a:p>
-        </p:txBody>
-      </p:sp>
-      <p:sp>
-        <p:nvSpPr>
-          <p:cNvPr id="4" name="Espaço Reservado para Conteúdo 2"/>
-          <p:cNvSpPr txBox="1"/>
-          <p:nvPr/>
-        </p:nvSpPr>
-        <p:spPr>
-          <a:xfrm>
-            <a:off x="473612" y="1882726"/>
-            <a:ext cx="11549575" cy="4712677"/>
-          </a:xfrm>
-          <a:prstGeom prst="rect">
-            <a:avLst/>
-          </a:prstGeom>
-        </p:spPr>
-        <p:txBody>
-          <a:bodyPr>
-            <a:normAutofit/>
-          </a:bodyPr>
-          <a:lstStyle>
-            <a:lvl1pPr marL="228600" indent="-228600" algn="l" defTabSz="914400" rtl="0" eaLnBrk="1" latinLnBrk="0" hangingPunct="1">
-              <a:lnSpc>
-                <a:spcPct val="90000"/>
-              </a:lnSpc>
-              <a:spcBef>
-                <a:spcPts val="1000"/>
-              </a:spcBef>
-              <a:buFont typeface="Arial" panose="020B0604020202020204" pitchFamily="34" charset="0"/>
-              <a:buChar char="•"/>
-              <a:defRPr sz="2800" kern="1200">
-                <a:solidFill>
-                  <a:schemeClr val="tx1"/>
-                </a:solidFill>
-                <a:latin typeface="+mn-lt"/>
-                <a:ea typeface="+mn-ea"/>
-                <a:cs typeface="+mn-cs"/>
-              </a:defRPr>
-            </a:lvl1pPr>
-            <a:lvl2pPr marL="685800" indent="-228600" algn="l" defTabSz="914400" rtl="0" eaLnBrk="1" latinLnBrk="0" hangingPunct="1">
-              <a:lnSpc>
-                <a:spcPct val="90000"/>
-              </a:lnSpc>
-              <a:spcBef>
-                <a:spcPts val="500"/>
-              </a:spcBef>
-              <a:buFont typeface="Arial" panose="020B0604020202020204" pitchFamily="34" charset="0"/>
-              <a:buChar char="•"/>
-              <a:defRPr sz="2400" kern="1200">
-                <a:solidFill>
-                  <a:schemeClr val="tx1"/>
-                </a:solidFill>
-                <a:latin typeface="+mn-lt"/>
-                <a:ea typeface="+mn-ea"/>
-                <a:cs typeface="+mn-cs"/>
-              </a:defRPr>
-            </a:lvl2pPr>
-            <a:lvl3pPr marL="1143000" indent="-228600" algn="l" defTabSz="914400" rtl="0" eaLnBrk="1" latinLnBrk="0" hangingPunct="1">
-              <a:lnSpc>
-                <a:spcPct val="90000"/>
-              </a:lnSpc>
-              <a:spcBef>
-                <a:spcPts val="500"/>
-              </a:spcBef>
-              <a:buFont typeface="Arial" panose="020B0604020202020204" pitchFamily="34" charset="0"/>
-              <a:buChar char="•"/>
-              <a:defRPr sz="2000" kern="1200">
-                <a:solidFill>
-                  <a:schemeClr val="tx1"/>
-                </a:solidFill>
-                <a:latin typeface="+mn-lt"/>
-                <a:ea typeface="+mn-ea"/>
-                <a:cs typeface="+mn-cs"/>
-              </a:defRPr>
-            </a:lvl3pPr>
-            <a:lvl4pPr marL="1600200" indent="-228600" algn="l" defTabSz="914400" rtl="0" eaLnBrk="1" latinLnBrk="0" hangingPunct="1">
-              <a:lnSpc>
-                <a:spcPct val="90000"/>
-              </a:lnSpc>
-              <a:spcBef>
-                <a:spcPts val="500"/>
-              </a:spcBef>
-              <a:buFont typeface="Arial" panose="020B0604020202020204" pitchFamily="34" charset="0"/>
-              <a:buChar char="•"/>
-              <a:defRPr sz="1800" kern="1200">
-                <a:solidFill>
-                  <a:schemeClr val="tx1"/>
-                </a:solidFill>
-                <a:latin typeface="+mn-lt"/>
-                <a:ea typeface="+mn-ea"/>
-                <a:cs typeface="+mn-cs"/>
-              </a:defRPr>
-            </a:lvl4pPr>
-            <a:lvl5pPr marL="2057400" indent="-228600" algn="l" defTabSz="914400" rtl="0" eaLnBrk="1" latinLnBrk="0" hangingPunct="1">
-              <a:lnSpc>
-                <a:spcPct val="90000"/>
-              </a:lnSpc>
-              <a:spcBef>
-                <a:spcPts val="500"/>
-              </a:spcBef>
-              <a:buFont typeface="Arial" panose="020B0604020202020204" pitchFamily="34" charset="0"/>
-              <a:buChar char="•"/>
-              <a:defRPr sz="1800" kern="1200">
-                <a:solidFill>
-                  <a:schemeClr val="tx1"/>
-                </a:solidFill>
-                <a:latin typeface="+mn-lt"/>
-                <a:ea typeface="+mn-ea"/>
-                <a:cs typeface="+mn-cs"/>
-              </a:defRPr>
-            </a:lvl5pPr>
-            <a:lvl6pPr marL="2514600" indent="-228600" algn="l" defTabSz="914400" rtl="0" eaLnBrk="1" latinLnBrk="0" hangingPunct="1">
-              <a:lnSpc>
-                <a:spcPct val="90000"/>
-              </a:lnSpc>
-              <a:spcBef>
-                <a:spcPts val="500"/>
-              </a:spcBef>
-              <a:buFont typeface="Arial" panose="020B0604020202020204" pitchFamily="34" charset="0"/>
-              <a:buChar char="•"/>
-              <a:defRPr sz="1800" kern="1200">
-                <a:solidFill>
-                  <a:schemeClr val="tx1"/>
-                </a:solidFill>
-                <a:latin typeface="+mn-lt"/>
-                <a:ea typeface="+mn-ea"/>
-                <a:cs typeface="+mn-cs"/>
-              </a:defRPr>
-            </a:lvl6pPr>
-            <a:lvl7pPr marL="2971800" indent="-228600" algn="l" defTabSz="914400" rtl="0" eaLnBrk="1" latinLnBrk="0" hangingPunct="1">
-              <a:lnSpc>
-                <a:spcPct val="90000"/>
-              </a:lnSpc>
-              <a:spcBef>
-                <a:spcPts val="500"/>
-              </a:spcBef>
-              <a:buFont typeface="Arial" panose="020B0604020202020204" pitchFamily="34" charset="0"/>
-              <a:buChar char="•"/>
-              <a:defRPr sz="1800" kern="1200">
-                <a:solidFill>
-                  <a:schemeClr val="tx1"/>
-                </a:solidFill>
-                <a:latin typeface="+mn-lt"/>
-                <a:ea typeface="+mn-ea"/>
-                <a:cs typeface="+mn-cs"/>
-              </a:defRPr>
-            </a:lvl7pPr>
-            <a:lvl8pPr marL="3429000" indent="-228600" algn="l" defTabSz="914400" rtl="0" eaLnBrk="1" latinLnBrk="0" hangingPunct="1">
-              <a:lnSpc>
-                <a:spcPct val="90000"/>
-              </a:lnSpc>
-              <a:spcBef>
-                <a:spcPts val="500"/>
-              </a:spcBef>
-              <a:buFont typeface="Arial" panose="020B0604020202020204" pitchFamily="34" charset="0"/>
-              <a:buChar char="•"/>
-              <a:defRPr sz="1800" kern="1200">
-                <a:solidFill>
-                  <a:schemeClr val="tx1"/>
-                </a:solidFill>
-                <a:latin typeface="+mn-lt"/>
-                <a:ea typeface="+mn-ea"/>
-                <a:cs typeface="+mn-cs"/>
-              </a:defRPr>
-            </a:lvl8pPr>
-            <a:lvl9pPr marL="3886200" indent="-228600" algn="l" defTabSz="914400" rtl="0" eaLnBrk="1" latinLnBrk="0" hangingPunct="1">
-              <a:lnSpc>
-                <a:spcPct val="90000"/>
-              </a:lnSpc>
-              <a:spcBef>
-                <a:spcPts val="500"/>
-              </a:spcBef>
-              <a:buFont typeface="Arial" panose="020B0604020202020204" pitchFamily="34" charset="0"/>
-              <a:buChar char="•"/>
-              <a:defRPr sz="1800" kern="1200">
-                <a:solidFill>
-                  <a:schemeClr val="tx1"/>
-                </a:solidFill>
-                <a:latin typeface="+mn-lt"/>
-                <a:ea typeface="+mn-ea"/>
-                <a:cs typeface="+mn-cs"/>
-              </a:defRPr>
-            </a:lvl9pPr>
-          </a:lstStyle>
-          <a:p>
-            <a:pPr algn="just"/>
-            <a:r>
-              <a:rPr lang="pt-BR" sz="4400" dirty="0"/>
-              <a:t> Para gerar uma nova população, se fez necessário ter um elitismo de </a:t>
-            </a:r>
-            <a:r>
-              <a:rPr lang="pt-BR" sz="4400" b="1" dirty="0"/>
-              <a:t>dois </a:t>
-            </a:r>
-            <a:r>
-              <a:rPr lang="pt-BR" sz="4400" dirty="0"/>
-              <a:t>indivíduos, pois esses indivíduos mais aptos que outros, estavam sendo perdidos.</a:t>
-            </a:r>
-            <a:endParaRPr lang="pt-BR" sz="4400" dirty="0"/>
-          </a:p>
-          <a:p>
-            <a:pPr algn="just"/>
-            <a:endParaRPr lang="pt-BR" sz="4400" b="1" dirty="0"/>
-          </a:p>
-          <a:p>
-            <a:pPr algn="just"/>
-            <a:r>
-              <a:rPr lang="pt-BR" sz="4400" b="1" dirty="0"/>
-              <a:t> </a:t>
-            </a:r>
-            <a:r>
-              <a:rPr lang="pt-BR" sz="4400" dirty="0"/>
-              <a:t>Após o elitismo, fazemos a seleção de forma aleatória para o Cross-Over.</a:t>
-            </a:r>
-            <a:endParaRPr lang="pt-BR" sz="4400" b="1" dirty="0"/>
-          </a:p>
-        </p:txBody>
-      </p:sp>
-    </p:spTree>
-  </p:cSld>
-  <p:clrMapOvr>
-    <a:masterClrMapping/>
-  </p:clrMapOvr>
-</p:sld>
-</file>
-
 <file path=ppt/slides/slide19.xml><?xml version="1.0" encoding="utf-8"?>
 <p:sld xmlns:a="http://schemas.openxmlformats.org/drawingml/2006/main" xmlns:r="http://schemas.openxmlformats.org/officeDocument/2006/relationships" xmlns:p="http://schemas.openxmlformats.org/presentationml/2006/main">
   <p:cSld>
@@ -8966,7 +9093,7 @@
         </p:spPr>
         <p:txBody>
           <a:bodyPr>
-            <a:normAutofit lnSpcReduction="10000"/>
+            <a:normAutofit/>
           </a:bodyPr>
           <a:lstStyle>
             <a:lvl1pPr marL="228600" indent="-228600" algn="l" defTabSz="914400" rtl="0" eaLnBrk="1" latinLnBrk="0" hangingPunct="1">
@@ -9136,45 +9263,33 @@
             <a:pPr algn="just"/>
             <a:r>
               <a:rPr lang="pt-BR" sz="4400" dirty="0"/>
-              <a:t> A forma de seleção que foi utiliza foi, a roleta:</a:t>
+              <a:t> Para gerar uma nova população, se fez necessário ter um elitismo de </a:t>
+            </a:r>
+            <a:r>
+              <a:rPr lang="pt-BR" sz="4400" b="1" dirty="0"/>
+              <a:t>dois </a:t>
+            </a:r>
+            <a:r>
+              <a:rPr lang="pt-BR" sz="4400" dirty="0"/>
+              <a:t>indivíduos, pois esses indivíduos mais aptos que outros, estavam sendo perdidos.</a:t>
             </a:r>
             <a:endParaRPr lang="pt-BR" sz="4400" dirty="0"/>
           </a:p>
           <a:p>
-            <a:pPr lvl="1" algn="just"/>
-            <a:r>
-              <a:rPr lang="pt-BR" sz="4000" b="1" dirty="0"/>
+            <a:pPr algn="just"/>
+            <a:endParaRPr lang="pt-BR" sz="4400" b="1" dirty="0"/>
+          </a:p>
+          <a:p>
+            <a:pPr algn="just"/>
+            <a:r>
+              <a:rPr lang="pt-BR" sz="4400" b="1" dirty="0"/>
               <a:t> </a:t>
             </a:r>
             <a:r>
-              <a:rPr lang="pt-BR" sz="4000" dirty="0"/>
-              <a:t>1 passo: somamos o total da aptidão daquela geração.</a:t>
-            </a:r>
-            <a:endParaRPr lang="pt-BR" sz="4000" dirty="0"/>
-          </a:p>
-          <a:p>
-            <a:pPr lvl="1" algn="just"/>
-            <a:r>
-              <a:rPr lang="pt-BR" sz="4000" b="1" dirty="0"/>
-              <a:t> </a:t>
-            </a:r>
-            <a:r>
-              <a:rPr lang="pt-BR" sz="4000" dirty="0"/>
-              <a:t>2 passo: obter um número aleatório entre 0 e o total do item anterior.</a:t>
-            </a:r>
-            <a:endParaRPr lang="pt-BR" sz="4000" dirty="0"/>
-          </a:p>
-          <a:p>
-            <a:pPr lvl="1" algn="just"/>
-            <a:r>
-              <a:rPr lang="pt-BR" sz="4000" b="1" dirty="0"/>
-              <a:t> </a:t>
-            </a:r>
-            <a:r>
-              <a:rPr lang="pt-BR" sz="4000" dirty="0"/>
-              <a:t>3 passo: testar se a aptidão do individuo atual, somado com as dos anteriores, é maior ou igual que o valor aleatório obtido no item anterior.</a:t>
-            </a:r>
-            <a:endParaRPr lang="pt-BR" sz="4000" b="1" dirty="0"/>
+              <a:rPr lang="pt-BR" sz="4400" dirty="0"/>
+              <a:t>Após o elitismo, fazemos a seleção de forma aleatória para o Cross-Over.</a:t>
+            </a:r>
+            <a:endParaRPr lang="pt-BR" sz="4400" b="1" dirty="0"/>
           </a:p>
         </p:txBody>
       </p:sp>
@@ -9290,6 +9405,510 @@
 </file>
 
 <file path=ppt/slides/slide20.xml><?xml version="1.0" encoding="utf-8"?>
+<p:sld xmlns:a="http://schemas.openxmlformats.org/drawingml/2006/main" xmlns:r="http://schemas.openxmlformats.org/officeDocument/2006/relationships" xmlns:p="http://schemas.openxmlformats.org/presentationml/2006/main">
+  <p:cSld>
+    <p:spTree>
+      <p:nvGrpSpPr>
+        <p:cNvPr id="1" name=""/>
+        <p:cNvGrpSpPr/>
+        <p:nvPr/>
+      </p:nvGrpSpPr>
+      <p:grpSpPr>
+        <a:xfrm>
+          <a:off x="0" y="0"/>
+          <a:ext cx="0" cy="0"/>
+          <a:chOff x="0" y="0"/>
+          <a:chExt cx="0" cy="0"/>
+        </a:xfrm>
+      </p:grpSpPr>
+      <p:sp>
+        <p:nvSpPr>
+          <p:cNvPr id="2" name="Título 1"/>
+          <p:cNvSpPr txBox="1"/>
+          <p:nvPr/>
+        </p:nvSpPr>
+        <p:spPr>
+          <a:xfrm>
+            <a:off x="473612" y="506437"/>
+            <a:ext cx="10880188" cy="970671"/>
+          </a:xfrm>
+          <a:prstGeom prst="rect">
+            <a:avLst/>
+          </a:prstGeom>
+        </p:spPr>
+        <p:txBody>
+          <a:bodyPr>
+            <a:noAutofit/>
+          </a:bodyPr>
+          <a:lstStyle>
+            <a:lvl1pPr algn="l" defTabSz="914400" rtl="0" eaLnBrk="1" latinLnBrk="0" hangingPunct="1">
+              <a:lnSpc>
+                <a:spcPct val="90000"/>
+              </a:lnSpc>
+              <a:spcBef>
+                <a:spcPct val="0"/>
+              </a:spcBef>
+              <a:buNone/>
+              <a:defRPr sz="4400" kern="1200">
+                <a:solidFill>
+                  <a:schemeClr val="tx1"/>
+                </a:solidFill>
+                <a:latin typeface="+mj-lt"/>
+                <a:ea typeface="+mj-ea"/>
+                <a:cs typeface="+mj-cs"/>
+              </a:defRPr>
+            </a:lvl1pPr>
+          </a:lstStyle>
+          <a:p>
+            <a:pPr algn="ctr"/>
+            <a:r>
+              <a:rPr lang="pt-BR" sz="4800" b="1" dirty="0">
+                <a:solidFill>
+                  <a:srgbClr val="049BE6"/>
+                </a:solidFill>
+                <a:latin typeface="+mn-lt"/>
+              </a:rPr>
+              <a:t>Seleção dos Indivíduos para o Cross-Over</a:t>
+            </a:r>
+            <a:endParaRPr lang="pt-BR" sz="4800" b="1" dirty="0">
+              <a:solidFill>
+                <a:srgbClr val="049BE6"/>
+              </a:solidFill>
+              <a:latin typeface="+mn-lt"/>
+            </a:endParaRPr>
+          </a:p>
+        </p:txBody>
+      </p:sp>
+      <p:sp>
+        <p:nvSpPr>
+          <p:cNvPr id="3" name="Espaço Reservado para Conteúdo 2"/>
+          <p:cNvSpPr txBox="1"/>
+          <p:nvPr/>
+        </p:nvSpPr>
+        <p:spPr>
+          <a:xfrm>
+            <a:off x="321212" y="1730326"/>
+            <a:ext cx="11549575" cy="4712677"/>
+          </a:xfrm>
+          <a:prstGeom prst="rect">
+            <a:avLst/>
+          </a:prstGeom>
+        </p:spPr>
+        <p:txBody>
+          <a:bodyPr>
+            <a:normAutofit/>
+          </a:bodyPr>
+          <a:lstStyle>
+            <a:lvl1pPr marL="228600" indent="-228600" algn="l" defTabSz="914400" rtl="0" eaLnBrk="1" latinLnBrk="0" hangingPunct="1">
+              <a:lnSpc>
+                <a:spcPct val="90000"/>
+              </a:lnSpc>
+              <a:spcBef>
+                <a:spcPts val="1000"/>
+              </a:spcBef>
+              <a:buFont typeface="Arial" panose="020B0604020202020204" pitchFamily="34" charset="0"/>
+              <a:buChar char="•"/>
+              <a:defRPr sz="2800" kern="1200">
+                <a:solidFill>
+                  <a:schemeClr val="tx1"/>
+                </a:solidFill>
+                <a:latin typeface="+mn-lt"/>
+                <a:ea typeface="+mn-ea"/>
+                <a:cs typeface="+mn-cs"/>
+              </a:defRPr>
+            </a:lvl1pPr>
+            <a:lvl2pPr marL="685800" indent="-228600" algn="l" defTabSz="914400" rtl="0" eaLnBrk="1" latinLnBrk="0" hangingPunct="1">
+              <a:lnSpc>
+                <a:spcPct val="90000"/>
+              </a:lnSpc>
+              <a:spcBef>
+                <a:spcPts val="500"/>
+              </a:spcBef>
+              <a:buFont typeface="Arial" panose="020B0604020202020204" pitchFamily="34" charset="0"/>
+              <a:buChar char="•"/>
+              <a:defRPr sz="2400" kern="1200">
+                <a:solidFill>
+                  <a:schemeClr val="tx1"/>
+                </a:solidFill>
+                <a:latin typeface="+mn-lt"/>
+                <a:ea typeface="+mn-ea"/>
+                <a:cs typeface="+mn-cs"/>
+              </a:defRPr>
+            </a:lvl2pPr>
+            <a:lvl3pPr marL="1143000" indent="-228600" algn="l" defTabSz="914400" rtl="0" eaLnBrk="1" latinLnBrk="0" hangingPunct="1">
+              <a:lnSpc>
+                <a:spcPct val="90000"/>
+              </a:lnSpc>
+              <a:spcBef>
+                <a:spcPts val="500"/>
+              </a:spcBef>
+              <a:buFont typeface="Arial" panose="020B0604020202020204" pitchFamily="34" charset="0"/>
+              <a:buChar char="•"/>
+              <a:defRPr sz="2000" kern="1200">
+                <a:solidFill>
+                  <a:schemeClr val="tx1"/>
+                </a:solidFill>
+                <a:latin typeface="+mn-lt"/>
+                <a:ea typeface="+mn-ea"/>
+                <a:cs typeface="+mn-cs"/>
+              </a:defRPr>
+            </a:lvl3pPr>
+            <a:lvl4pPr marL="1600200" indent="-228600" algn="l" defTabSz="914400" rtl="0" eaLnBrk="1" latinLnBrk="0" hangingPunct="1">
+              <a:lnSpc>
+                <a:spcPct val="90000"/>
+              </a:lnSpc>
+              <a:spcBef>
+                <a:spcPts val="500"/>
+              </a:spcBef>
+              <a:buFont typeface="Arial" panose="020B0604020202020204" pitchFamily="34" charset="0"/>
+              <a:buChar char="•"/>
+              <a:defRPr sz="1800" kern="1200">
+                <a:solidFill>
+                  <a:schemeClr val="tx1"/>
+                </a:solidFill>
+                <a:latin typeface="+mn-lt"/>
+                <a:ea typeface="+mn-ea"/>
+                <a:cs typeface="+mn-cs"/>
+              </a:defRPr>
+            </a:lvl4pPr>
+            <a:lvl5pPr marL="2057400" indent="-228600" algn="l" defTabSz="914400" rtl="0" eaLnBrk="1" latinLnBrk="0" hangingPunct="1">
+              <a:lnSpc>
+                <a:spcPct val="90000"/>
+              </a:lnSpc>
+              <a:spcBef>
+                <a:spcPts val="500"/>
+              </a:spcBef>
+              <a:buFont typeface="Arial" panose="020B0604020202020204" pitchFamily="34" charset="0"/>
+              <a:buChar char="•"/>
+              <a:defRPr sz="1800" kern="1200">
+                <a:solidFill>
+                  <a:schemeClr val="tx1"/>
+                </a:solidFill>
+                <a:latin typeface="+mn-lt"/>
+                <a:ea typeface="+mn-ea"/>
+                <a:cs typeface="+mn-cs"/>
+              </a:defRPr>
+            </a:lvl5pPr>
+            <a:lvl6pPr marL="2514600" indent="-228600" algn="l" defTabSz="914400" rtl="0" eaLnBrk="1" latinLnBrk="0" hangingPunct="1">
+              <a:lnSpc>
+                <a:spcPct val="90000"/>
+              </a:lnSpc>
+              <a:spcBef>
+                <a:spcPts val="500"/>
+              </a:spcBef>
+              <a:buFont typeface="Arial" panose="020B0604020202020204" pitchFamily="34" charset="0"/>
+              <a:buChar char="•"/>
+              <a:defRPr sz="1800" kern="1200">
+                <a:solidFill>
+                  <a:schemeClr val="tx1"/>
+                </a:solidFill>
+                <a:latin typeface="+mn-lt"/>
+                <a:ea typeface="+mn-ea"/>
+                <a:cs typeface="+mn-cs"/>
+              </a:defRPr>
+            </a:lvl6pPr>
+            <a:lvl7pPr marL="2971800" indent="-228600" algn="l" defTabSz="914400" rtl="0" eaLnBrk="1" latinLnBrk="0" hangingPunct="1">
+              <a:lnSpc>
+                <a:spcPct val="90000"/>
+              </a:lnSpc>
+              <a:spcBef>
+                <a:spcPts val="500"/>
+              </a:spcBef>
+              <a:buFont typeface="Arial" panose="020B0604020202020204" pitchFamily="34" charset="0"/>
+              <a:buChar char="•"/>
+              <a:defRPr sz="1800" kern="1200">
+                <a:solidFill>
+                  <a:schemeClr val="tx1"/>
+                </a:solidFill>
+                <a:latin typeface="+mn-lt"/>
+                <a:ea typeface="+mn-ea"/>
+                <a:cs typeface="+mn-cs"/>
+              </a:defRPr>
+            </a:lvl7pPr>
+            <a:lvl8pPr marL="3429000" indent="-228600" algn="l" defTabSz="914400" rtl="0" eaLnBrk="1" latinLnBrk="0" hangingPunct="1">
+              <a:lnSpc>
+                <a:spcPct val="90000"/>
+              </a:lnSpc>
+              <a:spcBef>
+                <a:spcPts val="500"/>
+              </a:spcBef>
+              <a:buFont typeface="Arial" panose="020B0604020202020204" pitchFamily="34" charset="0"/>
+              <a:buChar char="•"/>
+              <a:defRPr sz="1800" kern="1200">
+                <a:solidFill>
+                  <a:schemeClr val="tx1"/>
+                </a:solidFill>
+                <a:latin typeface="+mn-lt"/>
+                <a:ea typeface="+mn-ea"/>
+                <a:cs typeface="+mn-cs"/>
+              </a:defRPr>
+            </a:lvl8pPr>
+            <a:lvl9pPr marL="3886200" indent="-228600" algn="l" defTabSz="914400" rtl="0" eaLnBrk="1" latinLnBrk="0" hangingPunct="1">
+              <a:lnSpc>
+                <a:spcPct val="90000"/>
+              </a:lnSpc>
+              <a:spcBef>
+                <a:spcPts val="500"/>
+              </a:spcBef>
+              <a:buFont typeface="Arial" panose="020B0604020202020204" pitchFamily="34" charset="0"/>
+              <a:buChar char="•"/>
+              <a:defRPr sz="1800" kern="1200">
+                <a:solidFill>
+                  <a:schemeClr val="tx1"/>
+                </a:solidFill>
+                <a:latin typeface="+mn-lt"/>
+                <a:ea typeface="+mn-ea"/>
+                <a:cs typeface="+mn-cs"/>
+              </a:defRPr>
+            </a:lvl9pPr>
+          </a:lstStyle>
+          <a:p>
+            <a:pPr marL="742950" indent="-742950">
+              <a:buFont typeface="+mj-lt"/>
+              <a:buAutoNum type="arabicPeriod"/>
+            </a:pPr>
+            <a:endParaRPr lang="pt-BR" sz="4400" dirty="0"/>
+          </a:p>
+        </p:txBody>
+      </p:sp>
+      <p:sp>
+        <p:nvSpPr>
+          <p:cNvPr id="4" name="Espaço Reservado para Conteúdo 2"/>
+          <p:cNvSpPr txBox="1"/>
+          <p:nvPr/>
+        </p:nvSpPr>
+        <p:spPr>
+          <a:xfrm>
+            <a:off x="473612" y="1882726"/>
+            <a:ext cx="11549575" cy="4712677"/>
+          </a:xfrm>
+          <a:prstGeom prst="rect">
+            <a:avLst/>
+          </a:prstGeom>
+        </p:spPr>
+        <p:txBody>
+          <a:bodyPr>
+            <a:normAutofit lnSpcReduction="10000"/>
+          </a:bodyPr>
+          <a:lstStyle>
+            <a:lvl1pPr marL="228600" indent="-228600" algn="l" defTabSz="914400" rtl="0" eaLnBrk="1" latinLnBrk="0" hangingPunct="1">
+              <a:lnSpc>
+                <a:spcPct val="90000"/>
+              </a:lnSpc>
+              <a:spcBef>
+                <a:spcPts val="1000"/>
+              </a:spcBef>
+              <a:buFont typeface="Arial" panose="020B0604020202020204" pitchFamily="34" charset="0"/>
+              <a:buChar char="•"/>
+              <a:defRPr sz="2800" kern="1200">
+                <a:solidFill>
+                  <a:schemeClr val="tx1"/>
+                </a:solidFill>
+                <a:latin typeface="+mn-lt"/>
+                <a:ea typeface="+mn-ea"/>
+                <a:cs typeface="+mn-cs"/>
+              </a:defRPr>
+            </a:lvl1pPr>
+            <a:lvl2pPr marL="685800" indent="-228600" algn="l" defTabSz="914400" rtl="0" eaLnBrk="1" latinLnBrk="0" hangingPunct="1">
+              <a:lnSpc>
+                <a:spcPct val="90000"/>
+              </a:lnSpc>
+              <a:spcBef>
+                <a:spcPts val="500"/>
+              </a:spcBef>
+              <a:buFont typeface="Arial" panose="020B0604020202020204" pitchFamily="34" charset="0"/>
+              <a:buChar char="•"/>
+              <a:defRPr sz="2400" kern="1200">
+                <a:solidFill>
+                  <a:schemeClr val="tx1"/>
+                </a:solidFill>
+                <a:latin typeface="+mn-lt"/>
+                <a:ea typeface="+mn-ea"/>
+                <a:cs typeface="+mn-cs"/>
+              </a:defRPr>
+            </a:lvl2pPr>
+            <a:lvl3pPr marL="1143000" indent="-228600" algn="l" defTabSz="914400" rtl="0" eaLnBrk="1" latinLnBrk="0" hangingPunct="1">
+              <a:lnSpc>
+                <a:spcPct val="90000"/>
+              </a:lnSpc>
+              <a:spcBef>
+                <a:spcPts val="500"/>
+              </a:spcBef>
+              <a:buFont typeface="Arial" panose="020B0604020202020204" pitchFamily="34" charset="0"/>
+              <a:buChar char="•"/>
+              <a:defRPr sz="2000" kern="1200">
+                <a:solidFill>
+                  <a:schemeClr val="tx1"/>
+                </a:solidFill>
+                <a:latin typeface="+mn-lt"/>
+                <a:ea typeface="+mn-ea"/>
+                <a:cs typeface="+mn-cs"/>
+              </a:defRPr>
+            </a:lvl3pPr>
+            <a:lvl4pPr marL="1600200" indent="-228600" algn="l" defTabSz="914400" rtl="0" eaLnBrk="1" latinLnBrk="0" hangingPunct="1">
+              <a:lnSpc>
+                <a:spcPct val="90000"/>
+              </a:lnSpc>
+              <a:spcBef>
+                <a:spcPts val="500"/>
+              </a:spcBef>
+              <a:buFont typeface="Arial" panose="020B0604020202020204" pitchFamily="34" charset="0"/>
+              <a:buChar char="•"/>
+              <a:defRPr sz="1800" kern="1200">
+                <a:solidFill>
+                  <a:schemeClr val="tx1"/>
+                </a:solidFill>
+                <a:latin typeface="+mn-lt"/>
+                <a:ea typeface="+mn-ea"/>
+                <a:cs typeface="+mn-cs"/>
+              </a:defRPr>
+            </a:lvl4pPr>
+            <a:lvl5pPr marL="2057400" indent="-228600" algn="l" defTabSz="914400" rtl="0" eaLnBrk="1" latinLnBrk="0" hangingPunct="1">
+              <a:lnSpc>
+                <a:spcPct val="90000"/>
+              </a:lnSpc>
+              <a:spcBef>
+                <a:spcPts val="500"/>
+              </a:spcBef>
+              <a:buFont typeface="Arial" panose="020B0604020202020204" pitchFamily="34" charset="0"/>
+              <a:buChar char="•"/>
+              <a:defRPr sz="1800" kern="1200">
+                <a:solidFill>
+                  <a:schemeClr val="tx1"/>
+                </a:solidFill>
+                <a:latin typeface="+mn-lt"/>
+                <a:ea typeface="+mn-ea"/>
+                <a:cs typeface="+mn-cs"/>
+              </a:defRPr>
+            </a:lvl5pPr>
+            <a:lvl6pPr marL="2514600" indent="-228600" algn="l" defTabSz="914400" rtl="0" eaLnBrk="1" latinLnBrk="0" hangingPunct="1">
+              <a:lnSpc>
+                <a:spcPct val="90000"/>
+              </a:lnSpc>
+              <a:spcBef>
+                <a:spcPts val="500"/>
+              </a:spcBef>
+              <a:buFont typeface="Arial" panose="020B0604020202020204" pitchFamily="34" charset="0"/>
+              <a:buChar char="•"/>
+              <a:defRPr sz="1800" kern="1200">
+                <a:solidFill>
+                  <a:schemeClr val="tx1"/>
+                </a:solidFill>
+                <a:latin typeface="+mn-lt"/>
+                <a:ea typeface="+mn-ea"/>
+                <a:cs typeface="+mn-cs"/>
+              </a:defRPr>
+            </a:lvl6pPr>
+            <a:lvl7pPr marL="2971800" indent="-228600" algn="l" defTabSz="914400" rtl="0" eaLnBrk="1" latinLnBrk="0" hangingPunct="1">
+              <a:lnSpc>
+                <a:spcPct val="90000"/>
+              </a:lnSpc>
+              <a:spcBef>
+                <a:spcPts val="500"/>
+              </a:spcBef>
+              <a:buFont typeface="Arial" panose="020B0604020202020204" pitchFamily="34" charset="0"/>
+              <a:buChar char="•"/>
+              <a:defRPr sz="1800" kern="1200">
+                <a:solidFill>
+                  <a:schemeClr val="tx1"/>
+                </a:solidFill>
+                <a:latin typeface="+mn-lt"/>
+                <a:ea typeface="+mn-ea"/>
+                <a:cs typeface="+mn-cs"/>
+              </a:defRPr>
+            </a:lvl7pPr>
+            <a:lvl8pPr marL="3429000" indent="-228600" algn="l" defTabSz="914400" rtl="0" eaLnBrk="1" latinLnBrk="0" hangingPunct="1">
+              <a:lnSpc>
+                <a:spcPct val="90000"/>
+              </a:lnSpc>
+              <a:spcBef>
+                <a:spcPts val="500"/>
+              </a:spcBef>
+              <a:buFont typeface="Arial" panose="020B0604020202020204" pitchFamily="34" charset="0"/>
+              <a:buChar char="•"/>
+              <a:defRPr sz="1800" kern="1200">
+                <a:solidFill>
+                  <a:schemeClr val="tx1"/>
+                </a:solidFill>
+                <a:latin typeface="+mn-lt"/>
+                <a:ea typeface="+mn-ea"/>
+                <a:cs typeface="+mn-cs"/>
+              </a:defRPr>
+            </a:lvl8pPr>
+            <a:lvl9pPr marL="3886200" indent="-228600" algn="l" defTabSz="914400" rtl="0" eaLnBrk="1" latinLnBrk="0" hangingPunct="1">
+              <a:lnSpc>
+                <a:spcPct val="90000"/>
+              </a:lnSpc>
+              <a:spcBef>
+                <a:spcPts val="500"/>
+              </a:spcBef>
+              <a:buFont typeface="Arial" panose="020B0604020202020204" pitchFamily="34" charset="0"/>
+              <a:buChar char="•"/>
+              <a:defRPr sz="1800" kern="1200">
+                <a:solidFill>
+                  <a:schemeClr val="tx1"/>
+                </a:solidFill>
+                <a:latin typeface="+mn-lt"/>
+                <a:ea typeface="+mn-ea"/>
+                <a:cs typeface="+mn-cs"/>
+              </a:defRPr>
+            </a:lvl9pPr>
+          </a:lstStyle>
+          <a:p>
+            <a:pPr algn="just"/>
+            <a:r>
+              <a:rPr lang="pt-BR" sz="4400" dirty="0"/>
+              <a:t> A forma de seleção que foi utiliza foi, a roleta:</a:t>
+            </a:r>
+            <a:endParaRPr lang="pt-BR" sz="4400" dirty="0"/>
+          </a:p>
+          <a:p>
+            <a:pPr lvl="1" algn="just"/>
+            <a:r>
+              <a:rPr lang="pt-BR" sz="4000" b="1" dirty="0"/>
+              <a:t> </a:t>
+            </a:r>
+            <a:r>
+              <a:rPr lang="pt-BR" sz="4000" dirty="0"/>
+              <a:t>1 passo: somamos o total da aptidão daquela geração.</a:t>
+            </a:r>
+            <a:endParaRPr lang="pt-BR" sz="4000" dirty="0"/>
+          </a:p>
+          <a:p>
+            <a:pPr lvl="1" algn="just"/>
+            <a:r>
+              <a:rPr lang="pt-BR" sz="4000" b="1" dirty="0"/>
+              <a:t> </a:t>
+            </a:r>
+            <a:r>
+              <a:rPr lang="pt-BR" sz="4000" dirty="0"/>
+              <a:t>2 passo: obter um número aleatório entre 0 e o total do item anterior.</a:t>
+            </a:r>
+            <a:endParaRPr lang="pt-BR" sz="4000" dirty="0"/>
+          </a:p>
+          <a:p>
+            <a:pPr lvl="1" algn="just"/>
+            <a:r>
+              <a:rPr lang="pt-BR" sz="4000" b="1" dirty="0"/>
+              <a:t> </a:t>
+            </a:r>
+            <a:r>
+              <a:rPr lang="pt-BR" sz="4000" dirty="0"/>
+              <a:t>3 passo: testar se a aptidão do individuo atual, somado com as dos anteriores, é maior ou igual que o valor aleatório obtido no item anterior.</a:t>
+            </a:r>
+            <a:endParaRPr lang="pt-BR" sz="4000" b="1" dirty="0"/>
+          </a:p>
+        </p:txBody>
+      </p:sp>
+    </p:spTree>
+  </p:cSld>
+  <p:clrMapOvr>
+    <a:masterClrMapping/>
+  </p:clrMapOvr>
+</p:sld>
+</file>
+
+<file path=ppt/slides/slide21.xml><?xml version="1.0" encoding="utf-8"?>
 <p:sld xmlns:a="http://schemas.openxmlformats.org/drawingml/2006/main" xmlns:r="http://schemas.openxmlformats.org/officeDocument/2006/relationships" xmlns:p="http://schemas.openxmlformats.org/presentationml/2006/main">
   <p:cSld>
     <p:spTree>
@@ -9612,7 +10231,7 @@
 </p:sld>
 </file>
 
-<file path=ppt/slides/slide21.xml><?xml version="1.0" encoding="utf-8"?>
+<file path=ppt/slides/slide22.xml><?xml version="1.0" encoding="utf-8"?>
 <p:sld xmlns:a="http://schemas.openxmlformats.org/drawingml/2006/main" xmlns:r="http://schemas.openxmlformats.org/officeDocument/2006/relationships" xmlns:p="http://schemas.openxmlformats.org/presentationml/2006/main">
   <p:cSld>
     <p:spTree>
@@ -10472,7 +11091,7 @@
 </p:sld>
 </file>
 
-<file path=ppt/slides/slide22.xml><?xml version="1.0" encoding="utf-8"?>
+<file path=ppt/slides/slide23.xml><?xml version="1.0" encoding="utf-8"?>
 <p:sld xmlns:a="http://schemas.openxmlformats.org/drawingml/2006/main" xmlns:r="http://schemas.openxmlformats.org/officeDocument/2006/relationships" xmlns:p="http://schemas.openxmlformats.org/presentationml/2006/main">
   <p:cSld>
     <p:spTree>
@@ -10555,7 +11174,7 @@
 </p:sld>
 </file>
 
-<file path=ppt/slides/slide23.xml><?xml version="1.0" encoding="utf-8"?>
+<file path=ppt/slides/slide24.xml><?xml version="1.0" encoding="utf-8"?>
 <p:sld xmlns:a="http://schemas.openxmlformats.org/drawingml/2006/main" xmlns:r="http://schemas.openxmlformats.org/officeDocument/2006/relationships" xmlns:p="http://schemas.openxmlformats.org/presentationml/2006/main">
   <p:cSld>
     <p:spTree>
@@ -10878,7 +11497,7 @@
 </p:sld>
 </file>
 
-<file path=ppt/slides/slide24.xml><?xml version="1.0" encoding="utf-8"?>
+<file path=ppt/slides/slide25.xml><?xml version="1.0" encoding="utf-8"?>
 <p:sld xmlns:a="http://schemas.openxmlformats.org/drawingml/2006/main" xmlns:r="http://schemas.openxmlformats.org/officeDocument/2006/relationships" xmlns:p="http://schemas.openxmlformats.org/presentationml/2006/main">
   <p:cSld>
     <p:spTree>
@@ -11027,7 +11646,7 @@
 </p:sld>
 </file>
 
-<file path=ppt/slides/slide25.xml><?xml version="1.0" encoding="utf-8"?>
+<file path=ppt/slides/slide26.xml><?xml version="1.0" encoding="utf-8"?>
 <p:sld xmlns:a="http://schemas.openxmlformats.org/drawingml/2006/main" xmlns:r="http://schemas.openxmlformats.org/officeDocument/2006/relationships" xmlns:p="http://schemas.openxmlformats.org/presentationml/2006/main">
   <p:cSld>
     <p:spTree>
@@ -11177,7 +11796,7 @@
 </p:sld>
 </file>
 
-<file path=ppt/slides/slide26.xml><?xml version="1.0" encoding="utf-8"?>
+<file path=ppt/slides/slide27.xml><?xml version="1.0" encoding="utf-8"?>
 <p:sld xmlns:a="http://schemas.openxmlformats.org/drawingml/2006/main" xmlns:r="http://schemas.openxmlformats.org/officeDocument/2006/relationships" xmlns:p="http://schemas.openxmlformats.org/presentationml/2006/main">
   <p:cSld>
     <p:spTree>
@@ -11496,7 +12115,7 @@
 </p:sld>
 </file>
 
-<file path=ppt/slides/slide27.xml><?xml version="1.0" encoding="utf-8"?>
+<file path=ppt/slides/slide28.xml><?xml version="1.0" encoding="utf-8"?>
 <p:sld xmlns:a="http://schemas.openxmlformats.org/drawingml/2006/main" xmlns:r="http://schemas.openxmlformats.org/officeDocument/2006/relationships" xmlns:p="http://schemas.openxmlformats.org/presentationml/2006/main">
   <p:cSld>
     <p:spTree>
@@ -11552,7 +12171,7 @@
 </p:sld>
 </file>
 
-<file path=ppt/slides/slide28.xml><?xml version="1.0" encoding="utf-8"?>
+<file path=ppt/slides/slide29.xml><?xml version="1.0" encoding="utf-8"?>
 <p:sld xmlns:a="http://schemas.openxmlformats.org/drawingml/2006/main" xmlns:r="http://schemas.openxmlformats.org/officeDocument/2006/relationships" xmlns:p="http://schemas.openxmlformats.org/presentationml/2006/main">
   <p:cSld>
     <p:spTree>
@@ -11702,7 +12321,171 @@
 </p:sld>
 </file>
 
-<file path=ppt/slides/slide29.xml><?xml version="1.0" encoding="utf-8"?>
+<file path=ppt/slides/slide3.xml><?xml version="1.0" encoding="utf-8"?>
+<p:sld xmlns:a="http://schemas.openxmlformats.org/drawingml/2006/main" xmlns:r="http://schemas.openxmlformats.org/officeDocument/2006/relationships" xmlns:p="http://schemas.openxmlformats.org/presentationml/2006/main">
+  <p:cSld>
+    <p:spTree>
+      <p:nvGrpSpPr>
+        <p:cNvPr id="1" name=""/>
+        <p:cNvGrpSpPr/>
+        <p:nvPr/>
+      </p:nvGrpSpPr>
+      <p:grpSpPr>
+        <a:xfrm>
+          <a:off x="0" y="0"/>
+          <a:ext cx="0" cy="0"/>
+          <a:chOff x="0" y="0"/>
+          <a:chExt cx="0" cy="0"/>
+        </a:xfrm>
+      </p:grpSpPr>
+      <p:sp>
+        <p:nvSpPr>
+          <p:cNvPr id="2" name="Título 1"/>
+          <p:cNvSpPr>
+            <a:spLocks noGrp="1"/>
+          </p:cNvSpPr>
+          <p:nvPr>
+            <p:ph type="title"/>
+          </p:nvPr>
+        </p:nvSpPr>
+        <p:spPr/>
+        <p:txBody>
+          <a:bodyPr>
+            <a:normAutofit/>
+          </a:bodyPr>
+          <a:lstStyle/>
+          <a:p>
+            <a:pPr algn="ctr"/>
+            <a:r>
+              <a:rPr lang="pt-BR" sz="8000" b="1" dirty="0">
+                <a:solidFill>
+                  <a:srgbClr val="049BE6"/>
+                </a:solidFill>
+                <a:latin typeface="+mn-lt"/>
+              </a:rPr>
+              <a:t>Agenda</a:t>
+            </a:r>
+            <a:endParaRPr lang="pt-BR" sz="8000" b="1" dirty="0">
+              <a:solidFill>
+                <a:srgbClr val="049BE6"/>
+              </a:solidFill>
+              <a:latin typeface="+mn-lt"/>
+            </a:endParaRPr>
+          </a:p>
+        </p:txBody>
+      </p:sp>
+      <p:sp>
+        <p:nvSpPr>
+          <p:cNvPr id="3" name="Espaço Reservado para Conteúdo 2"/>
+          <p:cNvSpPr>
+            <a:spLocks noGrp="1"/>
+          </p:cNvSpPr>
+          <p:nvPr>
+            <p:ph idx="1"/>
+          </p:nvPr>
+        </p:nvSpPr>
+        <p:spPr/>
+        <p:txBody>
+          <a:bodyPr>
+            <a:normAutofit/>
+          </a:bodyPr>
+          <a:lstStyle/>
+          <a:p>
+            <a:pPr marL="514350" indent="-514350">
+              <a:buFont typeface="+mj-lt"/>
+              <a:buAutoNum type="arabicPeriod"/>
+            </a:pPr>
+            <a:r>
+              <a:rPr lang="pt-BR" sz="4000" b="1" dirty="0">
+                <a:latin typeface="Times New Roman" panose="02020603050405020304" pitchFamily="18" charset="0"/>
+                <a:cs typeface="Times New Roman" panose="02020603050405020304" pitchFamily="18" charset="0"/>
+              </a:rPr>
+              <a:t>O que é Algoritmo Genético?</a:t>
+            </a:r>
+            <a:endParaRPr lang="pt-BR" sz="4000" b="1" dirty="0">
+              <a:latin typeface="Times New Roman" panose="02020603050405020304" pitchFamily="18" charset="0"/>
+              <a:cs typeface="Times New Roman" panose="02020603050405020304" pitchFamily="18" charset="0"/>
+            </a:endParaRPr>
+          </a:p>
+          <a:p>
+            <a:pPr marL="514350" indent="-514350">
+              <a:buFont typeface="+mj-lt"/>
+              <a:buAutoNum type="arabicPeriod"/>
+            </a:pPr>
+            <a:r>
+              <a:rPr lang="pt-BR" sz="4000" b="1" dirty="0">
+                <a:latin typeface="Times New Roman" panose="02020603050405020304" pitchFamily="18" charset="0"/>
+                <a:cs typeface="Times New Roman" panose="02020603050405020304" pitchFamily="18" charset="0"/>
+              </a:rPr>
+              <a:t>Motivação</a:t>
+            </a:r>
+            <a:endParaRPr lang="pt-BR" sz="4000" b="1" dirty="0">
+              <a:latin typeface="Times New Roman" panose="02020603050405020304" pitchFamily="18" charset="0"/>
+              <a:cs typeface="Times New Roman" panose="02020603050405020304" pitchFamily="18" charset="0"/>
+            </a:endParaRPr>
+          </a:p>
+          <a:p>
+            <a:pPr marL="514350" indent="-514350">
+              <a:buFont typeface="+mj-lt"/>
+              <a:buAutoNum type="arabicPeriod"/>
+            </a:pPr>
+            <a:r>
+              <a:rPr lang="pt-BR" sz="4000" b="1" dirty="0">
+                <a:latin typeface="Times New Roman" panose="02020603050405020304" pitchFamily="18" charset="0"/>
+                <a:cs typeface="Times New Roman" panose="02020603050405020304" pitchFamily="18" charset="0"/>
+              </a:rPr>
+              <a:t>Resolução do Problema utilizando Algoritmo Genético</a:t>
+            </a:r>
+            <a:endParaRPr lang="pt-BR" sz="4000" b="1" dirty="0">
+              <a:latin typeface="Times New Roman" panose="02020603050405020304" pitchFamily="18" charset="0"/>
+              <a:cs typeface="Times New Roman" panose="02020603050405020304" pitchFamily="18" charset="0"/>
+            </a:endParaRPr>
+          </a:p>
+          <a:p>
+            <a:pPr marL="514350" indent="-514350">
+              <a:buFont typeface="+mj-lt"/>
+              <a:buAutoNum type="arabicPeriod"/>
+            </a:pPr>
+            <a:r>
+              <a:rPr lang="pt-BR" sz="4000" b="1" dirty="0">
+                <a:latin typeface="Times New Roman" panose="02020603050405020304" pitchFamily="18" charset="0"/>
+                <a:cs typeface="Times New Roman" panose="02020603050405020304" pitchFamily="18" charset="0"/>
+              </a:rPr>
+              <a:t>Apresentação do software</a:t>
+            </a:r>
+            <a:endParaRPr lang="pt-BR" sz="4000" b="1" dirty="0">
+              <a:latin typeface="Times New Roman" panose="02020603050405020304" pitchFamily="18" charset="0"/>
+              <a:cs typeface="Times New Roman" panose="02020603050405020304" pitchFamily="18" charset="0"/>
+            </a:endParaRPr>
+          </a:p>
+          <a:p>
+            <a:pPr marL="514350" indent="-514350">
+              <a:buFont typeface="+mj-lt"/>
+              <a:buAutoNum type="arabicPeriod"/>
+            </a:pPr>
+            <a:r>
+              <a:rPr lang="pt-BR" sz="4000" b="1" dirty="0">
+                <a:latin typeface="Times New Roman" panose="02020603050405020304" pitchFamily="18" charset="0"/>
+                <a:cs typeface="Times New Roman" panose="02020603050405020304" pitchFamily="18" charset="0"/>
+              </a:rPr>
+              <a:t>Tecnologias Usadas</a:t>
+            </a:r>
+            <a:endParaRPr lang="pt-BR" sz="4000" b="1" dirty="0">
+              <a:latin typeface="Times New Roman" panose="02020603050405020304" pitchFamily="18" charset="0"/>
+              <a:cs typeface="Times New Roman" panose="02020603050405020304" pitchFamily="18" charset="0"/>
+            </a:endParaRPr>
+          </a:p>
+        </p:txBody>
+      </p:sp>
+    </p:spTree>
+  </p:cSld>
+  <p:clrMapOvr>
+    <a:masterClrMapping/>
+  </p:clrMapOvr>
+</p:sld>
+</file>
+
+<file path=ppt/slides/slide30.xml><?xml version="1.0" encoding="utf-8"?>
 <p:sld xmlns:a="http://schemas.openxmlformats.org/drawingml/2006/main" xmlns:r="http://schemas.openxmlformats.org/officeDocument/2006/relationships" xmlns:p="http://schemas.openxmlformats.org/presentationml/2006/main">
   <p:cSld>
     <p:spTree>
@@ -11852,171 +12635,7 @@
 </p:sld>
 </file>
 
-<file path=ppt/slides/slide3.xml><?xml version="1.0" encoding="utf-8"?>
-<p:sld xmlns:a="http://schemas.openxmlformats.org/drawingml/2006/main" xmlns:r="http://schemas.openxmlformats.org/officeDocument/2006/relationships" xmlns:p="http://schemas.openxmlformats.org/presentationml/2006/main">
-  <p:cSld>
-    <p:spTree>
-      <p:nvGrpSpPr>
-        <p:cNvPr id="1" name=""/>
-        <p:cNvGrpSpPr/>
-        <p:nvPr/>
-      </p:nvGrpSpPr>
-      <p:grpSpPr>
-        <a:xfrm>
-          <a:off x="0" y="0"/>
-          <a:ext cx="0" cy="0"/>
-          <a:chOff x="0" y="0"/>
-          <a:chExt cx="0" cy="0"/>
-        </a:xfrm>
-      </p:grpSpPr>
-      <p:sp>
-        <p:nvSpPr>
-          <p:cNvPr id="2" name="Título 1"/>
-          <p:cNvSpPr>
-            <a:spLocks noGrp="1"/>
-          </p:cNvSpPr>
-          <p:nvPr>
-            <p:ph type="title"/>
-          </p:nvPr>
-        </p:nvSpPr>
-        <p:spPr/>
-        <p:txBody>
-          <a:bodyPr>
-            <a:normAutofit/>
-          </a:bodyPr>
-          <a:lstStyle/>
-          <a:p>
-            <a:pPr algn="ctr"/>
-            <a:r>
-              <a:rPr lang="pt-BR" sz="8000" b="1" dirty="0">
-                <a:solidFill>
-                  <a:srgbClr val="049BE6"/>
-                </a:solidFill>
-                <a:latin typeface="+mn-lt"/>
-              </a:rPr>
-              <a:t>Agenda</a:t>
-            </a:r>
-            <a:endParaRPr lang="pt-BR" sz="8000" b="1" dirty="0">
-              <a:solidFill>
-                <a:srgbClr val="049BE6"/>
-              </a:solidFill>
-              <a:latin typeface="+mn-lt"/>
-            </a:endParaRPr>
-          </a:p>
-        </p:txBody>
-      </p:sp>
-      <p:sp>
-        <p:nvSpPr>
-          <p:cNvPr id="3" name="Espaço Reservado para Conteúdo 2"/>
-          <p:cNvSpPr>
-            <a:spLocks noGrp="1"/>
-          </p:cNvSpPr>
-          <p:nvPr>
-            <p:ph idx="1"/>
-          </p:nvPr>
-        </p:nvSpPr>
-        <p:spPr/>
-        <p:txBody>
-          <a:bodyPr>
-            <a:normAutofit/>
-          </a:bodyPr>
-          <a:lstStyle/>
-          <a:p>
-            <a:pPr marL="514350" indent="-514350">
-              <a:buFont typeface="+mj-lt"/>
-              <a:buAutoNum type="arabicPeriod"/>
-            </a:pPr>
-            <a:r>
-              <a:rPr lang="pt-BR" sz="4000" b="1" dirty="0">
-                <a:latin typeface="Times New Roman" panose="02020603050405020304" pitchFamily="18" charset="0"/>
-                <a:cs typeface="Times New Roman" panose="02020603050405020304" pitchFamily="18" charset="0"/>
-              </a:rPr>
-              <a:t>O que é Algoritmo Genético?</a:t>
-            </a:r>
-            <a:endParaRPr lang="pt-BR" sz="4000" b="1" dirty="0">
-              <a:latin typeface="Times New Roman" panose="02020603050405020304" pitchFamily="18" charset="0"/>
-              <a:cs typeface="Times New Roman" panose="02020603050405020304" pitchFamily="18" charset="0"/>
-            </a:endParaRPr>
-          </a:p>
-          <a:p>
-            <a:pPr marL="514350" indent="-514350">
-              <a:buFont typeface="+mj-lt"/>
-              <a:buAutoNum type="arabicPeriod"/>
-            </a:pPr>
-            <a:r>
-              <a:rPr lang="pt-BR" sz="4000" b="1" dirty="0">
-                <a:latin typeface="Times New Roman" panose="02020603050405020304" pitchFamily="18" charset="0"/>
-                <a:cs typeface="Times New Roman" panose="02020603050405020304" pitchFamily="18" charset="0"/>
-              </a:rPr>
-              <a:t>Motivação</a:t>
-            </a:r>
-            <a:endParaRPr lang="pt-BR" sz="4000" b="1" dirty="0">
-              <a:latin typeface="Times New Roman" panose="02020603050405020304" pitchFamily="18" charset="0"/>
-              <a:cs typeface="Times New Roman" panose="02020603050405020304" pitchFamily="18" charset="0"/>
-            </a:endParaRPr>
-          </a:p>
-          <a:p>
-            <a:pPr marL="514350" indent="-514350">
-              <a:buFont typeface="+mj-lt"/>
-              <a:buAutoNum type="arabicPeriod"/>
-            </a:pPr>
-            <a:r>
-              <a:rPr lang="pt-BR" sz="4000" b="1" dirty="0">
-                <a:latin typeface="Times New Roman" panose="02020603050405020304" pitchFamily="18" charset="0"/>
-                <a:cs typeface="Times New Roman" panose="02020603050405020304" pitchFamily="18" charset="0"/>
-              </a:rPr>
-              <a:t>Resolução do Problema utilizando Algoritmo Genético</a:t>
-            </a:r>
-            <a:endParaRPr lang="pt-BR" sz="4000" b="1" dirty="0">
-              <a:latin typeface="Times New Roman" panose="02020603050405020304" pitchFamily="18" charset="0"/>
-              <a:cs typeface="Times New Roman" panose="02020603050405020304" pitchFamily="18" charset="0"/>
-            </a:endParaRPr>
-          </a:p>
-          <a:p>
-            <a:pPr marL="514350" indent="-514350">
-              <a:buFont typeface="+mj-lt"/>
-              <a:buAutoNum type="arabicPeriod"/>
-            </a:pPr>
-            <a:r>
-              <a:rPr lang="pt-BR" sz="4000" b="1" dirty="0">
-                <a:latin typeface="Times New Roman" panose="02020603050405020304" pitchFamily="18" charset="0"/>
-                <a:cs typeface="Times New Roman" panose="02020603050405020304" pitchFamily="18" charset="0"/>
-              </a:rPr>
-              <a:t>Apresentação do software</a:t>
-            </a:r>
-            <a:endParaRPr lang="pt-BR" sz="4000" b="1" dirty="0">
-              <a:latin typeface="Times New Roman" panose="02020603050405020304" pitchFamily="18" charset="0"/>
-              <a:cs typeface="Times New Roman" panose="02020603050405020304" pitchFamily="18" charset="0"/>
-            </a:endParaRPr>
-          </a:p>
-          <a:p>
-            <a:pPr marL="514350" indent="-514350">
-              <a:buFont typeface="+mj-lt"/>
-              <a:buAutoNum type="arabicPeriod"/>
-            </a:pPr>
-            <a:r>
-              <a:rPr lang="pt-BR" sz="4000" b="1" dirty="0">
-                <a:latin typeface="Times New Roman" panose="02020603050405020304" pitchFamily="18" charset="0"/>
-                <a:cs typeface="Times New Roman" panose="02020603050405020304" pitchFamily="18" charset="0"/>
-              </a:rPr>
-              <a:t>Tecnologias Usadas</a:t>
-            </a:r>
-            <a:endParaRPr lang="pt-BR" sz="4000" b="1" dirty="0">
-              <a:latin typeface="Times New Roman" panose="02020603050405020304" pitchFamily="18" charset="0"/>
-              <a:cs typeface="Times New Roman" panose="02020603050405020304" pitchFamily="18" charset="0"/>
-            </a:endParaRPr>
-          </a:p>
-        </p:txBody>
-      </p:sp>
-    </p:spTree>
-  </p:cSld>
-  <p:clrMapOvr>
-    <a:masterClrMapping/>
-  </p:clrMapOvr>
-</p:sld>
-</file>
-
-<file path=ppt/slides/slide30.xml><?xml version="1.0" encoding="utf-8"?>
+<file path=ppt/slides/slide31.xml><?xml version="1.0" encoding="utf-8"?>
 <p:sld xmlns:a="http://schemas.openxmlformats.org/drawingml/2006/main" xmlns:r="http://schemas.openxmlformats.org/officeDocument/2006/relationships" xmlns:p="http://schemas.openxmlformats.org/presentationml/2006/main">
   <p:cSld>
     <p:spTree>
@@ -12332,7 +12951,7 @@
 </p:sld>
 </file>
 
-<file path=ppt/slides/slide31.xml><?xml version="1.0" encoding="utf-8"?>
+<file path=ppt/slides/slide32.xml><?xml version="1.0" encoding="utf-8"?>
 <p:sld xmlns:a="http://schemas.openxmlformats.org/drawingml/2006/main" xmlns:r="http://schemas.openxmlformats.org/officeDocument/2006/relationships" xmlns:p="http://schemas.openxmlformats.org/presentationml/2006/main">
   <p:cSld>
     <p:spTree>
@@ -12482,7 +13101,7 @@
 </p:sld>
 </file>
 
-<file path=ppt/slides/slide32.xml><?xml version="1.0" encoding="utf-8"?>
+<file path=ppt/slides/slide33.xml><?xml version="1.0" encoding="utf-8"?>
 <p:sld xmlns:a="http://schemas.openxmlformats.org/drawingml/2006/main" xmlns:r="http://schemas.openxmlformats.org/officeDocument/2006/relationships" xmlns:p="http://schemas.openxmlformats.org/presentationml/2006/main">
   <p:cSld>
     <p:spTree>
@@ -12629,7 +13248,7 @@
 </p:sld>
 </file>
 
-<file path=ppt/slides/slide33.xml><?xml version="1.0" encoding="utf-8"?>
+<file path=ppt/slides/slide34.xml><?xml version="1.0" encoding="utf-8"?>
 <p:sld xmlns:a="http://schemas.openxmlformats.org/drawingml/2006/main" xmlns:r="http://schemas.openxmlformats.org/officeDocument/2006/relationships" xmlns:p="http://schemas.openxmlformats.org/presentationml/2006/main">
   <p:cSld>
     <p:spTree>
@@ -12777,7 +13396,7 @@
 </p:sld>
 </file>
 
-<file path=ppt/slides/slide34.xml><?xml version="1.0" encoding="utf-8"?>
+<file path=ppt/slides/slide35.xml><?xml version="1.0" encoding="utf-8"?>
 <p:sld xmlns:a="http://schemas.openxmlformats.org/drawingml/2006/main" xmlns:r="http://schemas.openxmlformats.org/officeDocument/2006/relationships" xmlns:p="http://schemas.openxmlformats.org/presentationml/2006/main">
   <p:cSld>
     <p:spTree>
@@ -13380,7 +13999,7 @@
 </p:sld>
 </file>
 
-<file path=ppt/slides/slide35.xml><?xml version="1.0" encoding="utf-8"?>
+<file path=ppt/slides/slide36.xml><?xml version="1.0" encoding="utf-8"?>
 <p:sld xmlns:a="http://schemas.openxmlformats.org/drawingml/2006/main" xmlns:r="http://schemas.openxmlformats.org/officeDocument/2006/relationships" xmlns:p="http://schemas.openxmlformats.org/presentationml/2006/main">
   <p:cSld>
     <p:spTree>
@@ -13734,7 +14353,7 @@
 </p:sld>
 </file>
 
-<file path=ppt/slides/slide36.xml><?xml version="1.0" encoding="utf-8"?>
+<file path=ppt/slides/slide37.xml><?xml version="1.0" encoding="utf-8"?>
 <p:sld xmlns:a="http://schemas.openxmlformats.org/drawingml/2006/main" xmlns:r="http://schemas.openxmlformats.org/officeDocument/2006/relationships" xmlns:p="http://schemas.openxmlformats.org/presentationml/2006/main">
   <p:cSld>
     <p:spTree>
@@ -14022,7 +14641,7 @@
 </p:sld>
 </file>
 
-<file path=ppt/slides/slide37.xml><?xml version="1.0" encoding="utf-8"?>
+<file path=ppt/slides/slide38.xml><?xml version="1.0" encoding="utf-8"?>
 <p:sld xmlns:a="http://schemas.openxmlformats.org/drawingml/2006/main" xmlns:r="http://schemas.openxmlformats.org/officeDocument/2006/relationships" xmlns:p="http://schemas.openxmlformats.org/presentationml/2006/main">
   <p:cSld>
     <p:spTree>
@@ -14942,6 +15561,62 @@
 </file>
 
 <file path=ppt/slides/slide8.xml><?xml version="1.0" encoding="utf-8"?>
+<p:sld xmlns:a="http://schemas.openxmlformats.org/drawingml/2006/main" xmlns:r="http://schemas.openxmlformats.org/officeDocument/2006/relationships" xmlns:p="http://schemas.openxmlformats.org/presentationml/2006/main">
+  <p:cSld>
+    <p:spTree>
+      <p:nvGrpSpPr>
+        <p:cNvPr id="1" name=""/>
+        <p:cNvGrpSpPr/>
+        <p:nvPr/>
+      </p:nvGrpSpPr>
+      <p:grpSpPr>
+        <a:xfrm>
+          <a:off x="0" y="0"/>
+          <a:ext cx="0" cy="0"/>
+          <a:chOff x="0" y="0"/>
+          <a:chExt cx="0" cy="0"/>
+        </a:xfrm>
+      </p:grpSpPr>
+      <p:pic>
+        <p:nvPicPr>
+          <p:cNvPr id="5" name="Imagem 4" descr="bancoParaSlide"/>
+          <p:cNvPicPr>
+            <a:picLocks noChangeAspect="1"/>
+          </p:cNvPicPr>
+          <p:nvPr/>
+        </p:nvPicPr>
+        <p:blipFill>
+          <a:blip r:embed="rId1"/>
+          <a:stretch>
+            <a:fillRect/>
+          </a:stretch>
+        </p:blipFill>
+        <p:spPr>
+          <a:xfrm>
+            <a:off x="1170305" y="28575"/>
+            <a:ext cx="9851390" cy="6800215"/>
+          </a:xfrm>
+          <a:prstGeom prst="rect">
+            <a:avLst/>
+          </a:prstGeom>
+        </p:spPr>
+      </p:pic>
+    </p:spTree>
+  </p:cSld>
+  <p:clrMapOvr>
+    <a:masterClrMapping/>
+  </p:clrMapOvr>
+  <p:timing>
+    <p:tnLst>
+      <p:par>
+        <p:cTn id="1" dur="indefinite" restart="never" nodeType="tmRoot"/>
+      </p:par>
+    </p:tnLst>
+  </p:timing>
+</p:sld>
+</file>
+
+<file path=ppt/slides/slide9.xml><?xml version="1.0" encoding="utf-8"?>
 <p:sld xmlns:a="http://schemas.openxmlformats.org/drawingml/2006/main" xmlns:r="http://schemas.openxmlformats.org/officeDocument/2006/relationships" xmlns:p="http://schemas.openxmlformats.org/presentationml/2006/main">
   <p:cSld>
     <p:spTree>
@@ -15721,624 +16396,6 @@
 </p:sld>
 </file>
 
-<file path=ppt/slides/slide9.xml><?xml version="1.0" encoding="utf-8"?>
-<p:sld xmlns:a="http://schemas.openxmlformats.org/drawingml/2006/main" xmlns:r="http://schemas.openxmlformats.org/officeDocument/2006/relationships" xmlns:p="http://schemas.openxmlformats.org/presentationml/2006/main">
-  <p:cSld>
-    <p:spTree>
-      <p:nvGrpSpPr>
-        <p:cNvPr id="1" name=""/>
-        <p:cNvGrpSpPr/>
-        <p:nvPr/>
-      </p:nvGrpSpPr>
-      <p:grpSpPr>
-        <a:xfrm>
-          <a:off x="0" y="0"/>
-          <a:ext cx="0" cy="0"/>
-          <a:chOff x="0" y="0"/>
-          <a:chExt cx="0" cy="0"/>
-        </a:xfrm>
-      </p:grpSpPr>
-      <p:sp>
-        <p:nvSpPr>
-          <p:cNvPr id="2" name="Título 1"/>
-          <p:cNvSpPr txBox="1"/>
-          <p:nvPr/>
-        </p:nvSpPr>
-        <p:spPr>
-          <a:xfrm>
-            <a:off x="838199" y="200993"/>
-            <a:ext cx="10515600" cy="970671"/>
-          </a:xfrm>
-          <a:prstGeom prst="rect">
-            <a:avLst/>
-          </a:prstGeom>
-        </p:spPr>
-        <p:txBody>
-          <a:bodyPr>
-            <a:noAutofit/>
-          </a:bodyPr>
-          <a:lstStyle>
-            <a:lvl1pPr algn="l" defTabSz="914400" rtl="0" eaLnBrk="1" latinLnBrk="0" hangingPunct="1">
-              <a:lnSpc>
-                <a:spcPct val="90000"/>
-              </a:lnSpc>
-              <a:spcBef>
-                <a:spcPct val="0"/>
-              </a:spcBef>
-              <a:buNone/>
-              <a:defRPr sz="4400" kern="1200">
-                <a:solidFill>
-                  <a:schemeClr val="tx1"/>
-                </a:solidFill>
-                <a:latin typeface="+mj-lt"/>
-                <a:ea typeface="+mj-ea"/>
-                <a:cs typeface="+mj-cs"/>
-              </a:defRPr>
-            </a:lvl1pPr>
-          </a:lstStyle>
-          <a:p>
-            <a:pPr algn="ctr"/>
-            <a:r>
-              <a:rPr lang="pt-BR" sz="5400" b="1" dirty="0">
-                <a:solidFill>
-                  <a:srgbClr val="049BE6"/>
-                </a:solidFill>
-                <a:latin typeface="+mn-lt"/>
-              </a:rPr>
-              <a:t>Modelagem do indivíduo</a:t>
-            </a:r>
-            <a:endParaRPr lang="pt-BR" sz="5400" b="1" dirty="0">
-              <a:solidFill>
-                <a:srgbClr val="049BE6"/>
-              </a:solidFill>
-              <a:latin typeface="+mn-lt"/>
-            </a:endParaRPr>
-          </a:p>
-        </p:txBody>
-      </p:sp>
-      <p:sp>
-        <p:nvSpPr>
-          <p:cNvPr id="3" name="Espaço Reservado para Conteúdo 2"/>
-          <p:cNvSpPr txBox="1"/>
-          <p:nvPr/>
-        </p:nvSpPr>
-        <p:spPr>
-          <a:xfrm>
-            <a:off x="321212" y="1730326"/>
-            <a:ext cx="11549575" cy="4712677"/>
-          </a:xfrm>
-          <a:prstGeom prst="rect">
-            <a:avLst/>
-          </a:prstGeom>
-        </p:spPr>
-        <p:txBody>
-          <a:bodyPr>
-            <a:normAutofit/>
-          </a:bodyPr>
-          <a:lstStyle>
-            <a:lvl1pPr marL="228600" indent="-228600" algn="l" defTabSz="914400" rtl="0" eaLnBrk="1" latinLnBrk="0" hangingPunct="1">
-              <a:lnSpc>
-                <a:spcPct val="90000"/>
-              </a:lnSpc>
-              <a:spcBef>
-                <a:spcPts val="1000"/>
-              </a:spcBef>
-              <a:buFont typeface="Arial" panose="020B0604020202020204" pitchFamily="34" charset="0"/>
-              <a:buChar char="•"/>
-              <a:defRPr sz="2800" kern="1200">
-                <a:solidFill>
-                  <a:schemeClr val="tx1"/>
-                </a:solidFill>
-                <a:latin typeface="+mn-lt"/>
-                <a:ea typeface="+mn-ea"/>
-                <a:cs typeface="+mn-cs"/>
-              </a:defRPr>
-            </a:lvl1pPr>
-            <a:lvl2pPr marL="685800" indent="-228600" algn="l" defTabSz="914400" rtl="0" eaLnBrk="1" latinLnBrk="0" hangingPunct="1">
-              <a:lnSpc>
-                <a:spcPct val="90000"/>
-              </a:lnSpc>
-              <a:spcBef>
-                <a:spcPts val="500"/>
-              </a:spcBef>
-              <a:buFont typeface="Arial" panose="020B0604020202020204" pitchFamily="34" charset="0"/>
-              <a:buChar char="•"/>
-              <a:defRPr sz="2400" kern="1200">
-                <a:solidFill>
-                  <a:schemeClr val="tx1"/>
-                </a:solidFill>
-                <a:latin typeface="+mn-lt"/>
-                <a:ea typeface="+mn-ea"/>
-                <a:cs typeface="+mn-cs"/>
-              </a:defRPr>
-            </a:lvl2pPr>
-            <a:lvl3pPr marL="1143000" indent="-228600" algn="l" defTabSz="914400" rtl="0" eaLnBrk="1" latinLnBrk="0" hangingPunct="1">
-              <a:lnSpc>
-                <a:spcPct val="90000"/>
-              </a:lnSpc>
-              <a:spcBef>
-                <a:spcPts val="500"/>
-              </a:spcBef>
-              <a:buFont typeface="Arial" panose="020B0604020202020204" pitchFamily="34" charset="0"/>
-              <a:buChar char="•"/>
-              <a:defRPr sz="2000" kern="1200">
-                <a:solidFill>
-                  <a:schemeClr val="tx1"/>
-                </a:solidFill>
-                <a:latin typeface="+mn-lt"/>
-                <a:ea typeface="+mn-ea"/>
-                <a:cs typeface="+mn-cs"/>
-              </a:defRPr>
-            </a:lvl3pPr>
-            <a:lvl4pPr marL="1600200" indent="-228600" algn="l" defTabSz="914400" rtl="0" eaLnBrk="1" latinLnBrk="0" hangingPunct="1">
-              <a:lnSpc>
-                <a:spcPct val="90000"/>
-              </a:lnSpc>
-              <a:spcBef>
-                <a:spcPts val="500"/>
-              </a:spcBef>
-              <a:buFont typeface="Arial" panose="020B0604020202020204" pitchFamily="34" charset="0"/>
-              <a:buChar char="•"/>
-              <a:defRPr sz="1800" kern="1200">
-                <a:solidFill>
-                  <a:schemeClr val="tx1"/>
-                </a:solidFill>
-                <a:latin typeface="+mn-lt"/>
-                <a:ea typeface="+mn-ea"/>
-                <a:cs typeface="+mn-cs"/>
-              </a:defRPr>
-            </a:lvl4pPr>
-            <a:lvl5pPr marL="2057400" indent="-228600" algn="l" defTabSz="914400" rtl="0" eaLnBrk="1" latinLnBrk="0" hangingPunct="1">
-              <a:lnSpc>
-                <a:spcPct val="90000"/>
-              </a:lnSpc>
-              <a:spcBef>
-                <a:spcPts val="500"/>
-              </a:spcBef>
-              <a:buFont typeface="Arial" panose="020B0604020202020204" pitchFamily="34" charset="0"/>
-              <a:buChar char="•"/>
-              <a:defRPr sz="1800" kern="1200">
-                <a:solidFill>
-                  <a:schemeClr val="tx1"/>
-                </a:solidFill>
-                <a:latin typeface="+mn-lt"/>
-                <a:ea typeface="+mn-ea"/>
-                <a:cs typeface="+mn-cs"/>
-              </a:defRPr>
-            </a:lvl5pPr>
-            <a:lvl6pPr marL="2514600" indent="-228600" algn="l" defTabSz="914400" rtl="0" eaLnBrk="1" latinLnBrk="0" hangingPunct="1">
-              <a:lnSpc>
-                <a:spcPct val="90000"/>
-              </a:lnSpc>
-              <a:spcBef>
-                <a:spcPts val="500"/>
-              </a:spcBef>
-              <a:buFont typeface="Arial" panose="020B0604020202020204" pitchFamily="34" charset="0"/>
-              <a:buChar char="•"/>
-              <a:defRPr sz="1800" kern="1200">
-                <a:solidFill>
-                  <a:schemeClr val="tx1"/>
-                </a:solidFill>
-                <a:latin typeface="+mn-lt"/>
-                <a:ea typeface="+mn-ea"/>
-                <a:cs typeface="+mn-cs"/>
-              </a:defRPr>
-            </a:lvl6pPr>
-            <a:lvl7pPr marL="2971800" indent="-228600" algn="l" defTabSz="914400" rtl="0" eaLnBrk="1" latinLnBrk="0" hangingPunct="1">
-              <a:lnSpc>
-                <a:spcPct val="90000"/>
-              </a:lnSpc>
-              <a:spcBef>
-                <a:spcPts val="500"/>
-              </a:spcBef>
-              <a:buFont typeface="Arial" panose="020B0604020202020204" pitchFamily="34" charset="0"/>
-              <a:buChar char="•"/>
-              <a:defRPr sz="1800" kern="1200">
-                <a:solidFill>
-                  <a:schemeClr val="tx1"/>
-                </a:solidFill>
-                <a:latin typeface="+mn-lt"/>
-                <a:ea typeface="+mn-ea"/>
-                <a:cs typeface="+mn-cs"/>
-              </a:defRPr>
-            </a:lvl7pPr>
-            <a:lvl8pPr marL="3429000" indent="-228600" algn="l" defTabSz="914400" rtl="0" eaLnBrk="1" latinLnBrk="0" hangingPunct="1">
-              <a:lnSpc>
-                <a:spcPct val="90000"/>
-              </a:lnSpc>
-              <a:spcBef>
-                <a:spcPts val="500"/>
-              </a:spcBef>
-              <a:buFont typeface="Arial" panose="020B0604020202020204" pitchFamily="34" charset="0"/>
-              <a:buChar char="•"/>
-              <a:defRPr sz="1800" kern="1200">
-                <a:solidFill>
-                  <a:schemeClr val="tx1"/>
-                </a:solidFill>
-                <a:latin typeface="+mn-lt"/>
-                <a:ea typeface="+mn-ea"/>
-                <a:cs typeface="+mn-cs"/>
-              </a:defRPr>
-            </a:lvl8pPr>
-            <a:lvl9pPr marL="3886200" indent="-228600" algn="l" defTabSz="914400" rtl="0" eaLnBrk="1" latinLnBrk="0" hangingPunct="1">
-              <a:lnSpc>
-                <a:spcPct val="90000"/>
-              </a:lnSpc>
-              <a:spcBef>
-                <a:spcPts val="500"/>
-              </a:spcBef>
-              <a:buFont typeface="Arial" panose="020B0604020202020204" pitchFamily="34" charset="0"/>
-              <a:buChar char="•"/>
-              <a:defRPr sz="1800" kern="1200">
-                <a:solidFill>
-                  <a:schemeClr val="tx1"/>
-                </a:solidFill>
-                <a:latin typeface="+mn-lt"/>
-                <a:ea typeface="+mn-ea"/>
-                <a:cs typeface="+mn-cs"/>
-              </a:defRPr>
-            </a:lvl9pPr>
-          </a:lstStyle>
-          <a:p>
-            <a:pPr marL="0" indent="0">
-              <a:buNone/>
-            </a:pPr>
-            <a:r>
-              <a:rPr lang="pt-BR" sz="4800" dirty="0"/>
-              <a:t>	 </a:t>
-            </a:r>
-            <a:endParaRPr lang="pt-BR" sz="4800" dirty="0"/>
-          </a:p>
-          <a:p>
-            <a:pPr marL="742950" indent="-742950">
-              <a:buFont typeface="+mj-lt"/>
-              <a:buAutoNum type="arabicPeriod"/>
-            </a:pPr>
-            <a:endParaRPr lang="pt-BR" sz="4400" dirty="0"/>
-          </a:p>
-          <a:p>
-            <a:pPr marL="742950" indent="-742950">
-              <a:buFont typeface="+mj-lt"/>
-              <a:buAutoNum type="arabicPeriod"/>
-            </a:pPr>
-            <a:endParaRPr lang="pt-BR" sz="4400" dirty="0"/>
-          </a:p>
-        </p:txBody>
-      </p:sp>
-      <p:sp>
-        <p:nvSpPr>
-          <p:cNvPr id="5" name="Espaço Reservado para Conteúdo 2"/>
-          <p:cNvSpPr txBox="1"/>
-          <p:nvPr/>
-        </p:nvSpPr>
-        <p:spPr>
-          <a:xfrm>
-            <a:off x="626012" y="1577926"/>
-            <a:ext cx="11244775" cy="4712677"/>
-          </a:xfrm>
-          <a:prstGeom prst="rect">
-            <a:avLst/>
-          </a:prstGeom>
-        </p:spPr>
-        <p:txBody>
-          <a:bodyPr>
-            <a:normAutofit fontScale="92500"/>
-          </a:bodyPr>
-          <a:lstStyle>
-            <a:lvl1pPr marL="228600" indent="-228600" algn="l" defTabSz="914400" rtl="0" eaLnBrk="1" latinLnBrk="0" hangingPunct="1">
-              <a:lnSpc>
-                <a:spcPct val="90000"/>
-              </a:lnSpc>
-              <a:spcBef>
-                <a:spcPts val="1000"/>
-              </a:spcBef>
-              <a:buFont typeface="Arial" panose="020B0604020202020204" pitchFamily="34" charset="0"/>
-              <a:buChar char="•"/>
-              <a:defRPr sz="2800" kern="1200">
-                <a:solidFill>
-                  <a:schemeClr val="tx1"/>
-                </a:solidFill>
-                <a:latin typeface="+mn-lt"/>
-                <a:ea typeface="+mn-ea"/>
-                <a:cs typeface="+mn-cs"/>
-              </a:defRPr>
-            </a:lvl1pPr>
-            <a:lvl2pPr marL="685800" indent="-228600" algn="l" defTabSz="914400" rtl="0" eaLnBrk="1" latinLnBrk="0" hangingPunct="1">
-              <a:lnSpc>
-                <a:spcPct val="90000"/>
-              </a:lnSpc>
-              <a:spcBef>
-                <a:spcPts val="500"/>
-              </a:spcBef>
-              <a:buFont typeface="Arial" panose="020B0604020202020204" pitchFamily="34" charset="0"/>
-              <a:buChar char="•"/>
-              <a:defRPr sz="2400" kern="1200">
-                <a:solidFill>
-                  <a:schemeClr val="tx1"/>
-                </a:solidFill>
-                <a:latin typeface="+mn-lt"/>
-                <a:ea typeface="+mn-ea"/>
-                <a:cs typeface="+mn-cs"/>
-              </a:defRPr>
-            </a:lvl2pPr>
-            <a:lvl3pPr marL="1143000" indent="-228600" algn="l" defTabSz="914400" rtl="0" eaLnBrk="1" latinLnBrk="0" hangingPunct="1">
-              <a:lnSpc>
-                <a:spcPct val="90000"/>
-              </a:lnSpc>
-              <a:spcBef>
-                <a:spcPts val="500"/>
-              </a:spcBef>
-              <a:buFont typeface="Arial" panose="020B0604020202020204" pitchFamily="34" charset="0"/>
-              <a:buChar char="•"/>
-              <a:defRPr sz="2000" kern="1200">
-                <a:solidFill>
-                  <a:schemeClr val="tx1"/>
-                </a:solidFill>
-                <a:latin typeface="+mn-lt"/>
-                <a:ea typeface="+mn-ea"/>
-                <a:cs typeface="+mn-cs"/>
-              </a:defRPr>
-            </a:lvl3pPr>
-            <a:lvl4pPr marL="1600200" indent="-228600" algn="l" defTabSz="914400" rtl="0" eaLnBrk="1" latinLnBrk="0" hangingPunct="1">
-              <a:lnSpc>
-                <a:spcPct val="90000"/>
-              </a:lnSpc>
-              <a:spcBef>
-                <a:spcPts val="500"/>
-              </a:spcBef>
-              <a:buFont typeface="Arial" panose="020B0604020202020204" pitchFamily="34" charset="0"/>
-              <a:buChar char="•"/>
-              <a:defRPr sz="1800" kern="1200">
-                <a:solidFill>
-                  <a:schemeClr val="tx1"/>
-                </a:solidFill>
-                <a:latin typeface="+mn-lt"/>
-                <a:ea typeface="+mn-ea"/>
-                <a:cs typeface="+mn-cs"/>
-              </a:defRPr>
-            </a:lvl4pPr>
-            <a:lvl5pPr marL="2057400" indent="-228600" algn="l" defTabSz="914400" rtl="0" eaLnBrk="1" latinLnBrk="0" hangingPunct="1">
-              <a:lnSpc>
-                <a:spcPct val="90000"/>
-              </a:lnSpc>
-              <a:spcBef>
-                <a:spcPts val="500"/>
-              </a:spcBef>
-              <a:buFont typeface="Arial" panose="020B0604020202020204" pitchFamily="34" charset="0"/>
-              <a:buChar char="•"/>
-              <a:defRPr sz="1800" kern="1200">
-                <a:solidFill>
-                  <a:schemeClr val="tx1"/>
-                </a:solidFill>
-                <a:latin typeface="+mn-lt"/>
-                <a:ea typeface="+mn-ea"/>
-                <a:cs typeface="+mn-cs"/>
-              </a:defRPr>
-            </a:lvl5pPr>
-            <a:lvl6pPr marL="2514600" indent="-228600" algn="l" defTabSz="914400" rtl="0" eaLnBrk="1" latinLnBrk="0" hangingPunct="1">
-              <a:lnSpc>
-                <a:spcPct val="90000"/>
-              </a:lnSpc>
-              <a:spcBef>
-                <a:spcPts val="500"/>
-              </a:spcBef>
-              <a:buFont typeface="Arial" panose="020B0604020202020204" pitchFamily="34" charset="0"/>
-              <a:buChar char="•"/>
-              <a:defRPr sz="1800" kern="1200">
-                <a:solidFill>
-                  <a:schemeClr val="tx1"/>
-                </a:solidFill>
-                <a:latin typeface="+mn-lt"/>
-                <a:ea typeface="+mn-ea"/>
-                <a:cs typeface="+mn-cs"/>
-              </a:defRPr>
-            </a:lvl6pPr>
-            <a:lvl7pPr marL="2971800" indent="-228600" algn="l" defTabSz="914400" rtl="0" eaLnBrk="1" latinLnBrk="0" hangingPunct="1">
-              <a:lnSpc>
-                <a:spcPct val="90000"/>
-              </a:lnSpc>
-              <a:spcBef>
-                <a:spcPts val="500"/>
-              </a:spcBef>
-              <a:buFont typeface="Arial" panose="020B0604020202020204" pitchFamily="34" charset="0"/>
-              <a:buChar char="•"/>
-              <a:defRPr sz="1800" kern="1200">
-                <a:solidFill>
-                  <a:schemeClr val="tx1"/>
-                </a:solidFill>
-                <a:latin typeface="+mn-lt"/>
-                <a:ea typeface="+mn-ea"/>
-                <a:cs typeface="+mn-cs"/>
-              </a:defRPr>
-            </a:lvl7pPr>
-            <a:lvl8pPr marL="3429000" indent="-228600" algn="l" defTabSz="914400" rtl="0" eaLnBrk="1" latinLnBrk="0" hangingPunct="1">
-              <a:lnSpc>
-                <a:spcPct val="90000"/>
-              </a:lnSpc>
-              <a:spcBef>
-                <a:spcPts val="500"/>
-              </a:spcBef>
-              <a:buFont typeface="Arial" panose="020B0604020202020204" pitchFamily="34" charset="0"/>
-              <a:buChar char="•"/>
-              <a:defRPr sz="1800" kern="1200">
-                <a:solidFill>
-                  <a:schemeClr val="tx1"/>
-                </a:solidFill>
-                <a:latin typeface="+mn-lt"/>
-                <a:ea typeface="+mn-ea"/>
-                <a:cs typeface="+mn-cs"/>
-              </a:defRPr>
-            </a:lvl8pPr>
-            <a:lvl9pPr marL="3886200" indent="-228600" algn="l" defTabSz="914400" rtl="0" eaLnBrk="1" latinLnBrk="0" hangingPunct="1">
-              <a:lnSpc>
-                <a:spcPct val="90000"/>
-              </a:lnSpc>
-              <a:spcBef>
-                <a:spcPts val="500"/>
-              </a:spcBef>
-              <a:buFont typeface="Arial" panose="020B0604020202020204" pitchFamily="34" charset="0"/>
-              <a:buChar char="•"/>
-              <a:defRPr sz="1800" kern="1200">
-                <a:solidFill>
-                  <a:schemeClr val="tx1"/>
-                </a:solidFill>
-                <a:latin typeface="+mn-lt"/>
-                <a:ea typeface="+mn-ea"/>
-                <a:cs typeface="+mn-cs"/>
-              </a:defRPr>
-            </a:lvl9pPr>
-          </a:lstStyle>
-          <a:p>
-            <a:pPr algn="just"/>
-            <a:r>
-              <a:rPr lang="pt-BR" sz="4400" dirty="0">
-                <a:latin typeface="Times New Roman" panose="02020603050405020304" pitchFamily="18" charset="0"/>
-                <a:cs typeface="Times New Roman" panose="02020603050405020304" pitchFamily="18" charset="0"/>
-              </a:rPr>
-              <a:t> </a:t>
-            </a:r>
-            <a:r>
-              <a:rPr lang="pt-BR" sz="4000" dirty="0">
-                <a:latin typeface="Times New Roman" panose="02020603050405020304" pitchFamily="18" charset="0"/>
-                <a:cs typeface="Times New Roman" panose="02020603050405020304" pitchFamily="18" charset="0"/>
-              </a:rPr>
-              <a:t>Ao analisarmos o problema, concluímos que o objetivo seria simular a disposição de horário dos professores ao longo da semana em um determinado período.</a:t>
-            </a:r>
-            <a:endParaRPr lang="pt-BR" sz="4000" dirty="0">
-              <a:latin typeface="Times New Roman" panose="02020603050405020304" pitchFamily="18" charset="0"/>
-              <a:cs typeface="Times New Roman" panose="02020603050405020304" pitchFamily="18" charset="0"/>
-            </a:endParaRPr>
-          </a:p>
-          <a:p>
-            <a:pPr algn="just"/>
-            <a:endParaRPr lang="pt-BR" sz="4000" dirty="0">
-              <a:latin typeface="Times New Roman" panose="02020603050405020304" pitchFamily="18" charset="0"/>
-              <a:cs typeface="Times New Roman" panose="02020603050405020304" pitchFamily="18" charset="0"/>
-            </a:endParaRPr>
-          </a:p>
-          <a:p>
-            <a:pPr algn="just"/>
-            <a:r>
-              <a:rPr lang="pt-BR" sz="4000" dirty="0">
-                <a:latin typeface="Times New Roman" panose="02020603050405020304" pitchFamily="18" charset="0"/>
-                <a:cs typeface="Times New Roman" panose="02020603050405020304" pitchFamily="18" charset="0"/>
-              </a:rPr>
-              <a:t> Desta forma, o indivíduo modelado é um período propriamente dito, com o dia das aulas, organização das disciplinas ao longo dos dias e  os professores responsáveis pelas aulas destas disciplinas.</a:t>
-            </a:r>
-            <a:endParaRPr lang="pt-BR" sz="4000" dirty="0">
-              <a:latin typeface="Times New Roman" panose="02020603050405020304" pitchFamily="18" charset="0"/>
-              <a:cs typeface="Times New Roman" panose="02020603050405020304" pitchFamily="18" charset="0"/>
-            </a:endParaRPr>
-          </a:p>
-          <a:p>
-            <a:pPr marL="742950" indent="-742950">
-              <a:buFont typeface="+mj-lt"/>
-              <a:buAutoNum type="arabicPeriod"/>
-            </a:pPr>
-            <a:endParaRPr lang="pt-BR" sz="4000" dirty="0">
-              <a:latin typeface="Times New Roman" panose="02020603050405020304" pitchFamily="18" charset="0"/>
-              <a:cs typeface="Times New Roman" panose="02020603050405020304" pitchFamily="18" charset="0"/>
-            </a:endParaRPr>
-          </a:p>
-          <a:p>
-            <a:pPr marL="742950" indent="-742950">
-              <a:buFont typeface="+mj-lt"/>
-              <a:buAutoNum type="arabicPeriod"/>
-            </a:pPr>
-            <a:endParaRPr lang="pt-BR" sz="4400" dirty="0">
-              <a:latin typeface="Times New Roman" panose="02020603050405020304" pitchFamily="18" charset="0"/>
-              <a:cs typeface="Times New Roman" panose="02020603050405020304" pitchFamily="18" charset="0"/>
-            </a:endParaRPr>
-          </a:p>
-        </p:txBody>
-      </p:sp>
-    </p:spTree>
-  </p:cSld>
-  <p:clrMapOvr>
-    <a:masterClrMapping/>
-  </p:clrMapOvr>
-  <p:timing>
-    <p:tnLst>
-      <p:par>
-        <p:cTn id="1" dur="indefinite" restart="never" nodeType="tmRoot">
-          <p:childTnLst>
-            <p:seq concurrent="1" nextAc="seek">
-              <p:cTn id="2" dur="indefinite" nodeType="mainSeq">
-                <p:childTnLst>
-                  <p:par>
-                    <p:cTn id="3" fill="hold">
-                      <p:stCondLst>
-                        <p:cond delay="indefinite"/>
-                      </p:stCondLst>
-                      <p:childTnLst>
-                        <p:par>
-                          <p:cTn id="4" fill="hold">
-                            <p:stCondLst>
-                              <p:cond delay="0"/>
-                            </p:stCondLst>
-                            <p:childTnLst>
-                              <p:par>
-                                <p:cTn id="5" presetID="1" presetClass="entr" presetSubtype="0" fill="hold" nodeType="clickEffect">
-                                  <p:stCondLst>
-                                    <p:cond delay="0"/>
-                                  </p:stCondLst>
-                                  <p:childTnLst>
-                                    <p:set>
-                                      <p:cBhvr>
-                                        <p:cTn id="6" dur="1" fill="hold">
-                                          <p:stCondLst>
-                                            <p:cond delay="0"/>
-                                          </p:stCondLst>
-                                        </p:cTn>
-                                        <p:tgtEl>
-                                          <p:spTgt spid="3">
-                                            <p:txEl>
-                                              <p:pRg st="0" end="0"/>
-                                            </p:txEl>
-                                          </p:spTgt>
-                                        </p:tgtEl>
-                                        <p:attrNameLst>
-                                          <p:attrName>style.visibility</p:attrName>
-                                        </p:attrNameLst>
-                                      </p:cBhvr>
-                                      <p:to>
-                                        <p:strVal val="visible"/>
-                                      </p:to>
-                                    </p:set>
-                                  </p:childTnLst>
-                                </p:cTn>
-                              </p:par>
-                            </p:childTnLst>
-                          </p:cTn>
-                        </p:par>
-                      </p:childTnLst>
-                    </p:cTn>
-                  </p:par>
-                </p:childTnLst>
-              </p:cTn>
-              <p:prevCondLst>
-                <p:cond evt="onPrev" delay="0">
-                  <p:tgtEl>
-                    <p:sldTgt/>
-                  </p:tgtEl>
-                </p:cond>
-              </p:prevCondLst>
-              <p:nextCondLst>
-                <p:cond evt="onNext" delay="0">
-                  <p:tgtEl>
-                    <p:sldTgt/>
-                  </p:tgtEl>
-                </p:cond>
-              </p:nextCondLst>
-            </p:seq>
-          </p:childTnLst>
-        </p:cTn>
-      </p:par>
-    </p:tnLst>
-  </p:timing>
-</p:sld>
-</file>
-
 <file path=ppt/theme/theme1.xml><?xml version="1.0" encoding="utf-8"?>
 <a:theme xmlns:a="http://schemas.openxmlformats.org/drawingml/2006/main" name="Tema do Office">
   <a:themeElements>
